--- a/presentations/Dart.pptx
+++ b/presentations/Dart.pptx
@@ -6,10 +6,10 @@
     <p:sldMasterId id="2147483656" r:id="rId2"/>
   </p:sldMasterIdLst>
   <p:notesMasterIdLst>
-    <p:notesMasterId r:id="rId21"/>
+    <p:notesMasterId r:id="rId28"/>
   </p:notesMasterIdLst>
   <p:handoutMasterIdLst>
-    <p:handoutMasterId r:id="rId22"/>
+    <p:handoutMasterId r:id="rId29"/>
   </p:handoutMasterIdLst>
   <p:sldIdLst>
     <p:sldId id="256" r:id="rId3"/>
@@ -30,6 +30,13 @@
     <p:sldId id="281" r:id="rId18"/>
     <p:sldId id="309" r:id="rId19"/>
     <p:sldId id="282" r:id="rId20"/>
+    <p:sldId id="288" r:id="rId21"/>
+    <p:sldId id="289" r:id="rId22"/>
+    <p:sldId id="290" r:id="rId23"/>
+    <p:sldId id="291" r:id="rId24"/>
+    <p:sldId id="292" r:id="rId25"/>
+    <p:sldId id="293" r:id="rId26"/>
+    <p:sldId id="294" r:id="rId27"/>
   </p:sldIdLst>
   <p:sldSz cx="12192000" cy="6858000"/>
   <p:notesSz cx="6858000" cy="9144000"/>
@@ -173,13 +180,23 @@
           <p14:sldIdLst/>
         </p14:section>
         <p14:section name="Wiederholungen" id="{73AB8712-4E2F-4040-9017-514AEF21DC08}">
-          <p14:sldIdLst/>
+          <p14:sldIdLst>
+            <p14:sldId id="288"/>
+            <p14:sldId id="289"/>
+          </p14:sldIdLst>
         </p14:section>
         <p14:section name="Wahrheitswerte" id="{4B6C73D6-2AD1-474F-AF6B-C90110223A5C}">
-          <p14:sldIdLst/>
+          <p14:sldIdLst>
+            <p14:sldId id="290"/>
+            <p14:sldId id="291"/>
+            <p14:sldId id="292"/>
+          </p14:sldIdLst>
         </p14:section>
         <p14:section name="Verzweigungen" id="{D12F182A-0B35-4F29-BE79-871A7FEF371C}">
-          <p14:sldIdLst/>
+          <p14:sldIdLst>
+            <p14:sldId id="293"/>
+            <p14:sldId id="294"/>
+          </p14:sldIdLst>
         </p14:section>
         <p14:section name="Listen" id="{7B341E35-302E-4EF2-A04B-B7E558EEEB6F}">
           <p14:sldIdLst/>
@@ -336,7 +353,7 @@
                   <a:schemeClr val="tx2"/>
                 </a:solidFill>
               </a:rPr>
-              <a:t>16.01.2023</a:t>
+              <a:t>23.01.2023</a:t>
             </a:fld>
             <a:endParaRPr lang="de-DE">
               <a:solidFill>
@@ -686,7 +703,7 @@
             <a:fld id="{B4113CCE-1A1A-46DB-884A-AE560F65C3AF}" type="datetimeFigureOut">
               <a:rPr lang="de-DE" smtClean="0"/>
               <a:pPr/>
-              <a:t>16.01.2023</a:t>
+              <a:t>23.01.2023</a:t>
             </a:fld>
             <a:endParaRPr lang="de-DE"/>
           </a:p>
@@ -1803,6 +1820,517 @@
 </p:notes>
 </file>
 
+<file path=ppt/notesSlides/notesSlide15.xml><?xml version="1.0" encoding="utf-8"?>
+<p:notes xmlns:a="http://schemas.openxmlformats.org/drawingml/2006/main" xmlns:r="http://schemas.openxmlformats.org/officeDocument/2006/relationships" xmlns:p="http://schemas.openxmlformats.org/presentationml/2006/main">
+  <p:cSld>
+    <p:spTree>
+      <p:nvGrpSpPr>
+        <p:cNvPr id="1" name=""/>
+        <p:cNvGrpSpPr/>
+        <p:nvPr/>
+      </p:nvGrpSpPr>
+      <p:grpSpPr>
+        <a:xfrm>
+          <a:off x="0" y="0"/>
+          <a:ext cx="0" cy="0"/>
+          <a:chOff x="0" y="0"/>
+          <a:chExt cx="0" cy="0"/>
+        </a:xfrm>
+      </p:grpSpPr>
+      <p:sp>
+        <p:nvSpPr>
+          <p:cNvPr id="2" name="Folienbildplatzhalter 1"/>
+          <p:cNvSpPr>
+            <a:spLocks noGrp="1" noRot="1" noChangeAspect="1"/>
+          </p:cNvSpPr>
+          <p:nvPr>
+            <p:ph type="sldImg"/>
+          </p:nvPr>
+        </p:nvSpPr>
+        <p:spPr>
+          <a:xfrm>
+            <a:off x="685800" y="1143000"/>
+            <a:ext cx="4270375" cy="2401888"/>
+          </a:xfrm>
+        </p:spPr>
+      </p:sp>
+      <p:sp>
+        <p:nvSpPr>
+          <p:cNvPr id="3" name="Notizenplatzhalter 2"/>
+          <p:cNvSpPr>
+            <a:spLocks noGrp="1"/>
+          </p:cNvSpPr>
+          <p:nvPr>
+            <p:ph type="body" idx="1"/>
+          </p:nvPr>
+        </p:nvSpPr>
+        <p:spPr/>
+        <p:txBody>
+          <a:bodyPr/>
+          <a:lstStyle/>
+          <a:p>
+            <a:r>
+              <a:rPr lang="de-DE" dirty="0"/>
+              <a:t>Das Ende ist bei &lt; exklusive, bei &lt;= inklusiv. </a:t>
+            </a:r>
+          </a:p>
+          <a:p>
+            <a:r>
+              <a:rPr lang="de-DE" dirty="0"/>
+              <a:t>&lt; kommt deutlich öfter vor als &lt;=. Überlege, ob Du &lt;= ende oder &lt; ende+1 schreiben willst.</a:t>
+            </a:r>
+          </a:p>
+          <a:p>
+            <a:r>
+              <a:rPr lang="de-DE" dirty="0"/>
+              <a:t>Die Zahl muss nicht um 1 erhöht werden. Das ist aber wiederum der häufigste Fall.</a:t>
+            </a:r>
+          </a:p>
+        </p:txBody>
+      </p:sp>
+      <p:sp>
+        <p:nvSpPr>
+          <p:cNvPr id="4" name="Foliennummernplatzhalter 3"/>
+          <p:cNvSpPr>
+            <a:spLocks noGrp="1"/>
+          </p:cNvSpPr>
+          <p:nvPr>
+            <p:ph type="sldNum" sz="quarter" idx="5"/>
+          </p:nvPr>
+        </p:nvSpPr>
+        <p:spPr/>
+        <p:txBody>
+          <a:bodyPr/>
+          <a:lstStyle/>
+          <a:p>
+            <a:fld id="{927DBD90-B360-417B-B4B3-F05A4AFC1996}" type="slidenum">
+              <a:rPr lang="de-DE" smtClean="0"/>
+              <a:pPr/>
+              <a:t>19</a:t>
+            </a:fld>
+            <a:endParaRPr lang="de-DE"/>
+          </a:p>
+        </p:txBody>
+      </p:sp>
+    </p:spTree>
+    <p:extLst>
+      <p:ext uri="{BB962C8B-B14F-4D97-AF65-F5344CB8AC3E}">
+        <p14:creationId xmlns:p14="http://schemas.microsoft.com/office/powerpoint/2010/main" val="1074791135"/>
+      </p:ext>
+    </p:extLst>
+  </p:cSld>
+  <p:clrMapOvr>
+    <a:masterClrMapping/>
+  </p:clrMapOvr>
+</p:notes>
+</file>
+
+<file path=ppt/notesSlides/notesSlide16.xml><?xml version="1.0" encoding="utf-8"?>
+<p:notes xmlns:a="http://schemas.openxmlformats.org/drawingml/2006/main" xmlns:r="http://schemas.openxmlformats.org/officeDocument/2006/relationships" xmlns:p="http://schemas.openxmlformats.org/presentationml/2006/main">
+  <p:cSld>
+    <p:spTree>
+      <p:nvGrpSpPr>
+        <p:cNvPr id="1" name=""/>
+        <p:cNvGrpSpPr/>
+        <p:nvPr/>
+      </p:nvGrpSpPr>
+      <p:grpSpPr>
+        <a:xfrm>
+          <a:off x="0" y="0"/>
+          <a:ext cx="0" cy="0"/>
+          <a:chOff x="0" y="0"/>
+          <a:chExt cx="0" cy="0"/>
+        </a:xfrm>
+      </p:grpSpPr>
+      <p:sp>
+        <p:nvSpPr>
+          <p:cNvPr id="2" name="Folienbildplatzhalter 1"/>
+          <p:cNvSpPr>
+            <a:spLocks noGrp="1" noRot="1" noChangeAspect="1"/>
+          </p:cNvSpPr>
+          <p:nvPr>
+            <p:ph type="sldImg"/>
+          </p:nvPr>
+        </p:nvSpPr>
+        <p:spPr>
+          <a:xfrm>
+            <a:off x="685800" y="1143000"/>
+            <a:ext cx="4270375" cy="2401888"/>
+          </a:xfrm>
+        </p:spPr>
+      </p:sp>
+      <p:sp>
+        <p:nvSpPr>
+          <p:cNvPr id="3" name="Notizenplatzhalter 2"/>
+          <p:cNvSpPr>
+            <a:spLocks noGrp="1"/>
+          </p:cNvSpPr>
+          <p:nvPr>
+            <p:ph type="body" idx="1"/>
+          </p:nvPr>
+        </p:nvSpPr>
+        <p:spPr/>
+        <p:txBody>
+          <a:bodyPr/>
+          <a:lstStyle/>
+          <a:p>
+            <a:r>
+              <a:rPr lang="de-DE" dirty="0"/>
+              <a:t>Wie oft muss die Zahl 1.0007 mit sich selbst multipliziert werden, bis sie 1000 überschreitet?</a:t>
+            </a:r>
+          </a:p>
+          <a:p>
+            <a:r>
+              <a:rPr lang="de-DE" dirty="0"/>
+              <a:t>Wir kennen die Anzahl nicht im Voraus, daher lassen wir den Computer anhand einer Bedingung entscheiden, wie lange er rechnet.</a:t>
+            </a:r>
+          </a:p>
+        </p:txBody>
+      </p:sp>
+      <p:sp>
+        <p:nvSpPr>
+          <p:cNvPr id="4" name="Foliennummernplatzhalter 3"/>
+          <p:cNvSpPr>
+            <a:spLocks noGrp="1"/>
+          </p:cNvSpPr>
+          <p:nvPr>
+            <p:ph type="sldNum" sz="quarter" idx="5"/>
+          </p:nvPr>
+        </p:nvSpPr>
+        <p:spPr/>
+        <p:txBody>
+          <a:bodyPr/>
+          <a:lstStyle/>
+          <a:p>
+            <a:fld id="{927DBD90-B360-417B-B4B3-F05A4AFC1996}" type="slidenum">
+              <a:rPr lang="de-DE" smtClean="0"/>
+              <a:pPr/>
+              <a:t>20</a:t>
+            </a:fld>
+            <a:endParaRPr lang="de-DE"/>
+          </a:p>
+        </p:txBody>
+      </p:sp>
+    </p:spTree>
+    <p:extLst>
+      <p:ext uri="{BB962C8B-B14F-4D97-AF65-F5344CB8AC3E}">
+        <p14:creationId xmlns:p14="http://schemas.microsoft.com/office/powerpoint/2010/main" val="171656243"/>
+      </p:ext>
+    </p:extLst>
+  </p:cSld>
+  <p:clrMapOvr>
+    <a:masterClrMapping/>
+  </p:clrMapOvr>
+</p:notes>
+</file>
+
+<file path=ppt/notesSlides/notesSlide17.xml><?xml version="1.0" encoding="utf-8"?>
+<p:notes xmlns:a="http://schemas.openxmlformats.org/drawingml/2006/main" xmlns:r="http://schemas.openxmlformats.org/officeDocument/2006/relationships" xmlns:p="http://schemas.openxmlformats.org/presentationml/2006/main">
+  <p:cSld>
+    <p:spTree>
+      <p:nvGrpSpPr>
+        <p:cNvPr id="1" name=""/>
+        <p:cNvGrpSpPr/>
+        <p:nvPr/>
+      </p:nvGrpSpPr>
+      <p:grpSpPr>
+        <a:xfrm>
+          <a:off x="0" y="0"/>
+          <a:ext cx="0" cy="0"/>
+          <a:chOff x="0" y="0"/>
+          <a:chExt cx="0" cy="0"/>
+        </a:xfrm>
+      </p:grpSpPr>
+      <p:sp>
+        <p:nvSpPr>
+          <p:cNvPr id="2" name="Folienbildplatzhalter 1"/>
+          <p:cNvSpPr>
+            <a:spLocks noGrp="1" noRot="1" noChangeAspect="1"/>
+          </p:cNvSpPr>
+          <p:nvPr>
+            <p:ph type="sldImg"/>
+          </p:nvPr>
+        </p:nvSpPr>
+        <p:spPr>
+          <a:xfrm>
+            <a:off x="685800" y="1143000"/>
+            <a:ext cx="4270375" cy="2401888"/>
+          </a:xfrm>
+        </p:spPr>
+      </p:sp>
+      <p:sp>
+        <p:nvSpPr>
+          <p:cNvPr id="3" name="Notizenplatzhalter 2"/>
+          <p:cNvSpPr>
+            <a:spLocks noGrp="1"/>
+          </p:cNvSpPr>
+          <p:nvPr>
+            <p:ph type="body" idx="1"/>
+          </p:nvPr>
+        </p:nvSpPr>
+        <p:spPr/>
+        <p:txBody>
+          <a:bodyPr/>
+          <a:lstStyle/>
+          <a:p>
+            <a:r>
+              <a:rPr lang="de-DE" dirty="0"/>
+              <a:t>Bug </a:t>
+            </a:r>
+            <a:r>
+              <a:rPr lang="de-DE" dirty="0" err="1"/>
+              <a:t>reports</a:t>
+            </a:r>
+            <a:r>
+              <a:rPr lang="de-DE" dirty="0"/>
+              <a:t>:</a:t>
+            </a:r>
+          </a:p>
+          <a:p>
+            <a:pPr marL="0" marR="0" lvl="0" indent="0" algn="l" defTabSz="914400" rtl="0" eaLnBrk="1" fontAlgn="auto" latinLnBrk="0" hangingPunct="1">
+              <a:lnSpc>
+                <a:spcPct val="100000"/>
+              </a:lnSpc>
+              <a:spcBef>
+                <a:spcPts val="0"/>
+              </a:spcBef>
+              <a:spcAft>
+                <a:spcPts val="0"/>
+              </a:spcAft>
+              <a:buClrTx/>
+              <a:buSzTx/>
+              <a:buFontTx/>
+              <a:buNone/>
+              <a:tabLst/>
+              <a:defRPr/>
+            </a:pPr>
+            <a:r>
+              <a:rPr lang="en-US" dirty="0"/>
+              <a:t>Tooltip suggestion for bitwise &amp; in a logical </a:t>
+            </a:r>
+            <a:r>
+              <a:rPr lang="en-US" dirty="0" err="1"/>
+              <a:t>boolean</a:t>
+            </a:r>
+            <a:r>
+              <a:rPr lang="en-US" dirty="0"/>
+              <a:t> expression </a:t>
+            </a:r>
+          </a:p>
+          <a:p>
+            <a:r>
+              <a:rPr lang="de-DE" dirty="0"/>
+              <a:t>https://youtrack.jetbrains.com/issue/IDEA-278654</a:t>
+            </a:r>
+          </a:p>
+          <a:p>
+            <a:pPr marL="0" marR="0" lvl="0" indent="0" algn="l" defTabSz="914400" rtl="0" eaLnBrk="1" fontAlgn="auto" latinLnBrk="0" hangingPunct="1">
+              <a:lnSpc>
+                <a:spcPct val="100000"/>
+              </a:lnSpc>
+              <a:spcBef>
+                <a:spcPts val="0"/>
+              </a:spcBef>
+              <a:spcAft>
+                <a:spcPts val="0"/>
+              </a:spcAft>
+              <a:buClrTx/>
+              <a:buSzTx/>
+              <a:buFontTx/>
+              <a:buNone/>
+              <a:tabLst/>
+              <a:defRPr/>
+            </a:pPr>
+            <a:r>
+              <a:rPr lang="en-US" dirty="0" err="1"/>
+              <a:t>Quickfix</a:t>
+            </a:r>
+            <a:r>
+              <a:rPr lang="en-US" dirty="0"/>
+              <a:t> does not fix logical operator according to suggestion </a:t>
+            </a:r>
+          </a:p>
+          <a:p>
+            <a:r>
+              <a:rPr lang="de-DE" dirty="0"/>
+              <a:t>https://youtrack.jetbrains.com/issue/IDEA-278655</a:t>
+            </a:r>
+          </a:p>
+          <a:p>
+            <a:pPr marL="0" marR="0" lvl="0" indent="0" algn="l" defTabSz="914400" rtl="0" eaLnBrk="1" fontAlgn="auto" latinLnBrk="0" hangingPunct="1">
+              <a:lnSpc>
+                <a:spcPct val="100000"/>
+              </a:lnSpc>
+              <a:spcBef>
+                <a:spcPts val="0"/>
+              </a:spcBef>
+              <a:spcAft>
+                <a:spcPts val="0"/>
+              </a:spcAft>
+              <a:buClrTx/>
+              <a:buSzTx/>
+              <a:buFontTx/>
+              <a:buNone/>
+              <a:tabLst/>
+              <a:defRPr/>
+            </a:pPr>
+            <a:r>
+              <a:rPr lang="en-US" dirty="0"/>
+              <a:t>Simplification of </a:t>
+            </a:r>
+            <a:r>
+              <a:rPr lang="en-US" dirty="0" err="1"/>
+              <a:t>boolean</a:t>
+            </a:r>
+            <a:r>
+              <a:rPr lang="en-US" dirty="0"/>
+              <a:t> expression with &amp;&amp; not offered </a:t>
+            </a:r>
+          </a:p>
+          <a:p>
+            <a:r>
+              <a:rPr lang="de-DE" dirty="0"/>
+              <a:t>https://youtrack.jetbrains.com/issue/IDEA-278656</a:t>
+            </a:r>
+          </a:p>
+        </p:txBody>
+      </p:sp>
+      <p:sp>
+        <p:nvSpPr>
+          <p:cNvPr id="4" name="Foliennummernplatzhalter 3"/>
+          <p:cNvSpPr>
+            <a:spLocks noGrp="1"/>
+          </p:cNvSpPr>
+          <p:nvPr>
+            <p:ph type="sldNum" sz="quarter" idx="5"/>
+          </p:nvPr>
+        </p:nvSpPr>
+        <p:spPr/>
+        <p:txBody>
+          <a:bodyPr/>
+          <a:lstStyle/>
+          <a:p>
+            <a:fld id="{927DBD90-B360-417B-B4B3-F05A4AFC1996}" type="slidenum">
+              <a:rPr lang="de-DE" smtClean="0"/>
+              <a:pPr/>
+              <a:t>22</a:t>
+            </a:fld>
+            <a:endParaRPr lang="de-DE"/>
+          </a:p>
+        </p:txBody>
+      </p:sp>
+    </p:spTree>
+    <p:extLst>
+      <p:ext uri="{BB962C8B-B14F-4D97-AF65-F5344CB8AC3E}">
+        <p14:creationId xmlns:p14="http://schemas.microsoft.com/office/powerpoint/2010/main" val="600016038"/>
+      </p:ext>
+    </p:extLst>
+  </p:cSld>
+  <p:clrMapOvr>
+    <a:masterClrMapping/>
+  </p:clrMapOvr>
+</p:notes>
+</file>
+
+<file path=ppt/notesSlides/notesSlide18.xml><?xml version="1.0" encoding="utf-8"?>
+<p:notes xmlns:a="http://schemas.openxmlformats.org/drawingml/2006/main" xmlns:r="http://schemas.openxmlformats.org/officeDocument/2006/relationships" xmlns:p="http://schemas.openxmlformats.org/presentationml/2006/main">
+  <p:cSld>
+    <p:spTree>
+      <p:nvGrpSpPr>
+        <p:cNvPr id="1" name=""/>
+        <p:cNvGrpSpPr/>
+        <p:nvPr/>
+      </p:nvGrpSpPr>
+      <p:grpSpPr>
+        <a:xfrm>
+          <a:off x="0" y="0"/>
+          <a:ext cx="0" cy="0"/>
+          <a:chOff x="0" y="0"/>
+          <a:chExt cx="0" cy="0"/>
+        </a:xfrm>
+      </p:grpSpPr>
+      <p:sp>
+        <p:nvSpPr>
+          <p:cNvPr id="2" name="Folienbildplatzhalter 1"/>
+          <p:cNvSpPr>
+            <a:spLocks noGrp="1" noRot="1" noChangeAspect="1"/>
+          </p:cNvSpPr>
+          <p:nvPr>
+            <p:ph type="sldImg"/>
+          </p:nvPr>
+        </p:nvSpPr>
+        <p:spPr>
+          <a:xfrm>
+            <a:off x="685800" y="1143000"/>
+            <a:ext cx="4270375" cy="2401888"/>
+          </a:xfrm>
+        </p:spPr>
+      </p:sp>
+      <p:sp>
+        <p:nvSpPr>
+          <p:cNvPr id="3" name="Notizenplatzhalter 2"/>
+          <p:cNvSpPr>
+            <a:spLocks noGrp="1"/>
+          </p:cNvSpPr>
+          <p:nvPr>
+            <p:ph type="body" idx="1"/>
+          </p:nvPr>
+        </p:nvSpPr>
+        <p:spPr/>
+        <p:txBody>
+          <a:bodyPr/>
+          <a:lstStyle/>
+          <a:p>
+            <a:r>
+              <a:rPr lang="de-DE" dirty="0"/>
+              <a:t>Die mathematische Operatoren ≤ und ≥ können wir so nicht einfach hinschreiben. Wir trennen sie auf in zwei Zeichen &lt;= und &gt;=.</a:t>
+            </a:r>
+          </a:p>
+          <a:p>
+            <a:r>
+              <a:rPr lang="de-DE" dirty="0"/>
+              <a:t>Im Gegensatz zu Python müssen die beiden Einzelbedingungen getrennt werden und dann mit &amp;&amp; verknüpft werden.</a:t>
+            </a:r>
+          </a:p>
+        </p:txBody>
+      </p:sp>
+      <p:sp>
+        <p:nvSpPr>
+          <p:cNvPr id="4" name="Foliennummernplatzhalter 3"/>
+          <p:cNvSpPr>
+            <a:spLocks noGrp="1"/>
+          </p:cNvSpPr>
+          <p:nvPr>
+            <p:ph type="sldNum" sz="quarter" idx="5"/>
+          </p:nvPr>
+        </p:nvSpPr>
+        <p:spPr/>
+        <p:txBody>
+          <a:bodyPr/>
+          <a:lstStyle/>
+          <a:p>
+            <a:fld id="{927DBD90-B360-417B-B4B3-F05A4AFC1996}" type="slidenum">
+              <a:rPr lang="de-DE" smtClean="0"/>
+              <a:pPr/>
+              <a:t>23</a:t>
+            </a:fld>
+            <a:endParaRPr lang="de-DE"/>
+          </a:p>
+        </p:txBody>
+      </p:sp>
+    </p:spTree>
+    <p:extLst>
+      <p:ext uri="{BB962C8B-B14F-4D97-AF65-F5344CB8AC3E}">
+        <p14:creationId xmlns:p14="http://schemas.microsoft.com/office/powerpoint/2010/main" val="2891175819"/>
+      </p:ext>
+    </p:extLst>
+  </p:cSld>
+  <p:clrMapOvr>
+    <a:masterClrMapping/>
+  </p:clrMapOvr>
+</p:notes>
+</file>
+
 <file path=ppt/notesSlides/notesSlide2.xml><?xml version="1.0" encoding="utf-8"?>
 <p:notes xmlns:a="http://schemas.openxmlformats.org/drawingml/2006/main" xmlns:r="http://schemas.openxmlformats.org/officeDocument/2006/relationships" xmlns:p="http://schemas.openxmlformats.org/presentationml/2006/main">
   <p:cSld>
@@ -2807,7 +3335,7 @@
           <a:p>
             <a:fld id="{4E6DF7AA-8899-480A-AE8B-97B651237939}" type="datetime1">
               <a:rPr lang="de-DE" smtClean="0"/>
-              <a:t>16.01.2023</a:t>
+              <a:t>23.01.2023</a:t>
             </a:fld>
             <a:endParaRPr lang="de-DE"/>
           </a:p>
@@ -3012,7 +3540,7 @@
           <a:p>
             <a:fld id="{A1082C62-1968-4D03-BE49-CB116A4D6814}" type="datetime1">
               <a:rPr lang="de-DE" smtClean="0"/>
-              <a:t>16.01.2023</a:t>
+              <a:t>23.01.2023</a:t>
             </a:fld>
             <a:endParaRPr lang="de-DE"/>
           </a:p>
@@ -3166,7 +3694,7 @@
           <a:p>
             <a:fld id="{C0E04462-FF80-4281-98D0-2AB88E65DA84}" type="datetime1">
               <a:rPr lang="de-DE" smtClean="0"/>
-              <a:t>16.01.2023</a:t>
+              <a:t>23.01.2023</a:t>
             </a:fld>
             <a:endParaRPr lang="de-DE"/>
           </a:p>
@@ -3403,7 +3931,7 @@
           <a:p>
             <a:fld id="{1FAA5A7F-2A4E-40D6-9FFE-960B13817A2C}" type="datetime1">
               <a:rPr lang="de-DE" smtClean="0"/>
-              <a:t>16.01.2023</a:t>
+              <a:t>23.01.2023</a:t>
             </a:fld>
             <a:endParaRPr lang="de-DE"/>
           </a:p>
@@ -3579,7 +4107,7 @@
           <a:p>
             <a:fld id="{382DDC3E-10C9-4B92-B2FB-A8167FB6AB1D}" type="datetime1">
               <a:rPr lang="de-DE" smtClean="0"/>
-              <a:t>16.01.2023</a:t>
+              <a:t>23.01.2023</a:t>
             </a:fld>
             <a:endParaRPr lang="de-DE"/>
           </a:p>
@@ -3755,7 +4283,7 @@
           <a:p>
             <a:fld id="{8159FE7A-07D2-4D3F-9855-29B7F3DF1D43}" type="datetime1">
               <a:rPr lang="de-DE" smtClean="0"/>
-              <a:t>16.01.2023</a:t>
+              <a:t>23.01.2023</a:t>
             </a:fld>
             <a:endParaRPr lang="de-DE"/>
           </a:p>
@@ -3905,7 +4433,7 @@
           <a:p>
             <a:fld id="{7CF1A54B-9CB9-49D3-BA48-5A7ECDBA0943}" type="datetime1">
               <a:rPr lang="de-DE" smtClean="0"/>
-              <a:t>16.01.2023</a:t>
+              <a:t>23.01.2023</a:t>
             </a:fld>
             <a:endParaRPr lang="de-DE"/>
           </a:p>
@@ -4003,7 +4531,7 @@
           <a:p>
             <a:fld id="{5621DBFA-780B-465A-97B9-CC4792E01430}" type="datetime1">
               <a:rPr lang="de-DE" smtClean="0"/>
-              <a:t>16.01.2023</a:t>
+              <a:t>23.01.2023</a:t>
             </a:fld>
             <a:endParaRPr lang="de-DE"/>
           </a:p>
@@ -4127,7 +4655,7 @@
           <a:p>
             <a:fld id="{13ADA68E-BD65-4999-8C0B-CC0F110C2BD3}" type="datetime1">
               <a:rPr lang="de-DE" smtClean="0"/>
-              <a:t>16.01.2023</a:t>
+              <a:t>23.01.2023</a:t>
             </a:fld>
             <a:endParaRPr lang="de-DE"/>
           </a:p>
@@ -4311,7 +4839,7 @@
           <a:p>
             <a:fld id="{93B55C80-8AAA-4242-8442-4A53184707C3}" type="datetime1">
               <a:rPr lang="de-DE" smtClean="0"/>
-              <a:t>16.01.2023</a:t>
+              <a:t>23.01.2023</a:t>
             </a:fld>
             <a:endParaRPr lang="de-DE"/>
           </a:p>
@@ -4516,7 +5044,7 @@
           <a:p>
             <a:fld id="{4485BB24-7FA9-422A-BF70-F9FA49C1D9F8}" type="datetime1">
               <a:rPr lang="de-DE" smtClean="0"/>
-              <a:t>16.01.2023</a:t>
+              <a:t>23.01.2023</a:t>
             </a:fld>
             <a:endParaRPr lang="de-DE"/>
           </a:p>
@@ -4874,7 +5402,7 @@
           <a:p>
             <a:fld id="{3CD93E9C-CF59-4162-A977-F7642EDBB23A}" type="datetime1">
               <a:rPr lang="de-DE" smtClean="0"/>
-              <a:t>16.01.2023</a:t>
+              <a:t>23.01.2023</a:t>
             </a:fld>
             <a:endParaRPr lang="de-DE" dirty="0"/>
           </a:p>
@@ -5515,7 +6043,7 @@
           <a:p>
             <a:fld id="{6FE8A2CE-6D32-4716-A090-EDD7EE0B4140}" type="datetime1">
               <a:rPr lang="de-DE" smtClean="0"/>
-              <a:t>16.01.2023</a:t>
+              <a:t>23.01.2023</a:t>
             </a:fld>
             <a:endParaRPr lang="de-DE" dirty="0"/>
           </a:p>
@@ -6187,7 +6715,7 @@
           <a:p>
             <a:fld id="{603113A9-B1ED-4EC0-A094-9858FCF2D0C8}" type="datetime1">
               <a:rPr lang="de-DE" smtClean="0"/>
-              <a:t>16.01.2023</a:t>
+              <a:t>23.01.2023</a:t>
             </a:fld>
             <a:endParaRPr lang="de-DE"/>
           </a:p>
@@ -6342,15 +6870,10 @@
             <p:ph idx="1"/>
           </p:nvPr>
         </p:nvSpPr>
-        <p:spPr>
-          <a:xfrm>
-            <a:off x="838200" y="1520825"/>
-            <a:ext cx="9271475" cy="1996728"/>
-          </a:xfrm>
-        </p:spPr>
+        <p:spPr/>
         <p:txBody>
           <a:bodyPr>
-            <a:normAutofit lnSpcReduction="10000"/>
+            <a:normAutofit/>
           </a:bodyPr>
           <a:lstStyle/>
           <a:p>
@@ -6402,7 +6925,7 @@
           <a:p>
             <a:fld id="{B70EBCA3-FB0B-48D9-A2E5-56DBD5624AFE}" type="datetime1">
               <a:rPr lang="de-DE" smtClean="0"/>
-              <a:t>16.01.2023</a:t>
+              <a:t>23.01.2023</a:t>
             </a:fld>
             <a:endParaRPr lang="de-DE"/>
           </a:p>
@@ -6569,12 +7092,7 @@
             <p:ph idx="1"/>
           </p:nvPr>
         </p:nvSpPr>
-        <p:spPr>
-          <a:xfrm>
-            <a:off x="838200" y="1520826"/>
-            <a:ext cx="10514013" cy="1658310"/>
-          </a:xfrm>
-        </p:spPr>
+        <p:spPr/>
         <p:txBody>
           <a:bodyPr>
             <a:normAutofit/>
@@ -6716,7 +7234,7 @@
           <a:p>
             <a:fld id="{AAEBEB04-CBF0-4835-872C-2565D4E2EBF1}" type="datetime1">
               <a:rPr lang="de-DE" smtClean="0"/>
-              <a:t>16.01.2023</a:t>
+              <a:t>23.01.2023</a:t>
             </a:fld>
             <a:endParaRPr lang="de-DE"/>
           </a:p>
@@ -6984,7 +7502,7 @@
           <a:p>
             <a:fld id="{8F663D0B-A90A-4472-ADF1-2D4D5E0E002A}" type="datetime1">
               <a:rPr lang="de-DE" smtClean="0"/>
-              <a:t>16.01.2023</a:t>
+              <a:t>23.01.2023</a:t>
             </a:fld>
             <a:endParaRPr lang="de-DE"/>
           </a:p>
@@ -7121,15 +7639,10 @@
             <p:ph idx="1"/>
           </p:nvPr>
         </p:nvSpPr>
-        <p:spPr>
-          <a:xfrm>
-            <a:off x="838200" y="1520825"/>
-            <a:ext cx="9271475" cy="2553997"/>
-          </a:xfrm>
-        </p:spPr>
+        <p:spPr/>
         <p:txBody>
           <a:bodyPr>
-            <a:normAutofit lnSpcReduction="10000"/>
+            <a:normAutofit/>
           </a:bodyPr>
           <a:lstStyle/>
           <a:p>
@@ -7288,7 +7801,7 @@
           <a:p>
             <a:fld id="{C81998FD-B568-4E47-AA9F-CE36B3FEB5BA}" type="datetime1">
               <a:rPr lang="de-DE" smtClean="0"/>
-              <a:t>16.01.2023</a:t>
+              <a:t>23.01.2023</a:t>
             </a:fld>
             <a:endParaRPr lang="de-DE"/>
           </a:p>
@@ -7485,15 +7998,10 @@
             <p:ph idx="1"/>
           </p:nvPr>
         </p:nvSpPr>
-        <p:spPr>
-          <a:xfrm>
-            <a:off x="838200" y="1520825"/>
-            <a:ext cx="9544665" cy="2424369"/>
-          </a:xfrm>
-        </p:spPr>
+        <p:spPr/>
         <p:txBody>
           <a:bodyPr>
-            <a:normAutofit fontScale="92500" lnSpcReduction="10000"/>
+            <a:normAutofit/>
           </a:bodyPr>
           <a:lstStyle/>
           <a:p>
@@ -7644,7 +8152,7 @@
           <a:p>
             <a:fld id="{0A4F56F1-7827-4042-A276-DAF40AC0B000}" type="datetime1">
               <a:rPr lang="de-DE" smtClean="0"/>
-              <a:t>16.01.2023</a:t>
+              <a:t>23.01.2023</a:t>
             </a:fld>
             <a:endParaRPr lang="de-DE"/>
           </a:p>
@@ -7942,7 +8450,7 @@
           <a:p>
             <a:fld id="{DAB02174-66FA-41E9-A997-DF7D3619438B}" type="datetime1">
               <a:rPr lang="de-DE" smtClean="0"/>
-              <a:t>16.01.2023</a:t>
+              <a:t>23.01.2023</a:t>
             </a:fld>
             <a:endParaRPr lang="de-DE"/>
           </a:p>
@@ -8323,7 +8831,7 @@
           <a:p>
             <a:fld id="{BDFFDF87-2C7B-4FBB-B7F3-0EB8FC88FA6F}" type="datetime1">
               <a:rPr lang="de-DE" smtClean="0"/>
-              <a:t>16.01.2023</a:t>
+              <a:t>23.01.2023</a:t>
             </a:fld>
             <a:endParaRPr lang="de-DE"/>
           </a:p>
@@ -8656,7 +9164,7 @@
           <a:p>
             <a:fld id="{4AEAFF43-79D1-488F-88E5-AECF0C52E4F6}" type="datetime1">
               <a:rPr lang="de-DE" smtClean="0"/>
-              <a:t>16.01.2023</a:t>
+              <a:t>23.01.2023</a:t>
             </a:fld>
             <a:endParaRPr lang="de-DE"/>
           </a:p>
@@ -8934,7 +9442,7 @@
           <a:p>
             <a:fld id="{F3624D99-4580-4939-A184-6854C4D65CB3}" type="datetime1">
               <a:rPr lang="de-DE" smtClean="0"/>
-              <a:t>16.01.2023</a:t>
+              <a:t>23.01.2023</a:t>
             </a:fld>
             <a:endParaRPr lang="de-DE"/>
           </a:p>
@@ -9001,6 +9509,376 @@
     <p:extLst>
       <p:ext uri="{BB962C8B-B14F-4D97-AF65-F5344CB8AC3E}">
         <p14:creationId xmlns:p14="http://schemas.microsoft.com/office/powerpoint/2010/main" val="2103130078"/>
+      </p:ext>
+    </p:extLst>
+  </p:cSld>
+  <p:clrMapOvr>
+    <a:masterClrMapping/>
+  </p:clrMapOvr>
+</p:sld>
+</file>
+
+<file path=ppt/slides/slide19.xml><?xml version="1.0" encoding="utf-8"?>
+<p:sld xmlns:a="http://schemas.openxmlformats.org/drawingml/2006/main" xmlns:r="http://schemas.openxmlformats.org/officeDocument/2006/relationships" xmlns:p="http://schemas.openxmlformats.org/presentationml/2006/main">
+  <p:cSld>
+    <p:spTree>
+      <p:nvGrpSpPr>
+        <p:cNvPr id="1" name=""/>
+        <p:cNvGrpSpPr/>
+        <p:nvPr/>
+      </p:nvGrpSpPr>
+      <p:grpSpPr>
+        <a:xfrm>
+          <a:off x="0" y="0"/>
+          <a:ext cx="0" cy="0"/>
+          <a:chOff x="0" y="0"/>
+          <a:chExt cx="0" cy="0"/>
+        </a:xfrm>
+      </p:grpSpPr>
+      <p:sp>
+        <p:nvSpPr>
+          <p:cNvPr id="2" name="Titel 1">
+            <a:extLst>
+              <a:ext uri="{FF2B5EF4-FFF2-40B4-BE49-F238E27FC236}">
+                <a16:creationId xmlns:a16="http://schemas.microsoft.com/office/drawing/2014/main" id="{495E46B9-86D6-4D35-827B-6CEB363EC834}"/>
+              </a:ext>
+            </a:extLst>
+          </p:cNvPr>
+          <p:cNvSpPr>
+            <a:spLocks noGrp="1"/>
+          </p:cNvSpPr>
+          <p:nvPr>
+            <p:ph type="title"/>
+          </p:nvPr>
+        </p:nvSpPr>
+        <p:spPr/>
+        <p:txBody>
+          <a:bodyPr/>
+          <a:lstStyle/>
+          <a:p>
+            <a:r>
+              <a:rPr lang="de-DE" dirty="0"/>
+              <a:t>Dart  -Wiederholungen</a:t>
+            </a:r>
+          </a:p>
+        </p:txBody>
+      </p:sp>
+      <p:sp>
+        <p:nvSpPr>
+          <p:cNvPr id="3" name="Inhaltsplatzhalter 2">
+            <a:extLst>
+              <a:ext uri="{FF2B5EF4-FFF2-40B4-BE49-F238E27FC236}">
+                <a16:creationId xmlns:a16="http://schemas.microsoft.com/office/drawing/2014/main" id="{2DF6E810-777F-4963-845F-682A3C84E64C}"/>
+              </a:ext>
+            </a:extLst>
+          </p:cNvPr>
+          <p:cNvSpPr>
+            <a:spLocks noGrp="1"/>
+          </p:cNvSpPr>
+          <p:nvPr>
+            <p:ph idx="1"/>
+          </p:nvPr>
+        </p:nvSpPr>
+        <p:spPr/>
+        <p:txBody>
+          <a:bodyPr/>
+          <a:lstStyle/>
+          <a:p>
+            <a:r>
+              <a:rPr lang="de-DE" dirty="0"/>
+              <a:t>Für eine bekannte Anzahl Durchläufe: </a:t>
+            </a:r>
+            <a:br>
+              <a:rPr lang="de-DE" dirty="0"/>
+            </a:br>
+            <a:r>
+              <a:rPr lang="de-DE" sz="3200" b="1" dirty="0" err="1">
+                <a:solidFill>
+                  <a:schemeClr val="accent1">
+                    <a:lumMod val="75000"/>
+                  </a:schemeClr>
+                </a:solidFill>
+                <a:ea typeface="+mj-ea"/>
+              </a:rPr>
+              <a:t>for</a:t>
+            </a:r>
+            <a:r>
+              <a:rPr lang="de-DE" sz="3200" b="1" dirty="0">
+                <a:solidFill>
+                  <a:schemeClr val="accent1">
+                    <a:lumMod val="75000"/>
+                  </a:schemeClr>
+                </a:solidFill>
+                <a:ea typeface="+mj-ea"/>
+              </a:rPr>
+              <a:t> (</a:t>
+            </a:r>
+            <a:r>
+              <a:rPr lang="de-DE" sz="3200" b="1" dirty="0" err="1">
+                <a:solidFill>
+                  <a:schemeClr val="accent1">
+                    <a:lumMod val="75000"/>
+                  </a:schemeClr>
+                </a:solidFill>
+                <a:ea typeface="+mj-ea"/>
+              </a:rPr>
+              <a:t>var</a:t>
+            </a:r>
+            <a:r>
+              <a:rPr lang="de-DE" sz="3200" b="1" dirty="0">
+                <a:solidFill>
+                  <a:schemeClr val="accent1">
+                    <a:lumMod val="75000"/>
+                  </a:schemeClr>
+                </a:solidFill>
+                <a:ea typeface="+mj-ea"/>
+              </a:rPr>
+              <a:t> </a:t>
+            </a:r>
+            <a:r>
+              <a:rPr lang="de-DE" sz="3200" b="1" i="1" dirty="0" err="1">
+                <a:solidFill>
+                  <a:schemeClr val="tx2"/>
+                </a:solidFill>
+                <a:ea typeface="+mj-ea"/>
+              </a:rPr>
+              <a:t>zähler</a:t>
+            </a:r>
+            <a:r>
+              <a:rPr lang="de-DE" sz="3200" b="1" dirty="0">
+                <a:solidFill>
+                  <a:schemeClr val="accent1">
+                    <a:lumMod val="75000"/>
+                  </a:schemeClr>
+                </a:solidFill>
+                <a:ea typeface="+mj-ea"/>
+              </a:rPr>
+              <a:t> = </a:t>
+            </a:r>
+            <a:r>
+              <a:rPr lang="de-DE" sz="3200" b="1" i="1" dirty="0" err="1">
+                <a:solidFill>
+                  <a:schemeClr val="tx2"/>
+                </a:solidFill>
+                <a:ea typeface="+mj-ea"/>
+              </a:rPr>
+              <a:t>anfang</a:t>
+            </a:r>
+            <a:r>
+              <a:rPr lang="de-DE" sz="3200" b="1" dirty="0">
+                <a:solidFill>
+                  <a:schemeClr val="accent1">
+                    <a:lumMod val="75000"/>
+                  </a:schemeClr>
+                </a:solidFill>
+                <a:ea typeface="+mj-ea"/>
+              </a:rPr>
+              <a:t>; </a:t>
+            </a:r>
+            <a:r>
+              <a:rPr lang="de-DE" sz="3200" b="1" i="1" dirty="0" err="1">
+                <a:solidFill>
+                  <a:schemeClr val="tx2"/>
+                </a:solidFill>
+                <a:ea typeface="+mj-ea"/>
+              </a:rPr>
+              <a:t>zähler</a:t>
+            </a:r>
+            <a:r>
+              <a:rPr lang="de-DE" sz="3200" b="1" dirty="0">
+                <a:solidFill>
+                  <a:schemeClr val="accent1">
+                    <a:lumMod val="75000"/>
+                  </a:schemeClr>
+                </a:solidFill>
+                <a:ea typeface="+mj-ea"/>
+              </a:rPr>
+              <a:t>&lt;</a:t>
+            </a:r>
+            <a:r>
+              <a:rPr lang="de-DE" sz="3200" b="1" i="1" dirty="0">
+                <a:solidFill>
+                  <a:schemeClr val="tx2"/>
+                </a:solidFill>
+                <a:ea typeface="+mj-ea"/>
+              </a:rPr>
+              <a:t>ende</a:t>
+            </a:r>
+            <a:r>
+              <a:rPr lang="de-DE" sz="3200" b="1" dirty="0">
+                <a:solidFill>
+                  <a:schemeClr val="accent1">
+                    <a:lumMod val="75000"/>
+                  </a:schemeClr>
+                </a:solidFill>
+                <a:ea typeface="+mj-ea"/>
+              </a:rPr>
+              <a:t>; </a:t>
+            </a:r>
+            <a:r>
+              <a:rPr lang="de-DE" sz="3200" b="1" i="1" dirty="0" err="1">
+                <a:solidFill>
+                  <a:schemeClr val="tx2"/>
+                </a:solidFill>
+                <a:ea typeface="+mj-ea"/>
+              </a:rPr>
+              <a:t>zähler</a:t>
+            </a:r>
+            <a:r>
+              <a:rPr lang="de-DE" sz="3200" b="1" dirty="0">
+                <a:solidFill>
+                  <a:schemeClr val="accent1">
+                    <a:lumMod val="75000"/>
+                  </a:schemeClr>
+                </a:solidFill>
+                <a:ea typeface="+mj-ea"/>
+              </a:rPr>
+              <a:t>++) { </a:t>
+            </a:r>
+            <a:r>
+              <a:rPr lang="de-DE" dirty="0"/>
+              <a:t>…</a:t>
+            </a:r>
+            <a:r>
+              <a:rPr lang="de-DE" sz="3200" b="1" dirty="0">
+                <a:solidFill>
+                  <a:schemeClr val="accent1">
+                    <a:lumMod val="75000"/>
+                  </a:schemeClr>
+                </a:solidFill>
+                <a:ea typeface="+mj-ea"/>
+              </a:rPr>
+              <a:t> }</a:t>
+            </a:r>
+          </a:p>
+          <a:p>
+            <a:r>
+              <a:rPr lang="de-DE" dirty="0"/>
+              <a:t>Zähler: oft i, j, k</a:t>
+            </a:r>
+          </a:p>
+        </p:txBody>
+      </p:sp>
+      <p:sp>
+        <p:nvSpPr>
+          <p:cNvPr id="4" name="Datumsplatzhalter 3">
+            <a:extLst>
+              <a:ext uri="{FF2B5EF4-FFF2-40B4-BE49-F238E27FC236}">
+                <a16:creationId xmlns:a16="http://schemas.microsoft.com/office/drawing/2014/main" id="{A0005513-0696-4B24-94B3-E0037265BB5A}"/>
+              </a:ext>
+            </a:extLst>
+          </p:cNvPr>
+          <p:cNvSpPr>
+            <a:spLocks noGrp="1"/>
+          </p:cNvSpPr>
+          <p:nvPr>
+            <p:ph type="dt" sz="half" idx="10"/>
+          </p:nvPr>
+        </p:nvSpPr>
+        <p:spPr/>
+        <p:txBody>
+          <a:bodyPr/>
+          <a:lstStyle/>
+          <a:p>
+            <a:fld id="{F2FEDD9D-5594-473A-899D-C0AD9514F726}" type="datetime1">
+              <a:rPr lang="de-DE" smtClean="0"/>
+              <a:t>23.01.2023</a:t>
+            </a:fld>
+            <a:endParaRPr lang="de-DE"/>
+          </a:p>
+        </p:txBody>
+      </p:sp>
+      <p:sp>
+        <p:nvSpPr>
+          <p:cNvPr id="5" name="Fußzeilenplatzhalter 4">
+            <a:extLst>
+              <a:ext uri="{FF2B5EF4-FFF2-40B4-BE49-F238E27FC236}">
+                <a16:creationId xmlns:a16="http://schemas.microsoft.com/office/drawing/2014/main" id="{330CD558-0E55-47E3-AECD-AF36602EB590}"/>
+              </a:ext>
+            </a:extLst>
+          </p:cNvPr>
+          <p:cNvSpPr>
+            <a:spLocks noGrp="1"/>
+          </p:cNvSpPr>
+          <p:nvPr>
+            <p:ph type="ftr" sz="quarter" idx="11"/>
+          </p:nvPr>
+        </p:nvSpPr>
+        <p:spPr/>
+        <p:txBody>
+          <a:bodyPr/>
+          <a:lstStyle/>
+          <a:p>
+            <a:r>
+              <a:rPr lang="de-DE"/>
+              <a:t>Dart - Programmiersprache für Smartphones</a:t>
+            </a:r>
+          </a:p>
+        </p:txBody>
+      </p:sp>
+      <p:sp>
+        <p:nvSpPr>
+          <p:cNvPr id="6" name="Foliennummernplatzhalter 5">
+            <a:extLst>
+              <a:ext uri="{FF2B5EF4-FFF2-40B4-BE49-F238E27FC236}">
+                <a16:creationId xmlns:a16="http://schemas.microsoft.com/office/drawing/2014/main" id="{4ACC37DE-821B-4C73-83C3-3533E90CD293}"/>
+              </a:ext>
+            </a:extLst>
+          </p:cNvPr>
+          <p:cNvSpPr>
+            <a:spLocks noGrp="1"/>
+          </p:cNvSpPr>
+          <p:nvPr>
+            <p:ph type="sldNum" sz="quarter" idx="12"/>
+          </p:nvPr>
+        </p:nvSpPr>
+        <p:spPr/>
+        <p:txBody>
+          <a:bodyPr/>
+          <a:lstStyle/>
+          <a:p>
+            <a:fld id="{3A1F27E2-D58A-4028-9FF2-B12D897F257E}" type="slidenum">
+              <a:rPr lang="de-DE" smtClean="0"/>
+              <a:t>19</a:t>
+            </a:fld>
+            <a:endParaRPr lang="de-DE"/>
+          </a:p>
+        </p:txBody>
+      </p:sp>
+      <p:pic>
+        <p:nvPicPr>
+          <p:cNvPr id="8" name="Grafik 7">
+            <a:extLst>
+              <a:ext uri="{FF2B5EF4-FFF2-40B4-BE49-F238E27FC236}">
+                <a16:creationId xmlns:a16="http://schemas.microsoft.com/office/drawing/2014/main" id="{4C467C52-98CB-4A6A-92AB-7456BCE7D9B4}"/>
+              </a:ext>
+            </a:extLst>
+          </p:cNvPr>
+          <p:cNvPicPr>
+            <a:picLocks noChangeAspect="1"/>
+          </p:cNvPicPr>
+          <p:nvPr/>
+        </p:nvPicPr>
+        <p:blipFill>
+          <a:blip r:embed="rId3"/>
+          <a:stretch>
+            <a:fillRect/>
+          </a:stretch>
+        </p:blipFill>
+        <p:spPr>
+          <a:xfrm>
+            <a:off x="838199" y="3226572"/>
+            <a:ext cx="4812943" cy="1523847"/>
+          </a:xfrm>
+          <a:prstGeom prst="rect">
+            <a:avLst/>
+          </a:prstGeom>
+        </p:spPr>
+      </p:pic>
+    </p:spTree>
+    <p:extLst>
+      <p:ext uri="{BB962C8B-B14F-4D97-AF65-F5344CB8AC3E}">
+        <p14:creationId xmlns:p14="http://schemas.microsoft.com/office/powerpoint/2010/main" val="3754420874"/>
       </p:ext>
     </p:extLst>
   </p:cSld>
@@ -9166,7 +10044,7 @@
           <a:p>
             <a:fld id="{92A047F3-1820-4570-AC17-C8DA167C5F14}" type="datetime1">
               <a:rPr lang="de-DE" smtClean="0"/>
-              <a:t>16.01.2023</a:t>
+              <a:t>23.01.2023</a:t>
             </a:fld>
             <a:endParaRPr lang="de-DE"/>
           </a:p>
@@ -9499,6 +10377,1770 @@
     <p:extLst>
       <p:ext uri="{BB962C8B-B14F-4D97-AF65-F5344CB8AC3E}">
         <p14:creationId xmlns:p14="http://schemas.microsoft.com/office/powerpoint/2010/main" val="86787828"/>
+      </p:ext>
+    </p:extLst>
+  </p:cSld>
+  <p:clrMapOvr>
+    <a:masterClrMapping/>
+  </p:clrMapOvr>
+</p:sld>
+</file>
+
+<file path=ppt/slides/slide20.xml><?xml version="1.0" encoding="utf-8"?>
+<p:sld xmlns:a="http://schemas.openxmlformats.org/drawingml/2006/main" xmlns:r="http://schemas.openxmlformats.org/officeDocument/2006/relationships" xmlns:p="http://schemas.openxmlformats.org/presentationml/2006/main">
+  <p:cSld>
+    <p:spTree>
+      <p:nvGrpSpPr>
+        <p:cNvPr id="1" name=""/>
+        <p:cNvGrpSpPr/>
+        <p:nvPr/>
+      </p:nvGrpSpPr>
+      <p:grpSpPr>
+        <a:xfrm>
+          <a:off x="0" y="0"/>
+          <a:ext cx="0" cy="0"/>
+          <a:chOff x="0" y="0"/>
+          <a:chExt cx="0" cy="0"/>
+        </a:xfrm>
+      </p:grpSpPr>
+      <p:sp>
+        <p:nvSpPr>
+          <p:cNvPr id="2" name="Titel 1">
+            <a:extLst>
+              <a:ext uri="{FF2B5EF4-FFF2-40B4-BE49-F238E27FC236}">
+                <a16:creationId xmlns:a16="http://schemas.microsoft.com/office/drawing/2014/main" id="{495E46B9-86D6-4D35-827B-6CEB363EC834}"/>
+              </a:ext>
+            </a:extLst>
+          </p:cNvPr>
+          <p:cNvSpPr>
+            <a:spLocks noGrp="1"/>
+          </p:cNvSpPr>
+          <p:nvPr>
+            <p:ph type="title"/>
+          </p:nvPr>
+        </p:nvSpPr>
+        <p:spPr/>
+        <p:txBody>
+          <a:bodyPr/>
+          <a:lstStyle/>
+          <a:p>
+            <a:r>
+              <a:rPr lang="de-DE" dirty="0"/>
+              <a:t>Dart  -Wiederholungen</a:t>
+            </a:r>
+          </a:p>
+        </p:txBody>
+      </p:sp>
+      <p:sp>
+        <p:nvSpPr>
+          <p:cNvPr id="3" name="Inhaltsplatzhalter 2">
+            <a:extLst>
+              <a:ext uri="{FF2B5EF4-FFF2-40B4-BE49-F238E27FC236}">
+                <a16:creationId xmlns:a16="http://schemas.microsoft.com/office/drawing/2014/main" id="{2DF6E810-777F-4963-845F-682A3C84E64C}"/>
+              </a:ext>
+            </a:extLst>
+          </p:cNvPr>
+          <p:cNvSpPr>
+            <a:spLocks noGrp="1"/>
+          </p:cNvSpPr>
+          <p:nvPr>
+            <p:ph idx="1"/>
+          </p:nvPr>
+        </p:nvSpPr>
+        <p:spPr/>
+        <p:txBody>
+          <a:bodyPr/>
+          <a:lstStyle/>
+          <a:p>
+            <a:r>
+              <a:rPr lang="de-DE" dirty="0"/>
+              <a:t>Für eine unbekannte Anzahl Durchläufe: </a:t>
+            </a:r>
+            <a:br>
+              <a:rPr lang="de-DE" dirty="0"/>
+            </a:br>
+            <a:r>
+              <a:rPr lang="de-DE" sz="3200" b="1" dirty="0" err="1">
+                <a:solidFill>
+                  <a:schemeClr val="accent1">
+                    <a:lumMod val="75000"/>
+                  </a:schemeClr>
+                </a:solidFill>
+                <a:ea typeface="+mj-ea"/>
+              </a:rPr>
+              <a:t>while</a:t>
+            </a:r>
+            <a:r>
+              <a:rPr lang="de-DE" sz="3200" b="1" dirty="0">
+                <a:solidFill>
+                  <a:schemeClr val="accent1">
+                    <a:lumMod val="75000"/>
+                  </a:schemeClr>
+                </a:solidFill>
+                <a:ea typeface="+mj-ea"/>
+              </a:rPr>
+              <a:t> (</a:t>
+            </a:r>
+            <a:r>
+              <a:rPr lang="de-DE" sz="3200" b="1" i="1" dirty="0" err="1">
+                <a:solidFill>
+                  <a:schemeClr val="tx2"/>
+                </a:solidFill>
+                <a:ea typeface="+mj-ea"/>
+              </a:rPr>
+              <a:t>bedingung</a:t>
+            </a:r>
+            <a:r>
+              <a:rPr lang="de-DE" sz="3200" b="1" dirty="0">
+                <a:solidFill>
+                  <a:schemeClr val="accent1">
+                    <a:lumMod val="75000"/>
+                  </a:schemeClr>
+                </a:solidFill>
+                <a:ea typeface="+mj-ea"/>
+              </a:rPr>
+              <a:t>) { </a:t>
+            </a:r>
+            <a:r>
+              <a:rPr lang="de-DE" dirty="0"/>
+              <a:t>…</a:t>
+            </a:r>
+            <a:r>
+              <a:rPr lang="de-DE" sz="3200" b="1" dirty="0">
+                <a:solidFill>
+                  <a:schemeClr val="accent1">
+                    <a:lumMod val="75000"/>
+                  </a:schemeClr>
+                </a:solidFill>
+                <a:ea typeface="+mj-ea"/>
+              </a:rPr>
+              <a:t> }</a:t>
+            </a:r>
+          </a:p>
+        </p:txBody>
+      </p:sp>
+      <p:sp>
+        <p:nvSpPr>
+          <p:cNvPr id="4" name="Datumsplatzhalter 3">
+            <a:extLst>
+              <a:ext uri="{FF2B5EF4-FFF2-40B4-BE49-F238E27FC236}">
+                <a16:creationId xmlns:a16="http://schemas.microsoft.com/office/drawing/2014/main" id="{A0005513-0696-4B24-94B3-E0037265BB5A}"/>
+              </a:ext>
+            </a:extLst>
+          </p:cNvPr>
+          <p:cNvSpPr>
+            <a:spLocks noGrp="1"/>
+          </p:cNvSpPr>
+          <p:nvPr>
+            <p:ph type="dt" sz="half" idx="10"/>
+          </p:nvPr>
+        </p:nvSpPr>
+        <p:spPr/>
+        <p:txBody>
+          <a:bodyPr/>
+          <a:lstStyle/>
+          <a:p>
+            <a:fld id="{95C3B550-B314-4EBE-B643-25AC9427FA8B}" type="datetime1">
+              <a:rPr lang="de-DE" smtClean="0"/>
+              <a:t>23.01.2023</a:t>
+            </a:fld>
+            <a:endParaRPr lang="de-DE"/>
+          </a:p>
+        </p:txBody>
+      </p:sp>
+      <p:sp>
+        <p:nvSpPr>
+          <p:cNvPr id="5" name="Fußzeilenplatzhalter 4">
+            <a:extLst>
+              <a:ext uri="{FF2B5EF4-FFF2-40B4-BE49-F238E27FC236}">
+                <a16:creationId xmlns:a16="http://schemas.microsoft.com/office/drawing/2014/main" id="{330CD558-0E55-47E3-AECD-AF36602EB590}"/>
+              </a:ext>
+            </a:extLst>
+          </p:cNvPr>
+          <p:cNvSpPr>
+            <a:spLocks noGrp="1"/>
+          </p:cNvSpPr>
+          <p:nvPr>
+            <p:ph type="ftr" sz="quarter" idx="11"/>
+          </p:nvPr>
+        </p:nvSpPr>
+        <p:spPr/>
+        <p:txBody>
+          <a:bodyPr/>
+          <a:lstStyle/>
+          <a:p>
+            <a:r>
+              <a:rPr lang="de-DE"/>
+              <a:t>Dart - Programmiersprache für Smartphones</a:t>
+            </a:r>
+          </a:p>
+        </p:txBody>
+      </p:sp>
+      <p:sp>
+        <p:nvSpPr>
+          <p:cNvPr id="6" name="Foliennummernplatzhalter 5">
+            <a:extLst>
+              <a:ext uri="{FF2B5EF4-FFF2-40B4-BE49-F238E27FC236}">
+                <a16:creationId xmlns:a16="http://schemas.microsoft.com/office/drawing/2014/main" id="{4ACC37DE-821B-4C73-83C3-3533E90CD293}"/>
+              </a:ext>
+            </a:extLst>
+          </p:cNvPr>
+          <p:cNvSpPr>
+            <a:spLocks noGrp="1"/>
+          </p:cNvSpPr>
+          <p:nvPr>
+            <p:ph type="sldNum" sz="quarter" idx="12"/>
+          </p:nvPr>
+        </p:nvSpPr>
+        <p:spPr/>
+        <p:txBody>
+          <a:bodyPr/>
+          <a:lstStyle/>
+          <a:p>
+            <a:fld id="{3A1F27E2-D58A-4028-9FF2-B12D897F257E}" type="slidenum">
+              <a:rPr lang="de-DE" smtClean="0"/>
+              <a:t>20</a:t>
+            </a:fld>
+            <a:endParaRPr lang="de-DE"/>
+          </a:p>
+        </p:txBody>
+      </p:sp>
+      <p:pic>
+        <p:nvPicPr>
+          <p:cNvPr id="9" name="Grafik 8">
+            <a:extLst>
+              <a:ext uri="{FF2B5EF4-FFF2-40B4-BE49-F238E27FC236}">
+                <a16:creationId xmlns:a16="http://schemas.microsoft.com/office/drawing/2014/main" id="{464718C5-BEDE-4AEE-880B-CDF330DADC77}"/>
+              </a:ext>
+            </a:extLst>
+          </p:cNvPr>
+          <p:cNvPicPr>
+            <a:picLocks noChangeAspect="1"/>
+          </p:cNvPicPr>
+          <p:nvPr/>
+        </p:nvPicPr>
+        <p:blipFill>
+          <a:blip r:embed="rId3"/>
+          <a:stretch>
+            <a:fillRect/>
+          </a:stretch>
+        </p:blipFill>
+        <p:spPr>
+          <a:xfrm>
+            <a:off x="838200" y="2738158"/>
+            <a:ext cx="3700346" cy="2112402"/>
+          </a:xfrm>
+          <a:prstGeom prst="rect">
+            <a:avLst/>
+          </a:prstGeom>
+        </p:spPr>
+      </p:pic>
+    </p:spTree>
+    <p:extLst>
+      <p:ext uri="{BB962C8B-B14F-4D97-AF65-F5344CB8AC3E}">
+        <p14:creationId xmlns:p14="http://schemas.microsoft.com/office/powerpoint/2010/main" val="1053329344"/>
+      </p:ext>
+    </p:extLst>
+  </p:cSld>
+  <p:clrMapOvr>
+    <a:masterClrMapping/>
+  </p:clrMapOvr>
+</p:sld>
+</file>
+
+<file path=ppt/slides/slide21.xml><?xml version="1.0" encoding="utf-8"?>
+<p:sld xmlns:a="http://schemas.openxmlformats.org/drawingml/2006/main" xmlns:r="http://schemas.openxmlformats.org/officeDocument/2006/relationships" xmlns:p="http://schemas.openxmlformats.org/presentationml/2006/main">
+  <p:cSld>
+    <p:spTree>
+      <p:nvGrpSpPr>
+        <p:cNvPr id="1" name=""/>
+        <p:cNvGrpSpPr/>
+        <p:nvPr/>
+      </p:nvGrpSpPr>
+      <p:grpSpPr>
+        <a:xfrm>
+          <a:off x="0" y="0"/>
+          <a:ext cx="0" cy="0"/>
+          <a:chOff x="0" y="0"/>
+          <a:chExt cx="0" cy="0"/>
+        </a:xfrm>
+      </p:grpSpPr>
+      <p:sp>
+        <p:nvSpPr>
+          <p:cNvPr id="2" name="Titel 1">
+            <a:extLst>
+              <a:ext uri="{FF2B5EF4-FFF2-40B4-BE49-F238E27FC236}">
+                <a16:creationId xmlns:a16="http://schemas.microsoft.com/office/drawing/2014/main" id="{F17C112E-FFFB-40C8-B4EA-6A0D6AF8C78E}"/>
+              </a:ext>
+            </a:extLst>
+          </p:cNvPr>
+          <p:cNvSpPr>
+            <a:spLocks noGrp="1"/>
+          </p:cNvSpPr>
+          <p:nvPr>
+            <p:ph type="title"/>
+          </p:nvPr>
+        </p:nvSpPr>
+        <p:spPr/>
+        <p:txBody>
+          <a:bodyPr/>
+          <a:lstStyle/>
+          <a:p>
+            <a:r>
+              <a:rPr lang="de-DE" dirty="0"/>
+              <a:t>Dart  - Wahrheitswerte</a:t>
+            </a:r>
+          </a:p>
+        </p:txBody>
+      </p:sp>
+      <p:sp>
+        <p:nvSpPr>
+          <p:cNvPr id="3" name="Inhaltsplatzhalter 2">
+            <a:extLst>
+              <a:ext uri="{FF2B5EF4-FFF2-40B4-BE49-F238E27FC236}">
+                <a16:creationId xmlns:a16="http://schemas.microsoft.com/office/drawing/2014/main" id="{4FFC9685-1750-4AB0-8573-96BB52A01427}"/>
+              </a:ext>
+            </a:extLst>
+          </p:cNvPr>
+          <p:cNvSpPr>
+            <a:spLocks noGrp="1"/>
+          </p:cNvSpPr>
+          <p:nvPr>
+            <p:ph idx="1"/>
+          </p:nvPr>
+        </p:nvSpPr>
+        <p:spPr/>
+        <p:txBody>
+          <a:bodyPr/>
+          <a:lstStyle/>
+          <a:p>
+            <a:r>
+              <a:rPr lang="de-DE" dirty="0"/>
+              <a:t>Aussagen können wahr (</a:t>
+            </a:r>
+            <a:r>
+              <a:rPr lang="de-DE" sz="3200" b="1" dirty="0" err="1">
+                <a:solidFill>
+                  <a:schemeClr val="accent1">
+                    <a:lumMod val="75000"/>
+                  </a:schemeClr>
+                </a:solidFill>
+                <a:ea typeface="+mj-ea"/>
+              </a:rPr>
+              <a:t>true</a:t>
+            </a:r>
+            <a:r>
+              <a:rPr lang="de-DE" dirty="0"/>
+              <a:t>) oder falsch (</a:t>
+            </a:r>
+            <a:r>
+              <a:rPr lang="de-DE" sz="3200" b="1" dirty="0" err="1">
+                <a:solidFill>
+                  <a:schemeClr val="accent1">
+                    <a:lumMod val="75000"/>
+                  </a:schemeClr>
+                </a:solidFill>
+                <a:ea typeface="+mj-ea"/>
+              </a:rPr>
+              <a:t>false</a:t>
+            </a:r>
+            <a:r>
+              <a:rPr lang="de-DE" dirty="0"/>
+              <a:t>) sein</a:t>
+            </a:r>
+          </a:p>
+          <a:p>
+            <a:endParaRPr lang="de-DE" dirty="0"/>
+          </a:p>
+          <a:p>
+            <a:r>
+              <a:rPr lang="de-DE" dirty="0"/>
+              <a:t>Operatoren</a:t>
+            </a:r>
+          </a:p>
+          <a:p>
+            <a:pPr lvl="1"/>
+            <a:r>
+              <a:rPr lang="de-DE" dirty="0"/>
+              <a:t>kleiner: </a:t>
+            </a:r>
+            <a:r>
+              <a:rPr lang="de-DE" b="1" dirty="0">
+                <a:solidFill>
+                  <a:schemeClr val="accent1">
+                    <a:lumMod val="75000"/>
+                  </a:schemeClr>
+                </a:solidFill>
+              </a:rPr>
+              <a:t>&lt;</a:t>
+            </a:r>
+          </a:p>
+          <a:p>
+            <a:pPr lvl="1"/>
+            <a:r>
+              <a:rPr lang="de-DE" dirty="0"/>
+              <a:t>kleiner oder gleich: </a:t>
+            </a:r>
+            <a:r>
+              <a:rPr lang="de-DE" b="1" dirty="0">
+                <a:solidFill>
+                  <a:schemeClr val="accent1">
+                    <a:lumMod val="75000"/>
+                  </a:schemeClr>
+                </a:solidFill>
+              </a:rPr>
+              <a:t>&lt;=</a:t>
+            </a:r>
+          </a:p>
+          <a:p>
+            <a:pPr lvl="1"/>
+            <a:r>
+              <a:rPr lang="de-DE" dirty="0"/>
+              <a:t>größer:</a:t>
+            </a:r>
+            <a:r>
+              <a:rPr lang="de-DE" b="1" dirty="0">
+                <a:solidFill>
+                  <a:schemeClr val="accent1">
+                    <a:lumMod val="75000"/>
+                  </a:schemeClr>
+                </a:solidFill>
+              </a:rPr>
+              <a:t> &gt;</a:t>
+            </a:r>
+          </a:p>
+          <a:p>
+            <a:pPr lvl="1"/>
+            <a:r>
+              <a:rPr lang="de-DE" dirty="0"/>
+              <a:t>größer oder gleich: </a:t>
+            </a:r>
+            <a:r>
+              <a:rPr lang="de-DE" b="1" dirty="0">
+                <a:solidFill>
+                  <a:schemeClr val="accent1">
+                    <a:lumMod val="75000"/>
+                  </a:schemeClr>
+                </a:solidFill>
+              </a:rPr>
+              <a:t>&gt;=</a:t>
+            </a:r>
+          </a:p>
+          <a:p>
+            <a:pPr lvl="1"/>
+            <a:r>
+              <a:rPr lang="de-DE" dirty="0"/>
+              <a:t>gleich: </a:t>
+            </a:r>
+            <a:r>
+              <a:rPr lang="de-DE" b="1" dirty="0">
+                <a:solidFill>
+                  <a:schemeClr val="accent1">
+                    <a:lumMod val="75000"/>
+                  </a:schemeClr>
+                </a:solidFill>
+              </a:rPr>
+              <a:t>==</a:t>
+            </a:r>
+          </a:p>
+          <a:p>
+            <a:pPr lvl="1"/>
+            <a:r>
+              <a:rPr lang="de-DE" dirty="0"/>
+              <a:t>ungleich: </a:t>
+            </a:r>
+            <a:r>
+              <a:rPr lang="de-DE" b="1" dirty="0">
+                <a:solidFill>
+                  <a:schemeClr val="accent1">
+                    <a:lumMod val="75000"/>
+                  </a:schemeClr>
+                </a:solidFill>
+              </a:rPr>
+              <a:t>!=</a:t>
+            </a:r>
+          </a:p>
+          <a:p>
+            <a:endParaRPr lang="de-DE" dirty="0"/>
+          </a:p>
+        </p:txBody>
+      </p:sp>
+      <p:sp>
+        <p:nvSpPr>
+          <p:cNvPr id="4" name="Datumsplatzhalter 3">
+            <a:extLst>
+              <a:ext uri="{FF2B5EF4-FFF2-40B4-BE49-F238E27FC236}">
+                <a16:creationId xmlns:a16="http://schemas.microsoft.com/office/drawing/2014/main" id="{84A77E82-EB32-462F-8EF5-F0B43AB7069A}"/>
+              </a:ext>
+            </a:extLst>
+          </p:cNvPr>
+          <p:cNvSpPr>
+            <a:spLocks noGrp="1"/>
+          </p:cNvSpPr>
+          <p:nvPr>
+            <p:ph type="dt" sz="half" idx="10"/>
+          </p:nvPr>
+        </p:nvSpPr>
+        <p:spPr/>
+        <p:txBody>
+          <a:bodyPr/>
+          <a:lstStyle/>
+          <a:p>
+            <a:fld id="{767B626B-00B4-4CEC-8206-7F4851B03FEF}" type="datetime1">
+              <a:rPr lang="de-DE" smtClean="0"/>
+              <a:t>23.01.2023</a:t>
+            </a:fld>
+            <a:endParaRPr lang="de-DE"/>
+          </a:p>
+        </p:txBody>
+      </p:sp>
+      <p:sp>
+        <p:nvSpPr>
+          <p:cNvPr id="5" name="Fußzeilenplatzhalter 4">
+            <a:extLst>
+              <a:ext uri="{FF2B5EF4-FFF2-40B4-BE49-F238E27FC236}">
+                <a16:creationId xmlns:a16="http://schemas.microsoft.com/office/drawing/2014/main" id="{78CAC62B-7DB2-4388-8AF2-9D157943E4D7}"/>
+              </a:ext>
+            </a:extLst>
+          </p:cNvPr>
+          <p:cNvSpPr>
+            <a:spLocks noGrp="1"/>
+          </p:cNvSpPr>
+          <p:nvPr>
+            <p:ph type="ftr" sz="quarter" idx="11"/>
+          </p:nvPr>
+        </p:nvSpPr>
+        <p:spPr/>
+        <p:txBody>
+          <a:bodyPr/>
+          <a:lstStyle/>
+          <a:p>
+            <a:r>
+              <a:rPr lang="de-DE"/>
+              <a:t>Dart - Programmiersprache für Smartphones</a:t>
+            </a:r>
+          </a:p>
+        </p:txBody>
+      </p:sp>
+      <p:sp>
+        <p:nvSpPr>
+          <p:cNvPr id="6" name="Foliennummernplatzhalter 5">
+            <a:extLst>
+              <a:ext uri="{FF2B5EF4-FFF2-40B4-BE49-F238E27FC236}">
+                <a16:creationId xmlns:a16="http://schemas.microsoft.com/office/drawing/2014/main" id="{5038DEC3-48E2-4923-ABF9-BF7C76D95687}"/>
+              </a:ext>
+            </a:extLst>
+          </p:cNvPr>
+          <p:cNvSpPr>
+            <a:spLocks noGrp="1"/>
+          </p:cNvSpPr>
+          <p:nvPr>
+            <p:ph type="sldNum" sz="quarter" idx="12"/>
+          </p:nvPr>
+        </p:nvSpPr>
+        <p:spPr/>
+        <p:txBody>
+          <a:bodyPr/>
+          <a:lstStyle/>
+          <a:p>
+            <a:fld id="{3A1F27E2-D58A-4028-9FF2-B12D897F257E}" type="slidenum">
+              <a:rPr lang="de-DE" smtClean="0"/>
+              <a:t>21</a:t>
+            </a:fld>
+            <a:endParaRPr lang="de-DE"/>
+          </a:p>
+        </p:txBody>
+      </p:sp>
+      <p:pic>
+        <p:nvPicPr>
+          <p:cNvPr id="8" name="Grafik 7">
+            <a:extLst>
+              <a:ext uri="{FF2B5EF4-FFF2-40B4-BE49-F238E27FC236}">
+                <a16:creationId xmlns:a16="http://schemas.microsoft.com/office/drawing/2014/main" id="{209539B3-C9D0-497B-8DB2-65E1DBD44D96}"/>
+              </a:ext>
+            </a:extLst>
+          </p:cNvPr>
+          <p:cNvPicPr>
+            <a:picLocks noChangeAspect="1"/>
+          </p:cNvPicPr>
+          <p:nvPr/>
+        </p:nvPicPr>
+        <p:blipFill>
+          <a:blip r:embed="rId2"/>
+          <a:stretch>
+            <a:fillRect/>
+          </a:stretch>
+        </p:blipFill>
+        <p:spPr>
+          <a:xfrm>
+            <a:off x="5622073" y="3080670"/>
+            <a:ext cx="3735318" cy="1926227"/>
+          </a:xfrm>
+          <a:prstGeom prst="rect">
+            <a:avLst/>
+          </a:prstGeom>
+        </p:spPr>
+      </p:pic>
+    </p:spTree>
+    <p:extLst>
+      <p:ext uri="{BB962C8B-B14F-4D97-AF65-F5344CB8AC3E}">
+        <p14:creationId xmlns:p14="http://schemas.microsoft.com/office/powerpoint/2010/main" val="1100889318"/>
+      </p:ext>
+    </p:extLst>
+  </p:cSld>
+  <p:clrMapOvr>
+    <a:masterClrMapping/>
+  </p:clrMapOvr>
+</p:sld>
+</file>
+
+<file path=ppt/slides/slide22.xml><?xml version="1.0" encoding="utf-8"?>
+<p:sld xmlns:a="http://schemas.openxmlformats.org/drawingml/2006/main" xmlns:r="http://schemas.openxmlformats.org/officeDocument/2006/relationships" xmlns:p="http://schemas.openxmlformats.org/presentationml/2006/main">
+  <p:cSld>
+    <p:spTree>
+      <p:nvGrpSpPr>
+        <p:cNvPr id="1" name=""/>
+        <p:cNvGrpSpPr/>
+        <p:nvPr/>
+      </p:nvGrpSpPr>
+      <p:grpSpPr>
+        <a:xfrm>
+          <a:off x="0" y="0"/>
+          <a:ext cx="0" cy="0"/>
+          <a:chOff x="0" y="0"/>
+          <a:chExt cx="0" cy="0"/>
+        </a:xfrm>
+      </p:grpSpPr>
+      <p:sp>
+        <p:nvSpPr>
+          <p:cNvPr id="2" name="Titel 1">
+            <a:extLst>
+              <a:ext uri="{FF2B5EF4-FFF2-40B4-BE49-F238E27FC236}">
+                <a16:creationId xmlns:a16="http://schemas.microsoft.com/office/drawing/2014/main" id="{106C09AE-0E69-49BE-955A-8840D8904084}"/>
+              </a:ext>
+            </a:extLst>
+          </p:cNvPr>
+          <p:cNvSpPr>
+            <a:spLocks noGrp="1"/>
+          </p:cNvSpPr>
+          <p:nvPr>
+            <p:ph type="title"/>
+          </p:nvPr>
+        </p:nvSpPr>
+        <p:spPr/>
+        <p:txBody>
+          <a:bodyPr/>
+          <a:lstStyle/>
+          <a:p>
+            <a:r>
+              <a:rPr lang="de-DE" dirty="0"/>
+              <a:t>Dart  - Wahrheitswerte</a:t>
+            </a:r>
+          </a:p>
+        </p:txBody>
+      </p:sp>
+      <p:sp>
+        <p:nvSpPr>
+          <p:cNvPr id="3" name="Inhaltsplatzhalter 2">
+            <a:extLst>
+              <a:ext uri="{FF2B5EF4-FFF2-40B4-BE49-F238E27FC236}">
+                <a16:creationId xmlns:a16="http://schemas.microsoft.com/office/drawing/2014/main" id="{516E3A3D-6390-4ABA-A6BC-922D2F3E11EF}"/>
+              </a:ext>
+            </a:extLst>
+          </p:cNvPr>
+          <p:cNvSpPr>
+            <a:spLocks noGrp="1"/>
+          </p:cNvSpPr>
+          <p:nvPr>
+            <p:ph idx="1"/>
+          </p:nvPr>
+        </p:nvSpPr>
+        <p:spPr/>
+        <p:txBody>
+          <a:bodyPr/>
+          <a:lstStyle/>
+          <a:p>
+            <a:r>
+              <a:rPr lang="de-DE" dirty="0"/>
+              <a:t>Aussagen können verknüpft werden</a:t>
+            </a:r>
+          </a:p>
+          <a:p>
+            <a:endParaRPr lang="de-DE" dirty="0"/>
+          </a:p>
+          <a:p>
+            <a:r>
+              <a:rPr lang="de-DE" dirty="0"/>
+              <a:t>Operatoren</a:t>
+            </a:r>
+          </a:p>
+          <a:p>
+            <a:pPr lvl="1"/>
+            <a:r>
+              <a:rPr lang="de-DE" dirty="0"/>
+              <a:t>und: </a:t>
+            </a:r>
+            <a:r>
+              <a:rPr lang="de-DE" b="1" dirty="0">
+                <a:solidFill>
+                  <a:schemeClr val="accent1">
+                    <a:lumMod val="75000"/>
+                  </a:schemeClr>
+                </a:solidFill>
+              </a:rPr>
+              <a:t>&amp;&amp; </a:t>
+            </a:r>
+            <a:r>
+              <a:rPr lang="de-DE" dirty="0"/>
+              <a:t>(beide müssen wahr sein)</a:t>
+            </a:r>
+            <a:endParaRPr lang="de-DE" b="1" dirty="0">
+              <a:solidFill>
+                <a:schemeClr val="accent1">
+                  <a:lumMod val="75000"/>
+                </a:schemeClr>
+              </a:solidFill>
+            </a:endParaRPr>
+          </a:p>
+          <a:p>
+            <a:pPr lvl="1"/>
+            <a:r>
+              <a:rPr lang="de-DE" dirty="0"/>
+              <a:t>oder: </a:t>
+            </a:r>
+            <a:r>
+              <a:rPr lang="de-DE" b="1" dirty="0">
+                <a:solidFill>
+                  <a:schemeClr val="accent1">
+                    <a:lumMod val="75000"/>
+                  </a:schemeClr>
+                </a:solidFill>
+              </a:rPr>
+              <a:t>|| </a:t>
+            </a:r>
+            <a:r>
+              <a:rPr lang="de-DE" dirty="0"/>
+              <a:t>(mindestens eins muss wahr sein)</a:t>
+            </a:r>
+            <a:endParaRPr lang="de-DE" b="1" dirty="0">
+              <a:solidFill>
+                <a:schemeClr val="accent1">
+                  <a:lumMod val="75000"/>
+                </a:schemeClr>
+              </a:solidFill>
+            </a:endParaRPr>
+          </a:p>
+          <a:p>
+            <a:pPr lvl="1">
+              <a:buClr>
+                <a:schemeClr val="tx1"/>
+              </a:buClr>
+            </a:pPr>
+            <a:r>
+              <a:rPr lang="de-DE" b="1" dirty="0">
+                <a:solidFill>
+                  <a:schemeClr val="accent1">
+                    <a:lumMod val="75000"/>
+                  </a:schemeClr>
+                </a:solidFill>
+              </a:rPr>
+              <a:t>&amp;&amp;</a:t>
+            </a:r>
+            <a:r>
+              <a:rPr lang="de-DE" dirty="0"/>
+              <a:t> hat Vorrang vor </a:t>
+            </a:r>
+            <a:r>
+              <a:rPr lang="de-DE" b="1" dirty="0">
+                <a:solidFill>
+                  <a:schemeClr val="accent1">
+                    <a:lumMod val="75000"/>
+                  </a:schemeClr>
+                </a:solidFill>
+              </a:rPr>
+              <a:t>||</a:t>
+            </a:r>
+          </a:p>
+          <a:p>
+            <a:pPr lvl="1">
+              <a:buClr>
+                <a:schemeClr val="tx1"/>
+              </a:buClr>
+            </a:pPr>
+            <a:r>
+              <a:rPr lang="de-DE" dirty="0"/>
+              <a:t>Klammern möglich</a:t>
+            </a:r>
+          </a:p>
+          <a:p>
+            <a:endParaRPr lang="de-DE" dirty="0"/>
+          </a:p>
+        </p:txBody>
+      </p:sp>
+      <p:sp>
+        <p:nvSpPr>
+          <p:cNvPr id="4" name="Datumsplatzhalter 3">
+            <a:extLst>
+              <a:ext uri="{FF2B5EF4-FFF2-40B4-BE49-F238E27FC236}">
+                <a16:creationId xmlns:a16="http://schemas.microsoft.com/office/drawing/2014/main" id="{74CDA85A-C793-4DC9-AFC0-767BF81263C1}"/>
+              </a:ext>
+            </a:extLst>
+          </p:cNvPr>
+          <p:cNvSpPr>
+            <a:spLocks noGrp="1"/>
+          </p:cNvSpPr>
+          <p:nvPr>
+            <p:ph type="dt" sz="half" idx="10"/>
+          </p:nvPr>
+        </p:nvSpPr>
+        <p:spPr/>
+        <p:txBody>
+          <a:bodyPr/>
+          <a:lstStyle/>
+          <a:p>
+            <a:fld id="{102EEC64-5E38-4CDE-986C-4F454B58738A}" type="datetime1">
+              <a:rPr lang="de-DE" smtClean="0"/>
+              <a:t>23.01.2023</a:t>
+            </a:fld>
+            <a:endParaRPr lang="de-DE"/>
+          </a:p>
+        </p:txBody>
+      </p:sp>
+      <p:sp>
+        <p:nvSpPr>
+          <p:cNvPr id="5" name="Fußzeilenplatzhalter 4">
+            <a:extLst>
+              <a:ext uri="{FF2B5EF4-FFF2-40B4-BE49-F238E27FC236}">
+                <a16:creationId xmlns:a16="http://schemas.microsoft.com/office/drawing/2014/main" id="{C9DC446C-992C-4C82-960B-4C44EA90AFDE}"/>
+              </a:ext>
+            </a:extLst>
+          </p:cNvPr>
+          <p:cNvSpPr>
+            <a:spLocks noGrp="1"/>
+          </p:cNvSpPr>
+          <p:nvPr>
+            <p:ph type="ftr" sz="quarter" idx="11"/>
+          </p:nvPr>
+        </p:nvSpPr>
+        <p:spPr/>
+        <p:txBody>
+          <a:bodyPr/>
+          <a:lstStyle/>
+          <a:p>
+            <a:r>
+              <a:rPr lang="de-DE"/>
+              <a:t>Dart - Programmiersprache für Smartphones</a:t>
+            </a:r>
+          </a:p>
+        </p:txBody>
+      </p:sp>
+      <p:sp>
+        <p:nvSpPr>
+          <p:cNvPr id="6" name="Foliennummernplatzhalter 5">
+            <a:extLst>
+              <a:ext uri="{FF2B5EF4-FFF2-40B4-BE49-F238E27FC236}">
+                <a16:creationId xmlns:a16="http://schemas.microsoft.com/office/drawing/2014/main" id="{493BEEB2-B8DD-4932-B890-90DB00B1F2E8}"/>
+              </a:ext>
+            </a:extLst>
+          </p:cNvPr>
+          <p:cNvSpPr>
+            <a:spLocks noGrp="1"/>
+          </p:cNvSpPr>
+          <p:nvPr>
+            <p:ph type="sldNum" sz="quarter" idx="12"/>
+          </p:nvPr>
+        </p:nvSpPr>
+        <p:spPr/>
+        <p:txBody>
+          <a:bodyPr/>
+          <a:lstStyle/>
+          <a:p>
+            <a:fld id="{3A1F27E2-D58A-4028-9FF2-B12D897F257E}" type="slidenum">
+              <a:rPr lang="de-DE" smtClean="0"/>
+              <a:t>22</a:t>
+            </a:fld>
+            <a:endParaRPr lang="de-DE"/>
+          </a:p>
+        </p:txBody>
+      </p:sp>
+      <p:pic>
+        <p:nvPicPr>
+          <p:cNvPr id="8" name="Grafik 7">
+            <a:extLst>
+              <a:ext uri="{FF2B5EF4-FFF2-40B4-BE49-F238E27FC236}">
+                <a16:creationId xmlns:a16="http://schemas.microsoft.com/office/drawing/2014/main" id="{FAF063B2-C35B-43F1-9808-82257DE7784D}"/>
+              </a:ext>
+            </a:extLst>
+          </p:cNvPr>
+          <p:cNvPicPr>
+            <a:picLocks noChangeAspect="1"/>
+          </p:cNvPicPr>
+          <p:nvPr/>
+        </p:nvPicPr>
+        <p:blipFill>
+          <a:blip r:embed="rId3"/>
+          <a:stretch>
+            <a:fillRect/>
+          </a:stretch>
+        </p:blipFill>
+        <p:spPr>
+          <a:xfrm>
+            <a:off x="5366056" y="3986360"/>
+            <a:ext cx="4447017" cy="1834577"/>
+          </a:xfrm>
+          <a:prstGeom prst="rect">
+            <a:avLst/>
+          </a:prstGeom>
+        </p:spPr>
+      </p:pic>
+    </p:spTree>
+    <p:extLst>
+      <p:ext uri="{BB962C8B-B14F-4D97-AF65-F5344CB8AC3E}">
+        <p14:creationId xmlns:p14="http://schemas.microsoft.com/office/powerpoint/2010/main" val="452968522"/>
+      </p:ext>
+    </p:extLst>
+  </p:cSld>
+  <p:clrMapOvr>
+    <a:masterClrMapping/>
+  </p:clrMapOvr>
+</p:sld>
+</file>
+
+<file path=ppt/slides/slide23.xml><?xml version="1.0" encoding="utf-8"?>
+<p:sld xmlns:a="http://schemas.openxmlformats.org/drawingml/2006/main" xmlns:r="http://schemas.openxmlformats.org/officeDocument/2006/relationships" xmlns:p="http://schemas.openxmlformats.org/presentationml/2006/main">
+  <p:cSld>
+    <p:spTree>
+      <p:nvGrpSpPr>
+        <p:cNvPr id="1" name=""/>
+        <p:cNvGrpSpPr/>
+        <p:nvPr/>
+      </p:nvGrpSpPr>
+      <p:grpSpPr>
+        <a:xfrm>
+          <a:off x="0" y="0"/>
+          <a:ext cx="0" cy="0"/>
+          <a:chOff x="0" y="0"/>
+          <a:chExt cx="0" cy="0"/>
+        </a:xfrm>
+      </p:grpSpPr>
+      <p:sp>
+        <p:nvSpPr>
+          <p:cNvPr id="2" name="Titel 1">
+            <a:extLst>
+              <a:ext uri="{FF2B5EF4-FFF2-40B4-BE49-F238E27FC236}">
+                <a16:creationId xmlns:a16="http://schemas.microsoft.com/office/drawing/2014/main" id="{87BA3A23-AE8D-493E-A851-D9DC3F948DCB}"/>
+              </a:ext>
+            </a:extLst>
+          </p:cNvPr>
+          <p:cNvSpPr>
+            <a:spLocks noGrp="1"/>
+          </p:cNvSpPr>
+          <p:nvPr>
+            <p:ph type="title"/>
+          </p:nvPr>
+        </p:nvSpPr>
+        <p:spPr/>
+        <p:txBody>
+          <a:bodyPr/>
+          <a:lstStyle/>
+          <a:p>
+            <a:r>
+              <a:rPr lang="de-DE" dirty="0"/>
+              <a:t>Dart  - Wahrheitswerte</a:t>
+            </a:r>
+          </a:p>
+        </p:txBody>
+      </p:sp>
+      <p:sp>
+        <p:nvSpPr>
+          <p:cNvPr id="3" name="Inhaltsplatzhalter 2">
+            <a:extLst>
+              <a:ext uri="{FF2B5EF4-FFF2-40B4-BE49-F238E27FC236}">
+                <a16:creationId xmlns:a16="http://schemas.microsoft.com/office/drawing/2014/main" id="{41D56D4B-3CA4-4AF9-B958-3220E810AEB1}"/>
+              </a:ext>
+            </a:extLst>
+          </p:cNvPr>
+          <p:cNvSpPr>
+            <a:spLocks noGrp="1"/>
+          </p:cNvSpPr>
+          <p:nvPr>
+            <p:ph idx="1"/>
+          </p:nvPr>
+        </p:nvSpPr>
+        <p:spPr/>
+        <p:txBody>
+          <a:bodyPr anchor="ctr"/>
+          <a:lstStyle/>
+          <a:p>
+            <a:pPr marL="0" indent="0">
+              <a:buNone/>
+            </a:pPr>
+            <a:r>
+              <a:rPr lang="de-DE" dirty="0"/>
+              <a:t>Finde heraus, ob die Aussage a ≤ b ≥ c</a:t>
+            </a:r>
+            <a:br>
+              <a:rPr lang="de-DE" dirty="0"/>
+            </a:br>
+            <a:r>
+              <a:rPr lang="de-DE" dirty="0"/>
+              <a:t>wahr oder falsch ist für</a:t>
+            </a:r>
+          </a:p>
+          <a:p>
+            <a:pPr lvl="1"/>
+            <a:r>
+              <a:rPr lang="de-DE" dirty="0"/>
+              <a:t>a=3, b=9, c=17</a:t>
+            </a:r>
+          </a:p>
+          <a:p>
+            <a:pPr lvl="1"/>
+            <a:r>
+              <a:rPr lang="de-DE" dirty="0"/>
+              <a:t>a=1, b=2, c=2</a:t>
+            </a:r>
+            <a:endParaRPr lang="de-DE" b="1" dirty="0">
+              <a:solidFill>
+                <a:schemeClr val="accent1">
+                  <a:lumMod val="75000"/>
+                </a:schemeClr>
+              </a:solidFill>
+            </a:endParaRPr>
+          </a:p>
+        </p:txBody>
+      </p:sp>
+      <p:sp>
+        <p:nvSpPr>
+          <p:cNvPr id="4" name="Datumsplatzhalter 3">
+            <a:extLst>
+              <a:ext uri="{FF2B5EF4-FFF2-40B4-BE49-F238E27FC236}">
+                <a16:creationId xmlns:a16="http://schemas.microsoft.com/office/drawing/2014/main" id="{4B6D3DA3-BA5A-4C0E-A4A5-C133A5C5447F}"/>
+              </a:ext>
+            </a:extLst>
+          </p:cNvPr>
+          <p:cNvSpPr>
+            <a:spLocks noGrp="1"/>
+          </p:cNvSpPr>
+          <p:nvPr>
+            <p:ph type="dt" sz="half" idx="10"/>
+          </p:nvPr>
+        </p:nvSpPr>
+        <p:spPr/>
+        <p:txBody>
+          <a:bodyPr/>
+          <a:lstStyle/>
+          <a:p>
+            <a:fld id="{8B9E1184-3E8E-4927-B70E-FCD133F545CF}" type="datetime1">
+              <a:rPr lang="de-DE" smtClean="0"/>
+              <a:t>23.01.2023</a:t>
+            </a:fld>
+            <a:endParaRPr lang="de-DE"/>
+          </a:p>
+        </p:txBody>
+      </p:sp>
+      <p:sp>
+        <p:nvSpPr>
+          <p:cNvPr id="5" name="Fußzeilenplatzhalter 4">
+            <a:extLst>
+              <a:ext uri="{FF2B5EF4-FFF2-40B4-BE49-F238E27FC236}">
+                <a16:creationId xmlns:a16="http://schemas.microsoft.com/office/drawing/2014/main" id="{A69E3BE8-6E26-4585-AF09-54FD33821EBE}"/>
+              </a:ext>
+            </a:extLst>
+          </p:cNvPr>
+          <p:cNvSpPr>
+            <a:spLocks noGrp="1"/>
+          </p:cNvSpPr>
+          <p:nvPr>
+            <p:ph type="ftr" sz="quarter" idx="11"/>
+          </p:nvPr>
+        </p:nvSpPr>
+        <p:spPr/>
+        <p:txBody>
+          <a:bodyPr/>
+          <a:lstStyle/>
+          <a:p>
+            <a:r>
+              <a:rPr lang="de-DE"/>
+              <a:t>Dart - Programmiersprache für Smartphones</a:t>
+            </a:r>
+          </a:p>
+        </p:txBody>
+      </p:sp>
+      <p:sp>
+        <p:nvSpPr>
+          <p:cNvPr id="6" name="Foliennummernplatzhalter 5">
+            <a:extLst>
+              <a:ext uri="{FF2B5EF4-FFF2-40B4-BE49-F238E27FC236}">
+                <a16:creationId xmlns:a16="http://schemas.microsoft.com/office/drawing/2014/main" id="{7955519E-7E51-4F4B-A447-2C4E1E982E4F}"/>
+              </a:ext>
+            </a:extLst>
+          </p:cNvPr>
+          <p:cNvSpPr>
+            <a:spLocks noGrp="1"/>
+          </p:cNvSpPr>
+          <p:nvPr>
+            <p:ph type="sldNum" sz="quarter" idx="12"/>
+          </p:nvPr>
+        </p:nvSpPr>
+        <p:spPr/>
+        <p:txBody>
+          <a:bodyPr/>
+          <a:lstStyle/>
+          <a:p>
+            <a:fld id="{3A1F27E2-D58A-4028-9FF2-B12D897F257E}" type="slidenum">
+              <a:rPr lang="de-DE" smtClean="0"/>
+              <a:t>23</a:t>
+            </a:fld>
+            <a:endParaRPr lang="de-DE"/>
+          </a:p>
+        </p:txBody>
+      </p:sp>
+    </p:spTree>
+    <p:extLst>
+      <p:ext uri="{BB962C8B-B14F-4D97-AF65-F5344CB8AC3E}">
+        <p14:creationId xmlns:p14="http://schemas.microsoft.com/office/powerpoint/2010/main" val="348541739"/>
+      </p:ext>
+    </p:extLst>
+  </p:cSld>
+  <p:clrMapOvr>
+    <a:masterClrMapping/>
+  </p:clrMapOvr>
+</p:sld>
+</file>
+
+<file path=ppt/slides/slide24.xml><?xml version="1.0" encoding="utf-8"?>
+<p:sld xmlns:a="http://schemas.openxmlformats.org/drawingml/2006/main" xmlns:r="http://schemas.openxmlformats.org/officeDocument/2006/relationships" xmlns:p="http://schemas.openxmlformats.org/presentationml/2006/main">
+  <p:cSld>
+    <p:spTree>
+      <p:nvGrpSpPr>
+        <p:cNvPr id="1" name=""/>
+        <p:cNvGrpSpPr/>
+        <p:nvPr/>
+      </p:nvGrpSpPr>
+      <p:grpSpPr>
+        <a:xfrm>
+          <a:off x="0" y="0"/>
+          <a:ext cx="0" cy="0"/>
+          <a:chOff x="0" y="0"/>
+          <a:chExt cx="0" cy="0"/>
+        </a:xfrm>
+      </p:grpSpPr>
+      <p:sp>
+        <p:nvSpPr>
+          <p:cNvPr id="2" name="Titel 1">
+            <a:extLst>
+              <a:ext uri="{FF2B5EF4-FFF2-40B4-BE49-F238E27FC236}">
+                <a16:creationId xmlns:a16="http://schemas.microsoft.com/office/drawing/2014/main" id="{05BF9027-1DE7-43A9-9EA5-02F0FAE22EC2}"/>
+              </a:ext>
+            </a:extLst>
+          </p:cNvPr>
+          <p:cNvSpPr>
+            <a:spLocks noGrp="1"/>
+          </p:cNvSpPr>
+          <p:nvPr>
+            <p:ph type="title"/>
+          </p:nvPr>
+        </p:nvSpPr>
+        <p:spPr/>
+        <p:txBody>
+          <a:bodyPr/>
+          <a:lstStyle/>
+          <a:p>
+            <a:r>
+              <a:rPr lang="de-DE" dirty="0"/>
+              <a:t>Dart  - Verzweigungen</a:t>
+            </a:r>
+          </a:p>
+        </p:txBody>
+      </p:sp>
+      <p:sp>
+        <p:nvSpPr>
+          <p:cNvPr id="3" name="Inhaltsplatzhalter 2">
+            <a:extLst>
+              <a:ext uri="{FF2B5EF4-FFF2-40B4-BE49-F238E27FC236}">
+                <a16:creationId xmlns:a16="http://schemas.microsoft.com/office/drawing/2014/main" id="{57269D83-674E-49D9-B66B-B52322D36F7D}"/>
+              </a:ext>
+            </a:extLst>
+          </p:cNvPr>
+          <p:cNvSpPr>
+            <a:spLocks noGrp="1"/>
+          </p:cNvSpPr>
+          <p:nvPr>
+            <p:ph idx="1"/>
+          </p:nvPr>
+        </p:nvSpPr>
+        <p:spPr/>
+        <p:txBody>
+          <a:bodyPr/>
+          <a:lstStyle/>
+          <a:p>
+            <a:r>
+              <a:rPr lang="de-DE" dirty="0" err="1"/>
+              <a:t>if</a:t>
+            </a:r>
+            <a:r>
+              <a:rPr lang="de-DE" dirty="0"/>
+              <a:t>-Befehl</a:t>
+            </a:r>
+          </a:p>
+          <a:p>
+            <a:pPr lvl="1">
+              <a:buClr>
+                <a:schemeClr val="tx1"/>
+              </a:buClr>
+            </a:pPr>
+            <a:r>
+              <a:rPr lang="de-DE" b="1" dirty="0" err="1">
+                <a:solidFill>
+                  <a:schemeClr val="accent1">
+                    <a:lumMod val="75000"/>
+                  </a:schemeClr>
+                </a:solidFill>
+              </a:rPr>
+              <a:t>if</a:t>
+            </a:r>
+            <a:r>
+              <a:rPr lang="de-DE" b="1" dirty="0">
+                <a:solidFill>
+                  <a:schemeClr val="accent1">
+                    <a:lumMod val="75000"/>
+                  </a:schemeClr>
+                </a:solidFill>
+              </a:rPr>
+              <a:t> (</a:t>
+            </a:r>
+            <a:r>
+              <a:rPr lang="de-DE" i="1" dirty="0">
+                <a:solidFill>
+                  <a:schemeClr val="accent2">
+                    <a:lumMod val="75000"/>
+                  </a:schemeClr>
+                </a:solidFill>
+              </a:rPr>
+              <a:t>Bedingung</a:t>
+            </a:r>
+            <a:r>
+              <a:rPr lang="de-DE" b="1" dirty="0">
+                <a:solidFill>
+                  <a:schemeClr val="accent1">
+                    <a:lumMod val="75000"/>
+                  </a:schemeClr>
+                </a:solidFill>
+              </a:rPr>
+              <a:t>) {</a:t>
+            </a:r>
+            <a:br>
+              <a:rPr lang="de-DE" i="1" dirty="0"/>
+            </a:br>
+            <a:r>
+              <a:rPr lang="de-DE" dirty="0"/>
+              <a:t>	// wenn </a:t>
+            </a:r>
+            <a:r>
+              <a:rPr lang="de-DE" i="1" dirty="0">
+                <a:solidFill>
+                  <a:schemeClr val="accent2">
+                    <a:lumMod val="75000"/>
+                  </a:schemeClr>
+                </a:solidFill>
+              </a:rPr>
+              <a:t>Bedingung</a:t>
+            </a:r>
+            <a:r>
+              <a:rPr lang="de-DE" dirty="0"/>
+              <a:t> wahr ist</a:t>
+            </a:r>
+            <a:br>
+              <a:rPr lang="de-DE" dirty="0"/>
+            </a:br>
+            <a:r>
+              <a:rPr lang="de-DE" b="1" dirty="0">
+                <a:solidFill>
+                  <a:schemeClr val="accent1">
+                    <a:lumMod val="75000"/>
+                  </a:schemeClr>
+                </a:solidFill>
+              </a:rPr>
+              <a:t>} </a:t>
+            </a:r>
+            <a:r>
+              <a:rPr lang="de-DE" b="1" dirty="0" err="1">
+                <a:solidFill>
+                  <a:schemeClr val="accent1">
+                    <a:lumMod val="75000"/>
+                  </a:schemeClr>
+                </a:solidFill>
+              </a:rPr>
+              <a:t>else</a:t>
+            </a:r>
+            <a:r>
+              <a:rPr lang="de-DE" b="1" dirty="0">
+                <a:solidFill>
+                  <a:schemeClr val="accent1">
+                    <a:lumMod val="75000"/>
+                  </a:schemeClr>
+                </a:solidFill>
+              </a:rPr>
+              <a:t> </a:t>
+            </a:r>
+            <a:r>
+              <a:rPr lang="de-DE" b="1" dirty="0" err="1">
+                <a:solidFill>
+                  <a:schemeClr val="accent1">
+                    <a:lumMod val="75000"/>
+                  </a:schemeClr>
+                </a:solidFill>
+              </a:rPr>
+              <a:t>if</a:t>
+            </a:r>
+            <a:r>
+              <a:rPr lang="de-DE" b="1" dirty="0">
+                <a:solidFill>
+                  <a:schemeClr val="accent1">
+                    <a:lumMod val="75000"/>
+                  </a:schemeClr>
+                </a:solidFill>
+              </a:rPr>
+              <a:t> (</a:t>
+            </a:r>
+            <a:r>
+              <a:rPr lang="de-DE" dirty="0"/>
+              <a:t> </a:t>
+            </a:r>
+            <a:r>
+              <a:rPr lang="de-DE" i="1" dirty="0">
+                <a:solidFill>
+                  <a:schemeClr val="accent2">
+                    <a:lumMod val="75000"/>
+                  </a:schemeClr>
+                </a:solidFill>
+              </a:rPr>
+              <a:t>Bedingung2 </a:t>
+            </a:r>
+            <a:r>
+              <a:rPr lang="de-DE" b="1" dirty="0">
+                <a:solidFill>
+                  <a:schemeClr val="accent1">
+                    <a:lumMod val="75000"/>
+                  </a:schemeClr>
+                </a:solidFill>
+              </a:rPr>
+              <a:t>) {</a:t>
+            </a:r>
+            <a:br>
+              <a:rPr lang="de-DE" i="1" dirty="0"/>
+            </a:br>
+            <a:r>
+              <a:rPr lang="de-DE" dirty="0"/>
+              <a:t>	// wenn </a:t>
+            </a:r>
+            <a:r>
+              <a:rPr lang="de-DE" i="1" dirty="0">
+                <a:solidFill>
+                  <a:schemeClr val="accent2">
+                    <a:lumMod val="75000"/>
+                  </a:schemeClr>
+                </a:solidFill>
+              </a:rPr>
+              <a:t>Bedingung</a:t>
+            </a:r>
+            <a:r>
+              <a:rPr lang="de-DE" dirty="0"/>
+              <a:t> nicht wahr aber </a:t>
+            </a:r>
+            <a:r>
+              <a:rPr lang="de-DE" i="1" dirty="0">
+                <a:solidFill>
+                  <a:schemeClr val="accent2">
+                    <a:lumMod val="75000"/>
+                  </a:schemeClr>
+                </a:solidFill>
+              </a:rPr>
+              <a:t>Bedingung2</a:t>
+            </a:r>
+            <a:r>
+              <a:rPr lang="de-DE" dirty="0"/>
+              <a:t> wahr ist</a:t>
+            </a:r>
+            <a:br>
+              <a:rPr lang="de-DE" dirty="0"/>
+            </a:br>
+            <a:r>
+              <a:rPr lang="de-DE" b="1" dirty="0" err="1">
+                <a:solidFill>
+                  <a:schemeClr val="accent1">
+                    <a:lumMod val="75000"/>
+                  </a:schemeClr>
+                </a:solidFill>
+              </a:rPr>
+              <a:t>else</a:t>
+            </a:r>
+            <a:r>
+              <a:rPr lang="de-DE" b="1" dirty="0">
+                <a:solidFill>
+                  <a:schemeClr val="accent1">
+                    <a:lumMod val="75000"/>
+                  </a:schemeClr>
+                </a:solidFill>
+              </a:rPr>
+              <a:t> {</a:t>
+            </a:r>
+            <a:br>
+              <a:rPr lang="de-DE" dirty="0"/>
+            </a:br>
+            <a:r>
+              <a:rPr lang="de-DE" dirty="0"/>
+              <a:t>	// wenn weder </a:t>
+            </a:r>
+            <a:r>
+              <a:rPr lang="de-DE" i="1" dirty="0">
+                <a:solidFill>
+                  <a:schemeClr val="accent2">
+                    <a:lumMod val="75000"/>
+                  </a:schemeClr>
+                </a:solidFill>
+              </a:rPr>
+              <a:t>Bedingung</a:t>
+            </a:r>
+            <a:r>
+              <a:rPr lang="de-DE" dirty="0"/>
+              <a:t> noch </a:t>
+            </a:r>
+            <a:r>
+              <a:rPr lang="de-DE" i="1" dirty="0">
+                <a:solidFill>
+                  <a:schemeClr val="accent2">
+                    <a:lumMod val="75000"/>
+                  </a:schemeClr>
+                </a:solidFill>
+              </a:rPr>
+              <a:t>Bedingung2</a:t>
+            </a:r>
+            <a:r>
+              <a:rPr lang="de-DE" dirty="0"/>
+              <a:t> wahr sind</a:t>
+            </a:r>
+            <a:br>
+              <a:rPr lang="de-DE" dirty="0"/>
+            </a:br>
+            <a:r>
+              <a:rPr lang="de-DE" b="1" dirty="0">
+                <a:solidFill>
+                  <a:schemeClr val="accent1">
+                    <a:lumMod val="75000"/>
+                  </a:schemeClr>
+                </a:solidFill>
+              </a:rPr>
+              <a:t>}</a:t>
+            </a:r>
+            <a:endParaRPr lang="de-DE" dirty="0"/>
+          </a:p>
+        </p:txBody>
+      </p:sp>
+      <p:sp>
+        <p:nvSpPr>
+          <p:cNvPr id="4" name="Datumsplatzhalter 3">
+            <a:extLst>
+              <a:ext uri="{FF2B5EF4-FFF2-40B4-BE49-F238E27FC236}">
+                <a16:creationId xmlns:a16="http://schemas.microsoft.com/office/drawing/2014/main" id="{9B26293B-7F5D-4853-A6BF-36FA37526F5C}"/>
+              </a:ext>
+            </a:extLst>
+          </p:cNvPr>
+          <p:cNvSpPr>
+            <a:spLocks noGrp="1"/>
+          </p:cNvSpPr>
+          <p:nvPr>
+            <p:ph type="dt" sz="half" idx="10"/>
+          </p:nvPr>
+        </p:nvSpPr>
+        <p:spPr/>
+        <p:txBody>
+          <a:bodyPr/>
+          <a:lstStyle/>
+          <a:p>
+            <a:fld id="{372285A9-CAD1-4F8C-A320-59D4C92876C5}" type="datetime1">
+              <a:rPr lang="de-DE" smtClean="0"/>
+              <a:t>23.01.2023</a:t>
+            </a:fld>
+            <a:endParaRPr lang="de-DE"/>
+          </a:p>
+        </p:txBody>
+      </p:sp>
+      <p:sp>
+        <p:nvSpPr>
+          <p:cNvPr id="5" name="Fußzeilenplatzhalter 4">
+            <a:extLst>
+              <a:ext uri="{FF2B5EF4-FFF2-40B4-BE49-F238E27FC236}">
+                <a16:creationId xmlns:a16="http://schemas.microsoft.com/office/drawing/2014/main" id="{2C778F10-8AB2-40E6-BC1F-E81FB19FDE79}"/>
+              </a:ext>
+            </a:extLst>
+          </p:cNvPr>
+          <p:cNvSpPr>
+            <a:spLocks noGrp="1"/>
+          </p:cNvSpPr>
+          <p:nvPr>
+            <p:ph type="ftr" sz="quarter" idx="11"/>
+          </p:nvPr>
+        </p:nvSpPr>
+        <p:spPr/>
+        <p:txBody>
+          <a:bodyPr/>
+          <a:lstStyle/>
+          <a:p>
+            <a:r>
+              <a:rPr lang="de-DE"/>
+              <a:t>Dart - Programmiersprache für Smartphones</a:t>
+            </a:r>
+          </a:p>
+        </p:txBody>
+      </p:sp>
+      <p:sp>
+        <p:nvSpPr>
+          <p:cNvPr id="6" name="Foliennummernplatzhalter 5">
+            <a:extLst>
+              <a:ext uri="{FF2B5EF4-FFF2-40B4-BE49-F238E27FC236}">
+                <a16:creationId xmlns:a16="http://schemas.microsoft.com/office/drawing/2014/main" id="{50BDCC66-ED19-4B87-9100-4EE7F556CCE7}"/>
+              </a:ext>
+            </a:extLst>
+          </p:cNvPr>
+          <p:cNvSpPr>
+            <a:spLocks noGrp="1"/>
+          </p:cNvSpPr>
+          <p:nvPr>
+            <p:ph type="sldNum" sz="quarter" idx="12"/>
+          </p:nvPr>
+        </p:nvSpPr>
+        <p:spPr/>
+        <p:txBody>
+          <a:bodyPr/>
+          <a:lstStyle/>
+          <a:p>
+            <a:fld id="{3A1F27E2-D58A-4028-9FF2-B12D897F257E}" type="slidenum">
+              <a:rPr lang="de-DE" smtClean="0"/>
+              <a:t>24</a:t>
+            </a:fld>
+            <a:endParaRPr lang="de-DE"/>
+          </a:p>
+        </p:txBody>
+      </p:sp>
+      <p:pic>
+        <p:nvPicPr>
+          <p:cNvPr id="8" name="Grafik 7">
+            <a:extLst>
+              <a:ext uri="{FF2B5EF4-FFF2-40B4-BE49-F238E27FC236}">
+                <a16:creationId xmlns:a16="http://schemas.microsoft.com/office/drawing/2014/main" id="{C741E023-2A89-4C3C-9AE6-35BFFCC7EFB4}"/>
+              </a:ext>
+            </a:extLst>
+          </p:cNvPr>
+          <p:cNvPicPr>
+            <a:picLocks noChangeAspect="1"/>
+          </p:cNvPicPr>
+          <p:nvPr/>
+        </p:nvPicPr>
+        <p:blipFill>
+          <a:blip r:embed="rId2"/>
+          <a:stretch>
+            <a:fillRect/>
+          </a:stretch>
+        </p:blipFill>
+        <p:spPr>
+          <a:xfrm>
+            <a:off x="838200" y="4428379"/>
+            <a:ext cx="4985661" cy="1905514"/>
+          </a:xfrm>
+          <a:prstGeom prst="rect">
+            <a:avLst/>
+          </a:prstGeom>
+        </p:spPr>
+      </p:pic>
+    </p:spTree>
+    <p:extLst>
+      <p:ext uri="{BB962C8B-B14F-4D97-AF65-F5344CB8AC3E}">
+        <p14:creationId xmlns:p14="http://schemas.microsoft.com/office/powerpoint/2010/main" val="2205451820"/>
+      </p:ext>
+    </p:extLst>
+  </p:cSld>
+  <p:clrMapOvr>
+    <a:masterClrMapping/>
+  </p:clrMapOvr>
+</p:sld>
+</file>
+
+<file path=ppt/slides/slide25.xml><?xml version="1.0" encoding="utf-8"?>
+<p:sld xmlns:a="http://schemas.openxmlformats.org/drawingml/2006/main" xmlns:r="http://schemas.openxmlformats.org/officeDocument/2006/relationships" xmlns:p="http://schemas.openxmlformats.org/presentationml/2006/main">
+  <p:cSld>
+    <p:spTree>
+      <p:nvGrpSpPr>
+        <p:cNvPr id="1" name=""/>
+        <p:cNvGrpSpPr/>
+        <p:nvPr/>
+      </p:nvGrpSpPr>
+      <p:grpSpPr>
+        <a:xfrm>
+          <a:off x="0" y="0"/>
+          <a:ext cx="0" cy="0"/>
+          <a:chOff x="0" y="0"/>
+          <a:chExt cx="0" cy="0"/>
+        </a:xfrm>
+      </p:grpSpPr>
+      <p:sp>
+        <p:nvSpPr>
+          <p:cNvPr id="2" name="Titel 1">
+            <a:extLst>
+              <a:ext uri="{FF2B5EF4-FFF2-40B4-BE49-F238E27FC236}">
+                <a16:creationId xmlns:a16="http://schemas.microsoft.com/office/drawing/2014/main" id="{11919140-9CAB-49B3-90EE-163B13FF144D}"/>
+              </a:ext>
+            </a:extLst>
+          </p:cNvPr>
+          <p:cNvSpPr>
+            <a:spLocks noGrp="1"/>
+          </p:cNvSpPr>
+          <p:nvPr>
+            <p:ph type="title"/>
+          </p:nvPr>
+        </p:nvSpPr>
+        <p:spPr/>
+        <p:txBody>
+          <a:bodyPr/>
+          <a:lstStyle/>
+          <a:p>
+            <a:r>
+              <a:rPr lang="de-DE" dirty="0"/>
+              <a:t>Dart  - Verzweigungen - Aufgabe</a:t>
+            </a:r>
+          </a:p>
+        </p:txBody>
+      </p:sp>
+      <p:sp>
+        <p:nvSpPr>
+          <p:cNvPr id="3" name="Inhaltsplatzhalter 2">
+            <a:extLst>
+              <a:ext uri="{FF2B5EF4-FFF2-40B4-BE49-F238E27FC236}">
+                <a16:creationId xmlns:a16="http://schemas.microsoft.com/office/drawing/2014/main" id="{FDEC950F-0A78-438D-8A33-B226705DA15F}"/>
+              </a:ext>
+            </a:extLst>
+          </p:cNvPr>
+          <p:cNvSpPr>
+            <a:spLocks noGrp="1"/>
+          </p:cNvSpPr>
+          <p:nvPr>
+            <p:ph idx="1"/>
+          </p:nvPr>
+        </p:nvSpPr>
+        <p:spPr>
+          <a:xfrm>
+            <a:off x="838200" y="1520825"/>
+            <a:ext cx="9554737" cy="4645025"/>
+          </a:xfrm>
+        </p:spPr>
+        <p:txBody>
+          <a:bodyPr anchor="ctr"/>
+          <a:lstStyle/>
+          <a:p>
+            <a:pPr marL="0" indent="0">
+              <a:buNone/>
+            </a:pPr>
+            <a:r>
+              <a:rPr lang="de-DE" dirty="0"/>
+              <a:t>Wie viele Zahlen von 100 bis 999 enthalten die Ziffer 3?</a:t>
+            </a:r>
+          </a:p>
+          <a:p>
+            <a:endParaRPr lang="de-DE" dirty="0"/>
+          </a:p>
+        </p:txBody>
+      </p:sp>
+      <p:sp>
+        <p:nvSpPr>
+          <p:cNvPr id="4" name="Datumsplatzhalter 3">
+            <a:extLst>
+              <a:ext uri="{FF2B5EF4-FFF2-40B4-BE49-F238E27FC236}">
+                <a16:creationId xmlns:a16="http://schemas.microsoft.com/office/drawing/2014/main" id="{4D2AE852-945F-4D43-9B0F-90759264559B}"/>
+              </a:ext>
+            </a:extLst>
+          </p:cNvPr>
+          <p:cNvSpPr>
+            <a:spLocks noGrp="1"/>
+          </p:cNvSpPr>
+          <p:nvPr>
+            <p:ph type="dt" sz="half" idx="10"/>
+          </p:nvPr>
+        </p:nvSpPr>
+        <p:spPr/>
+        <p:txBody>
+          <a:bodyPr/>
+          <a:lstStyle/>
+          <a:p>
+            <a:fld id="{2F8DC1E6-2D30-4DE7-9C9D-5217FE18022E}" type="datetime1">
+              <a:rPr lang="de-DE" smtClean="0"/>
+              <a:t>23.01.2023</a:t>
+            </a:fld>
+            <a:endParaRPr lang="de-DE"/>
+          </a:p>
+        </p:txBody>
+      </p:sp>
+      <p:sp>
+        <p:nvSpPr>
+          <p:cNvPr id="5" name="Fußzeilenplatzhalter 4">
+            <a:extLst>
+              <a:ext uri="{FF2B5EF4-FFF2-40B4-BE49-F238E27FC236}">
+                <a16:creationId xmlns:a16="http://schemas.microsoft.com/office/drawing/2014/main" id="{55EBAF22-C26B-4B67-B17A-E272F262EE6D}"/>
+              </a:ext>
+            </a:extLst>
+          </p:cNvPr>
+          <p:cNvSpPr>
+            <a:spLocks noGrp="1"/>
+          </p:cNvSpPr>
+          <p:nvPr>
+            <p:ph type="ftr" sz="quarter" idx="11"/>
+          </p:nvPr>
+        </p:nvSpPr>
+        <p:spPr/>
+        <p:txBody>
+          <a:bodyPr/>
+          <a:lstStyle/>
+          <a:p>
+            <a:r>
+              <a:rPr lang="de-DE"/>
+              <a:t>Dart - Programmiersprache für Smartphones</a:t>
+            </a:r>
+          </a:p>
+        </p:txBody>
+      </p:sp>
+      <p:sp>
+        <p:nvSpPr>
+          <p:cNvPr id="6" name="Foliennummernplatzhalter 5">
+            <a:extLst>
+              <a:ext uri="{FF2B5EF4-FFF2-40B4-BE49-F238E27FC236}">
+                <a16:creationId xmlns:a16="http://schemas.microsoft.com/office/drawing/2014/main" id="{10202B96-6461-48B8-BC88-6389BC07BB4D}"/>
+              </a:ext>
+            </a:extLst>
+          </p:cNvPr>
+          <p:cNvSpPr>
+            <a:spLocks noGrp="1"/>
+          </p:cNvSpPr>
+          <p:nvPr>
+            <p:ph type="sldNum" sz="quarter" idx="12"/>
+          </p:nvPr>
+        </p:nvSpPr>
+        <p:spPr/>
+        <p:txBody>
+          <a:bodyPr/>
+          <a:lstStyle/>
+          <a:p>
+            <a:fld id="{3A1F27E2-D58A-4028-9FF2-B12D897F257E}" type="slidenum">
+              <a:rPr lang="de-DE" smtClean="0"/>
+              <a:t>25</a:t>
+            </a:fld>
+            <a:endParaRPr lang="de-DE"/>
+          </a:p>
+        </p:txBody>
+      </p:sp>
+    </p:spTree>
+    <p:extLst>
+      <p:ext uri="{BB962C8B-B14F-4D97-AF65-F5344CB8AC3E}">
+        <p14:creationId xmlns:p14="http://schemas.microsoft.com/office/powerpoint/2010/main" val="1327933660"/>
       </p:ext>
     </p:extLst>
   </p:cSld>
@@ -9703,7 +12345,7 @@
           <a:p>
             <a:fld id="{5C03BAA7-20D5-4E1B-8CB5-A2ED8F9EFD7F}" type="datetime1">
               <a:rPr lang="de-DE" smtClean="0"/>
-              <a:t>16.01.2023</a:t>
+              <a:t>23.01.2023</a:t>
             </a:fld>
             <a:endParaRPr lang="de-DE"/>
           </a:p>
@@ -9816,6 +12458,34 @@
       </p:pic>
       <p:sp>
         <p:nvSpPr>
+          <p:cNvPr id="2" name="Titel 1">
+            <a:extLst>
+              <a:ext uri="{FF2B5EF4-FFF2-40B4-BE49-F238E27FC236}">
+                <a16:creationId xmlns:a16="http://schemas.microsoft.com/office/drawing/2014/main" id="{D326F20E-9C8C-4589-B938-1CE6D7B41B0C}"/>
+              </a:ext>
+            </a:extLst>
+          </p:cNvPr>
+          <p:cNvSpPr>
+            <a:spLocks noGrp="1"/>
+          </p:cNvSpPr>
+          <p:nvPr>
+            <p:ph type="title"/>
+          </p:nvPr>
+        </p:nvSpPr>
+        <p:spPr/>
+        <p:txBody>
+          <a:bodyPr/>
+          <a:lstStyle/>
+          <a:p>
+            <a:r>
+              <a:rPr lang="de-DE" dirty="0"/>
+              <a:t>Dart - Ausgabe auf dem Bildschirm</a:t>
+            </a:r>
+          </a:p>
+        </p:txBody>
+      </p:sp>
+      <p:sp>
+        <p:nvSpPr>
           <p:cNvPr id="7" name="Inhaltsplatzhalter 6">
             <a:extLst>
               <a:ext uri="{FF2B5EF4-FFF2-40B4-BE49-F238E27FC236}">
@@ -9936,6 +12606,92 @@
           </a:p>
           <a:p>
             <a:endParaRPr lang="de-DE" dirty="0"/>
+          </a:p>
+        </p:txBody>
+      </p:sp>
+      <p:sp>
+        <p:nvSpPr>
+          <p:cNvPr id="4" name="Datumsplatzhalter 3">
+            <a:extLst>
+              <a:ext uri="{FF2B5EF4-FFF2-40B4-BE49-F238E27FC236}">
+                <a16:creationId xmlns:a16="http://schemas.microsoft.com/office/drawing/2014/main" id="{E607A61A-BF2F-4712-B4AC-98AD90F671D6}"/>
+              </a:ext>
+            </a:extLst>
+          </p:cNvPr>
+          <p:cNvSpPr>
+            <a:spLocks noGrp="1"/>
+          </p:cNvSpPr>
+          <p:nvPr>
+            <p:ph type="dt" sz="half" idx="10"/>
+          </p:nvPr>
+        </p:nvSpPr>
+        <p:spPr/>
+        <p:txBody>
+          <a:bodyPr/>
+          <a:lstStyle/>
+          <a:p>
+            <a:fld id="{DDF7F67B-F411-40A4-BFC4-67CF6BB150A8}" type="datetime1">
+              <a:rPr lang="de-DE" smtClean="0"/>
+              <a:t>23.01.2023</a:t>
+            </a:fld>
+            <a:endParaRPr lang="de-DE"/>
+          </a:p>
+        </p:txBody>
+      </p:sp>
+      <p:sp>
+        <p:nvSpPr>
+          <p:cNvPr id="5" name="Fußzeilenplatzhalter 4">
+            <a:extLst>
+              <a:ext uri="{FF2B5EF4-FFF2-40B4-BE49-F238E27FC236}">
+                <a16:creationId xmlns:a16="http://schemas.microsoft.com/office/drawing/2014/main" id="{850A3253-E84D-4CFB-A301-495D8D122D52}"/>
+              </a:ext>
+            </a:extLst>
+          </p:cNvPr>
+          <p:cNvSpPr>
+            <a:spLocks noGrp="1"/>
+          </p:cNvSpPr>
+          <p:nvPr>
+            <p:ph type="ftr" sz="quarter" idx="11"/>
+          </p:nvPr>
+        </p:nvSpPr>
+        <p:spPr/>
+        <p:txBody>
+          <a:bodyPr/>
+          <a:lstStyle/>
+          <a:p>
+            <a:r>
+              <a:rPr lang="de-DE"/>
+              <a:t>Dart - Programmiersprache für Smartphones</a:t>
+            </a:r>
+          </a:p>
+        </p:txBody>
+      </p:sp>
+      <p:sp>
+        <p:nvSpPr>
+          <p:cNvPr id="6" name="Foliennummernplatzhalter 5">
+            <a:extLst>
+              <a:ext uri="{FF2B5EF4-FFF2-40B4-BE49-F238E27FC236}">
+                <a16:creationId xmlns:a16="http://schemas.microsoft.com/office/drawing/2014/main" id="{539FF752-35A7-447F-BC29-B42721F88796}"/>
+              </a:ext>
+            </a:extLst>
+          </p:cNvPr>
+          <p:cNvSpPr>
+            <a:spLocks noGrp="1"/>
+          </p:cNvSpPr>
+          <p:nvPr>
+            <p:ph type="sldNum" sz="quarter" idx="12"/>
+          </p:nvPr>
+        </p:nvSpPr>
+        <p:spPr/>
+        <p:txBody>
+          <a:bodyPr/>
+          <a:lstStyle/>
+          <a:p>
+            <a:fld id="{3A1F27E2-D58A-4028-9FF2-B12D897F257E}" type="slidenum">
+              <a:rPr lang="de-DE" smtClean="0"/>
+              <a:t>4</a:t>
+            </a:fld>
+            <a:endParaRPr lang="de-DE"/>
           </a:p>
         </p:txBody>
       </p:sp>
@@ -9969,120 +12725,6 @@
           </a:prstGeom>
         </p:spPr>
       </p:pic>
-      <p:sp>
-        <p:nvSpPr>
-          <p:cNvPr id="2" name="Titel 1">
-            <a:extLst>
-              <a:ext uri="{FF2B5EF4-FFF2-40B4-BE49-F238E27FC236}">
-                <a16:creationId xmlns:a16="http://schemas.microsoft.com/office/drawing/2014/main" id="{D326F20E-9C8C-4589-B938-1CE6D7B41B0C}"/>
-              </a:ext>
-            </a:extLst>
-          </p:cNvPr>
-          <p:cNvSpPr>
-            <a:spLocks noGrp="1"/>
-          </p:cNvSpPr>
-          <p:nvPr>
-            <p:ph type="title"/>
-          </p:nvPr>
-        </p:nvSpPr>
-        <p:spPr/>
-        <p:txBody>
-          <a:bodyPr/>
-          <a:lstStyle/>
-          <a:p>
-            <a:r>
-              <a:rPr lang="de-DE" dirty="0"/>
-              <a:t>Dart - Ausgabe auf dem Bildschirm</a:t>
-            </a:r>
-          </a:p>
-        </p:txBody>
-      </p:sp>
-      <p:sp>
-        <p:nvSpPr>
-          <p:cNvPr id="4" name="Datumsplatzhalter 3">
-            <a:extLst>
-              <a:ext uri="{FF2B5EF4-FFF2-40B4-BE49-F238E27FC236}">
-                <a16:creationId xmlns:a16="http://schemas.microsoft.com/office/drawing/2014/main" id="{E607A61A-BF2F-4712-B4AC-98AD90F671D6}"/>
-              </a:ext>
-            </a:extLst>
-          </p:cNvPr>
-          <p:cNvSpPr>
-            <a:spLocks noGrp="1"/>
-          </p:cNvSpPr>
-          <p:nvPr>
-            <p:ph type="dt" sz="half" idx="10"/>
-          </p:nvPr>
-        </p:nvSpPr>
-        <p:spPr/>
-        <p:txBody>
-          <a:bodyPr/>
-          <a:lstStyle/>
-          <a:p>
-            <a:fld id="{DDF7F67B-F411-40A4-BFC4-67CF6BB150A8}" type="datetime1">
-              <a:rPr lang="de-DE" smtClean="0"/>
-              <a:t>16.01.2023</a:t>
-            </a:fld>
-            <a:endParaRPr lang="de-DE"/>
-          </a:p>
-        </p:txBody>
-      </p:sp>
-      <p:sp>
-        <p:nvSpPr>
-          <p:cNvPr id="5" name="Fußzeilenplatzhalter 4">
-            <a:extLst>
-              <a:ext uri="{FF2B5EF4-FFF2-40B4-BE49-F238E27FC236}">
-                <a16:creationId xmlns:a16="http://schemas.microsoft.com/office/drawing/2014/main" id="{850A3253-E84D-4CFB-A301-495D8D122D52}"/>
-              </a:ext>
-            </a:extLst>
-          </p:cNvPr>
-          <p:cNvSpPr>
-            <a:spLocks noGrp="1"/>
-          </p:cNvSpPr>
-          <p:nvPr>
-            <p:ph type="ftr" sz="quarter" idx="11"/>
-          </p:nvPr>
-        </p:nvSpPr>
-        <p:spPr/>
-        <p:txBody>
-          <a:bodyPr/>
-          <a:lstStyle/>
-          <a:p>
-            <a:r>
-              <a:rPr lang="de-DE"/>
-              <a:t>Dart - Programmiersprache für Smartphones</a:t>
-            </a:r>
-          </a:p>
-        </p:txBody>
-      </p:sp>
-      <p:sp>
-        <p:nvSpPr>
-          <p:cNvPr id="6" name="Foliennummernplatzhalter 5">
-            <a:extLst>
-              <a:ext uri="{FF2B5EF4-FFF2-40B4-BE49-F238E27FC236}">
-                <a16:creationId xmlns:a16="http://schemas.microsoft.com/office/drawing/2014/main" id="{539FF752-35A7-447F-BC29-B42721F88796}"/>
-              </a:ext>
-            </a:extLst>
-          </p:cNvPr>
-          <p:cNvSpPr>
-            <a:spLocks noGrp="1"/>
-          </p:cNvSpPr>
-          <p:nvPr>
-            <p:ph type="sldNum" sz="quarter" idx="12"/>
-          </p:nvPr>
-        </p:nvSpPr>
-        <p:spPr/>
-        <p:txBody>
-          <a:bodyPr/>
-          <a:lstStyle/>
-          <a:p>
-            <a:fld id="{3A1F27E2-D58A-4028-9FF2-B12D897F257E}" type="slidenum">
-              <a:rPr lang="de-DE" smtClean="0"/>
-              <a:t>4</a:t>
-            </a:fld>
-            <a:endParaRPr lang="de-DE"/>
-          </a:p>
-        </p:txBody>
-      </p:sp>
       <p:sp>
         <p:nvSpPr>
           <p:cNvPr id="10" name="Rechteck 9">
@@ -10392,7 +13034,7 @@
           <a:p>
             <a:fld id="{96C0D114-F0DB-443F-9337-40D84E177FDC}" type="datetime1">
               <a:rPr lang="de-DE" smtClean="0"/>
-              <a:t>16.01.2023</a:t>
+              <a:t>23.01.2023</a:t>
             </a:fld>
             <a:endParaRPr lang="de-DE"/>
           </a:p>
@@ -10761,7 +13403,7 @@
           <a:p>
             <a:fld id="{A952138C-0142-4C6B-A620-863AA96BBBE1}" type="datetime1">
               <a:rPr lang="de-DE" smtClean="0"/>
-              <a:t>16.01.2023</a:t>
+              <a:t>23.01.2023</a:t>
             </a:fld>
             <a:endParaRPr lang="de-DE"/>
           </a:p>
@@ -10997,7 +13639,7 @@
           <a:p>
             <a:fld id="{7127E464-1A99-4532-A297-E1D7378D9E61}" type="datetime1">
               <a:rPr lang="de-DE" smtClean="0"/>
-              <a:t>16.01.2023</a:t>
+              <a:t>23.01.2023</a:t>
             </a:fld>
             <a:endParaRPr lang="de-DE"/>
           </a:p>
@@ -11378,7 +14020,7 @@
           <a:p>
             <a:fld id="{77B5C711-A7A8-40A0-AEA6-3F77D4628817}" type="datetime1">
               <a:rPr lang="de-DE" smtClean="0"/>
-              <a:t>16.01.2023</a:t>
+              <a:t>23.01.2023</a:t>
             </a:fld>
             <a:endParaRPr lang="de-DE"/>
           </a:p>
@@ -11757,7 +14399,7 @@
           <a:p>
             <a:fld id="{27A2010A-1149-4F23-80A2-1B4570F18F3A}" type="datetime1">
               <a:rPr lang="de-DE" smtClean="0"/>
-              <a:t>16.01.2023</a:t>
+              <a:t>23.01.2023</a:t>
             </a:fld>
             <a:endParaRPr lang="de-DE"/>
           </a:p>

--- a/presentations/Dart.pptx
+++ b/presentations/Dart.pptx
@@ -6,10 +6,10 @@
     <p:sldMasterId id="2147483656" r:id="rId2"/>
   </p:sldMasterIdLst>
   <p:notesMasterIdLst>
-    <p:notesMasterId r:id="rId28"/>
+    <p:notesMasterId r:id="rId35"/>
   </p:notesMasterIdLst>
   <p:handoutMasterIdLst>
-    <p:handoutMasterId r:id="rId29"/>
+    <p:handoutMasterId r:id="rId36"/>
   </p:handoutMasterIdLst>
   <p:sldIdLst>
     <p:sldId id="256" r:id="rId3"/>
@@ -37,6 +37,13 @@
     <p:sldId id="292" r:id="rId25"/>
     <p:sldId id="293" r:id="rId26"/>
     <p:sldId id="294" r:id="rId27"/>
+    <p:sldId id="297" r:id="rId28"/>
+    <p:sldId id="296" r:id="rId29"/>
+    <p:sldId id="298" r:id="rId30"/>
+    <p:sldId id="299" r:id="rId31"/>
+    <p:sldId id="300" r:id="rId32"/>
+    <p:sldId id="310" r:id="rId33"/>
+    <p:sldId id="301" r:id="rId34"/>
   </p:sldIdLst>
   <p:sldSz cx="12192000" cy="6858000"/>
   <p:notesSz cx="6858000" cy="9144000"/>
@@ -199,7 +206,15 @@
           </p14:sldIdLst>
         </p14:section>
         <p14:section name="Listen" id="{7B341E35-302E-4EF2-A04B-B7E558EEEB6F}">
-          <p14:sldIdLst/>
+          <p14:sldIdLst>
+            <p14:sldId id="297"/>
+            <p14:sldId id="296"/>
+            <p14:sldId id="298"/>
+            <p14:sldId id="299"/>
+            <p14:sldId id="300"/>
+            <p14:sldId id="310"/>
+            <p14:sldId id="301"/>
+          </p14:sldIdLst>
         </p14:section>
         <p14:section name="Map / Dictionary" id="{D4A4C5FB-0BB1-4A3B-B0E1-186A6D1D750D}">
           <p14:sldIdLst/>
@@ -353,7 +368,7 @@
                   <a:schemeClr val="tx2"/>
                 </a:solidFill>
               </a:rPr>
-              <a:t>23.01.2023</a:t>
+              <a:t>31.01.2023</a:t>
             </a:fld>
             <a:endParaRPr lang="de-DE">
               <a:solidFill>
@@ -703,7 +718,7 @@
             <a:fld id="{B4113CCE-1A1A-46DB-884A-AE560F65C3AF}" type="datetimeFigureOut">
               <a:rPr lang="de-DE" smtClean="0"/>
               <a:pPr/>
-              <a:t>23.01.2023</a:t>
+              <a:t>31.01.2023</a:t>
             </a:fld>
             <a:endParaRPr lang="de-DE"/>
           </a:p>
@@ -2331,6 +2346,145 @@
 </p:notes>
 </file>
 
+<file path=ppt/notesSlides/notesSlide19.xml><?xml version="1.0" encoding="utf-8"?>
+<p:notes xmlns:a="http://schemas.openxmlformats.org/drawingml/2006/main" xmlns:r="http://schemas.openxmlformats.org/officeDocument/2006/relationships" xmlns:p="http://schemas.openxmlformats.org/presentationml/2006/main">
+  <p:cSld>
+    <p:spTree>
+      <p:nvGrpSpPr>
+        <p:cNvPr id="1" name=""/>
+        <p:cNvGrpSpPr/>
+        <p:nvPr/>
+      </p:nvGrpSpPr>
+      <p:grpSpPr>
+        <a:xfrm>
+          <a:off x="0" y="0"/>
+          <a:ext cx="0" cy="0"/>
+          <a:chOff x="0" y="0"/>
+          <a:chExt cx="0" cy="0"/>
+        </a:xfrm>
+      </p:grpSpPr>
+      <p:sp>
+        <p:nvSpPr>
+          <p:cNvPr id="2" name="Folienbildplatzhalter 1"/>
+          <p:cNvSpPr>
+            <a:spLocks noGrp="1" noRot="1" noChangeAspect="1"/>
+          </p:cNvSpPr>
+          <p:nvPr>
+            <p:ph type="sldImg"/>
+          </p:nvPr>
+        </p:nvSpPr>
+        <p:spPr>
+          <a:xfrm>
+            <a:off x="685800" y="1143000"/>
+            <a:ext cx="4270375" cy="2401888"/>
+          </a:xfrm>
+        </p:spPr>
+      </p:sp>
+      <p:sp>
+        <p:nvSpPr>
+          <p:cNvPr id="3" name="Notizenplatzhalter 2"/>
+          <p:cNvSpPr>
+            <a:spLocks noGrp="1"/>
+          </p:cNvSpPr>
+          <p:nvPr>
+            <p:ph type="body" idx="1"/>
+          </p:nvPr>
+        </p:nvSpPr>
+        <p:spPr/>
+        <p:txBody>
+          <a:bodyPr/>
+          <a:lstStyle/>
+          <a:p>
+            <a:r>
+              <a:rPr lang="de-DE" dirty="0"/>
+              <a:t>Datum ist die Einzahl von Daten.</a:t>
+            </a:r>
+          </a:p>
+          <a:p>
+            <a:pPr marL="0" marR="0" lvl="0" indent="0" algn="l" defTabSz="914400" rtl="0" eaLnBrk="1" fontAlgn="auto" latinLnBrk="0" hangingPunct="1">
+              <a:lnSpc>
+                <a:spcPct val="100000"/>
+              </a:lnSpc>
+              <a:spcBef>
+                <a:spcPts val="0"/>
+              </a:spcBef>
+              <a:spcAft>
+                <a:spcPts val="0"/>
+              </a:spcAft>
+              <a:buClrTx/>
+              <a:buSzTx/>
+              <a:buFontTx/>
+              <a:buNone/>
+              <a:tabLst/>
+              <a:defRPr/>
+            </a:pPr>
+            <a:r>
+              <a:rPr lang="de-DE" dirty="0"/>
+              <a:t>Quizfrage: Um was für Zahlen handelt es sich hier?</a:t>
+            </a:r>
+          </a:p>
+          <a:p>
+            <a:pPr marL="0" marR="0" lvl="0" indent="0" algn="l" defTabSz="914400" rtl="0" eaLnBrk="1" fontAlgn="auto" latinLnBrk="0" hangingPunct="1">
+              <a:lnSpc>
+                <a:spcPct val="100000"/>
+              </a:lnSpc>
+              <a:spcBef>
+                <a:spcPts val="0"/>
+              </a:spcBef>
+              <a:spcAft>
+                <a:spcPts val="0"/>
+              </a:spcAft>
+              <a:buClrTx/>
+              <a:buSzTx/>
+              <a:buFontTx/>
+              <a:buNone/>
+              <a:tabLst/>
+              <a:defRPr/>
+            </a:pPr>
+            <a:r>
+              <a:rPr lang="de-DE" dirty="0"/>
+              <a:t>Das sind die ersten Primzahlen.</a:t>
+            </a:r>
+          </a:p>
+        </p:txBody>
+      </p:sp>
+      <p:sp>
+        <p:nvSpPr>
+          <p:cNvPr id="4" name="Foliennummernplatzhalter 3"/>
+          <p:cNvSpPr>
+            <a:spLocks noGrp="1"/>
+          </p:cNvSpPr>
+          <p:nvPr>
+            <p:ph type="sldNum" sz="quarter" idx="5"/>
+          </p:nvPr>
+        </p:nvSpPr>
+        <p:spPr/>
+        <p:txBody>
+          <a:bodyPr/>
+          <a:lstStyle/>
+          <a:p>
+            <a:fld id="{927DBD90-B360-417B-B4B3-F05A4AFC1996}" type="slidenum">
+              <a:rPr lang="de-DE" smtClean="0"/>
+              <a:pPr/>
+              <a:t>26</a:t>
+            </a:fld>
+            <a:endParaRPr lang="de-DE"/>
+          </a:p>
+        </p:txBody>
+      </p:sp>
+    </p:spTree>
+    <p:extLst>
+      <p:ext uri="{BB962C8B-B14F-4D97-AF65-F5344CB8AC3E}">
+        <p14:creationId xmlns:p14="http://schemas.microsoft.com/office/powerpoint/2010/main" val="1156331582"/>
+      </p:ext>
+    </p:extLst>
+  </p:cSld>
+  <p:clrMapOvr>
+    <a:masterClrMapping/>
+  </p:clrMapOvr>
+</p:notes>
+</file>
+
 <file path=ppt/notesSlides/notesSlide2.xml><?xml version="1.0" encoding="utf-8"?>
 <p:notes xmlns:a="http://schemas.openxmlformats.org/drawingml/2006/main" xmlns:r="http://schemas.openxmlformats.org/officeDocument/2006/relationships" xmlns:p="http://schemas.openxmlformats.org/presentationml/2006/main">
   <p:cSld>
@@ -2445,6 +2599,369 @@
     <p:extLst>
       <p:ext uri="{BB962C8B-B14F-4D97-AF65-F5344CB8AC3E}">
         <p14:creationId xmlns:p14="http://schemas.microsoft.com/office/powerpoint/2010/main" val="538888843"/>
+      </p:ext>
+    </p:extLst>
+  </p:cSld>
+  <p:clrMapOvr>
+    <a:masterClrMapping/>
+  </p:clrMapOvr>
+</p:notes>
+</file>
+
+<file path=ppt/notesSlides/notesSlide20.xml><?xml version="1.0" encoding="utf-8"?>
+<p:notes xmlns:a="http://schemas.openxmlformats.org/drawingml/2006/main" xmlns:r="http://schemas.openxmlformats.org/officeDocument/2006/relationships" xmlns:p="http://schemas.openxmlformats.org/presentationml/2006/main">
+  <p:cSld>
+    <p:spTree>
+      <p:nvGrpSpPr>
+        <p:cNvPr id="1" name=""/>
+        <p:cNvGrpSpPr/>
+        <p:nvPr/>
+      </p:nvGrpSpPr>
+      <p:grpSpPr>
+        <a:xfrm>
+          <a:off x="0" y="0"/>
+          <a:ext cx="0" cy="0"/>
+          <a:chOff x="0" y="0"/>
+          <a:chExt cx="0" cy="0"/>
+        </a:xfrm>
+      </p:grpSpPr>
+      <p:sp>
+        <p:nvSpPr>
+          <p:cNvPr id="2" name="Folienbildplatzhalter 1"/>
+          <p:cNvSpPr>
+            <a:spLocks noGrp="1" noRot="1" noChangeAspect="1"/>
+          </p:cNvSpPr>
+          <p:nvPr>
+            <p:ph type="sldImg"/>
+          </p:nvPr>
+        </p:nvSpPr>
+        <p:spPr>
+          <a:xfrm>
+            <a:off x="685800" y="1143000"/>
+            <a:ext cx="4270375" cy="2401888"/>
+          </a:xfrm>
+        </p:spPr>
+      </p:sp>
+      <p:sp>
+        <p:nvSpPr>
+          <p:cNvPr id="3" name="Notizenplatzhalter 2"/>
+          <p:cNvSpPr>
+            <a:spLocks noGrp="1"/>
+          </p:cNvSpPr>
+          <p:nvPr>
+            <p:ph type="body" idx="1"/>
+          </p:nvPr>
+        </p:nvSpPr>
+        <p:spPr/>
+        <p:txBody>
+          <a:bodyPr/>
+          <a:lstStyle/>
+          <a:p>
+            <a:endParaRPr lang="de-DE" dirty="0"/>
+          </a:p>
+        </p:txBody>
+      </p:sp>
+      <p:sp>
+        <p:nvSpPr>
+          <p:cNvPr id="4" name="Foliennummernplatzhalter 3"/>
+          <p:cNvSpPr>
+            <a:spLocks noGrp="1"/>
+          </p:cNvSpPr>
+          <p:nvPr>
+            <p:ph type="sldNum" sz="quarter" idx="5"/>
+          </p:nvPr>
+        </p:nvSpPr>
+        <p:spPr/>
+        <p:txBody>
+          <a:bodyPr/>
+          <a:lstStyle/>
+          <a:p>
+            <a:fld id="{927DBD90-B360-417B-B4B3-F05A4AFC1996}" type="slidenum">
+              <a:rPr lang="de-DE" smtClean="0"/>
+              <a:pPr/>
+              <a:t>27</a:t>
+            </a:fld>
+            <a:endParaRPr lang="de-DE"/>
+          </a:p>
+        </p:txBody>
+      </p:sp>
+    </p:spTree>
+    <p:extLst>
+      <p:ext uri="{BB962C8B-B14F-4D97-AF65-F5344CB8AC3E}">
+        <p14:creationId xmlns:p14="http://schemas.microsoft.com/office/powerpoint/2010/main" val="2272935812"/>
+      </p:ext>
+    </p:extLst>
+  </p:cSld>
+  <p:clrMapOvr>
+    <a:masterClrMapping/>
+  </p:clrMapOvr>
+</p:notes>
+</file>
+
+<file path=ppt/notesSlides/notesSlide21.xml><?xml version="1.0" encoding="utf-8"?>
+<p:notes xmlns:a="http://schemas.openxmlformats.org/drawingml/2006/main" xmlns:r="http://schemas.openxmlformats.org/officeDocument/2006/relationships" xmlns:p="http://schemas.openxmlformats.org/presentationml/2006/main">
+  <p:cSld>
+    <p:spTree>
+      <p:nvGrpSpPr>
+        <p:cNvPr id="1" name=""/>
+        <p:cNvGrpSpPr/>
+        <p:nvPr/>
+      </p:nvGrpSpPr>
+      <p:grpSpPr>
+        <a:xfrm>
+          <a:off x="0" y="0"/>
+          <a:ext cx="0" cy="0"/>
+          <a:chOff x="0" y="0"/>
+          <a:chExt cx="0" cy="0"/>
+        </a:xfrm>
+      </p:grpSpPr>
+      <p:sp>
+        <p:nvSpPr>
+          <p:cNvPr id="2" name="Folienbildplatzhalter 1"/>
+          <p:cNvSpPr>
+            <a:spLocks noGrp="1" noRot="1" noChangeAspect="1"/>
+          </p:cNvSpPr>
+          <p:nvPr>
+            <p:ph type="sldImg"/>
+          </p:nvPr>
+        </p:nvSpPr>
+        <p:spPr>
+          <a:xfrm>
+            <a:off x="685800" y="1143000"/>
+            <a:ext cx="4270375" cy="2401888"/>
+          </a:xfrm>
+        </p:spPr>
+      </p:sp>
+      <p:sp>
+        <p:nvSpPr>
+          <p:cNvPr id="3" name="Notizenplatzhalter 2"/>
+          <p:cNvSpPr>
+            <a:spLocks noGrp="1"/>
+          </p:cNvSpPr>
+          <p:nvPr>
+            <p:ph type="body" idx="1"/>
+          </p:nvPr>
+        </p:nvSpPr>
+        <p:spPr/>
+        <p:txBody>
+          <a:bodyPr/>
+          <a:lstStyle/>
+          <a:p>
+            <a:r>
+              <a:rPr lang="de-DE" dirty="0"/>
+              <a:t>Die Liste enthält ein paar Zahlen der Zweierpotenzen.</a:t>
+            </a:r>
+          </a:p>
+        </p:txBody>
+      </p:sp>
+      <p:sp>
+        <p:nvSpPr>
+          <p:cNvPr id="4" name="Foliennummernplatzhalter 3"/>
+          <p:cNvSpPr>
+            <a:spLocks noGrp="1"/>
+          </p:cNvSpPr>
+          <p:nvPr>
+            <p:ph type="sldNum" sz="quarter" idx="5"/>
+          </p:nvPr>
+        </p:nvSpPr>
+        <p:spPr/>
+        <p:txBody>
+          <a:bodyPr/>
+          <a:lstStyle/>
+          <a:p>
+            <a:fld id="{927DBD90-B360-417B-B4B3-F05A4AFC1996}" type="slidenum">
+              <a:rPr lang="de-DE" smtClean="0"/>
+              <a:pPr/>
+              <a:t>30</a:t>
+            </a:fld>
+            <a:endParaRPr lang="de-DE"/>
+          </a:p>
+        </p:txBody>
+      </p:sp>
+    </p:spTree>
+    <p:extLst>
+      <p:ext uri="{BB962C8B-B14F-4D97-AF65-F5344CB8AC3E}">
+        <p14:creationId xmlns:p14="http://schemas.microsoft.com/office/powerpoint/2010/main" val="4147465160"/>
+      </p:ext>
+    </p:extLst>
+  </p:cSld>
+  <p:clrMapOvr>
+    <a:masterClrMapping/>
+  </p:clrMapOvr>
+</p:notes>
+</file>
+
+<file path=ppt/notesSlides/notesSlide22.xml><?xml version="1.0" encoding="utf-8"?>
+<p:notes xmlns:a="http://schemas.openxmlformats.org/drawingml/2006/main" xmlns:r="http://schemas.openxmlformats.org/officeDocument/2006/relationships" xmlns:p="http://schemas.openxmlformats.org/presentationml/2006/main">
+  <p:cSld>
+    <p:spTree>
+      <p:nvGrpSpPr>
+        <p:cNvPr id="1" name=""/>
+        <p:cNvGrpSpPr/>
+        <p:nvPr/>
+      </p:nvGrpSpPr>
+      <p:grpSpPr>
+        <a:xfrm>
+          <a:off x="0" y="0"/>
+          <a:ext cx="0" cy="0"/>
+          <a:chOff x="0" y="0"/>
+          <a:chExt cx="0" cy="0"/>
+        </a:xfrm>
+      </p:grpSpPr>
+      <p:sp>
+        <p:nvSpPr>
+          <p:cNvPr id="2" name="Folienbildplatzhalter 1"/>
+          <p:cNvSpPr>
+            <a:spLocks noGrp="1" noRot="1" noChangeAspect="1"/>
+          </p:cNvSpPr>
+          <p:nvPr>
+            <p:ph type="sldImg"/>
+          </p:nvPr>
+        </p:nvSpPr>
+        <p:spPr>
+          <a:xfrm>
+            <a:off x="685800" y="1143000"/>
+            <a:ext cx="4270375" cy="2401888"/>
+          </a:xfrm>
+        </p:spPr>
+      </p:sp>
+      <p:sp>
+        <p:nvSpPr>
+          <p:cNvPr id="3" name="Notizenplatzhalter 2"/>
+          <p:cNvSpPr>
+            <a:spLocks noGrp="1"/>
+          </p:cNvSpPr>
+          <p:nvPr>
+            <p:ph type="body" idx="1"/>
+          </p:nvPr>
+        </p:nvSpPr>
+        <p:spPr/>
+        <p:txBody>
+          <a:bodyPr/>
+          <a:lstStyle/>
+          <a:p>
+            <a:endParaRPr lang="de-DE" dirty="0"/>
+          </a:p>
+        </p:txBody>
+      </p:sp>
+      <p:sp>
+        <p:nvSpPr>
+          <p:cNvPr id="4" name="Foliennummernplatzhalter 3"/>
+          <p:cNvSpPr>
+            <a:spLocks noGrp="1"/>
+          </p:cNvSpPr>
+          <p:nvPr>
+            <p:ph type="sldNum" sz="quarter" idx="5"/>
+          </p:nvPr>
+        </p:nvSpPr>
+        <p:spPr/>
+        <p:txBody>
+          <a:bodyPr/>
+          <a:lstStyle/>
+          <a:p>
+            <a:fld id="{927DBD90-B360-417B-B4B3-F05A4AFC1996}" type="slidenum">
+              <a:rPr lang="de-DE" smtClean="0"/>
+              <a:pPr/>
+              <a:t>31</a:t>
+            </a:fld>
+            <a:endParaRPr lang="de-DE"/>
+          </a:p>
+        </p:txBody>
+      </p:sp>
+    </p:spTree>
+    <p:extLst>
+      <p:ext uri="{BB962C8B-B14F-4D97-AF65-F5344CB8AC3E}">
+        <p14:creationId xmlns:p14="http://schemas.microsoft.com/office/powerpoint/2010/main" val="3331197511"/>
+      </p:ext>
+    </p:extLst>
+  </p:cSld>
+  <p:clrMapOvr>
+    <a:masterClrMapping/>
+  </p:clrMapOvr>
+</p:notes>
+</file>
+
+<file path=ppt/notesSlides/notesSlide23.xml><?xml version="1.0" encoding="utf-8"?>
+<p:notes xmlns:a="http://schemas.openxmlformats.org/drawingml/2006/main" xmlns:r="http://schemas.openxmlformats.org/officeDocument/2006/relationships" xmlns:p="http://schemas.openxmlformats.org/presentationml/2006/main">
+  <p:cSld>
+    <p:spTree>
+      <p:nvGrpSpPr>
+        <p:cNvPr id="1" name=""/>
+        <p:cNvGrpSpPr/>
+        <p:nvPr/>
+      </p:nvGrpSpPr>
+      <p:grpSpPr>
+        <a:xfrm>
+          <a:off x="0" y="0"/>
+          <a:ext cx="0" cy="0"/>
+          <a:chOff x="0" y="0"/>
+          <a:chExt cx="0" cy="0"/>
+        </a:xfrm>
+      </p:grpSpPr>
+      <p:sp>
+        <p:nvSpPr>
+          <p:cNvPr id="2" name="Folienbildplatzhalter 1"/>
+          <p:cNvSpPr>
+            <a:spLocks noGrp="1" noRot="1" noChangeAspect="1"/>
+          </p:cNvSpPr>
+          <p:nvPr>
+            <p:ph type="sldImg"/>
+          </p:nvPr>
+        </p:nvSpPr>
+        <p:spPr>
+          <a:xfrm>
+            <a:off x="685800" y="1143000"/>
+            <a:ext cx="4270375" cy="2401888"/>
+          </a:xfrm>
+        </p:spPr>
+      </p:sp>
+      <p:sp>
+        <p:nvSpPr>
+          <p:cNvPr id="3" name="Notizenplatzhalter 2"/>
+          <p:cNvSpPr>
+            <a:spLocks noGrp="1"/>
+          </p:cNvSpPr>
+          <p:nvPr>
+            <p:ph type="body" idx="1"/>
+          </p:nvPr>
+        </p:nvSpPr>
+        <p:spPr/>
+        <p:txBody>
+          <a:bodyPr/>
+          <a:lstStyle/>
+          <a:p>
+            <a:endParaRPr lang="de-DE" dirty="0"/>
+          </a:p>
+        </p:txBody>
+      </p:sp>
+      <p:sp>
+        <p:nvSpPr>
+          <p:cNvPr id="4" name="Foliennummernplatzhalter 3"/>
+          <p:cNvSpPr>
+            <a:spLocks noGrp="1"/>
+          </p:cNvSpPr>
+          <p:nvPr>
+            <p:ph type="sldNum" sz="quarter" idx="5"/>
+          </p:nvPr>
+        </p:nvSpPr>
+        <p:spPr/>
+        <p:txBody>
+          <a:bodyPr/>
+          <a:lstStyle/>
+          <a:p>
+            <a:fld id="{927DBD90-B360-417B-B4B3-F05A4AFC1996}" type="slidenum">
+              <a:rPr lang="de-DE" smtClean="0"/>
+              <a:pPr/>
+              <a:t>32</a:t>
+            </a:fld>
+            <a:endParaRPr lang="de-DE"/>
+          </a:p>
+        </p:txBody>
+      </p:sp>
+    </p:spTree>
+    <p:extLst>
+      <p:ext uri="{BB962C8B-B14F-4D97-AF65-F5344CB8AC3E}">
+        <p14:creationId xmlns:p14="http://schemas.microsoft.com/office/powerpoint/2010/main" val="326313081"/>
       </p:ext>
     </p:extLst>
   </p:cSld>
@@ -3335,7 +3852,7 @@
           <a:p>
             <a:fld id="{4E6DF7AA-8899-480A-AE8B-97B651237939}" type="datetime1">
               <a:rPr lang="de-DE" smtClean="0"/>
-              <a:t>23.01.2023</a:t>
+              <a:t>31.01.2023</a:t>
             </a:fld>
             <a:endParaRPr lang="de-DE"/>
           </a:p>
@@ -3540,7 +4057,7 @@
           <a:p>
             <a:fld id="{A1082C62-1968-4D03-BE49-CB116A4D6814}" type="datetime1">
               <a:rPr lang="de-DE" smtClean="0"/>
-              <a:t>23.01.2023</a:t>
+              <a:t>31.01.2023</a:t>
             </a:fld>
             <a:endParaRPr lang="de-DE"/>
           </a:p>
@@ -3694,7 +4211,7 @@
           <a:p>
             <a:fld id="{C0E04462-FF80-4281-98D0-2AB88E65DA84}" type="datetime1">
               <a:rPr lang="de-DE" smtClean="0"/>
-              <a:t>23.01.2023</a:t>
+              <a:t>31.01.2023</a:t>
             </a:fld>
             <a:endParaRPr lang="de-DE"/>
           </a:p>
@@ -3931,7 +4448,7 @@
           <a:p>
             <a:fld id="{1FAA5A7F-2A4E-40D6-9FFE-960B13817A2C}" type="datetime1">
               <a:rPr lang="de-DE" smtClean="0"/>
-              <a:t>23.01.2023</a:t>
+              <a:t>31.01.2023</a:t>
             </a:fld>
             <a:endParaRPr lang="de-DE"/>
           </a:p>
@@ -4107,7 +4624,7 @@
           <a:p>
             <a:fld id="{382DDC3E-10C9-4B92-B2FB-A8167FB6AB1D}" type="datetime1">
               <a:rPr lang="de-DE" smtClean="0"/>
-              <a:t>23.01.2023</a:t>
+              <a:t>31.01.2023</a:t>
             </a:fld>
             <a:endParaRPr lang="de-DE"/>
           </a:p>
@@ -4283,7 +4800,7 @@
           <a:p>
             <a:fld id="{8159FE7A-07D2-4D3F-9855-29B7F3DF1D43}" type="datetime1">
               <a:rPr lang="de-DE" smtClean="0"/>
-              <a:t>23.01.2023</a:t>
+              <a:t>31.01.2023</a:t>
             </a:fld>
             <a:endParaRPr lang="de-DE"/>
           </a:p>
@@ -4433,7 +4950,7 @@
           <a:p>
             <a:fld id="{7CF1A54B-9CB9-49D3-BA48-5A7ECDBA0943}" type="datetime1">
               <a:rPr lang="de-DE" smtClean="0"/>
-              <a:t>23.01.2023</a:t>
+              <a:t>31.01.2023</a:t>
             </a:fld>
             <a:endParaRPr lang="de-DE"/>
           </a:p>
@@ -4531,7 +5048,7 @@
           <a:p>
             <a:fld id="{5621DBFA-780B-465A-97B9-CC4792E01430}" type="datetime1">
               <a:rPr lang="de-DE" smtClean="0"/>
-              <a:t>23.01.2023</a:t>
+              <a:t>31.01.2023</a:t>
             </a:fld>
             <a:endParaRPr lang="de-DE"/>
           </a:p>
@@ -4655,7 +5172,7 @@
           <a:p>
             <a:fld id="{13ADA68E-BD65-4999-8C0B-CC0F110C2BD3}" type="datetime1">
               <a:rPr lang="de-DE" smtClean="0"/>
-              <a:t>23.01.2023</a:t>
+              <a:t>31.01.2023</a:t>
             </a:fld>
             <a:endParaRPr lang="de-DE"/>
           </a:p>
@@ -4839,7 +5356,7 @@
           <a:p>
             <a:fld id="{93B55C80-8AAA-4242-8442-4A53184707C3}" type="datetime1">
               <a:rPr lang="de-DE" smtClean="0"/>
-              <a:t>23.01.2023</a:t>
+              <a:t>31.01.2023</a:t>
             </a:fld>
             <a:endParaRPr lang="de-DE"/>
           </a:p>
@@ -5044,7 +5561,7 @@
           <a:p>
             <a:fld id="{4485BB24-7FA9-422A-BF70-F9FA49C1D9F8}" type="datetime1">
               <a:rPr lang="de-DE" smtClean="0"/>
-              <a:t>23.01.2023</a:t>
+              <a:t>31.01.2023</a:t>
             </a:fld>
             <a:endParaRPr lang="de-DE"/>
           </a:p>
@@ -5402,7 +5919,7 @@
           <a:p>
             <a:fld id="{3CD93E9C-CF59-4162-A977-F7642EDBB23A}" type="datetime1">
               <a:rPr lang="de-DE" smtClean="0"/>
-              <a:t>23.01.2023</a:t>
+              <a:t>31.01.2023</a:t>
             </a:fld>
             <a:endParaRPr lang="de-DE" dirty="0"/>
           </a:p>
@@ -6043,7 +6560,7 @@
           <a:p>
             <a:fld id="{6FE8A2CE-6D32-4716-A090-EDD7EE0B4140}" type="datetime1">
               <a:rPr lang="de-DE" smtClean="0"/>
-              <a:t>23.01.2023</a:t>
+              <a:t>31.01.2023</a:t>
             </a:fld>
             <a:endParaRPr lang="de-DE" dirty="0"/>
           </a:p>
@@ -6715,7 +7232,7 @@
           <a:p>
             <a:fld id="{603113A9-B1ED-4EC0-A094-9858FCF2D0C8}" type="datetime1">
               <a:rPr lang="de-DE" smtClean="0"/>
-              <a:t>23.01.2023</a:t>
+              <a:t>31.01.2023</a:t>
             </a:fld>
             <a:endParaRPr lang="de-DE"/>
           </a:p>
@@ -6925,7 +7442,7 @@
           <a:p>
             <a:fld id="{B70EBCA3-FB0B-48D9-A2E5-56DBD5624AFE}" type="datetime1">
               <a:rPr lang="de-DE" smtClean="0"/>
-              <a:t>23.01.2023</a:t>
+              <a:t>31.01.2023</a:t>
             </a:fld>
             <a:endParaRPr lang="de-DE"/>
           </a:p>
@@ -7234,7 +7751,7 @@
           <a:p>
             <a:fld id="{AAEBEB04-CBF0-4835-872C-2565D4E2EBF1}" type="datetime1">
               <a:rPr lang="de-DE" smtClean="0"/>
-              <a:t>23.01.2023</a:t>
+              <a:t>31.01.2023</a:t>
             </a:fld>
             <a:endParaRPr lang="de-DE"/>
           </a:p>
@@ -7502,7 +8019,7 @@
           <a:p>
             <a:fld id="{8F663D0B-A90A-4472-ADF1-2D4D5E0E002A}" type="datetime1">
               <a:rPr lang="de-DE" smtClean="0"/>
-              <a:t>23.01.2023</a:t>
+              <a:t>31.01.2023</a:t>
             </a:fld>
             <a:endParaRPr lang="de-DE"/>
           </a:p>
@@ -7801,7 +8318,7 @@
           <a:p>
             <a:fld id="{C81998FD-B568-4E47-AA9F-CE36B3FEB5BA}" type="datetime1">
               <a:rPr lang="de-DE" smtClean="0"/>
-              <a:t>23.01.2023</a:t>
+              <a:t>31.01.2023</a:t>
             </a:fld>
             <a:endParaRPr lang="de-DE"/>
           </a:p>
@@ -8152,7 +8669,7 @@
           <a:p>
             <a:fld id="{0A4F56F1-7827-4042-A276-DAF40AC0B000}" type="datetime1">
               <a:rPr lang="de-DE" smtClean="0"/>
-              <a:t>23.01.2023</a:t>
+              <a:t>31.01.2023</a:t>
             </a:fld>
             <a:endParaRPr lang="de-DE"/>
           </a:p>
@@ -8450,7 +8967,7 @@
           <a:p>
             <a:fld id="{DAB02174-66FA-41E9-A997-DF7D3619438B}" type="datetime1">
               <a:rPr lang="de-DE" smtClean="0"/>
-              <a:t>23.01.2023</a:t>
+              <a:t>31.01.2023</a:t>
             </a:fld>
             <a:endParaRPr lang="de-DE"/>
           </a:p>
@@ -8831,7 +9348,7 @@
           <a:p>
             <a:fld id="{BDFFDF87-2C7B-4FBB-B7F3-0EB8FC88FA6F}" type="datetime1">
               <a:rPr lang="de-DE" smtClean="0"/>
-              <a:t>23.01.2023</a:t>
+              <a:t>31.01.2023</a:t>
             </a:fld>
             <a:endParaRPr lang="de-DE"/>
           </a:p>
@@ -9164,7 +9681,7 @@
           <a:p>
             <a:fld id="{4AEAFF43-79D1-488F-88E5-AECF0C52E4F6}" type="datetime1">
               <a:rPr lang="de-DE" smtClean="0"/>
-              <a:t>23.01.2023</a:t>
+              <a:t>31.01.2023</a:t>
             </a:fld>
             <a:endParaRPr lang="de-DE"/>
           </a:p>
@@ -9442,7 +9959,7 @@
           <a:p>
             <a:fld id="{F3624D99-4580-4939-A184-6854C4D65CB3}" type="datetime1">
               <a:rPr lang="de-DE" smtClean="0"/>
-              <a:t>23.01.2023</a:t>
+              <a:t>31.01.2023</a:t>
             </a:fld>
             <a:endParaRPr lang="de-DE"/>
           </a:p>
@@ -9782,7 +10299,7 @@
           <a:p>
             <a:fld id="{F2FEDD9D-5594-473A-899D-C0AD9514F726}" type="datetime1">
               <a:rPr lang="de-DE" smtClean="0"/>
-              <a:t>23.01.2023</a:t>
+              <a:t>31.01.2023</a:t>
             </a:fld>
             <a:endParaRPr lang="de-DE"/>
           </a:p>
@@ -10044,7 +10561,7 @@
           <a:p>
             <a:fld id="{92A047F3-1820-4570-AC17-C8DA167C5F14}" type="datetime1">
               <a:rPr lang="de-DE" smtClean="0"/>
-              <a:t>23.01.2023</a:t>
+              <a:t>31.01.2023</a:t>
             </a:fld>
             <a:endParaRPr lang="de-DE"/>
           </a:p>
@@ -10542,7 +11059,7 @@
           <a:p>
             <a:fld id="{95C3B550-B314-4EBE-B643-25AC9427FA8B}" type="datetime1">
               <a:rPr lang="de-DE" smtClean="0"/>
-              <a:t>23.01.2023</a:t>
+              <a:t>31.01.2023</a:t>
             </a:fld>
             <a:endParaRPr lang="de-DE"/>
           </a:p>
@@ -10888,7 +11405,7 @@
           <a:p>
             <a:fld id="{767B626B-00B4-4CEC-8206-7F4851B03FEF}" type="datetime1">
               <a:rPr lang="de-DE" smtClean="0"/>
-              <a:t>23.01.2023</a:t>
+              <a:t>31.01.2023</a:t>
             </a:fld>
             <a:endParaRPr lang="de-DE"/>
           </a:p>
@@ -11200,7 +11717,7 @@
           <a:p>
             <a:fld id="{102EEC64-5E38-4CDE-986C-4F454B58738A}" type="datetime1">
               <a:rPr lang="de-DE" smtClean="0"/>
-              <a:t>23.01.2023</a:t>
+              <a:t>31.01.2023</a:t>
             </a:fld>
             <a:endParaRPr lang="de-DE"/>
           </a:p>
@@ -11433,7 +11950,7 @@
           <a:p>
             <a:fld id="{8B9E1184-3E8E-4927-B70E-FCD133F545CF}" type="datetime1">
               <a:rPr lang="de-DE" smtClean="0"/>
-              <a:t>23.01.2023</a:t>
+              <a:t>31.01.2023</a:t>
             </a:fld>
             <a:endParaRPr lang="de-DE"/>
           </a:p>
@@ -11861,7 +12378,7 @@
           <a:p>
             <a:fld id="{372285A9-CAD1-4F8C-A320-59D4C92876C5}" type="datetime1">
               <a:rPr lang="de-DE" smtClean="0"/>
-              <a:t>23.01.2023</a:t>
+              <a:t>31.01.2023</a:t>
             </a:fld>
             <a:endParaRPr lang="de-DE"/>
           </a:p>
@@ -12074,7 +12591,7 @@
           <a:p>
             <a:fld id="{2F8DC1E6-2D30-4DE7-9C9D-5217FE18022E}" type="datetime1">
               <a:rPr lang="de-DE" smtClean="0"/>
-              <a:t>23.01.2023</a:t>
+              <a:t>31.01.2023</a:t>
             </a:fld>
             <a:endParaRPr lang="de-DE"/>
           </a:p>
@@ -12141,6 +12658,1239 @@
     <p:extLst>
       <p:ext uri="{BB962C8B-B14F-4D97-AF65-F5344CB8AC3E}">
         <p14:creationId xmlns:p14="http://schemas.microsoft.com/office/powerpoint/2010/main" val="1327933660"/>
+      </p:ext>
+    </p:extLst>
+  </p:cSld>
+  <p:clrMapOvr>
+    <a:masterClrMapping/>
+  </p:clrMapOvr>
+</p:sld>
+</file>
+
+<file path=ppt/slides/slide26.xml><?xml version="1.0" encoding="utf-8"?>
+<p:sld xmlns:a="http://schemas.openxmlformats.org/drawingml/2006/main" xmlns:r="http://schemas.openxmlformats.org/officeDocument/2006/relationships" xmlns:p="http://schemas.openxmlformats.org/presentationml/2006/main">
+  <p:cSld>
+    <p:spTree>
+      <p:nvGrpSpPr>
+        <p:cNvPr id="1" name=""/>
+        <p:cNvGrpSpPr/>
+        <p:nvPr/>
+      </p:nvGrpSpPr>
+      <p:grpSpPr>
+        <a:xfrm>
+          <a:off x="0" y="0"/>
+          <a:ext cx="0" cy="0"/>
+          <a:chOff x="0" y="0"/>
+          <a:chExt cx="0" cy="0"/>
+        </a:xfrm>
+      </p:grpSpPr>
+      <p:sp>
+        <p:nvSpPr>
+          <p:cNvPr id="2" name="Titel 1">
+            <a:extLst>
+              <a:ext uri="{FF2B5EF4-FFF2-40B4-BE49-F238E27FC236}">
+                <a16:creationId xmlns:a16="http://schemas.microsoft.com/office/drawing/2014/main" id="{8DCCF400-951A-4A86-BE90-A48A26498FE2}"/>
+              </a:ext>
+            </a:extLst>
+          </p:cNvPr>
+          <p:cNvSpPr>
+            <a:spLocks noGrp="1"/>
+          </p:cNvSpPr>
+          <p:nvPr>
+            <p:ph type="title"/>
+          </p:nvPr>
+        </p:nvSpPr>
+        <p:spPr/>
+        <p:txBody>
+          <a:bodyPr/>
+          <a:lstStyle/>
+          <a:p>
+            <a:r>
+              <a:rPr lang="de-DE" dirty="0"/>
+              <a:t>Dart  - Listen</a:t>
+            </a:r>
+          </a:p>
+        </p:txBody>
+      </p:sp>
+      <p:sp>
+        <p:nvSpPr>
+          <p:cNvPr id="3" name="Inhaltsplatzhalter 2">
+            <a:extLst>
+              <a:ext uri="{FF2B5EF4-FFF2-40B4-BE49-F238E27FC236}">
+                <a16:creationId xmlns:a16="http://schemas.microsoft.com/office/drawing/2014/main" id="{3E556397-DB53-4175-9091-C6671B74AC70}"/>
+              </a:ext>
+            </a:extLst>
+          </p:cNvPr>
+          <p:cNvSpPr>
+            <a:spLocks noGrp="1"/>
+          </p:cNvSpPr>
+          <p:nvPr>
+            <p:ph idx="1"/>
+          </p:nvPr>
+        </p:nvSpPr>
+        <p:spPr>
+          <a:xfrm>
+            <a:off x="838201" y="1520825"/>
+            <a:ext cx="6817242" cy="4645025"/>
+          </a:xfrm>
+        </p:spPr>
+        <p:txBody>
+          <a:bodyPr/>
+          <a:lstStyle/>
+          <a:p>
+            <a:r>
+              <a:rPr lang="de-DE" dirty="0"/>
+              <a:t>Listen beinhalten viele Daten ohne dass jedes Datum einen eigenen Namen bekommen muss.</a:t>
+            </a:r>
+          </a:p>
+        </p:txBody>
+      </p:sp>
+      <p:sp>
+        <p:nvSpPr>
+          <p:cNvPr id="4" name="Datumsplatzhalter 3">
+            <a:extLst>
+              <a:ext uri="{FF2B5EF4-FFF2-40B4-BE49-F238E27FC236}">
+                <a16:creationId xmlns:a16="http://schemas.microsoft.com/office/drawing/2014/main" id="{6D29CD4C-ED28-4DAD-8B6D-F2C68EE741B3}"/>
+              </a:ext>
+            </a:extLst>
+          </p:cNvPr>
+          <p:cNvSpPr>
+            <a:spLocks noGrp="1"/>
+          </p:cNvSpPr>
+          <p:nvPr>
+            <p:ph type="dt" sz="half" idx="10"/>
+          </p:nvPr>
+        </p:nvSpPr>
+        <p:spPr/>
+        <p:txBody>
+          <a:bodyPr/>
+          <a:lstStyle/>
+          <a:p>
+            <a:fld id="{637BE197-E414-48F3-B656-784E07538695}" type="datetime1">
+              <a:rPr lang="de-DE" smtClean="0"/>
+              <a:t>31.01.2023</a:t>
+            </a:fld>
+            <a:endParaRPr lang="de-DE"/>
+          </a:p>
+        </p:txBody>
+      </p:sp>
+      <p:sp>
+        <p:nvSpPr>
+          <p:cNvPr id="5" name="Fußzeilenplatzhalter 4">
+            <a:extLst>
+              <a:ext uri="{FF2B5EF4-FFF2-40B4-BE49-F238E27FC236}">
+                <a16:creationId xmlns:a16="http://schemas.microsoft.com/office/drawing/2014/main" id="{C1A7106B-A7A5-4373-A48B-F764A628E98A}"/>
+              </a:ext>
+            </a:extLst>
+          </p:cNvPr>
+          <p:cNvSpPr>
+            <a:spLocks noGrp="1"/>
+          </p:cNvSpPr>
+          <p:nvPr>
+            <p:ph type="ftr" sz="quarter" idx="11"/>
+          </p:nvPr>
+        </p:nvSpPr>
+        <p:spPr/>
+        <p:txBody>
+          <a:bodyPr/>
+          <a:lstStyle/>
+          <a:p>
+            <a:r>
+              <a:rPr lang="de-DE"/>
+              <a:t>Dart - Programmiersprache für Smartphones</a:t>
+            </a:r>
+          </a:p>
+        </p:txBody>
+      </p:sp>
+      <p:sp>
+        <p:nvSpPr>
+          <p:cNvPr id="6" name="Foliennummernplatzhalter 5">
+            <a:extLst>
+              <a:ext uri="{FF2B5EF4-FFF2-40B4-BE49-F238E27FC236}">
+                <a16:creationId xmlns:a16="http://schemas.microsoft.com/office/drawing/2014/main" id="{F47200A0-B347-4725-8D32-31563F752BDF}"/>
+              </a:ext>
+            </a:extLst>
+          </p:cNvPr>
+          <p:cNvSpPr>
+            <a:spLocks noGrp="1"/>
+          </p:cNvSpPr>
+          <p:nvPr>
+            <p:ph type="sldNum" sz="quarter" idx="12"/>
+          </p:nvPr>
+        </p:nvSpPr>
+        <p:spPr/>
+        <p:txBody>
+          <a:bodyPr/>
+          <a:lstStyle/>
+          <a:p>
+            <a:fld id="{3A1F27E2-D58A-4028-9FF2-B12D897F257E}" type="slidenum">
+              <a:rPr lang="de-DE" smtClean="0"/>
+              <a:t>26</a:t>
+            </a:fld>
+            <a:endParaRPr lang="de-DE"/>
+          </a:p>
+        </p:txBody>
+      </p:sp>
+      <p:pic>
+        <p:nvPicPr>
+          <p:cNvPr id="8" name="Grafik 7">
+            <a:extLst>
+              <a:ext uri="{FF2B5EF4-FFF2-40B4-BE49-F238E27FC236}">
+                <a16:creationId xmlns:a16="http://schemas.microsoft.com/office/drawing/2014/main" id="{C285383B-5846-4C6D-AC2D-FCAE797B9343}"/>
+              </a:ext>
+            </a:extLst>
+          </p:cNvPr>
+          <p:cNvPicPr>
+            <a:picLocks noChangeAspect="1"/>
+          </p:cNvPicPr>
+          <p:nvPr/>
+        </p:nvPicPr>
+        <p:blipFill>
+          <a:blip r:embed="rId3"/>
+          <a:stretch>
+            <a:fillRect/>
+          </a:stretch>
+        </p:blipFill>
+        <p:spPr>
+          <a:xfrm>
+            <a:off x="7740807" y="1538120"/>
+            <a:ext cx="2355108" cy="3781759"/>
+          </a:xfrm>
+          <a:prstGeom prst="rect">
+            <a:avLst/>
+          </a:prstGeom>
+        </p:spPr>
+      </p:pic>
+      <p:sp>
+        <p:nvSpPr>
+          <p:cNvPr id="11" name="Textfeld 10">
+            <a:extLst>
+              <a:ext uri="{FF2B5EF4-FFF2-40B4-BE49-F238E27FC236}">
+                <a16:creationId xmlns:a16="http://schemas.microsoft.com/office/drawing/2014/main" id="{8E06B972-AAAC-458C-BF6A-6478FC4E5D02}"/>
+              </a:ext>
+            </a:extLst>
+          </p:cNvPr>
+          <p:cNvSpPr txBox="1"/>
+          <p:nvPr/>
+        </p:nvSpPr>
+        <p:spPr>
+          <a:xfrm>
+            <a:off x="6961511" y="5422550"/>
+            <a:ext cx="3913700" cy="369332"/>
+          </a:xfrm>
+          <a:prstGeom prst="rect">
+            <a:avLst/>
+          </a:prstGeom>
+          <a:noFill/>
+        </p:spPr>
+        <p:txBody>
+          <a:bodyPr wrap="none" rtlCol="0">
+            <a:spAutoFit/>
+          </a:bodyPr>
+          <a:lstStyle/>
+          <a:p>
+            <a:r>
+              <a:rPr lang="de-DE" dirty="0"/>
+              <a:t>Wird irgendwann langweilig zum tippen</a:t>
+            </a:r>
+          </a:p>
+        </p:txBody>
+      </p:sp>
+    </p:spTree>
+    <p:extLst>
+      <p:ext uri="{BB962C8B-B14F-4D97-AF65-F5344CB8AC3E}">
+        <p14:creationId xmlns:p14="http://schemas.microsoft.com/office/powerpoint/2010/main" val="2032780050"/>
+      </p:ext>
+    </p:extLst>
+  </p:cSld>
+  <p:clrMapOvr>
+    <a:masterClrMapping/>
+  </p:clrMapOvr>
+</p:sld>
+</file>
+
+<file path=ppt/slides/slide27.xml><?xml version="1.0" encoding="utf-8"?>
+<p:sld xmlns:a="http://schemas.openxmlformats.org/drawingml/2006/main" xmlns:r="http://schemas.openxmlformats.org/officeDocument/2006/relationships" xmlns:p="http://schemas.openxmlformats.org/presentationml/2006/main">
+  <p:cSld>
+    <p:spTree>
+      <p:nvGrpSpPr>
+        <p:cNvPr id="1" name=""/>
+        <p:cNvGrpSpPr/>
+        <p:nvPr/>
+      </p:nvGrpSpPr>
+      <p:grpSpPr>
+        <a:xfrm>
+          <a:off x="0" y="0"/>
+          <a:ext cx="0" cy="0"/>
+          <a:chOff x="0" y="0"/>
+          <a:chExt cx="0" cy="0"/>
+        </a:xfrm>
+      </p:grpSpPr>
+      <p:sp>
+        <p:nvSpPr>
+          <p:cNvPr id="2" name="Titel 1">
+            <a:extLst>
+              <a:ext uri="{FF2B5EF4-FFF2-40B4-BE49-F238E27FC236}">
+                <a16:creationId xmlns:a16="http://schemas.microsoft.com/office/drawing/2014/main" id="{8DCCF400-951A-4A86-BE90-A48A26498FE2}"/>
+              </a:ext>
+            </a:extLst>
+          </p:cNvPr>
+          <p:cNvSpPr>
+            <a:spLocks noGrp="1"/>
+          </p:cNvSpPr>
+          <p:nvPr>
+            <p:ph type="title"/>
+          </p:nvPr>
+        </p:nvSpPr>
+        <p:spPr/>
+        <p:txBody>
+          <a:bodyPr/>
+          <a:lstStyle/>
+          <a:p>
+            <a:r>
+              <a:rPr lang="de-DE" dirty="0"/>
+              <a:t>Dart  - Listen</a:t>
+            </a:r>
+          </a:p>
+        </p:txBody>
+      </p:sp>
+      <p:sp>
+        <p:nvSpPr>
+          <p:cNvPr id="3" name="Inhaltsplatzhalter 2">
+            <a:extLst>
+              <a:ext uri="{FF2B5EF4-FFF2-40B4-BE49-F238E27FC236}">
+                <a16:creationId xmlns:a16="http://schemas.microsoft.com/office/drawing/2014/main" id="{3E556397-DB53-4175-9091-C6671B74AC70}"/>
+              </a:ext>
+            </a:extLst>
+          </p:cNvPr>
+          <p:cNvSpPr>
+            <a:spLocks noGrp="1"/>
+          </p:cNvSpPr>
+          <p:nvPr>
+            <p:ph idx="1"/>
+          </p:nvPr>
+        </p:nvSpPr>
+        <p:spPr/>
+        <p:txBody>
+          <a:bodyPr/>
+          <a:lstStyle/>
+          <a:p>
+            <a:r>
+              <a:rPr lang="de-DE" dirty="0"/>
+              <a:t>Liste: </a:t>
+            </a:r>
+            <a:r>
+              <a:rPr lang="de-DE" sz="2400" b="1" dirty="0" err="1">
+                <a:solidFill>
+                  <a:schemeClr val="accent1">
+                    <a:lumMod val="75000"/>
+                  </a:schemeClr>
+                </a:solidFill>
+              </a:rPr>
+              <a:t>var</a:t>
+            </a:r>
+            <a:r>
+              <a:rPr lang="de-DE" sz="2400" b="1" dirty="0">
+                <a:solidFill>
+                  <a:schemeClr val="accent1">
+                    <a:lumMod val="75000"/>
+                  </a:schemeClr>
+                </a:solidFill>
+              </a:rPr>
+              <a:t> </a:t>
+            </a:r>
+            <a:r>
+              <a:rPr lang="de-DE" sz="2400" b="1" i="1" dirty="0">
+                <a:solidFill>
+                  <a:schemeClr val="tx2"/>
+                </a:solidFill>
+              </a:rPr>
+              <a:t>liste</a:t>
+            </a:r>
+            <a:r>
+              <a:rPr lang="de-DE" sz="2400" b="1" dirty="0">
+                <a:solidFill>
+                  <a:schemeClr val="accent1">
+                    <a:lumMod val="75000"/>
+                  </a:schemeClr>
+                </a:solidFill>
+              </a:rPr>
+              <a:t> = [ </a:t>
+            </a:r>
+            <a:r>
+              <a:rPr lang="de-DE" sz="2400" b="1" i="1" dirty="0">
+                <a:solidFill>
+                  <a:schemeClr val="tx2"/>
+                </a:solidFill>
+              </a:rPr>
+              <a:t>wert</a:t>
+            </a:r>
+            <a:r>
+              <a:rPr lang="de-DE" sz="2400" b="1" dirty="0">
+                <a:solidFill>
+                  <a:schemeClr val="accent1">
+                    <a:lumMod val="75000"/>
+                  </a:schemeClr>
+                </a:solidFill>
+              </a:rPr>
+              <a:t>, </a:t>
+            </a:r>
+            <a:r>
+              <a:rPr lang="de-DE" sz="2400" b="1" i="1" dirty="0">
+                <a:solidFill>
+                  <a:schemeClr val="tx2"/>
+                </a:solidFill>
+              </a:rPr>
+              <a:t>wert</a:t>
+            </a:r>
+            <a:r>
+              <a:rPr lang="de-DE" sz="2400" b="1" dirty="0">
+                <a:solidFill>
+                  <a:schemeClr val="accent1">
+                    <a:lumMod val="75000"/>
+                  </a:schemeClr>
+                </a:solidFill>
+              </a:rPr>
+              <a:t>, </a:t>
+            </a:r>
+            <a:r>
+              <a:rPr lang="de-DE" dirty="0"/>
+              <a:t>…</a:t>
+            </a:r>
+            <a:r>
+              <a:rPr lang="de-DE" sz="2400" b="1" dirty="0">
+                <a:solidFill>
+                  <a:schemeClr val="accent1">
+                    <a:lumMod val="75000"/>
+                  </a:schemeClr>
+                </a:solidFill>
+              </a:rPr>
+              <a:t>];</a:t>
+            </a:r>
+          </a:p>
+          <a:p>
+            <a:r>
+              <a:rPr lang="de-DE" dirty="0"/>
+              <a:t>Zur Liste gibt es eine Variante der </a:t>
+            </a:r>
+            <a:r>
+              <a:rPr lang="de-DE" dirty="0" err="1"/>
+              <a:t>For</a:t>
+            </a:r>
+            <a:r>
+              <a:rPr lang="de-DE" dirty="0"/>
+              <a:t>-Schleife:</a:t>
+            </a:r>
+            <a:br>
+              <a:rPr lang="de-DE" dirty="0"/>
+            </a:br>
+            <a:r>
+              <a:rPr lang="de-DE" sz="2400" b="1" dirty="0" err="1">
+                <a:solidFill>
+                  <a:schemeClr val="accent1">
+                    <a:lumMod val="75000"/>
+                  </a:schemeClr>
+                </a:solidFill>
+              </a:rPr>
+              <a:t>for</a:t>
+            </a:r>
+            <a:r>
+              <a:rPr lang="de-DE" sz="2400" b="1" dirty="0">
+                <a:solidFill>
+                  <a:schemeClr val="accent1">
+                    <a:lumMod val="75000"/>
+                  </a:schemeClr>
+                </a:solidFill>
+              </a:rPr>
+              <a:t> (</a:t>
+            </a:r>
+            <a:r>
+              <a:rPr lang="de-DE" sz="2400" b="1" dirty="0" err="1">
+                <a:solidFill>
+                  <a:schemeClr val="accent1">
+                    <a:lumMod val="75000"/>
+                  </a:schemeClr>
+                </a:solidFill>
+              </a:rPr>
+              <a:t>var</a:t>
+            </a:r>
+            <a:r>
+              <a:rPr lang="de-DE" sz="2400" b="1" dirty="0">
+                <a:solidFill>
+                  <a:schemeClr val="accent1">
+                    <a:lumMod val="75000"/>
+                  </a:schemeClr>
+                </a:solidFill>
+              </a:rPr>
+              <a:t> </a:t>
+            </a:r>
+            <a:r>
+              <a:rPr lang="de-DE" sz="2400" b="1" i="1" dirty="0" err="1">
+                <a:solidFill>
+                  <a:schemeClr val="tx2"/>
+                </a:solidFill>
+              </a:rPr>
+              <a:t>name</a:t>
+            </a:r>
+            <a:r>
+              <a:rPr lang="de-DE" sz="2400" b="1" dirty="0">
+                <a:solidFill>
+                  <a:schemeClr val="accent1">
+                    <a:lumMod val="75000"/>
+                  </a:schemeClr>
+                </a:solidFill>
+              </a:rPr>
+              <a:t> in </a:t>
+            </a:r>
+            <a:r>
+              <a:rPr lang="de-DE" sz="2400" b="1" i="1" dirty="0">
+                <a:solidFill>
+                  <a:schemeClr val="tx2"/>
+                </a:solidFill>
+              </a:rPr>
+              <a:t>liste</a:t>
+            </a:r>
+            <a:r>
+              <a:rPr lang="de-DE" sz="2400" b="1" dirty="0">
+                <a:solidFill>
+                  <a:schemeClr val="accent1">
+                    <a:lumMod val="75000"/>
+                  </a:schemeClr>
+                </a:solidFill>
+              </a:rPr>
+              <a:t>) { </a:t>
+            </a:r>
+            <a:r>
+              <a:rPr lang="de-DE" dirty="0"/>
+              <a:t>…</a:t>
+            </a:r>
+            <a:r>
+              <a:rPr lang="de-DE" sz="2400" b="1" dirty="0">
+                <a:solidFill>
+                  <a:schemeClr val="accent1">
+                    <a:lumMod val="75000"/>
+                  </a:schemeClr>
+                </a:solidFill>
+              </a:rPr>
+              <a:t> }</a:t>
+            </a:r>
+          </a:p>
+        </p:txBody>
+      </p:sp>
+      <p:sp>
+        <p:nvSpPr>
+          <p:cNvPr id="4" name="Datumsplatzhalter 3">
+            <a:extLst>
+              <a:ext uri="{FF2B5EF4-FFF2-40B4-BE49-F238E27FC236}">
+                <a16:creationId xmlns:a16="http://schemas.microsoft.com/office/drawing/2014/main" id="{6D29CD4C-ED28-4DAD-8B6D-F2C68EE741B3}"/>
+              </a:ext>
+            </a:extLst>
+          </p:cNvPr>
+          <p:cNvSpPr>
+            <a:spLocks noGrp="1"/>
+          </p:cNvSpPr>
+          <p:nvPr>
+            <p:ph type="dt" sz="half" idx="10"/>
+          </p:nvPr>
+        </p:nvSpPr>
+        <p:spPr/>
+        <p:txBody>
+          <a:bodyPr/>
+          <a:lstStyle/>
+          <a:p>
+            <a:fld id="{BC048919-3C08-48F6-A0CD-915EC777362A}" type="datetime1">
+              <a:rPr lang="de-DE" smtClean="0"/>
+              <a:t>31.01.2023</a:t>
+            </a:fld>
+            <a:endParaRPr lang="de-DE"/>
+          </a:p>
+        </p:txBody>
+      </p:sp>
+      <p:sp>
+        <p:nvSpPr>
+          <p:cNvPr id="5" name="Fußzeilenplatzhalter 4">
+            <a:extLst>
+              <a:ext uri="{FF2B5EF4-FFF2-40B4-BE49-F238E27FC236}">
+                <a16:creationId xmlns:a16="http://schemas.microsoft.com/office/drawing/2014/main" id="{C1A7106B-A7A5-4373-A48B-F764A628E98A}"/>
+              </a:ext>
+            </a:extLst>
+          </p:cNvPr>
+          <p:cNvSpPr>
+            <a:spLocks noGrp="1"/>
+          </p:cNvSpPr>
+          <p:nvPr>
+            <p:ph type="ftr" sz="quarter" idx="11"/>
+          </p:nvPr>
+        </p:nvSpPr>
+        <p:spPr/>
+        <p:txBody>
+          <a:bodyPr/>
+          <a:lstStyle/>
+          <a:p>
+            <a:r>
+              <a:rPr lang="de-DE"/>
+              <a:t>Dart - Programmiersprache für Smartphones</a:t>
+            </a:r>
+          </a:p>
+        </p:txBody>
+      </p:sp>
+      <p:sp>
+        <p:nvSpPr>
+          <p:cNvPr id="6" name="Foliennummernplatzhalter 5">
+            <a:extLst>
+              <a:ext uri="{FF2B5EF4-FFF2-40B4-BE49-F238E27FC236}">
+                <a16:creationId xmlns:a16="http://schemas.microsoft.com/office/drawing/2014/main" id="{F47200A0-B347-4725-8D32-31563F752BDF}"/>
+              </a:ext>
+            </a:extLst>
+          </p:cNvPr>
+          <p:cNvSpPr>
+            <a:spLocks noGrp="1"/>
+          </p:cNvSpPr>
+          <p:nvPr>
+            <p:ph type="sldNum" sz="quarter" idx="12"/>
+          </p:nvPr>
+        </p:nvSpPr>
+        <p:spPr/>
+        <p:txBody>
+          <a:bodyPr/>
+          <a:lstStyle/>
+          <a:p>
+            <a:fld id="{3A1F27E2-D58A-4028-9FF2-B12D897F257E}" type="slidenum">
+              <a:rPr lang="de-DE" smtClean="0"/>
+              <a:t>27</a:t>
+            </a:fld>
+            <a:endParaRPr lang="de-DE"/>
+          </a:p>
+        </p:txBody>
+      </p:sp>
+      <p:pic>
+        <p:nvPicPr>
+          <p:cNvPr id="10" name="Grafik 9">
+            <a:extLst>
+              <a:ext uri="{FF2B5EF4-FFF2-40B4-BE49-F238E27FC236}">
+                <a16:creationId xmlns:a16="http://schemas.microsoft.com/office/drawing/2014/main" id="{68DB29DE-9B68-4A2B-BC86-F797D3C7DF43}"/>
+              </a:ext>
+            </a:extLst>
+          </p:cNvPr>
+          <p:cNvPicPr>
+            <a:picLocks noChangeAspect="1"/>
+          </p:cNvPicPr>
+          <p:nvPr/>
+        </p:nvPicPr>
+        <p:blipFill>
+          <a:blip r:embed="rId3"/>
+          <a:stretch>
+            <a:fillRect/>
+          </a:stretch>
+        </p:blipFill>
+        <p:spPr>
+          <a:xfrm>
+            <a:off x="838200" y="3489635"/>
+            <a:ext cx="4063660" cy="1396174"/>
+          </a:xfrm>
+          <a:prstGeom prst="rect">
+            <a:avLst/>
+          </a:prstGeom>
+        </p:spPr>
+      </p:pic>
+      <p:sp>
+        <p:nvSpPr>
+          <p:cNvPr id="12" name="Textfeld 11">
+            <a:extLst>
+              <a:ext uri="{FF2B5EF4-FFF2-40B4-BE49-F238E27FC236}">
+                <a16:creationId xmlns:a16="http://schemas.microsoft.com/office/drawing/2014/main" id="{634F73F7-FFED-43B1-824A-931C6B0DB0CB}"/>
+              </a:ext>
+            </a:extLst>
+          </p:cNvPr>
+          <p:cNvSpPr txBox="1"/>
+          <p:nvPr/>
+        </p:nvSpPr>
+        <p:spPr>
+          <a:xfrm>
+            <a:off x="1977927" y="4967843"/>
+            <a:ext cx="1784206" cy="369332"/>
+          </a:xfrm>
+          <a:prstGeom prst="rect">
+            <a:avLst/>
+          </a:prstGeom>
+          <a:noFill/>
+        </p:spPr>
+        <p:txBody>
+          <a:bodyPr wrap="none" rtlCol="0">
+            <a:spAutoFit/>
+          </a:bodyPr>
+          <a:lstStyle/>
+          <a:p>
+            <a:r>
+              <a:rPr lang="de-DE" dirty="0"/>
+              <a:t>Irgendwie besser</a:t>
+            </a:r>
+          </a:p>
+        </p:txBody>
+      </p:sp>
+    </p:spTree>
+    <p:extLst>
+      <p:ext uri="{BB962C8B-B14F-4D97-AF65-F5344CB8AC3E}">
+        <p14:creationId xmlns:p14="http://schemas.microsoft.com/office/powerpoint/2010/main" val="3404073024"/>
+      </p:ext>
+    </p:extLst>
+  </p:cSld>
+  <p:clrMapOvr>
+    <a:masterClrMapping/>
+  </p:clrMapOvr>
+</p:sld>
+</file>
+
+<file path=ppt/slides/slide28.xml><?xml version="1.0" encoding="utf-8"?>
+<p:sld xmlns:a="http://schemas.openxmlformats.org/drawingml/2006/main" xmlns:r="http://schemas.openxmlformats.org/officeDocument/2006/relationships" xmlns:p="http://schemas.openxmlformats.org/presentationml/2006/main">
+  <p:cSld>
+    <p:spTree>
+      <p:nvGrpSpPr>
+        <p:cNvPr id="1" name=""/>
+        <p:cNvGrpSpPr/>
+        <p:nvPr/>
+      </p:nvGrpSpPr>
+      <p:grpSpPr>
+        <a:xfrm>
+          <a:off x="0" y="0"/>
+          <a:ext cx="0" cy="0"/>
+          <a:chOff x="0" y="0"/>
+          <a:chExt cx="0" cy="0"/>
+        </a:xfrm>
+      </p:grpSpPr>
+      <p:sp>
+        <p:nvSpPr>
+          <p:cNvPr id="2" name="Titel 1">
+            <a:extLst>
+              <a:ext uri="{FF2B5EF4-FFF2-40B4-BE49-F238E27FC236}">
+                <a16:creationId xmlns:a16="http://schemas.microsoft.com/office/drawing/2014/main" id="{C70ABF5F-5206-4E2A-93A8-0CF40BE0E51D}"/>
+              </a:ext>
+            </a:extLst>
+          </p:cNvPr>
+          <p:cNvSpPr>
+            <a:spLocks noGrp="1"/>
+          </p:cNvSpPr>
+          <p:nvPr>
+            <p:ph type="title"/>
+          </p:nvPr>
+        </p:nvSpPr>
+        <p:spPr/>
+        <p:txBody>
+          <a:bodyPr/>
+          <a:lstStyle/>
+          <a:p>
+            <a:r>
+              <a:rPr lang="de-DE" dirty="0"/>
+              <a:t>Dart  - Listen</a:t>
+            </a:r>
+          </a:p>
+        </p:txBody>
+      </p:sp>
+      <p:sp>
+        <p:nvSpPr>
+          <p:cNvPr id="3" name="Inhaltsplatzhalter 2">
+            <a:extLst>
+              <a:ext uri="{FF2B5EF4-FFF2-40B4-BE49-F238E27FC236}">
+                <a16:creationId xmlns:a16="http://schemas.microsoft.com/office/drawing/2014/main" id="{6593768A-5D81-4569-B2BC-C2C1DA3675E5}"/>
+              </a:ext>
+            </a:extLst>
+          </p:cNvPr>
+          <p:cNvSpPr>
+            <a:spLocks noGrp="1"/>
+          </p:cNvSpPr>
+          <p:nvPr>
+            <p:ph idx="1"/>
+          </p:nvPr>
+        </p:nvSpPr>
+        <p:spPr/>
+        <p:txBody>
+          <a:bodyPr/>
+          <a:lstStyle/>
+          <a:p>
+            <a:r>
+              <a:rPr lang="de-DE" dirty="0"/>
+              <a:t>"Rechnen" mit Listen</a:t>
+            </a:r>
+          </a:p>
+          <a:p>
+            <a:r>
+              <a:rPr lang="de-DE" dirty="0"/>
+              <a:t>Aneinanderhängen: </a:t>
+            </a:r>
+            <a:r>
+              <a:rPr lang="de-DE" sz="2400" b="1" dirty="0">
+                <a:solidFill>
+                  <a:schemeClr val="accent1">
+                    <a:lumMod val="75000"/>
+                  </a:schemeClr>
+                </a:solidFill>
+              </a:rPr>
+              <a:t>+</a:t>
+            </a:r>
+          </a:p>
+        </p:txBody>
+      </p:sp>
+      <p:sp>
+        <p:nvSpPr>
+          <p:cNvPr id="4" name="Datumsplatzhalter 3">
+            <a:extLst>
+              <a:ext uri="{FF2B5EF4-FFF2-40B4-BE49-F238E27FC236}">
+                <a16:creationId xmlns:a16="http://schemas.microsoft.com/office/drawing/2014/main" id="{C5CA9116-1595-41C3-BE98-6BAB26F31984}"/>
+              </a:ext>
+            </a:extLst>
+          </p:cNvPr>
+          <p:cNvSpPr>
+            <a:spLocks noGrp="1"/>
+          </p:cNvSpPr>
+          <p:nvPr>
+            <p:ph type="dt" sz="half" idx="10"/>
+          </p:nvPr>
+        </p:nvSpPr>
+        <p:spPr/>
+        <p:txBody>
+          <a:bodyPr/>
+          <a:lstStyle/>
+          <a:p>
+            <a:fld id="{94C91350-6869-4C72-8675-ECEAAAF05F8D}" type="datetime1">
+              <a:rPr lang="de-DE" smtClean="0"/>
+              <a:t>31.01.2023</a:t>
+            </a:fld>
+            <a:endParaRPr lang="de-DE"/>
+          </a:p>
+        </p:txBody>
+      </p:sp>
+      <p:sp>
+        <p:nvSpPr>
+          <p:cNvPr id="5" name="Fußzeilenplatzhalter 4">
+            <a:extLst>
+              <a:ext uri="{FF2B5EF4-FFF2-40B4-BE49-F238E27FC236}">
+                <a16:creationId xmlns:a16="http://schemas.microsoft.com/office/drawing/2014/main" id="{9C1BD6BE-83F8-4669-96A2-4F3A84D56A32}"/>
+              </a:ext>
+            </a:extLst>
+          </p:cNvPr>
+          <p:cNvSpPr>
+            <a:spLocks noGrp="1"/>
+          </p:cNvSpPr>
+          <p:nvPr>
+            <p:ph type="ftr" sz="quarter" idx="11"/>
+          </p:nvPr>
+        </p:nvSpPr>
+        <p:spPr/>
+        <p:txBody>
+          <a:bodyPr/>
+          <a:lstStyle/>
+          <a:p>
+            <a:r>
+              <a:rPr lang="de-DE"/>
+              <a:t>Dart - Programmiersprache für Smartphones</a:t>
+            </a:r>
+          </a:p>
+        </p:txBody>
+      </p:sp>
+      <p:sp>
+        <p:nvSpPr>
+          <p:cNvPr id="6" name="Foliennummernplatzhalter 5">
+            <a:extLst>
+              <a:ext uri="{FF2B5EF4-FFF2-40B4-BE49-F238E27FC236}">
+                <a16:creationId xmlns:a16="http://schemas.microsoft.com/office/drawing/2014/main" id="{CC50ACE0-23AA-4F6E-B6A5-A06E4A9CFD6E}"/>
+              </a:ext>
+            </a:extLst>
+          </p:cNvPr>
+          <p:cNvSpPr>
+            <a:spLocks noGrp="1"/>
+          </p:cNvSpPr>
+          <p:nvPr>
+            <p:ph type="sldNum" sz="quarter" idx="12"/>
+          </p:nvPr>
+        </p:nvSpPr>
+        <p:spPr/>
+        <p:txBody>
+          <a:bodyPr/>
+          <a:lstStyle/>
+          <a:p>
+            <a:fld id="{3A1F27E2-D58A-4028-9FF2-B12D897F257E}" type="slidenum">
+              <a:rPr lang="de-DE" smtClean="0"/>
+              <a:t>28</a:t>
+            </a:fld>
+            <a:endParaRPr lang="de-DE"/>
+          </a:p>
+        </p:txBody>
+      </p:sp>
+      <p:pic>
+        <p:nvPicPr>
+          <p:cNvPr id="8" name="Grafik 7">
+            <a:extLst>
+              <a:ext uri="{FF2B5EF4-FFF2-40B4-BE49-F238E27FC236}">
+                <a16:creationId xmlns:a16="http://schemas.microsoft.com/office/drawing/2014/main" id="{7D94A421-C5CF-4494-A4AD-4C4887B47C0A}"/>
+              </a:ext>
+            </a:extLst>
+          </p:cNvPr>
+          <p:cNvPicPr>
+            <a:picLocks noChangeAspect="1"/>
+          </p:cNvPicPr>
+          <p:nvPr/>
+        </p:nvPicPr>
+        <p:blipFill>
+          <a:blip r:embed="rId2"/>
+          <a:stretch>
+            <a:fillRect/>
+          </a:stretch>
+        </p:blipFill>
+        <p:spPr>
+          <a:xfrm>
+            <a:off x="838200" y="2743928"/>
+            <a:ext cx="3699857" cy="1404326"/>
+          </a:xfrm>
+          <a:prstGeom prst="rect">
+            <a:avLst/>
+          </a:prstGeom>
+        </p:spPr>
+      </p:pic>
+    </p:spTree>
+    <p:extLst>
+      <p:ext uri="{BB962C8B-B14F-4D97-AF65-F5344CB8AC3E}">
+        <p14:creationId xmlns:p14="http://schemas.microsoft.com/office/powerpoint/2010/main" val="1364947190"/>
+      </p:ext>
+    </p:extLst>
+  </p:cSld>
+  <p:clrMapOvr>
+    <a:masterClrMapping/>
+  </p:clrMapOvr>
+</p:sld>
+</file>
+
+<file path=ppt/slides/slide29.xml><?xml version="1.0" encoding="utf-8"?>
+<p:sld xmlns:a="http://schemas.openxmlformats.org/drawingml/2006/main" xmlns:r="http://schemas.openxmlformats.org/officeDocument/2006/relationships" xmlns:p="http://schemas.openxmlformats.org/presentationml/2006/main">
+  <p:cSld>
+    <p:spTree>
+      <p:nvGrpSpPr>
+        <p:cNvPr id="1" name=""/>
+        <p:cNvGrpSpPr/>
+        <p:nvPr/>
+      </p:nvGrpSpPr>
+      <p:grpSpPr>
+        <a:xfrm>
+          <a:off x="0" y="0"/>
+          <a:ext cx="0" cy="0"/>
+          <a:chOff x="0" y="0"/>
+          <a:chExt cx="0" cy="0"/>
+        </a:xfrm>
+      </p:grpSpPr>
+      <p:sp>
+        <p:nvSpPr>
+          <p:cNvPr id="2" name="Titel 1">
+            <a:extLst>
+              <a:ext uri="{FF2B5EF4-FFF2-40B4-BE49-F238E27FC236}">
+                <a16:creationId xmlns:a16="http://schemas.microsoft.com/office/drawing/2014/main" id="{28A3DEC2-04E4-4BCE-8D2E-408266F02FF8}"/>
+              </a:ext>
+            </a:extLst>
+          </p:cNvPr>
+          <p:cNvSpPr>
+            <a:spLocks noGrp="1"/>
+          </p:cNvSpPr>
+          <p:nvPr>
+            <p:ph type="title"/>
+          </p:nvPr>
+        </p:nvSpPr>
+        <p:spPr/>
+        <p:txBody>
+          <a:bodyPr/>
+          <a:lstStyle/>
+          <a:p>
+            <a:r>
+              <a:rPr lang="de-DE" dirty="0"/>
+              <a:t>Dart  - Listen</a:t>
+            </a:r>
+          </a:p>
+        </p:txBody>
+      </p:sp>
+      <p:sp>
+        <p:nvSpPr>
+          <p:cNvPr id="3" name="Inhaltsplatzhalter 2">
+            <a:extLst>
+              <a:ext uri="{FF2B5EF4-FFF2-40B4-BE49-F238E27FC236}">
+                <a16:creationId xmlns:a16="http://schemas.microsoft.com/office/drawing/2014/main" id="{F3F3F8D7-5979-497A-9C4F-E5CF72568041}"/>
+              </a:ext>
+            </a:extLst>
+          </p:cNvPr>
+          <p:cNvSpPr>
+            <a:spLocks noGrp="1"/>
+          </p:cNvSpPr>
+          <p:nvPr>
+            <p:ph idx="1"/>
+          </p:nvPr>
+        </p:nvSpPr>
+        <p:spPr/>
+        <p:txBody>
+          <a:bodyPr/>
+          <a:lstStyle/>
+          <a:p>
+            <a:r>
+              <a:rPr lang="de-DE" dirty="0"/>
+              <a:t>Element aus der Liste holen: </a:t>
+            </a:r>
+            <a:r>
+              <a:rPr lang="de-DE" sz="2400" b="1" dirty="0" err="1">
+                <a:solidFill>
+                  <a:schemeClr val="accent1">
+                    <a:lumMod val="75000"/>
+                  </a:schemeClr>
+                </a:solidFill>
+              </a:rPr>
+              <a:t>var</a:t>
+            </a:r>
+            <a:r>
+              <a:rPr lang="de-DE" sz="2400" b="1" dirty="0">
+                <a:solidFill>
+                  <a:schemeClr val="accent1">
+                    <a:lumMod val="75000"/>
+                  </a:schemeClr>
+                </a:solidFill>
+              </a:rPr>
+              <a:t> </a:t>
+            </a:r>
+            <a:r>
+              <a:rPr lang="de-DE" sz="2400" b="1" i="1" dirty="0" err="1">
+                <a:solidFill>
+                  <a:schemeClr val="tx2"/>
+                </a:solidFill>
+              </a:rPr>
+              <a:t>name</a:t>
+            </a:r>
+            <a:r>
+              <a:rPr lang="de-DE" sz="2400" b="1" dirty="0">
+                <a:solidFill>
+                  <a:schemeClr val="accent1">
+                    <a:lumMod val="75000"/>
+                  </a:schemeClr>
+                </a:solidFill>
+              </a:rPr>
+              <a:t> = </a:t>
+            </a:r>
+            <a:r>
+              <a:rPr lang="de-DE" sz="2400" b="1" i="1" dirty="0">
+                <a:solidFill>
+                  <a:schemeClr val="tx2"/>
+                </a:solidFill>
+              </a:rPr>
+              <a:t>liste</a:t>
+            </a:r>
+            <a:r>
+              <a:rPr lang="de-DE" sz="2400" b="1" dirty="0">
+                <a:solidFill>
+                  <a:schemeClr val="accent1">
+                    <a:lumMod val="75000"/>
+                  </a:schemeClr>
+                </a:solidFill>
+              </a:rPr>
+              <a:t>[</a:t>
+            </a:r>
+            <a:r>
+              <a:rPr lang="de-DE" sz="2400" b="1" i="1" dirty="0" err="1">
+                <a:solidFill>
+                  <a:schemeClr val="tx2"/>
+                </a:solidFill>
+              </a:rPr>
+              <a:t>index</a:t>
+            </a:r>
+            <a:r>
+              <a:rPr lang="de-DE" sz="2400" b="1" dirty="0">
+                <a:solidFill>
+                  <a:schemeClr val="accent1">
+                    <a:lumMod val="75000"/>
+                  </a:schemeClr>
+                </a:solidFill>
+              </a:rPr>
+              <a:t>];</a:t>
+            </a:r>
+          </a:p>
+          <a:p>
+            <a:r>
+              <a:rPr lang="de-DE" dirty="0"/>
+              <a:t>Element in der Liste austauschen: </a:t>
+            </a:r>
+            <a:r>
+              <a:rPr lang="de-DE" sz="2400" b="1" i="1" dirty="0">
+                <a:solidFill>
+                  <a:schemeClr val="tx2"/>
+                </a:solidFill>
+              </a:rPr>
+              <a:t>liste</a:t>
+            </a:r>
+            <a:r>
+              <a:rPr lang="de-DE" sz="2400" b="1" dirty="0">
+                <a:solidFill>
+                  <a:schemeClr val="accent1">
+                    <a:lumMod val="75000"/>
+                  </a:schemeClr>
+                </a:solidFill>
+              </a:rPr>
+              <a:t>[</a:t>
+            </a:r>
+            <a:r>
+              <a:rPr lang="de-DE" sz="2400" b="1" i="1" dirty="0" err="1">
+                <a:solidFill>
+                  <a:schemeClr val="tx2"/>
+                </a:solidFill>
+              </a:rPr>
+              <a:t>index</a:t>
+            </a:r>
+            <a:r>
+              <a:rPr lang="de-DE" sz="2400" b="1" dirty="0">
+                <a:solidFill>
+                  <a:schemeClr val="accent1">
+                    <a:lumMod val="75000"/>
+                  </a:schemeClr>
+                </a:solidFill>
+              </a:rPr>
+              <a:t>] = </a:t>
+            </a:r>
+            <a:r>
+              <a:rPr lang="de-DE" sz="2400" b="1" i="1" dirty="0">
+                <a:solidFill>
+                  <a:schemeClr val="tx2"/>
+                </a:solidFill>
+              </a:rPr>
+              <a:t>wert</a:t>
+            </a:r>
+            <a:r>
+              <a:rPr lang="de-DE" sz="2400" b="1" dirty="0">
+                <a:solidFill>
+                  <a:schemeClr val="accent1">
+                    <a:lumMod val="75000"/>
+                  </a:schemeClr>
+                </a:solidFill>
+              </a:rPr>
+              <a:t>;</a:t>
+            </a:r>
+          </a:p>
+          <a:p>
+            <a:r>
+              <a:rPr lang="de-DE" dirty="0"/>
+              <a:t>Die Zählung beginnt bei 0</a:t>
+            </a:r>
+          </a:p>
+        </p:txBody>
+      </p:sp>
+      <p:sp>
+        <p:nvSpPr>
+          <p:cNvPr id="4" name="Datumsplatzhalter 3">
+            <a:extLst>
+              <a:ext uri="{FF2B5EF4-FFF2-40B4-BE49-F238E27FC236}">
+                <a16:creationId xmlns:a16="http://schemas.microsoft.com/office/drawing/2014/main" id="{64F6FD43-0751-4CF2-AA83-CD93913BF749}"/>
+              </a:ext>
+            </a:extLst>
+          </p:cNvPr>
+          <p:cNvSpPr>
+            <a:spLocks noGrp="1"/>
+          </p:cNvSpPr>
+          <p:nvPr>
+            <p:ph type="dt" sz="half" idx="10"/>
+          </p:nvPr>
+        </p:nvSpPr>
+        <p:spPr/>
+        <p:txBody>
+          <a:bodyPr/>
+          <a:lstStyle/>
+          <a:p>
+            <a:fld id="{ACA1733B-6687-4EEA-9A6B-2EF228C82457}" type="datetime1">
+              <a:rPr lang="de-DE" smtClean="0"/>
+              <a:t>31.01.2023</a:t>
+            </a:fld>
+            <a:endParaRPr lang="de-DE"/>
+          </a:p>
+        </p:txBody>
+      </p:sp>
+      <p:sp>
+        <p:nvSpPr>
+          <p:cNvPr id="5" name="Fußzeilenplatzhalter 4">
+            <a:extLst>
+              <a:ext uri="{FF2B5EF4-FFF2-40B4-BE49-F238E27FC236}">
+                <a16:creationId xmlns:a16="http://schemas.microsoft.com/office/drawing/2014/main" id="{96CFF753-F2D4-4D00-85A0-1BFD711EBCA4}"/>
+              </a:ext>
+            </a:extLst>
+          </p:cNvPr>
+          <p:cNvSpPr>
+            <a:spLocks noGrp="1"/>
+          </p:cNvSpPr>
+          <p:nvPr>
+            <p:ph type="ftr" sz="quarter" idx="11"/>
+          </p:nvPr>
+        </p:nvSpPr>
+        <p:spPr/>
+        <p:txBody>
+          <a:bodyPr/>
+          <a:lstStyle/>
+          <a:p>
+            <a:r>
+              <a:rPr lang="de-DE"/>
+              <a:t>Dart - Programmiersprache für Smartphones</a:t>
+            </a:r>
+          </a:p>
+        </p:txBody>
+      </p:sp>
+      <p:sp>
+        <p:nvSpPr>
+          <p:cNvPr id="6" name="Foliennummernplatzhalter 5">
+            <a:extLst>
+              <a:ext uri="{FF2B5EF4-FFF2-40B4-BE49-F238E27FC236}">
+                <a16:creationId xmlns:a16="http://schemas.microsoft.com/office/drawing/2014/main" id="{34F574A1-159D-47F6-8348-5DAA122848C6}"/>
+              </a:ext>
+            </a:extLst>
+          </p:cNvPr>
+          <p:cNvSpPr>
+            <a:spLocks noGrp="1"/>
+          </p:cNvSpPr>
+          <p:nvPr>
+            <p:ph type="sldNum" sz="quarter" idx="12"/>
+          </p:nvPr>
+        </p:nvSpPr>
+        <p:spPr/>
+        <p:txBody>
+          <a:bodyPr/>
+          <a:lstStyle/>
+          <a:p>
+            <a:fld id="{3A1F27E2-D58A-4028-9FF2-B12D897F257E}" type="slidenum">
+              <a:rPr lang="de-DE" smtClean="0"/>
+              <a:t>29</a:t>
+            </a:fld>
+            <a:endParaRPr lang="de-DE"/>
+          </a:p>
+        </p:txBody>
+      </p:sp>
+      <p:pic>
+        <p:nvPicPr>
+          <p:cNvPr id="8" name="Grafik 7">
+            <a:extLst>
+              <a:ext uri="{FF2B5EF4-FFF2-40B4-BE49-F238E27FC236}">
+                <a16:creationId xmlns:a16="http://schemas.microsoft.com/office/drawing/2014/main" id="{A4EBF874-0D26-4081-83D6-6F559EEA4326}"/>
+              </a:ext>
+            </a:extLst>
+          </p:cNvPr>
+          <p:cNvPicPr>
+            <a:picLocks noChangeAspect="1"/>
+          </p:cNvPicPr>
+          <p:nvPr/>
+        </p:nvPicPr>
+        <p:blipFill rotWithShape="1">
+          <a:blip r:embed="rId2"/>
+          <a:srcRect t="2384"/>
+          <a:stretch/>
+        </p:blipFill>
+        <p:spPr>
+          <a:xfrm>
+            <a:off x="838200" y="3256156"/>
+            <a:ext cx="4765170" cy="1717288"/>
+          </a:xfrm>
+          <a:prstGeom prst="rect">
+            <a:avLst/>
+          </a:prstGeom>
+        </p:spPr>
+      </p:pic>
+    </p:spTree>
+    <p:extLst>
+      <p:ext uri="{BB962C8B-B14F-4D97-AF65-F5344CB8AC3E}">
+        <p14:creationId xmlns:p14="http://schemas.microsoft.com/office/powerpoint/2010/main" val="2292454382"/>
       </p:ext>
     </p:extLst>
   </p:cSld>
@@ -12345,7 +14095,7 @@
           <a:p>
             <a:fld id="{5C03BAA7-20D5-4E1B-8CB5-A2ED8F9EFD7F}" type="datetime1">
               <a:rPr lang="de-DE" smtClean="0"/>
-              <a:t>23.01.2023</a:t>
+              <a:t>31.01.2023</a:t>
             </a:fld>
             <a:endParaRPr lang="de-DE"/>
           </a:p>
@@ -12400,6 +14150,772 @@
     <p:extLst>
       <p:ext uri="{BB962C8B-B14F-4D97-AF65-F5344CB8AC3E}">
         <p14:creationId xmlns:p14="http://schemas.microsoft.com/office/powerpoint/2010/main" val="2041278893"/>
+      </p:ext>
+    </p:extLst>
+  </p:cSld>
+  <p:clrMapOvr>
+    <a:masterClrMapping/>
+  </p:clrMapOvr>
+</p:sld>
+</file>
+
+<file path=ppt/slides/slide30.xml><?xml version="1.0" encoding="utf-8"?>
+<p:sld xmlns:a="http://schemas.openxmlformats.org/drawingml/2006/main" xmlns:r="http://schemas.openxmlformats.org/officeDocument/2006/relationships" xmlns:p="http://schemas.openxmlformats.org/presentationml/2006/main">
+  <p:cSld>
+    <p:spTree>
+      <p:nvGrpSpPr>
+        <p:cNvPr id="1" name=""/>
+        <p:cNvGrpSpPr/>
+        <p:nvPr/>
+      </p:nvGrpSpPr>
+      <p:grpSpPr>
+        <a:xfrm>
+          <a:off x="0" y="0"/>
+          <a:ext cx="0" cy="0"/>
+          <a:chOff x="0" y="0"/>
+          <a:chExt cx="0" cy="0"/>
+        </a:xfrm>
+      </p:grpSpPr>
+      <p:pic>
+        <p:nvPicPr>
+          <p:cNvPr id="10" name="Grafik 9">
+            <a:extLst>
+              <a:ext uri="{FF2B5EF4-FFF2-40B4-BE49-F238E27FC236}">
+                <a16:creationId xmlns:a16="http://schemas.microsoft.com/office/drawing/2014/main" id="{AB9F94E3-C971-4171-B930-6F092124C5DE}"/>
+              </a:ext>
+            </a:extLst>
+          </p:cNvPr>
+          <p:cNvPicPr>
+            <a:picLocks noChangeAspect="1"/>
+          </p:cNvPicPr>
+          <p:nvPr/>
+        </p:nvPicPr>
+        <p:blipFill>
+          <a:blip r:embed="rId3"/>
+          <a:stretch>
+            <a:fillRect/>
+          </a:stretch>
+        </p:blipFill>
+        <p:spPr>
+          <a:xfrm>
+            <a:off x="838199" y="2954795"/>
+            <a:ext cx="4781747" cy="2007498"/>
+          </a:xfrm>
+          <a:prstGeom prst="rect">
+            <a:avLst/>
+          </a:prstGeom>
+        </p:spPr>
+      </p:pic>
+      <p:sp>
+        <p:nvSpPr>
+          <p:cNvPr id="2" name="Titel 1">
+            <a:extLst>
+              <a:ext uri="{FF2B5EF4-FFF2-40B4-BE49-F238E27FC236}">
+                <a16:creationId xmlns:a16="http://schemas.microsoft.com/office/drawing/2014/main" id="{126FC69A-6D68-4CD8-98CC-64C886D06442}"/>
+              </a:ext>
+            </a:extLst>
+          </p:cNvPr>
+          <p:cNvSpPr>
+            <a:spLocks noGrp="1"/>
+          </p:cNvSpPr>
+          <p:nvPr>
+            <p:ph type="title"/>
+          </p:nvPr>
+        </p:nvSpPr>
+        <p:spPr/>
+        <p:txBody>
+          <a:bodyPr/>
+          <a:lstStyle/>
+          <a:p>
+            <a:r>
+              <a:rPr lang="de-DE" dirty="0"/>
+              <a:t>Dart  - Listen</a:t>
+            </a:r>
+          </a:p>
+        </p:txBody>
+      </p:sp>
+      <p:sp>
+        <p:nvSpPr>
+          <p:cNvPr id="3" name="Inhaltsplatzhalter 2">
+            <a:extLst>
+              <a:ext uri="{FF2B5EF4-FFF2-40B4-BE49-F238E27FC236}">
+                <a16:creationId xmlns:a16="http://schemas.microsoft.com/office/drawing/2014/main" id="{A940B417-BDF6-4DDD-ABCC-CEFC5F74BEED}"/>
+              </a:ext>
+            </a:extLst>
+          </p:cNvPr>
+          <p:cNvSpPr>
+            <a:spLocks noGrp="1"/>
+          </p:cNvSpPr>
+          <p:nvPr>
+            <p:ph idx="1"/>
+          </p:nvPr>
+        </p:nvSpPr>
+        <p:spPr/>
+        <p:txBody>
+          <a:bodyPr/>
+          <a:lstStyle/>
+          <a:p>
+            <a:r>
+              <a:rPr lang="de-DE" dirty="0"/>
+              <a:t>Listen zerteilen: </a:t>
+            </a:r>
+            <a:r>
+              <a:rPr lang="de-DE" sz="2400" b="1" dirty="0" err="1">
+                <a:solidFill>
+                  <a:schemeClr val="accent1">
+                    <a:lumMod val="75000"/>
+                  </a:schemeClr>
+                </a:solidFill>
+              </a:rPr>
+              <a:t>var</a:t>
+            </a:r>
+            <a:r>
+              <a:rPr lang="de-DE" sz="2400" b="1" dirty="0">
+                <a:solidFill>
+                  <a:schemeClr val="accent1">
+                    <a:lumMod val="75000"/>
+                  </a:schemeClr>
+                </a:solidFill>
+              </a:rPr>
+              <a:t> </a:t>
+            </a:r>
+            <a:r>
+              <a:rPr lang="de-DE" sz="2400" b="1" i="1" dirty="0">
+                <a:solidFill>
+                  <a:schemeClr val="tx2"/>
+                </a:solidFill>
+              </a:rPr>
+              <a:t>teil</a:t>
+            </a:r>
+            <a:r>
+              <a:rPr lang="de-DE" sz="2400" b="1" dirty="0">
+                <a:solidFill>
+                  <a:schemeClr val="accent1">
+                    <a:lumMod val="75000"/>
+                  </a:schemeClr>
+                </a:solidFill>
+              </a:rPr>
+              <a:t> = </a:t>
+            </a:r>
+            <a:r>
+              <a:rPr lang="de-DE" sz="2400" b="1" i="1" dirty="0" err="1">
+                <a:solidFill>
+                  <a:schemeClr val="tx2"/>
+                </a:solidFill>
+              </a:rPr>
+              <a:t>liste</a:t>
+            </a:r>
+            <a:r>
+              <a:rPr lang="de-DE" sz="2400" b="1" dirty="0" err="1">
+                <a:solidFill>
+                  <a:schemeClr val="accent1">
+                    <a:lumMod val="75000"/>
+                  </a:schemeClr>
+                </a:solidFill>
+              </a:rPr>
+              <a:t>.sublist</a:t>
+            </a:r>
+            <a:r>
+              <a:rPr lang="de-DE" sz="2400" b="1" dirty="0">
+                <a:solidFill>
+                  <a:schemeClr val="accent1">
+                    <a:lumMod val="75000"/>
+                  </a:schemeClr>
+                </a:solidFill>
+              </a:rPr>
+              <a:t>(</a:t>
+            </a:r>
+            <a:r>
+              <a:rPr lang="de-DE" sz="2400" b="1" i="1" dirty="0" err="1">
+                <a:solidFill>
+                  <a:schemeClr val="tx2"/>
+                </a:solidFill>
+              </a:rPr>
+              <a:t>start</a:t>
+            </a:r>
+            <a:r>
+              <a:rPr lang="de-DE" sz="2400" b="1" dirty="0">
+                <a:solidFill>
+                  <a:schemeClr val="accent1">
+                    <a:lumMod val="75000"/>
+                  </a:schemeClr>
+                </a:solidFill>
+              </a:rPr>
+              <a:t>, </a:t>
+            </a:r>
+            <a:r>
+              <a:rPr lang="de-DE" sz="2400" b="1" i="1" dirty="0">
+                <a:solidFill>
+                  <a:schemeClr val="tx2"/>
+                </a:solidFill>
+              </a:rPr>
+              <a:t>ende</a:t>
+            </a:r>
+            <a:r>
+              <a:rPr lang="de-DE" sz="2400" b="1" dirty="0">
+                <a:solidFill>
+                  <a:schemeClr val="accent1">
+                    <a:lumMod val="75000"/>
+                  </a:schemeClr>
+                </a:solidFill>
+              </a:rPr>
+              <a:t>);</a:t>
+            </a:r>
+          </a:p>
+        </p:txBody>
+      </p:sp>
+      <p:sp>
+        <p:nvSpPr>
+          <p:cNvPr id="4" name="Datumsplatzhalter 3">
+            <a:extLst>
+              <a:ext uri="{FF2B5EF4-FFF2-40B4-BE49-F238E27FC236}">
+                <a16:creationId xmlns:a16="http://schemas.microsoft.com/office/drawing/2014/main" id="{DCB0860C-D410-4664-8871-9EE5CE04DF19}"/>
+              </a:ext>
+            </a:extLst>
+          </p:cNvPr>
+          <p:cNvSpPr>
+            <a:spLocks noGrp="1"/>
+          </p:cNvSpPr>
+          <p:nvPr>
+            <p:ph type="dt" sz="half" idx="10"/>
+          </p:nvPr>
+        </p:nvSpPr>
+        <p:spPr/>
+        <p:txBody>
+          <a:bodyPr/>
+          <a:lstStyle/>
+          <a:p>
+            <a:fld id="{2BBD85E3-27A5-4125-9DB2-C537C85BBE8A}" type="datetime1">
+              <a:rPr lang="de-DE" smtClean="0"/>
+              <a:t>31.01.2023</a:t>
+            </a:fld>
+            <a:endParaRPr lang="de-DE"/>
+          </a:p>
+        </p:txBody>
+      </p:sp>
+      <p:sp>
+        <p:nvSpPr>
+          <p:cNvPr id="5" name="Fußzeilenplatzhalter 4">
+            <a:extLst>
+              <a:ext uri="{FF2B5EF4-FFF2-40B4-BE49-F238E27FC236}">
+                <a16:creationId xmlns:a16="http://schemas.microsoft.com/office/drawing/2014/main" id="{67537BDA-162A-48AB-A112-A0077123C647}"/>
+              </a:ext>
+            </a:extLst>
+          </p:cNvPr>
+          <p:cNvSpPr>
+            <a:spLocks noGrp="1"/>
+          </p:cNvSpPr>
+          <p:nvPr>
+            <p:ph type="ftr" sz="quarter" idx="11"/>
+          </p:nvPr>
+        </p:nvSpPr>
+        <p:spPr/>
+        <p:txBody>
+          <a:bodyPr/>
+          <a:lstStyle/>
+          <a:p>
+            <a:r>
+              <a:rPr lang="de-DE"/>
+              <a:t>Dart - Programmiersprache für Smartphones</a:t>
+            </a:r>
+          </a:p>
+        </p:txBody>
+      </p:sp>
+      <p:sp>
+        <p:nvSpPr>
+          <p:cNvPr id="6" name="Foliennummernplatzhalter 5">
+            <a:extLst>
+              <a:ext uri="{FF2B5EF4-FFF2-40B4-BE49-F238E27FC236}">
+                <a16:creationId xmlns:a16="http://schemas.microsoft.com/office/drawing/2014/main" id="{8403445F-FB62-452C-A1EC-FB9A32BEB9C2}"/>
+              </a:ext>
+            </a:extLst>
+          </p:cNvPr>
+          <p:cNvSpPr>
+            <a:spLocks noGrp="1"/>
+          </p:cNvSpPr>
+          <p:nvPr>
+            <p:ph type="sldNum" sz="quarter" idx="12"/>
+          </p:nvPr>
+        </p:nvSpPr>
+        <p:spPr/>
+        <p:txBody>
+          <a:bodyPr/>
+          <a:lstStyle/>
+          <a:p>
+            <a:fld id="{3A1F27E2-D58A-4028-9FF2-B12D897F257E}" type="slidenum">
+              <a:rPr lang="de-DE" smtClean="0"/>
+              <a:t>30</a:t>
+            </a:fld>
+            <a:endParaRPr lang="de-DE"/>
+          </a:p>
+        </p:txBody>
+      </p:sp>
+    </p:spTree>
+    <p:extLst>
+      <p:ext uri="{BB962C8B-B14F-4D97-AF65-F5344CB8AC3E}">
+        <p14:creationId xmlns:p14="http://schemas.microsoft.com/office/powerpoint/2010/main" val="2359135768"/>
+      </p:ext>
+    </p:extLst>
+  </p:cSld>
+  <p:clrMapOvr>
+    <a:masterClrMapping/>
+  </p:clrMapOvr>
+</p:sld>
+</file>
+
+<file path=ppt/slides/slide31.xml><?xml version="1.0" encoding="utf-8"?>
+<p:sld xmlns:a="http://schemas.openxmlformats.org/drawingml/2006/main" xmlns:r="http://schemas.openxmlformats.org/officeDocument/2006/relationships" xmlns:p="http://schemas.openxmlformats.org/presentationml/2006/main">
+  <p:cSld>
+    <p:spTree>
+      <p:nvGrpSpPr>
+        <p:cNvPr id="1" name=""/>
+        <p:cNvGrpSpPr/>
+        <p:nvPr/>
+      </p:nvGrpSpPr>
+      <p:grpSpPr>
+        <a:xfrm>
+          <a:off x="0" y="0"/>
+          <a:ext cx="0" cy="0"/>
+          <a:chOff x="0" y="0"/>
+          <a:chExt cx="0" cy="0"/>
+        </a:xfrm>
+      </p:grpSpPr>
+      <p:sp>
+        <p:nvSpPr>
+          <p:cNvPr id="2" name="Titel 1">
+            <a:extLst>
+              <a:ext uri="{FF2B5EF4-FFF2-40B4-BE49-F238E27FC236}">
+                <a16:creationId xmlns:a16="http://schemas.microsoft.com/office/drawing/2014/main" id="{126FC69A-6D68-4CD8-98CC-64C886D06442}"/>
+              </a:ext>
+            </a:extLst>
+          </p:cNvPr>
+          <p:cNvSpPr>
+            <a:spLocks noGrp="1"/>
+          </p:cNvSpPr>
+          <p:nvPr>
+            <p:ph type="title"/>
+          </p:nvPr>
+        </p:nvSpPr>
+        <p:spPr/>
+        <p:txBody>
+          <a:bodyPr/>
+          <a:lstStyle/>
+          <a:p>
+            <a:r>
+              <a:rPr lang="de-DE" dirty="0"/>
+              <a:t>Dart  - Listen</a:t>
+            </a:r>
+          </a:p>
+        </p:txBody>
+      </p:sp>
+      <p:sp>
+        <p:nvSpPr>
+          <p:cNvPr id="3" name="Inhaltsplatzhalter 2">
+            <a:extLst>
+              <a:ext uri="{FF2B5EF4-FFF2-40B4-BE49-F238E27FC236}">
+                <a16:creationId xmlns:a16="http://schemas.microsoft.com/office/drawing/2014/main" id="{A940B417-BDF6-4DDD-ABCC-CEFC5F74BEED}"/>
+              </a:ext>
+            </a:extLst>
+          </p:cNvPr>
+          <p:cNvSpPr>
+            <a:spLocks noGrp="1"/>
+          </p:cNvSpPr>
+          <p:nvPr>
+            <p:ph idx="1"/>
+          </p:nvPr>
+        </p:nvSpPr>
+        <p:spPr/>
+        <p:txBody>
+          <a:bodyPr/>
+          <a:lstStyle/>
+          <a:p>
+            <a:r>
+              <a:rPr lang="de-DE" dirty="0"/>
+              <a:t>Listen dynamisch erstellen (Einträge per Programm hinzufügen)</a:t>
+            </a:r>
+          </a:p>
+          <a:p>
+            <a:r>
+              <a:rPr lang="de-DE" sz="2800" b="1" i="1" dirty="0" err="1">
+                <a:solidFill>
+                  <a:schemeClr val="tx2"/>
+                </a:solidFill>
+              </a:rPr>
+              <a:t>liste</a:t>
+            </a:r>
+            <a:r>
+              <a:rPr lang="de-DE" sz="2800" b="1" dirty="0" err="1">
+                <a:solidFill>
+                  <a:schemeClr val="accent1">
+                    <a:lumMod val="75000"/>
+                  </a:schemeClr>
+                </a:solidFill>
+              </a:rPr>
+              <a:t>.add</a:t>
+            </a:r>
+            <a:r>
+              <a:rPr lang="de-DE" sz="2800" b="1" dirty="0">
+                <a:solidFill>
+                  <a:schemeClr val="accent1">
+                    <a:lumMod val="75000"/>
+                  </a:schemeClr>
+                </a:solidFill>
+              </a:rPr>
+              <a:t>(</a:t>
+            </a:r>
+            <a:r>
+              <a:rPr lang="de-DE" sz="2800" b="1" i="1" dirty="0" err="1">
+                <a:solidFill>
+                  <a:schemeClr val="tx2"/>
+                </a:solidFill>
+              </a:rPr>
+              <a:t>eintrag</a:t>
+            </a:r>
+            <a:r>
+              <a:rPr lang="de-DE" sz="2800" b="1" dirty="0">
+                <a:solidFill>
+                  <a:schemeClr val="accent1">
+                    <a:lumMod val="75000"/>
+                  </a:schemeClr>
+                </a:solidFill>
+              </a:rPr>
+              <a:t>);</a:t>
+            </a:r>
+            <a:endParaRPr lang="de-DE" dirty="0"/>
+          </a:p>
+          <a:p>
+            <a:pPr lvl="1"/>
+            <a:endParaRPr lang="de-DE" sz="2000" b="1" dirty="0">
+              <a:solidFill>
+                <a:schemeClr val="accent1">
+                  <a:lumMod val="75000"/>
+                </a:schemeClr>
+              </a:solidFill>
+            </a:endParaRPr>
+          </a:p>
+        </p:txBody>
+      </p:sp>
+      <p:sp>
+        <p:nvSpPr>
+          <p:cNvPr id="4" name="Datumsplatzhalter 3">
+            <a:extLst>
+              <a:ext uri="{FF2B5EF4-FFF2-40B4-BE49-F238E27FC236}">
+                <a16:creationId xmlns:a16="http://schemas.microsoft.com/office/drawing/2014/main" id="{DCB0860C-D410-4664-8871-9EE5CE04DF19}"/>
+              </a:ext>
+            </a:extLst>
+          </p:cNvPr>
+          <p:cNvSpPr>
+            <a:spLocks noGrp="1"/>
+          </p:cNvSpPr>
+          <p:nvPr>
+            <p:ph type="dt" sz="half" idx="10"/>
+          </p:nvPr>
+        </p:nvSpPr>
+        <p:spPr/>
+        <p:txBody>
+          <a:bodyPr/>
+          <a:lstStyle/>
+          <a:p>
+            <a:fld id="{2BBD85E3-27A5-4125-9DB2-C537C85BBE8A}" type="datetime1">
+              <a:rPr lang="de-DE" smtClean="0"/>
+              <a:t>31.01.2023</a:t>
+            </a:fld>
+            <a:endParaRPr lang="de-DE"/>
+          </a:p>
+        </p:txBody>
+      </p:sp>
+      <p:sp>
+        <p:nvSpPr>
+          <p:cNvPr id="5" name="Fußzeilenplatzhalter 4">
+            <a:extLst>
+              <a:ext uri="{FF2B5EF4-FFF2-40B4-BE49-F238E27FC236}">
+                <a16:creationId xmlns:a16="http://schemas.microsoft.com/office/drawing/2014/main" id="{67537BDA-162A-48AB-A112-A0077123C647}"/>
+              </a:ext>
+            </a:extLst>
+          </p:cNvPr>
+          <p:cNvSpPr>
+            <a:spLocks noGrp="1"/>
+          </p:cNvSpPr>
+          <p:nvPr>
+            <p:ph type="ftr" sz="quarter" idx="11"/>
+          </p:nvPr>
+        </p:nvSpPr>
+        <p:spPr/>
+        <p:txBody>
+          <a:bodyPr/>
+          <a:lstStyle/>
+          <a:p>
+            <a:r>
+              <a:rPr lang="de-DE"/>
+              <a:t>Dart - Programmiersprache für Smartphones</a:t>
+            </a:r>
+          </a:p>
+        </p:txBody>
+      </p:sp>
+      <p:sp>
+        <p:nvSpPr>
+          <p:cNvPr id="6" name="Foliennummernplatzhalter 5">
+            <a:extLst>
+              <a:ext uri="{FF2B5EF4-FFF2-40B4-BE49-F238E27FC236}">
+                <a16:creationId xmlns:a16="http://schemas.microsoft.com/office/drawing/2014/main" id="{8403445F-FB62-452C-A1EC-FB9A32BEB9C2}"/>
+              </a:ext>
+            </a:extLst>
+          </p:cNvPr>
+          <p:cNvSpPr>
+            <a:spLocks noGrp="1"/>
+          </p:cNvSpPr>
+          <p:nvPr>
+            <p:ph type="sldNum" sz="quarter" idx="12"/>
+          </p:nvPr>
+        </p:nvSpPr>
+        <p:spPr/>
+        <p:txBody>
+          <a:bodyPr/>
+          <a:lstStyle/>
+          <a:p>
+            <a:fld id="{3A1F27E2-D58A-4028-9FF2-B12D897F257E}" type="slidenum">
+              <a:rPr lang="de-DE" smtClean="0"/>
+              <a:t>31</a:t>
+            </a:fld>
+            <a:endParaRPr lang="de-DE"/>
+          </a:p>
+        </p:txBody>
+      </p:sp>
+      <p:pic>
+        <p:nvPicPr>
+          <p:cNvPr id="11" name="Picture 10">
+            <a:extLst>
+              <a:ext uri="{FF2B5EF4-FFF2-40B4-BE49-F238E27FC236}">
+                <a16:creationId xmlns:a16="http://schemas.microsoft.com/office/drawing/2014/main" id="{D1DFD1AC-45E9-0F5B-65A0-42AC1FC86537}"/>
+              </a:ext>
+            </a:extLst>
+          </p:cNvPr>
+          <p:cNvPicPr>
+            <a:picLocks noChangeAspect="1"/>
+          </p:cNvPicPr>
+          <p:nvPr/>
+        </p:nvPicPr>
+        <p:blipFill>
+          <a:blip r:embed="rId3"/>
+          <a:stretch>
+            <a:fillRect/>
+          </a:stretch>
+        </p:blipFill>
+        <p:spPr>
+          <a:xfrm>
+            <a:off x="838199" y="2821469"/>
+            <a:ext cx="5844507" cy="2377851"/>
+          </a:xfrm>
+          <a:prstGeom prst="rect">
+            <a:avLst/>
+          </a:prstGeom>
+        </p:spPr>
+      </p:pic>
+    </p:spTree>
+    <p:extLst>
+      <p:ext uri="{BB962C8B-B14F-4D97-AF65-F5344CB8AC3E}">
+        <p14:creationId xmlns:p14="http://schemas.microsoft.com/office/powerpoint/2010/main" val="1809038235"/>
+      </p:ext>
+    </p:extLst>
+  </p:cSld>
+  <p:clrMapOvr>
+    <a:masterClrMapping/>
+  </p:clrMapOvr>
+</p:sld>
+</file>
+
+<file path=ppt/slides/slide32.xml><?xml version="1.0" encoding="utf-8"?>
+<p:sld xmlns:a="http://schemas.openxmlformats.org/drawingml/2006/main" xmlns:r="http://schemas.openxmlformats.org/officeDocument/2006/relationships" xmlns:p="http://schemas.openxmlformats.org/presentationml/2006/main">
+  <p:cSld>
+    <p:spTree>
+      <p:nvGrpSpPr>
+        <p:cNvPr id="1" name=""/>
+        <p:cNvGrpSpPr/>
+        <p:nvPr/>
+      </p:nvGrpSpPr>
+      <p:grpSpPr>
+        <a:xfrm>
+          <a:off x="0" y="0"/>
+          <a:ext cx="0" cy="0"/>
+          <a:chOff x="0" y="0"/>
+          <a:chExt cx="0" cy="0"/>
+        </a:xfrm>
+      </p:grpSpPr>
+      <p:sp>
+        <p:nvSpPr>
+          <p:cNvPr id="2" name="Titel 1">
+            <a:extLst>
+              <a:ext uri="{FF2B5EF4-FFF2-40B4-BE49-F238E27FC236}">
+                <a16:creationId xmlns:a16="http://schemas.microsoft.com/office/drawing/2014/main" id="{B8E6947D-2630-4244-9622-61CFE645C57B}"/>
+              </a:ext>
+            </a:extLst>
+          </p:cNvPr>
+          <p:cNvSpPr>
+            <a:spLocks noGrp="1"/>
+          </p:cNvSpPr>
+          <p:nvPr>
+            <p:ph type="title"/>
+          </p:nvPr>
+        </p:nvSpPr>
+        <p:spPr/>
+        <p:txBody>
+          <a:bodyPr/>
+          <a:lstStyle/>
+          <a:p>
+            <a:r>
+              <a:rPr lang="de-DE" dirty="0"/>
+              <a:t>Dart  - Listen Aufgabe</a:t>
+            </a:r>
+          </a:p>
+        </p:txBody>
+      </p:sp>
+      <p:sp>
+        <p:nvSpPr>
+          <p:cNvPr id="3" name="Inhaltsplatzhalter 2">
+            <a:extLst>
+              <a:ext uri="{FF2B5EF4-FFF2-40B4-BE49-F238E27FC236}">
+                <a16:creationId xmlns:a16="http://schemas.microsoft.com/office/drawing/2014/main" id="{1C7C9EE9-9FFC-4F21-B0C7-4919940AF9CE}"/>
+              </a:ext>
+            </a:extLst>
+          </p:cNvPr>
+          <p:cNvSpPr>
+            <a:spLocks noGrp="1"/>
+          </p:cNvSpPr>
+          <p:nvPr>
+            <p:ph idx="1"/>
+          </p:nvPr>
+        </p:nvSpPr>
+        <p:spPr/>
+        <p:txBody>
+          <a:bodyPr anchor="ctr"/>
+          <a:lstStyle/>
+          <a:p>
+            <a:pPr marL="0" indent="0">
+              <a:buNone/>
+            </a:pPr>
+            <a:r>
+              <a:rPr lang="de-DE" dirty="0"/>
+              <a:t>Erstelle eine Liste der ersten 20 </a:t>
+            </a:r>
+            <a:r>
+              <a:rPr lang="de-DE" dirty="0" err="1"/>
+              <a:t>Fibunacci</a:t>
+            </a:r>
+            <a:r>
+              <a:rPr lang="de-DE" dirty="0"/>
+              <a:t>-Zahlen.</a:t>
+            </a:r>
+          </a:p>
+          <a:p>
+            <a:pPr marL="0" indent="0">
+              <a:buNone/>
+            </a:pPr>
+            <a:r>
+              <a:rPr lang="de-DE"/>
+              <a:t>Gib </a:t>
+            </a:r>
+            <a:r>
+              <a:rPr lang="de-DE" dirty="0"/>
+              <a:t>die letzten </a:t>
+            </a:r>
+            <a:r>
+              <a:rPr lang="de-DE"/>
+              <a:t>3 Elemente dieser Liste aus.</a:t>
+            </a:r>
+            <a:endParaRPr lang="de-DE" dirty="0"/>
+          </a:p>
+        </p:txBody>
+      </p:sp>
+      <p:sp>
+        <p:nvSpPr>
+          <p:cNvPr id="4" name="Datumsplatzhalter 3">
+            <a:extLst>
+              <a:ext uri="{FF2B5EF4-FFF2-40B4-BE49-F238E27FC236}">
+                <a16:creationId xmlns:a16="http://schemas.microsoft.com/office/drawing/2014/main" id="{61ECAA51-4FF1-47B3-B6F7-E0C5B470883F}"/>
+              </a:ext>
+            </a:extLst>
+          </p:cNvPr>
+          <p:cNvSpPr>
+            <a:spLocks noGrp="1"/>
+          </p:cNvSpPr>
+          <p:nvPr>
+            <p:ph type="dt" sz="half" idx="10"/>
+          </p:nvPr>
+        </p:nvSpPr>
+        <p:spPr/>
+        <p:txBody>
+          <a:bodyPr/>
+          <a:lstStyle/>
+          <a:p>
+            <a:fld id="{115AC75E-72B2-486D-BEF5-A13F9B218F2F}" type="datetime1">
+              <a:rPr lang="de-DE" smtClean="0"/>
+              <a:t>31.01.2023</a:t>
+            </a:fld>
+            <a:endParaRPr lang="de-DE"/>
+          </a:p>
+        </p:txBody>
+      </p:sp>
+      <p:sp>
+        <p:nvSpPr>
+          <p:cNvPr id="5" name="Fußzeilenplatzhalter 4">
+            <a:extLst>
+              <a:ext uri="{FF2B5EF4-FFF2-40B4-BE49-F238E27FC236}">
+                <a16:creationId xmlns:a16="http://schemas.microsoft.com/office/drawing/2014/main" id="{30A95F8B-39B8-4BC8-B512-A91B80D4DA0F}"/>
+              </a:ext>
+            </a:extLst>
+          </p:cNvPr>
+          <p:cNvSpPr>
+            <a:spLocks noGrp="1"/>
+          </p:cNvSpPr>
+          <p:nvPr>
+            <p:ph type="ftr" sz="quarter" idx="11"/>
+          </p:nvPr>
+        </p:nvSpPr>
+        <p:spPr/>
+        <p:txBody>
+          <a:bodyPr/>
+          <a:lstStyle/>
+          <a:p>
+            <a:r>
+              <a:rPr lang="de-DE"/>
+              <a:t>Dart - Programmiersprache für Smartphones</a:t>
+            </a:r>
+          </a:p>
+        </p:txBody>
+      </p:sp>
+      <p:sp>
+        <p:nvSpPr>
+          <p:cNvPr id="6" name="Foliennummernplatzhalter 5">
+            <a:extLst>
+              <a:ext uri="{FF2B5EF4-FFF2-40B4-BE49-F238E27FC236}">
+                <a16:creationId xmlns:a16="http://schemas.microsoft.com/office/drawing/2014/main" id="{9E8CFE69-3E47-424A-89C0-19DABB2B8A14}"/>
+              </a:ext>
+            </a:extLst>
+          </p:cNvPr>
+          <p:cNvSpPr>
+            <a:spLocks noGrp="1"/>
+          </p:cNvSpPr>
+          <p:nvPr>
+            <p:ph type="sldNum" sz="quarter" idx="12"/>
+          </p:nvPr>
+        </p:nvSpPr>
+        <p:spPr/>
+        <p:txBody>
+          <a:bodyPr/>
+          <a:lstStyle/>
+          <a:p>
+            <a:fld id="{3A1F27E2-D58A-4028-9FF2-B12D897F257E}" type="slidenum">
+              <a:rPr lang="de-DE" smtClean="0"/>
+              <a:t>32</a:t>
+            </a:fld>
+            <a:endParaRPr lang="de-DE"/>
+          </a:p>
+        </p:txBody>
+      </p:sp>
+    </p:spTree>
+    <p:extLst>
+      <p:ext uri="{BB962C8B-B14F-4D97-AF65-F5344CB8AC3E}">
+        <p14:creationId xmlns:p14="http://schemas.microsoft.com/office/powerpoint/2010/main" val="754825474"/>
       </p:ext>
     </p:extLst>
   </p:cSld>
@@ -12632,7 +15148,7 @@
           <a:p>
             <a:fld id="{DDF7F67B-F411-40A4-BFC4-67CF6BB150A8}" type="datetime1">
               <a:rPr lang="de-DE" smtClean="0"/>
-              <a:t>23.01.2023</a:t>
+              <a:t>31.01.2023</a:t>
             </a:fld>
             <a:endParaRPr lang="de-DE"/>
           </a:p>
@@ -13034,7 +15550,7 @@
           <a:p>
             <a:fld id="{96C0D114-F0DB-443F-9337-40D84E177FDC}" type="datetime1">
               <a:rPr lang="de-DE" smtClean="0"/>
-              <a:t>23.01.2023</a:t>
+              <a:t>31.01.2023</a:t>
             </a:fld>
             <a:endParaRPr lang="de-DE"/>
           </a:p>
@@ -13403,7 +15919,7 @@
           <a:p>
             <a:fld id="{A952138C-0142-4C6B-A620-863AA96BBBE1}" type="datetime1">
               <a:rPr lang="de-DE" smtClean="0"/>
-              <a:t>23.01.2023</a:t>
+              <a:t>31.01.2023</a:t>
             </a:fld>
             <a:endParaRPr lang="de-DE"/>
           </a:p>
@@ -13639,7 +16155,7 @@
           <a:p>
             <a:fld id="{7127E464-1A99-4532-A297-E1D7378D9E61}" type="datetime1">
               <a:rPr lang="de-DE" smtClean="0"/>
-              <a:t>23.01.2023</a:t>
+              <a:t>31.01.2023</a:t>
             </a:fld>
             <a:endParaRPr lang="de-DE"/>
           </a:p>
@@ -14020,7 +16536,7 @@
           <a:p>
             <a:fld id="{77B5C711-A7A8-40A0-AEA6-3F77D4628817}" type="datetime1">
               <a:rPr lang="de-DE" smtClean="0"/>
-              <a:t>23.01.2023</a:t>
+              <a:t>31.01.2023</a:t>
             </a:fld>
             <a:endParaRPr lang="de-DE"/>
           </a:p>
@@ -14399,7 +16915,7 @@
           <a:p>
             <a:fld id="{27A2010A-1149-4F23-80A2-1B4570F18F3A}" type="datetime1">
               <a:rPr lang="de-DE" smtClean="0"/>
-              <a:t>23.01.2023</a:t>
+              <a:t>31.01.2023</a:t>
             </a:fld>
             <a:endParaRPr lang="de-DE"/>
           </a:p>

--- a/presentations/Dart.pptx
+++ b/presentations/Dart.pptx
@@ -6,10 +6,10 @@
     <p:sldMasterId id="2147483656" r:id="rId2"/>
   </p:sldMasterIdLst>
   <p:notesMasterIdLst>
-    <p:notesMasterId r:id="rId35"/>
+    <p:notesMasterId r:id="rId43"/>
   </p:notesMasterIdLst>
   <p:handoutMasterIdLst>
-    <p:handoutMasterId r:id="rId36"/>
+    <p:handoutMasterId r:id="rId44"/>
   </p:handoutMasterIdLst>
   <p:sldIdLst>
     <p:sldId id="256" r:id="rId3"/>
@@ -44,6 +44,14 @@
     <p:sldId id="300" r:id="rId32"/>
     <p:sldId id="310" r:id="rId33"/>
     <p:sldId id="301" r:id="rId34"/>
+    <p:sldId id="308" r:id="rId35"/>
+    <p:sldId id="311" r:id="rId36"/>
+    <p:sldId id="302" r:id="rId37"/>
+    <p:sldId id="303" r:id="rId38"/>
+    <p:sldId id="304" r:id="rId39"/>
+    <p:sldId id="305" r:id="rId40"/>
+    <p:sldId id="306" r:id="rId41"/>
+    <p:sldId id="307" r:id="rId42"/>
   </p:sldIdLst>
   <p:sldSz cx="12192000" cy="6858000"/>
   <p:notesSz cx="6858000" cy="9144000"/>
@@ -217,13 +225,24 @@
           </p14:sldIdLst>
         </p14:section>
         <p14:section name="Map / Dictionary" id="{D4A4C5FB-0BB1-4A3B-B0E1-186A6D1D750D}">
-          <p14:sldIdLst/>
+          <p14:sldIdLst>
+            <p14:sldId id="308"/>
+            <p14:sldId id="311"/>
+          </p14:sldIdLst>
         </p14:section>
         <p14:section name="Methoden" id="{A1A8E00F-B74D-4454-8AF5-7F9D36699E8D}">
-          <p14:sldIdLst/>
+          <p14:sldIdLst>
+            <p14:sldId id="302"/>
+            <p14:sldId id="303"/>
+            <p14:sldId id="304"/>
+          </p14:sldIdLst>
         </p14:section>
         <p14:section name="Funktionen" id="{E0B51D4E-0574-46DB-8EAA-8D0AC9FB54FC}">
-          <p14:sldIdLst/>
+          <p14:sldIdLst>
+            <p14:sldId id="305"/>
+            <p14:sldId id="306"/>
+            <p14:sldId id="307"/>
+          </p14:sldIdLst>
         </p14:section>
         <p14:section name="Named Arguments" id="{6F6084BE-49CE-424A-9BA1-3FE4FD559CA2}">
           <p14:sldIdLst/>
@@ -2971,6 +2990,682 @@
 </p:notes>
 </file>
 
+<file path=ppt/notesSlides/notesSlide24.xml><?xml version="1.0" encoding="utf-8"?>
+<p:notes xmlns:a="http://schemas.openxmlformats.org/drawingml/2006/main" xmlns:r="http://schemas.openxmlformats.org/officeDocument/2006/relationships" xmlns:p="http://schemas.openxmlformats.org/presentationml/2006/main">
+  <p:cSld>
+    <p:spTree>
+      <p:nvGrpSpPr>
+        <p:cNvPr id="1" name=""/>
+        <p:cNvGrpSpPr/>
+        <p:nvPr/>
+      </p:nvGrpSpPr>
+      <p:grpSpPr>
+        <a:xfrm>
+          <a:off x="0" y="0"/>
+          <a:ext cx="0" cy="0"/>
+          <a:chOff x="0" y="0"/>
+          <a:chExt cx="0" cy="0"/>
+        </a:xfrm>
+      </p:grpSpPr>
+      <p:sp>
+        <p:nvSpPr>
+          <p:cNvPr id="2" name="Folienbildplatzhalter 1"/>
+          <p:cNvSpPr>
+            <a:spLocks noGrp="1" noRot="1" noChangeAspect="1"/>
+          </p:cNvSpPr>
+          <p:nvPr>
+            <p:ph type="sldImg"/>
+          </p:nvPr>
+        </p:nvSpPr>
+        <p:spPr>
+          <a:xfrm>
+            <a:off x="685800" y="1143000"/>
+            <a:ext cx="4270375" cy="2401888"/>
+          </a:xfrm>
+        </p:spPr>
+      </p:sp>
+      <p:sp>
+        <p:nvSpPr>
+          <p:cNvPr id="3" name="Notizenplatzhalter 2"/>
+          <p:cNvSpPr>
+            <a:spLocks noGrp="1"/>
+          </p:cNvSpPr>
+          <p:nvPr>
+            <p:ph type="body" idx="1"/>
+          </p:nvPr>
+        </p:nvSpPr>
+        <p:spPr/>
+        <p:txBody>
+          <a:bodyPr/>
+          <a:lstStyle/>
+          <a:p>
+            <a:r>
+              <a:rPr lang="de-DE" dirty="0" err="1"/>
+              <a:t>Map</a:t>
+            </a:r>
+            <a:r>
+              <a:rPr lang="de-DE" dirty="0"/>
+              <a:t> ≠ Karte, sondern </a:t>
+            </a:r>
+            <a:r>
+              <a:rPr lang="de-DE" dirty="0" err="1"/>
+              <a:t>Map</a:t>
+            </a:r>
+            <a:r>
+              <a:rPr lang="de-DE" dirty="0"/>
+              <a:t> = Abbild</a:t>
+            </a:r>
+          </a:p>
+          <a:p>
+            <a:endParaRPr lang="de-DE" dirty="0"/>
+          </a:p>
+        </p:txBody>
+      </p:sp>
+      <p:sp>
+        <p:nvSpPr>
+          <p:cNvPr id="4" name="Foliennummernplatzhalter 3"/>
+          <p:cNvSpPr>
+            <a:spLocks noGrp="1"/>
+          </p:cNvSpPr>
+          <p:nvPr>
+            <p:ph type="sldNum" sz="quarter" idx="5"/>
+          </p:nvPr>
+        </p:nvSpPr>
+        <p:spPr/>
+        <p:txBody>
+          <a:bodyPr/>
+          <a:lstStyle/>
+          <a:p>
+            <a:fld id="{927DBD90-B360-417B-B4B3-F05A4AFC1996}" type="slidenum">
+              <a:rPr lang="de-DE" smtClean="0"/>
+              <a:pPr/>
+              <a:t>33</a:t>
+            </a:fld>
+            <a:endParaRPr lang="de-DE"/>
+          </a:p>
+        </p:txBody>
+      </p:sp>
+    </p:spTree>
+    <p:extLst>
+      <p:ext uri="{BB962C8B-B14F-4D97-AF65-F5344CB8AC3E}">
+        <p14:creationId xmlns:p14="http://schemas.microsoft.com/office/powerpoint/2010/main" val="2557453124"/>
+      </p:ext>
+    </p:extLst>
+  </p:cSld>
+  <p:clrMapOvr>
+    <a:masterClrMapping/>
+  </p:clrMapOvr>
+</p:notes>
+</file>
+
+<file path=ppt/notesSlides/notesSlide25.xml><?xml version="1.0" encoding="utf-8"?>
+<p:notes xmlns:a="http://schemas.openxmlformats.org/drawingml/2006/main" xmlns:r="http://schemas.openxmlformats.org/officeDocument/2006/relationships" xmlns:p="http://schemas.openxmlformats.org/presentationml/2006/main">
+  <p:cSld>
+    <p:spTree>
+      <p:nvGrpSpPr>
+        <p:cNvPr id="1" name=""/>
+        <p:cNvGrpSpPr/>
+        <p:nvPr/>
+      </p:nvGrpSpPr>
+      <p:grpSpPr>
+        <a:xfrm>
+          <a:off x="0" y="0"/>
+          <a:ext cx="0" cy="0"/>
+          <a:chOff x="0" y="0"/>
+          <a:chExt cx="0" cy="0"/>
+        </a:xfrm>
+      </p:grpSpPr>
+      <p:sp>
+        <p:nvSpPr>
+          <p:cNvPr id="2" name="Folienbildplatzhalter 1"/>
+          <p:cNvSpPr>
+            <a:spLocks noGrp="1" noRot="1" noChangeAspect="1"/>
+          </p:cNvSpPr>
+          <p:nvPr>
+            <p:ph type="sldImg"/>
+          </p:nvPr>
+        </p:nvSpPr>
+        <p:spPr>
+          <a:xfrm>
+            <a:off x="685800" y="1143000"/>
+            <a:ext cx="4270375" cy="2401888"/>
+          </a:xfrm>
+        </p:spPr>
+      </p:sp>
+      <p:sp>
+        <p:nvSpPr>
+          <p:cNvPr id="3" name="Notizenplatzhalter 2"/>
+          <p:cNvSpPr>
+            <a:spLocks noGrp="1"/>
+          </p:cNvSpPr>
+          <p:nvPr>
+            <p:ph type="body" idx="1"/>
+          </p:nvPr>
+        </p:nvSpPr>
+        <p:spPr/>
+        <p:txBody>
+          <a:bodyPr/>
+          <a:lstStyle/>
+          <a:p>
+            <a:r>
+              <a:rPr lang="de-DE" dirty="0"/>
+              <a:t>Was wir bisher schon immer hatten, </a:t>
+            </a:r>
+            <a:r>
+              <a:rPr lang="de-DE" dirty="0" err="1"/>
+              <a:t>void</a:t>
+            </a:r>
+            <a:r>
+              <a:rPr lang="de-DE" dirty="0"/>
+              <a:t> </a:t>
+            </a:r>
+            <a:r>
+              <a:rPr lang="de-DE" dirty="0" err="1"/>
+              <a:t>main</a:t>
+            </a:r>
+            <a:r>
+              <a:rPr lang="de-DE" dirty="0"/>
+              <a:t>() {…} ist auch eine Methode.</a:t>
+            </a:r>
+          </a:p>
+          <a:p>
+            <a:r>
+              <a:rPr lang="de-DE" dirty="0"/>
+              <a:t>Diese Methode ist speziell, weil sie beim Start der Datei ausgeführt wird.</a:t>
+            </a:r>
+          </a:p>
+          <a:p>
+            <a:endParaRPr lang="de-DE" dirty="0"/>
+          </a:p>
+          <a:p>
+            <a:r>
+              <a:rPr lang="de-DE" dirty="0"/>
+              <a:t>Hinweis für erfahrene Entwickler:</a:t>
+            </a:r>
+          </a:p>
+          <a:p>
+            <a:r>
+              <a:rPr lang="de-DE" dirty="0"/>
+              <a:t>Es ist empfohlen "</a:t>
+            </a:r>
+            <a:r>
+              <a:rPr lang="de-DE" dirty="0" err="1"/>
+              <a:t>void</a:t>
+            </a:r>
+            <a:r>
+              <a:rPr lang="de-DE" dirty="0"/>
+              <a:t>" zu verwenden, auch wenn der Code ohne "</a:t>
+            </a:r>
+            <a:r>
+              <a:rPr lang="de-DE" dirty="0" err="1"/>
+              <a:t>void</a:t>
+            </a:r>
+            <a:r>
+              <a:rPr lang="de-DE" dirty="0"/>
+              <a:t>" funktionieren würde.</a:t>
+            </a:r>
+          </a:p>
+          <a:p>
+            <a:r>
+              <a:rPr lang="de-DE" dirty="0"/>
+              <a:t>Mit dem Schlüsselwort "</a:t>
+            </a:r>
+            <a:r>
+              <a:rPr lang="de-DE" dirty="0" err="1"/>
+              <a:t>void</a:t>
+            </a:r>
+            <a:r>
+              <a:rPr lang="de-DE" dirty="0"/>
+              <a:t>" erhält man aber zusätzliche Prüfungen, z.B. ob versucht wird, den nicht vorhandenen Rückgabewert zuzuweisen.</a:t>
+            </a:r>
+          </a:p>
+        </p:txBody>
+      </p:sp>
+      <p:sp>
+        <p:nvSpPr>
+          <p:cNvPr id="4" name="Foliennummernplatzhalter 3"/>
+          <p:cNvSpPr>
+            <a:spLocks noGrp="1"/>
+          </p:cNvSpPr>
+          <p:nvPr>
+            <p:ph type="sldNum" sz="quarter" idx="5"/>
+          </p:nvPr>
+        </p:nvSpPr>
+        <p:spPr/>
+        <p:txBody>
+          <a:bodyPr/>
+          <a:lstStyle/>
+          <a:p>
+            <a:fld id="{927DBD90-B360-417B-B4B3-F05A4AFC1996}" type="slidenum">
+              <a:rPr lang="de-DE" smtClean="0"/>
+              <a:pPr/>
+              <a:t>35</a:t>
+            </a:fld>
+            <a:endParaRPr lang="de-DE"/>
+          </a:p>
+        </p:txBody>
+      </p:sp>
+    </p:spTree>
+    <p:extLst>
+      <p:ext uri="{BB962C8B-B14F-4D97-AF65-F5344CB8AC3E}">
+        <p14:creationId xmlns:p14="http://schemas.microsoft.com/office/powerpoint/2010/main" val="188613444"/>
+      </p:ext>
+    </p:extLst>
+  </p:cSld>
+  <p:clrMapOvr>
+    <a:masterClrMapping/>
+  </p:clrMapOvr>
+</p:notes>
+</file>
+
+<file path=ppt/notesSlides/notesSlide26.xml><?xml version="1.0" encoding="utf-8"?>
+<p:notes xmlns:a="http://schemas.openxmlformats.org/drawingml/2006/main" xmlns:r="http://schemas.openxmlformats.org/officeDocument/2006/relationships" xmlns:p="http://schemas.openxmlformats.org/presentationml/2006/main">
+  <p:cSld>
+    <p:spTree>
+      <p:nvGrpSpPr>
+        <p:cNvPr id="1" name=""/>
+        <p:cNvGrpSpPr/>
+        <p:nvPr/>
+      </p:nvGrpSpPr>
+      <p:grpSpPr>
+        <a:xfrm>
+          <a:off x="0" y="0"/>
+          <a:ext cx="0" cy="0"/>
+          <a:chOff x="0" y="0"/>
+          <a:chExt cx="0" cy="0"/>
+        </a:xfrm>
+      </p:grpSpPr>
+      <p:sp>
+        <p:nvSpPr>
+          <p:cNvPr id="2" name="Folienbildplatzhalter 1"/>
+          <p:cNvSpPr>
+            <a:spLocks noGrp="1" noRot="1" noChangeAspect="1"/>
+          </p:cNvSpPr>
+          <p:nvPr>
+            <p:ph type="sldImg"/>
+          </p:nvPr>
+        </p:nvSpPr>
+        <p:spPr>
+          <a:xfrm>
+            <a:off x="685800" y="1143000"/>
+            <a:ext cx="4270375" cy="2401888"/>
+          </a:xfrm>
+        </p:spPr>
+      </p:sp>
+      <p:sp>
+        <p:nvSpPr>
+          <p:cNvPr id="3" name="Notizenplatzhalter 2"/>
+          <p:cNvSpPr>
+            <a:spLocks noGrp="1"/>
+          </p:cNvSpPr>
+          <p:nvPr>
+            <p:ph type="body" idx="1"/>
+          </p:nvPr>
+        </p:nvSpPr>
+        <p:spPr/>
+        <p:txBody>
+          <a:bodyPr/>
+          <a:lstStyle/>
+          <a:p>
+            <a:r>
+              <a:rPr lang="de-DE" dirty="0"/>
+              <a:t>In der Programmierumgebung wird kein Fehler angezeigt.</a:t>
+            </a:r>
+          </a:p>
+          <a:p>
+            <a:r>
+              <a:rPr lang="de-DE" dirty="0"/>
+              <a:t>Beim Ausführen tritt aber ein Fehler auf.</a:t>
+            </a:r>
+          </a:p>
+          <a:p>
+            <a:endParaRPr lang="de-DE" dirty="0"/>
+          </a:p>
+        </p:txBody>
+      </p:sp>
+      <p:sp>
+        <p:nvSpPr>
+          <p:cNvPr id="4" name="Foliennummernplatzhalter 3"/>
+          <p:cNvSpPr>
+            <a:spLocks noGrp="1"/>
+          </p:cNvSpPr>
+          <p:nvPr>
+            <p:ph type="sldNum" sz="quarter" idx="5"/>
+          </p:nvPr>
+        </p:nvSpPr>
+        <p:spPr/>
+        <p:txBody>
+          <a:bodyPr/>
+          <a:lstStyle/>
+          <a:p>
+            <a:fld id="{927DBD90-B360-417B-B4B3-F05A4AFC1996}" type="slidenum">
+              <a:rPr lang="de-DE" smtClean="0"/>
+              <a:pPr/>
+              <a:t>36</a:t>
+            </a:fld>
+            <a:endParaRPr lang="de-DE"/>
+          </a:p>
+        </p:txBody>
+      </p:sp>
+    </p:spTree>
+    <p:extLst>
+      <p:ext uri="{BB962C8B-B14F-4D97-AF65-F5344CB8AC3E}">
+        <p14:creationId xmlns:p14="http://schemas.microsoft.com/office/powerpoint/2010/main" val="1117887279"/>
+      </p:ext>
+    </p:extLst>
+  </p:cSld>
+  <p:clrMapOvr>
+    <a:masterClrMapping/>
+  </p:clrMapOvr>
+</p:notes>
+</file>
+
+<file path=ppt/notesSlides/notesSlide27.xml><?xml version="1.0" encoding="utf-8"?>
+<p:notes xmlns:a="http://schemas.openxmlformats.org/drawingml/2006/main" xmlns:r="http://schemas.openxmlformats.org/officeDocument/2006/relationships" xmlns:p="http://schemas.openxmlformats.org/presentationml/2006/main">
+  <p:cSld>
+    <p:spTree>
+      <p:nvGrpSpPr>
+        <p:cNvPr id="1" name=""/>
+        <p:cNvGrpSpPr/>
+        <p:nvPr/>
+      </p:nvGrpSpPr>
+      <p:grpSpPr>
+        <a:xfrm>
+          <a:off x="0" y="0"/>
+          <a:ext cx="0" cy="0"/>
+          <a:chOff x="0" y="0"/>
+          <a:chExt cx="0" cy="0"/>
+        </a:xfrm>
+      </p:grpSpPr>
+      <p:sp>
+        <p:nvSpPr>
+          <p:cNvPr id="2" name="Folienbildplatzhalter 1"/>
+          <p:cNvSpPr>
+            <a:spLocks noGrp="1" noRot="1" noChangeAspect="1"/>
+          </p:cNvSpPr>
+          <p:nvPr>
+            <p:ph type="sldImg"/>
+          </p:nvPr>
+        </p:nvSpPr>
+        <p:spPr>
+          <a:xfrm>
+            <a:off x="685800" y="1143000"/>
+            <a:ext cx="4270375" cy="2401888"/>
+          </a:xfrm>
+        </p:spPr>
+      </p:sp>
+      <p:sp>
+        <p:nvSpPr>
+          <p:cNvPr id="3" name="Notizenplatzhalter 2"/>
+          <p:cNvSpPr>
+            <a:spLocks noGrp="1"/>
+          </p:cNvSpPr>
+          <p:nvPr>
+            <p:ph type="body" idx="1"/>
+          </p:nvPr>
+        </p:nvSpPr>
+        <p:spPr/>
+        <p:txBody>
+          <a:bodyPr/>
+          <a:lstStyle/>
+          <a:p>
+            <a:r>
+              <a:rPr lang="de-DE" dirty="0"/>
+              <a:t>Was gibt es für Datentypen?</a:t>
+            </a:r>
+          </a:p>
+          <a:p>
+            <a:r>
+              <a:rPr lang="de-DE" dirty="0" err="1"/>
+              <a:t>int</a:t>
+            </a:r>
+            <a:r>
+              <a:rPr lang="de-DE" dirty="0"/>
+              <a:t> für Ganzzahlen</a:t>
+            </a:r>
+          </a:p>
+          <a:p>
+            <a:r>
+              <a:rPr lang="de-DE" dirty="0"/>
+              <a:t>double für Kommazahlen</a:t>
+            </a:r>
+          </a:p>
+          <a:p>
+            <a:r>
+              <a:rPr lang="de-DE" dirty="0"/>
+              <a:t>String für Texte</a:t>
+            </a:r>
+          </a:p>
+        </p:txBody>
+      </p:sp>
+      <p:sp>
+        <p:nvSpPr>
+          <p:cNvPr id="4" name="Foliennummernplatzhalter 3"/>
+          <p:cNvSpPr>
+            <a:spLocks noGrp="1"/>
+          </p:cNvSpPr>
+          <p:nvPr>
+            <p:ph type="sldNum" sz="quarter" idx="5"/>
+          </p:nvPr>
+        </p:nvSpPr>
+        <p:spPr/>
+        <p:txBody>
+          <a:bodyPr/>
+          <a:lstStyle/>
+          <a:p>
+            <a:fld id="{927DBD90-B360-417B-B4B3-F05A4AFC1996}" type="slidenum">
+              <a:rPr lang="de-DE" smtClean="0"/>
+              <a:pPr/>
+              <a:t>37</a:t>
+            </a:fld>
+            <a:endParaRPr lang="de-DE"/>
+          </a:p>
+        </p:txBody>
+      </p:sp>
+    </p:spTree>
+    <p:extLst>
+      <p:ext uri="{BB962C8B-B14F-4D97-AF65-F5344CB8AC3E}">
+        <p14:creationId xmlns:p14="http://schemas.microsoft.com/office/powerpoint/2010/main" val="1610905615"/>
+      </p:ext>
+    </p:extLst>
+  </p:cSld>
+  <p:clrMapOvr>
+    <a:masterClrMapping/>
+  </p:clrMapOvr>
+</p:notes>
+</file>
+
+<file path=ppt/notesSlides/notesSlide28.xml><?xml version="1.0" encoding="utf-8"?>
+<p:notes xmlns:a="http://schemas.openxmlformats.org/drawingml/2006/main" xmlns:r="http://schemas.openxmlformats.org/officeDocument/2006/relationships" xmlns:p="http://schemas.openxmlformats.org/presentationml/2006/main">
+  <p:cSld>
+    <p:spTree>
+      <p:nvGrpSpPr>
+        <p:cNvPr id="1" name=""/>
+        <p:cNvGrpSpPr/>
+        <p:nvPr/>
+      </p:nvGrpSpPr>
+      <p:grpSpPr>
+        <a:xfrm>
+          <a:off x="0" y="0"/>
+          <a:ext cx="0" cy="0"/>
+          <a:chOff x="0" y="0"/>
+          <a:chExt cx="0" cy="0"/>
+        </a:xfrm>
+      </p:grpSpPr>
+      <p:sp>
+        <p:nvSpPr>
+          <p:cNvPr id="2" name="Folienbildplatzhalter 1"/>
+          <p:cNvSpPr>
+            <a:spLocks noGrp="1" noRot="1" noChangeAspect="1"/>
+          </p:cNvSpPr>
+          <p:nvPr>
+            <p:ph type="sldImg"/>
+          </p:nvPr>
+        </p:nvSpPr>
+        <p:spPr>
+          <a:xfrm>
+            <a:off x="685800" y="1143000"/>
+            <a:ext cx="4270375" cy="2401888"/>
+          </a:xfrm>
+        </p:spPr>
+      </p:sp>
+      <p:sp>
+        <p:nvSpPr>
+          <p:cNvPr id="3" name="Notizenplatzhalter 2"/>
+          <p:cNvSpPr>
+            <a:spLocks noGrp="1"/>
+          </p:cNvSpPr>
+          <p:nvPr>
+            <p:ph type="body" idx="1"/>
+          </p:nvPr>
+        </p:nvSpPr>
+        <p:spPr/>
+        <p:txBody>
+          <a:bodyPr/>
+          <a:lstStyle/>
+          <a:p>
+            <a:r>
+              <a:rPr lang="de-DE" dirty="0"/>
+              <a:t>Auch Funktionen haben wir schon benutzt, zum Beispiel </a:t>
+            </a:r>
+            <a:r>
+              <a:rPr lang="de-DE" dirty="0" err="1"/>
+              <a:t>math.pow</a:t>
+            </a:r>
+            <a:r>
+              <a:rPr lang="de-DE" dirty="0"/>
+              <a:t>().</a:t>
+            </a:r>
+          </a:p>
+        </p:txBody>
+      </p:sp>
+      <p:sp>
+        <p:nvSpPr>
+          <p:cNvPr id="4" name="Foliennummernplatzhalter 3"/>
+          <p:cNvSpPr>
+            <a:spLocks noGrp="1"/>
+          </p:cNvSpPr>
+          <p:nvPr>
+            <p:ph type="sldNum" sz="quarter" idx="5"/>
+          </p:nvPr>
+        </p:nvSpPr>
+        <p:spPr/>
+        <p:txBody>
+          <a:bodyPr/>
+          <a:lstStyle/>
+          <a:p>
+            <a:fld id="{927DBD90-B360-417B-B4B3-F05A4AFC1996}" type="slidenum">
+              <a:rPr lang="de-DE" smtClean="0"/>
+              <a:pPr/>
+              <a:t>38</a:t>
+            </a:fld>
+            <a:endParaRPr lang="de-DE"/>
+          </a:p>
+        </p:txBody>
+      </p:sp>
+    </p:spTree>
+    <p:extLst>
+      <p:ext uri="{BB962C8B-B14F-4D97-AF65-F5344CB8AC3E}">
+        <p14:creationId xmlns:p14="http://schemas.microsoft.com/office/powerpoint/2010/main" val="3960663427"/>
+      </p:ext>
+    </p:extLst>
+  </p:cSld>
+  <p:clrMapOvr>
+    <a:masterClrMapping/>
+  </p:clrMapOvr>
+</p:notes>
+</file>
+
+<file path=ppt/notesSlides/notesSlide29.xml><?xml version="1.0" encoding="utf-8"?>
+<p:notes xmlns:a="http://schemas.openxmlformats.org/drawingml/2006/main" xmlns:r="http://schemas.openxmlformats.org/officeDocument/2006/relationships" xmlns:p="http://schemas.openxmlformats.org/presentationml/2006/main">
+  <p:cSld>
+    <p:spTree>
+      <p:nvGrpSpPr>
+        <p:cNvPr id="1" name=""/>
+        <p:cNvGrpSpPr/>
+        <p:nvPr/>
+      </p:nvGrpSpPr>
+      <p:grpSpPr>
+        <a:xfrm>
+          <a:off x="0" y="0"/>
+          <a:ext cx="0" cy="0"/>
+          <a:chOff x="0" y="0"/>
+          <a:chExt cx="0" cy="0"/>
+        </a:xfrm>
+      </p:grpSpPr>
+      <p:sp>
+        <p:nvSpPr>
+          <p:cNvPr id="2" name="Folienbildplatzhalter 1"/>
+          <p:cNvSpPr>
+            <a:spLocks noGrp="1" noRot="1" noChangeAspect="1"/>
+          </p:cNvSpPr>
+          <p:nvPr>
+            <p:ph type="sldImg"/>
+          </p:nvPr>
+        </p:nvSpPr>
+        <p:spPr>
+          <a:xfrm>
+            <a:off x="685800" y="1143000"/>
+            <a:ext cx="4270375" cy="2401888"/>
+          </a:xfrm>
+        </p:spPr>
+      </p:sp>
+      <p:sp>
+        <p:nvSpPr>
+          <p:cNvPr id="3" name="Notizenplatzhalter 2"/>
+          <p:cNvSpPr>
+            <a:spLocks noGrp="1"/>
+          </p:cNvSpPr>
+          <p:nvPr>
+            <p:ph type="body" idx="1"/>
+          </p:nvPr>
+        </p:nvSpPr>
+        <p:spPr/>
+        <p:txBody>
+          <a:bodyPr/>
+          <a:lstStyle/>
+          <a:p>
+            <a:endParaRPr lang="de-DE" dirty="0"/>
+          </a:p>
+        </p:txBody>
+      </p:sp>
+      <p:sp>
+        <p:nvSpPr>
+          <p:cNvPr id="4" name="Foliennummernplatzhalter 3"/>
+          <p:cNvSpPr>
+            <a:spLocks noGrp="1"/>
+          </p:cNvSpPr>
+          <p:nvPr>
+            <p:ph type="sldNum" sz="quarter" idx="5"/>
+          </p:nvPr>
+        </p:nvSpPr>
+        <p:spPr/>
+        <p:txBody>
+          <a:bodyPr/>
+          <a:lstStyle/>
+          <a:p>
+            <a:fld id="{927DBD90-B360-417B-B4B3-F05A4AFC1996}" type="slidenum">
+              <a:rPr lang="de-DE" smtClean="0"/>
+              <a:pPr/>
+              <a:t>39</a:t>
+            </a:fld>
+            <a:endParaRPr lang="de-DE"/>
+          </a:p>
+        </p:txBody>
+      </p:sp>
+    </p:spTree>
+    <p:extLst>
+      <p:ext uri="{BB962C8B-B14F-4D97-AF65-F5344CB8AC3E}">
+        <p14:creationId xmlns:p14="http://schemas.microsoft.com/office/powerpoint/2010/main" val="540679312"/>
+      </p:ext>
+    </p:extLst>
+  </p:cSld>
+  <p:clrMapOvr>
+    <a:masterClrMapping/>
+  </p:clrMapOvr>
+</p:notes>
+</file>
+
 <file path=ppt/notesSlides/notesSlide3.xml><?xml version="1.0" encoding="utf-8"?>
 <p:notes xmlns:a="http://schemas.openxmlformats.org/drawingml/2006/main" xmlns:r="http://schemas.openxmlformats.org/officeDocument/2006/relationships" xmlns:p="http://schemas.openxmlformats.org/presentationml/2006/main">
   <p:cSld>
@@ -3082,6 +3777,163 @@
     <p:extLst>
       <p:ext uri="{BB962C8B-B14F-4D97-AF65-F5344CB8AC3E}">
         <p14:creationId xmlns:p14="http://schemas.microsoft.com/office/powerpoint/2010/main" val="1847169918"/>
+      </p:ext>
+    </p:extLst>
+  </p:cSld>
+  <p:clrMapOvr>
+    <a:masterClrMapping/>
+  </p:clrMapOvr>
+</p:notes>
+</file>
+
+<file path=ppt/notesSlides/notesSlide30.xml><?xml version="1.0" encoding="utf-8"?>
+<p:notes xmlns:a="http://schemas.openxmlformats.org/drawingml/2006/main" xmlns:r="http://schemas.openxmlformats.org/officeDocument/2006/relationships" xmlns:p="http://schemas.openxmlformats.org/presentationml/2006/main">
+  <p:cSld>
+    <p:spTree>
+      <p:nvGrpSpPr>
+        <p:cNvPr id="1" name=""/>
+        <p:cNvGrpSpPr/>
+        <p:nvPr/>
+      </p:nvGrpSpPr>
+      <p:grpSpPr>
+        <a:xfrm>
+          <a:off x="0" y="0"/>
+          <a:ext cx="0" cy="0"/>
+          <a:chOff x="0" y="0"/>
+          <a:chExt cx="0" cy="0"/>
+        </a:xfrm>
+      </p:grpSpPr>
+      <p:sp>
+        <p:nvSpPr>
+          <p:cNvPr id="2" name="Folienbildplatzhalter 1"/>
+          <p:cNvSpPr>
+            <a:spLocks noGrp="1" noRot="1" noChangeAspect="1"/>
+          </p:cNvSpPr>
+          <p:nvPr>
+            <p:ph type="sldImg"/>
+          </p:nvPr>
+        </p:nvSpPr>
+        <p:spPr>
+          <a:xfrm>
+            <a:off x="685800" y="1143000"/>
+            <a:ext cx="4270375" cy="2401888"/>
+          </a:xfrm>
+        </p:spPr>
+      </p:sp>
+      <p:sp>
+        <p:nvSpPr>
+          <p:cNvPr id="3" name="Notizenplatzhalter 2"/>
+          <p:cNvSpPr>
+            <a:spLocks noGrp="1"/>
+          </p:cNvSpPr>
+          <p:nvPr>
+            <p:ph type="body" idx="1"/>
+          </p:nvPr>
+        </p:nvSpPr>
+        <p:spPr/>
+        <p:txBody>
+          <a:bodyPr/>
+          <a:lstStyle/>
+          <a:p>
+            <a:r>
+              <a:rPr lang="de-DE" dirty="0"/>
+              <a:t>Das neutrale Element (https://de.wikipedia.org/wiki/Neutrales_Element) (</a:t>
+            </a:r>
+            <a:r>
+              <a:rPr lang="de-DE" dirty="0" err="1"/>
+              <a:t>engl</a:t>
+            </a:r>
+            <a:r>
+              <a:rPr lang="de-DE" dirty="0"/>
+              <a:t>: </a:t>
+            </a:r>
+            <a:r>
+              <a:rPr lang="de-DE" dirty="0" err="1"/>
+              <a:t>identity</a:t>
+            </a:r>
+            <a:r>
+              <a:rPr lang="de-DE" dirty="0"/>
+              <a:t> </a:t>
+            </a:r>
+            <a:r>
+              <a:rPr lang="de-DE" dirty="0" err="1"/>
+              <a:t>element</a:t>
+            </a:r>
+            <a:r>
+              <a:rPr lang="de-DE" dirty="0"/>
+              <a:t>) für die Minimum-Funktion ist +∞.</a:t>
+            </a:r>
+          </a:p>
+          <a:p>
+            <a:r>
+              <a:rPr lang="de-DE" dirty="0"/>
+              <a:t>+∞ gibt es beim Datentyp </a:t>
+            </a:r>
+            <a:r>
+              <a:rPr lang="de-DE" dirty="0" err="1"/>
+              <a:t>int</a:t>
+            </a:r>
+            <a:r>
+              <a:rPr lang="de-DE" dirty="0"/>
+              <a:t> nicht. Es gibt in Dart wohl auch keine Konstante, die den Maximalwert definiert.</a:t>
+            </a:r>
+          </a:p>
+          <a:p>
+            <a:r>
+              <a:rPr lang="de-DE" dirty="0" err="1"/>
+              <a:t>const</a:t>
+            </a:r>
+            <a:r>
+              <a:rPr lang="de-DE" dirty="0"/>
+              <a:t> </a:t>
+            </a:r>
+            <a:r>
+              <a:rPr lang="de-DE" dirty="0" err="1"/>
+              <a:t>int</a:t>
+            </a:r>
+            <a:r>
+              <a:rPr lang="de-DE" dirty="0"/>
+              <a:t> </a:t>
+            </a:r>
+            <a:r>
+              <a:rPr lang="de-DE" dirty="0" err="1"/>
+              <a:t>intMaxValue</a:t>
+            </a:r>
+            <a:r>
+              <a:rPr lang="de-DE" dirty="0"/>
+              <a:t> = 9007199254740991; https://stackoverflow.com/a/60358200/480982 </a:t>
+            </a:r>
+          </a:p>
+        </p:txBody>
+      </p:sp>
+      <p:sp>
+        <p:nvSpPr>
+          <p:cNvPr id="4" name="Foliennummernplatzhalter 3"/>
+          <p:cNvSpPr>
+            <a:spLocks noGrp="1"/>
+          </p:cNvSpPr>
+          <p:nvPr>
+            <p:ph type="sldNum" sz="quarter" idx="5"/>
+          </p:nvPr>
+        </p:nvSpPr>
+        <p:spPr/>
+        <p:txBody>
+          <a:bodyPr/>
+          <a:lstStyle/>
+          <a:p>
+            <a:fld id="{927DBD90-B360-417B-B4B3-F05A4AFC1996}" type="slidenum">
+              <a:rPr lang="de-DE" smtClean="0"/>
+              <a:pPr/>
+              <a:t>40</a:t>
+            </a:fld>
+            <a:endParaRPr lang="de-DE"/>
+          </a:p>
+        </p:txBody>
+      </p:sp>
+    </p:spTree>
+    <p:extLst>
+      <p:ext uri="{BB962C8B-B14F-4D97-AF65-F5344CB8AC3E}">
+        <p14:creationId xmlns:p14="http://schemas.microsoft.com/office/powerpoint/2010/main" val="3080275828"/>
       </p:ext>
     </p:extLst>
   </p:cSld>
@@ -14925,6 +15777,2556 @@
 </p:sld>
 </file>
 
+<file path=ppt/slides/slide33.xml><?xml version="1.0" encoding="utf-8"?>
+<p:sld xmlns:a="http://schemas.openxmlformats.org/drawingml/2006/main" xmlns:r="http://schemas.openxmlformats.org/officeDocument/2006/relationships" xmlns:p="http://schemas.openxmlformats.org/presentationml/2006/main">
+  <p:cSld>
+    <p:spTree>
+      <p:nvGrpSpPr>
+        <p:cNvPr id="1" name=""/>
+        <p:cNvGrpSpPr/>
+        <p:nvPr/>
+      </p:nvGrpSpPr>
+      <p:grpSpPr>
+        <a:xfrm>
+          <a:off x="0" y="0"/>
+          <a:ext cx="0" cy="0"/>
+          <a:chOff x="0" y="0"/>
+          <a:chExt cx="0" cy="0"/>
+        </a:xfrm>
+      </p:grpSpPr>
+      <p:sp>
+        <p:nvSpPr>
+          <p:cNvPr id="2" name="Titel 1">
+            <a:extLst>
+              <a:ext uri="{FF2B5EF4-FFF2-40B4-BE49-F238E27FC236}">
+                <a16:creationId xmlns:a16="http://schemas.microsoft.com/office/drawing/2014/main" id="{6E17C20D-DCC9-4EBA-9E5B-8A9E0D8011CB}"/>
+              </a:ext>
+            </a:extLst>
+          </p:cNvPr>
+          <p:cNvSpPr>
+            <a:spLocks noGrp="1"/>
+          </p:cNvSpPr>
+          <p:nvPr>
+            <p:ph type="title"/>
+          </p:nvPr>
+        </p:nvSpPr>
+        <p:spPr/>
+        <p:txBody>
+          <a:bodyPr/>
+          <a:lstStyle/>
+          <a:p>
+            <a:r>
+              <a:rPr lang="de-DE" dirty="0"/>
+              <a:t>Dart  - </a:t>
+            </a:r>
+            <a:r>
+              <a:rPr lang="de-DE" dirty="0" err="1"/>
+              <a:t>Map</a:t>
+            </a:r>
+            <a:endParaRPr lang="de-DE" dirty="0"/>
+          </a:p>
+        </p:txBody>
+      </p:sp>
+      <p:sp>
+        <p:nvSpPr>
+          <p:cNvPr id="3" name="Inhaltsplatzhalter 2">
+            <a:extLst>
+              <a:ext uri="{FF2B5EF4-FFF2-40B4-BE49-F238E27FC236}">
+                <a16:creationId xmlns:a16="http://schemas.microsoft.com/office/drawing/2014/main" id="{3EFDDC73-27A8-47DF-AF26-77B387595E28}"/>
+              </a:ext>
+            </a:extLst>
+          </p:cNvPr>
+          <p:cNvSpPr>
+            <a:spLocks noGrp="1"/>
+          </p:cNvSpPr>
+          <p:nvPr>
+            <p:ph idx="1"/>
+          </p:nvPr>
+        </p:nvSpPr>
+        <p:spPr/>
+        <p:txBody>
+          <a:bodyPr/>
+          <a:lstStyle/>
+          <a:p>
+            <a:r>
+              <a:rPr lang="de-DE" dirty="0" err="1"/>
+              <a:t>Map</a:t>
+            </a:r>
+            <a:r>
+              <a:rPr lang="de-DE" dirty="0"/>
+              <a:t>: Abbildung</a:t>
+            </a:r>
+          </a:p>
+          <a:p>
+            <a:r>
+              <a:rPr lang="de-DE" dirty="0"/>
+              <a:t>Abbildung von einem Wert (Key) auf einen anderen (Value)</a:t>
+            </a:r>
+            <a:br>
+              <a:rPr lang="de-DE" dirty="0"/>
+            </a:br>
+            <a:r>
+              <a:rPr lang="de-DE" sz="2800" b="1" dirty="0" err="1">
+                <a:solidFill>
+                  <a:schemeClr val="accent1">
+                    <a:lumMod val="75000"/>
+                  </a:schemeClr>
+                </a:solidFill>
+              </a:rPr>
+              <a:t>var</a:t>
+            </a:r>
+            <a:r>
+              <a:rPr lang="de-DE" sz="2800" b="1" dirty="0">
+                <a:solidFill>
+                  <a:schemeClr val="accent1">
+                    <a:lumMod val="75000"/>
+                  </a:schemeClr>
+                </a:solidFill>
+              </a:rPr>
+              <a:t> </a:t>
+            </a:r>
+            <a:r>
+              <a:rPr lang="de-DE" sz="2800" b="1" i="1" dirty="0" err="1">
+                <a:solidFill>
+                  <a:schemeClr val="tx2"/>
+                </a:solidFill>
+              </a:rPr>
+              <a:t>name</a:t>
+            </a:r>
+            <a:r>
+              <a:rPr lang="de-DE" sz="2800" b="1" i="1" dirty="0">
+                <a:solidFill>
+                  <a:schemeClr val="tx2"/>
+                </a:solidFill>
+              </a:rPr>
+              <a:t> </a:t>
+            </a:r>
+            <a:r>
+              <a:rPr lang="de-DE" b="1" dirty="0">
+                <a:solidFill>
+                  <a:schemeClr val="accent1">
+                    <a:lumMod val="75000"/>
+                  </a:schemeClr>
+                </a:solidFill>
+              </a:rPr>
+              <a:t>= </a:t>
+            </a:r>
+            <a:r>
+              <a:rPr lang="de-DE" sz="2800" b="1" dirty="0">
+                <a:solidFill>
+                  <a:schemeClr val="accent1">
+                    <a:lumMod val="75000"/>
+                  </a:schemeClr>
+                </a:solidFill>
+              </a:rPr>
+              <a:t>{</a:t>
+            </a:r>
+            <a:r>
+              <a:rPr lang="de-DE" dirty="0"/>
+              <a:t> </a:t>
+            </a:r>
+            <a:r>
+              <a:rPr lang="de-DE" sz="2800" b="1" i="1" dirty="0" err="1">
+                <a:solidFill>
+                  <a:schemeClr val="tx2"/>
+                </a:solidFill>
+              </a:rPr>
+              <a:t>key</a:t>
+            </a:r>
+            <a:r>
+              <a:rPr lang="de-DE" sz="2800" b="1" dirty="0" err="1">
+                <a:solidFill>
+                  <a:schemeClr val="accent1">
+                    <a:lumMod val="75000"/>
+                  </a:schemeClr>
+                </a:solidFill>
+              </a:rPr>
+              <a:t>:</a:t>
+            </a:r>
+            <a:r>
+              <a:rPr lang="de-DE" sz="2800" b="1" i="1" dirty="0" err="1">
+                <a:solidFill>
+                  <a:schemeClr val="tx2"/>
+                </a:solidFill>
+              </a:rPr>
+              <a:t>value</a:t>
+            </a:r>
+            <a:r>
+              <a:rPr lang="de-DE" sz="2800" b="1" dirty="0">
+                <a:solidFill>
+                  <a:schemeClr val="accent1">
+                    <a:lumMod val="75000"/>
+                  </a:schemeClr>
+                </a:solidFill>
+              </a:rPr>
+              <a:t>, </a:t>
+            </a:r>
+            <a:r>
+              <a:rPr lang="de-DE" dirty="0"/>
+              <a:t>…</a:t>
+            </a:r>
+            <a:r>
+              <a:rPr lang="de-DE" sz="2800" b="1" i="1" dirty="0">
+                <a:solidFill>
+                  <a:schemeClr val="tx2"/>
+                </a:solidFill>
+              </a:rPr>
+              <a:t> </a:t>
+            </a:r>
+            <a:r>
+              <a:rPr lang="de-DE" sz="2800" b="1" dirty="0">
+                <a:solidFill>
+                  <a:schemeClr val="accent1">
+                    <a:lumMod val="75000"/>
+                  </a:schemeClr>
+                </a:solidFill>
+              </a:rPr>
+              <a:t>};</a:t>
+            </a:r>
+          </a:p>
+          <a:p>
+            <a:r>
+              <a:rPr lang="de-DE" dirty="0"/>
+              <a:t>Zugriff über den Key in Klammern:</a:t>
+            </a:r>
+            <a:br>
+              <a:rPr lang="de-DE" b="1" dirty="0">
+                <a:solidFill>
+                  <a:schemeClr val="accent1">
+                    <a:lumMod val="75000"/>
+                  </a:schemeClr>
+                </a:solidFill>
+              </a:rPr>
+            </a:br>
+            <a:r>
+              <a:rPr lang="de-DE" b="1" dirty="0" err="1">
+                <a:solidFill>
+                  <a:schemeClr val="accent1">
+                    <a:lumMod val="75000"/>
+                  </a:schemeClr>
+                </a:solidFill>
+              </a:rPr>
+              <a:t>var</a:t>
+            </a:r>
+            <a:r>
+              <a:rPr lang="de-DE" b="1" dirty="0">
+                <a:solidFill>
+                  <a:schemeClr val="accent1">
+                    <a:lumMod val="75000"/>
+                  </a:schemeClr>
+                </a:solidFill>
+              </a:rPr>
+              <a:t> </a:t>
+            </a:r>
+            <a:r>
+              <a:rPr lang="de-DE" b="1" i="1" dirty="0" err="1">
+                <a:solidFill>
+                  <a:schemeClr val="tx2"/>
+                </a:solidFill>
+              </a:rPr>
+              <a:t>value</a:t>
+            </a:r>
+            <a:r>
+              <a:rPr lang="de-DE" b="1" dirty="0">
+                <a:solidFill>
+                  <a:schemeClr val="accent1">
+                    <a:lumMod val="75000"/>
+                  </a:schemeClr>
+                </a:solidFill>
+              </a:rPr>
+              <a:t> = </a:t>
+            </a:r>
+            <a:r>
+              <a:rPr lang="de-DE" b="1" i="1" dirty="0" err="1">
+                <a:solidFill>
+                  <a:schemeClr val="tx2"/>
+                </a:solidFill>
+              </a:rPr>
+              <a:t>name</a:t>
+            </a:r>
+            <a:r>
+              <a:rPr lang="de-DE" b="1" dirty="0">
+                <a:solidFill>
+                  <a:schemeClr val="accent1">
+                    <a:lumMod val="75000"/>
+                  </a:schemeClr>
+                </a:solidFill>
+              </a:rPr>
+              <a:t>[</a:t>
+            </a:r>
+            <a:r>
+              <a:rPr lang="de-DE" b="1" i="1" dirty="0" err="1">
+                <a:solidFill>
+                  <a:schemeClr val="tx2"/>
+                </a:solidFill>
+              </a:rPr>
+              <a:t>key</a:t>
+            </a:r>
+            <a:r>
+              <a:rPr lang="de-DE" b="1" dirty="0">
+                <a:solidFill>
+                  <a:schemeClr val="accent1">
+                    <a:lumMod val="75000"/>
+                  </a:schemeClr>
+                </a:solidFill>
+              </a:rPr>
+              <a:t>];</a:t>
+            </a:r>
+          </a:p>
+          <a:p>
+            <a:endParaRPr lang="de-DE" dirty="0"/>
+          </a:p>
+        </p:txBody>
+      </p:sp>
+      <p:sp>
+        <p:nvSpPr>
+          <p:cNvPr id="4" name="Datumsplatzhalter 3">
+            <a:extLst>
+              <a:ext uri="{FF2B5EF4-FFF2-40B4-BE49-F238E27FC236}">
+                <a16:creationId xmlns:a16="http://schemas.microsoft.com/office/drawing/2014/main" id="{77BC02E2-AF6E-45EA-A03A-22FA826A4F10}"/>
+              </a:ext>
+            </a:extLst>
+          </p:cNvPr>
+          <p:cNvSpPr>
+            <a:spLocks noGrp="1"/>
+          </p:cNvSpPr>
+          <p:nvPr>
+            <p:ph type="dt" sz="half" idx="10"/>
+          </p:nvPr>
+        </p:nvSpPr>
+        <p:spPr/>
+        <p:txBody>
+          <a:bodyPr/>
+          <a:lstStyle/>
+          <a:p>
+            <a:fld id="{B8ECF4B1-F230-4767-9D40-08A350DFB7D7}" type="datetime1">
+              <a:rPr lang="de-DE" smtClean="0"/>
+              <a:t>31.01.2023</a:t>
+            </a:fld>
+            <a:endParaRPr lang="de-DE"/>
+          </a:p>
+        </p:txBody>
+      </p:sp>
+      <p:sp>
+        <p:nvSpPr>
+          <p:cNvPr id="5" name="Fußzeilenplatzhalter 4">
+            <a:extLst>
+              <a:ext uri="{FF2B5EF4-FFF2-40B4-BE49-F238E27FC236}">
+                <a16:creationId xmlns:a16="http://schemas.microsoft.com/office/drawing/2014/main" id="{0149F47C-0698-483A-AC11-719D6FEC8771}"/>
+              </a:ext>
+            </a:extLst>
+          </p:cNvPr>
+          <p:cNvSpPr>
+            <a:spLocks noGrp="1"/>
+          </p:cNvSpPr>
+          <p:nvPr>
+            <p:ph type="ftr" sz="quarter" idx="11"/>
+          </p:nvPr>
+        </p:nvSpPr>
+        <p:spPr/>
+        <p:txBody>
+          <a:bodyPr/>
+          <a:lstStyle/>
+          <a:p>
+            <a:r>
+              <a:rPr lang="de-DE"/>
+              <a:t>Dart - Programmiersprache für Smartphones</a:t>
+            </a:r>
+          </a:p>
+        </p:txBody>
+      </p:sp>
+      <p:sp>
+        <p:nvSpPr>
+          <p:cNvPr id="6" name="Foliennummernplatzhalter 5">
+            <a:extLst>
+              <a:ext uri="{FF2B5EF4-FFF2-40B4-BE49-F238E27FC236}">
+                <a16:creationId xmlns:a16="http://schemas.microsoft.com/office/drawing/2014/main" id="{B4CB0FD5-65D6-4ACF-97CF-5F94F6860047}"/>
+              </a:ext>
+            </a:extLst>
+          </p:cNvPr>
+          <p:cNvSpPr>
+            <a:spLocks noGrp="1"/>
+          </p:cNvSpPr>
+          <p:nvPr>
+            <p:ph type="sldNum" sz="quarter" idx="12"/>
+          </p:nvPr>
+        </p:nvSpPr>
+        <p:spPr/>
+        <p:txBody>
+          <a:bodyPr/>
+          <a:lstStyle/>
+          <a:p>
+            <a:fld id="{3A1F27E2-D58A-4028-9FF2-B12D897F257E}" type="slidenum">
+              <a:rPr lang="de-DE" smtClean="0"/>
+              <a:t>33</a:t>
+            </a:fld>
+            <a:endParaRPr lang="de-DE"/>
+          </a:p>
+        </p:txBody>
+      </p:sp>
+      <p:pic>
+        <p:nvPicPr>
+          <p:cNvPr id="8" name="Grafik 7">
+            <a:extLst>
+              <a:ext uri="{FF2B5EF4-FFF2-40B4-BE49-F238E27FC236}">
+                <a16:creationId xmlns:a16="http://schemas.microsoft.com/office/drawing/2014/main" id="{A004331E-FDB3-4CA0-8FAF-B3CEB34C83C6}"/>
+              </a:ext>
+            </a:extLst>
+          </p:cNvPr>
+          <p:cNvPicPr>
+            <a:picLocks noChangeAspect="1"/>
+          </p:cNvPicPr>
+          <p:nvPr/>
+        </p:nvPicPr>
+        <p:blipFill>
+          <a:blip r:embed="rId3"/>
+          <a:stretch>
+            <a:fillRect/>
+          </a:stretch>
+        </p:blipFill>
+        <p:spPr>
+          <a:xfrm>
+            <a:off x="1111617" y="3927888"/>
+            <a:ext cx="8072100" cy="2237962"/>
+          </a:xfrm>
+          <a:prstGeom prst="rect">
+            <a:avLst/>
+          </a:prstGeom>
+        </p:spPr>
+      </p:pic>
+    </p:spTree>
+    <p:extLst>
+      <p:ext uri="{BB962C8B-B14F-4D97-AF65-F5344CB8AC3E}">
+        <p14:creationId xmlns:p14="http://schemas.microsoft.com/office/powerpoint/2010/main" val="3504939260"/>
+      </p:ext>
+    </p:extLst>
+  </p:cSld>
+  <p:clrMapOvr>
+    <a:masterClrMapping/>
+  </p:clrMapOvr>
+</p:sld>
+</file>
+
+<file path=ppt/slides/slide34.xml><?xml version="1.0" encoding="utf-8"?>
+<p:sld xmlns:a="http://schemas.openxmlformats.org/drawingml/2006/main" xmlns:r="http://schemas.openxmlformats.org/officeDocument/2006/relationships" xmlns:p="http://schemas.openxmlformats.org/presentationml/2006/main">
+  <p:cSld>
+    <p:spTree>
+      <p:nvGrpSpPr>
+        <p:cNvPr id="1" name=""/>
+        <p:cNvGrpSpPr/>
+        <p:nvPr/>
+      </p:nvGrpSpPr>
+      <p:grpSpPr>
+        <a:xfrm>
+          <a:off x="0" y="0"/>
+          <a:ext cx="0" cy="0"/>
+          <a:chOff x="0" y="0"/>
+          <a:chExt cx="0" cy="0"/>
+        </a:xfrm>
+      </p:grpSpPr>
+      <p:sp>
+        <p:nvSpPr>
+          <p:cNvPr id="2" name="Titel 1">
+            <a:extLst>
+              <a:ext uri="{FF2B5EF4-FFF2-40B4-BE49-F238E27FC236}">
+                <a16:creationId xmlns:a16="http://schemas.microsoft.com/office/drawing/2014/main" id="{45B166F4-74A7-4CA7-A83A-F12867F02086}"/>
+              </a:ext>
+            </a:extLst>
+          </p:cNvPr>
+          <p:cNvSpPr>
+            <a:spLocks noGrp="1"/>
+          </p:cNvSpPr>
+          <p:nvPr>
+            <p:ph type="title"/>
+          </p:nvPr>
+        </p:nvSpPr>
+        <p:spPr/>
+        <p:txBody>
+          <a:bodyPr/>
+          <a:lstStyle/>
+          <a:p>
+            <a:r>
+              <a:rPr lang="de-DE" dirty="0"/>
+              <a:t>Dart  - </a:t>
+            </a:r>
+            <a:r>
+              <a:rPr lang="de-DE" dirty="0" err="1"/>
+              <a:t>Map</a:t>
+            </a:r>
+            <a:endParaRPr lang="de-DE" dirty="0"/>
+          </a:p>
+        </p:txBody>
+      </p:sp>
+      <p:sp>
+        <p:nvSpPr>
+          <p:cNvPr id="3" name="Inhaltsplatzhalter 2">
+            <a:extLst>
+              <a:ext uri="{FF2B5EF4-FFF2-40B4-BE49-F238E27FC236}">
+                <a16:creationId xmlns:a16="http://schemas.microsoft.com/office/drawing/2014/main" id="{95512C55-3F6A-49B4-8E85-5BA03B371D49}"/>
+              </a:ext>
+            </a:extLst>
+          </p:cNvPr>
+          <p:cNvSpPr>
+            <a:spLocks noGrp="1"/>
+          </p:cNvSpPr>
+          <p:nvPr>
+            <p:ph idx="1"/>
+          </p:nvPr>
+        </p:nvSpPr>
+        <p:spPr/>
+        <p:txBody>
+          <a:bodyPr/>
+          <a:lstStyle/>
+          <a:p>
+            <a:r>
+              <a:rPr lang="de-DE" dirty="0"/>
+              <a:t>Schleife für eine </a:t>
+            </a:r>
+            <a:r>
+              <a:rPr lang="de-DE" dirty="0" err="1"/>
+              <a:t>Map</a:t>
+            </a:r>
+            <a:r>
+              <a:rPr lang="de-DE" dirty="0"/>
+              <a:t>:</a:t>
+            </a:r>
+            <a:br>
+              <a:rPr lang="de-DE" dirty="0"/>
+            </a:br>
+            <a:r>
+              <a:rPr lang="de-DE" b="1" dirty="0" err="1">
+                <a:solidFill>
+                  <a:schemeClr val="accent1">
+                    <a:lumMod val="75000"/>
+                  </a:schemeClr>
+                </a:solidFill>
+              </a:rPr>
+              <a:t>for</a:t>
+            </a:r>
+            <a:r>
+              <a:rPr lang="de-DE" b="1" dirty="0">
+                <a:solidFill>
+                  <a:schemeClr val="accent1">
+                    <a:lumMod val="75000"/>
+                  </a:schemeClr>
+                </a:solidFill>
+              </a:rPr>
+              <a:t> (</a:t>
+            </a:r>
+            <a:r>
+              <a:rPr lang="de-DE" b="1" dirty="0" err="1">
+                <a:solidFill>
+                  <a:schemeClr val="accent1">
+                    <a:lumMod val="75000"/>
+                  </a:schemeClr>
+                </a:solidFill>
+              </a:rPr>
+              <a:t>var</a:t>
+            </a:r>
+            <a:r>
+              <a:rPr lang="de-DE" b="1" dirty="0">
+                <a:solidFill>
+                  <a:schemeClr val="accent1">
+                    <a:lumMod val="75000"/>
+                  </a:schemeClr>
+                </a:solidFill>
+              </a:rPr>
+              <a:t> </a:t>
+            </a:r>
+            <a:r>
+              <a:rPr lang="de-DE" b="1" i="1" dirty="0">
+                <a:solidFill>
+                  <a:schemeClr val="tx2"/>
+                </a:solidFill>
+              </a:rPr>
+              <a:t>pair</a:t>
+            </a:r>
+            <a:r>
+              <a:rPr lang="de-DE" b="1" dirty="0">
+                <a:solidFill>
+                  <a:schemeClr val="accent1">
+                    <a:lumMod val="75000"/>
+                  </a:schemeClr>
+                </a:solidFill>
+              </a:rPr>
+              <a:t> in </a:t>
+            </a:r>
+            <a:r>
+              <a:rPr lang="de-DE" b="1" i="1" dirty="0" err="1">
+                <a:solidFill>
+                  <a:schemeClr val="tx2"/>
+                </a:solidFill>
+              </a:rPr>
+              <a:t>map</a:t>
+            </a:r>
+            <a:r>
+              <a:rPr lang="de-DE" b="1" dirty="0" err="1">
+                <a:solidFill>
+                  <a:schemeClr val="accent1">
+                    <a:lumMod val="75000"/>
+                  </a:schemeClr>
+                </a:solidFill>
+              </a:rPr>
+              <a:t>.entries</a:t>
+            </a:r>
+            <a:r>
+              <a:rPr lang="de-DE" b="1" dirty="0">
+                <a:solidFill>
+                  <a:schemeClr val="accent1">
+                    <a:lumMod val="75000"/>
+                  </a:schemeClr>
+                </a:solidFill>
+              </a:rPr>
+              <a:t>) {</a:t>
+            </a:r>
+            <a:br>
+              <a:rPr lang="de-DE" b="1" dirty="0">
+                <a:solidFill>
+                  <a:schemeClr val="accent1">
+                    <a:lumMod val="75000"/>
+                  </a:schemeClr>
+                </a:solidFill>
+              </a:rPr>
+            </a:br>
+            <a:r>
+              <a:rPr lang="de-DE" dirty="0"/>
+              <a:t>…</a:t>
+            </a:r>
+            <a:br>
+              <a:rPr lang="de-DE" b="1" dirty="0">
+                <a:solidFill>
+                  <a:schemeClr val="accent1">
+                    <a:lumMod val="75000"/>
+                  </a:schemeClr>
+                </a:solidFill>
+              </a:rPr>
+            </a:br>
+            <a:r>
+              <a:rPr lang="de-DE" b="1" dirty="0">
+                <a:solidFill>
+                  <a:schemeClr val="accent1">
+                    <a:lumMod val="75000"/>
+                  </a:schemeClr>
+                </a:solidFill>
+              </a:rPr>
+              <a:t>}</a:t>
+            </a:r>
+          </a:p>
+        </p:txBody>
+      </p:sp>
+      <p:sp>
+        <p:nvSpPr>
+          <p:cNvPr id="4" name="Datumsplatzhalter 3">
+            <a:extLst>
+              <a:ext uri="{FF2B5EF4-FFF2-40B4-BE49-F238E27FC236}">
+                <a16:creationId xmlns:a16="http://schemas.microsoft.com/office/drawing/2014/main" id="{90A40058-7BFC-4790-A80F-46D8CBA1132A}"/>
+              </a:ext>
+            </a:extLst>
+          </p:cNvPr>
+          <p:cNvSpPr>
+            <a:spLocks noGrp="1"/>
+          </p:cNvSpPr>
+          <p:nvPr>
+            <p:ph type="dt" sz="half" idx="10"/>
+          </p:nvPr>
+        </p:nvSpPr>
+        <p:spPr/>
+        <p:txBody>
+          <a:bodyPr/>
+          <a:lstStyle/>
+          <a:p>
+            <a:fld id="{DFEB386C-A89C-4E71-8C7A-EB57A1CCB74F}" type="datetime1">
+              <a:rPr lang="de-DE" smtClean="0"/>
+              <a:t>31.01.2023</a:t>
+            </a:fld>
+            <a:endParaRPr lang="de-DE"/>
+          </a:p>
+        </p:txBody>
+      </p:sp>
+      <p:sp>
+        <p:nvSpPr>
+          <p:cNvPr id="5" name="Fußzeilenplatzhalter 4">
+            <a:extLst>
+              <a:ext uri="{FF2B5EF4-FFF2-40B4-BE49-F238E27FC236}">
+                <a16:creationId xmlns:a16="http://schemas.microsoft.com/office/drawing/2014/main" id="{FDECD55C-BBB5-4615-A795-EF795C54CA07}"/>
+              </a:ext>
+            </a:extLst>
+          </p:cNvPr>
+          <p:cNvSpPr>
+            <a:spLocks noGrp="1"/>
+          </p:cNvSpPr>
+          <p:nvPr>
+            <p:ph type="ftr" sz="quarter" idx="11"/>
+          </p:nvPr>
+        </p:nvSpPr>
+        <p:spPr/>
+        <p:txBody>
+          <a:bodyPr/>
+          <a:lstStyle/>
+          <a:p>
+            <a:r>
+              <a:rPr lang="de-DE"/>
+              <a:t>Dart - Programmiersprache für Smartphones</a:t>
+            </a:r>
+          </a:p>
+        </p:txBody>
+      </p:sp>
+      <p:sp>
+        <p:nvSpPr>
+          <p:cNvPr id="6" name="Foliennummernplatzhalter 5">
+            <a:extLst>
+              <a:ext uri="{FF2B5EF4-FFF2-40B4-BE49-F238E27FC236}">
+                <a16:creationId xmlns:a16="http://schemas.microsoft.com/office/drawing/2014/main" id="{7FB25540-F989-450E-AA77-2835A5A581FD}"/>
+              </a:ext>
+            </a:extLst>
+          </p:cNvPr>
+          <p:cNvSpPr>
+            <a:spLocks noGrp="1"/>
+          </p:cNvSpPr>
+          <p:nvPr>
+            <p:ph type="sldNum" sz="quarter" idx="12"/>
+          </p:nvPr>
+        </p:nvSpPr>
+        <p:spPr/>
+        <p:txBody>
+          <a:bodyPr/>
+          <a:lstStyle/>
+          <a:p>
+            <a:fld id="{3A1F27E2-D58A-4028-9FF2-B12D897F257E}" type="slidenum">
+              <a:rPr lang="de-DE" smtClean="0"/>
+              <a:t>34</a:t>
+            </a:fld>
+            <a:endParaRPr lang="de-DE"/>
+          </a:p>
+        </p:txBody>
+      </p:sp>
+      <p:pic>
+        <p:nvPicPr>
+          <p:cNvPr id="8" name="Grafik 7">
+            <a:extLst>
+              <a:ext uri="{FF2B5EF4-FFF2-40B4-BE49-F238E27FC236}">
+                <a16:creationId xmlns:a16="http://schemas.microsoft.com/office/drawing/2014/main" id="{A1D99950-89BE-49EA-B411-D01FD6568731}"/>
+              </a:ext>
+            </a:extLst>
+          </p:cNvPr>
+          <p:cNvPicPr>
+            <a:picLocks noChangeAspect="1"/>
+          </p:cNvPicPr>
+          <p:nvPr/>
+        </p:nvPicPr>
+        <p:blipFill>
+          <a:blip r:embed="rId2"/>
+          <a:stretch>
+            <a:fillRect/>
+          </a:stretch>
+        </p:blipFill>
+        <p:spPr>
+          <a:xfrm>
+            <a:off x="1035385" y="3428999"/>
+            <a:ext cx="8171295" cy="1908175"/>
+          </a:xfrm>
+          <a:prstGeom prst="rect">
+            <a:avLst/>
+          </a:prstGeom>
+        </p:spPr>
+      </p:pic>
+    </p:spTree>
+    <p:extLst>
+      <p:ext uri="{BB962C8B-B14F-4D97-AF65-F5344CB8AC3E}">
+        <p14:creationId xmlns:p14="http://schemas.microsoft.com/office/powerpoint/2010/main" val="826067247"/>
+      </p:ext>
+    </p:extLst>
+  </p:cSld>
+  <p:clrMapOvr>
+    <a:masterClrMapping/>
+  </p:clrMapOvr>
+</p:sld>
+</file>
+
+<file path=ppt/slides/slide35.xml><?xml version="1.0" encoding="utf-8"?>
+<p:sld xmlns:a="http://schemas.openxmlformats.org/drawingml/2006/main" xmlns:r="http://schemas.openxmlformats.org/officeDocument/2006/relationships" xmlns:p="http://schemas.openxmlformats.org/presentationml/2006/main">
+  <p:cSld>
+    <p:spTree>
+      <p:nvGrpSpPr>
+        <p:cNvPr id="1" name=""/>
+        <p:cNvGrpSpPr/>
+        <p:nvPr/>
+      </p:nvGrpSpPr>
+      <p:grpSpPr>
+        <a:xfrm>
+          <a:off x="0" y="0"/>
+          <a:ext cx="0" cy="0"/>
+          <a:chOff x="0" y="0"/>
+          <a:chExt cx="0" cy="0"/>
+        </a:xfrm>
+      </p:grpSpPr>
+      <p:sp>
+        <p:nvSpPr>
+          <p:cNvPr id="2" name="Titel 1">
+            <a:extLst>
+              <a:ext uri="{FF2B5EF4-FFF2-40B4-BE49-F238E27FC236}">
+                <a16:creationId xmlns:a16="http://schemas.microsoft.com/office/drawing/2014/main" id="{D8AEE356-2190-4A68-B30A-AD40D96A4F3E}"/>
+              </a:ext>
+            </a:extLst>
+          </p:cNvPr>
+          <p:cNvSpPr>
+            <a:spLocks noGrp="1"/>
+          </p:cNvSpPr>
+          <p:nvPr>
+            <p:ph type="title"/>
+          </p:nvPr>
+        </p:nvSpPr>
+        <p:spPr/>
+        <p:txBody>
+          <a:bodyPr/>
+          <a:lstStyle/>
+          <a:p>
+            <a:r>
+              <a:rPr lang="de-DE" dirty="0"/>
+              <a:t>Dart - Methoden</a:t>
+            </a:r>
+          </a:p>
+        </p:txBody>
+      </p:sp>
+      <p:sp>
+        <p:nvSpPr>
+          <p:cNvPr id="3" name="Inhaltsplatzhalter 2">
+            <a:extLst>
+              <a:ext uri="{FF2B5EF4-FFF2-40B4-BE49-F238E27FC236}">
+                <a16:creationId xmlns:a16="http://schemas.microsoft.com/office/drawing/2014/main" id="{CAA2B96E-C69F-4F5B-8511-66F66DA7DC44}"/>
+              </a:ext>
+            </a:extLst>
+          </p:cNvPr>
+          <p:cNvSpPr>
+            <a:spLocks noGrp="1"/>
+          </p:cNvSpPr>
+          <p:nvPr>
+            <p:ph idx="1"/>
+          </p:nvPr>
+        </p:nvSpPr>
+        <p:spPr/>
+        <p:txBody>
+          <a:bodyPr/>
+          <a:lstStyle/>
+          <a:p>
+            <a:r>
+              <a:rPr lang="de-DE" dirty="0"/>
+              <a:t>Methoden dienen der Wiederverwendung von Code</a:t>
+            </a:r>
+            <a:br>
+              <a:rPr lang="de-DE" dirty="0"/>
+            </a:br>
+            <a:r>
+              <a:rPr lang="de-DE" sz="2400" b="1" dirty="0" err="1">
+                <a:solidFill>
+                  <a:schemeClr val="accent1">
+                    <a:lumMod val="75000"/>
+                  </a:schemeClr>
+                </a:solidFill>
+              </a:rPr>
+              <a:t>void</a:t>
+            </a:r>
+            <a:r>
+              <a:rPr lang="de-DE" sz="2400" b="1" dirty="0">
+                <a:solidFill>
+                  <a:schemeClr val="accent1">
+                    <a:lumMod val="75000"/>
+                  </a:schemeClr>
+                </a:solidFill>
+              </a:rPr>
+              <a:t> </a:t>
+            </a:r>
+            <a:r>
+              <a:rPr lang="de-DE" sz="2400" b="1" i="1" dirty="0" err="1">
+                <a:solidFill>
+                  <a:schemeClr val="tx2"/>
+                </a:solidFill>
+              </a:rPr>
+              <a:t>name</a:t>
+            </a:r>
+            <a:r>
+              <a:rPr lang="de-DE" sz="2400" b="1" dirty="0">
+                <a:solidFill>
+                  <a:schemeClr val="accent1">
+                    <a:lumMod val="75000"/>
+                  </a:schemeClr>
+                </a:solidFill>
+              </a:rPr>
+              <a:t>(</a:t>
+            </a:r>
+            <a:r>
+              <a:rPr lang="de-DE" sz="2400" b="1" dirty="0" err="1">
+                <a:solidFill>
+                  <a:schemeClr val="accent1">
+                    <a:lumMod val="75000"/>
+                  </a:schemeClr>
+                </a:solidFill>
+              </a:rPr>
+              <a:t>var</a:t>
+            </a:r>
+            <a:r>
+              <a:rPr lang="de-DE" sz="2400" b="1" dirty="0">
+                <a:solidFill>
+                  <a:schemeClr val="accent1">
+                    <a:lumMod val="75000"/>
+                  </a:schemeClr>
+                </a:solidFill>
+              </a:rPr>
+              <a:t> </a:t>
+            </a:r>
+            <a:r>
+              <a:rPr lang="de-DE" sz="2400" b="1" i="1" dirty="0" err="1">
+                <a:solidFill>
+                  <a:schemeClr val="tx2"/>
+                </a:solidFill>
+              </a:rPr>
+              <a:t>argument</a:t>
+            </a:r>
+            <a:r>
+              <a:rPr lang="de-DE" sz="2400" b="1" dirty="0">
+                <a:solidFill>
+                  <a:schemeClr val="accent1">
+                    <a:lumMod val="75000"/>
+                  </a:schemeClr>
+                </a:solidFill>
+              </a:rPr>
+              <a:t>, </a:t>
+            </a:r>
+            <a:r>
+              <a:rPr lang="de-DE" sz="2400" b="1" dirty="0" err="1">
+                <a:solidFill>
+                  <a:schemeClr val="accent1">
+                    <a:lumMod val="75000"/>
+                  </a:schemeClr>
+                </a:solidFill>
+              </a:rPr>
+              <a:t>var</a:t>
+            </a:r>
+            <a:r>
+              <a:rPr lang="de-DE" sz="2400" b="1" i="1" dirty="0">
+                <a:solidFill>
+                  <a:schemeClr val="tx2"/>
+                </a:solidFill>
+              </a:rPr>
+              <a:t> argument2</a:t>
+            </a:r>
+            <a:r>
+              <a:rPr lang="de-DE" sz="2400" b="1" dirty="0">
+                <a:solidFill>
+                  <a:schemeClr val="accent1">
+                    <a:lumMod val="75000"/>
+                  </a:schemeClr>
+                </a:solidFill>
+              </a:rPr>
+              <a:t>,</a:t>
+            </a:r>
+            <a:r>
+              <a:rPr lang="de-DE" sz="2400" b="1" i="1" dirty="0">
+                <a:solidFill>
+                  <a:schemeClr val="tx2"/>
+                </a:solidFill>
+              </a:rPr>
+              <a:t> </a:t>
+            </a:r>
+            <a:r>
+              <a:rPr lang="de-DE" dirty="0"/>
+              <a:t>…</a:t>
+            </a:r>
+            <a:r>
+              <a:rPr lang="de-DE" sz="2400" b="1" dirty="0">
+                <a:solidFill>
+                  <a:schemeClr val="accent1">
+                    <a:lumMod val="75000"/>
+                  </a:schemeClr>
+                </a:solidFill>
+              </a:rPr>
+              <a:t>) {</a:t>
+            </a:r>
+            <a:r>
+              <a:rPr lang="de-DE" dirty="0"/>
+              <a:t> … </a:t>
+            </a:r>
+            <a:r>
+              <a:rPr lang="de-DE" sz="2400" b="1" dirty="0">
+                <a:solidFill>
+                  <a:schemeClr val="accent1">
+                    <a:lumMod val="75000"/>
+                  </a:schemeClr>
+                </a:solidFill>
+              </a:rPr>
+              <a:t>}</a:t>
+            </a:r>
+          </a:p>
+        </p:txBody>
+      </p:sp>
+      <p:sp>
+        <p:nvSpPr>
+          <p:cNvPr id="4" name="Datumsplatzhalter 3">
+            <a:extLst>
+              <a:ext uri="{FF2B5EF4-FFF2-40B4-BE49-F238E27FC236}">
+                <a16:creationId xmlns:a16="http://schemas.microsoft.com/office/drawing/2014/main" id="{5DB3E6EA-5CA3-4700-8A7A-A7DF6CBD7260}"/>
+              </a:ext>
+            </a:extLst>
+          </p:cNvPr>
+          <p:cNvSpPr>
+            <a:spLocks noGrp="1"/>
+          </p:cNvSpPr>
+          <p:nvPr>
+            <p:ph type="dt" sz="half" idx="10"/>
+          </p:nvPr>
+        </p:nvSpPr>
+        <p:spPr/>
+        <p:txBody>
+          <a:bodyPr/>
+          <a:lstStyle/>
+          <a:p>
+            <a:fld id="{E3A6C6BD-3868-452A-A2BD-92328FD8B4E8}" type="datetime1">
+              <a:rPr lang="de-DE" smtClean="0"/>
+              <a:t>31.01.2023</a:t>
+            </a:fld>
+            <a:endParaRPr lang="de-DE"/>
+          </a:p>
+        </p:txBody>
+      </p:sp>
+      <p:sp>
+        <p:nvSpPr>
+          <p:cNvPr id="5" name="Fußzeilenplatzhalter 4">
+            <a:extLst>
+              <a:ext uri="{FF2B5EF4-FFF2-40B4-BE49-F238E27FC236}">
+                <a16:creationId xmlns:a16="http://schemas.microsoft.com/office/drawing/2014/main" id="{14E75CA1-7496-4A5F-A5B9-9377BBE8B1B1}"/>
+              </a:ext>
+            </a:extLst>
+          </p:cNvPr>
+          <p:cNvSpPr>
+            <a:spLocks noGrp="1"/>
+          </p:cNvSpPr>
+          <p:nvPr>
+            <p:ph type="ftr" sz="quarter" idx="11"/>
+          </p:nvPr>
+        </p:nvSpPr>
+        <p:spPr/>
+        <p:txBody>
+          <a:bodyPr/>
+          <a:lstStyle/>
+          <a:p>
+            <a:r>
+              <a:rPr lang="de-DE"/>
+              <a:t>Dart - Programmiersprache für Smartphones</a:t>
+            </a:r>
+          </a:p>
+        </p:txBody>
+      </p:sp>
+      <p:sp>
+        <p:nvSpPr>
+          <p:cNvPr id="6" name="Foliennummernplatzhalter 5">
+            <a:extLst>
+              <a:ext uri="{FF2B5EF4-FFF2-40B4-BE49-F238E27FC236}">
+                <a16:creationId xmlns:a16="http://schemas.microsoft.com/office/drawing/2014/main" id="{D692A012-F83C-46E1-89B2-E7D25E69A176}"/>
+              </a:ext>
+            </a:extLst>
+          </p:cNvPr>
+          <p:cNvSpPr>
+            <a:spLocks noGrp="1"/>
+          </p:cNvSpPr>
+          <p:nvPr>
+            <p:ph type="sldNum" sz="quarter" idx="12"/>
+          </p:nvPr>
+        </p:nvSpPr>
+        <p:spPr/>
+        <p:txBody>
+          <a:bodyPr/>
+          <a:lstStyle/>
+          <a:p>
+            <a:fld id="{3A1F27E2-D58A-4028-9FF2-B12D897F257E}" type="slidenum">
+              <a:rPr lang="de-DE" smtClean="0"/>
+              <a:t>35</a:t>
+            </a:fld>
+            <a:endParaRPr lang="de-DE"/>
+          </a:p>
+        </p:txBody>
+      </p:sp>
+      <p:pic>
+        <p:nvPicPr>
+          <p:cNvPr id="8" name="Grafik 7">
+            <a:extLst>
+              <a:ext uri="{FF2B5EF4-FFF2-40B4-BE49-F238E27FC236}">
+                <a16:creationId xmlns:a16="http://schemas.microsoft.com/office/drawing/2014/main" id="{CEB77E9B-1C50-449D-8599-52D27718F45E}"/>
+              </a:ext>
+            </a:extLst>
+          </p:cNvPr>
+          <p:cNvPicPr>
+            <a:picLocks noChangeAspect="1"/>
+          </p:cNvPicPr>
+          <p:nvPr/>
+        </p:nvPicPr>
+        <p:blipFill>
+          <a:blip r:embed="rId3"/>
+          <a:stretch>
+            <a:fillRect/>
+          </a:stretch>
+        </p:blipFill>
+        <p:spPr>
+          <a:xfrm>
+            <a:off x="838200" y="2541859"/>
+            <a:ext cx="7114255" cy="3623991"/>
+          </a:xfrm>
+          <a:prstGeom prst="rect">
+            <a:avLst/>
+          </a:prstGeom>
+        </p:spPr>
+      </p:pic>
+    </p:spTree>
+    <p:extLst>
+      <p:ext uri="{BB962C8B-B14F-4D97-AF65-F5344CB8AC3E}">
+        <p14:creationId xmlns:p14="http://schemas.microsoft.com/office/powerpoint/2010/main" val="1591608245"/>
+      </p:ext>
+    </p:extLst>
+  </p:cSld>
+  <p:clrMapOvr>
+    <a:masterClrMapping/>
+  </p:clrMapOvr>
+</p:sld>
+</file>
+
+<file path=ppt/slides/slide36.xml><?xml version="1.0" encoding="utf-8"?>
+<p:sld xmlns:a="http://schemas.openxmlformats.org/drawingml/2006/main" xmlns:r="http://schemas.openxmlformats.org/officeDocument/2006/relationships" xmlns:p="http://schemas.openxmlformats.org/presentationml/2006/main">
+  <p:cSld>
+    <p:spTree>
+      <p:nvGrpSpPr>
+        <p:cNvPr id="1" name=""/>
+        <p:cNvGrpSpPr/>
+        <p:nvPr/>
+      </p:nvGrpSpPr>
+      <p:grpSpPr>
+        <a:xfrm>
+          <a:off x="0" y="0"/>
+          <a:ext cx="0" cy="0"/>
+          <a:chOff x="0" y="0"/>
+          <a:chExt cx="0" cy="0"/>
+        </a:xfrm>
+      </p:grpSpPr>
+      <p:sp>
+        <p:nvSpPr>
+          <p:cNvPr id="2" name="Titel 1">
+            <a:extLst>
+              <a:ext uri="{FF2B5EF4-FFF2-40B4-BE49-F238E27FC236}">
+                <a16:creationId xmlns:a16="http://schemas.microsoft.com/office/drawing/2014/main" id="{D8AEE356-2190-4A68-B30A-AD40D96A4F3E}"/>
+              </a:ext>
+            </a:extLst>
+          </p:cNvPr>
+          <p:cNvSpPr>
+            <a:spLocks noGrp="1"/>
+          </p:cNvSpPr>
+          <p:nvPr>
+            <p:ph type="title"/>
+          </p:nvPr>
+        </p:nvSpPr>
+        <p:spPr/>
+        <p:txBody>
+          <a:bodyPr/>
+          <a:lstStyle/>
+          <a:p>
+            <a:r>
+              <a:rPr lang="de-DE" dirty="0"/>
+              <a:t>Dart - Methoden</a:t>
+            </a:r>
+          </a:p>
+        </p:txBody>
+      </p:sp>
+      <p:sp>
+        <p:nvSpPr>
+          <p:cNvPr id="3" name="Inhaltsplatzhalter 2">
+            <a:extLst>
+              <a:ext uri="{FF2B5EF4-FFF2-40B4-BE49-F238E27FC236}">
+                <a16:creationId xmlns:a16="http://schemas.microsoft.com/office/drawing/2014/main" id="{CAA2B96E-C69F-4F5B-8511-66F66DA7DC44}"/>
+              </a:ext>
+            </a:extLst>
+          </p:cNvPr>
+          <p:cNvSpPr>
+            <a:spLocks noGrp="1"/>
+          </p:cNvSpPr>
+          <p:nvPr>
+            <p:ph idx="1"/>
+          </p:nvPr>
+        </p:nvSpPr>
+        <p:spPr/>
+        <p:txBody>
+          <a:bodyPr/>
+          <a:lstStyle/>
+          <a:p>
+            <a:r>
+              <a:rPr lang="de-DE" dirty="0"/>
+              <a:t>Bei Methoden ist es sinnvoll den Typ der Argumente genauer anzugeben als nur </a:t>
+            </a:r>
+            <a:r>
+              <a:rPr lang="de-DE" sz="2400" b="1" dirty="0" err="1">
+                <a:solidFill>
+                  <a:schemeClr val="accent1">
+                    <a:lumMod val="75000"/>
+                  </a:schemeClr>
+                </a:solidFill>
+              </a:rPr>
+              <a:t>var</a:t>
+            </a:r>
+            <a:endParaRPr lang="de-DE" sz="2400" b="1" dirty="0">
+              <a:solidFill>
+                <a:schemeClr val="accent1">
+                  <a:lumMod val="75000"/>
+                </a:schemeClr>
+              </a:solidFill>
+            </a:endParaRPr>
+          </a:p>
+        </p:txBody>
+      </p:sp>
+      <p:sp>
+        <p:nvSpPr>
+          <p:cNvPr id="4" name="Datumsplatzhalter 3">
+            <a:extLst>
+              <a:ext uri="{FF2B5EF4-FFF2-40B4-BE49-F238E27FC236}">
+                <a16:creationId xmlns:a16="http://schemas.microsoft.com/office/drawing/2014/main" id="{5DB3E6EA-5CA3-4700-8A7A-A7DF6CBD7260}"/>
+              </a:ext>
+            </a:extLst>
+          </p:cNvPr>
+          <p:cNvSpPr>
+            <a:spLocks noGrp="1"/>
+          </p:cNvSpPr>
+          <p:nvPr>
+            <p:ph type="dt" sz="half" idx="10"/>
+          </p:nvPr>
+        </p:nvSpPr>
+        <p:spPr/>
+        <p:txBody>
+          <a:bodyPr/>
+          <a:lstStyle/>
+          <a:p>
+            <a:fld id="{B60FD287-29C3-4567-A3C8-1214880B52D5}" type="datetime1">
+              <a:rPr lang="de-DE" smtClean="0"/>
+              <a:t>31.01.2023</a:t>
+            </a:fld>
+            <a:endParaRPr lang="de-DE"/>
+          </a:p>
+        </p:txBody>
+      </p:sp>
+      <p:sp>
+        <p:nvSpPr>
+          <p:cNvPr id="5" name="Fußzeilenplatzhalter 4">
+            <a:extLst>
+              <a:ext uri="{FF2B5EF4-FFF2-40B4-BE49-F238E27FC236}">
+                <a16:creationId xmlns:a16="http://schemas.microsoft.com/office/drawing/2014/main" id="{14E75CA1-7496-4A5F-A5B9-9377BBE8B1B1}"/>
+              </a:ext>
+            </a:extLst>
+          </p:cNvPr>
+          <p:cNvSpPr>
+            <a:spLocks noGrp="1"/>
+          </p:cNvSpPr>
+          <p:nvPr>
+            <p:ph type="ftr" sz="quarter" idx="11"/>
+          </p:nvPr>
+        </p:nvSpPr>
+        <p:spPr/>
+        <p:txBody>
+          <a:bodyPr/>
+          <a:lstStyle/>
+          <a:p>
+            <a:r>
+              <a:rPr lang="de-DE"/>
+              <a:t>Dart - Programmiersprache für Smartphones</a:t>
+            </a:r>
+          </a:p>
+        </p:txBody>
+      </p:sp>
+      <p:sp>
+        <p:nvSpPr>
+          <p:cNvPr id="6" name="Foliennummernplatzhalter 5">
+            <a:extLst>
+              <a:ext uri="{FF2B5EF4-FFF2-40B4-BE49-F238E27FC236}">
+                <a16:creationId xmlns:a16="http://schemas.microsoft.com/office/drawing/2014/main" id="{D692A012-F83C-46E1-89B2-E7D25E69A176}"/>
+              </a:ext>
+            </a:extLst>
+          </p:cNvPr>
+          <p:cNvSpPr>
+            <a:spLocks noGrp="1"/>
+          </p:cNvSpPr>
+          <p:nvPr>
+            <p:ph type="sldNum" sz="quarter" idx="12"/>
+          </p:nvPr>
+        </p:nvSpPr>
+        <p:spPr/>
+        <p:txBody>
+          <a:bodyPr/>
+          <a:lstStyle/>
+          <a:p>
+            <a:fld id="{3A1F27E2-D58A-4028-9FF2-B12D897F257E}" type="slidenum">
+              <a:rPr lang="de-DE" smtClean="0"/>
+              <a:t>36</a:t>
+            </a:fld>
+            <a:endParaRPr lang="de-DE"/>
+          </a:p>
+        </p:txBody>
+      </p:sp>
+      <p:pic>
+        <p:nvPicPr>
+          <p:cNvPr id="10" name="Grafik 9">
+            <a:extLst>
+              <a:ext uri="{FF2B5EF4-FFF2-40B4-BE49-F238E27FC236}">
+                <a16:creationId xmlns:a16="http://schemas.microsoft.com/office/drawing/2014/main" id="{4DF2D440-0562-4B86-B3A9-F5569F1034DA}"/>
+              </a:ext>
+            </a:extLst>
+          </p:cNvPr>
+          <p:cNvPicPr>
+            <a:picLocks noChangeAspect="1"/>
+          </p:cNvPicPr>
+          <p:nvPr/>
+        </p:nvPicPr>
+        <p:blipFill>
+          <a:blip r:embed="rId3"/>
+          <a:stretch>
+            <a:fillRect/>
+          </a:stretch>
+        </p:blipFill>
+        <p:spPr>
+          <a:xfrm>
+            <a:off x="838200" y="2537094"/>
+            <a:ext cx="7137440" cy="3628755"/>
+          </a:xfrm>
+          <a:prstGeom prst="rect">
+            <a:avLst/>
+          </a:prstGeom>
+        </p:spPr>
+      </p:pic>
+      <p:sp>
+        <p:nvSpPr>
+          <p:cNvPr id="11" name="Rechteck 10">
+            <a:extLst>
+              <a:ext uri="{FF2B5EF4-FFF2-40B4-BE49-F238E27FC236}">
+                <a16:creationId xmlns:a16="http://schemas.microsoft.com/office/drawing/2014/main" id="{444FB233-7D49-4B52-BC9C-38CD962C568C}"/>
+              </a:ext>
+            </a:extLst>
+          </p:cNvPr>
+          <p:cNvSpPr/>
+          <p:nvPr/>
+        </p:nvSpPr>
+        <p:spPr>
+          <a:xfrm>
+            <a:off x="1816474" y="3315587"/>
+            <a:ext cx="1160902" cy="393404"/>
+          </a:xfrm>
+          <a:prstGeom prst="rect">
+            <a:avLst/>
+          </a:prstGeom>
+          <a:noFill/>
+          <a:ln w="28575">
+            <a:solidFill>
+              <a:schemeClr val="accent1"/>
+            </a:solidFill>
+          </a:ln>
+        </p:spPr>
+        <p:style>
+          <a:lnRef idx="2">
+            <a:schemeClr val="accent1">
+              <a:shade val="50000"/>
+            </a:schemeClr>
+          </a:lnRef>
+          <a:fillRef idx="1">
+            <a:schemeClr val="accent1"/>
+          </a:fillRef>
+          <a:effectRef idx="0">
+            <a:schemeClr val="accent1"/>
+          </a:effectRef>
+          <a:fontRef idx="minor">
+            <a:schemeClr val="lt1"/>
+          </a:fontRef>
+        </p:style>
+        <p:txBody>
+          <a:bodyPr rtlCol="0" anchor="ctr"/>
+          <a:lstStyle/>
+          <a:p>
+            <a:pPr algn="ctr"/>
+            <a:endParaRPr lang="de-DE"/>
+          </a:p>
+        </p:txBody>
+      </p:sp>
+      <p:sp>
+        <p:nvSpPr>
+          <p:cNvPr id="12" name="Textfeld 11">
+            <a:extLst>
+              <a:ext uri="{FF2B5EF4-FFF2-40B4-BE49-F238E27FC236}">
+                <a16:creationId xmlns:a16="http://schemas.microsoft.com/office/drawing/2014/main" id="{B1D28FFE-BF40-4784-892D-591D71C55283}"/>
+              </a:ext>
+            </a:extLst>
+          </p:cNvPr>
+          <p:cNvSpPr txBox="1"/>
+          <p:nvPr/>
+        </p:nvSpPr>
+        <p:spPr>
+          <a:xfrm>
+            <a:off x="3166946" y="3327623"/>
+            <a:ext cx="2009653" cy="369332"/>
+          </a:xfrm>
+          <a:prstGeom prst="rect">
+            <a:avLst/>
+          </a:prstGeom>
+          <a:noFill/>
+        </p:spPr>
+        <p:txBody>
+          <a:bodyPr wrap="none" rtlCol="0">
+            <a:spAutoFit/>
+          </a:bodyPr>
+          <a:lstStyle/>
+          <a:p>
+            <a:r>
+              <a:rPr lang="de-DE" dirty="0"/>
+              <a:t>Kein Fehler erkannt</a:t>
+            </a:r>
+          </a:p>
+        </p:txBody>
+      </p:sp>
+      <p:sp>
+        <p:nvSpPr>
+          <p:cNvPr id="13" name="Rechteck 12">
+            <a:extLst>
+              <a:ext uri="{FF2B5EF4-FFF2-40B4-BE49-F238E27FC236}">
+                <a16:creationId xmlns:a16="http://schemas.microsoft.com/office/drawing/2014/main" id="{BE3B1DA2-DEE2-4D40-A273-7DCD4BB5EF7A}"/>
+              </a:ext>
+            </a:extLst>
+          </p:cNvPr>
+          <p:cNvSpPr/>
+          <p:nvPr/>
+        </p:nvSpPr>
+        <p:spPr>
+          <a:xfrm>
+            <a:off x="2586494" y="4154769"/>
+            <a:ext cx="580451" cy="393404"/>
+          </a:xfrm>
+          <a:prstGeom prst="rect">
+            <a:avLst/>
+          </a:prstGeom>
+          <a:noFill/>
+          <a:ln w="28575">
+            <a:solidFill>
+              <a:schemeClr val="accent1"/>
+            </a:solidFill>
+          </a:ln>
+        </p:spPr>
+        <p:style>
+          <a:lnRef idx="2">
+            <a:schemeClr val="accent1">
+              <a:shade val="50000"/>
+            </a:schemeClr>
+          </a:lnRef>
+          <a:fillRef idx="1">
+            <a:schemeClr val="accent1"/>
+          </a:fillRef>
+          <a:effectRef idx="0">
+            <a:schemeClr val="accent1"/>
+          </a:effectRef>
+          <a:fontRef idx="minor">
+            <a:schemeClr val="lt1"/>
+          </a:fontRef>
+        </p:style>
+        <p:txBody>
+          <a:bodyPr rtlCol="0" anchor="ctr"/>
+          <a:lstStyle/>
+          <a:p>
+            <a:pPr algn="ctr"/>
+            <a:endParaRPr lang="de-DE"/>
+          </a:p>
+        </p:txBody>
+      </p:sp>
+    </p:spTree>
+    <p:extLst>
+      <p:ext uri="{BB962C8B-B14F-4D97-AF65-F5344CB8AC3E}">
+        <p14:creationId xmlns:p14="http://schemas.microsoft.com/office/powerpoint/2010/main" val="9698463"/>
+      </p:ext>
+    </p:extLst>
+  </p:cSld>
+  <p:clrMapOvr>
+    <a:masterClrMapping/>
+  </p:clrMapOvr>
+</p:sld>
+</file>
+
+<file path=ppt/slides/slide37.xml><?xml version="1.0" encoding="utf-8"?>
+<p:sld xmlns:a="http://schemas.openxmlformats.org/drawingml/2006/main" xmlns:r="http://schemas.openxmlformats.org/officeDocument/2006/relationships" xmlns:p="http://schemas.openxmlformats.org/presentationml/2006/main">
+  <p:cSld>
+    <p:spTree>
+      <p:nvGrpSpPr>
+        <p:cNvPr id="1" name=""/>
+        <p:cNvGrpSpPr/>
+        <p:nvPr/>
+      </p:nvGrpSpPr>
+      <p:grpSpPr>
+        <a:xfrm>
+          <a:off x="0" y="0"/>
+          <a:ext cx="0" cy="0"/>
+          <a:chOff x="0" y="0"/>
+          <a:chExt cx="0" cy="0"/>
+        </a:xfrm>
+      </p:grpSpPr>
+      <p:pic>
+        <p:nvPicPr>
+          <p:cNvPr id="8" name="Grafik 7">
+            <a:extLst>
+              <a:ext uri="{FF2B5EF4-FFF2-40B4-BE49-F238E27FC236}">
+                <a16:creationId xmlns:a16="http://schemas.microsoft.com/office/drawing/2014/main" id="{DE3F11EE-B4D5-4BBD-8D1B-776D9898D5AD}"/>
+              </a:ext>
+            </a:extLst>
+          </p:cNvPr>
+          <p:cNvPicPr>
+            <a:picLocks noChangeAspect="1"/>
+          </p:cNvPicPr>
+          <p:nvPr/>
+        </p:nvPicPr>
+        <p:blipFill>
+          <a:blip r:embed="rId3"/>
+          <a:stretch>
+            <a:fillRect/>
+          </a:stretch>
+        </p:blipFill>
+        <p:spPr>
+          <a:xfrm>
+            <a:off x="838199" y="2537093"/>
+            <a:ext cx="7177461" cy="3628754"/>
+          </a:xfrm>
+          <a:prstGeom prst="rect">
+            <a:avLst/>
+          </a:prstGeom>
+        </p:spPr>
+      </p:pic>
+      <p:sp>
+        <p:nvSpPr>
+          <p:cNvPr id="2" name="Titel 1">
+            <a:extLst>
+              <a:ext uri="{FF2B5EF4-FFF2-40B4-BE49-F238E27FC236}">
+                <a16:creationId xmlns:a16="http://schemas.microsoft.com/office/drawing/2014/main" id="{D8AEE356-2190-4A68-B30A-AD40D96A4F3E}"/>
+              </a:ext>
+            </a:extLst>
+          </p:cNvPr>
+          <p:cNvSpPr>
+            <a:spLocks noGrp="1"/>
+          </p:cNvSpPr>
+          <p:nvPr>
+            <p:ph type="title"/>
+          </p:nvPr>
+        </p:nvSpPr>
+        <p:spPr/>
+        <p:txBody>
+          <a:bodyPr/>
+          <a:lstStyle/>
+          <a:p>
+            <a:r>
+              <a:rPr lang="de-DE" dirty="0"/>
+              <a:t>Dart - Methoden</a:t>
+            </a:r>
+          </a:p>
+        </p:txBody>
+      </p:sp>
+      <p:sp>
+        <p:nvSpPr>
+          <p:cNvPr id="3" name="Inhaltsplatzhalter 2">
+            <a:extLst>
+              <a:ext uri="{FF2B5EF4-FFF2-40B4-BE49-F238E27FC236}">
+                <a16:creationId xmlns:a16="http://schemas.microsoft.com/office/drawing/2014/main" id="{CAA2B96E-C69F-4F5B-8511-66F66DA7DC44}"/>
+              </a:ext>
+            </a:extLst>
+          </p:cNvPr>
+          <p:cNvSpPr>
+            <a:spLocks noGrp="1"/>
+          </p:cNvSpPr>
+          <p:nvPr>
+            <p:ph idx="1"/>
+          </p:nvPr>
+        </p:nvSpPr>
+        <p:spPr/>
+        <p:txBody>
+          <a:bodyPr/>
+          <a:lstStyle/>
+          <a:p>
+            <a:r>
+              <a:rPr lang="de-DE" dirty="0"/>
+              <a:t>Mit </a:t>
+            </a:r>
+            <a:r>
+              <a:rPr lang="de-DE" sz="2400" b="1" dirty="0" err="1">
+                <a:solidFill>
+                  <a:schemeClr val="accent1">
+                    <a:lumMod val="75000"/>
+                  </a:schemeClr>
+                </a:solidFill>
+              </a:rPr>
+              <a:t>int</a:t>
+            </a:r>
+            <a:r>
+              <a:rPr lang="de-DE" sz="2400" b="1" dirty="0">
+                <a:solidFill>
+                  <a:schemeClr val="accent1">
+                    <a:lumMod val="75000"/>
+                  </a:schemeClr>
+                </a:solidFill>
+              </a:rPr>
+              <a:t> </a:t>
+            </a:r>
+            <a:r>
+              <a:rPr lang="de-DE" dirty="0"/>
+              <a:t>erkennt die Programmierumgebung den Fehler schon vorher</a:t>
+            </a:r>
+          </a:p>
+        </p:txBody>
+      </p:sp>
+      <p:sp>
+        <p:nvSpPr>
+          <p:cNvPr id="4" name="Datumsplatzhalter 3">
+            <a:extLst>
+              <a:ext uri="{FF2B5EF4-FFF2-40B4-BE49-F238E27FC236}">
+                <a16:creationId xmlns:a16="http://schemas.microsoft.com/office/drawing/2014/main" id="{5DB3E6EA-5CA3-4700-8A7A-A7DF6CBD7260}"/>
+              </a:ext>
+            </a:extLst>
+          </p:cNvPr>
+          <p:cNvSpPr>
+            <a:spLocks noGrp="1"/>
+          </p:cNvSpPr>
+          <p:nvPr>
+            <p:ph type="dt" sz="half" idx="10"/>
+          </p:nvPr>
+        </p:nvSpPr>
+        <p:spPr/>
+        <p:txBody>
+          <a:bodyPr/>
+          <a:lstStyle/>
+          <a:p>
+            <a:fld id="{172E1AE1-643D-418C-ACE4-F2637FAE5286}" type="datetime1">
+              <a:rPr lang="de-DE" smtClean="0"/>
+              <a:t>31.01.2023</a:t>
+            </a:fld>
+            <a:endParaRPr lang="de-DE"/>
+          </a:p>
+        </p:txBody>
+      </p:sp>
+      <p:sp>
+        <p:nvSpPr>
+          <p:cNvPr id="5" name="Fußzeilenplatzhalter 4">
+            <a:extLst>
+              <a:ext uri="{FF2B5EF4-FFF2-40B4-BE49-F238E27FC236}">
+                <a16:creationId xmlns:a16="http://schemas.microsoft.com/office/drawing/2014/main" id="{14E75CA1-7496-4A5F-A5B9-9377BBE8B1B1}"/>
+              </a:ext>
+            </a:extLst>
+          </p:cNvPr>
+          <p:cNvSpPr>
+            <a:spLocks noGrp="1"/>
+          </p:cNvSpPr>
+          <p:nvPr>
+            <p:ph type="ftr" sz="quarter" idx="11"/>
+          </p:nvPr>
+        </p:nvSpPr>
+        <p:spPr/>
+        <p:txBody>
+          <a:bodyPr/>
+          <a:lstStyle/>
+          <a:p>
+            <a:r>
+              <a:rPr lang="de-DE"/>
+              <a:t>Dart - Programmiersprache für Smartphones</a:t>
+            </a:r>
+          </a:p>
+        </p:txBody>
+      </p:sp>
+      <p:sp>
+        <p:nvSpPr>
+          <p:cNvPr id="6" name="Foliennummernplatzhalter 5">
+            <a:extLst>
+              <a:ext uri="{FF2B5EF4-FFF2-40B4-BE49-F238E27FC236}">
+                <a16:creationId xmlns:a16="http://schemas.microsoft.com/office/drawing/2014/main" id="{D692A012-F83C-46E1-89B2-E7D25E69A176}"/>
+              </a:ext>
+            </a:extLst>
+          </p:cNvPr>
+          <p:cNvSpPr>
+            <a:spLocks noGrp="1"/>
+          </p:cNvSpPr>
+          <p:nvPr>
+            <p:ph type="sldNum" sz="quarter" idx="12"/>
+          </p:nvPr>
+        </p:nvSpPr>
+        <p:spPr/>
+        <p:txBody>
+          <a:bodyPr/>
+          <a:lstStyle/>
+          <a:p>
+            <a:fld id="{3A1F27E2-D58A-4028-9FF2-B12D897F257E}" type="slidenum">
+              <a:rPr lang="de-DE" smtClean="0"/>
+              <a:t>37</a:t>
+            </a:fld>
+            <a:endParaRPr lang="de-DE"/>
+          </a:p>
+        </p:txBody>
+      </p:sp>
+      <p:sp>
+        <p:nvSpPr>
+          <p:cNvPr id="11" name="Rechteck 10">
+            <a:extLst>
+              <a:ext uri="{FF2B5EF4-FFF2-40B4-BE49-F238E27FC236}">
+                <a16:creationId xmlns:a16="http://schemas.microsoft.com/office/drawing/2014/main" id="{444FB233-7D49-4B52-BC9C-38CD962C568C}"/>
+              </a:ext>
+            </a:extLst>
+          </p:cNvPr>
+          <p:cNvSpPr/>
+          <p:nvPr/>
+        </p:nvSpPr>
+        <p:spPr>
+          <a:xfrm>
+            <a:off x="1816474" y="3315587"/>
+            <a:ext cx="1160902" cy="393404"/>
+          </a:xfrm>
+          <a:prstGeom prst="rect">
+            <a:avLst/>
+          </a:prstGeom>
+          <a:noFill/>
+          <a:ln w="28575">
+            <a:solidFill>
+              <a:schemeClr val="accent1"/>
+            </a:solidFill>
+          </a:ln>
+        </p:spPr>
+        <p:style>
+          <a:lnRef idx="2">
+            <a:schemeClr val="accent1">
+              <a:shade val="50000"/>
+            </a:schemeClr>
+          </a:lnRef>
+          <a:fillRef idx="1">
+            <a:schemeClr val="accent1"/>
+          </a:fillRef>
+          <a:effectRef idx="0">
+            <a:schemeClr val="accent1"/>
+          </a:effectRef>
+          <a:fontRef idx="minor">
+            <a:schemeClr val="lt1"/>
+          </a:fontRef>
+        </p:style>
+        <p:txBody>
+          <a:bodyPr rtlCol="0" anchor="ctr"/>
+          <a:lstStyle/>
+          <a:p>
+            <a:pPr algn="ctr"/>
+            <a:endParaRPr lang="de-DE"/>
+          </a:p>
+        </p:txBody>
+      </p:sp>
+      <p:sp>
+        <p:nvSpPr>
+          <p:cNvPr id="12" name="Textfeld 11">
+            <a:extLst>
+              <a:ext uri="{FF2B5EF4-FFF2-40B4-BE49-F238E27FC236}">
+                <a16:creationId xmlns:a16="http://schemas.microsoft.com/office/drawing/2014/main" id="{B1D28FFE-BF40-4784-892D-591D71C55283}"/>
+              </a:ext>
+            </a:extLst>
+          </p:cNvPr>
+          <p:cNvSpPr txBox="1"/>
+          <p:nvPr/>
+        </p:nvSpPr>
+        <p:spPr>
+          <a:xfrm>
+            <a:off x="3166946" y="3327623"/>
+            <a:ext cx="1550553" cy="369332"/>
+          </a:xfrm>
+          <a:prstGeom prst="rect">
+            <a:avLst/>
+          </a:prstGeom>
+          <a:noFill/>
+        </p:spPr>
+        <p:txBody>
+          <a:bodyPr wrap="none" rtlCol="0">
+            <a:spAutoFit/>
+          </a:bodyPr>
+          <a:lstStyle/>
+          <a:p>
+            <a:r>
+              <a:rPr lang="de-DE" dirty="0"/>
+              <a:t>Fehler erkannt</a:t>
+            </a:r>
+          </a:p>
+        </p:txBody>
+      </p:sp>
+      <p:sp>
+        <p:nvSpPr>
+          <p:cNvPr id="13" name="Rechteck 12">
+            <a:extLst>
+              <a:ext uri="{FF2B5EF4-FFF2-40B4-BE49-F238E27FC236}">
+                <a16:creationId xmlns:a16="http://schemas.microsoft.com/office/drawing/2014/main" id="{BE3B1DA2-DEE2-4D40-A273-7DCD4BB5EF7A}"/>
+              </a:ext>
+            </a:extLst>
+          </p:cNvPr>
+          <p:cNvSpPr/>
+          <p:nvPr/>
+        </p:nvSpPr>
+        <p:spPr>
+          <a:xfrm>
+            <a:off x="2586494" y="4154769"/>
+            <a:ext cx="580451" cy="393404"/>
+          </a:xfrm>
+          <a:prstGeom prst="rect">
+            <a:avLst/>
+          </a:prstGeom>
+          <a:noFill/>
+          <a:ln w="28575">
+            <a:solidFill>
+              <a:schemeClr val="accent1"/>
+            </a:solidFill>
+          </a:ln>
+        </p:spPr>
+        <p:style>
+          <a:lnRef idx="2">
+            <a:schemeClr val="accent1">
+              <a:shade val="50000"/>
+            </a:schemeClr>
+          </a:lnRef>
+          <a:fillRef idx="1">
+            <a:schemeClr val="accent1"/>
+          </a:fillRef>
+          <a:effectRef idx="0">
+            <a:schemeClr val="accent1"/>
+          </a:effectRef>
+          <a:fontRef idx="minor">
+            <a:schemeClr val="lt1"/>
+          </a:fontRef>
+        </p:style>
+        <p:txBody>
+          <a:bodyPr rtlCol="0" anchor="ctr"/>
+          <a:lstStyle/>
+          <a:p>
+            <a:pPr algn="ctr"/>
+            <a:endParaRPr lang="de-DE"/>
+          </a:p>
+        </p:txBody>
+      </p:sp>
+    </p:spTree>
+    <p:extLst>
+      <p:ext uri="{BB962C8B-B14F-4D97-AF65-F5344CB8AC3E}">
+        <p14:creationId xmlns:p14="http://schemas.microsoft.com/office/powerpoint/2010/main" val="1615878168"/>
+      </p:ext>
+    </p:extLst>
+  </p:cSld>
+  <p:clrMapOvr>
+    <a:masterClrMapping/>
+  </p:clrMapOvr>
+</p:sld>
+</file>
+
+<file path=ppt/slides/slide38.xml><?xml version="1.0" encoding="utf-8"?>
+<p:sld xmlns:a="http://schemas.openxmlformats.org/drawingml/2006/main" xmlns:r="http://schemas.openxmlformats.org/officeDocument/2006/relationships" xmlns:p="http://schemas.openxmlformats.org/presentationml/2006/main">
+  <p:cSld>
+    <p:spTree>
+      <p:nvGrpSpPr>
+        <p:cNvPr id="1" name=""/>
+        <p:cNvGrpSpPr/>
+        <p:nvPr/>
+      </p:nvGrpSpPr>
+      <p:grpSpPr>
+        <a:xfrm>
+          <a:off x="0" y="0"/>
+          <a:ext cx="0" cy="0"/>
+          <a:chOff x="0" y="0"/>
+          <a:chExt cx="0" cy="0"/>
+        </a:xfrm>
+      </p:grpSpPr>
+      <p:pic>
+        <p:nvPicPr>
+          <p:cNvPr id="11" name="Grafik 10">
+            <a:extLst>
+              <a:ext uri="{FF2B5EF4-FFF2-40B4-BE49-F238E27FC236}">
+                <a16:creationId xmlns:a16="http://schemas.microsoft.com/office/drawing/2014/main" id="{8A3CE24C-DE57-4896-AD9F-31B3EC9D1BD5}"/>
+              </a:ext>
+            </a:extLst>
+          </p:cNvPr>
+          <p:cNvPicPr>
+            <a:picLocks noChangeAspect="1"/>
+          </p:cNvPicPr>
+          <p:nvPr/>
+        </p:nvPicPr>
+        <p:blipFill>
+          <a:blip r:embed="rId3"/>
+          <a:stretch>
+            <a:fillRect/>
+          </a:stretch>
+        </p:blipFill>
+        <p:spPr>
+          <a:xfrm>
+            <a:off x="1168325" y="3576484"/>
+            <a:ext cx="5752895" cy="2589366"/>
+          </a:xfrm>
+          <a:prstGeom prst="rect">
+            <a:avLst/>
+          </a:prstGeom>
+        </p:spPr>
+      </p:pic>
+      <p:sp>
+        <p:nvSpPr>
+          <p:cNvPr id="2" name="Titel 1">
+            <a:extLst>
+              <a:ext uri="{FF2B5EF4-FFF2-40B4-BE49-F238E27FC236}">
+                <a16:creationId xmlns:a16="http://schemas.microsoft.com/office/drawing/2014/main" id="{D8AEE356-2190-4A68-B30A-AD40D96A4F3E}"/>
+              </a:ext>
+            </a:extLst>
+          </p:cNvPr>
+          <p:cNvSpPr>
+            <a:spLocks noGrp="1"/>
+          </p:cNvSpPr>
+          <p:nvPr>
+            <p:ph type="title"/>
+          </p:nvPr>
+        </p:nvSpPr>
+        <p:spPr/>
+        <p:txBody>
+          <a:bodyPr/>
+          <a:lstStyle/>
+          <a:p>
+            <a:r>
+              <a:rPr lang="de-DE" dirty="0"/>
+              <a:t>Dart - Funktionen</a:t>
+            </a:r>
+          </a:p>
+        </p:txBody>
+      </p:sp>
+      <p:sp>
+        <p:nvSpPr>
+          <p:cNvPr id="3" name="Inhaltsplatzhalter 2">
+            <a:extLst>
+              <a:ext uri="{FF2B5EF4-FFF2-40B4-BE49-F238E27FC236}">
+                <a16:creationId xmlns:a16="http://schemas.microsoft.com/office/drawing/2014/main" id="{CAA2B96E-C69F-4F5B-8511-66F66DA7DC44}"/>
+              </a:ext>
+            </a:extLst>
+          </p:cNvPr>
+          <p:cNvSpPr>
+            <a:spLocks noGrp="1"/>
+          </p:cNvSpPr>
+          <p:nvPr>
+            <p:ph idx="1"/>
+          </p:nvPr>
+        </p:nvSpPr>
+        <p:spPr/>
+        <p:txBody>
+          <a:bodyPr/>
+          <a:lstStyle/>
+          <a:p>
+            <a:r>
+              <a:rPr lang="de-DE" dirty="0"/>
+              <a:t>Funktionen sind ähnlich wie Methoden, liefern aber ein Ergebnis</a:t>
+            </a:r>
+            <a:br>
+              <a:rPr lang="de-DE" dirty="0"/>
+            </a:br>
+            <a:r>
+              <a:rPr lang="de-DE" sz="2400" b="1" i="1" dirty="0">
+                <a:solidFill>
+                  <a:schemeClr val="tx2"/>
+                </a:solidFill>
+              </a:rPr>
+              <a:t>ergebnistyp</a:t>
+            </a:r>
+            <a:r>
+              <a:rPr lang="de-DE" sz="2400" b="1" dirty="0">
+                <a:solidFill>
+                  <a:schemeClr val="accent1">
+                    <a:lumMod val="75000"/>
+                  </a:schemeClr>
+                </a:solidFill>
+              </a:rPr>
+              <a:t> </a:t>
+            </a:r>
+            <a:r>
+              <a:rPr lang="de-DE" sz="2400" b="1" i="1" dirty="0" err="1">
+                <a:solidFill>
+                  <a:schemeClr val="tx2"/>
+                </a:solidFill>
+              </a:rPr>
+              <a:t>name</a:t>
+            </a:r>
+            <a:r>
+              <a:rPr lang="de-DE" sz="2400" b="1" dirty="0">
+                <a:solidFill>
+                  <a:schemeClr val="accent1">
+                    <a:lumMod val="75000"/>
+                  </a:schemeClr>
+                </a:solidFill>
+              </a:rPr>
+              <a:t>(</a:t>
+            </a:r>
+            <a:r>
+              <a:rPr lang="de-DE" sz="2400" b="1" dirty="0" err="1">
+                <a:solidFill>
+                  <a:schemeClr val="accent1">
+                    <a:lumMod val="75000"/>
+                  </a:schemeClr>
+                </a:solidFill>
+              </a:rPr>
+              <a:t>var</a:t>
+            </a:r>
+            <a:r>
+              <a:rPr lang="de-DE" sz="2400" b="1" dirty="0">
+                <a:solidFill>
+                  <a:schemeClr val="accent1">
+                    <a:lumMod val="75000"/>
+                  </a:schemeClr>
+                </a:solidFill>
+              </a:rPr>
+              <a:t> </a:t>
+            </a:r>
+            <a:r>
+              <a:rPr lang="de-DE" sz="2400" b="1" i="1" dirty="0" err="1">
+                <a:solidFill>
+                  <a:schemeClr val="tx2"/>
+                </a:solidFill>
+              </a:rPr>
+              <a:t>argument</a:t>
+            </a:r>
+            <a:r>
+              <a:rPr lang="de-DE" sz="2400" b="1" dirty="0">
+                <a:solidFill>
+                  <a:schemeClr val="accent1">
+                    <a:lumMod val="75000"/>
+                  </a:schemeClr>
+                </a:solidFill>
+              </a:rPr>
+              <a:t>, </a:t>
+            </a:r>
+            <a:r>
+              <a:rPr lang="de-DE" sz="2400" b="1" dirty="0" err="1">
+                <a:solidFill>
+                  <a:schemeClr val="accent1">
+                    <a:lumMod val="75000"/>
+                  </a:schemeClr>
+                </a:solidFill>
+              </a:rPr>
+              <a:t>var</a:t>
+            </a:r>
+            <a:r>
+              <a:rPr lang="de-DE" sz="2400" b="1" i="1" dirty="0">
+                <a:solidFill>
+                  <a:schemeClr val="tx2"/>
+                </a:solidFill>
+              </a:rPr>
+              <a:t> argument2</a:t>
+            </a:r>
+            <a:r>
+              <a:rPr lang="de-DE" sz="2400" b="1" dirty="0">
+                <a:solidFill>
+                  <a:schemeClr val="accent1">
+                    <a:lumMod val="75000"/>
+                  </a:schemeClr>
+                </a:solidFill>
+              </a:rPr>
+              <a:t>,</a:t>
+            </a:r>
+            <a:r>
+              <a:rPr lang="de-DE" sz="2400" b="1" i="1" dirty="0">
+                <a:solidFill>
+                  <a:schemeClr val="tx2"/>
+                </a:solidFill>
+              </a:rPr>
+              <a:t> </a:t>
+            </a:r>
+            <a:r>
+              <a:rPr lang="de-DE" dirty="0"/>
+              <a:t>…</a:t>
+            </a:r>
+            <a:r>
+              <a:rPr lang="de-DE" sz="2400" b="1" dirty="0">
+                <a:solidFill>
+                  <a:schemeClr val="accent1">
+                    <a:lumMod val="75000"/>
+                  </a:schemeClr>
+                </a:solidFill>
+              </a:rPr>
+              <a:t>) {</a:t>
+            </a:r>
+            <a:r>
+              <a:rPr lang="de-DE" dirty="0"/>
+              <a:t> </a:t>
+            </a:r>
+            <a:br>
+              <a:rPr lang="de-DE" dirty="0"/>
+            </a:br>
+            <a:r>
+              <a:rPr lang="de-DE" dirty="0"/>
+              <a:t>	…</a:t>
+            </a:r>
+            <a:br>
+              <a:rPr lang="de-DE" dirty="0"/>
+            </a:br>
+            <a:r>
+              <a:rPr lang="de-DE" dirty="0"/>
+              <a:t>	</a:t>
+            </a:r>
+            <a:r>
+              <a:rPr lang="de-DE" sz="2400" b="1" dirty="0" err="1">
+                <a:solidFill>
+                  <a:schemeClr val="accent1">
+                    <a:lumMod val="75000"/>
+                  </a:schemeClr>
+                </a:solidFill>
+              </a:rPr>
+              <a:t>return</a:t>
+            </a:r>
+            <a:r>
+              <a:rPr lang="de-DE" sz="2400" b="1" i="1" dirty="0">
+                <a:solidFill>
+                  <a:schemeClr val="tx2"/>
+                </a:solidFill>
+              </a:rPr>
+              <a:t> </a:t>
+            </a:r>
+            <a:r>
+              <a:rPr lang="de-DE" sz="2400" b="1" i="1" dirty="0" err="1">
+                <a:solidFill>
+                  <a:schemeClr val="tx2"/>
+                </a:solidFill>
+              </a:rPr>
+              <a:t>ergebnis</a:t>
+            </a:r>
+            <a:r>
+              <a:rPr lang="de-DE" sz="2400" b="1" dirty="0">
+                <a:solidFill>
+                  <a:schemeClr val="accent1">
+                    <a:lumMod val="75000"/>
+                  </a:schemeClr>
+                </a:solidFill>
+              </a:rPr>
+              <a:t>;</a:t>
+            </a:r>
+            <a:r>
+              <a:rPr lang="de-DE" sz="2400" b="1" i="1" dirty="0">
+                <a:solidFill>
+                  <a:schemeClr val="tx2"/>
+                </a:solidFill>
+              </a:rPr>
+              <a:t> </a:t>
+            </a:r>
+            <a:br>
+              <a:rPr lang="de-DE" sz="2400" b="1" i="1" dirty="0">
+                <a:solidFill>
+                  <a:schemeClr val="tx2"/>
+                </a:solidFill>
+              </a:rPr>
+            </a:br>
+            <a:r>
+              <a:rPr lang="de-DE" sz="2400" b="1" dirty="0">
+                <a:solidFill>
+                  <a:schemeClr val="accent1">
+                    <a:lumMod val="75000"/>
+                  </a:schemeClr>
+                </a:solidFill>
+              </a:rPr>
+              <a:t>}</a:t>
+            </a:r>
+          </a:p>
+        </p:txBody>
+      </p:sp>
+      <p:sp>
+        <p:nvSpPr>
+          <p:cNvPr id="4" name="Datumsplatzhalter 3">
+            <a:extLst>
+              <a:ext uri="{FF2B5EF4-FFF2-40B4-BE49-F238E27FC236}">
+                <a16:creationId xmlns:a16="http://schemas.microsoft.com/office/drawing/2014/main" id="{5DB3E6EA-5CA3-4700-8A7A-A7DF6CBD7260}"/>
+              </a:ext>
+            </a:extLst>
+          </p:cNvPr>
+          <p:cNvSpPr>
+            <a:spLocks noGrp="1"/>
+          </p:cNvSpPr>
+          <p:nvPr>
+            <p:ph type="dt" sz="half" idx="10"/>
+          </p:nvPr>
+        </p:nvSpPr>
+        <p:spPr/>
+        <p:txBody>
+          <a:bodyPr/>
+          <a:lstStyle/>
+          <a:p>
+            <a:fld id="{0C2E1D0D-BBB0-4269-8DC7-C28B8DA8D26F}" type="datetime1">
+              <a:rPr lang="de-DE" smtClean="0"/>
+              <a:t>31.01.2023</a:t>
+            </a:fld>
+            <a:endParaRPr lang="de-DE"/>
+          </a:p>
+        </p:txBody>
+      </p:sp>
+      <p:sp>
+        <p:nvSpPr>
+          <p:cNvPr id="5" name="Fußzeilenplatzhalter 4">
+            <a:extLst>
+              <a:ext uri="{FF2B5EF4-FFF2-40B4-BE49-F238E27FC236}">
+                <a16:creationId xmlns:a16="http://schemas.microsoft.com/office/drawing/2014/main" id="{14E75CA1-7496-4A5F-A5B9-9377BBE8B1B1}"/>
+              </a:ext>
+            </a:extLst>
+          </p:cNvPr>
+          <p:cNvSpPr>
+            <a:spLocks noGrp="1"/>
+          </p:cNvSpPr>
+          <p:nvPr>
+            <p:ph type="ftr" sz="quarter" idx="11"/>
+          </p:nvPr>
+        </p:nvSpPr>
+        <p:spPr/>
+        <p:txBody>
+          <a:bodyPr/>
+          <a:lstStyle/>
+          <a:p>
+            <a:r>
+              <a:rPr lang="de-DE"/>
+              <a:t>Dart - Programmiersprache für Smartphones</a:t>
+            </a:r>
+          </a:p>
+        </p:txBody>
+      </p:sp>
+      <p:sp>
+        <p:nvSpPr>
+          <p:cNvPr id="6" name="Foliennummernplatzhalter 5">
+            <a:extLst>
+              <a:ext uri="{FF2B5EF4-FFF2-40B4-BE49-F238E27FC236}">
+                <a16:creationId xmlns:a16="http://schemas.microsoft.com/office/drawing/2014/main" id="{D692A012-F83C-46E1-89B2-E7D25E69A176}"/>
+              </a:ext>
+            </a:extLst>
+          </p:cNvPr>
+          <p:cNvSpPr>
+            <a:spLocks noGrp="1"/>
+          </p:cNvSpPr>
+          <p:nvPr>
+            <p:ph type="sldNum" sz="quarter" idx="12"/>
+          </p:nvPr>
+        </p:nvSpPr>
+        <p:spPr/>
+        <p:txBody>
+          <a:bodyPr/>
+          <a:lstStyle/>
+          <a:p>
+            <a:fld id="{3A1F27E2-D58A-4028-9FF2-B12D897F257E}" type="slidenum">
+              <a:rPr lang="de-DE" smtClean="0"/>
+              <a:t>38</a:t>
+            </a:fld>
+            <a:endParaRPr lang="de-DE"/>
+          </a:p>
+        </p:txBody>
+      </p:sp>
+    </p:spTree>
+    <p:extLst>
+      <p:ext uri="{BB962C8B-B14F-4D97-AF65-F5344CB8AC3E}">
+        <p14:creationId xmlns:p14="http://schemas.microsoft.com/office/powerpoint/2010/main" val="521988749"/>
+      </p:ext>
+    </p:extLst>
+  </p:cSld>
+  <p:clrMapOvr>
+    <a:masterClrMapping/>
+  </p:clrMapOvr>
+</p:sld>
+</file>
+
+<file path=ppt/slides/slide39.xml><?xml version="1.0" encoding="utf-8"?>
+<p:sld xmlns:a="http://schemas.openxmlformats.org/drawingml/2006/main" xmlns:r="http://schemas.openxmlformats.org/officeDocument/2006/relationships" xmlns:p="http://schemas.openxmlformats.org/presentationml/2006/main">
+  <p:cSld>
+    <p:spTree>
+      <p:nvGrpSpPr>
+        <p:cNvPr id="1" name=""/>
+        <p:cNvGrpSpPr/>
+        <p:nvPr/>
+      </p:nvGrpSpPr>
+      <p:grpSpPr>
+        <a:xfrm>
+          <a:off x="0" y="0"/>
+          <a:ext cx="0" cy="0"/>
+          <a:chOff x="0" y="0"/>
+          <a:chExt cx="0" cy="0"/>
+        </a:xfrm>
+      </p:grpSpPr>
+      <p:sp>
+        <p:nvSpPr>
+          <p:cNvPr id="2" name="Titel 1">
+            <a:extLst>
+              <a:ext uri="{FF2B5EF4-FFF2-40B4-BE49-F238E27FC236}">
+                <a16:creationId xmlns:a16="http://schemas.microsoft.com/office/drawing/2014/main" id="{D8AEE356-2190-4A68-B30A-AD40D96A4F3E}"/>
+              </a:ext>
+            </a:extLst>
+          </p:cNvPr>
+          <p:cNvSpPr>
+            <a:spLocks noGrp="1"/>
+          </p:cNvSpPr>
+          <p:nvPr>
+            <p:ph type="title"/>
+          </p:nvPr>
+        </p:nvSpPr>
+        <p:spPr/>
+        <p:txBody>
+          <a:bodyPr/>
+          <a:lstStyle/>
+          <a:p>
+            <a:r>
+              <a:rPr lang="de-DE" dirty="0"/>
+              <a:t>Dart - Funktionen</a:t>
+            </a:r>
+          </a:p>
+        </p:txBody>
+      </p:sp>
+      <mc:AlternateContent xmlns:mc="http://schemas.openxmlformats.org/markup-compatibility/2006" xmlns:a14="http://schemas.microsoft.com/office/drawing/2010/main">
+        <mc:Choice Requires="a14">
+          <p:sp>
+            <p:nvSpPr>
+              <p:cNvPr id="3" name="Inhaltsplatzhalter 2">
+                <a:extLst>
+                  <a:ext uri="{FF2B5EF4-FFF2-40B4-BE49-F238E27FC236}">
+                    <a16:creationId xmlns:a16="http://schemas.microsoft.com/office/drawing/2014/main" id="{CAA2B96E-C69F-4F5B-8511-66F66DA7DC44}"/>
+                  </a:ext>
+                </a:extLst>
+              </p:cNvPr>
+              <p:cNvSpPr>
+                <a:spLocks noGrp="1"/>
+              </p:cNvSpPr>
+              <p:nvPr>
+                <p:ph idx="1"/>
+              </p:nvPr>
+            </p:nvSpPr>
+            <p:spPr>
+              <a:xfrm>
+                <a:off x="838200" y="1520825"/>
+                <a:ext cx="9869129" cy="4645025"/>
+              </a:xfrm>
+            </p:spPr>
+            <p:txBody>
+              <a:bodyPr anchor="ctr"/>
+              <a:lstStyle/>
+              <a:p>
+                <a:pPr marL="0" indent="0">
+                  <a:buNone/>
+                </a:pPr>
+                <a:r>
+                  <a:rPr lang="de-DE" dirty="0"/>
+                  <a:t>Programmiere eine Funktion, </a:t>
+                </a:r>
+                <a:br>
+                  <a:rPr lang="de-DE" dirty="0"/>
+                </a:br>
+                <a:r>
+                  <a:rPr lang="de-DE" dirty="0"/>
+                  <a:t>die das gleiche Ergebnis liefert wie </a:t>
+                </a:r>
+                <a:r>
+                  <a:rPr lang="de-DE" dirty="0" err="1"/>
+                  <a:t>math.pow</a:t>
+                </a:r>
+                <a:r>
+                  <a:rPr lang="de-DE" dirty="0"/>
+                  <a:t>()</a:t>
+                </a:r>
+              </a:p>
+              <a:p>
+                <a:pPr marL="0" indent="0">
+                  <a:buNone/>
+                </a:pPr>
+                <a:endParaRPr lang="de-DE" dirty="0"/>
+              </a:p>
+              <a:p>
+                <a:pPr marL="0" indent="0">
+                  <a:buNone/>
+                </a:pPr>
+                <a:r>
+                  <a:rPr lang="de-DE" sz="2000" dirty="0"/>
+                  <a:t>Zulässige Annahme:</a:t>
+                </a:r>
+              </a:p>
+              <a:p>
+                <a:r>
+                  <a:rPr lang="de-DE" sz="2000" dirty="0"/>
+                  <a:t>Nur natürliche Zahlen (</a:t>
+                </a:r>
+                <a14:m>
+                  <m:oMath xmlns:m="http://schemas.openxmlformats.org/officeDocument/2006/math">
+                    <m:sSubSup>
+                      <m:sSubSupPr>
+                        <m:ctrlPr>
+                          <a:rPr lang="de-DE" sz="2000" i="1" smtClean="0">
+                            <a:latin typeface="Cambria Math" panose="02040503050406030204" pitchFamily="18" charset="0"/>
+                            <a:ea typeface="Cambria Math" panose="02040503050406030204" pitchFamily="18" charset="0"/>
+                          </a:rPr>
+                        </m:ctrlPr>
+                      </m:sSubSupPr>
+                      <m:e>
+                        <m:r>
+                          <a:rPr lang="de-DE" sz="2000" i="1">
+                            <a:latin typeface="Cambria Math" panose="02040503050406030204" pitchFamily="18" charset="0"/>
+                            <a:ea typeface="Cambria Math" panose="02040503050406030204" pitchFamily="18" charset="0"/>
+                          </a:rPr>
+                          <m:t>ℕ</m:t>
+                        </m:r>
+                      </m:e>
+                      <m:sub>
+                        <m:r>
+                          <a:rPr lang="de-DE" sz="2000" b="0" i="1" smtClean="0">
+                            <a:latin typeface="Cambria Math" panose="02040503050406030204" pitchFamily="18" charset="0"/>
+                            <a:ea typeface="Cambria Math" panose="02040503050406030204" pitchFamily="18" charset="0"/>
+                          </a:rPr>
+                          <m:t>0</m:t>
+                        </m:r>
+                      </m:sub>
+                      <m:sup>
+                        <m:r>
+                          <a:rPr lang="de-DE" sz="2000" b="0" i="1" smtClean="0">
+                            <a:latin typeface="Cambria Math" panose="02040503050406030204" pitchFamily="18" charset="0"/>
+                            <a:ea typeface="Cambria Math" panose="02040503050406030204" pitchFamily="18" charset="0"/>
+                          </a:rPr>
+                          <m:t> </m:t>
+                        </m:r>
+                      </m:sup>
+                    </m:sSubSup>
+                  </m:oMath>
+                </a14:m>
+                <a:r>
+                  <a:rPr lang="de-DE" sz="2000" dirty="0"/>
+                  <a:t>)</a:t>
+                </a:r>
+              </a:p>
+            </p:txBody>
+          </p:sp>
+        </mc:Choice>
+        <mc:Fallback xmlns="">
+          <p:sp>
+            <p:nvSpPr>
+              <p:cNvPr id="3" name="Inhaltsplatzhalter 2">
+                <a:extLst>
+                  <a:ext uri="{FF2B5EF4-FFF2-40B4-BE49-F238E27FC236}">
+                    <a16:creationId xmlns:a16="http://schemas.microsoft.com/office/drawing/2014/main" id="{CAA2B96E-C69F-4F5B-8511-66F66DA7DC44}"/>
+                  </a:ext>
+                </a:extLst>
+              </p:cNvPr>
+              <p:cNvSpPr>
+                <a:spLocks noGrp="1" noRot="1" noChangeAspect="1" noMove="1" noResize="1" noEditPoints="1" noAdjustHandles="1" noChangeArrowheads="1" noChangeShapeType="1" noTextEdit="1"/>
+              </p:cNvSpPr>
+              <p:nvPr>
+                <p:ph idx="1"/>
+              </p:nvPr>
+            </p:nvSpPr>
+            <p:spPr>
+              <a:xfrm>
+                <a:off x="838200" y="1520825"/>
+                <a:ext cx="9869129" cy="4645025"/>
+              </a:xfrm>
+              <a:blipFill>
+                <a:blip r:embed="rId3"/>
+                <a:stretch>
+                  <a:fillRect l="-1298"/>
+                </a:stretch>
+              </a:blipFill>
+            </p:spPr>
+            <p:txBody>
+              <a:bodyPr/>
+              <a:lstStyle/>
+              <a:p>
+                <a:r>
+                  <a:rPr lang="de-DE">
+                    <a:noFill/>
+                  </a:rPr>
+                  <a:t> </a:t>
+                </a:r>
+              </a:p>
+            </p:txBody>
+          </p:sp>
+        </mc:Fallback>
+      </mc:AlternateContent>
+      <p:sp>
+        <p:nvSpPr>
+          <p:cNvPr id="4" name="Datumsplatzhalter 3">
+            <a:extLst>
+              <a:ext uri="{FF2B5EF4-FFF2-40B4-BE49-F238E27FC236}">
+                <a16:creationId xmlns:a16="http://schemas.microsoft.com/office/drawing/2014/main" id="{5DB3E6EA-5CA3-4700-8A7A-A7DF6CBD7260}"/>
+              </a:ext>
+            </a:extLst>
+          </p:cNvPr>
+          <p:cNvSpPr>
+            <a:spLocks noGrp="1"/>
+          </p:cNvSpPr>
+          <p:nvPr>
+            <p:ph type="dt" sz="half" idx="10"/>
+          </p:nvPr>
+        </p:nvSpPr>
+        <p:spPr/>
+        <p:txBody>
+          <a:bodyPr/>
+          <a:lstStyle/>
+          <a:p>
+            <a:fld id="{509B9FD4-6125-48DF-AAFB-8A90591F704C}" type="datetime1">
+              <a:rPr lang="de-DE" smtClean="0"/>
+              <a:t>31.01.2023</a:t>
+            </a:fld>
+            <a:endParaRPr lang="de-DE"/>
+          </a:p>
+        </p:txBody>
+      </p:sp>
+      <p:sp>
+        <p:nvSpPr>
+          <p:cNvPr id="5" name="Fußzeilenplatzhalter 4">
+            <a:extLst>
+              <a:ext uri="{FF2B5EF4-FFF2-40B4-BE49-F238E27FC236}">
+                <a16:creationId xmlns:a16="http://schemas.microsoft.com/office/drawing/2014/main" id="{14E75CA1-7496-4A5F-A5B9-9377BBE8B1B1}"/>
+              </a:ext>
+            </a:extLst>
+          </p:cNvPr>
+          <p:cNvSpPr>
+            <a:spLocks noGrp="1"/>
+          </p:cNvSpPr>
+          <p:nvPr>
+            <p:ph type="ftr" sz="quarter" idx="11"/>
+          </p:nvPr>
+        </p:nvSpPr>
+        <p:spPr/>
+        <p:txBody>
+          <a:bodyPr/>
+          <a:lstStyle/>
+          <a:p>
+            <a:r>
+              <a:rPr lang="de-DE"/>
+              <a:t>Dart - Programmiersprache für Smartphones</a:t>
+            </a:r>
+          </a:p>
+        </p:txBody>
+      </p:sp>
+      <p:sp>
+        <p:nvSpPr>
+          <p:cNvPr id="6" name="Foliennummernplatzhalter 5">
+            <a:extLst>
+              <a:ext uri="{FF2B5EF4-FFF2-40B4-BE49-F238E27FC236}">
+                <a16:creationId xmlns:a16="http://schemas.microsoft.com/office/drawing/2014/main" id="{D692A012-F83C-46E1-89B2-E7D25E69A176}"/>
+              </a:ext>
+            </a:extLst>
+          </p:cNvPr>
+          <p:cNvSpPr>
+            <a:spLocks noGrp="1"/>
+          </p:cNvSpPr>
+          <p:nvPr>
+            <p:ph type="sldNum" sz="quarter" idx="12"/>
+          </p:nvPr>
+        </p:nvSpPr>
+        <p:spPr/>
+        <p:txBody>
+          <a:bodyPr/>
+          <a:lstStyle/>
+          <a:p>
+            <a:fld id="{3A1F27E2-D58A-4028-9FF2-B12D897F257E}" type="slidenum">
+              <a:rPr lang="de-DE" smtClean="0"/>
+              <a:t>39</a:t>
+            </a:fld>
+            <a:endParaRPr lang="de-DE"/>
+          </a:p>
+        </p:txBody>
+      </p:sp>
+    </p:spTree>
+    <p:extLst>
+      <p:ext uri="{BB962C8B-B14F-4D97-AF65-F5344CB8AC3E}">
+        <p14:creationId xmlns:p14="http://schemas.microsoft.com/office/powerpoint/2010/main" val="917328592"/>
+      </p:ext>
+    </p:extLst>
+  </p:cSld>
+  <p:clrMapOvr>
+    <a:masterClrMapping/>
+  </p:clrMapOvr>
+</p:sld>
+</file>
+
 <file path=ppt/slides/slide4.xml><?xml version="1.0" encoding="utf-8"?>
 <p:sld xmlns:a="http://schemas.openxmlformats.org/drawingml/2006/main" xmlns:r="http://schemas.openxmlformats.org/officeDocument/2006/relationships" xmlns:p="http://schemas.openxmlformats.org/presentationml/2006/main">
   <p:cSld>
@@ -15366,6 +18768,282 @@
     <p:extLst>
       <p:ext uri="{BB962C8B-B14F-4D97-AF65-F5344CB8AC3E}">
         <p14:creationId xmlns:p14="http://schemas.microsoft.com/office/powerpoint/2010/main" val="3521883337"/>
+      </p:ext>
+    </p:extLst>
+  </p:cSld>
+  <p:clrMapOvr>
+    <a:masterClrMapping/>
+  </p:clrMapOvr>
+</p:sld>
+</file>
+
+<file path=ppt/slides/slide40.xml><?xml version="1.0" encoding="utf-8"?>
+<p:sld xmlns:a="http://schemas.openxmlformats.org/drawingml/2006/main" xmlns:r="http://schemas.openxmlformats.org/officeDocument/2006/relationships" xmlns:p="http://schemas.openxmlformats.org/presentationml/2006/main">
+  <p:cSld>
+    <p:spTree>
+      <p:nvGrpSpPr>
+        <p:cNvPr id="1" name=""/>
+        <p:cNvGrpSpPr/>
+        <p:nvPr/>
+      </p:nvGrpSpPr>
+      <p:grpSpPr>
+        <a:xfrm>
+          <a:off x="0" y="0"/>
+          <a:ext cx="0" cy="0"/>
+          <a:chOff x="0" y="0"/>
+          <a:chExt cx="0" cy="0"/>
+        </a:xfrm>
+      </p:grpSpPr>
+      <p:sp>
+        <p:nvSpPr>
+          <p:cNvPr id="2" name="Titel 1">
+            <a:extLst>
+              <a:ext uri="{FF2B5EF4-FFF2-40B4-BE49-F238E27FC236}">
+                <a16:creationId xmlns:a16="http://schemas.microsoft.com/office/drawing/2014/main" id="{D8AEE356-2190-4A68-B30A-AD40D96A4F3E}"/>
+              </a:ext>
+            </a:extLst>
+          </p:cNvPr>
+          <p:cNvSpPr>
+            <a:spLocks noGrp="1"/>
+          </p:cNvSpPr>
+          <p:nvPr>
+            <p:ph type="title"/>
+          </p:nvPr>
+        </p:nvSpPr>
+        <p:spPr/>
+        <p:txBody>
+          <a:bodyPr/>
+          <a:lstStyle/>
+          <a:p>
+            <a:r>
+              <a:rPr lang="de-DE" dirty="0"/>
+              <a:t>Dart - Funktionen</a:t>
+            </a:r>
+          </a:p>
+        </p:txBody>
+      </p:sp>
+      <mc:AlternateContent xmlns:mc="http://schemas.openxmlformats.org/markup-compatibility/2006" xmlns:a14="http://schemas.microsoft.com/office/drawing/2010/main">
+        <mc:Choice Requires="a14">
+          <p:sp>
+            <p:nvSpPr>
+              <p:cNvPr id="3" name="Inhaltsplatzhalter 2">
+                <a:extLst>
+                  <a:ext uri="{FF2B5EF4-FFF2-40B4-BE49-F238E27FC236}">
+                    <a16:creationId xmlns:a16="http://schemas.microsoft.com/office/drawing/2014/main" id="{CAA2B96E-C69F-4F5B-8511-66F66DA7DC44}"/>
+                  </a:ext>
+                </a:extLst>
+              </p:cNvPr>
+              <p:cNvSpPr>
+                <a:spLocks noGrp="1"/>
+              </p:cNvSpPr>
+              <p:nvPr>
+                <p:ph idx="1"/>
+              </p:nvPr>
+            </p:nvSpPr>
+            <p:spPr>
+              <a:xfrm>
+                <a:off x="838200" y="1520825"/>
+                <a:ext cx="9869129" cy="4645025"/>
+              </a:xfrm>
+            </p:spPr>
+            <p:txBody>
+              <a:bodyPr anchor="ctr"/>
+              <a:lstStyle/>
+              <a:p>
+                <a:pPr marL="0" indent="0">
+                  <a:buNone/>
+                </a:pPr>
+                <a:r>
+                  <a:rPr lang="de-DE" dirty="0"/>
+                  <a:t>Schreibe eine Funktion, </a:t>
+                </a:r>
+                <a:br>
+                  <a:rPr lang="de-DE" dirty="0"/>
+                </a:br>
+                <a:r>
+                  <a:rPr lang="de-DE" dirty="0"/>
+                  <a:t>die aus einer Liste mit Zahlen die kleinste heraussucht.</a:t>
+                </a:r>
+              </a:p>
+              <a:p>
+                <a:pPr marL="0" indent="0">
+                  <a:buNone/>
+                </a:pPr>
+                <a:endParaRPr lang="de-DE" sz="2000" dirty="0"/>
+              </a:p>
+              <a:p>
+                <a:pPr marL="0" indent="0">
+                  <a:buNone/>
+                </a:pPr>
+                <a:r>
+                  <a:rPr lang="de-DE" sz="2000" dirty="0"/>
+                  <a:t>Zulässige Annahme:</a:t>
+                </a:r>
+              </a:p>
+              <a:p>
+                <a:r>
+                  <a:rPr lang="de-DE" sz="2000" dirty="0"/>
+                  <a:t>Nur ganze Zahlen (</a:t>
+                </a:r>
+                <a14:m>
+                  <m:oMath xmlns:m="http://schemas.openxmlformats.org/officeDocument/2006/math">
+                    <m:r>
+                      <a:rPr lang="de-DE" sz="2000" i="1" smtClean="0">
+                        <a:latin typeface="Cambria Math" panose="02040503050406030204" pitchFamily="18" charset="0"/>
+                        <a:ea typeface="Cambria Math" panose="02040503050406030204" pitchFamily="18" charset="0"/>
+                      </a:rPr>
+                      <m:t>ℤ</m:t>
+                    </m:r>
+                  </m:oMath>
+                </a14:m>
+                <a:r>
+                  <a:rPr lang="de-DE" sz="2000" dirty="0"/>
+                  <a:t>)</a:t>
+                </a:r>
+              </a:p>
+              <a:p>
+                <a:r>
+                  <a:rPr lang="de-DE" sz="2000" dirty="0"/>
+                  <a:t>Mindestens eine Zahl in der Liste</a:t>
+                </a:r>
+              </a:p>
+            </p:txBody>
+          </p:sp>
+        </mc:Choice>
+        <mc:Fallback xmlns="">
+          <p:sp>
+            <p:nvSpPr>
+              <p:cNvPr id="3" name="Inhaltsplatzhalter 2">
+                <a:extLst>
+                  <a:ext uri="{FF2B5EF4-FFF2-40B4-BE49-F238E27FC236}">
+                    <a16:creationId xmlns:a16="http://schemas.microsoft.com/office/drawing/2014/main" id="{CAA2B96E-C69F-4F5B-8511-66F66DA7DC44}"/>
+                  </a:ext>
+                </a:extLst>
+              </p:cNvPr>
+              <p:cNvSpPr>
+                <a:spLocks noGrp="1" noRot="1" noChangeAspect="1" noMove="1" noResize="1" noEditPoints="1" noAdjustHandles="1" noChangeArrowheads="1" noChangeShapeType="1" noTextEdit="1"/>
+              </p:cNvSpPr>
+              <p:nvPr>
+                <p:ph idx="1"/>
+              </p:nvPr>
+            </p:nvSpPr>
+            <p:spPr>
+              <a:xfrm>
+                <a:off x="838200" y="1520825"/>
+                <a:ext cx="9869129" cy="4645025"/>
+              </a:xfrm>
+              <a:blipFill>
+                <a:blip r:embed="rId3"/>
+                <a:stretch>
+                  <a:fillRect l="-1298"/>
+                </a:stretch>
+              </a:blipFill>
+            </p:spPr>
+            <p:txBody>
+              <a:bodyPr/>
+              <a:lstStyle/>
+              <a:p>
+                <a:r>
+                  <a:rPr lang="de-DE">
+                    <a:noFill/>
+                  </a:rPr>
+                  <a:t> </a:t>
+                </a:r>
+              </a:p>
+            </p:txBody>
+          </p:sp>
+        </mc:Fallback>
+      </mc:AlternateContent>
+      <p:sp>
+        <p:nvSpPr>
+          <p:cNvPr id="4" name="Datumsplatzhalter 3">
+            <a:extLst>
+              <a:ext uri="{FF2B5EF4-FFF2-40B4-BE49-F238E27FC236}">
+                <a16:creationId xmlns:a16="http://schemas.microsoft.com/office/drawing/2014/main" id="{5DB3E6EA-5CA3-4700-8A7A-A7DF6CBD7260}"/>
+              </a:ext>
+            </a:extLst>
+          </p:cNvPr>
+          <p:cNvSpPr>
+            <a:spLocks noGrp="1"/>
+          </p:cNvSpPr>
+          <p:nvPr>
+            <p:ph type="dt" sz="half" idx="10"/>
+          </p:nvPr>
+        </p:nvSpPr>
+        <p:spPr/>
+        <p:txBody>
+          <a:bodyPr/>
+          <a:lstStyle/>
+          <a:p>
+            <a:fld id="{5E005D36-C238-4437-9368-75EE1209248D}" type="datetime1">
+              <a:rPr lang="de-DE" smtClean="0"/>
+              <a:t>31.01.2023</a:t>
+            </a:fld>
+            <a:endParaRPr lang="de-DE"/>
+          </a:p>
+        </p:txBody>
+      </p:sp>
+      <p:sp>
+        <p:nvSpPr>
+          <p:cNvPr id="5" name="Fußzeilenplatzhalter 4">
+            <a:extLst>
+              <a:ext uri="{FF2B5EF4-FFF2-40B4-BE49-F238E27FC236}">
+                <a16:creationId xmlns:a16="http://schemas.microsoft.com/office/drawing/2014/main" id="{14E75CA1-7496-4A5F-A5B9-9377BBE8B1B1}"/>
+              </a:ext>
+            </a:extLst>
+          </p:cNvPr>
+          <p:cNvSpPr>
+            <a:spLocks noGrp="1"/>
+          </p:cNvSpPr>
+          <p:nvPr>
+            <p:ph type="ftr" sz="quarter" idx="11"/>
+          </p:nvPr>
+        </p:nvSpPr>
+        <p:spPr/>
+        <p:txBody>
+          <a:bodyPr/>
+          <a:lstStyle/>
+          <a:p>
+            <a:r>
+              <a:rPr lang="de-DE"/>
+              <a:t>Dart - Programmiersprache für Smartphones</a:t>
+            </a:r>
+          </a:p>
+        </p:txBody>
+      </p:sp>
+      <p:sp>
+        <p:nvSpPr>
+          <p:cNvPr id="6" name="Foliennummernplatzhalter 5">
+            <a:extLst>
+              <a:ext uri="{FF2B5EF4-FFF2-40B4-BE49-F238E27FC236}">
+                <a16:creationId xmlns:a16="http://schemas.microsoft.com/office/drawing/2014/main" id="{D692A012-F83C-46E1-89B2-E7D25E69A176}"/>
+              </a:ext>
+            </a:extLst>
+          </p:cNvPr>
+          <p:cNvSpPr>
+            <a:spLocks noGrp="1"/>
+          </p:cNvSpPr>
+          <p:nvPr>
+            <p:ph type="sldNum" sz="quarter" idx="12"/>
+          </p:nvPr>
+        </p:nvSpPr>
+        <p:spPr/>
+        <p:txBody>
+          <a:bodyPr/>
+          <a:lstStyle/>
+          <a:p>
+            <a:fld id="{3A1F27E2-D58A-4028-9FF2-B12D897F257E}" type="slidenum">
+              <a:rPr lang="de-DE" smtClean="0"/>
+              <a:t>40</a:t>
+            </a:fld>
+            <a:endParaRPr lang="de-DE"/>
+          </a:p>
+        </p:txBody>
+      </p:sp>
+    </p:spTree>
+    <p:extLst>
+      <p:ext uri="{BB962C8B-B14F-4D97-AF65-F5344CB8AC3E}">
+        <p14:creationId xmlns:p14="http://schemas.microsoft.com/office/powerpoint/2010/main" val="751209009"/>
       </p:ext>
     </p:extLst>
   </p:cSld>

--- a/presentations/Dart.pptx
+++ b/presentations/Dart.pptx
@@ -6,10 +6,10 @@
     <p:sldMasterId id="2147483656" r:id="rId2"/>
   </p:sldMasterIdLst>
   <p:notesMasterIdLst>
-    <p:notesMasterId r:id="rId43"/>
+    <p:notesMasterId r:id="rId54"/>
   </p:notesMasterIdLst>
   <p:handoutMasterIdLst>
-    <p:handoutMasterId r:id="rId44"/>
+    <p:handoutMasterId r:id="rId55"/>
   </p:handoutMasterIdLst>
   <p:sldIdLst>
     <p:sldId id="256" r:id="rId3"/>
@@ -52,6 +52,17 @@
     <p:sldId id="305" r:id="rId40"/>
     <p:sldId id="306" r:id="rId41"/>
     <p:sldId id="307" r:id="rId42"/>
+    <p:sldId id="312" r:id="rId43"/>
+    <p:sldId id="315" r:id="rId44"/>
+    <p:sldId id="314" r:id="rId45"/>
+    <p:sldId id="313" r:id="rId46"/>
+    <p:sldId id="316" r:id="rId47"/>
+    <p:sldId id="317" r:id="rId48"/>
+    <p:sldId id="318" r:id="rId49"/>
+    <p:sldId id="348" r:id="rId50"/>
+    <p:sldId id="349" r:id="rId51"/>
+    <p:sldId id="350" r:id="rId52"/>
+    <p:sldId id="351" r:id="rId53"/>
   </p:sldIdLst>
   <p:sldSz cx="12192000" cy="6858000"/>
   <p:notesSz cx="6858000" cy="9144000"/>
@@ -245,10 +256,23 @@
           </p14:sldIdLst>
         </p14:section>
         <p14:section name="Named Arguments" id="{6F6084BE-49CE-424A-9BA1-3FE4FD559CA2}">
-          <p14:sldIdLst/>
+          <p14:sldIdLst>
+            <p14:sldId id="312"/>
+            <p14:sldId id="315"/>
+            <p14:sldId id="314"/>
+            <p14:sldId id="313"/>
+            <p14:sldId id="316"/>
+            <p14:sldId id="317"/>
+            <p14:sldId id="318"/>
+          </p14:sldIdLst>
         </p14:section>
         <p14:section name="Scope" id="{8F3F1E60-E1CC-4021-8E8B-E3BDB34CA3D8}">
-          <p14:sldIdLst/>
+          <p14:sldIdLst>
+            <p14:sldId id="348"/>
+            <p14:sldId id="349"/>
+            <p14:sldId id="350"/>
+            <p14:sldId id="351"/>
+          </p14:sldIdLst>
         </p14:section>
         <p14:section name="Callbacks" id="{D2154E31-B219-4E25-97DB-5D53D10C44ED}">
           <p14:sldIdLst/>
@@ -387,7 +411,7 @@
                   <a:schemeClr val="tx2"/>
                 </a:solidFill>
               </a:rPr>
-              <a:t>31.01.2023</a:t>
+              <a:t>06.02.2023</a:t>
             </a:fld>
             <a:endParaRPr lang="de-DE">
               <a:solidFill>
@@ -737,7 +761,7 @@
             <a:fld id="{B4113CCE-1A1A-46DB-884A-AE560F65C3AF}" type="datetimeFigureOut">
               <a:rPr lang="de-DE" smtClean="0"/>
               <a:pPr/>
-              <a:t>31.01.2023</a:t>
+              <a:t>06.02.2023</a:t>
             </a:fld>
             <a:endParaRPr lang="de-DE"/>
           </a:p>
@@ -3943,6 +3967,712 @@
 </p:notes>
 </file>
 
+<file path=ppt/notesSlides/notesSlide31.xml><?xml version="1.0" encoding="utf-8"?>
+<p:notes xmlns:a="http://schemas.openxmlformats.org/drawingml/2006/main" xmlns:r="http://schemas.openxmlformats.org/officeDocument/2006/relationships" xmlns:p="http://schemas.openxmlformats.org/presentationml/2006/main">
+  <p:cSld>
+    <p:spTree>
+      <p:nvGrpSpPr>
+        <p:cNvPr id="1" name=""/>
+        <p:cNvGrpSpPr/>
+        <p:nvPr/>
+      </p:nvGrpSpPr>
+      <p:grpSpPr>
+        <a:xfrm>
+          <a:off x="0" y="0"/>
+          <a:ext cx="0" cy="0"/>
+          <a:chOff x="0" y="0"/>
+          <a:chExt cx="0" cy="0"/>
+        </a:xfrm>
+      </p:grpSpPr>
+      <p:sp>
+        <p:nvSpPr>
+          <p:cNvPr id="2" name="Folienbildplatzhalter 1"/>
+          <p:cNvSpPr>
+            <a:spLocks noGrp="1" noRot="1" noChangeAspect="1"/>
+          </p:cNvSpPr>
+          <p:nvPr>
+            <p:ph type="sldImg"/>
+          </p:nvPr>
+        </p:nvSpPr>
+        <p:spPr>
+          <a:xfrm>
+            <a:off x="685800" y="1143000"/>
+            <a:ext cx="4270375" cy="2401888"/>
+          </a:xfrm>
+        </p:spPr>
+      </p:sp>
+      <p:sp>
+        <p:nvSpPr>
+          <p:cNvPr id="3" name="Notizenplatzhalter 2"/>
+          <p:cNvSpPr>
+            <a:spLocks noGrp="1"/>
+          </p:cNvSpPr>
+          <p:nvPr>
+            <p:ph type="body" idx="1"/>
+          </p:nvPr>
+        </p:nvSpPr>
+        <p:spPr/>
+        <p:txBody>
+          <a:bodyPr/>
+          <a:lstStyle/>
+          <a:p>
+            <a:r>
+              <a:rPr lang="de-DE" dirty="0"/>
+              <a:t>Bisher erfolgte die Zuordnung von Werten zur Methode oder Funktion über deren Reihenfolge beim Aufruf.</a:t>
+            </a:r>
+          </a:p>
+          <a:p>
+            <a:r>
+              <a:rPr lang="de-DE" dirty="0"/>
+              <a:t>In diesem Beispiel kann innerhalb der Methode mit dem Namen x auf den Wert von a zugegriffen werden und mit dem Namen y auf den Wert 2.</a:t>
+            </a:r>
+          </a:p>
+          <a:p>
+            <a:endParaRPr lang="de-DE" dirty="0"/>
+          </a:p>
+        </p:txBody>
+      </p:sp>
+      <p:sp>
+        <p:nvSpPr>
+          <p:cNvPr id="4" name="Foliennummernplatzhalter 3"/>
+          <p:cNvSpPr>
+            <a:spLocks noGrp="1"/>
+          </p:cNvSpPr>
+          <p:nvPr>
+            <p:ph type="sldNum" sz="quarter" idx="5"/>
+          </p:nvPr>
+        </p:nvSpPr>
+        <p:spPr/>
+        <p:txBody>
+          <a:bodyPr/>
+          <a:lstStyle/>
+          <a:p>
+            <a:fld id="{927DBD90-B360-417B-B4B3-F05A4AFC1996}" type="slidenum">
+              <a:rPr lang="de-DE" smtClean="0"/>
+              <a:pPr/>
+              <a:t>41</a:t>
+            </a:fld>
+            <a:endParaRPr lang="de-DE"/>
+          </a:p>
+        </p:txBody>
+      </p:sp>
+    </p:spTree>
+    <p:extLst>
+      <p:ext uri="{BB962C8B-B14F-4D97-AF65-F5344CB8AC3E}">
+        <p14:creationId xmlns:p14="http://schemas.microsoft.com/office/powerpoint/2010/main" val="1286187364"/>
+      </p:ext>
+    </p:extLst>
+  </p:cSld>
+  <p:clrMapOvr>
+    <a:masterClrMapping/>
+  </p:clrMapOvr>
+</p:notes>
+</file>
+
+<file path=ppt/notesSlides/notesSlide32.xml><?xml version="1.0" encoding="utf-8"?>
+<p:notes xmlns:a="http://schemas.openxmlformats.org/drawingml/2006/main" xmlns:r="http://schemas.openxmlformats.org/officeDocument/2006/relationships" xmlns:p="http://schemas.openxmlformats.org/presentationml/2006/main">
+  <p:cSld>
+    <p:spTree>
+      <p:nvGrpSpPr>
+        <p:cNvPr id="1" name=""/>
+        <p:cNvGrpSpPr/>
+        <p:nvPr/>
+      </p:nvGrpSpPr>
+      <p:grpSpPr>
+        <a:xfrm>
+          <a:off x="0" y="0"/>
+          <a:ext cx="0" cy="0"/>
+          <a:chOff x="0" y="0"/>
+          <a:chExt cx="0" cy="0"/>
+        </a:xfrm>
+      </p:grpSpPr>
+      <p:sp>
+        <p:nvSpPr>
+          <p:cNvPr id="2" name="Folienbildplatzhalter 1"/>
+          <p:cNvSpPr>
+            <a:spLocks noGrp="1" noRot="1" noChangeAspect="1"/>
+          </p:cNvSpPr>
+          <p:nvPr>
+            <p:ph type="sldImg"/>
+          </p:nvPr>
+        </p:nvSpPr>
+        <p:spPr>
+          <a:xfrm>
+            <a:off x="685800" y="1143000"/>
+            <a:ext cx="4270375" cy="2401888"/>
+          </a:xfrm>
+        </p:spPr>
+      </p:sp>
+      <p:sp>
+        <p:nvSpPr>
+          <p:cNvPr id="3" name="Notizenplatzhalter 2"/>
+          <p:cNvSpPr>
+            <a:spLocks noGrp="1"/>
+          </p:cNvSpPr>
+          <p:nvPr>
+            <p:ph type="body" idx="1"/>
+          </p:nvPr>
+        </p:nvSpPr>
+        <p:spPr/>
+        <p:txBody>
+          <a:bodyPr/>
+          <a:lstStyle/>
+          <a:p>
+            <a:r>
+              <a:rPr lang="de-DE" dirty="0"/>
+              <a:t>Bisher erfolgte die Zuordnung von Werten zur Methode oder Funktion über deren Reihenfolge beim Aufruf.</a:t>
+            </a:r>
+          </a:p>
+          <a:p>
+            <a:r>
+              <a:rPr lang="de-DE" dirty="0"/>
+              <a:t>In diesem Beispiel kann innerhalb der Methode mit dem Namen x auf den Wert von a zugegriffen werden und mit dem Namen y auf den Wert 2.</a:t>
+            </a:r>
+          </a:p>
+          <a:p>
+            <a:endParaRPr lang="de-DE" dirty="0"/>
+          </a:p>
+          <a:p>
+            <a:r>
+              <a:rPr lang="de-DE" dirty="0"/>
+              <a:t>Wenn viele Zahlen übergeben werden, kann man leicht vergessen, welche Zahl wofür steht.</a:t>
+            </a:r>
+          </a:p>
+          <a:p>
+            <a:r>
+              <a:rPr lang="de-DE" dirty="0"/>
+              <a:t>War die 0 für Skonto und die 2 für Mengenrabatt, oder umgekehrt?</a:t>
+            </a:r>
+          </a:p>
+          <a:p>
+            <a:endParaRPr lang="de-DE" dirty="0"/>
+          </a:p>
+          <a:p>
+            <a:r>
+              <a:rPr lang="de-DE" dirty="0"/>
+              <a:t>Ganz zu schweigen davon, dass jemand auf die Idee kommen könnte, in der Preis() Methode die Argumente zu vertauschen.</a:t>
+            </a:r>
+          </a:p>
+        </p:txBody>
+      </p:sp>
+      <p:sp>
+        <p:nvSpPr>
+          <p:cNvPr id="4" name="Foliennummernplatzhalter 3"/>
+          <p:cNvSpPr>
+            <a:spLocks noGrp="1"/>
+          </p:cNvSpPr>
+          <p:nvPr>
+            <p:ph type="sldNum" sz="quarter" idx="5"/>
+          </p:nvPr>
+        </p:nvSpPr>
+        <p:spPr/>
+        <p:txBody>
+          <a:bodyPr/>
+          <a:lstStyle/>
+          <a:p>
+            <a:fld id="{927DBD90-B360-417B-B4B3-F05A4AFC1996}" type="slidenum">
+              <a:rPr lang="de-DE" smtClean="0"/>
+              <a:pPr/>
+              <a:t>42</a:t>
+            </a:fld>
+            <a:endParaRPr lang="de-DE"/>
+          </a:p>
+        </p:txBody>
+      </p:sp>
+    </p:spTree>
+    <p:extLst>
+      <p:ext uri="{BB962C8B-B14F-4D97-AF65-F5344CB8AC3E}">
+        <p14:creationId xmlns:p14="http://schemas.microsoft.com/office/powerpoint/2010/main" val="4094685873"/>
+      </p:ext>
+    </p:extLst>
+  </p:cSld>
+  <p:clrMapOvr>
+    <a:masterClrMapping/>
+  </p:clrMapOvr>
+</p:notes>
+</file>
+
+<file path=ppt/notesSlides/notesSlide33.xml><?xml version="1.0" encoding="utf-8"?>
+<p:notes xmlns:a="http://schemas.openxmlformats.org/drawingml/2006/main" xmlns:r="http://schemas.openxmlformats.org/officeDocument/2006/relationships" xmlns:p="http://schemas.openxmlformats.org/presentationml/2006/main">
+  <p:cSld>
+    <p:spTree>
+      <p:nvGrpSpPr>
+        <p:cNvPr id="1" name=""/>
+        <p:cNvGrpSpPr/>
+        <p:nvPr/>
+      </p:nvGrpSpPr>
+      <p:grpSpPr>
+        <a:xfrm>
+          <a:off x="0" y="0"/>
+          <a:ext cx="0" cy="0"/>
+          <a:chOff x="0" y="0"/>
+          <a:chExt cx="0" cy="0"/>
+        </a:xfrm>
+      </p:grpSpPr>
+      <p:sp>
+        <p:nvSpPr>
+          <p:cNvPr id="2" name="Folienbildplatzhalter 1"/>
+          <p:cNvSpPr>
+            <a:spLocks noGrp="1" noRot="1" noChangeAspect="1"/>
+          </p:cNvSpPr>
+          <p:nvPr>
+            <p:ph type="sldImg"/>
+          </p:nvPr>
+        </p:nvSpPr>
+        <p:spPr>
+          <a:xfrm>
+            <a:off x="685800" y="1143000"/>
+            <a:ext cx="4270375" cy="2401888"/>
+          </a:xfrm>
+        </p:spPr>
+      </p:sp>
+      <p:sp>
+        <p:nvSpPr>
+          <p:cNvPr id="3" name="Notizenplatzhalter 2"/>
+          <p:cNvSpPr>
+            <a:spLocks noGrp="1"/>
+          </p:cNvSpPr>
+          <p:nvPr>
+            <p:ph type="body" idx="1"/>
+          </p:nvPr>
+        </p:nvSpPr>
+        <p:spPr/>
+        <p:txBody>
+          <a:bodyPr/>
+          <a:lstStyle/>
+          <a:p>
+            <a:r>
+              <a:rPr lang="de-DE" dirty="0"/>
+              <a:t>Wenn wir die </a:t>
+            </a:r>
+          </a:p>
+        </p:txBody>
+      </p:sp>
+      <p:sp>
+        <p:nvSpPr>
+          <p:cNvPr id="4" name="Foliennummernplatzhalter 3"/>
+          <p:cNvSpPr>
+            <a:spLocks noGrp="1"/>
+          </p:cNvSpPr>
+          <p:nvPr>
+            <p:ph type="sldNum" sz="quarter" idx="5"/>
+          </p:nvPr>
+        </p:nvSpPr>
+        <p:spPr/>
+        <p:txBody>
+          <a:bodyPr/>
+          <a:lstStyle/>
+          <a:p>
+            <a:fld id="{927DBD90-B360-417B-B4B3-F05A4AFC1996}" type="slidenum">
+              <a:rPr lang="de-DE" smtClean="0"/>
+              <a:pPr/>
+              <a:t>43</a:t>
+            </a:fld>
+            <a:endParaRPr lang="de-DE"/>
+          </a:p>
+        </p:txBody>
+      </p:sp>
+    </p:spTree>
+    <p:extLst>
+      <p:ext uri="{BB962C8B-B14F-4D97-AF65-F5344CB8AC3E}">
+        <p14:creationId xmlns:p14="http://schemas.microsoft.com/office/powerpoint/2010/main" val="2553858044"/>
+      </p:ext>
+    </p:extLst>
+  </p:cSld>
+  <p:clrMapOvr>
+    <a:masterClrMapping/>
+  </p:clrMapOvr>
+</p:notes>
+</file>
+
+<file path=ppt/notesSlides/notesSlide34.xml><?xml version="1.0" encoding="utf-8"?>
+<p:notes xmlns:a="http://schemas.openxmlformats.org/drawingml/2006/main" xmlns:r="http://schemas.openxmlformats.org/officeDocument/2006/relationships" xmlns:p="http://schemas.openxmlformats.org/presentationml/2006/main">
+  <p:cSld>
+    <p:spTree>
+      <p:nvGrpSpPr>
+        <p:cNvPr id="1" name=""/>
+        <p:cNvGrpSpPr/>
+        <p:nvPr/>
+      </p:nvGrpSpPr>
+      <p:grpSpPr>
+        <a:xfrm>
+          <a:off x="0" y="0"/>
+          <a:ext cx="0" cy="0"/>
+          <a:chOff x="0" y="0"/>
+          <a:chExt cx="0" cy="0"/>
+        </a:xfrm>
+      </p:grpSpPr>
+      <p:sp>
+        <p:nvSpPr>
+          <p:cNvPr id="2" name="Folienbildplatzhalter 1"/>
+          <p:cNvSpPr>
+            <a:spLocks noGrp="1" noRot="1" noChangeAspect="1"/>
+          </p:cNvSpPr>
+          <p:nvPr>
+            <p:ph type="sldImg"/>
+          </p:nvPr>
+        </p:nvSpPr>
+        <p:spPr>
+          <a:xfrm>
+            <a:off x="685800" y="1143000"/>
+            <a:ext cx="4270375" cy="2401888"/>
+          </a:xfrm>
+        </p:spPr>
+      </p:sp>
+      <p:sp>
+        <p:nvSpPr>
+          <p:cNvPr id="3" name="Notizenplatzhalter 2"/>
+          <p:cNvSpPr>
+            <a:spLocks noGrp="1"/>
+          </p:cNvSpPr>
+          <p:nvPr>
+            <p:ph type="body" idx="1"/>
+          </p:nvPr>
+        </p:nvSpPr>
+        <p:spPr/>
+        <p:txBody>
+          <a:bodyPr/>
+          <a:lstStyle/>
+          <a:p>
+            <a:r>
+              <a:rPr lang="de-DE" dirty="0"/>
+              <a:t>Engl. </a:t>
+            </a:r>
+            <a:r>
+              <a:rPr lang="de-DE" dirty="0" err="1"/>
+              <a:t>Scope</a:t>
+            </a:r>
+            <a:r>
+              <a:rPr lang="de-DE" dirty="0"/>
+              <a:t> = Umfang, Handlungsspielraum, Reichweite, Gültigkeitsbereich</a:t>
+            </a:r>
+          </a:p>
+        </p:txBody>
+      </p:sp>
+      <p:sp>
+        <p:nvSpPr>
+          <p:cNvPr id="4" name="Foliennummernplatzhalter 3"/>
+          <p:cNvSpPr>
+            <a:spLocks noGrp="1"/>
+          </p:cNvSpPr>
+          <p:nvPr>
+            <p:ph type="sldNum" sz="quarter" idx="5"/>
+          </p:nvPr>
+        </p:nvSpPr>
+        <p:spPr/>
+        <p:txBody>
+          <a:bodyPr/>
+          <a:lstStyle/>
+          <a:p>
+            <a:fld id="{927DBD90-B360-417B-B4B3-F05A4AFC1996}" type="slidenum">
+              <a:rPr lang="de-DE" smtClean="0"/>
+              <a:pPr/>
+              <a:t>48</a:t>
+            </a:fld>
+            <a:endParaRPr lang="de-DE"/>
+          </a:p>
+        </p:txBody>
+      </p:sp>
+    </p:spTree>
+    <p:extLst>
+      <p:ext uri="{BB962C8B-B14F-4D97-AF65-F5344CB8AC3E}">
+        <p14:creationId xmlns:p14="http://schemas.microsoft.com/office/powerpoint/2010/main" val="2573383624"/>
+      </p:ext>
+    </p:extLst>
+  </p:cSld>
+  <p:clrMapOvr>
+    <a:masterClrMapping/>
+  </p:clrMapOvr>
+</p:notes>
+</file>
+
+<file path=ppt/notesSlides/notesSlide35.xml><?xml version="1.0" encoding="utf-8"?>
+<p:notes xmlns:a="http://schemas.openxmlformats.org/drawingml/2006/main" xmlns:r="http://schemas.openxmlformats.org/officeDocument/2006/relationships" xmlns:p="http://schemas.openxmlformats.org/presentationml/2006/main">
+  <p:cSld>
+    <p:spTree>
+      <p:nvGrpSpPr>
+        <p:cNvPr id="1" name=""/>
+        <p:cNvGrpSpPr/>
+        <p:nvPr/>
+      </p:nvGrpSpPr>
+      <p:grpSpPr>
+        <a:xfrm>
+          <a:off x="0" y="0"/>
+          <a:ext cx="0" cy="0"/>
+          <a:chOff x="0" y="0"/>
+          <a:chExt cx="0" cy="0"/>
+        </a:xfrm>
+      </p:grpSpPr>
+      <p:sp>
+        <p:nvSpPr>
+          <p:cNvPr id="2" name="Folienbildplatzhalter 1"/>
+          <p:cNvSpPr>
+            <a:spLocks noGrp="1" noRot="1" noChangeAspect="1"/>
+          </p:cNvSpPr>
+          <p:nvPr>
+            <p:ph type="sldImg"/>
+          </p:nvPr>
+        </p:nvSpPr>
+        <p:spPr>
+          <a:xfrm>
+            <a:off x="685800" y="1143000"/>
+            <a:ext cx="4270375" cy="2401888"/>
+          </a:xfrm>
+        </p:spPr>
+      </p:sp>
+      <p:sp>
+        <p:nvSpPr>
+          <p:cNvPr id="3" name="Notizenplatzhalter 2"/>
+          <p:cNvSpPr>
+            <a:spLocks noGrp="1"/>
+          </p:cNvSpPr>
+          <p:nvPr>
+            <p:ph type="body" idx="1"/>
+          </p:nvPr>
+        </p:nvSpPr>
+        <p:spPr/>
+        <p:txBody>
+          <a:bodyPr/>
+          <a:lstStyle/>
+          <a:p>
+            <a:r>
+              <a:rPr lang="de-DE" dirty="0"/>
+              <a:t>Wie beim Zoll ("Haben Sie etwas zu deklarieren"): Deklaration = Abgabe einer Erklärung.</a:t>
+            </a:r>
+          </a:p>
+          <a:p>
+            <a:r>
+              <a:rPr lang="de-DE" dirty="0"/>
+              <a:t>Erklärung, dass eine Variable existiert.</a:t>
+            </a:r>
+          </a:p>
+        </p:txBody>
+      </p:sp>
+      <p:sp>
+        <p:nvSpPr>
+          <p:cNvPr id="4" name="Foliennummernplatzhalter 3"/>
+          <p:cNvSpPr>
+            <a:spLocks noGrp="1"/>
+          </p:cNvSpPr>
+          <p:nvPr>
+            <p:ph type="sldNum" sz="quarter" idx="5"/>
+          </p:nvPr>
+        </p:nvSpPr>
+        <p:spPr/>
+        <p:txBody>
+          <a:bodyPr/>
+          <a:lstStyle/>
+          <a:p>
+            <a:fld id="{927DBD90-B360-417B-B4B3-F05A4AFC1996}" type="slidenum">
+              <a:rPr lang="de-DE" smtClean="0"/>
+              <a:pPr/>
+              <a:t>49</a:t>
+            </a:fld>
+            <a:endParaRPr lang="de-DE"/>
+          </a:p>
+        </p:txBody>
+      </p:sp>
+    </p:spTree>
+    <p:extLst>
+      <p:ext uri="{BB962C8B-B14F-4D97-AF65-F5344CB8AC3E}">
+        <p14:creationId xmlns:p14="http://schemas.microsoft.com/office/powerpoint/2010/main" val="2039610896"/>
+      </p:ext>
+    </p:extLst>
+  </p:cSld>
+  <p:clrMapOvr>
+    <a:masterClrMapping/>
+  </p:clrMapOvr>
+</p:notes>
+</file>
+
+<file path=ppt/notesSlides/notesSlide36.xml><?xml version="1.0" encoding="utf-8"?>
+<p:notes xmlns:a="http://schemas.openxmlformats.org/drawingml/2006/main" xmlns:r="http://schemas.openxmlformats.org/officeDocument/2006/relationships" xmlns:p="http://schemas.openxmlformats.org/presentationml/2006/main">
+  <p:cSld>
+    <p:spTree>
+      <p:nvGrpSpPr>
+        <p:cNvPr id="1" name=""/>
+        <p:cNvGrpSpPr/>
+        <p:nvPr/>
+      </p:nvGrpSpPr>
+      <p:grpSpPr>
+        <a:xfrm>
+          <a:off x="0" y="0"/>
+          <a:ext cx="0" cy="0"/>
+          <a:chOff x="0" y="0"/>
+          <a:chExt cx="0" cy="0"/>
+        </a:xfrm>
+      </p:grpSpPr>
+      <p:sp>
+        <p:nvSpPr>
+          <p:cNvPr id="2" name="Folienbildplatzhalter 1"/>
+          <p:cNvSpPr>
+            <a:spLocks noGrp="1" noRot="1" noChangeAspect="1"/>
+          </p:cNvSpPr>
+          <p:nvPr>
+            <p:ph type="sldImg"/>
+          </p:nvPr>
+        </p:nvSpPr>
+        <p:spPr>
+          <a:xfrm>
+            <a:off x="685800" y="1143000"/>
+            <a:ext cx="4270375" cy="2401888"/>
+          </a:xfrm>
+        </p:spPr>
+      </p:sp>
+      <p:sp>
+        <p:nvSpPr>
+          <p:cNvPr id="3" name="Notizenplatzhalter 2"/>
+          <p:cNvSpPr>
+            <a:spLocks noGrp="1"/>
+          </p:cNvSpPr>
+          <p:nvPr>
+            <p:ph type="body" idx="1"/>
+          </p:nvPr>
+        </p:nvSpPr>
+        <p:spPr/>
+        <p:txBody>
+          <a:bodyPr/>
+          <a:lstStyle/>
+          <a:p>
+            <a:endParaRPr lang="de-DE" dirty="0"/>
+          </a:p>
+        </p:txBody>
+      </p:sp>
+      <p:sp>
+        <p:nvSpPr>
+          <p:cNvPr id="4" name="Foliennummernplatzhalter 3"/>
+          <p:cNvSpPr>
+            <a:spLocks noGrp="1"/>
+          </p:cNvSpPr>
+          <p:nvPr>
+            <p:ph type="sldNum" sz="quarter" idx="5"/>
+          </p:nvPr>
+        </p:nvSpPr>
+        <p:spPr/>
+        <p:txBody>
+          <a:bodyPr/>
+          <a:lstStyle/>
+          <a:p>
+            <a:fld id="{927DBD90-B360-417B-B4B3-F05A4AFC1996}" type="slidenum">
+              <a:rPr lang="de-DE" smtClean="0"/>
+              <a:pPr/>
+              <a:t>50</a:t>
+            </a:fld>
+            <a:endParaRPr lang="de-DE"/>
+          </a:p>
+        </p:txBody>
+      </p:sp>
+    </p:spTree>
+    <p:extLst>
+      <p:ext uri="{BB962C8B-B14F-4D97-AF65-F5344CB8AC3E}">
+        <p14:creationId xmlns:p14="http://schemas.microsoft.com/office/powerpoint/2010/main" val="540735623"/>
+      </p:ext>
+    </p:extLst>
+  </p:cSld>
+  <p:clrMapOvr>
+    <a:masterClrMapping/>
+  </p:clrMapOvr>
+</p:notes>
+</file>
+
+<file path=ppt/notesSlides/notesSlide37.xml><?xml version="1.0" encoding="utf-8"?>
+<p:notes xmlns:a="http://schemas.openxmlformats.org/drawingml/2006/main" xmlns:r="http://schemas.openxmlformats.org/officeDocument/2006/relationships" xmlns:p="http://schemas.openxmlformats.org/presentationml/2006/main">
+  <p:cSld>
+    <p:spTree>
+      <p:nvGrpSpPr>
+        <p:cNvPr id="1" name=""/>
+        <p:cNvGrpSpPr/>
+        <p:nvPr/>
+      </p:nvGrpSpPr>
+      <p:grpSpPr>
+        <a:xfrm>
+          <a:off x="0" y="0"/>
+          <a:ext cx="0" cy="0"/>
+          <a:chOff x="0" y="0"/>
+          <a:chExt cx="0" cy="0"/>
+        </a:xfrm>
+      </p:grpSpPr>
+      <p:sp>
+        <p:nvSpPr>
+          <p:cNvPr id="2" name="Folienbildplatzhalter 1"/>
+          <p:cNvSpPr>
+            <a:spLocks noGrp="1" noRot="1" noChangeAspect="1"/>
+          </p:cNvSpPr>
+          <p:nvPr>
+            <p:ph type="sldImg"/>
+          </p:nvPr>
+        </p:nvSpPr>
+        <p:spPr>
+          <a:xfrm>
+            <a:off x="685800" y="1143000"/>
+            <a:ext cx="4270375" cy="2401888"/>
+          </a:xfrm>
+        </p:spPr>
+      </p:sp>
+      <p:sp>
+        <p:nvSpPr>
+          <p:cNvPr id="3" name="Notizenplatzhalter 2"/>
+          <p:cNvSpPr>
+            <a:spLocks noGrp="1"/>
+          </p:cNvSpPr>
+          <p:nvPr>
+            <p:ph type="body" idx="1"/>
+          </p:nvPr>
+        </p:nvSpPr>
+        <p:spPr/>
+        <p:txBody>
+          <a:bodyPr/>
+          <a:lstStyle/>
+          <a:p>
+            <a:r>
+              <a:rPr lang="de-DE" dirty="0"/>
+              <a:t>Shadowing ist der Begriff dafür, dass ein Name für eine Variable eine andere Variable verdeckt </a:t>
+            </a:r>
+            <a:r>
+              <a:rPr lang="de-DE"/>
+              <a:t>/ abschattet.</a:t>
+            </a:r>
+            <a:endParaRPr lang="de-DE" dirty="0"/>
+          </a:p>
+        </p:txBody>
+      </p:sp>
+      <p:sp>
+        <p:nvSpPr>
+          <p:cNvPr id="4" name="Foliennummernplatzhalter 3"/>
+          <p:cNvSpPr>
+            <a:spLocks noGrp="1"/>
+          </p:cNvSpPr>
+          <p:nvPr>
+            <p:ph type="sldNum" sz="quarter" idx="5"/>
+          </p:nvPr>
+        </p:nvSpPr>
+        <p:spPr/>
+        <p:txBody>
+          <a:bodyPr/>
+          <a:lstStyle/>
+          <a:p>
+            <a:fld id="{927DBD90-B360-417B-B4B3-F05A4AFC1996}" type="slidenum">
+              <a:rPr lang="de-DE" smtClean="0"/>
+              <a:pPr/>
+              <a:t>51</a:t>
+            </a:fld>
+            <a:endParaRPr lang="de-DE"/>
+          </a:p>
+        </p:txBody>
+      </p:sp>
+    </p:spTree>
+    <p:extLst>
+      <p:ext uri="{BB962C8B-B14F-4D97-AF65-F5344CB8AC3E}">
+        <p14:creationId xmlns:p14="http://schemas.microsoft.com/office/powerpoint/2010/main" val="2411344821"/>
+      </p:ext>
+    </p:extLst>
+  </p:cSld>
+  <p:clrMapOvr>
+    <a:masterClrMapping/>
+  </p:clrMapOvr>
+</p:notes>
+</file>
+
 <file path=ppt/notesSlides/notesSlide4.xml><?xml version="1.0" encoding="utf-8"?>
 <p:notes xmlns:a="http://schemas.openxmlformats.org/drawingml/2006/main" xmlns:r="http://schemas.openxmlformats.org/officeDocument/2006/relationships" xmlns:p="http://schemas.openxmlformats.org/presentationml/2006/main">
   <p:cSld>
@@ -4704,7 +5434,7 @@
           <a:p>
             <a:fld id="{4E6DF7AA-8899-480A-AE8B-97B651237939}" type="datetime1">
               <a:rPr lang="de-DE" smtClean="0"/>
-              <a:t>31.01.2023</a:t>
+              <a:t>06.02.2023</a:t>
             </a:fld>
             <a:endParaRPr lang="de-DE"/>
           </a:p>
@@ -4909,7 +5639,7 @@
           <a:p>
             <a:fld id="{A1082C62-1968-4D03-BE49-CB116A4D6814}" type="datetime1">
               <a:rPr lang="de-DE" smtClean="0"/>
-              <a:t>31.01.2023</a:t>
+              <a:t>06.02.2023</a:t>
             </a:fld>
             <a:endParaRPr lang="de-DE"/>
           </a:p>
@@ -5063,7 +5793,7 @@
           <a:p>
             <a:fld id="{C0E04462-FF80-4281-98D0-2AB88E65DA84}" type="datetime1">
               <a:rPr lang="de-DE" smtClean="0"/>
-              <a:t>31.01.2023</a:t>
+              <a:t>06.02.2023</a:t>
             </a:fld>
             <a:endParaRPr lang="de-DE"/>
           </a:p>
@@ -5300,7 +6030,7 @@
           <a:p>
             <a:fld id="{1FAA5A7F-2A4E-40D6-9FFE-960B13817A2C}" type="datetime1">
               <a:rPr lang="de-DE" smtClean="0"/>
-              <a:t>31.01.2023</a:t>
+              <a:t>06.02.2023</a:t>
             </a:fld>
             <a:endParaRPr lang="de-DE"/>
           </a:p>
@@ -5476,7 +6206,7 @@
           <a:p>
             <a:fld id="{382DDC3E-10C9-4B92-B2FB-A8167FB6AB1D}" type="datetime1">
               <a:rPr lang="de-DE" smtClean="0"/>
-              <a:t>31.01.2023</a:t>
+              <a:t>06.02.2023</a:t>
             </a:fld>
             <a:endParaRPr lang="de-DE"/>
           </a:p>
@@ -5652,7 +6382,7 @@
           <a:p>
             <a:fld id="{8159FE7A-07D2-4D3F-9855-29B7F3DF1D43}" type="datetime1">
               <a:rPr lang="de-DE" smtClean="0"/>
-              <a:t>31.01.2023</a:t>
+              <a:t>06.02.2023</a:t>
             </a:fld>
             <a:endParaRPr lang="de-DE"/>
           </a:p>
@@ -5802,7 +6532,7 @@
           <a:p>
             <a:fld id="{7CF1A54B-9CB9-49D3-BA48-5A7ECDBA0943}" type="datetime1">
               <a:rPr lang="de-DE" smtClean="0"/>
-              <a:t>31.01.2023</a:t>
+              <a:t>06.02.2023</a:t>
             </a:fld>
             <a:endParaRPr lang="de-DE"/>
           </a:p>
@@ -5900,7 +6630,7 @@
           <a:p>
             <a:fld id="{5621DBFA-780B-465A-97B9-CC4792E01430}" type="datetime1">
               <a:rPr lang="de-DE" smtClean="0"/>
-              <a:t>31.01.2023</a:t>
+              <a:t>06.02.2023</a:t>
             </a:fld>
             <a:endParaRPr lang="de-DE"/>
           </a:p>
@@ -6024,7 +6754,7 @@
           <a:p>
             <a:fld id="{13ADA68E-BD65-4999-8C0B-CC0F110C2BD3}" type="datetime1">
               <a:rPr lang="de-DE" smtClean="0"/>
-              <a:t>31.01.2023</a:t>
+              <a:t>06.02.2023</a:t>
             </a:fld>
             <a:endParaRPr lang="de-DE"/>
           </a:p>
@@ -6208,7 +6938,7 @@
           <a:p>
             <a:fld id="{93B55C80-8AAA-4242-8442-4A53184707C3}" type="datetime1">
               <a:rPr lang="de-DE" smtClean="0"/>
-              <a:t>31.01.2023</a:t>
+              <a:t>06.02.2023</a:t>
             </a:fld>
             <a:endParaRPr lang="de-DE"/>
           </a:p>
@@ -6413,7 +7143,7 @@
           <a:p>
             <a:fld id="{4485BB24-7FA9-422A-BF70-F9FA49C1D9F8}" type="datetime1">
               <a:rPr lang="de-DE" smtClean="0"/>
-              <a:t>31.01.2023</a:t>
+              <a:t>06.02.2023</a:t>
             </a:fld>
             <a:endParaRPr lang="de-DE"/>
           </a:p>
@@ -6771,7 +7501,7 @@
           <a:p>
             <a:fld id="{3CD93E9C-CF59-4162-A977-F7642EDBB23A}" type="datetime1">
               <a:rPr lang="de-DE" smtClean="0"/>
-              <a:t>31.01.2023</a:t>
+              <a:t>06.02.2023</a:t>
             </a:fld>
             <a:endParaRPr lang="de-DE" dirty="0"/>
           </a:p>
@@ -7412,7 +8142,7 @@
           <a:p>
             <a:fld id="{6FE8A2CE-6D32-4716-A090-EDD7EE0B4140}" type="datetime1">
               <a:rPr lang="de-DE" smtClean="0"/>
-              <a:t>31.01.2023</a:t>
+              <a:t>06.02.2023</a:t>
             </a:fld>
             <a:endParaRPr lang="de-DE" dirty="0"/>
           </a:p>
@@ -8084,7 +8814,7 @@
           <a:p>
             <a:fld id="{603113A9-B1ED-4EC0-A094-9858FCF2D0C8}" type="datetime1">
               <a:rPr lang="de-DE" smtClean="0"/>
-              <a:t>31.01.2023</a:t>
+              <a:t>06.02.2023</a:t>
             </a:fld>
             <a:endParaRPr lang="de-DE"/>
           </a:p>
@@ -8294,7 +9024,7 @@
           <a:p>
             <a:fld id="{B70EBCA3-FB0B-48D9-A2E5-56DBD5624AFE}" type="datetime1">
               <a:rPr lang="de-DE" smtClean="0"/>
-              <a:t>31.01.2023</a:t>
+              <a:t>06.02.2023</a:t>
             </a:fld>
             <a:endParaRPr lang="de-DE"/>
           </a:p>
@@ -8603,7 +9333,7 @@
           <a:p>
             <a:fld id="{AAEBEB04-CBF0-4835-872C-2565D4E2EBF1}" type="datetime1">
               <a:rPr lang="de-DE" smtClean="0"/>
-              <a:t>31.01.2023</a:t>
+              <a:t>06.02.2023</a:t>
             </a:fld>
             <a:endParaRPr lang="de-DE"/>
           </a:p>
@@ -8871,7 +9601,7 @@
           <a:p>
             <a:fld id="{8F663D0B-A90A-4472-ADF1-2D4D5E0E002A}" type="datetime1">
               <a:rPr lang="de-DE" smtClean="0"/>
-              <a:t>31.01.2023</a:t>
+              <a:t>06.02.2023</a:t>
             </a:fld>
             <a:endParaRPr lang="de-DE"/>
           </a:p>
@@ -9170,7 +9900,7 @@
           <a:p>
             <a:fld id="{C81998FD-B568-4E47-AA9F-CE36B3FEB5BA}" type="datetime1">
               <a:rPr lang="de-DE" smtClean="0"/>
-              <a:t>31.01.2023</a:t>
+              <a:t>06.02.2023</a:t>
             </a:fld>
             <a:endParaRPr lang="de-DE"/>
           </a:p>
@@ -9521,7 +10251,7 @@
           <a:p>
             <a:fld id="{0A4F56F1-7827-4042-A276-DAF40AC0B000}" type="datetime1">
               <a:rPr lang="de-DE" smtClean="0"/>
-              <a:t>31.01.2023</a:t>
+              <a:t>06.02.2023</a:t>
             </a:fld>
             <a:endParaRPr lang="de-DE"/>
           </a:p>
@@ -9819,7 +10549,7 @@
           <a:p>
             <a:fld id="{DAB02174-66FA-41E9-A997-DF7D3619438B}" type="datetime1">
               <a:rPr lang="de-DE" smtClean="0"/>
-              <a:t>31.01.2023</a:t>
+              <a:t>06.02.2023</a:t>
             </a:fld>
             <a:endParaRPr lang="de-DE"/>
           </a:p>
@@ -10200,7 +10930,7 @@
           <a:p>
             <a:fld id="{BDFFDF87-2C7B-4FBB-B7F3-0EB8FC88FA6F}" type="datetime1">
               <a:rPr lang="de-DE" smtClean="0"/>
-              <a:t>31.01.2023</a:t>
+              <a:t>06.02.2023</a:t>
             </a:fld>
             <a:endParaRPr lang="de-DE"/>
           </a:p>
@@ -10533,7 +11263,7 @@
           <a:p>
             <a:fld id="{4AEAFF43-79D1-488F-88E5-AECF0C52E4F6}" type="datetime1">
               <a:rPr lang="de-DE" smtClean="0"/>
-              <a:t>31.01.2023</a:t>
+              <a:t>06.02.2023</a:t>
             </a:fld>
             <a:endParaRPr lang="de-DE"/>
           </a:p>
@@ -10811,7 +11541,7 @@
           <a:p>
             <a:fld id="{F3624D99-4580-4939-A184-6854C4D65CB3}" type="datetime1">
               <a:rPr lang="de-DE" smtClean="0"/>
-              <a:t>31.01.2023</a:t>
+              <a:t>06.02.2023</a:t>
             </a:fld>
             <a:endParaRPr lang="de-DE"/>
           </a:p>
@@ -11151,7 +11881,7 @@
           <a:p>
             <a:fld id="{F2FEDD9D-5594-473A-899D-C0AD9514F726}" type="datetime1">
               <a:rPr lang="de-DE" smtClean="0"/>
-              <a:t>31.01.2023</a:t>
+              <a:t>06.02.2023</a:t>
             </a:fld>
             <a:endParaRPr lang="de-DE"/>
           </a:p>
@@ -11413,7 +12143,7 @@
           <a:p>
             <a:fld id="{92A047F3-1820-4570-AC17-C8DA167C5F14}" type="datetime1">
               <a:rPr lang="de-DE" smtClean="0"/>
-              <a:t>31.01.2023</a:t>
+              <a:t>06.02.2023</a:t>
             </a:fld>
             <a:endParaRPr lang="de-DE"/>
           </a:p>
@@ -11911,7 +12641,7 @@
           <a:p>
             <a:fld id="{95C3B550-B314-4EBE-B643-25AC9427FA8B}" type="datetime1">
               <a:rPr lang="de-DE" smtClean="0"/>
-              <a:t>31.01.2023</a:t>
+              <a:t>06.02.2023</a:t>
             </a:fld>
             <a:endParaRPr lang="de-DE"/>
           </a:p>
@@ -12257,7 +12987,7 @@
           <a:p>
             <a:fld id="{767B626B-00B4-4CEC-8206-7F4851B03FEF}" type="datetime1">
               <a:rPr lang="de-DE" smtClean="0"/>
-              <a:t>31.01.2023</a:t>
+              <a:t>06.02.2023</a:t>
             </a:fld>
             <a:endParaRPr lang="de-DE"/>
           </a:p>
@@ -12569,7 +13299,7 @@
           <a:p>
             <a:fld id="{102EEC64-5E38-4CDE-986C-4F454B58738A}" type="datetime1">
               <a:rPr lang="de-DE" smtClean="0"/>
-              <a:t>31.01.2023</a:t>
+              <a:t>06.02.2023</a:t>
             </a:fld>
             <a:endParaRPr lang="de-DE"/>
           </a:p>
@@ -12802,7 +13532,7 @@
           <a:p>
             <a:fld id="{8B9E1184-3E8E-4927-B70E-FCD133F545CF}" type="datetime1">
               <a:rPr lang="de-DE" smtClean="0"/>
-              <a:t>31.01.2023</a:t>
+              <a:t>06.02.2023</a:t>
             </a:fld>
             <a:endParaRPr lang="de-DE"/>
           </a:p>
@@ -13230,7 +13960,7 @@
           <a:p>
             <a:fld id="{372285A9-CAD1-4F8C-A320-59D4C92876C5}" type="datetime1">
               <a:rPr lang="de-DE" smtClean="0"/>
-              <a:t>31.01.2023</a:t>
+              <a:t>06.02.2023</a:t>
             </a:fld>
             <a:endParaRPr lang="de-DE"/>
           </a:p>
@@ -13443,7 +14173,7 @@
           <a:p>
             <a:fld id="{2F8DC1E6-2D30-4DE7-9C9D-5217FE18022E}" type="datetime1">
               <a:rPr lang="de-DE" smtClean="0"/>
-              <a:t>31.01.2023</a:t>
+              <a:t>06.02.2023</a:t>
             </a:fld>
             <a:endParaRPr lang="de-DE"/>
           </a:p>
@@ -13620,7 +14350,7 @@
           <a:p>
             <a:fld id="{637BE197-E414-48F3-B656-784E07538695}" type="datetime1">
               <a:rPr lang="de-DE" smtClean="0"/>
-              <a:t>31.01.2023</a:t>
+              <a:t>06.02.2023</a:t>
             </a:fld>
             <a:endParaRPr lang="de-DE"/>
           </a:p>
@@ -14052,7 +14782,7 @@
           <a:p>
             <a:fld id="{BC048919-3C08-48F6-A0CD-915EC777362A}" type="datetime1">
               <a:rPr lang="de-DE" smtClean="0"/>
-              <a:t>31.01.2023</a:t>
+              <a:t>06.02.2023</a:t>
             </a:fld>
             <a:endParaRPr lang="de-DE"/>
           </a:p>
@@ -14305,7 +15035,7 @@
           <a:p>
             <a:fld id="{94C91350-6869-4C72-8675-ECEAAAF05F8D}" type="datetime1">
               <a:rPr lang="de-DE" smtClean="0"/>
-              <a:t>31.01.2023</a:t>
+              <a:t>06.02.2023</a:t>
             </a:fld>
             <a:endParaRPr lang="de-DE"/>
           </a:p>
@@ -14647,7 +15377,7 @@
           <a:p>
             <a:fld id="{ACA1733B-6687-4EEA-9A6B-2EF228C82457}" type="datetime1">
               <a:rPr lang="de-DE" smtClean="0"/>
-              <a:t>31.01.2023</a:t>
+              <a:t>06.02.2023</a:t>
             </a:fld>
             <a:endParaRPr lang="de-DE"/>
           </a:p>
@@ -14947,7 +15677,7 @@
           <a:p>
             <a:fld id="{5C03BAA7-20D5-4E1B-8CB5-A2ED8F9EFD7F}" type="datetime1">
               <a:rPr lang="de-DE" smtClean="0"/>
-              <a:t>31.01.2023</a:t>
+              <a:t>06.02.2023</a:t>
             </a:fld>
             <a:endParaRPr lang="de-DE"/>
           </a:p>
@@ -15239,7 +15969,7 @@
           <a:p>
             <a:fld id="{2BBD85E3-27A5-4125-9DB2-C537C85BBE8A}" type="datetime1">
               <a:rPr lang="de-DE" smtClean="0"/>
-              <a:t>31.01.2023</a:t>
+              <a:t>06.02.2023</a:t>
             </a:fld>
             <a:endParaRPr lang="de-DE"/>
           </a:p>
@@ -15470,7 +16200,7 @@
           <a:p>
             <a:fld id="{2BBD85E3-27A5-4125-9DB2-C537C85BBE8A}" type="datetime1">
               <a:rPr lang="de-DE" smtClean="0"/>
-              <a:t>31.01.2023</a:t>
+              <a:t>06.02.2023</a:t>
             </a:fld>
             <a:endParaRPr lang="de-DE"/>
           </a:p>
@@ -15701,7 +16431,7 @@
           <a:p>
             <a:fld id="{115AC75E-72B2-486D-BEF5-A13F9B218F2F}" type="datetime1">
               <a:rPr lang="de-DE" smtClean="0"/>
-              <a:t>31.01.2023</a:t>
+              <a:t>06.02.2023</a:t>
             </a:fld>
             <a:endParaRPr lang="de-DE"/>
           </a:p>
@@ -16101,7 +16831,7 @@
           <a:p>
             <a:fld id="{B8ECF4B1-F230-4767-9D40-08A350DFB7D7}" type="datetime1">
               <a:rPr lang="de-DE" smtClean="0"/>
-              <a:t>31.01.2023</a:t>
+              <a:t>06.02.2023</a:t>
             </a:fld>
             <a:endParaRPr lang="de-DE"/>
           </a:p>
@@ -16437,7 +17167,7 @@
           <a:p>
             <a:fld id="{DFEB386C-A89C-4E71-8C7A-EB57A1CCB74F}" type="datetime1">
               <a:rPr lang="de-DE" smtClean="0"/>
-              <a:t>31.01.2023</a:t>
+              <a:t>06.02.2023</a:t>
             </a:fld>
             <a:endParaRPr lang="de-DE"/>
           </a:p>
@@ -16782,7 +17512,7 @@
           <a:p>
             <a:fld id="{E3A6C6BD-3868-452A-A2BD-92328FD8B4E8}" type="datetime1">
               <a:rPr lang="de-DE" smtClean="0"/>
-              <a:t>31.01.2023</a:t>
+              <a:t>06.02.2023</a:t>
             </a:fld>
             <a:endParaRPr lang="de-DE"/>
           </a:p>
@@ -17001,7 +17731,7 @@
           <a:p>
             <a:fld id="{B60FD287-29C3-4567-A3C8-1214880B52D5}" type="datetime1">
               <a:rPr lang="de-DE" smtClean="0"/>
-              <a:t>31.01.2023</a:t>
+              <a:t>06.02.2023</a:t>
             </a:fld>
             <a:endParaRPr lang="de-DE"/>
           </a:p>
@@ -17396,7 +18126,7 @@
           <a:p>
             <a:fld id="{172E1AE1-643D-418C-ACE4-F2637FAE5286}" type="datetime1">
               <a:rPr lang="de-DE" smtClean="0"/>
-              <a:t>31.01.2023</a:t>
+              <a:t>06.02.2023</a:t>
             </a:fld>
             <a:endParaRPr lang="de-DE"/>
           </a:p>
@@ -17943,7 +18673,7 @@
           <a:p>
             <a:fld id="{0C2E1D0D-BBB0-4269-8DC7-C28B8DA8D26F}" type="datetime1">
               <a:rPr lang="de-DE" smtClean="0"/>
-              <a:t>31.01.2023</a:t>
+              <a:t>06.02.2023</a:t>
             </a:fld>
             <a:endParaRPr lang="de-DE"/>
           </a:p>
@@ -18251,7 +18981,7 @@
           <a:p>
             <a:fld id="{509B9FD4-6125-48DF-AAFB-8A90591F704C}" type="datetime1">
               <a:rPr lang="de-DE" smtClean="0"/>
-              <a:t>31.01.2023</a:t>
+              <a:t>06.02.2023</a:t>
             </a:fld>
             <a:endParaRPr lang="de-DE"/>
           </a:p>
@@ -18550,7 +19280,7 @@
           <a:p>
             <a:fld id="{DDF7F67B-F411-40A4-BFC4-67CF6BB150A8}" type="datetime1">
               <a:rPr lang="de-DE" smtClean="0"/>
-              <a:t>31.01.2023</a:t>
+              <a:t>06.02.2023</a:t>
             </a:fld>
             <a:endParaRPr lang="de-DE"/>
           </a:p>
@@ -18977,7 +19707,7 @@
           <a:p>
             <a:fld id="{5E005D36-C238-4437-9368-75EE1209248D}" type="datetime1">
               <a:rPr lang="de-DE" smtClean="0"/>
-              <a:t>31.01.2023</a:t>
+              <a:t>06.02.2023</a:t>
             </a:fld>
             <a:endParaRPr lang="de-DE"/>
           </a:p>
@@ -19050,6 +19780,4544 @@
   <p:clrMapOvr>
     <a:masterClrMapping/>
   </p:clrMapOvr>
+</p:sld>
+</file>
+
+<file path=ppt/slides/slide41.xml><?xml version="1.0" encoding="utf-8"?>
+<p:sld xmlns:a="http://schemas.openxmlformats.org/drawingml/2006/main" xmlns:r="http://schemas.openxmlformats.org/officeDocument/2006/relationships" xmlns:p="http://schemas.openxmlformats.org/presentationml/2006/main">
+  <p:cSld>
+    <p:spTree>
+      <p:nvGrpSpPr>
+        <p:cNvPr id="1" name=""/>
+        <p:cNvGrpSpPr/>
+        <p:nvPr/>
+      </p:nvGrpSpPr>
+      <p:grpSpPr>
+        <a:xfrm>
+          <a:off x="0" y="0"/>
+          <a:ext cx="0" cy="0"/>
+          <a:chOff x="0" y="0"/>
+          <a:chExt cx="0" cy="0"/>
+        </a:xfrm>
+      </p:grpSpPr>
+      <p:sp>
+        <p:nvSpPr>
+          <p:cNvPr id="2" name="Titel 1">
+            <a:extLst>
+              <a:ext uri="{FF2B5EF4-FFF2-40B4-BE49-F238E27FC236}">
+                <a16:creationId xmlns:a16="http://schemas.microsoft.com/office/drawing/2014/main" id="{3F5848C0-4259-4120-9026-CB7345A2EC7B}"/>
+              </a:ext>
+            </a:extLst>
+          </p:cNvPr>
+          <p:cNvSpPr>
+            <a:spLocks noGrp="1"/>
+          </p:cNvSpPr>
+          <p:nvPr>
+            <p:ph type="title"/>
+          </p:nvPr>
+        </p:nvSpPr>
+        <p:spPr/>
+        <p:txBody>
+          <a:bodyPr/>
+          <a:lstStyle/>
+          <a:p>
+            <a:r>
+              <a:rPr lang="de-DE" dirty="0"/>
+              <a:t>Dart - </a:t>
+            </a:r>
+            <a:r>
+              <a:rPr lang="de-DE" dirty="0" err="1"/>
+              <a:t>Named</a:t>
+            </a:r>
+            <a:r>
+              <a:rPr lang="de-DE" dirty="0"/>
+              <a:t> Arguments</a:t>
+            </a:r>
+          </a:p>
+        </p:txBody>
+      </p:sp>
+      <p:sp>
+        <p:nvSpPr>
+          <p:cNvPr id="3" name="Inhaltsplatzhalter 2">
+            <a:extLst>
+              <a:ext uri="{FF2B5EF4-FFF2-40B4-BE49-F238E27FC236}">
+                <a16:creationId xmlns:a16="http://schemas.microsoft.com/office/drawing/2014/main" id="{C80CF326-EF21-44EE-8CF9-38064E6D7558}"/>
+              </a:ext>
+            </a:extLst>
+          </p:cNvPr>
+          <p:cNvSpPr>
+            <a:spLocks noGrp="1"/>
+          </p:cNvSpPr>
+          <p:nvPr>
+            <p:ph idx="1"/>
+          </p:nvPr>
+        </p:nvSpPr>
+        <p:spPr/>
+        <p:txBody>
+          <a:bodyPr/>
+          <a:lstStyle/>
+          <a:p>
+            <a:r>
+              <a:rPr lang="de-DE" dirty="0"/>
+              <a:t>Bisher: die Reihenfolge spielte eine Rolle.</a:t>
+            </a:r>
+          </a:p>
+        </p:txBody>
+      </p:sp>
+      <p:sp>
+        <p:nvSpPr>
+          <p:cNvPr id="4" name="Datumsplatzhalter 3">
+            <a:extLst>
+              <a:ext uri="{FF2B5EF4-FFF2-40B4-BE49-F238E27FC236}">
+                <a16:creationId xmlns:a16="http://schemas.microsoft.com/office/drawing/2014/main" id="{83962227-3ED0-4E33-87EA-17DC5D03CCD7}"/>
+              </a:ext>
+            </a:extLst>
+          </p:cNvPr>
+          <p:cNvSpPr>
+            <a:spLocks noGrp="1"/>
+          </p:cNvSpPr>
+          <p:nvPr>
+            <p:ph type="dt" sz="half" idx="10"/>
+          </p:nvPr>
+        </p:nvSpPr>
+        <p:spPr/>
+        <p:txBody>
+          <a:bodyPr/>
+          <a:lstStyle/>
+          <a:p>
+            <a:fld id="{21A4D148-919D-4643-B21F-50F1B7EF8BA2}" type="datetime1">
+              <a:rPr lang="de-DE" smtClean="0"/>
+              <a:t>06.02.2023</a:t>
+            </a:fld>
+            <a:endParaRPr lang="de-DE"/>
+          </a:p>
+        </p:txBody>
+      </p:sp>
+      <p:sp>
+        <p:nvSpPr>
+          <p:cNvPr id="5" name="Fußzeilenplatzhalter 4">
+            <a:extLst>
+              <a:ext uri="{FF2B5EF4-FFF2-40B4-BE49-F238E27FC236}">
+                <a16:creationId xmlns:a16="http://schemas.microsoft.com/office/drawing/2014/main" id="{9E653B40-DEB7-4497-9060-4EC12557C0AA}"/>
+              </a:ext>
+            </a:extLst>
+          </p:cNvPr>
+          <p:cNvSpPr>
+            <a:spLocks noGrp="1"/>
+          </p:cNvSpPr>
+          <p:nvPr>
+            <p:ph type="ftr" sz="quarter" idx="11"/>
+          </p:nvPr>
+        </p:nvSpPr>
+        <p:spPr/>
+        <p:txBody>
+          <a:bodyPr/>
+          <a:lstStyle/>
+          <a:p>
+            <a:r>
+              <a:rPr lang="de-DE"/>
+              <a:t>Dart - Programmiersprache für Smartphones</a:t>
+            </a:r>
+          </a:p>
+        </p:txBody>
+      </p:sp>
+      <p:sp>
+        <p:nvSpPr>
+          <p:cNvPr id="6" name="Foliennummernplatzhalter 5">
+            <a:extLst>
+              <a:ext uri="{FF2B5EF4-FFF2-40B4-BE49-F238E27FC236}">
+                <a16:creationId xmlns:a16="http://schemas.microsoft.com/office/drawing/2014/main" id="{151EBF49-261D-46A7-89BC-1309B61050EC}"/>
+              </a:ext>
+            </a:extLst>
+          </p:cNvPr>
+          <p:cNvSpPr>
+            <a:spLocks noGrp="1"/>
+          </p:cNvSpPr>
+          <p:nvPr>
+            <p:ph type="sldNum" sz="quarter" idx="12"/>
+          </p:nvPr>
+        </p:nvSpPr>
+        <p:spPr/>
+        <p:txBody>
+          <a:bodyPr/>
+          <a:lstStyle/>
+          <a:p>
+            <a:fld id="{3A1F27E2-D58A-4028-9FF2-B12D897F257E}" type="slidenum">
+              <a:rPr lang="de-DE" smtClean="0"/>
+              <a:t>41</a:t>
+            </a:fld>
+            <a:endParaRPr lang="de-DE"/>
+          </a:p>
+        </p:txBody>
+      </p:sp>
+      <p:pic>
+        <p:nvPicPr>
+          <p:cNvPr id="8" name="Grafik 7">
+            <a:extLst>
+              <a:ext uri="{FF2B5EF4-FFF2-40B4-BE49-F238E27FC236}">
+                <a16:creationId xmlns:a16="http://schemas.microsoft.com/office/drawing/2014/main" id="{DD6C786E-16D4-45B3-AF8C-9D30C4D274AB}"/>
+              </a:ext>
+            </a:extLst>
+          </p:cNvPr>
+          <p:cNvPicPr>
+            <a:picLocks noChangeAspect="1"/>
+          </p:cNvPicPr>
+          <p:nvPr/>
+        </p:nvPicPr>
+        <p:blipFill>
+          <a:blip r:embed="rId3"/>
+          <a:stretch>
+            <a:fillRect/>
+          </a:stretch>
+        </p:blipFill>
+        <p:spPr>
+          <a:xfrm>
+            <a:off x="1048489" y="2460029"/>
+            <a:ext cx="5993008" cy="3705821"/>
+          </a:xfrm>
+          <a:prstGeom prst="rect">
+            <a:avLst/>
+          </a:prstGeom>
+        </p:spPr>
+      </p:pic>
+      <p:cxnSp>
+        <p:nvCxnSpPr>
+          <p:cNvPr id="17" name="Gerade Verbindung mit Pfeil 16">
+            <a:extLst>
+              <a:ext uri="{FF2B5EF4-FFF2-40B4-BE49-F238E27FC236}">
+                <a16:creationId xmlns:a16="http://schemas.microsoft.com/office/drawing/2014/main" id="{5664D26F-6249-4308-8208-D19F09999E17}"/>
+              </a:ext>
+            </a:extLst>
+          </p:cNvPr>
+          <p:cNvCxnSpPr/>
+          <p:nvPr/>
+        </p:nvCxnSpPr>
+        <p:spPr>
+          <a:xfrm>
+            <a:off x="3989439" y="3790335"/>
+            <a:ext cx="1143000" cy="1061884"/>
+          </a:xfrm>
+          <a:prstGeom prst="straightConnector1">
+            <a:avLst/>
+          </a:prstGeom>
+          <a:ln w="38100">
+            <a:tailEnd type="triangle"/>
+          </a:ln>
+        </p:spPr>
+        <p:style>
+          <a:lnRef idx="1">
+            <a:schemeClr val="accent1"/>
+          </a:lnRef>
+          <a:fillRef idx="0">
+            <a:schemeClr val="accent1"/>
+          </a:fillRef>
+          <a:effectRef idx="0">
+            <a:schemeClr val="accent1"/>
+          </a:effectRef>
+          <a:fontRef idx="minor">
+            <a:schemeClr val="tx1"/>
+          </a:fontRef>
+        </p:style>
+      </p:cxnSp>
+      <p:cxnSp>
+        <p:nvCxnSpPr>
+          <p:cNvPr id="18" name="Gerade Verbindung mit Pfeil 17">
+            <a:extLst>
+              <a:ext uri="{FF2B5EF4-FFF2-40B4-BE49-F238E27FC236}">
+                <a16:creationId xmlns:a16="http://schemas.microsoft.com/office/drawing/2014/main" id="{6241613A-24DE-46CA-BFEB-0F26BAAC7208}"/>
+              </a:ext>
+            </a:extLst>
+          </p:cNvPr>
+          <p:cNvCxnSpPr>
+            <a:cxnSpLocks/>
+          </p:cNvCxnSpPr>
+          <p:nvPr/>
+        </p:nvCxnSpPr>
+        <p:spPr>
+          <a:xfrm>
+            <a:off x="4560939" y="3781997"/>
+            <a:ext cx="1788242" cy="1070222"/>
+          </a:xfrm>
+          <a:prstGeom prst="straightConnector1">
+            <a:avLst/>
+          </a:prstGeom>
+          <a:ln w="38100">
+            <a:tailEnd type="triangle"/>
+          </a:ln>
+        </p:spPr>
+        <p:style>
+          <a:lnRef idx="1">
+            <a:schemeClr val="accent1"/>
+          </a:lnRef>
+          <a:fillRef idx="0">
+            <a:schemeClr val="accent1"/>
+          </a:fillRef>
+          <a:effectRef idx="0">
+            <a:schemeClr val="accent1"/>
+          </a:effectRef>
+          <a:fontRef idx="minor">
+            <a:schemeClr val="tx1"/>
+          </a:fontRef>
+        </p:style>
+      </p:cxnSp>
+    </p:spTree>
+    <p:extLst>
+      <p:ext uri="{BB962C8B-B14F-4D97-AF65-F5344CB8AC3E}">
+        <p14:creationId xmlns:p14="http://schemas.microsoft.com/office/powerpoint/2010/main" val="970296951"/>
+      </p:ext>
+    </p:extLst>
+  </p:cSld>
+  <p:clrMapOvr>
+    <a:masterClrMapping/>
+  </p:clrMapOvr>
+</p:sld>
+</file>
+
+<file path=ppt/slides/slide42.xml><?xml version="1.0" encoding="utf-8"?>
+<p:sld xmlns:a="http://schemas.openxmlformats.org/drawingml/2006/main" xmlns:r="http://schemas.openxmlformats.org/officeDocument/2006/relationships" xmlns:p="http://schemas.openxmlformats.org/presentationml/2006/main">
+  <p:cSld>
+    <p:spTree>
+      <p:nvGrpSpPr>
+        <p:cNvPr id="1" name=""/>
+        <p:cNvGrpSpPr/>
+        <p:nvPr/>
+      </p:nvGrpSpPr>
+      <p:grpSpPr>
+        <a:xfrm>
+          <a:off x="0" y="0"/>
+          <a:ext cx="0" cy="0"/>
+          <a:chOff x="0" y="0"/>
+          <a:chExt cx="0" cy="0"/>
+        </a:xfrm>
+      </p:grpSpPr>
+      <p:pic>
+        <p:nvPicPr>
+          <p:cNvPr id="29" name="Grafik 28">
+            <a:extLst>
+              <a:ext uri="{FF2B5EF4-FFF2-40B4-BE49-F238E27FC236}">
+                <a16:creationId xmlns:a16="http://schemas.microsoft.com/office/drawing/2014/main" id="{3FB4AD00-F293-42C8-BB07-5C4E27C56286}"/>
+              </a:ext>
+            </a:extLst>
+          </p:cNvPr>
+          <p:cNvPicPr>
+            <a:picLocks noChangeAspect="1"/>
+          </p:cNvPicPr>
+          <p:nvPr/>
+        </p:nvPicPr>
+        <p:blipFill>
+          <a:blip r:embed="rId3"/>
+          <a:stretch>
+            <a:fillRect/>
+          </a:stretch>
+        </p:blipFill>
+        <p:spPr>
+          <a:xfrm>
+            <a:off x="838200" y="2194030"/>
+            <a:ext cx="5063726" cy="1094860"/>
+          </a:xfrm>
+          <a:prstGeom prst="rect">
+            <a:avLst/>
+          </a:prstGeom>
+        </p:spPr>
+      </p:pic>
+      <p:sp>
+        <p:nvSpPr>
+          <p:cNvPr id="2" name="Titel 1">
+            <a:extLst>
+              <a:ext uri="{FF2B5EF4-FFF2-40B4-BE49-F238E27FC236}">
+                <a16:creationId xmlns:a16="http://schemas.microsoft.com/office/drawing/2014/main" id="{3F5848C0-4259-4120-9026-CB7345A2EC7B}"/>
+              </a:ext>
+            </a:extLst>
+          </p:cNvPr>
+          <p:cNvSpPr>
+            <a:spLocks noGrp="1"/>
+          </p:cNvSpPr>
+          <p:nvPr>
+            <p:ph type="title"/>
+          </p:nvPr>
+        </p:nvSpPr>
+        <p:spPr/>
+        <p:txBody>
+          <a:bodyPr/>
+          <a:lstStyle/>
+          <a:p>
+            <a:r>
+              <a:rPr lang="de-DE" dirty="0"/>
+              <a:t>Dart - </a:t>
+            </a:r>
+            <a:r>
+              <a:rPr lang="de-DE" dirty="0" err="1"/>
+              <a:t>Named</a:t>
+            </a:r>
+            <a:r>
+              <a:rPr lang="de-DE" dirty="0"/>
+              <a:t> Arguments</a:t>
+            </a:r>
+          </a:p>
+        </p:txBody>
+      </p:sp>
+      <p:sp>
+        <p:nvSpPr>
+          <p:cNvPr id="3" name="Inhaltsplatzhalter 2">
+            <a:extLst>
+              <a:ext uri="{FF2B5EF4-FFF2-40B4-BE49-F238E27FC236}">
+                <a16:creationId xmlns:a16="http://schemas.microsoft.com/office/drawing/2014/main" id="{C80CF326-EF21-44EE-8CF9-38064E6D7558}"/>
+              </a:ext>
+            </a:extLst>
+          </p:cNvPr>
+          <p:cNvSpPr>
+            <a:spLocks noGrp="1"/>
+          </p:cNvSpPr>
+          <p:nvPr>
+            <p:ph idx="1"/>
+          </p:nvPr>
+        </p:nvSpPr>
+        <p:spPr/>
+        <p:txBody>
+          <a:bodyPr/>
+          <a:lstStyle/>
+          <a:p>
+            <a:r>
+              <a:rPr lang="de-DE" dirty="0"/>
+              <a:t>Problem: man weiß nicht, was die Zahlen bedeuten</a:t>
+            </a:r>
+          </a:p>
+        </p:txBody>
+      </p:sp>
+      <p:sp>
+        <p:nvSpPr>
+          <p:cNvPr id="4" name="Datumsplatzhalter 3">
+            <a:extLst>
+              <a:ext uri="{FF2B5EF4-FFF2-40B4-BE49-F238E27FC236}">
+                <a16:creationId xmlns:a16="http://schemas.microsoft.com/office/drawing/2014/main" id="{83962227-3ED0-4E33-87EA-17DC5D03CCD7}"/>
+              </a:ext>
+            </a:extLst>
+          </p:cNvPr>
+          <p:cNvSpPr>
+            <a:spLocks noGrp="1"/>
+          </p:cNvSpPr>
+          <p:nvPr>
+            <p:ph type="dt" sz="half" idx="10"/>
+          </p:nvPr>
+        </p:nvSpPr>
+        <p:spPr/>
+        <p:txBody>
+          <a:bodyPr/>
+          <a:lstStyle/>
+          <a:p>
+            <a:fld id="{A3D84A41-9102-4FAF-BB9B-7AD126A78344}" type="datetime1">
+              <a:rPr lang="de-DE" smtClean="0"/>
+              <a:t>06.02.2023</a:t>
+            </a:fld>
+            <a:endParaRPr lang="de-DE"/>
+          </a:p>
+        </p:txBody>
+      </p:sp>
+      <p:sp>
+        <p:nvSpPr>
+          <p:cNvPr id="5" name="Fußzeilenplatzhalter 4">
+            <a:extLst>
+              <a:ext uri="{FF2B5EF4-FFF2-40B4-BE49-F238E27FC236}">
+                <a16:creationId xmlns:a16="http://schemas.microsoft.com/office/drawing/2014/main" id="{9E653B40-DEB7-4497-9060-4EC12557C0AA}"/>
+              </a:ext>
+            </a:extLst>
+          </p:cNvPr>
+          <p:cNvSpPr>
+            <a:spLocks noGrp="1"/>
+          </p:cNvSpPr>
+          <p:nvPr>
+            <p:ph type="ftr" sz="quarter" idx="11"/>
+          </p:nvPr>
+        </p:nvSpPr>
+        <p:spPr/>
+        <p:txBody>
+          <a:bodyPr/>
+          <a:lstStyle/>
+          <a:p>
+            <a:r>
+              <a:rPr lang="de-DE"/>
+              <a:t>Dart - Programmiersprache für Smartphones</a:t>
+            </a:r>
+          </a:p>
+        </p:txBody>
+      </p:sp>
+      <p:sp>
+        <p:nvSpPr>
+          <p:cNvPr id="6" name="Foliennummernplatzhalter 5">
+            <a:extLst>
+              <a:ext uri="{FF2B5EF4-FFF2-40B4-BE49-F238E27FC236}">
+                <a16:creationId xmlns:a16="http://schemas.microsoft.com/office/drawing/2014/main" id="{151EBF49-261D-46A7-89BC-1309B61050EC}"/>
+              </a:ext>
+            </a:extLst>
+          </p:cNvPr>
+          <p:cNvSpPr>
+            <a:spLocks noGrp="1"/>
+          </p:cNvSpPr>
+          <p:nvPr>
+            <p:ph type="sldNum" sz="quarter" idx="12"/>
+          </p:nvPr>
+        </p:nvSpPr>
+        <p:spPr/>
+        <p:txBody>
+          <a:bodyPr/>
+          <a:lstStyle/>
+          <a:p>
+            <a:fld id="{3A1F27E2-D58A-4028-9FF2-B12D897F257E}" type="slidenum">
+              <a:rPr lang="de-DE" smtClean="0"/>
+              <a:t>42</a:t>
+            </a:fld>
+            <a:endParaRPr lang="de-DE"/>
+          </a:p>
+        </p:txBody>
+      </p:sp>
+      <p:grpSp>
+        <p:nvGrpSpPr>
+          <p:cNvPr id="35" name="Gruppieren 34">
+            <a:extLst>
+              <a:ext uri="{FF2B5EF4-FFF2-40B4-BE49-F238E27FC236}">
+                <a16:creationId xmlns:a16="http://schemas.microsoft.com/office/drawing/2014/main" id="{1B225360-5EAD-4FA8-9A9F-211D3384EF79}"/>
+              </a:ext>
+            </a:extLst>
+          </p:cNvPr>
+          <p:cNvGrpSpPr/>
+          <p:nvPr/>
+        </p:nvGrpSpPr>
+        <p:grpSpPr>
+          <a:xfrm>
+            <a:off x="838200" y="2880560"/>
+            <a:ext cx="10262573" cy="3040067"/>
+            <a:chOff x="838200" y="2880560"/>
+            <a:chExt cx="10262573" cy="3040067"/>
+          </a:xfrm>
+        </p:grpSpPr>
+        <p:pic>
+          <p:nvPicPr>
+            <p:cNvPr id="27" name="Grafik 26">
+              <a:extLst>
+                <a:ext uri="{FF2B5EF4-FFF2-40B4-BE49-F238E27FC236}">
+                  <a16:creationId xmlns:a16="http://schemas.microsoft.com/office/drawing/2014/main" id="{53B0A1AB-1055-457D-967B-F8B74A049ABA}"/>
+                </a:ext>
+              </a:extLst>
+            </p:cNvPr>
+            <p:cNvPicPr>
+              <a:picLocks noChangeAspect="1"/>
+            </p:cNvPicPr>
+            <p:nvPr/>
+          </p:nvPicPr>
+          <p:blipFill>
+            <a:blip r:embed="rId4"/>
+            <a:stretch>
+              <a:fillRect/>
+            </a:stretch>
+          </p:blipFill>
+          <p:spPr>
+            <a:xfrm>
+              <a:off x="838200" y="3852866"/>
+              <a:ext cx="10262573" cy="2067761"/>
+            </a:xfrm>
+            <a:prstGeom prst="rect">
+              <a:avLst/>
+            </a:prstGeom>
+          </p:spPr>
+        </p:pic>
+        <p:cxnSp>
+          <p:nvCxnSpPr>
+            <p:cNvPr id="14" name="Gerade Verbindung mit Pfeil 13">
+              <a:extLst>
+                <a:ext uri="{FF2B5EF4-FFF2-40B4-BE49-F238E27FC236}">
+                  <a16:creationId xmlns:a16="http://schemas.microsoft.com/office/drawing/2014/main" id="{9DEF1BB8-8A27-4108-9FDA-A486041E0CA0}"/>
+                </a:ext>
+              </a:extLst>
+            </p:cNvPr>
+            <p:cNvCxnSpPr>
+              <a:cxnSpLocks/>
+            </p:cNvCxnSpPr>
+            <p:nvPr/>
+          </p:nvCxnSpPr>
+          <p:spPr>
+            <a:xfrm>
+              <a:off x="3067665" y="2880560"/>
+              <a:ext cx="862780" cy="962777"/>
+            </a:xfrm>
+            <a:prstGeom prst="straightConnector1">
+              <a:avLst/>
+            </a:prstGeom>
+            <a:ln w="38100">
+              <a:tailEnd type="triangle"/>
+            </a:ln>
+          </p:spPr>
+          <p:style>
+            <a:lnRef idx="1">
+              <a:schemeClr val="accent1"/>
+            </a:lnRef>
+            <a:fillRef idx="0">
+              <a:schemeClr val="accent1"/>
+            </a:fillRef>
+            <a:effectRef idx="0">
+              <a:schemeClr val="accent1"/>
+            </a:effectRef>
+            <a:fontRef idx="minor">
+              <a:schemeClr val="tx1"/>
+            </a:fontRef>
+          </p:style>
+        </p:cxnSp>
+        <p:cxnSp>
+          <p:nvCxnSpPr>
+            <p:cNvPr id="16" name="Gerade Verbindung mit Pfeil 15">
+              <a:extLst>
+                <a:ext uri="{FF2B5EF4-FFF2-40B4-BE49-F238E27FC236}">
+                  <a16:creationId xmlns:a16="http://schemas.microsoft.com/office/drawing/2014/main" id="{DD58A376-94B5-49F7-8A75-10D2A1DD1E6A}"/>
+                </a:ext>
+              </a:extLst>
+            </p:cNvPr>
+            <p:cNvCxnSpPr>
+              <a:cxnSpLocks/>
+            </p:cNvCxnSpPr>
+            <p:nvPr/>
+          </p:nvCxnSpPr>
+          <p:spPr>
+            <a:xfrm>
+              <a:off x="3657600" y="2880560"/>
+              <a:ext cx="1555955" cy="962777"/>
+            </a:xfrm>
+            <a:prstGeom prst="straightConnector1">
+              <a:avLst/>
+            </a:prstGeom>
+            <a:ln w="38100">
+              <a:tailEnd type="triangle"/>
+            </a:ln>
+          </p:spPr>
+          <p:style>
+            <a:lnRef idx="1">
+              <a:schemeClr val="accent1"/>
+            </a:lnRef>
+            <a:fillRef idx="0">
+              <a:schemeClr val="accent1"/>
+            </a:fillRef>
+            <a:effectRef idx="0">
+              <a:schemeClr val="accent1"/>
+            </a:effectRef>
+            <a:fontRef idx="minor">
+              <a:schemeClr val="tx1"/>
+            </a:fontRef>
+          </p:style>
+        </p:cxnSp>
+        <p:cxnSp>
+          <p:nvCxnSpPr>
+            <p:cNvPr id="19" name="Gerade Verbindung mit Pfeil 18">
+              <a:extLst>
+                <a:ext uri="{FF2B5EF4-FFF2-40B4-BE49-F238E27FC236}">
+                  <a16:creationId xmlns:a16="http://schemas.microsoft.com/office/drawing/2014/main" id="{6307C7FE-7BA3-44D6-B030-BE5156A7E2ED}"/>
+                </a:ext>
+              </a:extLst>
+            </p:cNvPr>
+            <p:cNvCxnSpPr>
+              <a:cxnSpLocks/>
+            </p:cNvCxnSpPr>
+            <p:nvPr/>
+          </p:nvCxnSpPr>
+          <p:spPr>
+            <a:xfrm>
+              <a:off x="4136923" y="2880560"/>
+              <a:ext cx="2787445" cy="962777"/>
+            </a:xfrm>
+            <a:prstGeom prst="straightConnector1">
+              <a:avLst/>
+            </a:prstGeom>
+            <a:ln w="38100">
+              <a:tailEnd type="triangle"/>
+            </a:ln>
+          </p:spPr>
+          <p:style>
+            <a:lnRef idx="1">
+              <a:schemeClr val="accent1"/>
+            </a:lnRef>
+            <a:fillRef idx="0">
+              <a:schemeClr val="accent1"/>
+            </a:fillRef>
+            <a:effectRef idx="0">
+              <a:schemeClr val="accent1"/>
+            </a:effectRef>
+            <a:fontRef idx="minor">
+              <a:schemeClr val="tx1"/>
+            </a:fontRef>
+          </p:style>
+        </p:cxnSp>
+        <p:cxnSp>
+          <p:nvCxnSpPr>
+            <p:cNvPr id="21" name="Gerade Verbindung mit Pfeil 20">
+              <a:extLst>
+                <a:ext uri="{FF2B5EF4-FFF2-40B4-BE49-F238E27FC236}">
+                  <a16:creationId xmlns:a16="http://schemas.microsoft.com/office/drawing/2014/main" id="{A15BD92A-1CBD-47B6-AA31-7B048E9C45B8}"/>
+                </a:ext>
+              </a:extLst>
+            </p:cNvPr>
+            <p:cNvCxnSpPr>
+              <a:cxnSpLocks/>
+            </p:cNvCxnSpPr>
+            <p:nvPr/>
+          </p:nvCxnSpPr>
+          <p:spPr>
+            <a:xfrm>
+              <a:off x="4615842" y="2880560"/>
+              <a:ext cx="4026713" cy="962777"/>
+            </a:xfrm>
+            <a:prstGeom prst="straightConnector1">
+              <a:avLst/>
+            </a:prstGeom>
+            <a:ln w="38100">
+              <a:tailEnd type="triangle"/>
+            </a:ln>
+          </p:spPr>
+          <p:style>
+            <a:lnRef idx="1">
+              <a:schemeClr val="accent1"/>
+            </a:lnRef>
+            <a:fillRef idx="0">
+              <a:schemeClr val="accent1"/>
+            </a:fillRef>
+            <a:effectRef idx="0">
+              <a:schemeClr val="accent1"/>
+            </a:effectRef>
+            <a:fontRef idx="minor">
+              <a:schemeClr val="tx1"/>
+            </a:fontRef>
+          </p:style>
+        </p:cxnSp>
+        <p:cxnSp>
+          <p:nvCxnSpPr>
+            <p:cNvPr id="23" name="Gerade Verbindung mit Pfeil 22">
+              <a:extLst>
+                <a:ext uri="{FF2B5EF4-FFF2-40B4-BE49-F238E27FC236}">
+                  <a16:creationId xmlns:a16="http://schemas.microsoft.com/office/drawing/2014/main" id="{27550F5C-11A0-4BBF-BD8A-606694516937}"/>
+                </a:ext>
+              </a:extLst>
+            </p:cNvPr>
+            <p:cNvCxnSpPr>
+              <a:cxnSpLocks/>
+            </p:cNvCxnSpPr>
+            <p:nvPr/>
+          </p:nvCxnSpPr>
+          <p:spPr>
+            <a:xfrm>
+              <a:off x="5294671" y="2880560"/>
+              <a:ext cx="5191019" cy="962777"/>
+            </a:xfrm>
+            <a:prstGeom prst="straightConnector1">
+              <a:avLst/>
+            </a:prstGeom>
+            <a:ln w="38100">
+              <a:tailEnd type="triangle"/>
+            </a:ln>
+          </p:spPr>
+          <p:style>
+            <a:lnRef idx="1">
+              <a:schemeClr val="accent1"/>
+            </a:lnRef>
+            <a:fillRef idx="0">
+              <a:schemeClr val="accent1"/>
+            </a:fillRef>
+            <a:effectRef idx="0">
+              <a:schemeClr val="accent1"/>
+            </a:effectRef>
+            <a:fontRef idx="minor">
+              <a:schemeClr val="tx1"/>
+            </a:fontRef>
+          </p:style>
+        </p:cxnSp>
+      </p:grpSp>
+      <p:sp>
+        <p:nvSpPr>
+          <p:cNvPr id="36" name="Textfeld 35">
+            <a:extLst>
+              <a:ext uri="{FF2B5EF4-FFF2-40B4-BE49-F238E27FC236}">
+                <a16:creationId xmlns:a16="http://schemas.microsoft.com/office/drawing/2014/main" id="{06A027E0-0490-484D-AC2C-943A24AE0EE4}"/>
+              </a:ext>
+            </a:extLst>
+          </p:cNvPr>
+          <p:cNvSpPr txBox="1"/>
+          <p:nvPr/>
+        </p:nvSpPr>
+        <p:spPr>
+          <a:xfrm>
+            <a:off x="2924531" y="2741460"/>
+            <a:ext cx="2520242" cy="369332"/>
+          </a:xfrm>
+          <a:prstGeom prst="rect">
+            <a:avLst/>
+          </a:prstGeom>
+          <a:noFill/>
+        </p:spPr>
+        <p:txBody>
+          <a:bodyPr wrap="none" rtlCol="0">
+            <a:spAutoFit/>
+          </a:bodyPr>
+          <a:lstStyle/>
+          <a:p>
+            <a:r>
+              <a:rPr lang="de-DE" dirty="0">
+                <a:solidFill>
+                  <a:schemeClr val="accent1"/>
+                </a:solidFill>
+              </a:rPr>
+              <a:t>?          ?      ?      ?            ?</a:t>
+            </a:r>
+          </a:p>
+        </p:txBody>
+      </p:sp>
+    </p:spTree>
+    <p:extLst>
+      <p:ext uri="{BB962C8B-B14F-4D97-AF65-F5344CB8AC3E}">
+        <p14:creationId xmlns:p14="http://schemas.microsoft.com/office/powerpoint/2010/main" val="59010940"/>
+      </p:ext>
+    </p:extLst>
+  </p:cSld>
+  <p:clrMapOvr>
+    <a:masterClrMapping/>
+  </p:clrMapOvr>
+  <p:timing>
+    <p:tnLst>
+      <p:par>
+        <p:cTn id="1" dur="indefinite" restart="never" nodeType="tmRoot">
+          <p:childTnLst>
+            <p:seq concurrent="1" nextAc="seek">
+              <p:cTn id="2" dur="indefinite" nodeType="mainSeq">
+                <p:childTnLst>
+                  <p:par>
+                    <p:cTn id="3" fill="hold">
+                      <p:stCondLst>
+                        <p:cond delay="indefinite"/>
+                      </p:stCondLst>
+                      <p:childTnLst>
+                        <p:par>
+                          <p:cTn id="4" fill="hold">
+                            <p:stCondLst>
+                              <p:cond delay="0"/>
+                            </p:stCondLst>
+                            <p:childTnLst>
+                              <p:par>
+                                <p:cTn id="5" presetID="1" presetClass="entr" presetSubtype="0" fill="hold" nodeType="clickEffect">
+                                  <p:stCondLst>
+                                    <p:cond delay="0"/>
+                                  </p:stCondLst>
+                                  <p:childTnLst>
+                                    <p:set>
+                                      <p:cBhvr>
+                                        <p:cTn id="6" dur="1" fill="hold">
+                                          <p:stCondLst>
+                                            <p:cond delay="0"/>
+                                          </p:stCondLst>
+                                        </p:cTn>
+                                        <p:tgtEl>
+                                          <p:spTgt spid="35"/>
+                                        </p:tgtEl>
+                                        <p:attrNameLst>
+                                          <p:attrName>style.visibility</p:attrName>
+                                        </p:attrNameLst>
+                                      </p:cBhvr>
+                                      <p:to>
+                                        <p:strVal val="visible"/>
+                                      </p:to>
+                                    </p:set>
+                                  </p:childTnLst>
+                                </p:cTn>
+                              </p:par>
+                              <p:par>
+                                <p:cTn id="7" presetID="1" presetClass="exit" presetSubtype="0" fill="hold" grpId="0" nodeType="withEffect">
+                                  <p:stCondLst>
+                                    <p:cond delay="0"/>
+                                  </p:stCondLst>
+                                  <p:childTnLst>
+                                    <p:set>
+                                      <p:cBhvr>
+                                        <p:cTn id="8" dur="1" fill="hold">
+                                          <p:stCondLst>
+                                            <p:cond delay="0"/>
+                                          </p:stCondLst>
+                                        </p:cTn>
+                                        <p:tgtEl>
+                                          <p:spTgt spid="36"/>
+                                        </p:tgtEl>
+                                        <p:attrNameLst>
+                                          <p:attrName>style.visibility</p:attrName>
+                                        </p:attrNameLst>
+                                      </p:cBhvr>
+                                      <p:to>
+                                        <p:strVal val="hidden"/>
+                                      </p:to>
+                                    </p:set>
+                                  </p:childTnLst>
+                                </p:cTn>
+                              </p:par>
+                            </p:childTnLst>
+                          </p:cTn>
+                        </p:par>
+                      </p:childTnLst>
+                    </p:cTn>
+                  </p:par>
+                </p:childTnLst>
+              </p:cTn>
+              <p:prevCondLst>
+                <p:cond evt="onPrev" delay="0">
+                  <p:tgtEl>
+                    <p:sldTgt/>
+                  </p:tgtEl>
+                </p:cond>
+              </p:prevCondLst>
+              <p:nextCondLst>
+                <p:cond evt="onNext" delay="0">
+                  <p:tgtEl>
+                    <p:sldTgt/>
+                  </p:tgtEl>
+                </p:cond>
+              </p:nextCondLst>
+            </p:seq>
+          </p:childTnLst>
+        </p:cTn>
+      </p:par>
+    </p:tnLst>
+    <p:bldLst>
+      <p:bldP spid="36" grpId="0"/>
+    </p:bldLst>
+  </p:timing>
+</p:sld>
+</file>
+
+<file path=ppt/slides/slide43.xml><?xml version="1.0" encoding="utf-8"?>
+<p:sld xmlns:a="http://schemas.openxmlformats.org/drawingml/2006/main" xmlns:r="http://schemas.openxmlformats.org/officeDocument/2006/relationships" xmlns:p="http://schemas.openxmlformats.org/presentationml/2006/main">
+  <p:cSld>
+    <p:spTree>
+      <p:nvGrpSpPr>
+        <p:cNvPr id="1" name=""/>
+        <p:cNvGrpSpPr/>
+        <p:nvPr/>
+      </p:nvGrpSpPr>
+      <p:grpSpPr>
+        <a:xfrm>
+          <a:off x="0" y="0"/>
+          <a:ext cx="0" cy="0"/>
+          <a:chOff x="0" y="0"/>
+          <a:chExt cx="0" cy="0"/>
+        </a:xfrm>
+      </p:grpSpPr>
+      <p:pic>
+        <p:nvPicPr>
+          <p:cNvPr id="31" name="Grafik 30">
+            <a:extLst>
+              <a:ext uri="{FF2B5EF4-FFF2-40B4-BE49-F238E27FC236}">
+                <a16:creationId xmlns:a16="http://schemas.microsoft.com/office/drawing/2014/main" id="{4BBC0FED-C85E-439A-A689-80505EA1FCBE}"/>
+              </a:ext>
+            </a:extLst>
+          </p:cNvPr>
+          <p:cNvPicPr>
+            <a:picLocks noChangeAspect="1"/>
+          </p:cNvPicPr>
+          <p:nvPr/>
+        </p:nvPicPr>
+        <p:blipFill>
+          <a:blip r:embed="rId3"/>
+          <a:stretch>
+            <a:fillRect/>
+          </a:stretch>
+        </p:blipFill>
+        <p:spPr>
+          <a:xfrm>
+            <a:off x="1048488" y="2460029"/>
+            <a:ext cx="9629297" cy="3705820"/>
+          </a:xfrm>
+          <a:prstGeom prst="rect">
+            <a:avLst/>
+          </a:prstGeom>
+        </p:spPr>
+      </p:pic>
+      <p:sp>
+        <p:nvSpPr>
+          <p:cNvPr id="2" name="Titel 1">
+            <a:extLst>
+              <a:ext uri="{FF2B5EF4-FFF2-40B4-BE49-F238E27FC236}">
+                <a16:creationId xmlns:a16="http://schemas.microsoft.com/office/drawing/2014/main" id="{3F5848C0-4259-4120-9026-CB7345A2EC7B}"/>
+              </a:ext>
+            </a:extLst>
+          </p:cNvPr>
+          <p:cNvSpPr>
+            <a:spLocks noGrp="1"/>
+          </p:cNvSpPr>
+          <p:nvPr>
+            <p:ph type="title"/>
+          </p:nvPr>
+        </p:nvSpPr>
+        <p:spPr/>
+        <p:txBody>
+          <a:bodyPr/>
+          <a:lstStyle/>
+          <a:p>
+            <a:r>
+              <a:rPr lang="de-DE" dirty="0"/>
+              <a:t>Dart - </a:t>
+            </a:r>
+            <a:r>
+              <a:rPr lang="de-DE" dirty="0" err="1"/>
+              <a:t>Named</a:t>
+            </a:r>
+            <a:r>
+              <a:rPr lang="de-DE" dirty="0"/>
+              <a:t> Arguments</a:t>
+            </a:r>
+          </a:p>
+        </p:txBody>
+      </p:sp>
+      <p:sp>
+        <p:nvSpPr>
+          <p:cNvPr id="3" name="Inhaltsplatzhalter 2">
+            <a:extLst>
+              <a:ext uri="{FF2B5EF4-FFF2-40B4-BE49-F238E27FC236}">
+                <a16:creationId xmlns:a16="http://schemas.microsoft.com/office/drawing/2014/main" id="{C80CF326-EF21-44EE-8CF9-38064E6D7558}"/>
+              </a:ext>
+            </a:extLst>
+          </p:cNvPr>
+          <p:cNvSpPr>
+            <a:spLocks noGrp="1"/>
+          </p:cNvSpPr>
+          <p:nvPr>
+            <p:ph idx="1"/>
+          </p:nvPr>
+        </p:nvSpPr>
+        <p:spPr/>
+        <p:txBody>
+          <a:bodyPr/>
+          <a:lstStyle/>
+          <a:p>
+            <a:r>
+              <a:rPr lang="de-DE" dirty="0"/>
+              <a:t>Jetzt: Namensgebung beim Aufruf</a:t>
+            </a:r>
+          </a:p>
+        </p:txBody>
+      </p:sp>
+      <p:sp>
+        <p:nvSpPr>
+          <p:cNvPr id="4" name="Datumsplatzhalter 3">
+            <a:extLst>
+              <a:ext uri="{FF2B5EF4-FFF2-40B4-BE49-F238E27FC236}">
+                <a16:creationId xmlns:a16="http://schemas.microsoft.com/office/drawing/2014/main" id="{83962227-3ED0-4E33-87EA-17DC5D03CCD7}"/>
+              </a:ext>
+            </a:extLst>
+          </p:cNvPr>
+          <p:cNvSpPr>
+            <a:spLocks noGrp="1"/>
+          </p:cNvSpPr>
+          <p:nvPr>
+            <p:ph type="dt" sz="half" idx="10"/>
+          </p:nvPr>
+        </p:nvSpPr>
+        <p:spPr/>
+        <p:txBody>
+          <a:bodyPr/>
+          <a:lstStyle/>
+          <a:p>
+            <a:fld id="{81CA66B2-419B-4A00-B550-DA1493185108}" type="datetime1">
+              <a:rPr lang="de-DE" smtClean="0"/>
+              <a:t>06.02.2023</a:t>
+            </a:fld>
+            <a:endParaRPr lang="de-DE"/>
+          </a:p>
+        </p:txBody>
+      </p:sp>
+      <p:sp>
+        <p:nvSpPr>
+          <p:cNvPr id="5" name="Fußzeilenplatzhalter 4">
+            <a:extLst>
+              <a:ext uri="{FF2B5EF4-FFF2-40B4-BE49-F238E27FC236}">
+                <a16:creationId xmlns:a16="http://schemas.microsoft.com/office/drawing/2014/main" id="{9E653B40-DEB7-4497-9060-4EC12557C0AA}"/>
+              </a:ext>
+            </a:extLst>
+          </p:cNvPr>
+          <p:cNvSpPr>
+            <a:spLocks noGrp="1"/>
+          </p:cNvSpPr>
+          <p:nvPr>
+            <p:ph type="ftr" sz="quarter" idx="11"/>
+          </p:nvPr>
+        </p:nvSpPr>
+        <p:spPr/>
+        <p:txBody>
+          <a:bodyPr/>
+          <a:lstStyle/>
+          <a:p>
+            <a:r>
+              <a:rPr lang="de-DE"/>
+              <a:t>Dart - Programmiersprache für Smartphones</a:t>
+            </a:r>
+          </a:p>
+        </p:txBody>
+      </p:sp>
+      <p:sp>
+        <p:nvSpPr>
+          <p:cNvPr id="6" name="Foliennummernplatzhalter 5">
+            <a:extLst>
+              <a:ext uri="{FF2B5EF4-FFF2-40B4-BE49-F238E27FC236}">
+                <a16:creationId xmlns:a16="http://schemas.microsoft.com/office/drawing/2014/main" id="{151EBF49-261D-46A7-89BC-1309B61050EC}"/>
+              </a:ext>
+            </a:extLst>
+          </p:cNvPr>
+          <p:cNvSpPr>
+            <a:spLocks noGrp="1"/>
+          </p:cNvSpPr>
+          <p:nvPr>
+            <p:ph type="sldNum" sz="quarter" idx="12"/>
+          </p:nvPr>
+        </p:nvSpPr>
+        <p:spPr/>
+        <p:txBody>
+          <a:bodyPr/>
+          <a:lstStyle/>
+          <a:p>
+            <a:fld id="{3A1F27E2-D58A-4028-9FF2-B12D897F257E}" type="slidenum">
+              <a:rPr lang="de-DE" smtClean="0"/>
+              <a:t>43</a:t>
+            </a:fld>
+            <a:endParaRPr lang="de-DE"/>
+          </a:p>
+        </p:txBody>
+      </p:sp>
+      <p:cxnSp>
+        <p:nvCxnSpPr>
+          <p:cNvPr id="17" name="Gerade Verbindung mit Pfeil 16">
+            <a:extLst>
+              <a:ext uri="{FF2B5EF4-FFF2-40B4-BE49-F238E27FC236}">
+                <a16:creationId xmlns:a16="http://schemas.microsoft.com/office/drawing/2014/main" id="{5664D26F-6249-4308-8208-D19F09999E17}"/>
+              </a:ext>
+            </a:extLst>
+          </p:cNvPr>
+          <p:cNvCxnSpPr>
+            <a:cxnSpLocks/>
+          </p:cNvCxnSpPr>
+          <p:nvPr/>
+        </p:nvCxnSpPr>
+        <p:spPr>
+          <a:xfrm>
+            <a:off x="4077929" y="3738716"/>
+            <a:ext cx="5619136" cy="1260987"/>
+          </a:xfrm>
+          <a:prstGeom prst="straightConnector1">
+            <a:avLst/>
+          </a:prstGeom>
+          <a:ln w="38100">
+            <a:tailEnd type="triangle"/>
+          </a:ln>
+        </p:spPr>
+        <p:style>
+          <a:lnRef idx="1">
+            <a:schemeClr val="accent1"/>
+          </a:lnRef>
+          <a:fillRef idx="0">
+            <a:schemeClr val="accent1"/>
+          </a:fillRef>
+          <a:effectRef idx="0">
+            <a:schemeClr val="accent1"/>
+          </a:effectRef>
+          <a:fontRef idx="minor">
+            <a:schemeClr val="tx1"/>
+          </a:fontRef>
+        </p:style>
+      </p:cxnSp>
+      <p:cxnSp>
+        <p:nvCxnSpPr>
+          <p:cNvPr id="18" name="Gerade Verbindung mit Pfeil 17">
+            <a:extLst>
+              <a:ext uri="{FF2B5EF4-FFF2-40B4-BE49-F238E27FC236}">
+                <a16:creationId xmlns:a16="http://schemas.microsoft.com/office/drawing/2014/main" id="{6241613A-24DE-46CA-BFEB-0F26BAAC7208}"/>
+              </a:ext>
+            </a:extLst>
+          </p:cNvPr>
+          <p:cNvCxnSpPr>
+            <a:cxnSpLocks/>
+          </p:cNvCxnSpPr>
+          <p:nvPr/>
+        </p:nvCxnSpPr>
+        <p:spPr>
+          <a:xfrm>
+            <a:off x="5139813" y="3738716"/>
+            <a:ext cx="1828800" cy="1168075"/>
+          </a:xfrm>
+          <a:prstGeom prst="straightConnector1">
+            <a:avLst/>
+          </a:prstGeom>
+          <a:ln w="38100">
+            <a:tailEnd type="triangle"/>
+          </a:ln>
+        </p:spPr>
+        <p:style>
+          <a:lnRef idx="1">
+            <a:schemeClr val="accent1"/>
+          </a:lnRef>
+          <a:fillRef idx="0">
+            <a:schemeClr val="accent1"/>
+          </a:fillRef>
+          <a:effectRef idx="0">
+            <a:schemeClr val="accent1"/>
+          </a:effectRef>
+          <a:fontRef idx="minor">
+            <a:schemeClr val="tx1"/>
+          </a:fontRef>
+        </p:style>
+      </p:cxnSp>
+      <p:cxnSp>
+        <p:nvCxnSpPr>
+          <p:cNvPr id="15" name="Gerade Verbindung mit Pfeil 14">
+            <a:extLst>
+              <a:ext uri="{FF2B5EF4-FFF2-40B4-BE49-F238E27FC236}">
+                <a16:creationId xmlns:a16="http://schemas.microsoft.com/office/drawing/2014/main" id="{CA534F38-8515-4C6D-ACC7-A52046845546}"/>
+              </a:ext>
+            </a:extLst>
+          </p:cNvPr>
+          <p:cNvCxnSpPr>
+            <a:cxnSpLocks/>
+          </p:cNvCxnSpPr>
+          <p:nvPr/>
+        </p:nvCxnSpPr>
+        <p:spPr>
+          <a:xfrm flipH="1">
+            <a:off x="4077929" y="3628103"/>
+            <a:ext cx="376084" cy="0"/>
+          </a:xfrm>
+          <a:prstGeom prst="straightConnector1">
+            <a:avLst/>
+          </a:prstGeom>
+          <a:ln w="38100">
+            <a:tailEnd type="triangle"/>
+          </a:ln>
+        </p:spPr>
+        <p:style>
+          <a:lnRef idx="1">
+            <a:schemeClr val="accent1"/>
+          </a:lnRef>
+          <a:fillRef idx="0">
+            <a:schemeClr val="accent1"/>
+          </a:fillRef>
+          <a:effectRef idx="0">
+            <a:schemeClr val="accent1"/>
+          </a:effectRef>
+          <a:fontRef idx="minor">
+            <a:schemeClr val="tx1"/>
+          </a:fontRef>
+        </p:style>
+      </p:cxnSp>
+      <p:cxnSp>
+        <p:nvCxnSpPr>
+          <p:cNvPr id="21" name="Gerade Verbindung mit Pfeil 20">
+            <a:extLst>
+              <a:ext uri="{FF2B5EF4-FFF2-40B4-BE49-F238E27FC236}">
+                <a16:creationId xmlns:a16="http://schemas.microsoft.com/office/drawing/2014/main" id="{5AB9196C-DCEF-4E3C-9D72-0A1864599310}"/>
+              </a:ext>
+            </a:extLst>
+          </p:cNvPr>
+          <p:cNvCxnSpPr>
+            <a:cxnSpLocks/>
+          </p:cNvCxnSpPr>
+          <p:nvPr/>
+        </p:nvCxnSpPr>
+        <p:spPr>
+          <a:xfrm flipH="1">
+            <a:off x="5139813" y="3628103"/>
+            <a:ext cx="376084" cy="0"/>
+          </a:xfrm>
+          <a:prstGeom prst="straightConnector1">
+            <a:avLst/>
+          </a:prstGeom>
+          <a:ln w="38100">
+            <a:tailEnd type="triangle"/>
+          </a:ln>
+        </p:spPr>
+        <p:style>
+          <a:lnRef idx="1">
+            <a:schemeClr val="accent1"/>
+          </a:lnRef>
+          <a:fillRef idx="0">
+            <a:schemeClr val="accent1"/>
+          </a:fillRef>
+          <a:effectRef idx="0">
+            <a:schemeClr val="accent1"/>
+          </a:effectRef>
+          <a:fontRef idx="minor">
+            <a:schemeClr val="tx1"/>
+          </a:fontRef>
+        </p:style>
+      </p:cxnSp>
+      <p:cxnSp>
+        <p:nvCxnSpPr>
+          <p:cNvPr id="25" name="Gerader Verbinder 24">
+            <a:extLst>
+              <a:ext uri="{FF2B5EF4-FFF2-40B4-BE49-F238E27FC236}">
+                <a16:creationId xmlns:a16="http://schemas.microsoft.com/office/drawing/2014/main" id="{3AD807EE-3E0A-49B5-9923-138E82236A3C}"/>
+              </a:ext>
+            </a:extLst>
+          </p:cNvPr>
+          <p:cNvCxnSpPr>
+            <a:cxnSpLocks/>
+          </p:cNvCxnSpPr>
+          <p:nvPr/>
+        </p:nvCxnSpPr>
+        <p:spPr>
+          <a:xfrm>
+            <a:off x="4454013" y="5196348"/>
+            <a:ext cx="213852" cy="0"/>
+          </a:xfrm>
+          <a:prstGeom prst="line">
+            <a:avLst/>
+          </a:prstGeom>
+          <a:ln w="38100"/>
+        </p:spPr>
+        <p:style>
+          <a:lnRef idx="1">
+            <a:schemeClr val="accent1"/>
+          </a:lnRef>
+          <a:fillRef idx="0">
+            <a:schemeClr val="accent1"/>
+          </a:fillRef>
+          <a:effectRef idx="0">
+            <a:schemeClr val="accent1"/>
+          </a:effectRef>
+          <a:fontRef idx="minor">
+            <a:schemeClr val="tx1"/>
+          </a:fontRef>
+        </p:style>
+      </p:cxnSp>
+      <p:cxnSp>
+        <p:nvCxnSpPr>
+          <p:cNvPr id="26" name="Gerader Verbinder 25">
+            <a:extLst>
+              <a:ext uri="{FF2B5EF4-FFF2-40B4-BE49-F238E27FC236}">
+                <a16:creationId xmlns:a16="http://schemas.microsoft.com/office/drawing/2014/main" id="{AD40FD41-A29F-489E-A1C9-8444840945EE}"/>
+              </a:ext>
+            </a:extLst>
+          </p:cNvPr>
+          <p:cNvCxnSpPr>
+            <a:cxnSpLocks/>
+          </p:cNvCxnSpPr>
+          <p:nvPr/>
+        </p:nvCxnSpPr>
+        <p:spPr>
+          <a:xfrm>
+            <a:off x="9871587" y="5193890"/>
+            <a:ext cx="213852" cy="0"/>
+          </a:xfrm>
+          <a:prstGeom prst="line">
+            <a:avLst/>
+          </a:prstGeom>
+          <a:ln w="38100"/>
+        </p:spPr>
+        <p:style>
+          <a:lnRef idx="1">
+            <a:schemeClr val="accent1"/>
+          </a:lnRef>
+          <a:fillRef idx="0">
+            <a:schemeClr val="accent1"/>
+          </a:fillRef>
+          <a:effectRef idx="0">
+            <a:schemeClr val="accent1"/>
+          </a:effectRef>
+          <a:fontRef idx="minor">
+            <a:schemeClr val="tx1"/>
+          </a:fontRef>
+        </p:style>
+      </p:cxnSp>
+      <p:cxnSp>
+        <p:nvCxnSpPr>
+          <p:cNvPr id="27" name="Gerader Verbinder 26">
+            <a:extLst>
+              <a:ext uri="{FF2B5EF4-FFF2-40B4-BE49-F238E27FC236}">
+                <a16:creationId xmlns:a16="http://schemas.microsoft.com/office/drawing/2014/main" id="{29EE45FF-ABF9-4A43-86FC-754F9C5EFD20}"/>
+              </a:ext>
+            </a:extLst>
+          </p:cNvPr>
+          <p:cNvCxnSpPr>
+            <a:cxnSpLocks/>
+          </p:cNvCxnSpPr>
+          <p:nvPr/>
+        </p:nvCxnSpPr>
+        <p:spPr>
+          <a:xfrm>
+            <a:off x="4723171" y="5193890"/>
+            <a:ext cx="1294171" cy="2458"/>
+          </a:xfrm>
+          <a:prstGeom prst="line">
+            <a:avLst/>
+          </a:prstGeom>
+          <a:ln w="38100"/>
+        </p:spPr>
+        <p:style>
+          <a:lnRef idx="1">
+            <a:schemeClr val="accent1"/>
+          </a:lnRef>
+          <a:fillRef idx="0">
+            <a:schemeClr val="accent1"/>
+          </a:fillRef>
+          <a:effectRef idx="0">
+            <a:schemeClr val="accent1"/>
+          </a:effectRef>
+          <a:fontRef idx="minor">
+            <a:schemeClr val="tx1"/>
+          </a:fontRef>
+        </p:style>
+      </p:cxnSp>
+      <p:cxnSp>
+        <p:nvCxnSpPr>
+          <p:cNvPr id="29" name="Gerader Verbinder 28">
+            <a:extLst>
+              <a:ext uri="{FF2B5EF4-FFF2-40B4-BE49-F238E27FC236}">
+                <a16:creationId xmlns:a16="http://schemas.microsoft.com/office/drawing/2014/main" id="{D6C0D050-985D-4C3B-98D1-1758411EF22D}"/>
+              </a:ext>
+            </a:extLst>
+          </p:cNvPr>
+          <p:cNvCxnSpPr>
+            <a:cxnSpLocks/>
+          </p:cNvCxnSpPr>
+          <p:nvPr/>
+        </p:nvCxnSpPr>
+        <p:spPr>
+          <a:xfrm>
+            <a:off x="7455310" y="5193890"/>
+            <a:ext cx="1378974" cy="0"/>
+          </a:xfrm>
+          <a:prstGeom prst="line">
+            <a:avLst/>
+          </a:prstGeom>
+          <a:ln w="38100"/>
+        </p:spPr>
+        <p:style>
+          <a:lnRef idx="1">
+            <a:schemeClr val="accent1"/>
+          </a:lnRef>
+          <a:fillRef idx="0">
+            <a:schemeClr val="accent1"/>
+          </a:fillRef>
+          <a:effectRef idx="0">
+            <a:schemeClr val="accent1"/>
+          </a:effectRef>
+          <a:fontRef idx="minor">
+            <a:schemeClr val="tx1"/>
+          </a:fontRef>
+        </p:style>
+      </p:cxnSp>
+    </p:spTree>
+    <p:extLst>
+      <p:ext uri="{BB962C8B-B14F-4D97-AF65-F5344CB8AC3E}">
+        <p14:creationId xmlns:p14="http://schemas.microsoft.com/office/powerpoint/2010/main" val="2572047367"/>
+      </p:ext>
+    </p:extLst>
+  </p:cSld>
+  <p:clrMapOvr>
+    <a:masterClrMapping/>
+  </p:clrMapOvr>
+</p:sld>
+</file>
+
+<file path=ppt/slides/slide44.xml><?xml version="1.0" encoding="utf-8"?>
+<p:sld xmlns:a="http://schemas.openxmlformats.org/drawingml/2006/main" xmlns:r="http://schemas.openxmlformats.org/officeDocument/2006/relationships" xmlns:p="http://schemas.openxmlformats.org/presentationml/2006/main">
+  <p:cSld>
+    <p:spTree>
+      <p:nvGrpSpPr>
+        <p:cNvPr id="1" name=""/>
+        <p:cNvGrpSpPr/>
+        <p:nvPr/>
+      </p:nvGrpSpPr>
+      <p:grpSpPr>
+        <a:xfrm>
+          <a:off x="0" y="0"/>
+          <a:ext cx="0" cy="0"/>
+          <a:chOff x="0" y="0"/>
+          <a:chExt cx="0" cy="0"/>
+        </a:xfrm>
+      </p:grpSpPr>
+      <p:sp>
+        <p:nvSpPr>
+          <p:cNvPr id="2" name="Titel 1">
+            <a:extLst>
+              <a:ext uri="{FF2B5EF4-FFF2-40B4-BE49-F238E27FC236}">
+                <a16:creationId xmlns:a16="http://schemas.microsoft.com/office/drawing/2014/main" id="{3F5848C0-4259-4120-9026-CB7345A2EC7B}"/>
+              </a:ext>
+            </a:extLst>
+          </p:cNvPr>
+          <p:cNvSpPr>
+            <a:spLocks noGrp="1"/>
+          </p:cNvSpPr>
+          <p:nvPr>
+            <p:ph type="title"/>
+          </p:nvPr>
+        </p:nvSpPr>
+        <p:spPr/>
+        <p:txBody>
+          <a:bodyPr/>
+          <a:lstStyle/>
+          <a:p>
+            <a:r>
+              <a:rPr lang="de-DE" dirty="0"/>
+              <a:t>Dart - </a:t>
+            </a:r>
+            <a:r>
+              <a:rPr lang="de-DE" dirty="0" err="1"/>
+              <a:t>Named</a:t>
+            </a:r>
+            <a:r>
+              <a:rPr lang="de-DE" dirty="0"/>
+              <a:t> Arguments</a:t>
+            </a:r>
+          </a:p>
+        </p:txBody>
+      </p:sp>
+      <p:sp>
+        <p:nvSpPr>
+          <p:cNvPr id="3" name="Inhaltsplatzhalter 2">
+            <a:extLst>
+              <a:ext uri="{FF2B5EF4-FFF2-40B4-BE49-F238E27FC236}">
+                <a16:creationId xmlns:a16="http://schemas.microsoft.com/office/drawing/2014/main" id="{C80CF326-EF21-44EE-8CF9-38064E6D7558}"/>
+              </a:ext>
+            </a:extLst>
+          </p:cNvPr>
+          <p:cNvSpPr>
+            <a:spLocks noGrp="1"/>
+          </p:cNvSpPr>
+          <p:nvPr>
+            <p:ph idx="1"/>
+          </p:nvPr>
+        </p:nvSpPr>
+        <p:spPr/>
+        <p:txBody>
+          <a:bodyPr/>
+          <a:lstStyle/>
+          <a:p>
+            <a:r>
+              <a:rPr lang="de-DE" dirty="0" err="1"/>
+              <a:t>Named</a:t>
+            </a:r>
+            <a:r>
+              <a:rPr lang="de-DE" dirty="0"/>
+              <a:t> </a:t>
+            </a:r>
+            <a:r>
+              <a:rPr lang="de-DE" dirty="0" err="1"/>
+              <a:t>arguments</a:t>
+            </a:r>
+            <a:r>
+              <a:rPr lang="de-DE" dirty="0"/>
+              <a:t>: </a:t>
+            </a:r>
+            <a:br>
+              <a:rPr lang="de-DE" dirty="0"/>
+            </a:br>
+            <a:r>
+              <a:rPr lang="de-DE" sz="2800" b="1" i="1" dirty="0">
+                <a:solidFill>
+                  <a:schemeClr val="bg1">
+                    <a:lumMod val="65000"/>
+                  </a:schemeClr>
+                </a:solidFill>
+              </a:rPr>
+              <a:t>ergebnistyp</a:t>
+            </a:r>
+            <a:r>
+              <a:rPr lang="de-DE" sz="2800" b="1" dirty="0">
+                <a:solidFill>
+                  <a:schemeClr val="bg1">
+                    <a:lumMod val="65000"/>
+                  </a:schemeClr>
+                </a:solidFill>
+              </a:rPr>
+              <a:t> </a:t>
+            </a:r>
+            <a:r>
+              <a:rPr lang="de-DE" sz="2800" b="1" i="1" dirty="0" err="1">
+                <a:solidFill>
+                  <a:schemeClr val="bg1">
+                    <a:lumMod val="65000"/>
+                  </a:schemeClr>
+                </a:solidFill>
+              </a:rPr>
+              <a:t>name</a:t>
+            </a:r>
+            <a:r>
+              <a:rPr lang="de-DE" sz="2800" b="1" dirty="0">
+                <a:solidFill>
+                  <a:schemeClr val="bg1">
+                    <a:lumMod val="65000"/>
+                  </a:schemeClr>
+                </a:solidFill>
+              </a:rPr>
+              <a:t>(</a:t>
+            </a:r>
+            <a:r>
+              <a:rPr lang="de-DE" sz="2800" b="1" dirty="0">
+                <a:solidFill>
+                  <a:schemeClr val="accent1">
+                    <a:lumMod val="75000"/>
+                  </a:schemeClr>
+                </a:solidFill>
+              </a:rPr>
+              <a:t>{ </a:t>
+            </a:r>
+            <a:r>
+              <a:rPr lang="de-DE" dirty="0">
+                <a:solidFill>
+                  <a:schemeClr val="bg1">
+                    <a:lumMod val="65000"/>
+                  </a:schemeClr>
+                </a:solidFill>
+              </a:rPr>
+              <a:t>…</a:t>
+            </a:r>
+            <a:r>
+              <a:rPr lang="de-DE" sz="2800" b="1" dirty="0">
+                <a:solidFill>
+                  <a:schemeClr val="accent1">
+                    <a:lumMod val="75000"/>
+                  </a:schemeClr>
+                </a:solidFill>
+              </a:rPr>
+              <a:t>}</a:t>
+            </a:r>
+            <a:r>
+              <a:rPr lang="de-DE" sz="2800" b="1" dirty="0">
+                <a:solidFill>
+                  <a:schemeClr val="bg1">
+                    <a:lumMod val="65000"/>
+                  </a:schemeClr>
+                </a:solidFill>
+              </a:rPr>
+              <a:t>) {</a:t>
+            </a:r>
+            <a:r>
+              <a:rPr lang="de-DE" dirty="0">
+                <a:solidFill>
+                  <a:schemeClr val="bg1">
+                    <a:lumMod val="65000"/>
+                  </a:schemeClr>
+                </a:solidFill>
+              </a:rPr>
+              <a:t> </a:t>
+            </a:r>
+            <a:br>
+              <a:rPr lang="de-DE" dirty="0">
+                <a:solidFill>
+                  <a:schemeClr val="bg1">
+                    <a:lumMod val="65000"/>
+                  </a:schemeClr>
+                </a:solidFill>
+              </a:rPr>
+            </a:br>
+            <a:r>
+              <a:rPr lang="de-DE" dirty="0">
+                <a:solidFill>
+                  <a:schemeClr val="bg1">
+                    <a:lumMod val="65000"/>
+                  </a:schemeClr>
+                </a:solidFill>
+              </a:rPr>
+              <a:t>	…</a:t>
+            </a:r>
+            <a:br>
+              <a:rPr lang="de-DE" dirty="0">
+                <a:solidFill>
+                  <a:schemeClr val="bg1">
+                    <a:lumMod val="65000"/>
+                  </a:schemeClr>
+                </a:solidFill>
+              </a:rPr>
+            </a:br>
+            <a:r>
+              <a:rPr lang="de-DE" dirty="0">
+                <a:solidFill>
+                  <a:schemeClr val="bg1">
+                    <a:lumMod val="65000"/>
+                  </a:schemeClr>
+                </a:solidFill>
+              </a:rPr>
+              <a:t>	</a:t>
+            </a:r>
+            <a:r>
+              <a:rPr lang="de-DE" sz="2800" b="1" dirty="0" err="1">
+                <a:solidFill>
+                  <a:schemeClr val="bg1">
+                    <a:lumMod val="65000"/>
+                  </a:schemeClr>
+                </a:solidFill>
+              </a:rPr>
+              <a:t>return</a:t>
+            </a:r>
+            <a:r>
+              <a:rPr lang="de-DE" sz="2800" b="1" i="1" dirty="0">
+                <a:solidFill>
+                  <a:schemeClr val="bg1">
+                    <a:lumMod val="65000"/>
+                  </a:schemeClr>
+                </a:solidFill>
+              </a:rPr>
+              <a:t> </a:t>
+            </a:r>
+            <a:r>
+              <a:rPr lang="de-DE" sz="2800" b="1" i="1" dirty="0" err="1">
+                <a:solidFill>
+                  <a:schemeClr val="bg1">
+                    <a:lumMod val="65000"/>
+                  </a:schemeClr>
+                </a:solidFill>
+              </a:rPr>
+              <a:t>ergebnis</a:t>
+            </a:r>
+            <a:r>
+              <a:rPr lang="de-DE" sz="2800" b="1" dirty="0">
+                <a:solidFill>
+                  <a:schemeClr val="bg1">
+                    <a:lumMod val="65000"/>
+                  </a:schemeClr>
+                </a:solidFill>
+              </a:rPr>
+              <a:t>;</a:t>
+            </a:r>
+            <a:r>
+              <a:rPr lang="de-DE" sz="2800" b="1" i="1" dirty="0">
+                <a:solidFill>
+                  <a:schemeClr val="bg1">
+                    <a:lumMod val="65000"/>
+                  </a:schemeClr>
+                </a:solidFill>
+              </a:rPr>
+              <a:t> </a:t>
+            </a:r>
+            <a:br>
+              <a:rPr lang="de-DE" sz="2800" b="1" i="1" dirty="0">
+                <a:solidFill>
+                  <a:schemeClr val="bg1">
+                    <a:lumMod val="65000"/>
+                  </a:schemeClr>
+                </a:solidFill>
+              </a:rPr>
+            </a:br>
+            <a:r>
+              <a:rPr lang="de-DE" sz="2800" b="1" dirty="0">
+                <a:solidFill>
+                  <a:schemeClr val="bg1">
+                    <a:lumMod val="65000"/>
+                  </a:schemeClr>
+                </a:solidFill>
+              </a:rPr>
+              <a:t>}</a:t>
+            </a:r>
+            <a:endParaRPr lang="de-DE" dirty="0">
+              <a:solidFill>
+                <a:schemeClr val="bg1">
+                  <a:lumMod val="65000"/>
+                </a:schemeClr>
+              </a:solidFill>
+            </a:endParaRPr>
+          </a:p>
+          <a:p>
+            <a:r>
+              <a:rPr lang="de-DE" dirty="0"/>
+              <a:t>Entweder </a:t>
+            </a:r>
+            <a:r>
+              <a:rPr lang="de-DE" dirty="0" err="1"/>
+              <a:t>required</a:t>
+            </a:r>
+            <a:br>
+              <a:rPr lang="de-DE" sz="2400" b="1" dirty="0">
+                <a:solidFill>
+                  <a:schemeClr val="accent1">
+                    <a:lumMod val="75000"/>
+                  </a:schemeClr>
+                </a:solidFill>
+              </a:rPr>
+            </a:br>
+            <a:r>
+              <a:rPr lang="de-DE" sz="2400" b="1" dirty="0" err="1">
+                <a:solidFill>
+                  <a:schemeClr val="accent1">
+                    <a:lumMod val="75000"/>
+                  </a:schemeClr>
+                </a:solidFill>
+              </a:rPr>
+              <a:t>required</a:t>
+            </a:r>
+            <a:r>
+              <a:rPr lang="de-DE" sz="2400" b="1" dirty="0">
+                <a:solidFill>
+                  <a:schemeClr val="accent1">
+                    <a:lumMod val="75000"/>
+                  </a:schemeClr>
+                </a:solidFill>
+              </a:rPr>
+              <a:t> </a:t>
+            </a:r>
+            <a:r>
+              <a:rPr lang="de-DE" sz="2400" b="1" i="1" dirty="0">
+                <a:solidFill>
+                  <a:schemeClr val="tx2"/>
+                </a:solidFill>
+              </a:rPr>
+              <a:t>typ </a:t>
+            </a:r>
+            <a:r>
+              <a:rPr lang="de-DE" sz="2400" b="1" i="1" dirty="0" err="1">
+                <a:solidFill>
+                  <a:schemeClr val="tx2"/>
+                </a:solidFill>
+              </a:rPr>
+              <a:t>argument</a:t>
+            </a:r>
+            <a:endParaRPr lang="de-DE" sz="2800" b="1" dirty="0">
+              <a:solidFill>
+                <a:schemeClr val="accent1">
+                  <a:lumMod val="75000"/>
+                </a:schemeClr>
+              </a:solidFill>
+            </a:endParaRPr>
+          </a:p>
+          <a:p>
+            <a:r>
+              <a:rPr lang="de-DE" dirty="0"/>
+              <a:t>Oder mit Standardwert</a:t>
+            </a:r>
+            <a:br>
+              <a:rPr lang="de-DE" b="1" dirty="0">
+                <a:solidFill>
+                  <a:schemeClr val="accent1">
+                    <a:lumMod val="75000"/>
+                  </a:schemeClr>
+                </a:solidFill>
+              </a:rPr>
+            </a:br>
+            <a:r>
+              <a:rPr lang="de-DE" sz="2800" b="1" i="1" dirty="0">
+                <a:solidFill>
+                  <a:schemeClr val="tx2"/>
+                </a:solidFill>
+              </a:rPr>
+              <a:t>typ argument2 </a:t>
+            </a:r>
+            <a:r>
+              <a:rPr lang="de-DE" sz="2800" b="1" dirty="0">
+                <a:solidFill>
+                  <a:schemeClr val="accent1"/>
+                </a:solidFill>
+              </a:rPr>
+              <a:t>=</a:t>
+            </a:r>
+            <a:r>
+              <a:rPr lang="de-DE" sz="2800" b="1" i="1" dirty="0">
+                <a:solidFill>
+                  <a:schemeClr val="tx2"/>
+                </a:solidFill>
+              </a:rPr>
+              <a:t> </a:t>
+            </a:r>
+            <a:r>
+              <a:rPr lang="de-DE" sz="2800" b="1" i="1" dirty="0" err="1">
+                <a:solidFill>
+                  <a:schemeClr val="tx2"/>
+                </a:solidFill>
+              </a:rPr>
+              <a:t>standardwert</a:t>
+            </a:r>
+            <a:endParaRPr lang="de-DE" dirty="0"/>
+          </a:p>
+        </p:txBody>
+      </p:sp>
+      <p:sp>
+        <p:nvSpPr>
+          <p:cNvPr id="4" name="Datumsplatzhalter 3">
+            <a:extLst>
+              <a:ext uri="{FF2B5EF4-FFF2-40B4-BE49-F238E27FC236}">
+                <a16:creationId xmlns:a16="http://schemas.microsoft.com/office/drawing/2014/main" id="{83962227-3ED0-4E33-87EA-17DC5D03CCD7}"/>
+              </a:ext>
+            </a:extLst>
+          </p:cNvPr>
+          <p:cNvSpPr>
+            <a:spLocks noGrp="1"/>
+          </p:cNvSpPr>
+          <p:nvPr>
+            <p:ph type="dt" sz="half" idx="10"/>
+          </p:nvPr>
+        </p:nvSpPr>
+        <p:spPr/>
+        <p:txBody>
+          <a:bodyPr/>
+          <a:lstStyle/>
+          <a:p>
+            <a:fld id="{374AF400-B2B3-4498-869C-65158B84F62E}" type="datetime1">
+              <a:rPr lang="de-DE" smtClean="0"/>
+              <a:t>06.02.2023</a:t>
+            </a:fld>
+            <a:endParaRPr lang="de-DE"/>
+          </a:p>
+        </p:txBody>
+      </p:sp>
+      <p:sp>
+        <p:nvSpPr>
+          <p:cNvPr id="5" name="Fußzeilenplatzhalter 4">
+            <a:extLst>
+              <a:ext uri="{FF2B5EF4-FFF2-40B4-BE49-F238E27FC236}">
+                <a16:creationId xmlns:a16="http://schemas.microsoft.com/office/drawing/2014/main" id="{9E653B40-DEB7-4497-9060-4EC12557C0AA}"/>
+              </a:ext>
+            </a:extLst>
+          </p:cNvPr>
+          <p:cNvSpPr>
+            <a:spLocks noGrp="1"/>
+          </p:cNvSpPr>
+          <p:nvPr>
+            <p:ph type="ftr" sz="quarter" idx="11"/>
+          </p:nvPr>
+        </p:nvSpPr>
+        <p:spPr/>
+        <p:txBody>
+          <a:bodyPr/>
+          <a:lstStyle/>
+          <a:p>
+            <a:r>
+              <a:rPr lang="de-DE"/>
+              <a:t>Dart - Programmiersprache für Smartphones</a:t>
+            </a:r>
+          </a:p>
+        </p:txBody>
+      </p:sp>
+      <p:sp>
+        <p:nvSpPr>
+          <p:cNvPr id="6" name="Foliennummernplatzhalter 5">
+            <a:extLst>
+              <a:ext uri="{FF2B5EF4-FFF2-40B4-BE49-F238E27FC236}">
+                <a16:creationId xmlns:a16="http://schemas.microsoft.com/office/drawing/2014/main" id="{151EBF49-261D-46A7-89BC-1309B61050EC}"/>
+              </a:ext>
+            </a:extLst>
+          </p:cNvPr>
+          <p:cNvSpPr>
+            <a:spLocks noGrp="1"/>
+          </p:cNvSpPr>
+          <p:nvPr>
+            <p:ph type="sldNum" sz="quarter" idx="12"/>
+          </p:nvPr>
+        </p:nvSpPr>
+        <p:spPr/>
+        <p:txBody>
+          <a:bodyPr/>
+          <a:lstStyle/>
+          <a:p>
+            <a:fld id="{3A1F27E2-D58A-4028-9FF2-B12D897F257E}" type="slidenum">
+              <a:rPr lang="de-DE" smtClean="0"/>
+              <a:t>44</a:t>
+            </a:fld>
+            <a:endParaRPr lang="de-DE"/>
+          </a:p>
+        </p:txBody>
+      </p:sp>
+    </p:spTree>
+    <p:extLst>
+      <p:ext uri="{BB962C8B-B14F-4D97-AF65-F5344CB8AC3E}">
+        <p14:creationId xmlns:p14="http://schemas.microsoft.com/office/powerpoint/2010/main" val="2684647222"/>
+      </p:ext>
+    </p:extLst>
+  </p:cSld>
+  <p:clrMapOvr>
+    <a:masterClrMapping/>
+  </p:clrMapOvr>
+</p:sld>
+</file>
+
+<file path=ppt/slides/slide45.xml><?xml version="1.0" encoding="utf-8"?>
+<p:sld xmlns:a="http://schemas.openxmlformats.org/drawingml/2006/main" xmlns:r="http://schemas.openxmlformats.org/officeDocument/2006/relationships" xmlns:p="http://schemas.openxmlformats.org/presentationml/2006/main">
+  <p:cSld>
+    <p:spTree>
+      <p:nvGrpSpPr>
+        <p:cNvPr id="1" name=""/>
+        <p:cNvGrpSpPr/>
+        <p:nvPr/>
+      </p:nvGrpSpPr>
+      <p:grpSpPr>
+        <a:xfrm>
+          <a:off x="0" y="0"/>
+          <a:ext cx="0" cy="0"/>
+          <a:chOff x="0" y="0"/>
+          <a:chExt cx="0" cy="0"/>
+        </a:xfrm>
+      </p:grpSpPr>
+      <p:sp>
+        <p:nvSpPr>
+          <p:cNvPr id="2" name="Titel 1">
+            <a:extLst>
+              <a:ext uri="{FF2B5EF4-FFF2-40B4-BE49-F238E27FC236}">
+                <a16:creationId xmlns:a16="http://schemas.microsoft.com/office/drawing/2014/main" id="{577AB4B6-127B-4DD4-80CD-D87D97B12642}"/>
+              </a:ext>
+            </a:extLst>
+          </p:cNvPr>
+          <p:cNvSpPr>
+            <a:spLocks noGrp="1"/>
+          </p:cNvSpPr>
+          <p:nvPr>
+            <p:ph type="title"/>
+          </p:nvPr>
+        </p:nvSpPr>
+        <p:spPr/>
+        <p:txBody>
+          <a:bodyPr/>
+          <a:lstStyle/>
+          <a:p>
+            <a:r>
+              <a:rPr lang="de-DE" dirty="0"/>
+              <a:t>Dart - </a:t>
+            </a:r>
+            <a:r>
+              <a:rPr lang="de-DE" dirty="0" err="1"/>
+              <a:t>Named</a:t>
+            </a:r>
+            <a:r>
+              <a:rPr lang="de-DE" dirty="0"/>
+              <a:t> Arguments</a:t>
+            </a:r>
+          </a:p>
+        </p:txBody>
+      </p:sp>
+      <p:sp>
+        <p:nvSpPr>
+          <p:cNvPr id="3" name="Inhaltsplatzhalter 2">
+            <a:extLst>
+              <a:ext uri="{FF2B5EF4-FFF2-40B4-BE49-F238E27FC236}">
+                <a16:creationId xmlns:a16="http://schemas.microsoft.com/office/drawing/2014/main" id="{0666358B-D634-4CDD-8C10-1F7BF8F57587}"/>
+              </a:ext>
+            </a:extLst>
+          </p:cNvPr>
+          <p:cNvSpPr>
+            <a:spLocks noGrp="1"/>
+          </p:cNvSpPr>
+          <p:nvPr>
+            <p:ph idx="1"/>
+          </p:nvPr>
+        </p:nvSpPr>
+        <p:spPr/>
+        <p:txBody>
+          <a:bodyPr/>
+          <a:lstStyle/>
+          <a:p>
+            <a:r>
+              <a:rPr lang="de-DE" dirty="0"/>
+              <a:t>Wie sieht es in unserem Problemfall aus?</a:t>
+            </a:r>
+          </a:p>
+          <a:p>
+            <a:pPr marL="0" indent="0">
+              <a:buNone/>
+            </a:pPr>
+            <a:r>
+              <a:rPr lang="de-DE" dirty="0"/>
+              <a:t>Vorher:</a:t>
+            </a:r>
+          </a:p>
+          <a:p>
+            <a:pPr marL="0" indent="0">
+              <a:buNone/>
+            </a:pPr>
+            <a:endParaRPr lang="de-DE" dirty="0"/>
+          </a:p>
+          <a:p>
+            <a:pPr marL="0" indent="0">
+              <a:buNone/>
+            </a:pPr>
+            <a:endParaRPr lang="de-DE" dirty="0"/>
+          </a:p>
+          <a:p>
+            <a:pPr marL="0" indent="0">
+              <a:buNone/>
+            </a:pPr>
+            <a:r>
+              <a:rPr lang="de-DE" dirty="0"/>
+              <a:t>Nachher:</a:t>
+            </a:r>
+          </a:p>
+        </p:txBody>
+      </p:sp>
+      <p:sp>
+        <p:nvSpPr>
+          <p:cNvPr id="4" name="Datumsplatzhalter 3">
+            <a:extLst>
+              <a:ext uri="{FF2B5EF4-FFF2-40B4-BE49-F238E27FC236}">
+                <a16:creationId xmlns:a16="http://schemas.microsoft.com/office/drawing/2014/main" id="{FCB736F8-950C-47AC-8C3B-85806BDD9992}"/>
+              </a:ext>
+            </a:extLst>
+          </p:cNvPr>
+          <p:cNvSpPr>
+            <a:spLocks noGrp="1"/>
+          </p:cNvSpPr>
+          <p:nvPr>
+            <p:ph type="dt" sz="half" idx="10"/>
+          </p:nvPr>
+        </p:nvSpPr>
+        <p:spPr/>
+        <p:txBody>
+          <a:bodyPr/>
+          <a:lstStyle/>
+          <a:p>
+            <a:fld id="{EECFBCB7-6E51-47D1-88C0-70C111ACD504}" type="datetime1">
+              <a:rPr lang="de-DE" smtClean="0"/>
+              <a:t>06.02.2023</a:t>
+            </a:fld>
+            <a:endParaRPr lang="de-DE"/>
+          </a:p>
+        </p:txBody>
+      </p:sp>
+      <p:sp>
+        <p:nvSpPr>
+          <p:cNvPr id="5" name="Fußzeilenplatzhalter 4">
+            <a:extLst>
+              <a:ext uri="{FF2B5EF4-FFF2-40B4-BE49-F238E27FC236}">
+                <a16:creationId xmlns:a16="http://schemas.microsoft.com/office/drawing/2014/main" id="{4F7B6CC0-FEBA-457B-B75F-A57B17C5D047}"/>
+              </a:ext>
+            </a:extLst>
+          </p:cNvPr>
+          <p:cNvSpPr>
+            <a:spLocks noGrp="1"/>
+          </p:cNvSpPr>
+          <p:nvPr>
+            <p:ph type="ftr" sz="quarter" idx="11"/>
+          </p:nvPr>
+        </p:nvSpPr>
+        <p:spPr/>
+        <p:txBody>
+          <a:bodyPr/>
+          <a:lstStyle/>
+          <a:p>
+            <a:r>
+              <a:rPr lang="de-DE"/>
+              <a:t>Dart - Programmiersprache für Smartphones</a:t>
+            </a:r>
+          </a:p>
+        </p:txBody>
+      </p:sp>
+      <p:sp>
+        <p:nvSpPr>
+          <p:cNvPr id="6" name="Foliennummernplatzhalter 5">
+            <a:extLst>
+              <a:ext uri="{FF2B5EF4-FFF2-40B4-BE49-F238E27FC236}">
+                <a16:creationId xmlns:a16="http://schemas.microsoft.com/office/drawing/2014/main" id="{F50628E8-E520-491A-951E-CB3450B6A109}"/>
+              </a:ext>
+            </a:extLst>
+          </p:cNvPr>
+          <p:cNvSpPr>
+            <a:spLocks noGrp="1"/>
+          </p:cNvSpPr>
+          <p:nvPr>
+            <p:ph type="sldNum" sz="quarter" idx="12"/>
+          </p:nvPr>
+        </p:nvSpPr>
+        <p:spPr/>
+        <p:txBody>
+          <a:bodyPr/>
+          <a:lstStyle/>
+          <a:p>
+            <a:fld id="{3A1F27E2-D58A-4028-9FF2-B12D897F257E}" type="slidenum">
+              <a:rPr lang="de-DE" smtClean="0"/>
+              <a:t>45</a:t>
+            </a:fld>
+            <a:endParaRPr lang="de-DE"/>
+          </a:p>
+        </p:txBody>
+      </p:sp>
+      <p:pic>
+        <p:nvPicPr>
+          <p:cNvPr id="8" name="Grafik 7">
+            <a:extLst>
+              <a:ext uri="{FF2B5EF4-FFF2-40B4-BE49-F238E27FC236}">
+                <a16:creationId xmlns:a16="http://schemas.microsoft.com/office/drawing/2014/main" id="{D19CDF4F-0BEA-494C-AFFD-83616BFC10C1}"/>
+              </a:ext>
+            </a:extLst>
+          </p:cNvPr>
+          <p:cNvPicPr>
+            <a:picLocks noChangeAspect="1"/>
+          </p:cNvPicPr>
+          <p:nvPr/>
+        </p:nvPicPr>
+        <p:blipFill rotWithShape="1">
+          <a:blip r:embed="rId2"/>
+          <a:srcRect l="1915"/>
+          <a:stretch/>
+        </p:blipFill>
+        <p:spPr>
+          <a:xfrm>
+            <a:off x="838200" y="4021134"/>
+            <a:ext cx="7551828" cy="895712"/>
+          </a:xfrm>
+          <a:prstGeom prst="rect">
+            <a:avLst/>
+          </a:prstGeom>
+        </p:spPr>
+      </p:pic>
+      <p:pic>
+        <p:nvPicPr>
+          <p:cNvPr id="9" name="Grafik 8">
+            <a:extLst>
+              <a:ext uri="{FF2B5EF4-FFF2-40B4-BE49-F238E27FC236}">
+                <a16:creationId xmlns:a16="http://schemas.microsoft.com/office/drawing/2014/main" id="{8811442E-6DB4-4B6A-A6BE-E480BEB68FC7}"/>
+              </a:ext>
+            </a:extLst>
+          </p:cNvPr>
+          <p:cNvPicPr>
+            <a:picLocks noChangeAspect="1"/>
+          </p:cNvPicPr>
+          <p:nvPr/>
+        </p:nvPicPr>
+        <p:blipFill>
+          <a:blip r:embed="rId3"/>
+          <a:stretch>
+            <a:fillRect/>
+          </a:stretch>
+        </p:blipFill>
+        <p:spPr>
+          <a:xfrm>
+            <a:off x="838200" y="2472324"/>
+            <a:ext cx="4424625" cy="956676"/>
+          </a:xfrm>
+          <a:prstGeom prst="rect">
+            <a:avLst/>
+          </a:prstGeom>
+        </p:spPr>
+      </p:pic>
+      <p:sp>
+        <p:nvSpPr>
+          <p:cNvPr id="10" name="Textfeld 9">
+            <a:extLst>
+              <a:ext uri="{FF2B5EF4-FFF2-40B4-BE49-F238E27FC236}">
+                <a16:creationId xmlns:a16="http://schemas.microsoft.com/office/drawing/2014/main" id="{9F0D7E93-D8FD-4AB1-A15F-94D3659018B0}"/>
+              </a:ext>
+            </a:extLst>
+          </p:cNvPr>
+          <p:cNvSpPr txBox="1"/>
+          <p:nvPr/>
+        </p:nvSpPr>
+        <p:spPr>
+          <a:xfrm>
+            <a:off x="5580481" y="2535163"/>
+            <a:ext cx="1029449" cy="830997"/>
+          </a:xfrm>
+          <a:prstGeom prst="rect">
+            <a:avLst/>
+          </a:prstGeom>
+          <a:noFill/>
+        </p:spPr>
+        <p:txBody>
+          <a:bodyPr wrap="none" rtlCol="0">
+            <a:spAutoFit/>
+          </a:bodyPr>
+          <a:lstStyle/>
+          <a:p>
+            <a:r>
+              <a:rPr lang="de-DE" sz="4800" dirty="0"/>
+              <a:t>😒</a:t>
+            </a:r>
+          </a:p>
+        </p:txBody>
+      </p:sp>
+      <p:sp>
+        <p:nvSpPr>
+          <p:cNvPr id="11" name="Textfeld 10">
+            <a:extLst>
+              <a:ext uri="{FF2B5EF4-FFF2-40B4-BE49-F238E27FC236}">
+                <a16:creationId xmlns:a16="http://schemas.microsoft.com/office/drawing/2014/main" id="{4D413836-667D-4397-8DAE-354183DB12FE}"/>
+              </a:ext>
+            </a:extLst>
+          </p:cNvPr>
+          <p:cNvSpPr txBox="1"/>
+          <p:nvPr/>
+        </p:nvSpPr>
+        <p:spPr>
+          <a:xfrm>
+            <a:off x="8498203" y="4021134"/>
+            <a:ext cx="1029449" cy="830997"/>
+          </a:xfrm>
+          <a:prstGeom prst="rect">
+            <a:avLst/>
+          </a:prstGeom>
+          <a:noFill/>
+        </p:spPr>
+        <p:txBody>
+          <a:bodyPr wrap="none" rtlCol="0">
+            <a:spAutoFit/>
+          </a:bodyPr>
+          <a:lstStyle/>
+          <a:p>
+            <a:r>
+              <a:rPr lang="de-DE" sz="4800" dirty="0"/>
+              <a:t>😎</a:t>
+            </a:r>
+          </a:p>
+        </p:txBody>
+      </p:sp>
+      <p:pic>
+        <p:nvPicPr>
+          <p:cNvPr id="15" name="Grafik 14">
+            <a:extLst>
+              <a:ext uri="{FF2B5EF4-FFF2-40B4-BE49-F238E27FC236}">
+                <a16:creationId xmlns:a16="http://schemas.microsoft.com/office/drawing/2014/main" id="{AA11DD9C-81BE-41B6-AFE0-136F6C3261F3}"/>
+              </a:ext>
+            </a:extLst>
+          </p:cNvPr>
+          <p:cNvPicPr>
+            <a:picLocks noChangeAspect="1"/>
+          </p:cNvPicPr>
+          <p:nvPr/>
+        </p:nvPicPr>
+        <p:blipFill>
+          <a:blip r:embed="rId4"/>
+          <a:stretch>
+            <a:fillRect/>
+          </a:stretch>
+        </p:blipFill>
+        <p:spPr>
+          <a:xfrm>
+            <a:off x="838200" y="5069978"/>
+            <a:ext cx="9434052" cy="991037"/>
+          </a:xfrm>
+          <a:prstGeom prst="rect">
+            <a:avLst/>
+          </a:prstGeom>
+        </p:spPr>
+      </p:pic>
+    </p:spTree>
+    <p:extLst>
+      <p:ext uri="{BB962C8B-B14F-4D97-AF65-F5344CB8AC3E}">
+        <p14:creationId xmlns:p14="http://schemas.microsoft.com/office/powerpoint/2010/main" val="2695437665"/>
+      </p:ext>
+    </p:extLst>
+  </p:cSld>
+  <p:clrMapOvr>
+    <a:masterClrMapping/>
+  </p:clrMapOvr>
+  <p:timing>
+    <p:tnLst>
+      <p:par>
+        <p:cTn id="1" dur="indefinite" restart="never" nodeType="tmRoot">
+          <p:childTnLst>
+            <p:seq concurrent="1" nextAc="seek">
+              <p:cTn id="2" dur="indefinite" nodeType="mainSeq">
+                <p:childTnLst>
+                  <p:par>
+                    <p:cTn id="3" fill="hold">
+                      <p:stCondLst>
+                        <p:cond delay="indefinite"/>
+                      </p:stCondLst>
+                      <p:childTnLst>
+                        <p:par>
+                          <p:cTn id="4" fill="hold">
+                            <p:stCondLst>
+                              <p:cond delay="0"/>
+                            </p:stCondLst>
+                            <p:childTnLst>
+                              <p:par>
+                                <p:cTn id="5" presetID="1" presetClass="entr" presetSubtype="0" fill="hold" nodeType="clickEffect">
+                                  <p:stCondLst>
+                                    <p:cond delay="0"/>
+                                  </p:stCondLst>
+                                  <p:childTnLst>
+                                    <p:set>
+                                      <p:cBhvr>
+                                        <p:cTn id="6" dur="1" fill="hold">
+                                          <p:stCondLst>
+                                            <p:cond delay="0"/>
+                                          </p:stCondLst>
+                                        </p:cTn>
+                                        <p:tgtEl>
+                                          <p:spTgt spid="15"/>
+                                        </p:tgtEl>
+                                        <p:attrNameLst>
+                                          <p:attrName>style.visibility</p:attrName>
+                                        </p:attrNameLst>
+                                      </p:cBhvr>
+                                      <p:to>
+                                        <p:strVal val="visible"/>
+                                      </p:to>
+                                    </p:set>
+                                  </p:childTnLst>
+                                </p:cTn>
+                              </p:par>
+                            </p:childTnLst>
+                          </p:cTn>
+                        </p:par>
+                      </p:childTnLst>
+                    </p:cTn>
+                  </p:par>
+                </p:childTnLst>
+              </p:cTn>
+              <p:prevCondLst>
+                <p:cond evt="onPrev" delay="0">
+                  <p:tgtEl>
+                    <p:sldTgt/>
+                  </p:tgtEl>
+                </p:cond>
+              </p:prevCondLst>
+              <p:nextCondLst>
+                <p:cond evt="onNext" delay="0">
+                  <p:tgtEl>
+                    <p:sldTgt/>
+                  </p:tgtEl>
+                </p:cond>
+              </p:nextCondLst>
+            </p:seq>
+          </p:childTnLst>
+        </p:cTn>
+      </p:par>
+    </p:tnLst>
+  </p:timing>
+</p:sld>
+</file>
+
+<file path=ppt/slides/slide46.xml><?xml version="1.0" encoding="utf-8"?>
+<p:sld xmlns:a="http://schemas.openxmlformats.org/drawingml/2006/main" xmlns:r="http://schemas.openxmlformats.org/officeDocument/2006/relationships" xmlns:p="http://schemas.openxmlformats.org/presentationml/2006/main">
+  <p:cSld>
+    <p:spTree>
+      <p:nvGrpSpPr>
+        <p:cNvPr id="1" name=""/>
+        <p:cNvGrpSpPr/>
+        <p:nvPr/>
+      </p:nvGrpSpPr>
+      <p:grpSpPr>
+        <a:xfrm>
+          <a:off x="0" y="0"/>
+          <a:ext cx="0" cy="0"/>
+          <a:chOff x="0" y="0"/>
+          <a:chExt cx="0" cy="0"/>
+        </a:xfrm>
+      </p:grpSpPr>
+      <p:sp>
+        <p:nvSpPr>
+          <p:cNvPr id="2" name="Titel 1">
+            <a:extLst>
+              <a:ext uri="{FF2B5EF4-FFF2-40B4-BE49-F238E27FC236}">
+                <a16:creationId xmlns:a16="http://schemas.microsoft.com/office/drawing/2014/main" id="{B351ACE4-B970-4B4B-894B-5D28745C0D83}"/>
+              </a:ext>
+            </a:extLst>
+          </p:cNvPr>
+          <p:cNvSpPr>
+            <a:spLocks noGrp="1"/>
+          </p:cNvSpPr>
+          <p:nvPr>
+            <p:ph type="title"/>
+          </p:nvPr>
+        </p:nvSpPr>
+        <p:spPr/>
+        <p:txBody>
+          <a:bodyPr/>
+          <a:lstStyle/>
+          <a:p>
+            <a:r>
+              <a:rPr lang="de-DE" dirty="0"/>
+              <a:t>Dart - </a:t>
+            </a:r>
+            <a:r>
+              <a:rPr lang="de-DE" dirty="0" err="1"/>
+              <a:t>Named</a:t>
+            </a:r>
+            <a:r>
+              <a:rPr lang="de-DE" dirty="0"/>
+              <a:t> Arguments</a:t>
+            </a:r>
+          </a:p>
+        </p:txBody>
+      </p:sp>
+      <p:sp>
+        <p:nvSpPr>
+          <p:cNvPr id="7" name="Inhaltsplatzhalter 6">
+            <a:extLst>
+              <a:ext uri="{FF2B5EF4-FFF2-40B4-BE49-F238E27FC236}">
+                <a16:creationId xmlns:a16="http://schemas.microsoft.com/office/drawing/2014/main" id="{35140AA2-5C30-4F61-AEA2-CE32383215C0}"/>
+              </a:ext>
+            </a:extLst>
+          </p:cNvPr>
+          <p:cNvSpPr>
+            <a:spLocks noGrp="1"/>
+          </p:cNvSpPr>
+          <p:nvPr>
+            <p:ph idx="1"/>
+          </p:nvPr>
+        </p:nvSpPr>
+        <p:spPr/>
+        <p:txBody>
+          <a:bodyPr/>
+          <a:lstStyle/>
+          <a:p>
+            <a:r>
+              <a:rPr lang="de-DE" dirty="0"/>
+              <a:t>Danke fürs Abwarten und Zuhören.</a:t>
+            </a:r>
+          </a:p>
+          <a:p>
+            <a:r>
+              <a:rPr lang="de-DE" dirty="0"/>
+              <a:t>Jetzt bitte ausprobieren:</a:t>
+            </a:r>
+          </a:p>
+          <a:p>
+            <a:endParaRPr lang="de-DE" dirty="0"/>
+          </a:p>
+          <a:p>
+            <a:endParaRPr lang="de-DE" dirty="0"/>
+          </a:p>
+          <a:p>
+            <a:endParaRPr lang="de-DE" dirty="0"/>
+          </a:p>
+          <a:p>
+            <a:endParaRPr lang="de-DE" dirty="0"/>
+          </a:p>
+          <a:p>
+            <a:pPr marL="0" indent="0">
+              <a:buNone/>
+            </a:pPr>
+            <a:endParaRPr lang="de-DE" dirty="0"/>
+          </a:p>
+        </p:txBody>
+      </p:sp>
+      <p:sp>
+        <p:nvSpPr>
+          <p:cNvPr id="4" name="Datumsplatzhalter 3">
+            <a:extLst>
+              <a:ext uri="{FF2B5EF4-FFF2-40B4-BE49-F238E27FC236}">
+                <a16:creationId xmlns:a16="http://schemas.microsoft.com/office/drawing/2014/main" id="{E0707311-720B-4B2C-8CB8-513010B34927}"/>
+              </a:ext>
+            </a:extLst>
+          </p:cNvPr>
+          <p:cNvSpPr>
+            <a:spLocks noGrp="1"/>
+          </p:cNvSpPr>
+          <p:nvPr>
+            <p:ph type="dt" sz="half" idx="10"/>
+          </p:nvPr>
+        </p:nvSpPr>
+        <p:spPr/>
+        <p:txBody>
+          <a:bodyPr/>
+          <a:lstStyle/>
+          <a:p>
+            <a:fld id="{284F0D45-833B-4CA2-95DA-AFDB6EDAE49B}" type="datetime1">
+              <a:rPr lang="de-DE" smtClean="0"/>
+              <a:t>06.02.2023</a:t>
+            </a:fld>
+            <a:endParaRPr lang="de-DE"/>
+          </a:p>
+        </p:txBody>
+      </p:sp>
+      <p:sp>
+        <p:nvSpPr>
+          <p:cNvPr id="5" name="Fußzeilenplatzhalter 4">
+            <a:extLst>
+              <a:ext uri="{FF2B5EF4-FFF2-40B4-BE49-F238E27FC236}">
+                <a16:creationId xmlns:a16="http://schemas.microsoft.com/office/drawing/2014/main" id="{493DBB45-5A4F-4E00-936C-7F2EC56CBDC4}"/>
+              </a:ext>
+            </a:extLst>
+          </p:cNvPr>
+          <p:cNvSpPr>
+            <a:spLocks noGrp="1"/>
+          </p:cNvSpPr>
+          <p:nvPr>
+            <p:ph type="ftr" sz="quarter" idx="11"/>
+          </p:nvPr>
+        </p:nvSpPr>
+        <p:spPr/>
+        <p:txBody>
+          <a:bodyPr/>
+          <a:lstStyle/>
+          <a:p>
+            <a:r>
+              <a:rPr lang="de-DE"/>
+              <a:t>Dart - Programmiersprache für Smartphones</a:t>
+            </a:r>
+          </a:p>
+        </p:txBody>
+      </p:sp>
+      <p:sp>
+        <p:nvSpPr>
+          <p:cNvPr id="6" name="Foliennummernplatzhalter 5">
+            <a:extLst>
+              <a:ext uri="{FF2B5EF4-FFF2-40B4-BE49-F238E27FC236}">
+                <a16:creationId xmlns:a16="http://schemas.microsoft.com/office/drawing/2014/main" id="{C184620B-C66B-4AFB-896F-8ED5115E85FC}"/>
+              </a:ext>
+            </a:extLst>
+          </p:cNvPr>
+          <p:cNvSpPr>
+            <a:spLocks noGrp="1"/>
+          </p:cNvSpPr>
+          <p:nvPr>
+            <p:ph type="sldNum" sz="quarter" idx="12"/>
+          </p:nvPr>
+        </p:nvSpPr>
+        <p:spPr/>
+        <p:txBody>
+          <a:bodyPr/>
+          <a:lstStyle/>
+          <a:p>
+            <a:fld id="{3A1F27E2-D58A-4028-9FF2-B12D897F257E}" type="slidenum">
+              <a:rPr lang="de-DE" smtClean="0"/>
+              <a:t>46</a:t>
+            </a:fld>
+            <a:endParaRPr lang="de-DE"/>
+          </a:p>
+        </p:txBody>
+      </p:sp>
+      <p:pic>
+        <p:nvPicPr>
+          <p:cNvPr id="8" name="Grafik 7">
+            <a:extLst>
+              <a:ext uri="{FF2B5EF4-FFF2-40B4-BE49-F238E27FC236}">
+                <a16:creationId xmlns:a16="http://schemas.microsoft.com/office/drawing/2014/main" id="{90865EE6-68BD-4564-B2D4-666D822D8E94}"/>
+              </a:ext>
+            </a:extLst>
+          </p:cNvPr>
+          <p:cNvPicPr>
+            <a:picLocks noChangeAspect="1"/>
+          </p:cNvPicPr>
+          <p:nvPr/>
+        </p:nvPicPr>
+        <p:blipFill rotWithShape="1">
+          <a:blip r:embed="rId2"/>
+          <a:srcRect l="1915"/>
+          <a:stretch/>
+        </p:blipFill>
+        <p:spPr>
+          <a:xfrm>
+            <a:off x="838199" y="2715901"/>
+            <a:ext cx="7577939" cy="898809"/>
+          </a:xfrm>
+          <a:prstGeom prst="rect">
+            <a:avLst/>
+          </a:prstGeom>
+        </p:spPr>
+      </p:pic>
+      <p:pic>
+        <p:nvPicPr>
+          <p:cNvPr id="9" name="Grafik 8">
+            <a:extLst>
+              <a:ext uri="{FF2B5EF4-FFF2-40B4-BE49-F238E27FC236}">
+                <a16:creationId xmlns:a16="http://schemas.microsoft.com/office/drawing/2014/main" id="{A83F4D6D-180D-4693-B52F-CC3735829070}"/>
+              </a:ext>
+            </a:extLst>
+          </p:cNvPr>
+          <p:cNvPicPr>
+            <a:picLocks noChangeAspect="1"/>
+          </p:cNvPicPr>
+          <p:nvPr/>
+        </p:nvPicPr>
+        <p:blipFill>
+          <a:blip r:embed="rId3"/>
+          <a:stretch>
+            <a:fillRect/>
+          </a:stretch>
+        </p:blipFill>
+        <p:spPr>
+          <a:xfrm>
+            <a:off x="838200" y="3797710"/>
+            <a:ext cx="9434052" cy="991037"/>
+          </a:xfrm>
+          <a:prstGeom prst="rect">
+            <a:avLst/>
+          </a:prstGeom>
+        </p:spPr>
+      </p:pic>
+    </p:spTree>
+    <p:extLst>
+      <p:ext uri="{BB962C8B-B14F-4D97-AF65-F5344CB8AC3E}">
+        <p14:creationId xmlns:p14="http://schemas.microsoft.com/office/powerpoint/2010/main" val="769489955"/>
+      </p:ext>
+    </p:extLst>
+  </p:cSld>
+  <p:clrMapOvr>
+    <a:masterClrMapping/>
+  </p:clrMapOvr>
+</p:sld>
+</file>
+
+<file path=ppt/slides/slide47.xml><?xml version="1.0" encoding="utf-8"?>
+<p:sld xmlns:a="http://schemas.openxmlformats.org/drawingml/2006/main" xmlns:r="http://schemas.openxmlformats.org/officeDocument/2006/relationships" xmlns:p="http://schemas.openxmlformats.org/presentationml/2006/main">
+  <p:cSld>
+    <p:spTree>
+      <p:nvGrpSpPr>
+        <p:cNvPr id="1" name=""/>
+        <p:cNvGrpSpPr/>
+        <p:nvPr/>
+      </p:nvGrpSpPr>
+      <p:grpSpPr>
+        <a:xfrm>
+          <a:off x="0" y="0"/>
+          <a:ext cx="0" cy="0"/>
+          <a:chOff x="0" y="0"/>
+          <a:chExt cx="0" cy="0"/>
+        </a:xfrm>
+      </p:grpSpPr>
+      <p:sp>
+        <p:nvSpPr>
+          <p:cNvPr id="7" name="Title 6">
+            <a:extLst>
+              <a:ext uri="{FF2B5EF4-FFF2-40B4-BE49-F238E27FC236}">
+                <a16:creationId xmlns:a16="http://schemas.microsoft.com/office/drawing/2014/main" id="{FDB2BEDB-BD12-DDF1-BF96-6E71666918B8}"/>
+              </a:ext>
+            </a:extLst>
+          </p:cNvPr>
+          <p:cNvSpPr>
+            <a:spLocks noGrp="1"/>
+          </p:cNvSpPr>
+          <p:nvPr>
+            <p:ph type="title"/>
+          </p:nvPr>
+        </p:nvSpPr>
+        <p:spPr/>
+        <p:txBody>
+          <a:bodyPr/>
+          <a:lstStyle/>
+          <a:p>
+            <a:r>
+              <a:rPr lang="de-DE" dirty="0"/>
+              <a:t>Dart - </a:t>
+            </a:r>
+            <a:r>
+              <a:rPr lang="de-DE" dirty="0" err="1"/>
+              <a:t>Named</a:t>
+            </a:r>
+            <a:r>
+              <a:rPr lang="de-DE" dirty="0"/>
+              <a:t> Arguments</a:t>
+            </a:r>
+          </a:p>
+        </p:txBody>
+      </p:sp>
+      <p:sp>
+        <p:nvSpPr>
+          <p:cNvPr id="8" name="Content Placeholder 7">
+            <a:extLst>
+              <a:ext uri="{FF2B5EF4-FFF2-40B4-BE49-F238E27FC236}">
+                <a16:creationId xmlns:a16="http://schemas.microsoft.com/office/drawing/2014/main" id="{2AEE0834-8D21-613B-0766-A11DCD9C1BFC}"/>
+              </a:ext>
+            </a:extLst>
+          </p:cNvPr>
+          <p:cNvSpPr>
+            <a:spLocks noGrp="1"/>
+          </p:cNvSpPr>
+          <p:nvPr>
+            <p:ph idx="1"/>
+          </p:nvPr>
+        </p:nvSpPr>
+        <p:spPr/>
+        <p:txBody>
+          <a:bodyPr anchor="ctr"/>
+          <a:lstStyle/>
+          <a:p>
+            <a:pPr marL="0" indent="0">
+              <a:buNone/>
+            </a:pPr>
+            <a:r>
+              <a:rPr lang="de-DE" dirty="0"/>
+              <a:t>Passe Deine Funktion </a:t>
+            </a:r>
+            <a:r>
+              <a:rPr lang="de-DE" dirty="0" err="1"/>
+              <a:t>pow</a:t>
+            </a:r>
+            <a:r>
+              <a:rPr lang="de-DE" dirty="0"/>
+              <a:t>() aus der vorherigen Aufgabe so an, dass klar wird, welche Zahl die Basis und welche Zahl der Exponent ist.</a:t>
+            </a:r>
+          </a:p>
+        </p:txBody>
+      </p:sp>
+      <p:sp>
+        <p:nvSpPr>
+          <p:cNvPr id="4" name="Date Placeholder 3">
+            <a:extLst>
+              <a:ext uri="{FF2B5EF4-FFF2-40B4-BE49-F238E27FC236}">
+                <a16:creationId xmlns:a16="http://schemas.microsoft.com/office/drawing/2014/main" id="{77F4BF03-DA0D-2E0B-C2E8-411D34CA0111}"/>
+              </a:ext>
+            </a:extLst>
+          </p:cNvPr>
+          <p:cNvSpPr>
+            <a:spLocks noGrp="1"/>
+          </p:cNvSpPr>
+          <p:nvPr>
+            <p:ph type="dt" sz="half" idx="10"/>
+          </p:nvPr>
+        </p:nvSpPr>
+        <p:spPr/>
+        <p:txBody>
+          <a:bodyPr/>
+          <a:lstStyle/>
+          <a:p>
+            <a:fld id="{382DDC3E-10C9-4B92-B2FB-A8167FB6AB1D}" type="datetime1">
+              <a:rPr lang="de-DE" smtClean="0"/>
+              <a:t>06.02.2023</a:t>
+            </a:fld>
+            <a:endParaRPr lang="de-DE"/>
+          </a:p>
+        </p:txBody>
+      </p:sp>
+      <p:sp>
+        <p:nvSpPr>
+          <p:cNvPr id="5" name="Footer Placeholder 4">
+            <a:extLst>
+              <a:ext uri="{FF2B5EF4-FFF2-40B4-BE49-F238E27FC236}">
+                <a16:creationId xmlns:a16="http://schemas.microsoft.com/office/drawing/2014/main" id="{E9A6C6BD-5904-8080-5A52-D762B34B278D}"/>
+              </a:ext>
+            </a:extLst>
+          </p:cNvPr>
+          <p:cNvSpPr>
+            <a:spLocks noGrp="1"/>
+          </p:cNvSpPr>
+          <p:nvPr>
+            <p:ph type="ftr" sz="quarter" idx="11"/>
+          </p:nvPr>
+        </p:nvSpPr>
+        <p:spPr/>
+        <p:txBody>
+          <a:bodyPr/>
+          <a:lstStyle/>
+          <a:p>
+            <a:r>
+              <a:rPr lang="de-DE"/>
+              <a:t>Dart - Programmiersprache für Smartphones</a:t>
+            </a:r>
+          </a:p>
+        </p:txBody>
+      </p:sp>
+      <p:sp>
+        <p:nvSpPr>
+          <p:cNvPr id="6" name="Slide Number Placeholder 5">
+            <a:extLst>
+              <a:ext uri="{FF2B5EF4-FFF2-40B4-BE49-F238E27FC236}">
+                <a16:creationId xmlns:a16="http://schemas.microsoft.com/office/drawing/2014/main" id="{D4F8F8FD-98DF-B9AF-79C7-D0BD7DDEEE23}"/>
+              </a:ext>
+            </a:extLst>
+          </p:cNvPr>
+          <p:cNvSpPr>
+            <a:spLocks noGrp="1"/>
+          </p:cNvSpPr>
+          <p:nvPr>
+            <p:ph type="sldNum" sz="quarter" idx="12"/>
+          </p:nvPr>
+        </p:nvSpPr>
+        <p:spPr/>
+        <p:txBody>
+          <a:bodyPr/>
+          <a:lstStyle/>
+          <a:p>
+            <a:fld id="{3A1F27E2-D58A-4028-9FF2-B12D897F257E}" type="slidenum">
+              <a:rPr lang="de-DE" smtClean="0"/>
+              <a:t>47</a:t>
+            </a:fld>
+            <a:endParaRPr lang="de-DE"/>
+          </a:p>
+        </p:txBody>
+      </p:sp>
+    </p:spTree>
+    <p:extLst>
+      <p:ext uri="{BB962C8B-B14F-4D97-AF65-F5344CB8AC3E}">
+        <p14:creationId xmlns:p14="http://schemas.microsoft.com/office/powerpoint/2010/main" val="2876868245"/>
+      </p:ext>
+    </p:extLst>
+  </p:cSld>
+  <p:clrMapOvr>
+    <a:masterClrMapping/>
+  </p:clrMapOvr>
+</p:sld>
+</file>
+
+<file path=ppt/slides/slide48.xml><?xml version="1.0" encoding="utf-8"?>
+<p:sld xmlns:a="http://schemas.openxmlformats.org/drawingml/2006/main" xmlns:r="http://schemas.openxmlformats.org/officeDocument/2006/relationships" xmlns:p="http://schemas.openxmlformats.org/presentationml/2006/main">
+  <p:cSld>
+    <p:spTree>
+      <p:nvGrpSpPr>
+        <p:cNvPr id="1" name=""/>
+        <p:cNvGrpSpPr/>
+        <p:nvPr/>
+      </p:nvGrpSpPr>
+      <p:grpSpPr>
+        <a:xfrm>
+          <a:off x="0" y="0"/>
+          <a:ext cx="0" cy="0"/>
+          <a:chOff x="0" y="0"/>
+          <a:chExt cx="0" cy="0"/>
+        </a:xfrm>
+      </p:grpSpPr>
+      <p:sp>
+        <p:nvSpPr>
+          <p:cNvPr id="2" name="Titel 1">
+            <a:extLst>
+              <a:ext uri="{FF2B5EF4-FFF2-40B4-BE49-F238E27FC236}">
+                <a16:creationId xmlns:a16="http://schemas.microsoft.com/office/drawing/2014/main" id="{C29A6B8F-8134-4459-9B08-87941CFA1CC9}"/>
+              </a:ext>
+            </a:extLst>
+          </p:cNvPr>
+          <p:cNvSpPr>
+            <a:spLocks noGrp="1"/>
+          </p:cNvSpPr>
+          <p:nvPr>
+            <p:ph type="title"/>
+          </p:nvPr>
+        </p:nvSpPr>
+        <p:spPr/>
+        <p:txBody>
+          <a:bodyPr/>
+          <a:lstStyle/>
+          <a:p>
+            <a:r>
+              <a:rPr lang="de-DE" dirty="0"/>
+              <a:t>Dart - </a:t>
+            </a:r>
+            <a:r>
+              <a:rPr lang="de-DE" dirty="0" err="1"/>
+              <a:t>Scope</a:t>
+            </a:r>
+            <a:endParaRPr lang="de-DE" dirty="0"/>
+          </a:p>
+        </p:txBody>
+      </p:sp>
+      <p:sp>
+        <p:nvSpPr>
+          <p:cNvPr id="3" name="Inhaltsplatzhalter 2">
+            <a:extLst>
+              <a:ext uri="{FF2B5EF4-FFF2-40B4-BE49-F238E27FC236}">
+                <a16:creationId xmlns:a16="http://schemas.microsoft.com/office/drawing/2014/main" id="{065D0510-5151-4E2D-9A9F-7131BC4C9C14}"/>
+              </a:ext>
+            </a:extLst>
+          </p:cNvPr>
+          <p:cNvSpPr>
+            <a:spLocks noGrp="1"/>
+          </p:cNvSpPr>
+          <p:nvPr>
+            <p:ph idx="1"/>
+          </p:nvPr>
+        </p:nvSpPr>
+        <p:spPr/>
+        <p:txBody>
+          <a:bodyPr/>
+          <a:lstStyle/>
+          <a:p>
+            <a:r>
+              <a:rPr lang="de-DE" dirty="0" err="1"/>
+              <a:t>Scope</a:t>
+            </a:r>
+            <a:r>
+              <a:rPr lang="de-DE" dirty="0"/>
+              <a:t> = Lebensdauer einer Variable</a:t>
+            </a:r>
+          </a:p>
+          <a:p>
+            <a:r>
+              <a:rPr lang="de-DE" dirty="0"/>
+              <a:t>Typisch: zwischen zugehörigen geschweiften Klammern</a:t>
+            </a:r>
+          </a:p>
+        </p:txBody>
+      </p:sp>
+      <p:sp>
+        <p:nvSpPr>
+          <p:cNvPr id="4" name="Datumsplatzhalter 3">
+            <a:extLst>
+              <a:ext uri="{FF2B5EF4-FFF2-40B4-BE49-F238E27FC236}">
+                <a16:creationId xmlns:a16="http://schemas.microsoft.com/office/drawing/2014/main" id="{B0B55475-82B8-4356-BD6D-C68C8B413254}"/>
+              </a:ext>
+            </a:extLst>
+          </p:cNvPr>
+          <p:cNvSpPr>
+            <a:spLocks noGrp="1"/>
+          </p:cNvSpPr>
+          <p:nvPr>
+            <p:ph type="dt" sz="half" idx="10"/>
+          </p:nvPr>
+        </p:nvSpPr>
+        <p:spPr/>
+        <p:txBody>
+          <a:bodyPr/>
+          <a:lstStyle/>
+          <a:p>
+            <a:fld id="{8159FE7A-07D2-4D3F-9855-29B7F3DF1D43}" type="datetime1">
+              <a:rPr lang="de-DE" smtClean="0"/>
+              <a:t>06.02.2023</a:t>
+            </a:fld>
+            <a:endParaRPr lang="de-DE"/>
+          </a:p>
+        </p:txBody>
+      </p:sp>
+      <p:sp>
+        <p:nvSpPr>
+          <p:cNvPr id="5" name="Fußzeilenplatzhalter 4">
+            <a:extLst>
+              <a:ext uri="{FF2B5EF4-FFF2-40B4-BE49-F238E27FC236}">
+                <a16:creationId xmlns:a16="http://schemas.microsoft.com/office/drawing/2014/main" id="{0B4334B5-1F5A-4F0E-AB13-3D96C89AAB67}"/>
+              </a:ext>
+            </a:extLst>
+          </p:cNvPr>
+          <p:cNvSpPr>
+            <a:spLocks noGrp="1"/>
+          </p:cNvSpPr>
+          <p:nvPr>
+            <p:ph type="ftr" sz="quarter" idx="11"/>
+          </p:nvPr>
+        </p:nvSpPr>
+        <p:spPr/>
+        <p:txBody>
+          <a:bodyPr/>
+          <a:lstStyle/>
+          <a:p>
+            <a:r>
+              <a:rPr lang="de-DE"/>
+              <a:t>Dart - Programmiersprache für Smartphones</a:t>
+            </a:r>
+          </a:p>
+        </p:txBody>
+      </p:sp>
+      <p:sp>
+        <p:nvSpPr>
+          <p:cNvPr id="6" name="Foliennummernplatzhalter 5">
+            <a:extLst>
+              <a:ext uri="{FF2B5EF4-FFF2-40B4-BE49-F238E27FC236}">
+                <a16:creationId xmlns:a16="http://schemas.microsoft.com/office/drawing/2014/main" id="{B14B6D11-CEA8-4BF2-9D2D-CD1F7197B58E}"/>
+              </a:ext>
+            </a:extLst>
+          </p:cNvPr>
+          <p:cNvSpPr>
+            <a:spLocks noGrp="1"/>
+          </p:cNvSpPr>
+          <p:nvPr>
+            <p:ph type="sldNum" sz="quarter" idx="12"/>
+          </p:nvPr>
+        </p:nvSpPr>
+        <p:spPr/>
+        <p:txBody>
+          <a:bodyPr/>
+          <a:lstStyle/>
+          <a:p>
+            <a:fld id="{3A1F27E2-D58A-4028-9FF2-B12D897F257E}" type="slidenum">
+              <a:rPr lang="de-DE" smtClean="0"/>
+              <a:t>48</a:t>
+            </a:fld>
+            <a:endParaRPr lang="de-DE"/>
+          </a:p>
+        </p:txBody>
+      </p:sp>
+      <p:pic>
+        <p:nvPicPr>
+          <p:cNvPr id="8" name="Grafik 7">
+            <a:extLst>
+              <a:ext uri="{FF2B5EF4-FFF2-40B4-BE49-F238E27FC236}">
+                <a16:creationId xmlns:a16="http://schemas.microsoft.com/office/drawing/2014/main" id="{0393E4BE-5A48-49DA-9B3C-9677C473E3CF}"/>
+              </a:ext>
+            </a:extLst>
+          </p:cNvPr>
+          <p:cNvPicPr>
+            <a:picLocks noChangeAspect="1"/>
+          </p:cNvPicPr>
+          <p:nvPr/>
+        </p:nvPicPr>
+        <p:blipFill>
+          <a:blip r:embed="rId3"/>
+          <a:stretch>
+            <a:fillRect/>
+          </a:stretch>
+        </p:blipFill>
+        <p:spPr>
+          <a:xfrm>
+            <a:off x="1198817" y="2598666"/>
+            <a:ext cx="5671883" cy="3532632"/>
+          </a:xfrm>
+          <a:prstGeom prst="rect">
+            <a:avLst/>
+          </a:prstGeom>
+        </p:spPr>
+      </p:pic>
+      <p:grpSp>
+        <p:nvGrpSpPr>
+          <p:cNvPr id="17" name="Gruppieren 16">
+            <a:extLst>
+              <a:ext uri="{FF2B5EF4-FFF2-40B4-BE49-F238E27FC236}">
+                <a16:creationId xmlns:a16="http://schemas.microsoft.com/office/drawing/2014/main" id="{7498EBB2-D134-42EB-85FD-78643D87F0E6}"/>
+              </a:ext>
+            </a:extLst>
+          </p:cNvPr>
+          <p:cNvGrpSpPr/>
+          <p:nvPr/>
+        </p:nvGrpSpPr>
+        <p:grpSpPr>
+          <a:xfrm>
+            <a:off x="2603090" y="2986551"/>
+            <a:ext cx="7506585" cy="3001294"/>
+            <a:chOff x="2603090" y="2986551"/>
+            <a:chExt cx="7506585" cy="3001294"/>
+          </a:xfrm>
+        </p:grpSpPr>
+        <p:sp>
+          <p:nvSpPr>
+            <p:cNvPr id="9" name="Eckige Klammer rechts 8">
+              <a:extLst>
+                <a:ext uri="{FF2B5EF4-FFF2-40B4-BE49-F238E27FC236}">
+                  <a16:creationId xmlns:a16="http://schemas.microsoft.com/office/drawing/2014/main" id="{85942148-6D79-4F17-BE12-2EF624177CAD}"/>
+                </a:ext>
+              </a:extLst>
+            </p:cNvPr>
+            <p:cNvSpPr/>
+            <p:nvPr/>
+          </p:nvSpPr>
+          <p:spPr>
+            <a:xfrm>
+              <a:off x="2603091" y="4063181"/>
+              <a:ext cx="5567516" cy="884903"/>
+            </a:xfrm>
+            <a:prstGeom prst="rightBracket">
+              <a:avLst>
+                <a:gd name="adj" fmla="val 0"/>
+              </a:avLst>
+            </a:prstGeom>
+            <a:ln w="28575"/>
+          </p:spPr>
+          <p:style>
+            <a:lnRef idx="1">
+              <a:schemeClr val="accent1"/>
+            </a:lnRef>
+            <a:fillRef idx="0">
+              <a:schemeClr val="accent1"/>
+            </a:fillRef>
+            <a:effectRef idx="0">
+              <a:schemeClr val="accent1"/>
+            </a:effectRef>
+            <a:fontRef idx="minor">
+              <a:schemeClr val="tx1"/>
+            </a:fontRef>
+          </p:style>
+          <p:txBody>
+            <a:bodyPr rtlCol="0" anchor="ctr"/>
+            <a:lstStyle/>
+            <a:p>
+              <a:pPr algn="ctr"/>
+              <a:endParaRPr lang="de-DE"/>
+            </a:p>
+          </p:txBody>
+        </p:sp>
+        <p:sp>
+          <p:nvSpPr>
+            <p:cNvPr id="10" name="Eckige Klammer rechts 9">
+              <a:extLst>
+                <a:ext uri="{FF2B5EF4-FFF2-40B4-BE49-F238E27FC236}">
+                  <a16:creationId xmlns:a16="http://schemas.microsoft.com/office/drawing/2014/main" id="{B7CD2271-F063-4DFB-BB6C-048B78EBAF9A}"/>
+                </a:ext>
+              </a:extLst>
+            </p:cNvPr>
+            <p:cNvSpPr/>
+            <p:nvPr/>
+          </p:nvSpPr>
+          <p:spPr>
+            <a:xfrm>
+              <a:off x="2603090" y="3524866"/>
+              <a:ext cx="6422924" cy="1946786"/>
+            </a:xfrm>
+            <a:prstGeom prst="rightBracket">
+              <a:avLst>
+                <a:gd name="adj" fmla="val 0"/>
+              </a:avLst>
+            </a:prstGeom>
+            <a:ln w="28575"/>
+          </p:spPr>
+          <p:style>
+            <a:lnRef idx="1">
+              <a:schemeClr val="accent1"/>
+            </a:lnRef>
+            <a:fillRef idx="0">
+              <a:schemeClr val="accent1"/>
+            </a:fillRef>
+            <a:effectRef idx="0">
+              <a:schemeClr val="accent1"/>
+            </a:effectRef>
+            <a:fontRef idx="minor">
+              <a:schemeClr val="tx1"/>
+            </a:fontRef>
+          </p:style>
+          <p:txBody>
+            <a:bodyPr rtlCol="0" anchor="ctr"/>
+            <a:lstStyle/>
+            <a:p>
+              <a:pPr algn="ctr"/>
+              <a:endParaRPr lang="de-DE"/>
+            </a:p>
+          </p:txBody>
+        </p:sp>
+        <p:sp>
+          <p:nvSpPr>
+            <p:cNvPr id="11" name="Eckige Klammer rechts 10">
+              <a:extLst>
+                <a:ext uri="{FF2B5EF4-FFF2-40B4-BE49-F238E27FC236}">
+                  <a16:creationId xmlns:a16="http://schemas.microsoft.com/office/drawing/2014/main" id="{A5F94718-BA06-4F54-A79C-73A9462A7C5E}"/>
+                </a:ext>
+              </a:extLst>
+            </p:cNvPr>
+            <p:cNvSpPr/>
+            <p:nvPr/>
+          </p:nvSpPr>
+          <p:spPr>
+            <a:xfrm>
+              <a:off x="3333134" y="2986551"/>
+              <a:ext cx="6776541" cy="3001294"/>
+            </a:xfrm>
+            <a:prstGeom prst="rightBracket">
+              <a:avLst>
+                <a:gd name="adj" fmla="val 0"/>
+              </a:avLst>
+            </a:prstGeom>
+            <a:ln w="28575"/>
+          </p:spPr>
+          <p:style>
+            <a:lnRef idx="1">
+              <a:schemeClr val="accent1"/>
+            </a:lnRef>
+            <a:fillRef idx="0">
+              <a:schemeClr val="accent1"/>
+            </a:fillRef>
+            <a:effectRef idx="0">
+              <a:schemeClr val="accent1"/>
+            </a:effectRef>
+            <a:fontRef idx="minor">
+              <a:schemeClr val="tx1"/>
+            </a:fontRef>
+          </p:style>
+          <p:txBody>
+            <a:bodyPr rtlCol="0" anchor="ctr"/>
+            <a:lstStyle/>
+            <a:p>
+              <a:pPr algn="ctr"/>
+              <a:endParaRPr lang="de-DE"/>
+            </a:p>
+          </p:txBody>
+        </p:sp>
+        <p:sp>
+          <p:nvSpPr>
+            <p:cNvPr id="12" name="Textfeld 11">
+              <a:extLst>
+                <a:ext uri="{FF2B5EF4-FFF2-40B4-BE49-F238E27FC236}">
+                  <a16:creationId xmlns:a16="http://schemas.microsoft.com/office/drawing/2014/main" id="{E3511069-36FB-48B1-8268-5D565ADC2CBA}"/>
+                </a:ext>
+              </a:extLst>
+            </p:cNvPr>
+            <p:cNvSpPr txBox="1"/>
+            <p:nvPr/>
+          </p:nvSpPr>
+          <p:spPr>
+            <a:xfrm rot="16200000">
+              <a:off x="7613241" y="4347844"/>
+              <a:ext cx="745397" cy="369332"/>
+            </a:xfrm>
+            <a:prstGeom prst="rect">
+              <a:avLst/>
+            </a:prstGeom>
+            <a:noFill/>
+          </p:spPr>
+          <p:txBody>
+            <a:bodyPr wrap="none" rtlCol="0">
+              <a:spAutoFit/>
+            </a:bodyPr>
+            <a:lstStyle/>
+            <a:p>
+              <a:r>
+                <a:rPr lang="de-DE" dirty="0" err="1"/>
+                <a:t>Scope</a:t>
+              </a:r>
+              <a:endParaRPr lang="de-DE" dirty="0"/>
+            </a:p>
+          </p:txBody>
+        </p:sp>
+        <p:sp>
+          <p:nvSpPr>
+            <p:cNvPr id="13" name="Textfeld 12">
+              <a:extLst>
+                <a:ext uri="{FF2B5EF4-FFF2-40B4-BE49-F238E27FC236}">
+                  <a16:creationId xmlns:a16="http://schemas.microsoft.com/office/drawing/2014/main" id="{F65DC8D2-AB3C-40C7-8B92-EEDCC083EC28}"/>
+                </a:ext>
+              </a:extLst>
+            </p:cNvPr>
+            <p:cNvSpPr txBox="1"/>
+            <p:nvPr/>
+          </p:nvSpPr>
+          <p:spPr>
+            <a:xfrm rot="16200000">
+              <a:off x="8468649" y="4353307"/>
+              <a:ext cx="745397" cy="369332"/>
+            </a:xfrm>
+            <a:prstGeom prst="rect">
+              <a:avLst/>
+            </a:prstGeom>
+            <a:noFill/>
+          </p:spPr>
+          <p:txBody>
+            <a:bodyPr wrap="none" rtlCol="0">
+              <a:spAutoFit/>
+            </a:bodyPr>
+            <a:lstStyle/>
+            <a:p>
+              <a:r>
+                <a:rPr lang="de-DE" dirty="0" err="1"/>
+                <a:t>Scope</a:t>
+              </a:r>
+              <a:endParaRPr lang="de-DE" dirty="0"/>
+            </a:p>
+          </p:txBody>
+        </p:sp>
+        <p:sp>
+          <p:nvSpPr>
+            <p:cNvPr id="14" name="Textfeld 13">
+              <a:extLst>
+                <a:ext uri="{FF2B5EF4-FFF2-40B4-BE49-F238E27FC236}">
+                  <a16:creationId xmlns:a16="http://schemas.microsoft.com/office/drawing/2014/main" id="{40967607-3752-4FA2-BFFA-3BABD2FF03BB}"/>
+                </a:ext>
+              </a:extLst>
+            </p:cNvPr>
+            <p:cNvSpPr txBox="1"/>
+            <p:nvPr/>
+          </p:nvSpPr>
+          <p:spPr>
+            <a:xfrm rot="16200000">
+              <a:off x="9515784" y="4362051"/>
+              <a:ext cx="745397" cy="369332"/>
+            </a:xfrm>
+            <a:prstGeom prst="rect">
+              <a:avLst/>
+            </a:prstGeom>
+            <a:noFill/>
+          </p:spPr>
+          <p:txBody>
+            <a:bodyPr wrap="none" rtlCol="0">
+              <a:spAutoFit/>
+            </a:bodyPr>
+            <a:lstStyle/>
+            <a:p>
+              <a:r>
+                <a:rPr lang="de-DE" dirty="0" err="1"/>
+                <a:t>Scope</a:t>
+              </a:r>
+              <a:endParaRPr lang="de-DE" dirty="0"/>
+            </a:p>
+          </p:txBody>
+        </p:sp>
+      </p:grpSp>
+      <p:grpSp>
+        <p:nvGrpSpPr>
+          <p:cNvPr id="18" name="Gruppieren 17">
+            <a:extLst>
+              <a:ext uri="{FF2B5EF4-FFF2-40B4-BE49-F238E27FC236}">
+                <a16:creationId xmlns:a16="http://schemas.microsoft.com/office/drawing/2014/main" id="{DD5F1084-8908-4B31-BCD0-A65AF6D5B9AC}"/>
+              </a:ext>
+            </a:extLst>
+          </p:cNvPr>
+          <p:cNvGrpSpPr/>
+          <p:nvPr/>
+        </p:nvGrpSpPr>
+        <p:grpSpPr>
+          <a:xfrm>
+            <a:off x="2676791" y="5029200"/>
+            <a:ext cx="1401137" cy="842627"/>
+            <a:chOff x="2676791" y="5029200"/>
+            <a:chExt cx="1401137" cy="842627"/>
+          </a:xfrm>
+        </p:grpSpPr>
+        <p:sp>
+          <p:nvSpPr>
+            <p:cNvPr id="15" name="Rechteck 14">
+              <a:extLst>
+                <a:ext uri="{FF2B5EF4-FFF2-40B4-BE49-F238E27FC236}">
+                  <a16:creationId xmlns:a16="http://schemas.microsoft.com/office/drawing/2014/main" id="{DBC82C0B-21B8-4B86-989F-0E4B2D0C1BEB}"/>
+                </a:ext>
+              </a:extLst>
+            </p:cNvPr>
+            <p:cNvSpPr/>
+            <p:nvPr/>
+          </p:nvSpPr>
+          <p:spPr>
+            <a:xfrm>
+              <a:off x="2839027" y="5029200"/>
+              <a:ext cx="656342" cy="306769"/>
+            </a:xfrm>
+            <a:prstGeom prst="rect">
+              <a:avLst/>
+            </a:prstGeom>
+            <a:noFill/>
+            <a:ln w="28575">
+              <a:solidFill>
+                <a:schemeClr val="accent4"/>
+              </a:solidFill>
+            </a:ln>
+          </p:spPr>
+          <p:style>
+            <a:lnRef idx="2">
+              <a:schemeClr val="accent1">
+                <a:shade val="50000"/>
+              </a:schemeClr>
+            </a:lnRef>
+            <a:fillRef idx="1">
+              <a:schemeClr val="accent1"/>
+            </a:fillRef>
+            <a:effectRef idx="0">
+              <a:schemeClr val="accent1"/>
+            </a:effectRef>
+            <a:fontRef idx="minor">
+              <a:schemeClr val="lt1"/>
+            </a:fontRef>
+          </p:style>
+          <p:txBody>
+            <a:bodyPr rtlCol="0" anchor="ctr"/>
+            <a:lstStyle/>
+            <a:p>
+              <a:pPr algn="ctr"/>
+              <a:endParaRPr lang="de-DE"/>
+            </a:p>
+          </p:txBody>
+        </p:sp>
+        <p:sp>
+          <p:nvSpPr>
+            <p:cNvPr id="16" name="Rechteck 15">
+              <a:extLst>
+                <a:ext uri="{FF2B5EF4-FFF2-40B4-BE49-F238E27FC236}">
+                  <a16:creationId xmlns:a16="http://schemas.microsoft.com/office/drawing/2014/main" id="{7733EF41-FF3A-4671-8273-30252206D115}"/>
+                </a:ext>
+              </a:extLst>
+            </p:cNvPr>
+            <p:cNvSpPr/>
+            <p:nvPr/>
+          </p:nvSpPr>
+          <p:spPr>
+            <a:xfrm>
+              <a:off x="2676791" y="5565058"/>
+              <a:ext cx="1401137" cy="306769"/>
+            </a:xfrm>
+            <a:prstGeom prst="rect">
+              <a:avLst/>
+            </a:prstGeom>
+            <a:noFill/>
+            <a:ln w="28575">
+              <a:solidFill>
+                <a:schemeClr val="accent4"/>
+              </a:solidFill>
+            </a:ln>
+          </p:spPr>
+          <p:style>
+            <a:lnRef idx="2">
+              <a:schemeClr val="accent1">
+                <a:shade val="50000"/>
+              </a:schemeClr>
+            </a:lnRef>
+            <a:fillRef idx="1">
+              <a:schemeClr val="accent1"/>
+            </a:fillRef>
+            <a:effectRef idx="0">
+              <a:schemeClr val="accent1"/>
+            </a:effectRef>
+            <a:fontRef idx="minor">
+              <a:schemeClr val="lt1"/>
+            </a:fontRef>
+          </p:style>
+          <p:txBody>
+            <a:bodyPr rtlCol="0" anchor="ctr"/>
+            <a:lstStyle/>
+            <a:p>
+              <a:pPr algn="ctr"/>
+              <a:endParaRPr lang="de-DE"/>
+            </a:p>
+          </p:txBody>
+        </p:sp>
+      </p:grpSp>
+      <p:sp>
+        <p:nvSpPr>
+          <p:cNvPr id="19" name="Textfeld 18">
+            <a:extLst>
+              <a:ext uri="{FF2B5EF4-FFF2-40B4-BE49-F238E27FC236}">
+                <a16:creationId xmlns:a16="http://schemas.microsoft.com/office/drawing/2014/main" id="{58AB717C-4F10-4D2F-925F-2310C38ACA97}"/>
+              </a:ext>
+            </a:extLst>
+          </p:cNvPr>
+          <p:cNvSpPr txBox="1"/>
+          <p:nvPr/>
+        </p:nvSpPr>
+        <p:spPr>
+          <a:xfrm>
+            <a:off x="6266582" y="4646595"/>
+            <a:ext cx="1694310" cy="369332"/>
+          </a:xfrm>
+          <a:prstGeom prst="rect">
+            <a:avLst/>
+          </a:prstGeom>
+          <a:noFill/>
+        </p:spPr>
+        <p:txBody>
+          <a:bodyPr wrap="none" rtlCol="0">
+            <a:spAutoFit/>
+          </a:bodyPr>
+          <a:lstStyle/>
+          <a:p>
+            <a:r>
+              <a:rPr lang="de-DE" i="1" dirty="0"/>
+              <a:t>innen</a:t>
+            </a:r>
+            <a:r>
+              <a:rPr lang="de-DE" dirty="0"/>
+              <a:t> stirbt hier</a:t>
+            </a:r>
+          </a:p>
+        </p:txBody>
+      </p:sp>
+      <p:sp>
+        <p:nvSpPr>
+          <p:cNvPr id="20" name="Textfeld 19">
+            <a:extLst>
+              <a:ext uri="{FF2B5EF4-FFF2-40B4-BE49-F238E27FC236}">
+                <a16:creationId xmlns:a16="http://schemas.microsoft.com/office/drawing/2014/main" id="{0115C24D-92EA-422C-8955-D5977AC3E5B8}"/>
+              </a:ext>
+            </a:extLst>
+          </p:cNvPr>
+          <p:cNvSpPr txBox="1"/>
+          <p:nvPr/>
+        </p:nvSpPr>
+        <p:spPr>
+          <a:xfrm>
+            <a:off x="7231317" y="5151303"/>
+            <a:ext cx="1651414" cy="369332"/>
+          </a:xfrm>
+          <a:prstGeom prst="rect">
+            <a:avLst/>
+          </a:prstGeom>
+          <a:noFill/>
+        </p:spPr>
+        <p:txBody>
+          <a:bodyPr wrap="none" rtlCol="0">
+            <a:spAutoFit/>
+          </a:bodyPr>
+          <a:lstStyle/>
+          <a:p>
+            <a:r>
+              <a:rPr lang="de-DE" i="1" dirty="0" err="1"/>
+              <a:t>mitte</a:t>
+            </a:r>
+            <a:r>
+              <a:rPr lang="de-DE" dirty="0"/>
+              <a:t> stirbt hier</a:t>
+            </a:r>
+          </a:p>
+        </p:txBody>
+      </p:sp>
+      <p:sp>
+        <p:nvSpPr>
+          <p:cNvPr id="21" name="Textfeld 20">
+            <a:extLst>
+              <a:ext uri="{FF2B5EF4-FFF2-40B4-BE49-F238E27FC236}">
+                <a16:creationId xmlns:a16="http://schemas.microsoft.com/office/drawing/2014/main" id="{D3AFDBE5-F403-4C55-9BFE-8D18474923A8}"/>
+              </a:ext>
+            </a:extLst>
+          </p:cNvPr>
+          <p:cNvSpPr txBox="1"/>
+          <p:nvPr/>
+        </p:nvSpPr>
+        <p:spPr>
+          <a:xfrm>
+            <a:off x="8170606" y="5687161"/>
+            <a:ext cx="1801712" cy="369332"/>
+          </a:xfrm>
+          <a:prstGeom prst="rect">
+            <a:avLst/>
+          </a:prstGeom>
+          <a:noFill/>
+        </p:spPr>
+        <p:txBody>
+          <a:bodyPr wrap="none" rtlCol="0">
+            <a:spAutoFit/>
+          </a:bodyPr>
+          <a:lstStyle/>
+          <a:p>
+            <a:r>
+              <a:rPr lang="de-DE" i="1" dirty="0" err="1"/>
+              <a:t>aussen</a:t>
+            </a:r>
+            <a:r>
+              <a:rPr lang="de-DE" dirty="0"/>
+              <a:t> stirbt hier</a:t>
+            </a:r>
+          </a:p>
+        </p:txBody>
+      </p:sp>
+    </p:spTree>
+    <p:extLst>
+      <p:ext uri="{BB962C8B-B14F-4D97-AF65-F5344CB8AC3E}">
+        <p14:creationId xmlns:p14="http://schemas.microsoft.com/office/powerpoint/2010/main" val="3931247969"/>
+      </p:ext>
+    </p:extLst>
+  </p:cSld>
+  <p:clrMapOvr>
+    <a:masterClrMapping/>
+  </p:clrMapOvr>
+  <p:timing>
+    <p:tnLst>
+      <p:par>
+        <p:cTn id="1" dur="indefinite" restart="never" nodeType="tmRoot">
+          <p:childTnLst>
+            <p:seq concurrent="1" nextAc="seek">
+              <p:cTn id="2" dur="indefinite" nodeType="mainSeq">
+                <p:childTnLst>
+                  <p:par>
+                    <p:cTn id="3" fill="hold">
+                      <p:stCondLst>
+                        <p:cond delay="indefinite"/>
+                      </p:stCondLst>
+                      <p:childTnLst>
+                        <p:par>
+                          <p:cTn id="4" fill="hold">
+                            <p:stCondLst>
+                              <p:cond delay="0"/>
+                            </p:stCondLst>
+                            <p:childTnLst>
+                              <p:par>
+                                <p:cTn id="5" presetID="1" presetClass="entr" presetSubtype="0" fill="hold" nodeType="clickEffect">
+                                  <p:stCondLst>
+                                    <p:cond delay="0"/>
+                                  </p:stCondLst>
+                                  <p:childTnLst>
+                                    <p:set>
+                                      <p:cBhvr>
+                                        <p:cTn id="6" dur="1" fill="hold">
+                                          <p:stCondLst>
+                                            <p:cond delay="0"/>
+                                          </p:stCondLst>
+                                        </p:cTn>
+                                        <p:tgtEl>
+                                          <p:spTgt spid="17"/>
+                                        </p:tgtEl>
+                                        <p:attrNameLst>
+                                          <p:attrName>style.visibility</p:attrName>
+                                        </p:attrNameLst>
+                                      </p:cBhvr>
+                                      <p:to>
+                                        <p:strVal val="visible"/>
+                                      </p:to>
+                                    </p:set>
+                                  </p:childTnLst>
+                                </p:cTn>
+                              </p:par>
+                              <p:par>
+                                <p:cTn id="7" presetID="1" presetClass="entr" presetSubtype="0" fill="hold" grpId="0" nodeType="withEffect">
+                                  <p:stCondLst>
+                                    <p:cond delay="0"/>
+                                  </p:stCondLst>
+                                  <p:childTnLst>
+                                    <p:set>
+                                      <p:cBhvr>
+                                        <p:cTn id="8" dur="1" fill="hold">
+                                          <p:stCondLst>
+                                            <p:cond delay="0"/>
+                                          </p:stCondLst>
+                                        </p:cTn>
+                                        <p:tgtEl>
+                                          <p:spTgt spid="19"/>
+                                        </p:tgtEl>
+                                        <p:attrNameLst>
+                                          <p:attrName>style.visibility</p:attrName>
+                                        </p:attrNameLst>
+                                      </p:cBhvr>
+                                      <p:to>
+                                        <p:strVal val="visible"/>
+                                      </p:to>
+                                    </p:set>
+                                  </p:childTnLst>
+                                </p:cTn>
+                              </p:par>
+                              <p:par>
+                                <p:cTn id="9" presetID="1" presetClass="entr" presetSubtype="0" fill="hold" grpId="0" nodeType="withEffect">
+                                  <p:stCondLst>
+                                    <p:cond delay="0"/>
+                                  </p:stCondLst>
+                                  <p:childTnLst>
+                                    <p:set>
+                                      <p:cBhvr>
+                                        <p:cTn id="10" dur="1" fill="hold">
+                                          <p:stCondLst>
+                                            <p:cond delay="0"/>
+                                          </p:stCondLst>
+                                        </p:cTn>
+                                        <p:tgtEl>
+                                          <p:spTgt spid="20"/>
+                                        </p:tgtEl>
+                                        <p:attrNameLst>
+                                          <p:attrName>style.visibility</p:attrName>
+                                        </p:attrNameLst>
+                                      </p:cBhvr>
+                                      <p:to>
+                                        <p:strVal val="visible"/>
+                                      </p:to>
+                                    </p:set>
+                                  </p:childTnLst>
+                                </p:cTn>
+                              </p:par>
+                              <p:par>
+                                <p:cTn id="11" presetID="1" presetClass="entr" presetSubtype="0" fill="hold" grpId="0" nodeType="withEffect">
+                                  <p:stCondLst>
+                                    <p:cond delay="0"/>
+                                  </p:stCondLst>
+                                  <p:childTnLst>
+                                    <p:set>
+                                      <p:cBhvr>
+                                        <p:cTn id="12" dur="1" fill="hold">
+                                          <p:stCondLst>
+                                            <p:cond delay="0"/>
+                                          </p:stCondLst>
+                                        </p:cTn>
+                                        <p:tgtEl>
+                                          <p:spTgt spid="21"/>
+                                        </p:tgtEl>
+                                        <p:attrNameLst>
+                                          <p:attrName>style.visibility</p:attrName>
+                                        </p:attrNameLst>
+                                      </p:cBhvr>
+                                      <p:to>
+                                        <p:strVal val="visible"/>
+                                      </p:to>
+                                    </p:set>
+                                  </p:childTnLst>
+                                </p:cTn>
+                              </p:par>
+                            </p:childTnLst>
+                          </p:cTn>
+                        </p:par>
+                      </p:childTnLst>
+                    </p:cTn>
+                  </p:par>
+                  <p:par>
+                    <p:cTn id="13" fill="hold">
+                      <p:stCondLst>
+                        <p:cond delay="indefinite"/>
+                      </p:stCondLst>
+                      <p:childTnLst>
+                        <p:par>
+                          <p:cTn id="14" fill="hold">
+                            <p:stCondLst>
+                              <p:cond delay="0"/>
+                            </p:stCondLst>
+                            <p:childTnLst>
+                              <p:par>
+                                <p:cTn id="15" presetID="1" presetClass="entr" presetSubtype="0" fill="hold" nodeType="clickEffect">
+                                  <p:stCondLst>
+                                    <p:cond delay="0"/>
+                                  </p:stCondLst>
+                                  <p:childTnLst>
+                                    <p:set>
+                                      <p:cBhvr>
+                                        <p:cTn id="16" dur="1" fill="hold">
+                                          <p:stCondLst>
+                                            <p:cond delay="0"/>
+                                          </p:stCondLst>
+                                        </p:cTn>
+                                        <p:tgtEl>
+                                          <p:spTgt spid="18"/>
+                                        </p:tgtEl>
+                                        <p:attrNameLst>
+                                          <p:attrName>style.visibility</p:attrName>
+                                        </p:attrNameLst>
+                                      </p:cBhvr>
+                                      <p:to>
+                                        <p:strVal val="visible"/>
+                                      </p:to>
+                                    </p:set>
+                                  </p:childTnLst>
+                                </p:cTn>
+                              </p:par>
+                            </p:childTnLst>
+                          </p:cTn>
+                        </p:par>
+                      </p:childTnLst>
+                    </p:cTn>
+                  </p:par>
+                </p:childTnLst>
+              </p:cTn>
+              <p:prevCondLst>
+                <p:cond evt="onPrev" delay="0">
+                  <p:tgtEl>
+                    <p:sldTgt/>
+                  </p:tgtEl>
+                </p:cond>
+              </p:prevCondLst>
+              <p:nextCondLst>
+                <p:cond evt="onNext" delay="0">
+                  <p:tgtEl>
+                    <p:sldTgt/>
+                  </p:tgtEl>
+                </p:cond>
+              </p:nextCondLst>
+            </p:seq>
+          </p:childTnLst>
+        </p:cTn>
+      </p:par>
+    </p:tnLst>
+    <p:bldLst>
+      <p:bldP spid="19" grpId="0"/>
+      <p:bldP spid="20" grpId="0"/>
+      <p:bldP spid="21" grpId="0"/>
+    </p:bldLst>
+  </p:timing>
+</p:sld>
+</file>
+
+<file path=ppt/slides/slide49.xml><?xml version="1.0" encoding="utf-8"?>
+<p:sld xmlns:a="http://schemas.openxmlformats.org/drawingml/2006/main" xmlns:r="http://schemas.openxmlformats.org/officeDocument/2006/relationships" xmlns:p="http://schemas.openxmlformats.org/presentationml/2006/main">
+  <p:cSld>
+    <p:spTree>
+      <p:nvGrpSpPr>
+        <p:cNvPr id="1" name=""/>
+        <p:cNvGrpSpPr/>
+        <p:nvPr/>
+      </p:nvGrpSpPr>
+      <p:grpSpPr>
+        <a:xfrm>
+          <a:off x="0" y="0"/>
+          <a:ext cx="0" cy="0"/>
+          <a:chOff x="0" y="0"/>
+          <a:chExt cx="0" cy="0"/>
+        </a:xfrm>
+      </p:grpSpPr>
+      <p:pic>
+        <p:nvPicPr>
+          <p:cNvPr id="19" name="Grafik 18">
+            <a:extLst>
+              <a:ext uri="{FF2B5EF4-FFF2-40B4-BE49-F238E27FC236}">
+                <a16:creationId xmlns:a16="http://schemas.microsoft.com/office/drawing/2014/main" id="{C26CFD76-CD44-4F97-A6B1-EA70D4DEC675}"/>
+              </a:ext>
+            </a:extLst>
+          </p:cNvPr>
+          <p:cNvPicPr>
+            <a:picLocks noChangeAspect="1"/>
+          </p:cNvPicPr>
+          <p:nvPr/>
+        </p:nvPicPr>
+        <p:blipFill>
+          <a:blip r:embed="rId3"/>
+          <a:stretch>
+            <a:fillRect/>
+          </a:stretch>
+        </p:blipFill>
+        <p:spPr>
+          <a:xfrm>
+            <a:off x="1212293" y="2509132"/>
+            <a:ext cx="5043747" cy="3656717"/>
+          </a:xfrm>
+          <a:prstGeom prst="rect">
+            <a:avLst/>
+          </a:prstGeom>
+        </p:spPr>
+      </p:pic>
+      <p:sp>
+        <p:nvSpPr>
+          <p:cNvPr id="2" name="Titel 1">
+            <a:extLst>
+              <a:ext uri="{FF2B5EF4-FFF2-40B4-BE49-F238E27FC236}">
+                <a16:creationId xmlns:a16="http://schemas.microsoft.com/office/drawing/2014/main" id="{C29A6B8F-8134-4459-9B08-87941CFA1CC9}"/>
+              </a:ext>
+            </a:extLst>
+          </p:cNvPr>
+          <p:cNvSpPr>
+            <a:spLocks noGrp="1"/>
+          </p:cNvSpPr>
+          <p:nvPr>
+            <p:ph type="title"/>
+          </p:nvPr>
+        </p:nvSpPr>
+        <p:spPr/>
+        <p:txBody>
+          <a:bodyPr/>
+          <a:lstStyle/>
+          <a:p>
+            <a:r>
+              <a:rPr lang="de-DE" dirty="0"/>
+              <a:t>Dart - </a:t>
+            </a:r>
+            <a:r>
+              <a:rPr lang="de-DE" dirty="0" err="1"/>
+              <a:t>Scope</a:t>
+            </a:r>
+            <a:endParaRPr lang="de-DE" dirty="0"/>
+          </a:p>
+        </p:txBody>
+      </p:sp>
+      <p:sp>
+        <p:nvSpPr>
+          <p:cNvPr id="3" name="Inhaltsplatzhalter 2">
+            <a:extLst>
+              <a:ext uri="{FF2B5EF4-FFF2-40B4-BE49-F238E27FC236}">
+                <a16:creationId xmlns:a16="http://schemas.microsoft.com/office/drawing/2014/main" id="{065D0510-5151-4E2D-9A9F-7131BC4C9C14}"/>
+              </a:ext>
+            </a:extLst>
+          </p:cNvPr>
+          <p:cNvSpPr>
+            <a:spLocks noGrp="1"/>
+          </p:cNvSpPr>
+          <p:nvPr>
+            <p:ph idx="1"/>
+          </p:nvPr>
+        </p:nvSpPr>
+        <p:spPr/>
+        <p:txBody>
+          <a:bodyPr/>
+          <a:lstStyle/>
+          <a:p>
+            <a:r>
+              <a:rPr lang="de-DE" dirty="0" err="1"/>
+              <a:t>Scope</a:t>
+            </a:r>
+            <a:r>
+              <a:rPr lang="de-DE" dirty="0"/>
+              <a:t> bezieht sich auf die Deklaration,</a:t>
+            </a:r>
+            <a:br>
+              <a:rPr lang="de-DE" dirty="0"/>
+            </a:br>
+            <a:r>
+              <a:rPr lang="de-DE" dirty="0"/>
+              <a:t>nicht auf die Zuweisung eines Werts</a:t>
+            </a:r>
+          </a:p>
+        </p:txBody>
+      </p:sp>
+      <p:sp>
+        <p:nvSpPr>
+          <p:cNvPr id="4" name="Datumsplatzhalter 3">
+            <a:extLst>
+              <a:ext uri="{FF2B5EF4-FFF2-40B4-BE49-F238E27FC236}">
+                <a16:creationId xmlns:a16="http://schemas.microsoft.com/office/drawing/2014/main" id="{B0B55475-82B8-4356-BD6D-C68C8B413254}"/>
+              </a:ext>
+            </a:extLst>
+          </p:cNvPr>
+          <p:cNvSpPr>
+            <a:spLocks noGrp="1"/>
+          </p:cNvSpPr>
+          <p:nvPr>
+            <p:ph type="dt" sz="half" idx="10"/>
+          </p:nvPr>
+        </p:nvSpPr>
+        <p:spPr/>
+        <p:txBody>
+          <a:bodyPr/>
+          <a:lstStyle/>
+          <a:p>
+            <a:fld id="{8159FE7A-07D2-4D3F-9855-29B7F3DF1D43}" type="datetime1">
+              <a:rPr lang="de-DE" smtClean="0"/>
+              <a:t>06.02.2023</a:t>
+            </a:fld>
+            <a:endParaRPr lang="de-DE"/>
+          </a:p>
+        </p:txBody>
+      </p:sp>
+      <p:sp>
+        <p:nvSpPr>
+          <p:cNvPr id="5" name="Fußzeilenplatzhalter 4">
+            <a:extLst>
+              <a:ext uri="{FF2B5EF4-FFF2-40B4-BE49-F238E27FC236}">
+                <a16:creationId xmlns:a16="http://schemas.microsoft.com/office/drawing/2014/main" id="{0B4334B5-1F5A-4F0E-AB13-3D96C89AAB67}"/>
+              </a:ext>
+            </a:extLst>
+          </p:cNvPr>
+          <p:cNvSpPr>
+            <a:spLocks noGrp="1"/>
+          </p:cNvSpPr>
+          <p:nvPr>
+            <p:ph type="ftr" sz="quarter" idx="11"/>
+          </p:nvPr>
+        </p:nvSpPr>
+        <p:spPr/>
+        <p:txBody>
+          <a:bodyPr/>
+          <a:lstStyle/>
+          <a:p>
+            <a:r>
+              <a:rPr lang="de-DE"/>
+              <a:t>Dart - Programmiersprache für Smartphones</a:t>
+            </a:r>
+          </a:p>
+        </p:txBody>
+      </p:sp>
+      <p:sp>
+        <p:nvSpPr>
+          <p:cNvPr id="6" name="Foliennummernplatzhalter 5">
+            <a:extLst>
+              <a:ext uri="{FF2B5EF4-FFF2-40B4-BE49-F238E27FC236}">
+                <a16:creationId xmlns:a16="http://schemas.microsoft.com/office/drawing/2014/main" id="{B14B6D11-CEA8-4BF2-9D2D-CD1F7197B58E}"/>
+              </a:ext>
+            </a:extLst>
+          </p:cNvPr>
+          <p:cNvSpPr>
+            <a:spLocks noGrp="1"/>
+          </p:cNvSpPr>
+          <p:nvPr>
+            <p:ph type="sldNum" sz="quarter" idx="12"/>
+          </p:nvPr>
+        </p:nvSpPr>
+        <p:spPr/>
+        <p:txBody>
+          <a:bodyPr/>
+          <a:lstStyle/>
+          <a:p>
+            <a:fld id="{3A1F27E2-D58A-4028-9FF2-B12D897F257E}" type="slidenum">
+              <a:rPr lang="de-DE" smtClean="0"/>
+              <a:t>49</a:t>
+            </a:fld>
+            <a:endParaRPr lang="de-DE"/>
+          </a:p>
+        </p:txBody>
+      </p:sp>
+      <p:grpSp>
+        <p:nvGrpSpPr>
+          <p:cNvPr id="18" name="Gruppieren 17">
+            <a:extLst>
+              <a:ext uri="{FF2B5EF4-FFF2-40B4-BE49-F238E27FC236}">
+                <a16:creationId xmlns:a16="http://schemas.microsoft.com/office/drawing/2014/main" id="{DD5F1084-8908-4B31-BCD0-A65AF6D5B9AC}"/>
+              </a:ext>
+            </a:extLst>
+          </p:cNvPr>
+          <p:cNvGrpSpPr/>
+          <p:nvPr/>
+        </p:nvGrpSpPr>
+        <p:grpSpPr>
+          <a:xfrm>
+            <a:off x="2514559" y="5145218"/>
+            <a:ext cx="1305273" cy="842627"/>
+            <a:chOff x="2676791" y="5029200"/>
+            <a:chExt cx="1401137" cy="842627"/>
+          </a:xfrm>
+        </p:grpSpPr>
+        <p:sp>
+          <p:nvSpPr>
+            <p:cNvPr id="15" name="Rechteck 14">
+              <a:extLst>
+                <a:ext uri="{FF2B5EF4-FFF2-40B4-BE49-F238E27FC236}">
+                  <a16:creationId xmlns:a16="http://schemas.microsoft.com/office/drawing/2014/main" id="{DBC82C0B-21B8-4B86-989F-0E4B2D0C1BEB}"/>
+                </a:ext>
+              </a:extLst>
+            </p:cNvPr>
+            <p:cNvSpPr/>
+            <p:nvPr/>
+          </p:nvSpPr>
+          <p:spPr>
+            <a:xfrm>
+              <a:off x="2839027" y="5029200"/>
+              <a:ext cx="656342" cy="306769"/>
+            </a:xfrm>
+            <a:prstGeom prst="rect">
+              <a:avLst/>
+            </a:prstGeom>
+            <a:noFill/>
+            <a:ln w="28575">
+              <a:solidFill>
+                <a:schemeClr val="accent3"/>
+              </a:solidFill>
+            </a:ln>
+          </p:spPr>
+          <p:style>
+            <a:lnRef idx="2">
+              <a:schemeClr val="accent1">
+                <a:shade val="50000"/>
+              </a:schemeClr>
+            </a:lnRef>
+            <a:fillRef idx="1">
+              <a:schemeClr val="accent1"/>
+            </a:fillRef>
+            <a:effectRef idx="0">
+              <a:schemeClr val="accent1"/>
+            </a:effectRef>
+            <a:fontRef idx="minor">
+              <a:schemeClr val="lt1"/>
+            </a:fontRef>
+          </p:style>
+          <p:txBody>
+            <a:bodyPr rtlCol="0" anchor="ctr"/>
+            <a:lstStyle/>
+            <a:p>
+              <a:pPr algn="ctr"/>
+              <a:endParaRPr lang="de-DE"/>
+            </a:p>
+          </p:txBody>
+        </p:sp>
+        <p:sp>
+          <p:nvSpPr>
+            <p:cNvPr id="16" name="Rechteck 15">
+              <a:extLst>
+                <a:ext uri="{FF2B5EF4-FFF2-40B4-BE49-F238E27FC236}">
+                  <a16:creationId xmlns:a16="http://schemas.microsoft.com/office/drawing/2014/main" id="{7733EF41-FF3A-4671-8273-30252206D115}"/>
+                </a:ext>
+              </a:extLst>
+            </p:cNvPr>
+            <p:cNvSpPr/>
+            <p:nvPr/>
+          </p:nvSpPr>
+          <p:spPr>
+            <a:xfrm>
+              <a:off x="2676791" y="5565058"/>
+              <a:ext cx="1401137" cy="306769"/>
+            </a:xfrm>
+            <a:prstGeom prst="rect">
+              <a:avLst/>
+            </a:prstGeom>
+            <a:noFill/>
+            <a:ln w="28575">
+              <a:solidFill>
+                <a:schemeClr val="accent3"/>
+              </a:solidFill>
+            </a:ln>
+          </p:spPr>
+          <p:style>
+            <a:lnRef idx="2">
+              <a:schemeClr val="accent1">
+                <a:shade val="50000"/>
+              </a:schemeClr>
+            </a:lnRef>
+            <a:fillRef idx="1">
+              <a:schemeClr val="accent1"/>
+            </a:fillRef>
+            <a:effectRef idx="0">
+              <a:schemeClr val="accent1"/>
+            </a:effectRef>
+            <a:fontRef idx="minor">
+              <a:schemeClr val="lt1"/>
+            </a:fontRef>
+          </p:style>
+          <p:txBody>
+            <a:bodyPr rtlCol="0" anchor="ctr"/>
+            <a:lstStyle/>
+            <a:p>
+              <a:pPr algn="ctr"/>
+              <a:endParaRPr lang="de-DE"/>
+            </a:p>
+          </p:txBody>
+        </p:sp>
+      </p:grpSp>
+      <p:sp>
+        <p:nvSpPr>
+          <p:cNvPr id="20" name="Textfeld 19">
+            <a:extLst>
+              <a:ext uri="{FF2B5EF4-FFF2-40B4-BE49-F238E27FC236}">
+                <a16:creationId xmlns:a16="http://schemas.microsoft.com/office/drawing/2014/main" id="{DC4E2E7C-AE4D-42EE-8D68-B440DE1F6F9A}"/>
+              </a:ext>
+            </a:extLst>
+          </p:cNvPr>
+          <p:cNvSpPr txBox="1"/>
+          <p:nvPr/>
+        </p:nvSpPr>
+        <p:spPr>
+          <a:xfrm>
+            <a:off x="3707227" y="3324057"/>
+            <a:ext cx="1557991" cy="369332"/>
+          </a:xfrm>
+          <a:prstGeom prst="rect">
+            <a:avLst/>
+          </a:prstGeom>
+          <a:noFill/>
+        </p:spPr>
+        <p:txBody>
+          <a:bodyPr wrap="none" rtlCol="0">
+            <a:spAutoFit/>
+          </a:bodyPr>
+          <a:lstStyle/>
+          <a:p>
+            <a:r>
+              <a:rPr lang="de-DE" dirty="0"/>
+              <a:t>Deklarationen</a:t>
+            </a:r>
+          </a:p>
+        </p:txBody>
+      </p:sp>
+      <p:sp>
+        <p:nvSpPr>
+          <p:cNvPr id="21" name="Pfeil: nach rechts 20">
+            <a:extLst>
+              <a:ext uri="{FF2B5EF4-FFF2-40B4-BE49-F238E27FC236}">
+                <a16:creationId xmlns:a16="http://schemas.microsoft.com/office/drawing/2014/main" id="{F21FD22C-33C1-4D88-BC70-144AB5799ACC}"/>
+              </a:ext>
+            </a:extLst>
+          </p:cNvPr>
+          <p:cNvSpPr/>
+          <p:nvPr/>
+        </p:nvSpPr>
+        <p:spPr>
+          <a:xfrm flipH="1">
+            <a:off x="3486013" y="3395131"/>
+            <a:ext cx="213852" cy="227184"/>
+          </a:xfrm>
+          <a:prstGeom prst="rightArrow">
+            <a:avLst/>
+          </a:prstGeom>
+          <a:solidFill>
+            <a:schemeClr val="accent1"/>
+          </a:solidFill>
+          <a:ln>
+            <a:noFill/>
+          </a:ln>
+        </p:spPr>
+        <p:style>
+          <a:lnRef idx="2">
+            <a:schemeClr val="accent1">
+              <a:shade val="50000"/>
+            </a:schemeClr>
+          </a:lnRef>
+          <a:fillRef idx="1">
+            <a:schemeClr val="accent1"/>
+          </a:fillRef>
+          <a:effectRef idx="0">
+            <a:schemeClr val="accent1"/>
+          </a:effectRef>
+          <a:fontRef idx="minor">
+            <a:schemeClr val="lt1"/>
+          </a:fontRef>
+        </p:style>
+        <p:txBody>
+          <a:bodyPr rtlCol="0" anchor="ctr"/>
+          <a:lstStyle/>
+          <a:p>
+            <a:pPr algn="ctr"/>
+            <a:endParaRPr lang="de-DE"/>
+          </a:p>
+        </p:txBody>
+      </p:sp>
+      <p:sp>
+        <p:nvSpPr>
+          <p:cNvPr id="22" name="Textfeld 21">
+            <a:extLst>
+              <a:ext uri="{FF2B5EF4-FFF2-40B4-BE49-F238E27FC236}">
+                <a16:creationId xmlns:a16="http://schemas.microsoft.com/office/drawing/2014/main" id="{922AEE35-7109-41B0-9A55-B0695467139F}"/>
+              </a:ext>
+            </a:extLst>
+          </p:cNvPr>
+          <p:cNvSpPr txBox="1"/>
+          <p:nvPr/>
+        </p:nvSpPr>
+        <p:spPr>
+          <a:xfrm>
+            <a:off x="3707227" y="4391305"/>
+            <a:ext cx="1187697" cy="369332"/>
+          </a:xfrm>
+          <a:prstGeom prst="rect">
+            <a:avLst/>
+          </a:prstGeom>
+          <a:noFill/>
+        </p:spPr>
+        <p:txBody>
+          <a:bodyPr wrap="none" rtlCol="0">
+            <a:spAutoFit/>
+          </a:bodyPr>
+          <a:lstStyle/>
+          <a:p>
+            <a:r>
+              <a:rPr lang="de-DE" dirty="0"/>
+              <a:t>Zuweisung</a:t>
+            </a:r>
+          </a:p>
+        </p:txBody>
+      </p:sp>
+      <p:sp>
+        <p:nvSpPr>
+          <p:cNvPr id="23" name="Pfeil: nach rechts 22">
+            <a:extLst>
+              <a:ext uri="{FF2B5EF4-FFF2-40B4-BE49-F238E27FC236}">
+                <a16:creationId xmlns:a16="http://schemas.microsoft.com/office/drawing/2014/main" id="{12EC27D8-4A5B-43D4-A144-BAA5930C1147}"/>
+              </a:ext>
+            </a:extLst>
+          </p:cNvPr>
+          <p:cNvSpPr/>
+          <p:nvPr/>
+        </p:nvSpPr>
+        <p:spPr>
+          <a:xfrm flipH="1">
+            <a:off x="3486013" y="4462379"/>
+            <a:ext cx="213852" cy="227184"/>
+          </a:xfrm>
+          <a:prstGeom prst="rightArrow">
+            <a:avLst/>
+          </a:prstGeom>
+          <a:solidFill>
+            <a:schemeClr val="accent1"/>
+          </a:solidFill>
+          <a:ln>
+            <a:noFill/>
+          </a:ln>
+        </p:spPr>
+        <p:style>
+          <a:lnRef idx="2">
+            <a:schemeClr val="accent1">
+              <a:shade val="50000"/>
+            </a:schemeClr>
+          </a:lnRef>
+          <a:fillRef idx="1">
+            <a:schemeClr val="accent1"/>
+          </a:fillRef>
+          <a:effectRef idx="0">
+            <a:schemeClr val="accent1"/>
+          </a:effectRef>
+          <a:fontRef idx="minor">
+            <a:schemeClr val="lt1"/>
+          </a:fontRef>
+        </p:style>
+        <p:txBody>
+          <a:bodyPr rtlCol="0" anchor="ctr"/>
+          <a:lstStyle/>
+          <a:p>
+            <a:pPr algn="ctr"/>
+            <a:endParaRPr lang="de-DE"/>
+          </a:p>
+        </p:txBody>
+      </p:sp>
+      <p:sp>
+        <p:nvSpPr>
+          <p:cNvPr id="24" name="Textfeld 23">
+            <a:extLst>
+              <a:ext uri="{FF2B5EF4-FFF2-40B4-BE49-F238E27FC236}">
+                <a16:creationId xmlns:a16="http://schemas.microsoft.com/office/drawing/2014/main" id="{4CE91AB2-9846-40C5-8415-D8D0B5361AB7}"/>
+              </a:ext>
+            </a:extLst>
+          </p:cNvPr>
+          <p:cNvSpPr txBox="1"/>
+          <p:nvPr/>
+        </p:nvSpPr>
+        <p:spPr>
+          <a:xfrm>
+            <a:off x="3707227" y="2938199"/>
+            <a:ext cx="2492092" cy="369332"/>
+          </a:xfrm>
+          <a:prstGeom prst="rect">
+            <a:avLst/>
+          </a:prstGeom>
+          <a:noFill/>
+        </p:spPr>
+        <p:txBody>
+          <a:bodyPr wrap="none" rtlCol="0">
+            <a:spAutoFit/>
+          </a:bodyPr>
+          <a:lstStyle/>
+          <a:p>
+            <a:r>
+              <a:rPr lang="de-DE" dirty="0"/>
+              <a:t>Deklaration + Zuweisung</a:t>
+            </a:r>
+          </a:p>
+        </p:txBody>
+      </p:sp>
+      <p:sp>
+        <p:nvSpPr>
+          <p:cNvPr id="25" name="Pfeil: nach rechts 24">
+            <a:extLst>
+              <a:ext uri="{FF2B5EF4-FFF2-40B4-BE49-F238E27FC236}">
+                <a16:creationId xmlns:a16="http://schemas.microsoft.com/office/drawing/2014/main" id="{8EB16FE3-6B72-4DCB-8709-1BBAA50CA486}"/>
+              </a:ext>
+            </a:extLst>
+          </p:cNvPr>
+          <p:cNvSpPr/>
+          <p:nvPr/>
+        </p:nvSpPr>
+        <p:spPr>
+          <a:xfrm flipH="1">
+            <a:off x="3486013" y="3009273"/>
+            <a:ext cx="213852" cy="227184"/>
+          </a:xfrm>
+          <a:prstGeom prst="rightArrow">
+            <a:avLst/>
+          </a:prstGeom>
+          <a:solidFill>
+            <a:schemeClr val="accent1"/>
+          </a:solidFill>
+          <a:ln>
+            <a:noFill/>
+          </a:ln>
+        </p:spPr>
+        <p:style>
+          <a:lnRef idx="2">
+            <a:schemeClr val="accent1">
+              <a:shade val="50000"/>
+            </a:schemeClr>
+          </a:lnRef>
+          <a:fillRef idx="1">
+            <a:schemeClr val="accent1"/>
+          </a:fillRef>
+          <a:effectRef idx="0">
+            <a:schemeClr val="accent1"/>
+          </a:effectRef>
+          <a:fontRef idx="minor">
+            <a:schemeClr val="lt1"/>
+          </a:fontRef>
+        </p:style>
+        <p:txBody>
+          <a:bodyPr rtlCol="0" anchor="ctr"/>
+          <a:lstStyle/>
+          <a:p>
+            <a:pPr algn="ctr"/>
+            <a:endParaRPr lang="de-DE"/>
+          </a:p>
+        </p:txBody>
+      </p:sp>
+      <p:sp>
+        <p:nvSpPr>
+          <p:cNvPr id="26" name="Textfeld 25">
+            <a:extLst>
+              <a:ext uri="{FF2B5EF4-FFF2-40B4-BE49-F238E27FC236}">
+                <a16:creationId xmlns:a16="http://schemas.microsoft.com/office/drawing/2014/main" id="{FC121137-9FBF-4047-8E37-97EC575ABD54}"/>
+              </a:ext>
+            </a:extLst>
+          </p:cNvPr>
+          <p:cNvSpPr txBox="1"/>
+          <p:nvPr/>
+        </p:nvSpPr>
+        <p:spPr>
+          <a:xfrm>
+            <a:off x="3707227" y="3933716"/>
+            <a:ext cx="1187697" cy="369332"/>
+          </a:xfrm>
+          <a:prstGeom prst="rect">
+            <a:avLst/>
+          </a:prstGeom>
+          <a:noFill/>
+        </p:spPr>
+        <p:txBody>
+          <a:bodyPr wrap="none" rtlCol="0">
+            <a:spAutoFit/>
+          </a:bodyPr>
+          <a:lstStyle/>
+          <a:p>
+            <a:r>
+              <a:rPr lang="de-DE" dirty="0"/>
+              <a:t>Zuweisung</a:t>
+            </a:r>
+          </a:p>
+        </p:txBody>
+      </p:sp>
+      <p:sp>
+        <p:nvSpPr>
+          <p:cNvPr id="27" name="Pfeil: nach rechts 26">
+            <a:extLst>
+              <a:ext uri="{FF2B5EF4-FFF2-40B4-BE49-F238E27FC236}">
+                <a16:creationId xmlns:a16="http://schemas.microsoft.com/office/drawing/2014/main" id="{9F0E41CA-399B-4CE2-A60C-25DDDD4DFC00}"/>
+              </a:ext>
+            </a:extLst>
+          </p:cNvPr>
+          <p:cNvSpPr/>
+          <p:nvPr/>
+        </p:nvSpPr>
+        <p:spPr>
+          <a:xfrm flipH="1">
+            <a:off x="3486013" y="4004790"/>
+            <a:ext cx="213852" cy="227184"/>
+          </a:xfrm>
+          <a:prstGeom prst="rightArrow">
+            <a:avLst/>
+          </a:prstGeom>
+          <a:solidFill>
+            <a:schemeClr val="accent1"/>
+          </a:solidFill>
+          <a:ln>
+            <a:noFill/>
+          </a:ln>
+        </p:spPr>
+        <p:style>
+          <a:lnRef idx="2">
+            <a:schemeClr val="accent1">
+              <a:shade val="50000"/>
+            </a:schemeClr>
+          </a:lnRef>
+          <a:fillRef idx="1">
+            <a:schemeClr val="accent1"/>
+          </a:fillRef>
+          <a:effectRef idx="0">
+            <a:schemeClr val="accent1"/>
+          </a:effectRef>
+          <a:fontRef idx="minor">
+            <a:schemeClr val="lt1"/>
+          </a:fontRef>
+        </p:style>
+        <p:txBody>
+          <a:bodyPr rtlCol="0" anchor="ctr"/>
+          <a:lstStyle/>
+          <a:p>
+            <a:pPr algn="ctr"/>
+            <a:endParaRPr lang="de-DE"/>
+          </a:p>
+        </p:txBody>
+      </p:sp>
+    </p:spTree>
+    <p:extLst>
+      <p:ext uri="{BB962C8B-B14F-4D97-AF65-F5344CB8AC3E}">
+        <p14:creationId xmlns:p14="http://schemas.microsoft.com/office/powerpoint/2010/main" val="3836705997"/>
+      </p:ext>
+    </p:extLst>
+  </p:cSld>
+  <p:clrMapOvr>
+    <a:masterClrMapping/>
+  </p:clrMapOvr>
+  <p:timing>
+    <p:tnLst>
+      <p:par>
+        <p:cTn id="1" dur="indefinite" restart="never" nodeType="tmRoot">
+          <p:childTnLst>
+            <p:seq concurrent="1" nextAc="seek">
+              <p:cTn id="2" dur="indefinite" nodeType="mainSeq">
+                <p:childTnLst>
+                  <p:par>
+                    <p:cTn id="3" fill="hold">
+                      <p:stCondLst>
+                        <p:cond delay="indefinite"/>
+                      </p:stCondLst>
+                      <p:childTnLst>
+                        <p:par>
+                          <p:cTn id="4" fill="hold">
+                            <p:stCondLst>
+                              <p:cond delay="0"/>
+                            </p:stCondLst>
+                            <p:childTnLst>
+                              <p:par>
+                                <p:cTn id="5" presetID="1" presetClass="entr" presetSubtype="0" fill="hold" nodeType="clickEffect">
+                                  <p:stCondLst>
+                                    <p:cond delay="0"/>
+                                  </p:stCondLst>
+                                  <p:childTnLst>
+                                    <p:set>
+                                      <p:cBhvr>
+                                        <p:cTn id="6" dur="1" fill="hold">
+                                          <p:stCondLst>
+                                            <p:cond delay="0"/>
+                                          </p:stCondLst>
+                                        </p:cTn>
+                                        <p:tgtEl>
+                                          <p:spTgt spid="18"/>
+                                        </p:tgtEl>
+                                        <p:attrNameLst>
+                                          <p:attrName>style.visibility</p:attrName>
+                                        </p:attrNameLst>
+                                      </p:cBhvr>
+                                      <p:to>
+                                        <p:strVal val="visible"/>
+                                      </p:to>
+                                    </p:set>
+                                  </p:childTnLst>
+                                </p:cTn>
+                              </p:par>
+                            </p:childTnLst>
+                          </p:cTn>
+                        </p:par>
+                      </p:childTnLst>
+                    </p:cTn>
+                  </p:par>
+                </p:childTnLst>
+              </p:cTn>
+              <p:prevCondLst>
+                <p:cond evt="onPrev" delay="0">
+                  <p:tgtEl>
+                    <p:sldTgt/>
+                  </p:tgtEl>
+                </p:cond>
+              </p:prevCondLst>
+              <p:nextCondLst>
+                <p:cond evt="onNext" delay="0">
+                  <p:tgtEl>
+                    <p:sldTgt/>
+                  </p:tgtEl>
+                </p:cond>
+              </p:nextCondLst>
+            </p:seq>
+          </p:childTnLst>
+        </p:cTn>
+      </p:par>
+    </p:tnLst>
+  </p:timing>
 </p:sld>
 </file>
 
@@ -19228,7 +24496,7 @@
           <a:p>
             <a:fld id="{96C0D114-F0DB-443F-9337-40D84E177FDC}" type="datetime1">
               <a:rPr lang="de-DE" smtClean="0"/>
-              <a:t>31.01.2023</a:t>
+              <a:t>06.02.2023</a:t>
             </a:fld>
             <a:endParaRPr lang="de-DE"/>
           </a:p>
@@ -19295,6 +24563,1047 @@
     <p:extLst>
       <p:ext uri="{BB962C8B-B14F-4D97-AF65-F5344CB8AC3E}">
         <p14:creationId xmlns:p14="http://schemas.microsoft.com/office/powerpoint/2010/main" val="3168709099"/>
+      </p:ext>
+    </p:extLst>
+  </p:cSld>
+  <p:clrMapOvr>
+    <a:masterClrMapping/>
+  </p:clrMapOvr>
+</p:sld>
+</file>
+
+<file path=ppt/slides/slide50.xml><?xml version="1.0" encoding="utf-8"?>
+<p:sld xmlns:a="http://schemas.openxmlformats.org/drawingml/2006/main" xmlns:r="http://schemas.openxmlformats.org/officeDocument/2006/relationships" xmlns:p="http://schemas.openxmlformats.org/presentationml/2006/main">
+  <p:cSld>
+    <p:spTree>
+      <p:nvGrpSpPr>
+        <p:cNvPr id="1" name=""/>
+        <p:cNvGrpSpPr/>
+        <p:nvPr/>
+      </p:nvGrpSpPr>
+      <p:grpSpPr>
+        <a:xfrm>
+          <a:off x="0" y="0"/>
+          <a:ext cx="0" cy="0"/>
+          <a:chOff x="0" y="0"/>
+          <a:chExt cx="0" cy="0"/>
+        </a:xfrm>
+      </p:grpSpPr>
+      <p:pic>
+        <p:nvPicPr>
+          <p:cNvPr id="8" name="Grafik 7">
+            <a:extLst>
+              <a:ext uri="{FF2B5EF4-FFF2-40B4-BE49-F238E27FC236}">
+                <a16:creationId xmlns:a16="http://schemas.microsoft.com/office/drawing/2014/main" id="{B77D49C7-AF9A-4A10-B7B2-B894644E50D5}"/>
+              </a:ext>
+            </a:extLst>
+          </p:cNvPr>
+          <p:cNvPicPr>
+            <a:picLocks noChangeAspect="1"/>
+          </p:cNvPicPr>
+          <p:nvPr/>
+        </p:nvPicPr>
+        <p:blipFill>
+          <a:blip r:embed="rId3"/>
+          <a:stretch>
+            <a:fillRect/>
+          </a:stretch>
+        </p:blipFill>
+        <p:spPr>
+          <a:xfrm>
+            <a:off x="1212294" y="2509131"/>
+            <a:ext cx="5023370" cy="3656718"/>
+          </a:xfrm>
+          <a:prstGeom prst="rect">
+            <a:avLst/>
+          </a:prstGeom>
+        </p:spPr>
+      </p:pic>
+      <p:sp>
+        <p:nvSpPr>
+          <p:cNvPr id="2" name="Titel 1">
+            <a:extLst>
+              <a:ext uri="{FF2B5EF4-FFF2-40B4-BE49-F238E27FC236}">
+                <a16:creationId xmlns:a16="http://schemas.microsoft.com/office/drawing/2014/main" id="{C29A6B8F-8134-4459-9B08-87941CFA1CC9}"/>
+              </a:ext>
+            </a:extLst>
+          </p:cNvPr>
+          <p:cNvSpPr>
+            <a:spLocks noGrp="1"/>
+          </p:cNvSpPr>
+          <p:nvPr>
+            <p:ph type="title"/>
+          </p:nvPr>
+        </p:nvSpPr>
+        <p:spPr/>
+        <p:txBody>
+          <a:bodyPr/>
+          <a:lstStyle/>
+          <a:p>
+            <a:r>
+              <a:rPr lang="de-DE" dirty="0"/>
+              <a:t>Dart - </a:t>
+            </a:r>
+            <a:r>
+              <a:rPr lang="de-DE" dirty="0" err="1"/>
+              <a:t>Scope</a:t>
+            </a:r>
+            <a:endParaRPr lang="de-DE" dirty="0"/>
+          </a:p>
+        </p:txBody>
+      </p:sp>
+      <p:sp>
+        <p:nvSpPr>
+          <p:cNvPr id="3" name="Inhaltsplatzhalter 2">
+            <a:extLst>
+              <a:ext uri="{FF2B5EF4-FFF2-40B4-BE49-F238E27FC236}">
+                <a16:creationId xmlns:a16="http://schemas.microsoft.com/office/drawing/2014/main" id="{065D0510-5151-4E2D-9A9F-7131BC4C9C14}"/>
+              </a:ext>
+            </a:extLst>
+          </p:cNvPr>
+          <p:cNvSpPr>
+            <a:spLocks noGrp="1"/>
+          </p:cNvSpPr>
+          <p:nvPr>
+            <p:ph idx="1"/>
+          </p:nvPr>
+        </p:nvSpPr>
+        <p:spPr>
+          <a:xfrm>
+            <a:off x="838200" y="1520826"/>
+            <a:ext cx="9271475" cy="999686"/>
+          </a:xfrm>
+        </p:spPr>
+        <p:txBody>
+          <a:bodyPr>
+            <a:normAutofit fontScale="70000" lnSpcReduction="20000"/>
+          </a:bodyPr>
+          <a:lstStyle/>
+          <a:p>
+            <a:r>
+              <a:rPr lang="de-DE" dirty="0"/>
+              <a:t>Shadowing = Abschattung / Verstecken</a:t>
+            </a:r>
+          </a:p>
+          <a:p>
+            <a:r>
+              <a:rPr lang="de-DE" dirty="0"/>
+              <a:t>Neue Variable mit gleichem Namen in anderem </a:t>
+            </a:r>
+            <a:r>
+              <a:rPr lang="de-DE" dirty="0" err="1"/>
+              <a:t>Scope</a:t>
+            </a:r>
+            <a:endParaRPr lang="de-DE" dirty="0"/>
+          </a:p>
+          <a:p>
+            <a:r>
+              <a:rPr lang="de-DE" dirty="0"/>
+              <a:t>Empfehlung: bleiben lassen / anderen Namen ausdenken</a:t>
+            </a:r>
+          </a:p>
+        </p:txBody>
+      </p:sp>
+      <p:sp>
+        <p:nvSpPr>
+          <p:cNvPr id="4" name="Datumsplatzhalter 3">
+            <a:extLst>
+              <a:ext uri="{FF2B5EF4-FFF2-40B4-BE49-F238E27FC236}">
+                <a16:creationId xmlns:a16="http://schemas.microsoft.com/office/drawing/2014/main" id="{B0B55475-82B8-4356-BD6D-C68C8B413254}"/>
+              </a:ext>
+            </a:extLst>
+          </p:cNvPr>
+          <p:cNvSpPr>
+            <a:spLocks noGrp="1"/>
+          </p:cNvSpPr>
+          <p:nvPr>
+            <p:ph type="dt" sz="half" idx="10"/>
+          </p:nvPr>
+        </p:nvSpPr>
+        <p:spPr/>
+        <p:txBody>
+          <a:bodyPr/>
+          <a:lstStyle/>
+          <a:p>
+            <a:fld id="{8159FE7A-07D2-4D3F-9855-29B7F3DF1D43}" type="datetime1">
+              <a:rPr lang="de-DE" smtClean="0"/>
+              <a:t>06.02.2023</a:t>
+            </a:fld>
+            <a:endParaRPr lang="de-DE"/>
+          </a:p>
+        </p:txBody>
+      </p:sp>
+      <p:sp>
+        <p:nvSpPr>
+          <p:cNvPr id="5" name="Fußzeilenplatzhalter 4">
+            <a:extLst>
+              <a:ext uri="{FF2B5EF4-FFF2-40B4-BE49-F238E27FC236}">
+                <a16:creationId xmlns:a16="http://schemas.microsoft.com/office/drawing/2014/main" id="{0B4334B5-1F5A-4F0E-AB13-3D96C89AAB67}"/>
+              </a:ext>
+            </a:extLst>
+          </p:cNvPr>
+          <p:cNvSpPr>
+            <a:spLocks noGrp="1"/>
+          </p:cNvSpPr>
+          <p:nvPr>
+            <p:ph type="ftr" sz="quarter" idx="11"/>
+          </p:nvPr>
+        </p:nvSpPr>
+        <p:spPr/>
+        <p:txBody>
+          <a:bodyPr/>
+          <a:lstStyle/>
+          <a:p>
+            <a:r>
+              <a:rPr lang="de-DE"/>
+              <a:t>Dart - Programmiersprache für Smartphones</a:t>
+            </a:r>
+          </a:p>
+        </p:txBody>
+      </p:sp>
+      <p:sp>
+        <p:nvSpPr>
+          <p:cNvPr id="6" name="Foliennummernplatzhalter 5">
+            <a:extLst>
+              <a:ext uri="{FF2B5EF4-FFF2-40B4-BE49-F238E27FC236}">
+                <a16:creationId xmlns:a16="http://schemas.microsoft.com/office/drawing/2014/main" id="{B14B6D11-CEA8-4BF2-9D2D-CD1F7197B58E}"/>
+              </a:ext>
+            </a:extLst>
+          </p:cNvPr>
+          <p:cNvSpPr>
+            <a:spLocks noGrp="1"/>
+          </p:cNvSpPr>
+          <p:nvPr>
+            <p:ph type="sldNum" sz="quarter" idx="12"/>
+          </p:nvPr>
+        </p:nvSpPr>
+        <p:spPr/>
+        <p:txBody>
+          <a:bodyPr/>
+          <a:lstStyle/>
+          <a:p>
+            <a:fld id="{3A1F27E2-D58A-4028-9FF2-B12D897F257E}" type="slidenum">
+              <a:rPr lang="de-DE" smtClean="0"/>
+              <a:t>50</a:t>
+            </a:fld>
+            <a:endParaRPr lang="de-DE"/>
+          </a:p>
+        </p:txBody>
+      </p:sp>
+      <p:sp>
+        <p:nvSpPr>
+          <p:cNvPr id="22" name="Textfeld 21">
+            <a:extLst>
+              <a:ext uri="{FF2B5EF4-FFF2-40B4-BE49-F238E27FC236}">
+                <a16:creationId xmlns:a16="http://schemas.microsoft.com/office/drawing/2014/main" id="{098A4878-AE1C-40FF-9C82-FA9531BE6E0C}"/>
+              </a:ext>
+            </a:extLst>
+          </p:cNvPr>
+          <p:cNvSpPr txBox="1"/>
+          <p:nvPr/>
+        </p:nvSpPr>
+        <p:spPr>
+          <a:xfrm>
+            <a:off x="3235278" y="3429000"/>
+            <a:ext cx="1267848" cy="369332"/>
+          </a:xfrm>
+          <a:prstGeom prst="rect">
+            <a:avLst/>
+          </a:prstGeom>
+          <a:noFill/>
+        </p:spPr>
+        <p:txBody>
+          <a:bodyPr wrap="none" rtlCol="0">
+            <a:spAutoFit/>
+          </a:bodyPr>
+          <a:lstStyle/>
+          <a:p>
+            <a:r>
+              <a:rPr lang="de-DE" dirty="0"/>
+              <a:t>Deklaration</a:t>
+            </a:r>
+          </a:p>
+        </p:txBody>
+      </p:sp>
+      <p:sp>
+        <p:nvSpPr>
+          <p:cNvPr id="23" name="Pfeil: nach rechts 22">
+            <a:extLst>
+              <a:ext uri="{FF2B5EF4-FFF2-40B4-BE49-F238E27FC236}">
+                <a16:creationId xmlns:a16="http://schemas.microsoft.com/office/drawing/2014/main" id="{770DB957-040E-4B21-8A1A-0EDBD062BC3E}"/>
+              </a:ext>
+            </a:extLst>
+          </p:cNvPr>
+          <p:cNvSpPr/>
+          <p:nvPr/>
+        </p:nvSpPr>
+        <p:spPr>
+          <a:xfrm flipH="1">
+            <a:off x="3014064" y="3500074"/>
+            <a:ext cx="213852" cy="227184"/>
+          </a:xfrm>
+          <a:prstGeom prst="rightArrow">
+            <a:avLst/>
+          </a:prstGeom>
+          <a:solidFill>
+            <a:schemeClr val="accent1"/>
+          </a:solidFill>
+          <a:ln>
+            <a:noFill/>
+          </a:ln>
+        </p:spPr>
+        <p:style>
+          <a:lnRef idx="2">
+            <a:schemeClr val="accent1">
+              <a:shade val="50000"/>
+            </a:schemeClr>
+          </a:lnRef>
+          <a:fillRef idx="1">
+            <a:schemeClr val="accent1"/>
+          </a:fillRef>
+          <a:effectRef idx="0">
+            <a:schemeClr val="accent1"/>
+          </a:effectRef>
+          <a:fontRef idx="minor">
+            <a:schemeClr val="lt1"/>
+          </a:fontRef>
+        </p:style>
+        <p:txBody>
+          <a:bodyPr rtlCol="0" anchor="ctr"/>
+          <a:lstStyle/>
+          <a:p>
+            <a:pPr algn="ctr"/>
+            <a:endParaRPr lang="de-DE"/>
+          </a:p>
+        </p:txBody>
+      </p:sp>
+      <p:sp>
+        <p:nvSpPr>
+          <p:cNvPr id="24" name="Textfeld 23">
+            <a:extLst>
+              <a:ext uri="{FF2B5EF4-FFF2-40B4-BE49-F238E27FC236}">
+                <a16:creationId xmlns:a16="http://schemas.microsoft.com/office/drawing/2014/main" id="{44022E6D-6664-4393-BAB3-360A4E068D34}"/>
+              </a:ext>
+            </a:extLst>
+          </p:cNvPr>
+          <p:cNvSpPr txBox="1"/>
+          <p:nvPr/>
+        </p:nvSpPr>
+        <p:spPr>
+          <a:xfrm>
+            <a:off x="3999736" y="4401575"/>
+            <a:ext cx="1795235" cy="369332"/>
+          </a:xfrm>
+          <a:prstGeom prst="rect">
+            <a:avLst/>
+          </a:prstGeom>
+          <a:noFill/>
+        </p:spPr>
+        <p:txBody>
+          <a:bodyPr wrap="none" rtlCol="0">
+            <a:spAutoFit/>
+          </a:bodyPr>
+          <a:lstStyle/>
+          <a:p>
+            <a:r>
+              <a:rPr lang="de-DE" dirty="0"/>
+              <a:t>neue Deklaration</a:t>
+            </a:r>
+          </a:p>
+        </p:txBody>
+      </p:sp>
+      <p:sp>
+        <p:nvSpPr>
+          <p:cNvPr id="25" name="Pfeil: nach rechts 24">
+            <a:extLst>
+              <a:ext uri="{FF2B5EF4-FFF2-40B4-BE49-F238E27FC236}">
+                <a16:creationId xmlns:a16="http://schemas.microsoft.com/office/drawing/2014/main" id="{B3DF267B-AAA4-4448-857F-99CEE0F7D6FC}"/>
+              </a:ext>
+            </a:extLst>
+          </p:cNvPr>
+          <p:cNvSpPr/>
+          <p:nvPr/>
+        </p:nvSpPr>
+        <p:spPr>
+          <a:xfrm flipH="1">
+            <a:off x="3778522" y="4472649"/>
+            <a:ext cx="213852" cy="227184"/>
+          </a:xfrm>
+          <a:prstGeom prst="rightArrow">
+            <a:avLst/>
+          </a:prstGeom>
+          <a:solidFill>
+            <a:schemeClr val="accent1"/>
+          </a:solidFill>
+          <a:ln>
+            <a:noFill/>
+          </a:ln>
+        </p:spPr>
+        <p:style>
+          <a:lnRef idx="2">
+            <a:schemeClr val="accent1">
+              <a:shade val="50000"/>
+            </a:schemeClr>
+          </a:lnRef>
+          <a:fillRef idx="1">
+            <a:schemeClr val="accent1"/>
+          </a:fillRef>
+          <a:effectRef idx="0">
+            <a:schemeClr val="accent1"/>
+          </a:effectRef>
+          <a:fontRef idx="minor">
+            <a:schemeClr val="lt1"/>
+          </a:fontRef>
+        </p:style>
+        <p:txBody>
+          <a:bodyPr rtlCol="0" anchor="ctr"/>
+          <a:lstStyle/>
+          <a:p>
+            <a:pPr algn="ctr"/>
+            <a:endParaRPr lang="de-DE"/>
+          </a:p>
+        </p:txBody>
+      </p:sp>
+      <p:sp>
+        <p:nvSpPr>
+          <p:cNvPr id="27" name="Eckige Klammer rechts 26">
+            <a:extLst>
+              <a:ext uri="{FF2B5EF4-FFF2-40B4-BE49-F238E27FC236}">
+                <a16:creationId xmlns:a16="http://schemas.microsoft.com/office/drawing/2014/main" id="{42677765-F5E6-4279-B48F-0AF484E536A2}"/>
+              </a:ext>
+            </a:extLst>
+          </p:cNvPr>
+          <p:cNvSpPr/>
+          <p:nvPr/>
+        </p:nvSpPr>
+        <p:spPr>
+          <a:xfrm>
+            <a:off x="2551471" y="4328455"/>
+            <a:ext cx="7241458" cy="745399"/>
+          </a:xfrm>
+          <a:prstGeom prst="rightBracket">
+            <a:avLst>
+              <a:gd name="adj" fmla="val 0"/>
+            </a:avLst>
+          </a:prstGeom>
+          <a:ln w="28575"/>
+        </p:spPr>
+        <p:style>
+          <a:lnRef idx="1">
+            <a:schemeClr val="accent1"/>
+          </a:lnRef>
+          <a:fillRef idx="0">
+            <a:schemeClr val="accent1"/>
+          </a:fillRef>
+          <a:effectRef idx="0">
+            <a:schemeClr val="accent1"/>
+          </a:effectRef>
+          <a:fontRef idx="minor">
+            <a:schemeClr val="tx1"/>
+          </a:fontRef>
+        </p:style>
+        <p:txBody>
+          <a:bodyPr rtlCol="0" anchor="ctr"/>
+          <a:lstStyle/>
+          <a:p>
+            <a:pPr algn="ctr"/>
+            <a:endParaRPr lang="de-DE" u="sng"/>
+          </a:p>
+        </p:txBody>
+      </p:sp>
+      <p:sp>
+        <p:nvSpPr>
+          <p:cNvPr id="30" name="Textfeld 29">
+            <a:extLst>
+              <a:ext uri="{FF2B5EF4-FFF2-40B4-BE49-F238E27FC236}">
+                <a16:creationId xmlns:a16="http://schemas.microsoft.com/office/drawing/2014/main" id="{B59CC268-6919-48B1-B23F-3997DC2A2737}"/>
+              </a:ext>
+            </a:extLst>
+          </p:cNvPr>
+          <p:cNvSpPr txBox="1"/>
+          <p:nvPr/>
+        </p:nvSpPr>
+        <p:spPr>
+          <a:xfrm rot="16200000">
+            <a:off x="9235565" y="4528888"/>
+            <a:ext cx="745397" cy="369332"/>
+          </a:xfrm>
+          <a:prstGeom prst="rect">
+            <a:avLst/>
+          </a:prstGeom>
+          <a:noFill/>
+        </p:spPr>
+        <p:txBody>
+          <a:bodyPr wrap="none" rtlCol="0">
+            <a:spAutoFit/>
+          </a:bodyPr>
+          <a:lstStyle/>
+          <a:p>
+            <a:r>
+              <a:rPr lang="de-DE" dirty="0" err="1"/>
+              <a:t>Scope</a:t>
+            </a:r>
+            <a:endParaRPr lang="de-DE" dirty="0"/>
+          </a:p>
+        </p:txBody>
+      </p:sp>
+      <p:sp>
+        <p:nvSpPr>
+          <p:cNvPr id="33" name="Textfeld 32">
+            <a:extLst>
+              <a:ext uri="{FF2B5EF4-FFF2-40B4-BE49-F238E27FC236}">
+                <a16:creationId xmlns:a16="http://schemas.microsoft.com/office/drawing/2014/main" id="{4D6236EA-8FD5-49DF-A32F-8438EF3C8AAF}"/>
+              </a:ext>
+            </a:extLst>
+          </p:cNvPr>
+          <p:cNvSpPr txBox="1"/>
+          <p:nvPr/>
+        </p:nvSpPr>
+        <p:spPr>
+          <a:xfrm>
+            <a:off x="7113570" y="4713555"/>
+            <a:ext cx="1694310" cy="369332"/>
+          </a:xfrm>
+          <a:prstGeom prst="rect">
+            <a:avLst/>
+          </a:prstGeom>
+          <a:noFill/>
+        </p:spPr>
+        <p:txBody>
+          <a:bodyPr wrap="none" rtlCol="0">
+            <a:spAutoFit/>
+          </a:bodyPr>
+          <a:lstStyle/>
+          <a:p>
+            <a:r>
+              <a:rPr lang="de-DE" i="1" dirty="0"/>
+              <a:t>innen</a:t>
+            </a:r>
+            <a:r>
+              <a:rPr lang="de-DE" dirty="0"/>
+              <a:t> stirbt hier</a:t>
+            </a:r>
+          </a:p>
+        </p:txBody>
+      </p:sp>
+      <p:sp>
+        <p:nvSpPr>
+          <p:cNvPr id="34" name="Textfeld 33">
+            <a:extLst>
+              <a:ext uri="{FF2B5EF4-FFF2-40B4-BE49-F238E27FC236}">
+                <a16:creationId xmlns:a16="http://schemas.microsoft.com/office/drawing/2014/main" id="{5E06C81E-4EC7-492B-97C2-47EB1BCAF785}"/>
+              </a:ext>
+            </a:extLst>
+          </p:cNvPr>
+          <p:cNvSpPr txBox="1"/>
+          <p:nvPr/>
+        </p:nvSpPr>
+        <p:spPr>
+          <a:xfrm>
+            <a:off x="7138737" y="5061337"/>
+            <a:ext cx="1643976" cy="369332"/>
+          </a:xfrm>
+          <a:prstGeom prst="rect">
+            <a:avLst/>
+          </a:prstGeom>
+          <a:noFill/>
+        </p:spPr>
+        <p:txBody>
+          <a:bodyPr wrap="none" rtlCol="0">
+            <a:spAutoFit/>
+          </a:bodyPr>
+          <a:lstStyle/>
+          <a:p>
+            <a:r>
+              <a:rPr lang="de-DE" i="1" dirty="0"/>
+              <a:t>innen </a:t>
+            </a:r>
+            <a:r>
+              <a:rPr lang="de-DE" dirty="0"/>
+              <a:t>lebt noch</a:t>
+            </a:r>
+          </a:p>
+        </p:txBody>
+      </p:sp>
+      <p:grpSp>
+        <p:nvGrpSpPr>
+          <p:cNvPr id="37" name="Gruppieren 36">
+            <a:extLst>
+              <a:ext uri="{FF2B5EF4-FFF2-40B4-BE49-F238E27FC236}">
+                <a16:creationId xmlns:a16="http://schemas.microsoft.com/office/drawing/2014/main" id="{A26B2382-A515-4F48-87B2-019C244298AD}"/>
+              </a:ext>
+            </a:extLst>
+          </p:cNvPr>
+          <p:cNvGrpSpPr/>
+          <p:nvPr/>
+        </p:nvGrpSpPr>
+        <p:grpSpPr>
+          <a:xfrm>
+            <a:off x="6799006" y="4699833"/>
+            <a:ext cx="2286000" cy="1116776"/>
+            <a:chOff x="6799006" y="4699833"/>
+            <a:chExt cx="2286000" cy="1116776"/>
+          </a:xfrm>
+        </p:grpSpPr>
+        <p:sp>
+          <p:nvSpPr>
+            <p:cNvPr id="35" name="Parallelogramm 34">
+              <a:extLst>
+                <a:ext uri="{FF2B5EF4-FFF2-40B4-BE49-F238E27FC236}">
+                  <a16:creationId xmlns:a16="http://schemas.microsoft.com/office/drawing/2014/main" id="{F3071B48-FB53-4378-A3AE-674A0B2EF7A7}"/>
+                </a:ext>
+              </a:extLst>
+            </p:cNvPr>
+            <p:cNvSpPr/>
+            <p:nvPr/>
+          </p:nvSpPr>
+          <p:spPr>
+            <a:xfrm>
+              <a:off x="6799006" y="4699833"/>
+              <a:ext cx="2286000" cy="745398"/>
+            </a:xfrm>
+            <a:prstGeom prst="parallelogram">
+              <a:avLst/>
+            </a:prstGeom>
+            <a:noFill/>
+            <a:ln w="28575">
+              <a:solidFill>
+                <a:schemeClr val="accent4"/>
+              </a:solidFill>
+            </a:ln>
+          </p:spPr>
+          <p:style>
+            <a:lnRef idx="2">
+              <a:schemeClr val="accent1">
+                <a:shade val="50000"/>
+              </a:schemeClr>
+            </a:lnRef>
+            <a:fillRef idx="1">
+              <a:schemeClr val="accent1"/>
+            </a:fillRef>
+            <a:effectRef idx="0">
+              <a:schemeClr val="accent1"/>
+            </a:effectRef>
+            <a:fontRef idx="minor">
+              <a:schemeClr val="lt1"/>
+            </a:fontRef>
+          </p:style>
+          <p:txBody>
+            <a:bodyPr rtlCol="0" anchor="ctr"/>
+            <a:lstStyle/>
+            <a:p>
+              <a:pPr algn="ctr"/>
+              <a:endParaRPr lang="de-DE"/>
+            </a:p>
+          </p:txBody>
+        </p:sp>
+        <p:sp>
+          <p:nvSpPr>
+            <p:cNvPr id="36" name="Textfeld 35">
+              <a:extLst>
+                <a:ext uri="{FF2B5EF4-FFF2-40B4-BE49-F238E27FC236}">
+                  <a16:creationId xmlns:a16="http://schemas.microsoft.com/office/drawing/2014/main" id="{CACF5EC9-82B6-405A-8422-D9CD5BC7D6FD}"/>
+                </a:ext>
+              </a:extLst>
+            </p:cNvPr>
+            <p:cNvSpPr txBox="1"/>
+            <p:nvPr/>
+          </p:nvSpPr>
+          <p:spPr>
+            <a:xfrm>
+              <a:off x="7132067" y="5447277"/>
+              <a:ext cx="1395126" cy="369332"/>
+            </a:xfrm>
+            <a:prstGeom prst="rect">
+              <a:avLst/>
+            </a:prstGeom>
+            <a:noFill/>
+          </p:spPr>
+          <p:txBody>
+            <a:bodyPr wrap="none" rtlCol="0">
+              <a:spAutoFit/>
+            </a:bodyPr>
+            <a:lstStyle/>
+            <a:p>
+              <a:r>
+                <a:rPr lang="de-DE" dirty="0" err="1">
+                  <a:solidFill>
+                    <a:srgbClr val="FF0000"/>
+                  </a:solidFill>
+                </a:rPr>
+                <a:t>What</a:t>
+              </a:r>
+              <a:r>
+                <a:rPr lang="de-DE" dirty="0">
+                  <a:solidFill>
+                    <a:srgbClr val="FF0000"/>
+                  </a:solidFill>
+                </a:rPr>
+                <a:t>? </a:t>
+              </a:r>
+              <a:r>
+                <a:rPr lang="de-DE" dirty="0" err="1">
+                  <a:solidFill>
+                    <a:srgbClr val="FF0000"/>
+                  </a:solidFill>
+                </a:rPr>
+                <a:t>How</a:t>
+              </a:r>
+              <a:r>
+                <a:rPr lang="de-DE" dirty="0">
+                  <a:solidFill>
+                    <a:srgbClr val="FF0000"/>
+                  </a:solidFill>
+                </a:rPr>
+                <a:t>?</a:t>
+              </a:r>
+            </a:p>
+          </p:txBody>
+        </p:sp>
+      </p:grpSp>
+    </p:spTree>
+    <p:extLst>
+      <p:ext uri="{BB962C8B-B14F-4D97-AF65-F5344CB8AC3E}">
+        <p14:creationId xmlns:p14="http://schemas.microsoft.com/office/powerpoint/2010/main" val="2676747385"/>
+      </p:ext>
+    </p:extLst>
+  </p:cSld>
+  <p:clrMapOvr>
+    <a:masterClrMapping/>
+  </p:clrMapOvr>
+  <p:timing>
+    <p:tnLst>
+      <p:par>
+        <p:cTn id="1" dur="indefinite" restart="never" nodeType="tmRoot">
+          <p:childTnLst>
+            <p:seq concurrent="1" nextAc="seek">
+              <p:cTn id="2" dur="indefinite" nodeType="mainSeq">
+                <p:childTnLst>
+                  <p:par>
+                    <p:cTn id="3" fill="hold">
+                      <p:stCondLst>
+                        <p:cond delay="indefinite"/>
+                      </p:stCondLst>
+                      <p:childTnLst>
+                        <p:par>
+                          <p:cTn id="4" fill="hold">
+                            <p:stCondLst>
+                              <p:cond delay="0"/>
+                            </p:stCondLst>
+                            <p:childTnLst>
+                              <p:par>
+                                <p:cTn id="5" presetID="1" presetClass="entr" presetSubtype="0" fill="hold" nodeType="clickEffect">
+                                  <p:stCondLst>
+                                    <p:cond delay="0"/>
+                                  </p:stCondLst>
+                                  <p:childTnLst>
+                                    <p:set>
+                                      <p:cBhvr>
+                                        <p:cTn id="6" dur="1" fill="hold">
+                                          <p:stCondLst>
+                                            <p:cond delay="0"/>
+                                          </p:stCondLst>
+                                        </p:cTn>
+                                        <p:tgtEl>
+                                          <p:spTgt spid="37"/>
+                                        </p:tgtEl>
+                                        <p:attrNameLst>
+                                          <p:attrName>style.visibility</p:attrName>
+                                        </p:attrNameLst>
+                                      </p:cBhvr>
+                                      <p:to>
+                                        <p:strVal val="visible"/>
+                                      </p:to>
+                                    </p:set>
+                                  </p:childTnLst>
+                                </p:cTn>
+                              </p:par>
+                            </p:childTnLst>
+                          </p:cTn>
+                        </p:par>
+                      </p:childTnLst>
+                    </p:cTn>
+                  </p:par>
+                </p:childTnLst>
+              </p:cTn>
+              <p:prevCondLst>
+                <p:cond evt="onPrev" delay="0">
+                  <p:tgtEl>
+                    <p:sldTgt/>
+                  </p:tgtEl>
+                </p:cond>
+              </p:prevCondLst>
+              <p:nextCondLst>
+                <p:cond evt="onNext" delay="0">
+                  <p:tgtEl>
+                    <p:sldTgt/>
+                  </p:tgtEl>
+                </p:cond>
+              </p:nextCondLst>
+            </p:seq>
+          </p:childTnLst>
+        </p:cTn>
+      </p:par>
+    </p:tnLst>
+  </p:timing>
+</p:sld>
+</file>
+
+<file path=ppt/slides/slide51.xml><?xml version="1.0" encoding="utf-8"?>
+<p:sld xmlns:a="http://schemas.openxmlformats.org/drawingml/2006/main" xmlns:r="http://schemas.openxmlformats.org/officeDocument/2006/relationships" xmlns:p="http://schemas.openxmlformats.org/presentationml/2006/main">
+  <p:cSld>
+    <p:spTree>
+      <p:nvGrpSpPr>
+        <p:cNvPr id="1" name=""/>
+        <p:cNvGrpSpPr/>
+        <p:nvPr/>
+      </p:nvGrpSpPr>
+      <p:grpSpPr>
+        <a:xfrm>
+          <a:off x="0" y="0"/>
+          <a:ext cx="0" cy="0"/>
+          <a:chOff x="0" y="0"/>
+          <a:chExt cx="0" cy="0"/>
+        </a:xfrm>
+      </p:grpSpPr>
+      <p:sp>
+        <p:nvSpPr>
+          <p:cNvPr id="2" name="Titel 1">
+            <a:extLst>
+              <a:ext uri="{FF2B5EF4-FFF2-40B4-BE49-F238E27FC236}">
+                <a16:creationId xmlns:a16="http://schemas.microsoft.com/office/drawing/2014/main" id="{C29A6B8F-8134-4459-9B08-87941CFA1CC9}"/>
+              </a:ext>
+            </a:extLst>
+          </p:cNvPr>
+          <p:cNvSpPr>
+            <a:spLocks noGrp="1"/>
+          </p:cNvSpPr>
+          <p:nvPr>
+            <p:ph type="title"/>
+          </p:nvPr>
+        </p:nvSpPr>
+        <p:spPr/>
+        <p:txBody>
+          <a:bodyPr/>
+          <a:lstStyle/>
+          <a:p>
+            <a:r>
+              <a:rPr lang="de-DE" dirty="0"/>
+              <a:t>Dart - </a:t>
+            </a:r>
+            <a:r>
+              <a:rPr lang="de-DE" dirty="0" err="1"/>
+              <a:t>Scope</a:t>
+            </a:r>
+            <a:endParaRPr lang="de-DE" dirty="0"/>
+          </a:p>
+        </p:txBody>
+      </p:sp>
+      <p:sp>
+        <p:nvSpPr>
+          <p:cNvPr id="7" name="Inhaltsplatzhalter 6">
+            <a:extLst>
+              <a:ext uri="{FF2B5EF4-FFF2-40B4-BE49-F238E27FC236}">
+                <a16:creationId xmlns:a16="http://schemas.microsoft.com/office/drawing/2014/main" id="{323E6C02-12DD-43B2-BBE6-6B618DCBF6FC}"/>
+              </a:ext>
+            </a:extLst>
+          </p:cNvPr>
+          <p:cNvSpPr>
+            <a:spLocks noGrp="1"/>
+          </p:cNvSpPr>
+          <p:nvPr>
+            <p:ph idx="1"/>
+          </p:nvPr>
+        </p:nvSpPr>
+        <p:spPr/>
+        <p:txBody>
+          <a:bodyPr/>
+          <a:lstStyle/>
+          <a:p>
+            <a:r>
+              <a:rPr lang="de-DE" dirty="0"/>
+              <a:t>Viele Programmiersprachen erlauben Shadowing</a:t>
+            </a:r>
+          </a:p>
+          <a:p>
+            <a:r>
+              <a:rPr lang="de-DE" dirty="0"/>
+              <a:t>z.B. C++</a:t>
+            </a:r>
+          </a:p>
+          <a:p>
+            <a:endParaRPr lang="de-DE" dirty="0"/>
+          </a:p>
+          <a:p>
+            <a:endParaRPr lang="de-DE" dirty="0"/>
+          </a:p>
+          <a:p>
+            <a:endParaRPr lang="de-DE" dirty="0"/>
+          </a:p>
+          <a:p>
+            <a:r>
+              <a:rPr lang="de-DE" dirty="0"/>
+              <a:t>Andere Programmiersprachen lassen Shadowing nicht zu</a:t>
+            </a:r>
+          </a:p>
+          <a:p>
+            <a:r>
+              <a:rPr lang="de-DE" dirty="0"/>
+              <a:t>z.B. C#</a:t>
+            </a:r>
+          </a:p>
+        </p:txBody>
+      </p:sp>
+      <p:sp>
+        <p:nvSpPr>
+          <p:cNvPr id="4" name="Datumsplatzhalter 3">
+            <a:extLst>
+              <a:ext uri="{FF2B5EF4-FFF2-40B4-BE49-F238E27FC236}">
+                <a16:creationId xmlns:a16="http://schemas.microsoft.com/office/drawing/2014/main" id="{B0B55475-82B8-4356-BD6D-C68C8B413254}"/>
+              </a:ext>
+            </a:extLst>
+          </p:cNvPr>
+          <p:cNvSpPr>
+            <a:spLocks noGrp="1"/>
+          </p:cNvSpPr>
+          <p:nvPr>
+            <p:ph type="dt" sz="half" idx="10"/>
+          </p:nvPr>
+        </p:nvSpPr>
+        <p:spPr/>
+        <p:txBody>
+          <a:bodyPr/>
+          <a:lstStyle/>
+          <a:p>
+            <a:fld id="{8159FE7A-07D2-4D3F-9855-29B7F3DF1D43}" type="datetime1">
+              <a:rPr lang="de-DE" smtClean="0"/>
+              <a:t>06.02.2023</a:t>
+            </a:fld>
+            <a:endParaRPr lang="de-DE"/>
+          </a:p>
+        </p:txBody>
+      </p:sp>
+      <p:sp>
+        <p:nvSpPr>
+          <p:cNvPr id="5" name="Fußzeilenplatzhalter 4">
+            <a:extLst>
+              <a:ext uri="{FF2B5EF4-FFF2-40B4-BE49-F238E27FC236}">
+                <a16:creationId xmlns:a16="http://schemas.microsoft.com/office/drawing/2014/main" id="{0B4334B5-1F5A-4F0E-AB13-3D96C89AAB67}"/>
+              </a:ext>
+            </a:extLst>
+          </p:cNvPr>
+          <p:cNvSpPr>
+            <a:spLocks noGrp="1"/>
+          </p:cNvSpPr>
+          <p:nvPr>
+            <p:ph type="ftr" sz="quarter" idx="11"/>
+          </p:nvPr>
+        </p:nvSpPr>
+        <p:spPr/>
+        <p:txBody>
+          <a:bodyPr/>
+          <a:lstStyle/>
+          <a:p>
+            <a:r>
+              <a:rPr lang="de-DE"/>
+              <a:t>Dart - Programmiersprache für Smartphones</a:t>
+            </a:r>
+          </a:p>
+        </p:txBody>
+      </p:sp>
+      <p:sp>
+        <p:nvSpPr>
+          <p:cNvPr id="6" name="Foliennummernplatzhalter 5">
+            <a:extLst>
+              <a:ext uri="{FF2B5EF4-FFF2-40B4-BE49-F238E27FC236}">
+                <a16:creationId xmlns:a16="http://schemas.microsoft.com/office/drawing/2014/main" id="{B14B6D11-CEA8-4BF2-9D2D-CD1F7197B58E}"/>
+              </a:ext>
+            </a:extLst>
+          </p:cNvPr>
+          <p:cNvSpPr>
+            <a:spLocks noGrp="1"/>
+          </p:cNvSpPr>
+          <p:nvPr>
+            <p:ph type="sldNum" sz="quarter" idx="12"/>
+          </p:nvPr>
+        </p:nvSpPr>
+        <p:spPr/>
+        <p:txBody>
+          <a:bodyPr/>
+          <a:lstStyle/>
+          <a:p>
+            <a:fld id="{3A1F27E2-D58A-4028-9FF2-B12D897F257E}" type="slidenum">
+              <a:rPr lang="de-DE" smtClean="0"/>
+              <a:t>51</a:t>
+            </a:fld>
+            <a:endParaRPr lang="de-DE"/>
+          </a:p>
+        </p:txBody>
+      </p:sp>
+      <p:pic>
+        <p:nvPicPr>
+          <p:cNvPr id="10" name="Grafik 9">
+            <a:extLst>
+              <a:ext uri="{FF2B5EF4-FFF2-40B4-BE49-F238E27FC236}">
+                <a16:creationId xmlns:a16="http://schemas.microsoft.com/office/drawing/2014/main" id="{54C0B3A8-1E06-41AF-B9C8-A23D1B8CC0CF}"/>
+              </a:ext>
+            </a:extLst>
+          </p:cNvPr>
+          <p:cNvPicPr>
+            <a:picLocks noChangeAspect="1"/>
+          </p:cNvPicPr>
+          <p:nvPr/>
+        </p:nvPicPr>
+        <p:blipFill>
+          <a:blip r:embed="rId3"/>
+          <a:stretch>
+            <a:fillRect/>
+          </a:stretch>
+        </p:blipFill>
+        <p:spPr>
+          <a:xfrm>
+            <a:off x="2684593" y="4556002"/>
+            <a:ext cx="5553754" cy="1659592"/>
+          </a:xfrm>
+          <a:prstGeom prst="rect">
+            <a:avLst/>
+          </a:prstGeom>
+        </p:spPr>
+      </p:pic>
+      <p:pic>
+        <p:nvPicPr>
+          <p:cNvPr id="12" name="Grafik 11">
+            <a:extLst>
+              <a:ext uri="{FF2B5EF4-FFF2-40B4-BE49-F238E27FC236}">
+                <a16:creationId xmlns:a16="http://schemas.microsoft.com/office/drawing/2014/main" id="{DC66754E-C60C-41B1-AD80-410B96AD9162}"/>
+              </a:ext>
+            </a:extLst>
+          </p:cNvPr>
+          <p:cNvPicPr>
+            <a:picLocks noChangeAspect="1"/>
+          </p:cNvPicPr>
+          <p:nvPr/>
+        </p:nvPicPr>
+        <p:blipFill>
+          <a:blip r:embed="rId4"/>
+          <a:stretch>
+            <a:fillRect/>
+          </a:stretch>
+        </p:blipFill>
+        <p:spPr>
+          <a:xfrm>
+            <a:off x="2684593" y="2099592"/>
+            <a:ext cx="2123382" cy="1840773"/>
+          </a:xfrm>
+          <a:prstGeom prst="rect">
+            <a:avLst/>
+          </a:prstGeom>
+        </p:spPr>
+      </p:pic>
+    </p:spTree>
+    <p:extLst>
+      <p:ext uri="{BB962C8B-B14F-4D97-AF65-F5344CB8AC3E}">
+        <p14:creationId xmlns:p14="http://schemas.microsoft.com/office/powerpoint/2010/main" val="1826812178"/>
       </p:ext>
     </p:extLst>
   </p:cSld>
@@ -19597,7 +25906,7 @@
           <a:p>
             <a:fld id="{A952138C-0142-4C6B-A620-863AA96BBBE1}" type="datetime1">
               <a:rPr lang="de-DE" smtClean="0"/>
-              <a:t>31.01.2023</a:t>
+              <a:t>06.02.2023</a:t>
             </a:fld>
             <a:endParaRPr lang="de-DE"/>
           </a:p>
@@ -19833,7 +26142,7 @@
           <a:p>
             <a:fld id="{7127E464-1A99-4532-A297-E1D7378D9E61}" type="datetime1">
               <a:rPr lang="de-DE" smtClean="0"/>
-              <a:t>31.01.2023</a:t>
+              <a:t>06.02.2023</a:t>
             </a:fld>
             <a:endParaRPr lang="de-DE"/>
           </a:p>
@@ -20214,7 +26523,7 @@
           <a:p>
             <a:fld id="{77B5C711-A7A8-40A0-AEA6-3F77D4628817}" type="datetime1">
               <a:rPr lang="de-DE" smtClean="0"/>
-              <a:t>31.01.2023</a:t>
+              <a:t>06.02.2023</a:t>
             </a:fld>
             <a:endParaRPr lang="de-DE"/>
           </a:p>
@@ -20593,7 +26902,7 @@
           <a:p>
             <a:fld id="{27A2010A-1149-4F23-80A2-1B4570F18F3A}" type="datetime1">
               <a:rPr lang="de-DE" smtClean="0"/>
-              <a:t>31.01.2023</a:t>
+              <a:t>06.02.2023</a:t>
             </a:fld>
             <a:endParaRPr lang="de-DE"/>
           </a:p>

--- a/presentations/Dart.pptx
+++ b/presentations/Dart.pptx
@@ -6,10 +6,10 @@
     <p:sldMasterId id="2147483656" r:id="rId2"/>
   </p:sldMasterIdLst>
   <p:notesMasterIdLst>
-    <p:notesMasterId r:id="rId54"/>
+    <p:notesMasterId r:id="rId61"/>
   </p:notesMasterIdLst>
   <p:handoutMasterIdLst>
-    <p:handoutMasterId r:id="rId55"/>
+    <p:handoutMasterId r:id="rId62"/>
   </p:handoutMasterIdLst>
   <p:sldIdLst>
     <p:sldId id="256" r:id="rId3"/>
@@ -63,6 +63,13 @@
     <p:sldId id="349" r:id="rId51"/>
     <p:sldId id="350" r:id="rId52"/>
     <p:sldId id="351" r:id="rId53"/>
+    <p:sldId id="319" r:id="rId54"/>
+    <p:sldId id="320" r:id="rId55"/>
+    <p:sldId id="325" r:id="rId56"/>
+    <p:sldId id="321" r:id="rId57"/>
+    <p:sldId id="322" r:id="rId58"/>
+    <p:sldId id="323" r:id="rId59"/>
+    <p:sldId id="324" r:id="rId60"/>
   </p:sldIdLst>
   <p:sldSz cx="12192000" cy="6858000"/>
   <p:notesSz cx="6858000" cy="9144000"/>
@@ -275,7 +282,15 @@
           </p14:sldIdLst>
         </p14:section>
         <p14:section name="Callbacks" id="{D2154E31-B219-4E25-97DB-5D53D10C44ED}">
-          <p14:sldIdLst/>
+          <p14:sldIdLst>
+            <p14:sldId id="319"/>
+            <p14:sldId id="320"/>
+            <p14:sldId id="325"/>
+            <p14:sldId id="321"/>
+            <p14:sldId id="322"/>
+            <p14:sldId id="323"/>
+            <p14:sldId id="324"/>
+          </p14:sldIdLst>
         </p14:section>
         <p14:section name="Lambdas" id="{76D72FA9-169C-4513-9244-C6C9B595BF6E}">
           <p14:sldIdLst/>
@@ -411,7 +426,7 @@
                   <a:schemeClr val="tx2"/>
                 </a:solidFill>
               </a:rPr>
-              <a:t>06.02.2023</a:t>
+              <a:t>17.02.2023</a:t>
             </a:fld>
             <a:endParaRPr lang="de-DE">
               <a:solidFill>
@@ -761,7 +776,7 @@
             <a:fld id="{B4113CCE-1A1A-46DB-884A-AE560F65C3AF}" type="datetimeFigureOut">
               <a:rPr lang="de-DE" smtClean="0"/>
               <a:pPr/>
-              <a:t>06.02.2023</a:t>
+              <a:t>17.02.2023</a:t>
             </a:fld>
             <a:endParaRPr lang="de-DE"/>
           </a:p>
@@ -4673,6 +4688,239 @@
 </p:notes>
 </file>
 
+<file path=ppt/notesSlides/notesSlide38.xml><?xml version="1.0" encoding="utf-8"?>
+<p:notes xmlns:a="http://schemas.openxmlformats.org/drawingml/2006/main" xmlns:r="http://schemas.openxmlformats.org/officeDocument/2006/relationships" xmlns:p="http://schemas.openxmlformats.org/presentationml/2006/main">
+  <p:cSld>
+    <p:spTree>
+      <p:nvGrpSpPr>
+        <p:cNvPr id="1" name=""/>
+        <p:cNvGrpSpPr/>
+        <p:nvPr/>
+      </p:nvGrpSpPr>
+      <p:grpSpPr>
+        <a:xfrm>
+          <a:off x="0" y="0"/>
+          <a:ext cx="0" cy="0"/>
+          <a:chOff x="0" y="0"/>
+          <a:chExt cx="0" cy="0"/>
+        </a:xfrm>
+      </p:grpSpPr>
+      <p:sp>
+        <p:nvSpPr>
+          <p:cNvPr id="2" name="Folienbildplatzhalter 1"/>
+          <p:cNvSpPr>
+            <a:spLocks noGrp="1" noRot="1" noChangeAspect="1"/>
+          </p:cNvSpPr>
+          <p:nvPr>
+            <p:ph type="sldImg"/>
+          </p:nvPr>
+        </p:nvSpPr>
+        <p:spPr>
+          <a:xfrm>
+            <a:off x="685800" y="1143000"/>
+            <a:ext cx="4270375" cy="2401888"/>
+          </a:xfrm>
+        </p:spPr>
+      </p:sp>
+      <p:sp>
+        <p:nvSpPr>
+          <p:cNvPr id="3" name="Notizenplatzhalter 2"/>
+          <p:cNvSpPr>
+            <a:spLocks noGrp="1"/>
+          </p:cNvSpPr>
+          <p:nvPr>
+            <p:ph type="body" idx="1"/>
+          </p:nvPr>
+        </p:nvSpPr>
+        <p:spPr/>
+        <p:txBody>
+          <a:bodyPr/>
+          <a:lstStyle/>
+          <a:p>
+            <a:r>
+              <a:rPr lang="de-DE" dirty="0"/>
+              <a:t>Beispiel: diese Windows-Anwendung hat zwei Buttons. Einer druckt etwas aus, der andere versendet es als Email.</a:t>
+            </a:r>
+          </a:p>
+          <a:p>
+            <a:r>
+              <a:rPr lang="de-DE" dirty="0"/>
+              <a:t>Müssen wir jeden Button extra programmieren, weil er etwas anderes macht?</a:t>
+            </a:r>
+          </a:p>
+          <a:p>
+            <a:r>
+              <a:rPr lang="de-DE" dirty="0"/>
+              <a:t>Wollen wir jeden Button extra programmieren, weil er etwas anderes macht? Sicher nicht.</a:t>
+            </a:r>
+          </a:p>
+          <a:p>
+            <a:endParaRPr lang="de-DE" dirty="0"/>
+          </a:p>
+          <a:p>
+            <a:r>
+              <a:rPr lang="de-DE" dirty="0"/>
+              <a:t>Jemand anderes kann einen Button programmieren, so dass er unter Windows 95 genau so aussieht wie er dort aussehen soll und unter Windows 10 aussieht, wie es dort üblich ist.</a:t>
+            </a:r>
+          </a:p>
+          <a:p>
+            <a:r>
+              <a:rPr lang="de-DE" dirty="0"/>
+              <a:t>Um das Aussehen des Buttons wollen wir uns nicht kümmern, trotzdem soll der Button das tun, was wir wollen, und nicht das, was der Programmierer des Buttons wollte.</a:t>
+            </a:r>
+          </a:p>
+        </p:txBody>
+      </p:sp>
+      <p:sp>
+        <p:nvSpPr>
+          <p:cNvPr id="4" name="Foliennummernplatzhalter 3"/>
+          <p:cNvSpPr>
+            <a:spLocks noGrp="1"/>
+          </p:cNvSpPr>
+          <p:nvPr>
+            <p:ph type="sldNum" sz="quarter" idx="5"/>
+          </p:nvPr>
+        </p:nvSpPr>
+        <p:spPr/>
+        <p:txBody>
+          <a:bodyPr/>
+          <a:lstStyle/>
+          <a:p>
+            <a:fld id="{927DBD90-B360-417B-B4B3-F05A4AFC1996}" type="slidenum">
+              <a:rPr lang="de-DE" smtClean="0"/>
+              <a:pPr/>
+              <a:t>53</a:t>
+            </a:fld>
+            <a:endParaRPr lang="de-DE"/>
+          </a:p>
+        </p:txBody>
+      </p:sp>
+    </p:spTree>
+    <p:extLst>
+      <p:ext uri="{BB962C8B-B14F-4D97-AF65-F5344CB8AC3E}">
+        <p14:creationId xmlns:p14="http://schemas.microsoft.com/office/powerpoint/2010/main" val="764757463"/>
+      </p:ext>
+    </p:extLst>
+  </p:cSld>
+  <p:clrMapOvr>
+    <a:masterClrMapping/>
+  </p:clrMapOvr>
+</p:notes>
+</file>
+
+<file path=ppt/notesSlides/notesSlide39.xml><?xml version="1.0" encoding="utf-8"?>
+<p:notes xmlns:a="http://schemas.openxmlformats.org/drawingml/2006/main" xmlns:r="http://schemas.openxmlformats.org/officeDocument/2006/relationships" xmlns:p="http://schemas.openxmlformats.org/presentationml/2006/main">
+  <p:cSld>
+    <p:spTree>
+      <p:nvGrpSpPr>
+        <p:cNvPr id="1" name=""/>
+        <p:cNvGrpSpPr/>
+        <p:nvPr/>
+      </p:nvGrpSpPr>
+      <p:grpSpPr>
+        <a:xfrm>
+          <a:off x="0" y="0"/>
+          <a:ext cx="0" cy="0"/>
+          <a:chOff x="0" y="0"/>
+          <a:chExt cx="0" cy="0"/>
+        </a:xfrm>
+      </p:grpSpPr>
+      <p:sp>
+        <p:nvSpPr>
+          <p:cNvPr id="2" name="Folienbildplatzhalter 1"/>
+          <p:cNvSpPr>
+            <a:spLocks noGrp="1" noRot="1" noChangeAspect="1"/>
+          </p:cNvSpPr>
+          <p:nvPr>
+            <p:ph type="sldImg"/>
+          </p:nvPr>
+        </p:nvSpPr>
+        <p:spPr>
+          <a:xfrm>
+            <a:off x="685800" y="1143000"/>
+            <a:ext cx="4270375" cy="2401888"/>
+          </a:xfrm>
+        </p:spPr>
+      </p:sp>
+      <p:sp>
+        <p:nvSpPr>
+          <p:cNvPr id="3" name="Notizenplatzhalter 2"/>
+          <p:cNvSpPr>
+            <a:spLocks noGrp="1"/>
+          </p:cNvSpPr>
+          <p:nvPr>
+            <p:ph type="body" idx="1"/>
+          </p:nvPr>
+        </p:nvSpPr>
+        <p:spPr/>
+        <p:txBody>
+          <a:bodyPr/>
+          <a:lstStyle/>
+          <a:p>
+            <a:r>
+              <a:rPr lang="de-DE" dirty="0"/>
+              <a:t>Mit Hilfe von </a:t>
+            </a:r>
+            <a:r>
+              <a:rPr lang="de-DE" dirty="0" err="1"/>
+              <a:t>Callbacks</a:t>
+            </a:r>
+            <a:r>
+              <a:rPr lang="de-DE" dirty="0"/>
+              <a:t> lässt sich das Problem lösen: der Button ist fertig programmiert. </a:t>
+            </a:r>
+          </a:p>
+          <a:p>
+            <a:r>
+              <a:rPr lang="de-DE" dirty="0"/>
+              <a:t>Man kann ihm aber ein Verhalten in Form einer Methode oder Funktion mitgeben, so dass bei jedem Button eine andere Funktion ausgeführt wird.</a:t>
+            </a:r>
+          </a:p>
+          <a:p>
+            <a:r>
+              <a:rPr lang="de-DE" dirty="0"/>
+              <a:t>Das schauen wir uns jetzt mal anhand der Preisberechnung an, ohne dass wir eine Flutter App mit Buttons entwickeln müssen.</a:t>
+            </a:r>
+          </a:p>
+        </p:txBody>
+      </p:sp>
+      <p:sp>
+        <p:nvSpPr>
+          <p:cNvPr id="4" name="Foliennummernplatzhalter 3"/>
+          <p:cNvSpPr>
+            <a:spLocks noGrp="1"/>
+          </p:cNvSpPr>
+          <p:nvPr>
+            <p:ph type="sldNum" sz="quarter" idx="5"/>
+          </p:nvPr>
+        </p:nvSpPr>
+        <p:spPr/>
+        <p:txBody>
+          <a:bodyPr/>
+          <a:lstStyle/>
+          <a:p>
+            <a:fld id="{927DBD90-B360-417B-B4B3-F05A4AFC1996}" type="slidenum">
+              <a:rPr lang="de-DE" smtClean="0"/>
+              <a:pPr/>
+              <a:t>54</a:t>
+            </a:fld>
+            <a:endParaRPr lang="de-DE"/>
+          </a:p>
+        </p:txBody>
+      </p:sp>
+    </p:spTree>
+    <p:extLst>
+      <p:ext uri="{BB962C8B-B14F-4D97-AF65-F5344CB8AC3E}">
+        <p14:creationId xmlns:p14="http://schemas.microsoft.com/office/powerpoint/2010/main" val="1260122381"/>
+      </p:ext>
+    </p:extLst>
+  </p:cSld>
+  <p:clrMapOvr>
+    <a:masterClrMapping/>
+  </p:clrMapOvr>
+</p:notes>
+</file>
+
 <file path=ppt/notesSlides/notesSlide4.xml><?xml version="1.0" encoding="utf-8"?>
 <p:notes xmlns:a="http://schemas.openxmlformats.org/drawingml/2006/main" xmlns:r="http://schemas.openxmlformats.org/officeDocument/2006/relationships" xmlns:p="http://schemas.openxmlformats.org/presentationml/2006/main">
   <p:cSld>
@@ -4810,6 +5058,504 @@
     <p:extLst>
       <p:ext uri="{BB962C8B-B14F-4D97-AF65-F5344CB8AC3E}">
         <p14:creationId xmlns:p14="http://schemas.microsoft.com/office/powerpoint/2010/main" val="3487914415"/>
+      </p:ext>
+    </p:extLst>
+  </p:cSld>
+  <p:clrMapOvr>
+    <a:masterClrMapping/>
+  </p:clrMapOvr>
+</p:notes>
+</file>
+
+<file path=ppt/notesSlides/notesSlide40.xml><?xml version="1.0" encoding="utf-8"?>
+<p:notes xmlns:a="http://schemas.openxmlformats.org/drawingml/2006/main" xmlns:r="http://schemas.openxmlformats.org/officeDocument/2006/relationships" xmlns:p="http://schemas.openxmlformats.org/presentationml/2006/main">
+  <p:cSld>
+    <p:spTree>
+      <p:nvGrpSpPr>
+        <p:cNvPr id="1" name=""/>
+        <p:cNvGrpSpPr/>
+        <p:nvPr/>
+      </p:nvGrpSpPr>
+      <p:grpSpPr>
+        <a:xfrm>
+          <a:off x="0" y="0"/>
+          <a:ext cx="0" cy="0"/>
+          <a:chOff x="0" y="0"/>
+          <a:chExt cx="0" cy="0"/>
+        </a:xfrm>
+      </p:grpSpPr>
+      <p:sp>
+        <p:nvSpPr>
+          <p:cNvPr id="2" name="Folienbildplatzhalter 1"/>
+          <p:cNvSpPr>
+            <a:spLocks noGrp="1" noRot="1" noChangeAspect="1"/>
+          </p:cNvSpPr>
+          <p:nvPr>
+            <p:ph type="sldImg"/>
+          </p:nvPr>
+        </p:nvSpPr>
+        <p:spPr>
+          <a:xfrm>
+            <a:off x="685800" y="1143000"/>
+            <a:ext cx="4270375" cy="2401888"/>
+          </a:xfrm>
+        </p:spPr>
+      </p:sp>
+      <p:sp>
+        <p:nvSpPr>
+          <p:cNvPr id="3" name="Notizenplatzhalter 2"/>
+          <p:cNvSpPr>
+            <a:spLocks noGrp="1"/>
+          </p:cNvSpPr>
+          <p:nvPr>
+            <p:ph type="body" idx="1"/>
+          </p:nvPr>
+        </p:nvSpPr>
+        <p:spPr/>
+        <p:txBody>
+          <a:bodyPr/>
+          <a:lstStyle/>
+          <a:p>
+            <a:r>
+              <a:rPr lang="de-DE" dirty="0"/>
+              <a:t>Im Laufe der Zeit kommen wahrscheinlich neue Ideen für die Preisgestaltung hinzu:</a:t>
+            </a:r>
+          </a:p>
+          <a:p>
+            <a:pPr marL="171450" indent="-171450">
+              <a:buFont typeface="Arial" panose="020B0604020202020204" pitchFamily="34" charset="0"/>
+              <a:buChar char="•"/>
+            </a:pPr>
+            <a:r>
+              <a:rPr lang="de-DE" dirty="0"/>
+              <a:t>zusätzliche Verpackungskosten, z.B. für Geschenkverpackung</a:t>
+            </a:r>
+          </a:p>
+          <a:p>
+            <a:pPr marL="171450" indent="-171450">
+              <a:buFont typeface="Arial" panose="020B0604020202020204" pitchFamily="34" charset="0"/>
+              <a:buChar char="•"/>
+            </a:pPr>
+            <a:r>
+              <a:rPr lang="de-DE" dirty="0"/>
+              <a:t>Rabatte für Großkunden</a:t>
+            </a:r>
+          </a:p>
+          <a:p>
+            <a:pPr marL="171450" indent="-171450">
+              <a:buFont typeface="Arial" panose="020B0604020202020204" pitchFamily="34" charset="0"/>
+              <a:buChar char="•"/>
+            </a:pPr>
+            <a:r>
+              <a:rPr lang="de-DE" dirty="0"/>
+              <a:t>Spezielle </a:t>
+            </a:r>
+            <a:r>
+              <a:rPr lang="de-DE" dirty="0" err="1"/>
+              <a:t>Promotionangebote</a:t>
+            </a:r>
+            <a:r>
+              <a:rPr lang="de-DE" dirty="0"/>
+              <a:t>, die nur eine bestimmte Zeit lang gültig sind</a:t>
+            </a:r>
+          </a:p>
+          <a:p>
+            <a:pPr marL="171450" indent="-171450">
+              <a:buFont typeface="Arial" panose="020B0604020202020204" pitchFamily="34" charset="0"/>
+              <a:buChar char="•"/>
+            </a:pPr>
+            <a:r>
+              <a:rPr lang="de-DE" dirty="0"/>
+              <a:t>Mindermengenzuschlag für geringe Bestellmengen, weil es zu teuer ist, wegen einer einzelnen Schraube ins Lager zu fahren</a:t>
+            </a:r>
+          </a:p>
+          <a:p>
+            <a:pPr marL="171450" indent="-171450">
+              <a:buFont typeface="Arial" panose="020B0604020202020204" pitchFamily="34" charset="0"/>
+              <a:buChar char="•"/>
+            </a:pPr>
+            <a:r>
+              <a:rPr lang="de-DE" dirty="0"/>
+              <a:t>Sonderkonditionen für einzelne Kunden</a:t>
+            </a:r>
+          </a:p>
+          <a:p>
+            <a:pPr marL="171450" indent="-171450">
+              <a:buFont typeface="Arial" panose="020B0604020202020204" pitchFamily="34" charset="0"/>
+              <a:buChar char="•"/>
+            </a:pPr>
+            <a:r>
+              <a:rPr lang="de-DE" dirty="0"/>
+              <a:t>Aufpreis für umständliche Bezahlsysteme wie z.B. Nachnahme</a:t>
+            </a:r>
+          </a:p>
+          <a:p>
+            <a:pPr marL="171450" indent="-171450">
+              <a:buFont typeface="Arial" panose="020B0604020202020204" pitchFamily="34" charset="0"/>
+              <a:buChar char="•"/>
+            </a:pPr>
+            <a:r>
+              <a:rPr lang="de-DE" dirty="0"/>
+              <a:t>Eventuell gesetzliche Vorgaben wie eine Umweltabgabe</a:t>
+            </a:r>
+          </a:p>
+          <a:p>
+            <a:endParaRPr lang="de-DE" dirty="0"/>
+          </a:p>
+          <a:p>
+            <a:r>
+              <a:rPr lang="de-DE" dirty="0"/>
+              <a:t>Ist es klug, die ganzen Möglichkeiten und Kombinationen davon in einer Methode zu programmieren?</a:t>
+            </a:r>
+          </a:p>
+          <a:p>
+            <a:r>
+              <a:rPr lang="de-DE" dirty="0"/>
+              <a:t>Was soll passieren, wenn gleichzeitig Angaben für Volkswagen und Porsche gemacht werden? Ist Volkswagen nicht immer ein Großkunde?</a:t>
+            </a:r>
+          </a:p>
+        </p:txBody>
+      </p:sp>
+      <p:sp>
+        <p:nvSpPr>
+          <p:cNvPr id="4" name="Foliennummernplatzhalter 3"/>
+          <p:cNvSpPr>
+            <a:spLocks noGrp="1"/>
+          </p:cNvSpPr>
+          <p:nvPr>
+            <p:ph type="sldNum" sz="quarter" idx="5"/>
+          </p:nvPr>
+        </p:nvSpPr>
+        <p:spPr/>
+        <p:txBody>
+          <a:bodyPr/>
+          <a:lstStyle/>
+          <a:p>
+            <a:fld id="{927DBD90-B360-417B-B4B3-F05A4AFC1996}" type="slidenum">
+              <a:rPr lang="de-DE" smtClean="0"/>
+              <a:pPr/>
+              <a:t>55</a:t>
+            </a:fld>
+            <a:endParaRPr lang="de-DE"/>
+          </a:p>
+        </p:txBody>
+      </p:sp>
+    </p:spTree>
+    <p:extLst>
+      <p:ext uri="{BB962C8B-B14F-4D97-AF65-F5344CB8AC3E}">
+        <p14:creationId xmlns:p14="http://schemas.microsoft.com/office/powerpoint/2010/main" val="862302093"/>
+      </p:ext>
+    </p:extLst>
+  </p:cSld>
+  <p:clrMapOvr>
+    <a:masterClrMapping/>
+  </p:clrMapOvr>
+</p:notes>
+</file>
+
+<file path=ppt/notesSlides/notesSlide41.xml><?xml version="1.0" encoding="utf-8"?>
+<p:notes xmlns:a="http://schemas.openxmlformats.org/drawingml/2006/main" xmlns:r="http://schemas.openxmlformats.org/officeDocument/2006/relationships" xmlns:p="http://schemas.openxmlformats.org/presentationml/2006/main">
+  <p:cSld>
+    <p:spTree>
+      <p:nvGrpSpPr>
+        <p:cNvPr id="1" name=""/>
+        <p:cNvGrpSpPr/>
+        <p:nvPr/>
+      </p:nvGrpSpPr>
+      <p:grpSpPr>
+        <a:xfrm>
+          <a:off x="0" y="0"/>
+          <a:ext cx="0" cy="0"/>
+          <a:chOff x="0" y="0"/>
+          <a:chExt cx="0" cy="0"/>
+        </a:xfrm>
+      </p:grpSpPr>
+      <p:sp>
+        <p:nvSpPr>
+          <p:cNvPr id="2" name="Folienbildplatzhalter 1"/>
+          <p:cNvSpPr>
+            <a:spLocks noGrp="1" noRot="1" noChangeAspect="1"/>
+          </p:cNvSpPr>
+          <p:nvPr>
+            <p:ph type="sldImg"/>
+          </p:nvPr>
+        </p:nvSpPr>
+        <p:spPr>
+          <a:xfrm>
+            <a:off x="685800" y="1143000"/>
+            <a:ext cx="4270375" cy="2401888"/>
+          </a:xfrm>
+        </p:spPr>
+      </p:sp>
+      <p:sp>
+        <p:nvSpPr>
+          <p:cNvPr id="3" name="Notizenplatzhalter 2"/>
+          <p:cNvSpPr>
+            <a:spLocks noGrp="1"/>
+          </p:cNvSpPr>
+          <p:nvPr>
+            <p:ph type="body" idx="1"/>
+          </p:nvPr>
+        </p:nvSpPr>
+        <p:spPr/>
+        <p:txBody>
+          <a:bodyPr/>
+          <a:lstStyle/>
+          <a:p>
+            <a:endParaRPr lang="de-DE" dirty="0"/>
+          </a:p>
+        </p:txBody>
+      </p:sp>
+      <p:sp>
+        <p:nvSpPr>
+          <p:cNvPr id="4" name="Foliennummernplatzhalter 3"/>
+          <p:cNvSpPr>
+            <a:spLocks noGrp="1"/>
+          </p:cNvSpPr>
+          <p:nvPr>
+            <p:ph type="sldNum" sz="quarter" idx="5"/>
+          </p:nvPr>
+        </p:nvSpPr>
+        <p:spPr/>
+        <p:txBody>
+          <a:bodyPr/>
+          <a:lstStyle/>
+          <a:p>
+            <a:fld id="{927DBD90-B360-417B-B4B3-F05A4AFC1996}" type="slidenum">
+              <a:rPr lang="de-DE" smtClean="0"/>
+              <a:pPr/>
+              <a:t>56</a:t>
+            </a:fld>
+            <a:endParaRPr lang="de-DE"/>
+          </a:p>
+        </p:txBody>
+      </p:sp>
+    </p:spTree>
+    <p:extLst>
+      <p:ext uri="{BB962C8B-B14F-4D97-AF65-F5344CB8AC3E}">
+        <p14:creationId xmlns:p14="http://schemas.microsoft.com/office/powerpoint/2010/main" val="2106690706"/>
+      </p:ext>
+    </p:extLst>
+  </p:cSld>
+  <p:clrMapOvr>
+    <a:masterClrMapping/>
+  </p:clrMapOvr>
+</p:notes>
+</file>
+
+<file path=ppt/notesSlides/notesSlide42.xml><?xml version="1.0" encoding="utf-8"?>
+<p:notes xmlns:a="http://schemas.openxmlformats.org/drawingml/2006/main" xmlns:r="http://schemas.openxmlformats.org/officeDocument/2006/relationships" xmlns:p="http://schemas.openxmlformats.org/presentationml/2006/main">
+  <p:cSld>
+    <p:spTree>
+      <p:nvGrpSpPr>
+        <p:cNvPr id="1" name=""/>
+        <p:cNvGrpSpPr/>
+        <p:nvPr/>
+      </p:nvGrpSpPr>
+      <p:grpSpPr>
+        <a:xfrm>
+          <a:off x="0" y="0"/>
+          <a:ext cx="0" cy="0"/>
+          <a:chOff x="0" y="0"/>
+          <a:chExt cx="0" cy="0"/>
+        </a:xfrm>
+      </p:grpSpPr>
+      <p:sp>
+        <p:nvSpPr>
+          <p:cNvPr id="2" name="Folienbildplatzhalter 1"/>
+          <p:cNvSpPr>
+            <a:spLocks noGrp="1" noRot="1" noChangeAspect="1"/>
+          </p:cNvSpPr>
+          <p:nvPr>
+            <p:ph type="sldImg"/>
+          </p:nvPr>
+        </p:nvSpPr>
+        <p:spPr>
+          <a:xfrm>
+            <a:off x="685800" y="1143000"/>
+            <a:ext cx="4270375" cy="2401888"/>
+          </a:xfrm>
+        </p:spPr>
+      </p:sp>
+      <p:sp>
+        <p:nvSpPr>
+          <p:cNvPr id="3" name="Notizenplatzhalter 2"/>
+          <p:cNvSpPr>
+            <a:spLocks noGrp="1"/>
+          </p:cNvSpPr>
+          <p:nvPr>
+            <p:ph type="body" idx="1"/>
+          </p:nvPr>
+        </p:nvSpPr>
+        <p:spPr/>
+        <p:txBody>
+          <a:bodyPr/>
+          <a:lstStyle/>
+          <a:p>
+            <a:r>
+              <a:rPr lang="de-DE" dirty="0"/>
+              <a:t>Lösung:</a:t>
+            </a:r>
+            <a:r>
+              <a:rPr lang="de-DE" baseline="0" dirty="0"/>
+              <a:t> 376.9</a:t>
+            </a:r>
+            <a:endParaRPr lang="de-DE" dirty="0"/>
+          </a:p>
+        </p:txBody>
+      </p:sp>
+      <p:sp>
+        <p:nvSpPr>
+          <p:cNvPr id="4" name="Foliennummernplatzhalter 3"/>
+          <p:cNvSpPr>
+            <a:spLocks noGrp="1"/>
+          </p:cNvSpPr>
+          <p:nvPr>
+            <p:ph type="sldNum" sz="quarter" idx="5"/>
+          </p:nvPr>
+        </p:nvSpPr>
+        <p:spPr/>
+        <p:txBody>
+          <a:bodyPr/>
+          <a:lstStyle/>
+          <a:p>
+            <a:fld id="{927DBD90-B360-417B-B4B3-F05A4AFC1996}" type="slidenum">
+              <a:rPr lang="de-DE" smtClean="0"/>
+              <a:pPr/>
+              <a:t>57</a:t>
+            </a:fld>
+            <a:endParaRPr lang="de-DE"/>
+          </a:p>
+        </p:txBody>
+      </p:sp>
+    </p:spTree>
+    <p:extLst>
+      <p:ext uri="{BB962C8B-B14F-4D97-AF65-F5344CB8AC3E}">
+        <p14:creationId xmlns:p14="http://schemas.microsoft.com/office/powerpoint/2010/main" val="120431842"/>
+      </p:ext>
+    </p:extLst>
+  </p:cSld>
+  <p:clrMapOvr>
+    <a:masterClrMapping/>
+  </p:clrMapOvr>
+</p:notes>
+</file>
+
+<file path=ppt/notesSlides/notesSlide43.xml><?xml version="1.0" encoding="utf-8"?>
+<p:notes xmlns:a="http://schemas.openxmlformats.org/drawingml/2006/main" xmlns:r="http://schemas.openxmlformats.org/officeDocument/2006/relationships" xmlns:p="http://schemas.openxmlformats.org/presentationml/2006/main">
+  <p:cSld>
+    <p:spTree>
+      <p:nvGrpSpPr>
+        <p:cNvPr id="1" name=""/>
+        <p:cNvGrpSpPr/>
+        <p:nvPr/>
+      </p:nvGrpSpPr>
+      <p:grpSpPr>
+        <a:xfrm>
+          <a:off x="0" y="0"/>
+          <a:ext cx="0" cy="0"/>
+          <a:chOff x="0" y="0"/>
+          <a:chExt cx="0" cy="0"/>
+        </a:xfrm>
+      </p:grpSpPr>
+      <p:sp>
+        <p:nvSpPr>
+          <p:cNvPr id="2" name="Folienbildplatzhalter 1"/>
+          <p:cNvSpPr>
+            <a:spLocks noGrp="1" noRot="1" noChangeAspect="1"/>
+          </p:cNvSpPr>
+          <p:nvPr>
+            <p:ph type="sldImg"/>
+          </p:nvPr>
+        </p:nvSpPr>
+        <p:spPr>
+          <a:xfrm>
+            <a:off x="685800" y="1143000"/>
+            <a:ext cx="4270375" cy="2401888"/>
+          </a:xfrm>
+        </p:spPr>
+      </p:sp>
+      <p:sp>
+        <p:nvSpPr>
+          <p:cNvPr id="3" name="Notizenplatzhalter 2"/>
+          <p:cNvSpPr>
+            <a:spLocks noGrp="1"/>
+          </p:cNvSpPr>
+          <p:nvPr>
+            <p:ph type="body" idx="1"/>
+          </p:nvPr>
+        </p:nvSpPr>
+        <p:spPr/>
+        <p:txBody>
+          <a:bodyPr/>
+          <a:lstStyle/>
+          <a:p>
+            <a:r>
+              <a:rPr lang="de-DE" dirty="0"/>
+              <a:t>Lösung</a:t>
+            </a:r>
+            <a:endParaRPr lang="de-DE" baseline="0" dirty="0"/>
+          </a:p>
+          <a:p>
+            <a:r>
+              <a:rPr lang="de-DE" baseline="0" dirty="0"/>
+              <a:t>Kein Rabatt -&gt;	376.9</a:t>
+            </a:r>
+          </a:p>
+          <a:p>
+            <a:r>
+              <a:rPr lang="de-DE" baseline="0" dirty="0"/>
+              <a:t>2% Skonto -&gt;	369.75999</a:t>
+            </a:r>
+          </a:p>
+          <a:p>
+            <a:r>
+              <a:rPr lang="de-DE" baseline="0" dirty="0"/>
+              <a:t>VW:</a:t>
+            </a:r>
+          </a:p>
+          <a:p>
+            <a:r>
+              <a:rPr lang="de-DE" baseline="0" dirty="0"/>
+              <a:t> - netto=300 -&gt; 362.61999</a:t>
+            </a:r>
+          </a:p>
+          <a:p>
+            <a:r>
+              <a:rPr lang="de-DE" baseline="0" dirty="0"/>
+              <a:t> - netto=10000 -&gt; 11205.9</a:t>
+            </a:r>
+          </a:p>
+        </p:txBody>
+      </p:sp>
+      <p:sp>
+        <p:nvSpPr>
+          <p:cNvPr id="4" name="Foliennummernplatzhalter 3"/>
+          <p:cNvSpPr>
+            <a:spLocks noGrp="1"/>
+          </p:cNvSpPr>
+          <p:nvPr>
+            <p:ph type="sldNum" sz="quarter" idx="5"/>
+          </p:nvPr>
+        </p:nvSpPr>
+        <p:spPr/>
+        <p:txBody>
+          <a:bodyPr/>
+          <a:lstStyle/>
+          <a:p>
+            <a:fld id="{927DBD90-B360-417B-B4B3-F05A4AFC1996}" type="slidenum">
+              <a:rPr lang="de-DE" smtClean="0"/>
+              <a:pPr/>
+              <a:t>58</a:t>
+            </a:fld>
+            <a:endParaRPr lang="de-DE"/>
+          </a:p>
+        </p:txBody>
+      </p:sp>
+    </p:spTree>
+    <p:extLst>
+      <p:ext uri="{BB962C8B-B14F-4D97-AF65-F5344CB8AC3E}">
+        <p14:creationId xmlns:p14="http://schemas.microsoft.com/office/powerpoint/2010/main" val="2507354862"/>
       </p:ext>
     </p:extLst>
   </p:cSld>
@@ -5434,7 +6180,7 @@
           <a:p>
             <a:fld id="{4E6DF7AA-8899-480A-AE8B-97B651237939}" type="datetime1">
               <a:rPr lang="de-DE" smtClean="0"/>
-              <a:t>06.02.2023</a:t>
+              <a:t>17.02.2023</a:t>
             </a:fld>
             <a:endParaRPr lang="de-DE"/>
           </a:p>
@@ -5639,7 +6385,7 @@
           <a:p>
             <a:fld id="{A1082C62-1968-4D03-BE49-CB116A4D6814}" type="datetime1">
               <a:rPr lang="de-DE" smtClean="0"/>
-              <a:t>06.02.2023</a:t>
+              <a:t>17.02.2023</a:t>
             </a:fld>
             <a:endParaRPr lang="de-DE"/>
           </a:p>
@@ -5793,7 +6539,7 @@
           <a:p>
             <a:fld id="{C0E04462-FF80-4281-98D0-2AB88E65DA84}" type="datetime1">
               <a:rPr lang="de-DE" smtClean="0"/>
-              <a:t>06.02.2023</a:t>
+              <a:t>17.02.2023</a:t>
             </a:fld>
             <a:endParaRPr lang="de-DE"/>
           </a:p>
@@ -6030,7 +6776,7 @@
           <a:p>
             <a:fld id="{1FAA5A7F-2A4E-40D6-9FFE-960B13817A2C}" type="datetime1">
               <a:rPr lang="de-DE" smtClean="0"/>
-              <a:t>06.02.2023</a:t>
+              <a:t>17.02.2023</a:t>
             </a:fld>
             <a:endParaRPr lang="de-DE"/>
           </a:p>
@@ -6206,7 +6952,7 @@
           <a:p>
             <a:fld id="{382DDC3E-10C9-4B92-B2FB-A8167FB6AB1D}" type="datetime1">
               <a:rPr lang="de-DE" smtClean="0"/>
-              <a:t>06.02.2023</a:t>
+              <a:t>17.02.2023</a:t>
             </a:fld>
             <a:endParaRPr lang="de-DE"/>
           </a:p>
@@ -6382,7 +7128,7 @@
           <a:p>
             <a:fld id="{8159FE7A-07D2-4D3F-9855-29B7F3DF1D43}" type="datetime1">
               <a:rPr lang="de-DE" smtClean="0"/>
-              <a:t>06.02.2023</a:t>
+              <a:t>17.02.2023</a:t>
             </a:fld>
             <a:endParaRPr lang="de-DE"/>
           </a:p>
@@ -6532,7 +7278,7 @@
           <a:p>
             <a:fld id="{7CF1A54B-9CB9-49D3-BA48-5A7ECDBA0943}" type="datetime1">
               <a:rPr lang="de-DE" smtClean="0"/>
-              <a:t>06.02.2023</a:t>
+              <a:t>17.02.2023</a:t>
             </a:fld>
             <a:endParaRPr lang="de-DE"/>
           </a:p>
@@ -6630,7 +7376,7 @@
           <a:p>
             <a:fld id="{5621DBFA-780B-465A-97B9-CC4792E01430}" type="datetime1">
               <a:rPr lang="de-DE" smtClean="0"/>
-              <a:t>06.02.2023</a:t>
+              <a:t>17.02.2023</a:t>
             </a:fld>
             <a:endParaRPr lang="de-DE"/>
           </a:p>
@@ -6754,7 +7500,7 @@
           <a:p>
             <a:fld id="{13ADA68E-BD65-4999-8C0B-CC0F110C2BD3}" type="datetime1">
               <a:rPr lang="de-DE" smtClean="0"/>
-              <a:t>06.02.2023</a:t>
+              <a:t>17.02.2023</a:t>
             </a:fld>
             <a:endParaRPr lang="de-DE"/>
           </a:p>
@@ -6938,7 +7684,7 @@
           <a:p>
             <a:fld id="{93B55C80-8AAA-4242-8442-4A53184707C3}" type="datetime1">
               <a:rPr lang="de-DE" smtClean="0"/>
-              <a:t>06.02.2023</a:t>
+              <a:t>17.02.2023</a:t>
             </a:fld>
             <a:endParaRPr lang="de-DE"/>
           </a:p>
@@ -7143,7 +7889,7 @@
           <a:p>
             <a:fld id="{4485BB24-7FA9-422A-BF70-F9FA49C1D9F8}" type="datetime1">
               <a:rPr lang="de-DE" smtClean="0"/>
-              <a:t>06.02.2023</a:t>
+              <a:t>17.02.2023</a:t>
             </a:fld>
             <a:endParaRPr lang="de-DE"/>
           </a:p>
@@ -7501,7 +8247,7 @@
           <a:p>
             <a:fld id="{3CD93E9C-CF59-4162-A977-F7642EDBB23A}" type="datetime1">
               <a:rPr lang="de-DE" smtClean="0"/>
-              <a:t>06.02.2023</a:t>
+              <a:t>17.02.2023</a:t>
             </a:fld>
             <a:endParaRPr lang="de-DE" dirty="0"/>
           </a:p>
@@ -8142,7 +8888,7 @@
           <a:p>
             <a:fld id="{6FE8A2CE-6D32-4716-A090-EDD7EE0B4140}" type="datetime1">
               <a:rPr lang="de-DE" smtClean="0"/>
-              <a:t>06.02.2023</a:t>
+              <a:t>17.02.2023</a:t>
             </a:fld>
             <a:endParaRPr lang="de-DE" dirty="0"/>
           </a:p>
@@ -8814,7 +9560,7 @@
           <a:p>
             <a:fld id="{603113A9-B1ED-4EC0-A094-9858FCF2D0C8}" type="datetime1">
               <a:rPr lang="de-DE" smtClean="0"/>
-              <a:t>06.02.2023</a:t>
+              <a:t>17.02.2023</a:t>
             </a:fld>
             <a:endParaRPr lang="de-DE"/>
           </a:p>
@@ -9024,7 +9770,7 @@
           <a:p>
             <a:fld id="{B70EBCA3-FB0B-48D9-A2E5-56DBD5624AFE}" type="datetime1">
               <a:rPr lang="de-DE" smtClean="0"/>
-              <a:t>06.02.2023</a:t>
+              <a:t>17.02.2023</a:t>
             </a:fld>
             <a:endParaRPr lang="de-DE"/>
           </a:p>
@@ -9333,7 +10079,7 @@
           <a:p>
             <a:fld id="{AAEBEB04-CBF0-4835-872C-2565D4E2EBF1}" type="datetime1">
               <a:rPr lang="de-DE" smtClean="0"/>
-              <a:t>06.02.2023</a:t>
+              <a:t>17.02.2023</a:t>
             </a:fld>
             <a:endParaRPr lang="de-DE"/>
           </a:p>
@@ -9601,7 +10347,7 @@
           <a:p>
             <a:fld id="{8F663D0B-A90A-4472-ADF1-2D4D5E0E002A}" type="datetime1">
               <a:rPr lang="de-DE" smtClean="0"/>
-              <a:t>06.02.2023</a:t>
+              <a:t>17.02.2023</a:t>
             </a:fld>
             <a:endParaRPr lang="de-DE"/>
           </a:p>
@@ -9900,7 +10646,7 @@
           <a:p>
             <a:fld id="{C81998FD-B568-4E47-AA9F-CE36B3FEB5BA}" type="datetime1">
               <a:rPr lang="de-DE" smtClean="0"/>
-              <a:t>06.02.2023</a:t>
+              <a:t>17.02.2023</a:t>
             </a:fld>
             <a:endParaRPr lang="de-DE"/>
           </a:p>
@@ -10251,7 +10997,7 @@
           <a:p>
             <a:fld id="{0A4F56F1-7827-4042-A276-DAF40AC0B000}" type="datetime1">
               <a:rPr lang="de-DE" smtClean="0"/>
-              <a:t>06.02.2023</a:t>
+              <a:t>17.02.2023</a:t>
             </a:fld>
             <a:endParaRPr lang="de-DE"/>
           </a:p>
@@ -10549,7 +11295,7 @@
           <a:p>
             <a:fld id="{DAB02174-66FA-41E9-A997-DF7D3619438B}" type="datetime1">
               <a:rPr lang="de-DE" smtClean="0"/>
-              <a:t>06.02.2023</a:t>
+              <a:t>17.02.2023</a:t>
             </a:fld>
             <a:endParaRPr lang="de-DE"/>
           </a:p>
@@ -10930,7 +11676,7 @@
           <a:p>
             <a:fld id="{BDFFDF87-2C7B-4FBB-B7F3-0EB8FC88FA6F}" type="datetime1">
               <a:rPr lang="de-DE" smtClean="0"/>
-              <a:t>06.02.2023</a:t>
+              <a:t>17.02.2023</a:t>
             </a:fld>
             <a:endParaRPr lang="de-DE"/>
           </a:p>
@@ -11263,7 +12009,7 @@
           <a:p>
             <a:fld id="{4AEAFF43-79D1-488F-88E5-AECF0C52E4F6}" type="datetime1">
               <a:rPr lang="de-DE" smtClean="0"/>
-              <a:t>06.02.2023</a:t>
+              <a:t>17.02.2023</a:t>
             </a:fld>
             <a:endParaRPr lang="de-DE"/>
           </a:p>
@@ -11541,7 +12287,7 @@
           <a:p>
             <a:fld id="{F3624D99-4580-4939-A184-6854C4D65CB3}" type="datetime1">
               <a:rPr lang="de-DE" smtClean="0"/>
-              <a:t>06.02.2023</a:t>
+              <a:t>17.02.2023</a:t>
             </a:fld>
             <a:endParaRPr lang="de-DE"/>
           </a:p>
@@ -11881,7 +12627,7 @@
           <a:p>
             <a:fld id="{F2FEDD9D-5594-473A-899D-C0AD9514F726}" type="datetime1">
               <a:rPr lang="de-DE" smtClean="0"/>
-              <a:t>06.02.2023</a:t>
+              <a:t>17.02.2023</a:t>
             </a:fld>
             <a:endParaRPr lang="de-DE"/>
           </a:p>
@@ -12143,7 +12889,7 @@
           <a:p>
             <a:fld id="{92A047F3-1820-4570-AC17-C8DA167C5F14}" type="datetime1">
               <a:rPr lang="de-DE" smtClean="0"/>
-              <a:t>06.02.2023</a:t>
+              <a:t>17.02.2023</a:t>
             </a:fld>
             <a:endParaRPr lang="de-DE"/>
           </a:p>
@@ -12641,7 +13387,7 @@
           <a:p>
             <a:fld id="{95C3B550-B314-4EBE-B643-25AC9427FA8B}" type="datetime1">
               <a:rPr lang="de-DE" smtClean="0"/>
-              <a:t>06.02.2023</a:t>
+              <a:t>17.02.2023</a:t>
             </a:fld>
             <a:endParaRPr lang="de-DE"/>
           </a:p>
@@ -12987,7 +13733,7 @@
           <a:p>
             <a:fld id="{767B626B-00B4-4CEC-8206-7F4851B03FEF}" type="datetime1">
               <a:rPr lang="de-DE" smtClean="0"/>
-              <a:t>06.02.2023</a:t>
+              <a:t>17.02.2023</a:t>
             </a:fld>
             <a:endParaRPr lang="de-DE"/>
           </a:p>
@@ -13299,7 +14045,7 @@
           <a:p>
             <a:fld id="{102EEC64-5E38-4CDE-986C-4F454B58738A}" type="datetime1">
               <a:rPr lang="de-DE" smtClean="0"/>
-              <a:t>06.02.2023</a:t>
+              <a:t>17.02.2023</a:t>
             </a:fld>
             <a:endParaRPr lang="de-DE"/>
           </a:p>
@@ -13532,7 +14278,7 @@
           <a:p>
             <a:fld id="{8B9E1184-3E8E-4927-B70E-FCD133F545CF}" type="datetime1">
               <a:rPr lang="de-DE" smtClean="0"/>
-              <a:t>06.02.2023</a:t>
+              <a:t>17.02.2023</a:t>
             </a:fld>
             <a:endParaRPr lang="de-DE"/>
           </a:p>
@@ -13960,7 +14706,7 @@
           <a:p>
             <a:fld id="{372285A9-CAD1-4F8C-A320-59D4C92876C5}" type="datetime1">
               <a:rPr lang="de-DE" smtClean="0"/>
-              <a:t>06.02.2023</a:t>
+              <a:t>17.02.2023</a:t>
             </a:fld>
             <a:endParaRPr lang="de-DE"/>
           </a:p>
@@ -14173,7 +14919,7 @@
           <a:p>
             <a:fld id="{2F8DC1E6-2D30-4DE7-9C9D-5217FE18022E}" type="datetime1">
               <a:rPr lang="de-DE" smtClean="0"/>
-              <a:t>06.02.2023</a:t>
+              <a:t>17.02.2023</a:t>
             </a:fld>
             <a:endParaRPr lang="de-DE"/>
           </a:p>
@@ -14350,7 +15096,7 @@
           <a:p>
             <a:fld id="{637BE197-E414-48F3-B656-784E07538695}" type="datetime1">
               <a:rPr lang="de-DE" smtClean="0"/>
-              <a:t>06.02.2023</a:t>
+              <a:t>17.02.2023</a:t>
             </a:fld>
             <a:endParaRPr lang="de-DE"/>
           </a:p>
@@ -14782,7 +15528,7 @@
           <a:p>
             <a:fld id="{BC048919-3C08-48F6-A0CD-915EC777362A}" type="datetime1">
               <a:rPr lang="de-DE" smtClean="0"/>
-              <a:t>06.02.2023</a:t>
+              <a:t>17.02.2023</a:t>
             </a:fld>
             <a:endParaRPr lang="de-DE"/>
           </a:p>
@@ -15035,7 +15781,7 @@
           <a:p>
             <a:fld id="{94C91350-6869-4C72-8675-ECEAAAF05F8D}" type="datetime1">
               <a:rPr lang="de-DE" smtClean="0"/>
-              <a:t>06.02.2023</a:t>
+              <a:t>17.02.2023</a:t>
             </a:fld>
             <a:endParaRPr lang="de-DE"/>
           </a:p>
@@ -15377,7 +16123,7 @@
           <a:p>
             <a:fld id="{ACA1733B-6687-4EEA-9A6B-2EF228C82457}" type="datetime1">
               <a:rPr lang="de-DE" smtClean="0"/>
-              <a:t>06.02.2023</a:t>
+              <a:t>17.02.2023</a:t>
             </a:fld>
             <a:endParaRPr lang="de-DE"/>
           </a:p>
@@ -15677,7 +16423,7 @@
           <a:p>
             <a:fld id="{5C03BAA7-20D5-4E1B-8CB5-A2ED8F9EFD7F}" type="datetime1">
               <a:rPr lang="de-DE" smtClean="0"/>
-              <a:t>06.02.2023</a:t>
+              <a:t>17.02.2023</a:t>
             </a:fld>
             <a:endParaRPr lang="de-DE"/>
           </a:p>
@@ -15969,7 +16715,7 @@
           <a:p>
             <a:fld id="{2BBD85E3-27A5-4125-9DB2-C537C85BBE8A}" type="datetime1">
               <a:rPr lang="de-DE" smtClean="0"/>
-              <a:t>06.02.2023</a:t>
+              <a:t>17.02.2023</a:t>
             </a:fld>
             <a:endParaRPr lang="de-DE"/>
           </a:p>
@@ -16200,7 +16946,7 @@
           <a:p>
             <a:fld id="{2BBD85E3-27A5-4125-9DB2-C537C85BBE8A}" type="datetime1">
               <a:rPr lang="de-DE" smtClean="0"/>
-              <a:t>06.02.2023</a:t>
+              <a:t>17.02.2023</a:t>
             </a:fld>
             <a:endParaRPr lang="de-DE"/>
           </a:p>
@@ -16431,7 +17177,7 @@
           <a:p>
             <a:fld id="{115AC75E-72B2-486D-BEF5-A13F9B218F2F}" type="datetime1">
               <a:rPr lang="de-DE" smtClean="0"/>
-              <a:t>06.02.2023</a:t>
+              <a:t>17.02.2023</a:t>
             </a:fld>
             <a:endParaRPr lang="de-DE"/>
           </a:p>
@@ -16831,7 +17577,7 @@
           <a:p>
             <a:fld id="{B8ECF4B1-F230-4767-9D40-08A350DFB7D7}" type="datetime1">
               <a:rPr lang="de-DE" smtClean="0"/>
-              <a:t>06.02.2023</a:t>
+              <a:t>17.02.2023</a:t>
             </a:fld>
             <a:endParaRPr lang="de-DE"/>
           </a:p>
@@ -17167,7 +17913,7 @@
           <a:p>
             <a:fld id="{DFEB386C-A89C-4E71-8C7A-EB57A1CCB74F}" type="datetime1">
               <a:rPr lang="de-DE" smtClean="0"/>
-              <a:t>06.02.2023</a:t>
+              <a:t>17.02.2023</a:t>
             </a:fld>
             <a:endParaRPr lang="de-DE"/>
           </a:p>
@@ -17512,7 +18258,7 @@
           <a:p>
             <a:fld id="{E3A6C6BD-3868-452A-A2BD-92328FD8B4E8}" type="datetime1">
               <a:rPr lang="de-DE" smtClean="0"/>
-              <a:t>06.02.2023</a:t>
+              <a:t>17.02.2023</a:t>
             </a:fld>
             <a:endParaRPr lang="de-DE"/>
           </a:p>
@@ -17731,7 +18477,7 @@
           <a:p>
             <a:fld id="{B60FD287-29C3-4567-A3C8-1214880B52D5}" type="datetime1">
               <a:rPr lang="de-DE" smtClean="0"/>
-              <a:t>06.02.2023</a:t>
+              <a:t>17.02.2023</a:t>
             </a:fld>
             <a:endParaRPr lang="de-DE"/>
           </a:p>
@@ -18126,7 +18872,7 @@
           <a:p>
             <a:fld id="{172E1AE1-643D-418C-ACE4-F2637FAE5286}" type="datetime1">
               <a:rPr lang="de-DE" smtClean="0"/>
-              <a:t>06.02.2023</a:t>
+              <a:t>17.02.2023</a:t>
             </a:fld>
             <a:endParaRPr lang="de-DE"/>
           </a:p>
@@ -18673,7 +19419,7 @@
           <a:p>
             <a:fld id="{0C2E1D0D-BBB0-4269-8DC7-C28B8DA8D26F}" type="datetime1">
               <a:rPr lang="de-DE" smtClean="0"/>
-              <a:t>06.02.2023</a:t>
+              <a:t>17.02.2023</a:t>
             </a:fld>
             <a:endParaRPr lang="de-DE"/>
           </a:p>
@@ -18981,7 +19727,7 @@
           <a:p>
             <a:fld id="{509B9FD4-6125-48DF-AAFB-8A90591F704C}" type="datetime1">
               <a:rPr lang="de-DE" smtClean="0"/>
-              <a:t>06.02.2023</a:t>
+              <a:t>17.02.2023</a:t>
             </a:fld>
             <a:endParaRPr lang="de-DE"/>
           </a:p>
@@ -19280,7 +20026,7 @@
           <a:p>
             <a:fld id="{DDF7F67B-F411-40A4-BFC4-67CF6BB150A8}" type="datetime1">
               <a:rPr lang="de-DE" smtClean="0"/>
-              <a:t>06.02.2023</a:t>
+              <a:t>17.02.2023</a:t>
             </a:fld>
             <a:endParaRPr lang="de-DE"/>
           </a:p>
@@ -19707,7 +20453,7 @@
           <a:p>
             <a:fld id="{5E005D36-C238-4437-9368-75EE1209248D}" type="datetime1">
               <a:rPr lang="de-DE" smtClean="0"/>
-              <a:t>06.02.2023</a:t>
+              <a:t>17.02.2023</a:t>
             </a:fld>
             <a:endParaRPr lang="de-DE"/>
           </a:p>
@@ -19887,7 +20633,7 @@
           <a:p>
             <a:fld id="{21A4D148-919D-4643-B21F-50F1B7EF8BA2}" type="datetime1">
               <a:rPr lang="de-DE" smtClean="0"/>
-              <a:t>06.02.2023</a:t>
+              <a:t>17.02.2023</a:t>
             </a:fld>
             <a:endParaRPr lang="de-DE"/>
           </a:p>
@@ -20207,7 +20953,7 @@
           <a:p>
             <a:fld id="{A3D84A41-9102-4FAF-BB9B-7AD126A78344}" type="datetime1">
               <a:rPr lang="de-DE" smtClean="0"/>
-              <a:t>06.02.2023</a:t>
+              <a:t>17.02.2023</a:t>
             </a:fld>
             <a:endParaRPr lang="de-DE"/>
           </a:p>
@@ -20817,7 +21563,7 @@
           <a:p>
             <a:fld id="{81CA66B2-419B-4A00-B550-DA1493185108}" type="datetime1">
               <a:rPr lang="de-DE" smtClean="0"/>
-              <a:t>06.02.2023</a:t>
+              <a:t>17.02.2023</a:t>
             </a:fld>
             <a:endParaRPr lang="de-DE"/>
           </a:p>
@@ -21646,7 +22392,7 @@
           <a:p>
             <a:fld id="{374AF400-B2B3-4498-869C-65158B84F62E}" type="datetime1">
               <a:rPr lang="de-DE" smtClean="0"/>
-              <a:t>06.02.2023</a:t>
+              <a:t>17.02.2023</a:t>
             </a:fld>
             <a:endParaRPr lang="de-DE"/>
           </a:p>
@@ -21856,7 +22602,7 @@
           <a:p>
             <a:fld id="{EECFBCB7-6E51-47D1-88C0-70C111ACD504}" type="datetime1">
               <a:rPr lang="de-DE" smtClean="0"/>
-              <a:t>06.02.2023</a:t>
+              <a:t>17.02.2023</a:t>
             </a:fld>
             <a:endParaRPr lang="de-DE"/>
           </a:p>
@@ -22294,7 +23040,7 @@
           <a:p>
             <a:fld id="{284F0D45-833B-4CA2-95DA-AFDB6EDAE49B}" type="datetime1">
               <a:rPr lang="de-DE" smtClean="0"/>
-              <a:t>06.02.2023</a:t>
+              <a:t>17.02.2023</a:t>
             </a:fld>
             <a:endParaRPr lang="de-DE"/>
           </a:p>
@@ -22544,7 +23290,7 @@
           <a:p>
             <a:fld id="{382DDC3E-10C9-4B92-B2FB-A8167FB6AB1D}" type="datetime1">
               <a:rPr lang="de-DE" smtClean="0"/>
-              <a:t>06.02.2023</a:t>
+              <a:t>17.02.2023</a:t>
             </a:fld>
             <a:endParaRPr lang="de-DE"/>
           </a:p>
@@ -22731,7 +23477,7 @@
           <a:p>
             <a:fld id="{8159FE7A-07D2-4D3F-9855-29B7F3DF1D43}" type="datetime1">
               <a:rPr lang="de-DE" smtClean="0"/>
-              <a:t>06.02.2023</a:t>
+              <a:t>17.02.2023</a:t>
             </a:fld>
             <a:endParaRPr lang="de-DE"/>
           </a:p>
@@ -23697,7 +24443,7 @@
           <a:p>
             <a:fld id="{8159FE7A-07D2-4D3F-9855-29B7F3DF1D43}" type="datetime1">
               <a:rPr lang="de-DE" smtClean="0"/>
-              <a:t>06.02.2023</a:t>
+              <a:t>17.02.2023</a:t>
             </a:fld>
             <a:endParaRPr lang="de-DE"/>
           </a:p>
@@ -24496,7 +25242,7 @@
           <a:p>
             <a:fld id="{96C0D114-F0DB-443F-9337-40D84E177FDC}" type="datetime1">
               <a:rPr lang="de-DE" smtClean="0"/>
-              <a:t>06.02.2023</a:t>
+              <a:t>17.02.2023</a:t>
             </a:fld>
             <a:endParaRPr lang="de-DE"/>
           </a:p>
@@ -24727,7 +25473,7 @@
           <a:p>
             <a:fld id="{8159FE7A-07D2-4D3F-9855-29B7F3DF1D43}" type="datetime1">
               <a:rPr lang="de-DE" smtClean="0"/>
-              <a:t>06.02.2023</a:t>
+              <a:t>17.02.2023</a:t>
             </a:fld>
             <a:endParaRPr lang="de-DE"/>
           </a:p>
@@ -25477,7 +26223,7 @@
           <a:p>
             <a:fld id="{8159FE7A-07D2-4D3F-9855-29B7F3DF1D43}" type="datetime1">
               <a:rPr lang="de-DE" smtClean="0"/>
-              <a:t>06.02.2023</a:t>
+              <a:t>17.02.2023</a:t>
             </a:fld>
             <a:endParaRPr lang="de-DE"/>
           </a:p>
@@ -25613,6 +26359,2402 @@
 </p:sld>
 </file>
 
+<file path=ppt/slides/slide52.xml><?xml version="1.0" encoding="utf-8"?>
+<p:sld xmlns:a="http://schemas.openxmlformats.org/drawingml/2006/main" xmlns:r="http://schemas.openxmlformats.org/officeDocument/2006/relationships" xmlns:p="http://schemas.openxmlformats.org/presentationml/2006/main">
+  <p:cSld>
+    <p:spTree>
+      <p:nvGrpSpPr>
+        <p:cNvPr id="1" name=""/>
+        <p:cNvGrpSpPr/>
+        <p:nvPr/>
+      </p:nvGrpSpPr>
+      <p:grpSpPr>
+        <a:xfrm>
+          <a:off x="0" y="0"/>
+          <a:ext cx="0" cy="0"/>
+          <a:chOff x="0" y="0"/>
+          <a:chExt cx="0" cy="0"/>
+        </a:xfrm>
+      </p:grpSpPr>
+      <p:sp>
+        <p:nvSpPr>
+          <p:cNvPr id="2" name="Titel 1">
+            <a:extLst>
+              <a:ext uri="{FF2B5EF4-FFF2-40B4-BE49-F238E27FC236}">
+                <a16:creationId xmlns:a16="http://schemas.microsoft.com/office/drawing/2014/main" id="{E5C8AC7B-FC30-43D1-838D-4BD66947CFDF}"/>
+              </a:ext>
+            </a:extLst>
+          </p:cNvPr>
+          <p:cNvSpPr>
+            <a:spLocks noGrp="1"/>
+          </p:cNvSpPr>
+          <p:nvPr>
+            <p:ph type="title"/>
+          </p:nvPr>
+        </p:nvSpPr>
+        <p:spPr/>
+        <p:txBody>
+          <a:bodyPr/>
+          <a:lstStyle/>
+          <a:p>
+            <a:r>
+              <a:rPr lang="de-DE" dirty="0"/>
+              <a:t>Dart - </a:t>
+            </a:r>
+            <a:r>
+              <a:rPr lang="de-DE" dirty="0" err="1"/>
+              <a:t>Callbacks</a:t>
+            </a:r>
+            <a:endParaRPr lang="de-DE" dirty="0"/>
+          </a:p>
+        </p:txBody>
+      </p:sp>
+      <p:sp>
+        <p:nvSpPr>
+          <p:cNvPr id="3" name="Inhaltsplatzhalter 2">
+            <a:extLst>
+              <a:ext uri="{FF2B5EF4-FFF2-40B4-BE49-F238E27FC236}">
+                <a16:creationId xmlns:a16="http://schemas.microsoft.com/office/drawing/2014/main" id="{7782243D-DCC6-4E2D-960C-BE89F9C49140}"/>
+              </a:ext>
+            </a:extLst>
+          </p:cNvPr>
+          <p:cNvSpPr>
+            <a:spLocks noGrp="1"/>
+          </p:cNvSpPr>
+          <p:nvPr>
+            <p:ph idx="1"/>
+          </p:nvPr>
+        </p:nvSpPr>
+        <p:spPr/>
+        <p:txBody>
+          <a:bodyPr anchor="ctr"/>
+          <a:lstStyle/>
+          <a:p>
+            <a:r>
+              <a:rPr lang="de-DE" dirty="0" err="1"/>
+              <a:t>Callbacks</a:t>
+            </a:r>
+            <a:r>
+              <a:rPr lang="de-DE" dirty="0"/>
+              <a:t> sind ein Mittel für die Erweiterbarkeit</a:t>
+            </a:r>
+          </a:p>
+          <a:p>
+            <a:r>
+              <a:rPr lang="de-DE" dirty="0"/>
+              <a:t>Motto: </a:t>
+            </a:r>
+          </a:p>
+          <a:p>
+            <a:pPr lvl="1"/>
+            <a:r>
+              <a:rPr lang="de-DE" dirty="0"/>
+              <a:t>Irgendwas soll passieren, aber ich kann im Moment nicht sagen, was genau. </a:t>
+            </a:r>
+          </a:p>
+          <a:p>
+            <a:pPr lvl="1"/>
+            <a:r>
+              <a:rPr lang="de-DE" dirty="0"/>
+              <a:t>Jemand anderes muss das entscheiden und mir dann mitteilen.</a:t>
+            </a:r>
+          </a:p>
+        </p:txBody>
+      </p:sp>
+      <p:sp>
+        <p:nvSpPr>
+          <p:cNvPr id="4" name="Datumsplatzhalter 3">
+            <a:extLst>
+              <a:ext uri="{FF2B5EF4-FFF2-40B4-BE49-F238E27FC236}">
+                <a16:creationId xmlns:a16="http://schemas.microsoft.com/office/drawing/2014/main" id="{61DB54D1-847B-4005-A59D-E9E57EDB1AAA}"/>
+              </a:ext>
+            </a:extLst>
+          </p:cNvPr>
+          <p:cNvSpPr>
+            <a:spLocks noGrp="1"/>
+          </p:cNvSpPr>
+          <p:nvPr>
+            <p:ph type="dt" sz="half" idx="10"/>
+          </p:nvPr>
+        </p:nvSpPr>
+        <p:spPr/>
+        <p:txBody>
+          <a:bodyPr/>
+          <a:lstStyle/>
+          <a:p>
+            <a:fld id="{BC1A8AC8-5070-4C02-8E82-DE4FD3F8497A}" type="datetime1">
+              <a:rPr lang="de-DE" smtClean="0"/>
+              <a:t>17.02.2023</a:t>
+            </a:fld>
+            <a:endParaRPr lang="de-DE"/>
+          </a:p>
+        </p:txBody>
+      </p:sp>
+      <p:sp>
+        <p:nvSpPr>
+          <p:cNvPr id="5" name="Fußzeilenplatzhalter 4">
+            <a:extLst>
+              <a:ext uri="{FF2B5EF4-FFF2-40B4-BE49-F238E27FC236}">
+                <a16:creationId xmlns:a16="http://schemas.microsoft.com/office/drawing/2014/main" id="{B3AA11B9-6428-485A-9926-C77BD99D4F99}"/>
+              </a:ext>
+            </a:extLst>
+          </p:cNvPr>
+          <p:cNvSpPr>
+            <a:spLocks noGrp="1"/>
+          </p:cNvSpPr>
+          <p:nvPr>
+            <p:ph type="ftr" sz="quarter" idx="11"/>
+          </p:nvPr>
+        </p:nvSpPr>
+        <p:spPr/>
+        <p:txBody>
+          <a:bodyPr/>
+          <a:lstStyle/>
+          <a:p>
+            <a:r>
+              <a:rPr lang="de-DE"/>
+              <a:t>Dart - Programmiersprache für Smartphones</a:t>
+            </a:r>
+          </a:p>
+        </p:txBody>
+      </p:sp>
+      <p:sp>
+        <p:nvSpPr>
+          <p:cNvPr id="6" name="Foliennummernplatzhalter 5">
+            <a:extLst>
+              <a:ext uri="{FF2B5EF4-FFF2-40B4-BE49-F238E27FC236}">
+                <a16:creationId xmlns:a16="http://schemas.microsoft.com/office/drawing/2014/main" id="{1A9D33DC-B219-4B24-9C19-6A78E78862FC}"/>
+              </a:ext>
+            </a:extLst>
+          </p:cNvPr>
+          <p:cNvSpPr>
+            <a:spLocks noGrp="1"/>
+          </p:cNvSpPr>
+          <p:nvPr>
+            <p:ph type="sldNum" sz="quarter" idx="12"/>
+          </p:nvPr>
+        </p:nvSpPr>
+        <p:spPr/>
+        <p:txBody>
+          <a:bodyPr/>
+          <a:lstStyle/>
+          <a:p>
+            <a:fld id="{3A1F27E2-D58A-4028-9FF2-B12D897F257E}" type="slidenum">
+              <a:rPr lang="de-DE" smtClean="0"/>
+              <a:t>52</a:t>
+            </a:fld>
+            <a:endParaRPr lang="de-DE"/>
+          </a:p>
+        </p:txBody>
+      </p:sp>
+    </p:spTree>
+    <p:extLst>
+      <p:ext uri="{BB962C8B-B14F-4D97-AF65-F5344CB8AC3E}">
+        <p14:creationId xmlns:p14="http://schemas.microsoft.com/office/powerpoint/2010/main" val="1095074621"/>
+      </p:ext>
+    </p:extLst>
+  </p:cSld>
+  <p:clrMapOvr>
+    <a:masterClrMapping/>
+  </p:clrMapOvr>
+</p:sld>
+</file>
+
+<file path=ppt/slides/slide53.xml><?xml version="1.0" encoding="utf-8"?>
+<p:sld xmlns:a="http://schemas.openxmlformats.org/drawingml/2006/main" xmlns:r="http://schemas.openxmlformats.org/officeDocument/2006/relationships" xmlns:p="http://schemas.openxmlformats.org/presentationml/2006/main">
+  <p:cSld>
+    <p:spTree>
+      <p:nvGrpSpPr>
+        <p:cNvPr id="1" name=""/>
+        <p:cNvGrpSpPr/>
+        <p:nvPr/>
+      </p:nvGrpSpPr>
+      <p:grpSpPr>
+        <a:xfrm>
+          <a:off x="0" y="0"/>
+          <a:ext cx="0" cy="0"/>
+          <a:chOff x="0" y="0"/>
+          <a:chExt cx="0" cy="0"/>
+        </a:xfrm>
+      </p:grpSpPr>
+      <p:pic>
+        <p:nvPicPr>
+          <p:cNvPr id="20" name="Grafik 19">
+            <a:extLst>
+              <a:ext uri="{FF2B5EF4-FFF2-40B4-BE49-F238E27FC236}">
+                <a16:creationId xmlns:a16="http://schemas.microsoft.com/office/drawing/2014/main" id="{82E5BAA7-C5F2-4671-AB05-664446D59F3D}"/>
+              </a:ext>
+            </a:extLst>
+          </p:cNvPr>
+          <p:cNvPicPr>
+            <a:picLocks noChangeAspect="1"/>
+          </p:cNvPicPr>
+          <p:nvPr/>
+        </p:nvPicPr>
+        <p:blipFill>
+          <a:blip r:embed="rId3"/>
+          <a:stretch>
+            <a:fillRect/>
+          </a:stretch>
+        </p:blipFill>
+        <p:spPr>
+          <a:xfrm>
+            <a:off x="8255313" y="1500188"/>
+            <a:ext cx="2078562" cy="4409766"/>
+          </a:xfrm>
+          <a:prstGeom prst="rect">
+            <a:avLst/>
+          </a:prstGeom>
+        </p:spPr>
+      </p:pic>
+      <p:sp>
+        <p:nvSpPr>
+          <p:cNvPr id="2" name="Titel 1">
+            <a:extLst>
+              <a:ext uri="{FF2B5EF4-FFF2-40B4-BE49-F238E27FC236}">
+                <a16:creationId xmlns:a16="http://schemas.microsoft.com/office/drawing/2014/main" id="{E5C8AC7B-FC30-43D1-838D-4BD66947CFDF}"/>
+              </a:ext>
+            </a:extLst>
+          </p:cNvPr>
+          <p:cNvSpPr>
+            <a:spLocks noGrp="1"/>
+          </p:cNvSpPr>
+          <p:nvPr>
+            <p:ph type="title"/>
+          </p:nvPr>
+        </p:nvSpPr>
+        <p:spPr/>
+        <p:txBody>
+          <a:bodyPr/>
+          <a:lstStyle/>
+          <a:p>
+            <a:r>
+              <a:rPr lang="de-DE" dirty="0"/>
+              <a:t>Dart - </a:t>
+            </a:r>
+            <a:r>
+              <a:rPr lang="de-DE" dirty="0" err="1"/>
+              <a:t>Callbacks</a:t>
+            </a:r>
+            <a:endParaRPr lang="de-DE" dirty="0"/>
+          </a:p>
+        </p:txBody>
+      </p:sp>
+      <p:sp>
+        <p:nvSpPr>
+          <p:cNvPr id="3" name="Inhaltsplatzhalter 2">
+            <a:extLst>
+              <a:ext uri="{FF2B5EF4-FFF2-40B4-BE49-F238E27FC236}">
+                <a16:creationId xmlns:a16="http://schemas.microsoft.com/office/drawing/2014/main" id="{7782243D-DCC6-4E2D-960C-BE89F9C49140}"/>
+              </a:ext>
+            </a:extLst>
+          </p:cNvPr>
+          <p:cNvSpPr>
+            <a:spLocks noGrp="1"/>
+          </p:cNvSpPr>
+          <p:nvPr>
+            <p:ph idx="1"/>
+          </p:nvPr>
+        </p:nvSpPr>
+        <p:spPr/>
+        <p:txBody>
+          <a:bodyPr anchor="t"/>
+          <a:lstStyle/>
+          <a:p>
+            <a:r>
+              <a:rPr lang="de-DE" dirty="0"/>
+              <a:t>Beispiel: Button</a:t>
+            </a:r>
+          </a:p>
+          <a:p>
+            <a:endParaRPr lang="de-DE" dirty="0"/>
+          </a:p>
+          <a:p>
+            <a:endParaRPr lang="de-DE" dirty="0"/>
+          </a:p>
+          <a:p>
+            <a:endParaRPr lang="de-DE" dirty="0"/>
+          </a:p>
+          <a:p>
+            <a:r>
+              <a:rPr lang="de-DE" dirty="0"/>
+              <a:t>Aussehen: soll jemand anders programmieren</a:t>
+            </a:r>
+          </a:p>
+          <a:p>
+            <a:r>
+              <a:rPr lang="de-DE" dirty="0"/>
+              <a:t>Verhalten: wollen wir bestimmen</a:t>
+            </a:r>
+          </a:p>
+        </p:txBody>
+      </p:sp>
+      <p:sp>
+        <p:nvSpPr>
+          <p:cNvPr id="4" name="Datumsplatzhalter 3">
+            <a:extLst>
+              <a:ext uri="{FF2B5EF4-FFF2-40B4-BE49-F238E27FC236}">
+                <a16:creationId xmlns:a16="http://schemas.microsoft.com/office/drawing/2014/main" id="{61DB54D1-847B-4005-A59D-E9E57EDB1AAA}"/>
+              </a:ext>
+            </a:extLst>
+          </p:cNvPr>
+          <p:cNvSpPr>
+            <a:spLocks noGrp="1"/>
+          </p:cNvSpPr>
+          <p:nvPr>
+            <p:ph type="dt" sz="half" idx="10"/>
+          </p:nvPr>
+        </p:nvSpPr>
+        <p:spPr/>
+        <p:txBody>
+          <a:bodyPr/>
+          <a:lstStyle/>
+          <a:p>
+            <a:fld id="{AF1CB7BF-E60D-47C9-99CD-43B03711F834}" type="datetime1">
+              <a:rPr lang="de-DE" smtClean="0"/>
+              <a:t>17.02.2023</a:t>
+            </a:fld>
+            <a:endParaRPr lang="de-DE"/>
+          </a:p>
+        </p:txBody>
+      </p:sp>
+      <p:sp>
+        <p:nvSpPr>
+          <p:cNvPr id="5" name="Fußzeilenplatzhalter 4">
+            <a:extLst>
+              <a:ext uri="{FF2B5EF4-FFF2-40B4-BE49-F238E27FC236}">
+                <a16:creationId xmlns:a16="http://schemas.microsoft.com/office/drawing/2014/main" id="{B3AA11B9-6428-485A-9926-C77BD99D4F99}"/>
+              </a:ext>
+            </a:extLst>
+          </p:cNvPr>
+          <p:cNvSpPr>
+            <a:spLocks noGrp="1"/>
+          </p:cNvSpPr>
+          <p:nvPr>
+            <p:ph type="ftr" sz="quarter" idx="11"/>
+          </p:nvPr>
+        </p:nvSpPr>
+        <p:spPr/>
+        <p:txBody>
+          <a:bodyPr/>
+          <a:lstStyle/>
+          <a:p>
+            <a:r>
+              <a:rPr lang="de-DE"/>
+              <a:t>Dart - Programmiersprache für Smartphones</a:t>
+            </a:r>
+          </a:p>
+        </p:txBody>
+      </p:sp>
+      <p:sp>
+        <p:nvSpPr>
+          <p:cNvPr id="6" name="Foliennummernplatzhalter 5">
+            <a:extLst>
+              <a:ext uri="{FF2B5EF4-FFF2-40B4-BE49-F238E27FC236}">
+                <a16:creationId xmlns:a16="http://schemas.microsoft.com/office/drawing/2014/main" id="{1A9D33DC-B219-4B24-9C19-6A78E78862FC}"/>
+              </a:ext>
+            </a:extLst>
+          </p:cNvPr>
+          <p:cNvSpPr>
+            <a:spLocks noGrp="1"/>
+          </p:cNvSpPr>
+          <p:nvPr>
+            <p:ph type="sldNum" sz="quarter" idx="12"/>
+          </p:nvPr>
+        </p:nvSpPr>
+        <p:spPr/>
+        <p:txBody>
+          <a:bodyPr/>
+          <a:lstStyle/>
+          <a:p>
+            <a:fld id="{3A1F27E2-D58A-4028-9FF2-B12D897F257E}" type="slidenum">
+              <a:rPr lang="de-DE" smtClean="0"/>
+              <a:t>53</a:t>
+            </a:fld>
+            <a:endParaRPr lang="de-DE"/>
+          </a:p>
+        </p:txBody>
+      </p:sp>
+      <p:pic>
+        <p:nvPicPr>
+          <p:cNvPr id="14" name="Grafik 13">
+            <a:extLst>
+              <a:ext uri="{FF2B5EF4-FFF2-40B4-BE49-F238E27FC236}">
+                <a16:creationId xmlns:a16="http://schemas.microsoft.com/office/drawing/2014/main" id="{E6D03DA0-43A9-4229-B79D-A56F778D22AE}"/>
+              </a:ext>
+            </a:extLst>
+          </p:cNvPr>
+          <p:cNvPicPr>
+            <a:picLocks noChangeAspect="1"/>
+          </p:cNvPicPr>
+          <p:nvPr/>
+        </p:nvPicPr>
+        <p:blipFill>
+          <a:blip r:embed="rId4"/>
+          <a:stretch>
+            <a:fillRect/>
+          </a:stretch>
+        </p:blipFill>
+        <p:spPr>
+          <a:xfrm>
+            <a:off x="1173071" y="2169213"/>
+            <a:ext cx="2381582" cy="1038370"/>
+          </a:xfrm>
+          <a:prstGeom prst="rect">
+            <a:avLst/>
+          </a:prstGeom>
+        </p:spPr>
+      </p:pic>
+      <p:pic>
+        <p:nvPicPr>
+          <p:cNvPr id="16" name="Grafik 15">
+            <a:extLst>
+              <a:ext uri="{FF2B5EF4-FFF2-40B4-BE49-F238E27FC236}">
+                <a16:creationId xmlns:a16="http://schemas.microsoft.com/office/drawing/2014/main" id="{E4500B5F-E356-449E-A649-83BB576AB21E}"/>
+              </a:ext>
+            </a:extLst>
+          </p:cNvPr>
+          <p:cNvPicPr>
+            <a:picLocks noChangeAspect="1"/>
+          </p:cNvPicPr>
+          <p:nvPr/>
+        </p:nvPicPr>
+        <p:blipFill>
+          <a:blip r:embed="rId5"/>
+          <a:stretch>
+            <a:fillRect/>
+          </a:stretch>
+        </p:blipFill>
+        <p:spPr>
+          <a:xfrm>
+            <a:off x="4413835" y="2169213"/>
+            <a:ext cx="2982296" cy="1038370"/>
+          </a:xfrm>
+          <a:prstGeom prst="rect">
+            <a:avLst/>
+          </a:prstGeom>
+        </p:spPr>
+      </p:pic>
+    </p:spTree>
+    <p:extLst>
+      <p:ext uri="{BB962C8B-B14F-4D97-AF65-F5344CB8AC3E}">
+        <p14:creationId xmlns:p14="http://schemas.microsoft.com/office/powerpoint/2010/main" val="2356981223"/>
+      </p:ext>
+    </p:extLst>
+  </p:cSld>
+  <p:clrMapOvr>
+    <a:masterClrMapping/>
+  </p:clrMapOvr>
+</p:sld>
+</file>
+
+<file path=ppt/slides/slide54.xml><?xml version="1.0" encoding="utf-8"?>
+<p:sld xmlns:a="http://schemas.openxmlformats.org/drawingml/2006/main" xmlns:r="http://schemas.openxmlformats.org/officeDocument/2006/relationships" xmlns:p="http://schemas.openxmlformats.org/presentationml/2006/main">
+  <p:cSld>
+    <p:spTree>
+      <p:nvGrpSpPr>
+        <p:cNvPr id="1" name=""/>
+        <p:cNvGrpSpPr/>
+        <p:nvPr/>
+      </p:nvGrpSpPr>
+      <p:grpSpPr>
+        <a:xfrm>
+          <a:off x="0" y="0"/>
+          <a:ext cx="0" cy="0"/>
+          <a:chOff x="0" y="0"/>
+          <a:chExt cx="0" cy="0"/>
+        </a:xfrm>
+      </p:grpSpPr>
+      <p:sp>
+        <p:nvSpPr>
+          <p:cNvPr id="2" name="Titel 1">
+            <a:extLst>
+              <a:ext uri="{FF2B5EF4-FFF2-40B4-BE49-F238E27FC236}">
+                <a16:creationId xmlns:a16="http://schemas.microsoft.com/office/drawing/2014/main" id="{DB9204FF-F7BF-48B2-A618-977BA4350C43}"/>
+              </a:ext>
+            </a:extLst>
+          </p:cNvPr>
+          <p:cNvSpPr>
+            <a:spLocks noGrp="1"/>
+          </p:cNvSpPr>
+          <p:nvPr>
+            <p:ph type="title"/>
+          </p:nvPr>
+        </p:nvSpPr>
+        <p:spPr/>
+        <p:txBody>
+          <a:bodyPr/>
+          <a:lstStyle/>
+          <a:p>
+            <a:r>
+              <a:rPr lang="de-DE" dirty="0"/>
+              <a:t>Dart - </a:t>
+            </a:r>
+            <a:r>
+              <a:rPr lang="de-DE" dirty="0" err="1"/>
+              <a:t>Callbacks</a:t>
+            </a:r>
+            <a:endParaRPr lang="de-DE" dirty="0"/>
+          </a:p>
+        </p:txBody>
+      </p:sp>
+      <p:sp>
+        <p:nvSpPr>
+          <p:cNvPr id="4" name="Datumsplatzhalter 3">
+            <a:extLst>
+              <a:ext uri="{FF2B5EF4-FFF2-40B4-BE49-F238E27FC236}">
+                <a16:creationId xmlns:a16="http://schemas.microsoft.com/office/drawing/2014/main" id="{16D4D22D-B7A8-4AD0-B8ED-2B977E41B3F4}"/>
+              </a:ext>
+            </a:extLst>
+          </p:cNvPr>
+          <p:cNvSpPr>
+            <a:spLocks noGrp="1"/>
+          </p:cNvSpPr>
+          <p:nvPr>
+            <p:ph type="dt" sz="half" idx="10"/>
+          </p:nvPr>
+        </p:nvSpPr>
+        <p:spPr/>
+        <p:txBody>
+          <a:bodyPr/>
+          <a:lstStyle/>
+          <a:p>
+            <a:fld id="{B9053FEB-F038-4EB7-B9DC-77977117EA33}" type="datetime1">
+              <a:rPr lang="de-DE" smtClean="0"/>
+              <a:t>17.02.2023</a:t>
+            </a:fld>
+            <a:endParaRPr lang="de-DE"/>
+          </a:p>
+        </p:txBody>
+      </p:sp>
+      <p:sp>
+        <p:nvSpPr>
+          <p:cNvPr id="5" name="Fußzeilenplatzhalter 4">
+            <a:extLst>
+              <a:ext uri="{FF2B5EF4-FFF2-40B4-BE49-F238E27FC236}">
+                <a16:creationId xmlns:a16="http://schemas.microsoft.com/office/drawing/2014/main" id="{79999A1E-232D-4A3F-93E2-4A72BBBCC26E}"/>
+              </a:ext>
+            </a:extLst>
+          </p:cNvPr>
+          <p:cNvSpPr>
+            <a:spLocks noGrp="1"/>
+          </p:cNvSpPr>
+          <p:nvPr>
+            <p:ph type="ftr" sz="quarter" idx="11"/>
+          </p:nvPr>
+        </p:nvSpPr>
+        <p:spPr/>
+        <p:txBody>
+          <a:bodyPr/>
+          <a:lstStyle/>
+          <a:p>
+            <a:r>
+              <a:rPr lang="de-DE"/>
+              <a:t>Dart - Programmiersprache für Smartphones</a:t>
+            </a:r>
+          </a:p>
+        </p:txBody>
+      </p:sp>
+      <p:sp>
+        <p:nvSpPr>
+          <p:cNvPr id="6" name="Foliennummernplatzhalter 5">
+            <a:extLst>
+              <a:ext uri="{FF2B5EF4-FFF2-40B4-BE49-F238E27FC236}">
+                <a16:creationId xmlns:a16="http://schemas.microsoft.com/office/drawing/2014/main" id="{3F41633C-28E6-4B7A-A166-F62A34470187}"/>
+              </a:ext>
+            </a:extLst>
+          </p:cNvPr>
+          <p:cNvSpPr>
+            <a:spLocks noGrp="1"/>
+          </p:cNvSpPr>
+          <p:nvPr>
+            <p:ph type="sldNum" sz="quarter" idx="12"/>
+          </p:nvPr>
+        </p:nvSpPr>
+        <p:spPr/>
+        <p:txBody>
+          <a:bodyPr/>
+          <a:lstStyle/>
+          <a:p>
+            <a:fld id="{3A1F27E2-D58A-4028-9FF2-B12D897F257E}" type="slidenum">
+              <a:rPr lang="de-DE" smtClean="0"/>
+              <a:t>54</a:t>
+            </a:fld>
+            <a:endParaRPr lang="de-DE"/>
+          </a:p>
+        </p:txBody>
+      </p:sp>
+      <p:pic>
+        <p:nvPicPr>
+          <p:cNvPr id="8" name="Grafik 7">
+            <a:extLst>
+              <a:ext uri="{FF2B5EF4-FFF2-40B4-BE49-F238E27FC236}">
+                <a16:creationId xmlns:a16="http://schemas.microsoft.com/office/drawing/2014/main" id="{DCAC0A45-A90D-4055-84A9-4FAB228C4166}"/>
+              </a:ext>
+            </a:extLst>
+          </p:cNvPr>
+          <p:cNvPicPr>
+            <a:picLocks noChangeAspect="1"/>
+          </p:cNvPicPr>
+          <p:nvPr/>
+        </p:nvPicPr>
+        <p:blipFill>
+          <a:blip r:embed="rId3"/>
+          <a:stretch>
+            <a:fillRect/>
+          </a:stretch>
+        </p:blipFill>
+        <p:spPr>
+          <a:xfrm>
+            <a:off x="3256551" y="2280808"/>
+            <a:ext cx="6460561" cy="600318"/>
+          </a:xfrm>
+          <a:prstGeom prst="rect">
+            <a:avLst/>
+          </a:prstGeom>
+        </p:spPr>
+      </p:pic>
+      <p:pic>
+        <p:nvPicPr>
+          <p:cNvPr id="9" name="Grafik 8">
+            <a:extLst>
+              <a:ext uri="{FF2B5EF4-FFF2-40B4-BE49-F238E27FC236}">
+                <a16:creationId xmlns:a16="http://schemas.microsoft.com/office/drawing/2014/main" id="{FF947154-E3A4-4F0C-896E-401BE11F6D76}"/>
+              </a:ext>
+            </a:extLst>
+          </p:cNvPr>
+          <p:cNvPicPr>
+            <a:picLocks noChangeAspect="1"/>
+          </p:cNvPicPr>
+          <p:nvPr/>
+        </p:nvPicPr>
+        <p:blipFill>
+          <a:blip r:embed="rId4"/>
+          <a:stretch>
+            <a:fillRect/>
+          </a:stretch>
+        </p:blipFill>
+        <p:spPr>
+          <a:xfrm>
+            <a:off x="812679" y="1628136"/>
+            <a:ext cx="2078562" cy="4409766"/>
+          </a:xfrm>
+          <a:prstGeom prst="rect">
+            <a:avLst/>
+          </a:prstGeom>
+        </p:spPr>
+      </p:pic>
+      <p:cxnSp>
+        <p:nvCxnSpPr>
+          <p:cNvPr id="11" name="Gerade Verbindung mit Pfeil 10">
+            <a:extLst>
+              <a:ext uri="{FF2B5EF4-FFF2-40B4-BE49-F238E27FC236}">
+                <a16:creationId xmlns:a16="http://schemas.microsoft.com/office/drawing/2014/main" id="{5ABA41E7-B817-4B75-A9B9-7D35F469E944}"/>
+              </a:ext>
+            </a:extLst>
+          </p:cNvPr>
+          <p:cNvCxnSpPr/>
+          <p:nvPr/>
+        </p:nvCxnSpPr>
+        <p:spPr>
+          <a:xfrm flipV="1">
+            <a:off x="2016807" y="2433484"/>
+            <a:ext cx="1239744" cy="1467464"/>
+          </a:xfrm>
+          <a:prstGeom prst="straightConnector1">
+            <a:avLst/>
+          </a:prstGeom>
+          <a:ln w="28575">
+            <a:tailEnd type="triangle"/>
+          </a:ln>
+        </p:spPr>
+        <p:style>
+          <a:lnRef idx="1">
+            <a:schemeClr val="accent1"/>
+          </a:lnRef>
+          <a:fillRef idx="0">
+            <a:schemeClr val="accent1"/>
+          </a:fillRef>
+          <a:effectRef idx="0">
+            <a:schemeClr val="accent1"/>
+          </a:effectRef>
+          <a:fontRef idx="minor">
+            <a:schemeClr val="tx1"/>
+          </a:fontRef>
+        </p:style>
+      </p:cxnSp>
+      <p:cxnSp>
+        <p:nvCxnSpPr>
+          <p:cNvPr id="12" name="Gerade Verbindung mit Pfeil 11">
+            <a:extLst>
+              <a:ext uri="{FF2B5EF4-FFF2-40B4-BE49-F238E27FC236}">
+                <a16:creationId xmlns:a16="http://schemas.microsoft.com/office/drawing/2014/main" id="{76892F75-7CFC-4474-B6E4-F39C82CC8961}"/>
+              </a:ext>
+            </a:extLst>
+          </p:cNvPr>
+          <p:cNvCxnSpPr/>
+          <p:nvPr/>
+        </p:nvCxnSpPr>
+        <p:spPr>
+          <a:xfrm flipV="1">
+            <a:off x="2016807" y="2768229"/>
+            <a:ext cx="1239744" cy="1467464"/>
+          </a:xfrm>
+          <a:prstGeom prst="straightConnector1">
+            <a:avLst/>
+          </a:prstGeom>
+          <a:ln w="28575">
+            <a:tailEnd type="triangle"/>
+          </a:ln>
+        </p:spPr>
+        <p:style>
+          <a:lnRef idx="1">
+            <a:schemeClr val="accent1"/>
+          </a:lnRef>
+          <a:fillRef idx="0">
+            <a:schemeClr val="accent1"/>
+          </a:fillRef>
+          <a:effectRef idx="0">
+            <a:schemeClr val="accent1"/>
+          </a:effectRef>
+          <a:fontRef idx="minor">
+            <a:schemeClr val="tx1"/>
+          </a:fontRef>
+        </p:style>
+      </p:cxnSp>
+      <p:pic>
+        <p:nvPicPr>
+          <p:cNvPr id="14" name="Grafik 13">
+            <a:extLst>
+              <a:ext uri="{FF2B5EF4-FFF2-40B4-BE49-F238E27FC236}">
+                <a16:creationId xmlns:a16="http://schemas.microsoft.com/office/drawing/2014/main" id="{DA89E8BC-69C9-4655-A1CB-E8780CA9CB74}"/>
+              </a:ext>
+            </a:extLst>
+          </p:cNvPr>
+          <p:cNvPicPr>
+            <a:picLocks noChangeAspect="1"/>
+          </p:cNvPicPr>
+          <p:nvPr/>
+        </p:nvPicPr>
+        <p:blipFill>
+          <a:blip r:embed="rId5"/>
+          <a:stretch>
+            <a:fillRect/>
+          </a:stretch>
+        </p:blipFill>
+        <p:spPr>
+          <a:xfrm>
+            <a:off x="5460810" y="3589606"/>
+            <a:ext cx="2811011" cy="2134463"/>
+          </a:xfrm>
+          <a:prstGeom prst="rect">
+            <a:avLst/>
+          </a:prstGeom>
+        </p:spPr>
+      </p:pic>
+      <p:sp>
+        <p:nvSpPr>
+          <p:cNvPr id="21" name="Textfeld 20">
+            <a:extLst>
+              <a:ext uri="{FF2B5EF4-FFF2-40B4-BE49-F238E27FC236}">
+                <a16:creationId xmlns:a16="http://schemas.microsoft.com/office/drawing/2014/main" id="{E59D204C-7305-4873-8D55-CA8BA63E18B7}"/>
+              </a:ext>
+            </a:extLst>
+          </p:cNvPr>
+          <p:cNvSpPr txBox="1"/>
+          <p:nvPr/>
+        </p:nvSpPr>
+        <p:spPr>
+          <a:xfrm>
+            <a:off x="6112186" y="1748313"/>
+            <a:ext cx="1046569" cy="369332"/>
+          </a:xfrm>
+          <a:prstGeom prst="rect">
+            <a:avLst/>
+          </a:prstGeom>
+          <a:noFill/>
+        </p:spPr>
+        <p:txBody>
+          <a:bodyPr wrap="none" rtlCol="0">
+            <a:spAutoFit/>
+          </a:bodyPr>
+          <a:lstStyle/>
+          <a:p>
+            <a:r>
+              <a:rPr lang="de-DE" dirty="0" err="1">
+                <a:solidFill>
+                  <a:schemeClr val="accent6"/>
+                </a:solidFill>
+              </a:rPr>
+              <a:t>Callbacks</a:t>
+            </a:r>
+            <a:endParaRPr lang="de-DE" dirty="0">
+              <a:solidFill>
+                <a:schemeClr val="accent6"/>
+              </a:solidFill>
+            </a:endParaRPr>
+          </a:p>
+        </p:txBody>
+      </p:sp>
+      <p:sp>
+        <p:nvSpPr>
+          <p:cNvPr id="23" name="Rechteck 22">
+            <a:extLst>
+              <a:ext uri="{FF2B5EF4-FFF2-40B4-BE49-F238E27FC236}">
+                <a16:creationId xmlns:a16="http://schemas.microsoft.com/office/drawing/2014/main" id="{26231589-D902-4A15-BED9-227912CBB558}"/>
+              </a:ext>
+            </a:extLst>
+          </p:cNvPr>
+          <p:cNvSpPr/>
+          <p:nvPr/>
+        </p:nvSpPr>
+        <p:spPr>
+          <a:xfrm>
+            <a:off x="6186948" y="2101645"/>
+            <a:ext cx="939063" cy="792303"/>
+          </a:xfrm>
+          <a:prstGeom prst="rect">
+            <a:avLst/>
+          </a:prstGeom>
+          <a:noFill/>
+          <a:ln w="28575">
+            <a:solidFill>
+              <a:schemeClr val="accent6"/>
+            </a:solidFill>
+          </a:ln>
+        </p:spPr>
+        <p:style>
+          <a:lnRef idx="2">
+            <a:schemeClr val="accent1">
+              <a:shade val="50000"/>
+            </a:schemeClr>
+          </a:lnRef>
+          <a:fillRef idx="1">
+            <a:schemeClr val="accent1"/>
+          </a:fillRef>
+          <a:effectRef idx="0">
+            <a:schemeClr val="accent1"/>
+          </a:effectRef>
+          <a:fontRef idx="minor">
+            <a:schemeClr val="lt1"/>
+          </a:fontRef>
+        </p:style>
+        <p:txBody>
+          <a:bodyPr rtlCol="0" anchor="ctr"/>
+          <a:lstStyle/>
+          <a:p>
+            <a:pPr algn="ctr"/>
+            <a:endParaRPr lang="de-DE"/>
+          </a:p>
+        </p:txBody>
+      </p:sp>
+      <p:cxnSp>
+        <p:nvCxnSpPr>
+          <p:cNvPr id="15" name="Gerade Verbindung mit Pfeil 14">
+            <a:extLst>
+              <a:ext uri="{FF2B5EF4-FFF2-40B4-BE49-F238E27FC236}">
+                <a16:creationId xmlns:a16="http://schemas.microsoft.com/office/drawing/2014/main" id="{0A2CD7AD-3FE5-4832-B848-15916CF6BAB7}"/>
+              </a:ext>
+            </a:extLst>
+          </p:cNvPr>
+          <p:cNvCxnSpPr>
+            <a:cxnSpLocks/>
+          </p:cNvCxnSpPr>
+          <p:nvPr/>
+        </p:nvCxnSpPr>
+        <p:spPr>
+          <a:xfrm flipH="1">
+            <a:off x="6251248" y="2580967"/>
+            <a:ext cx="179049" cy="1008639"/>
+          </a:xfrm>
+          <a:prstGeom prst="straightConnector1">
+            <a:avLst/>
+          </a:prstGeom>
+          <a:ln w="28575">
+            <a:tailEnd type="triangle"/>
+          </a:ln>
+        </p:spPr>
+        <p:style>
+          <a:lnRef idx="1">
+            <a:schemeClr val="accent1"/>
+          </a:lnRef>
+          <a:fillRef idx="0">
+            <a:schemeClr val="accent1"/>
+          </a:fillRef>
+          <a:effectRef idx="0">
+            <a:schemeClr val="accent1"/>
+          </a:effectRef>
+          <a:fontRef idx="minor">
+            <a:schemeClr val="tx1"/>
+          </a:fontRef>
+        </p:style>
+      </p:cxnSp>
+      <p:cxnSp>
+        <p:nvCxnSpPr>
+          <p:cNvPr id="19" name="Gerade Verbindung mit Pfeil 18">
+            <a:extLst>
+              <a:ext uri="{FF2B5EF4-FFF2-40B4-BE49-F238E27FC236}">
+                <a16:creationId xmlns:a16="http://schemas.microsoft.com/office/drawing/2014/main" id="{54771DCD-3265-482B-A0C1-D87BA2B73CDB}"/>
+              </a:ext>
+            </a:extLst>
+          </p:cNvPr>
+          <p:cNvCxnSpPr>
+            <a:cxnSpLocks/>
+          </p:cNvCxnSpPr>
+          <p:nvPr/>
+        </p:nvCxnSpPr>
+        <p:spPr>
+          <a:xfrm flipH="1">
+            <a:off x="6486831" y="2877438"/>
+            <a:ext cx="297281" cy="1952364"/>
+          </a:xfrm>
+          <a:prstGeom prst="straightConnector1">
+            <a:avLst/>
+          </a:prstGeom>
+          <a:ln w="28575">
+            <a:tailEnd type="triangle"/>
+          </a:ln>
+        </p:spPr>
+        <p:style>
+          <a:lnRef idx="1">
+            <a:schemeClr val="accent1"/>
+          </a:lnRef>
+          <a:fillRef idx="0">
+            <a:schemeClr val="accent1"/>
+          </a:fillRef>
+          <a:effectRef idx="0">
+            <a:schemeClr val="accent1"/>
+          </a:effectRef>
+          <a:fontRef idx="minor">
+            <a:schemeClr val="tx1"/>
+          </a:fontRef>
+        </p:style>
+      </p:cxnSp>
+    </p:spTree>
+    <p:extLst>
+      <p:ext uri="{BB962C8B-B14F-4D97-AF65-F5344CB8AC3E}">
+        <p14:creationId xmlns:p14="http://schemas.microsoft.com/office/powerpoint/2010/main" val="1286490583"/>
+      </p:ext>
+    </p:extLst>
+  </p:cSld>
+  <p:clrMapOvr>
+    <a:masterClrMapping/>
+  </p:clrMapOvr>
+</p:sld>
+</file>
+
+<file path=ppt/slides/slide55.xml><?xml version="1.0" encoding="utf-8"?>
+<p:sld xmlns:a="http://schemas.openxmlformats.org/drawingml/2006/main" xmlns:r="http://schemas.openxmlformats.org/officeDocument/2006/relationships" xmlns:p="http://schemas.openxmlformats.org/presentationml/2006/main">
+  <p:cSld>
+    <p:spTree>
+      <p:nvGrpSpPr>
+        <p:cNvPr id="1" name=""/>
+        <p:cNvGrpSpPr/>
+        <p:nvPr/>
+      </p:nvGrpSpPr>
+      <p:grpSpPr>
+        <a:xfrm>
+          <a:off x="0" y="0"/>
+          <a:ext cx="0" cy="0"/>
+          <a:chOff x="0" y="0"/>
+          <a:chExt cx="0" cy="0"/>
+        </a:xfrm>
+      </p:grpSpPr>
+      <p:sp>
+        <p:nvSpPr>
+          <p:cNvPr id="2" name="Titel 1">
+            <a:extLst>
+              <a:ext uri="{FF2B5EF4-FFF2-40B4-BE49-F238E27FC236}">
+                <a16:creationId xmlns:a16="http://schemas.microsoft.com/office/drawing/2014/main" id="{B351ACE4-B970-4B4B-894B-5D28745C0D83}"/>
+              </a:ext>
+            </a:extLst>
+          </p:cNvPr>
+          <p:cNvSpPr>
+            <a:spLocks noGrp="1"/>
+          </p:cNvSpPr>
+          <p:nvPr>
+            <p:ph type="title"/>
+          </p:nvPr>
+        </p:nvSpPr>
+        <p:spPr/>
+        <p:txBody>
+          <a:bodyPr/>
+          <a:lstStyle/>
+          <a:p>
+            <a:r>
+              <a:rPr lang="de-DE" dirty="0"/>
+              <a:t>Dart - </a:t>
+            </a:r>
+            <a:r>
+              <a:rPr lang="de-DE" dirty="0" err="1"/>
+              <a:t>Callbacks</a:t>
+            </a:r>
+            <a:endParaRPr lang="de-DE" dirty="0"/>
+          </a:p>
+        </p:txBody>
+      </p:sp>
+      <p:sp>
+        <p:nvSpPr>
+          <p:cNvPr id="7" name="Inhaltsplatzhalter 6">
+            <a:extLst>
+              <a:ext uri="{FF2B5EF4-FFF2-40B4-BE49-F238E27FC236}">
+                <a16:creationId xmlns:a16="http://schemas.microsoft.com/office/drawing/2014/main" id="{35140AA2-5C30-4F61-AEA2-CE32383215C0}"/>
+              </a:ext>
+            </a:extLst>
+          </p:cNvPr>
+          <p:cNvSpPr>
+            <a:spLocks noGrp="1"/>
+          </p:cNvSpPr>
+          <p:nvPr>
+            <p:ph idx="1"/>
+          </p:nvPr>
+        </p:nvSpPr>
+        <p:spPr/>
+        <p:txBody>
+          <a:bodyPr/>
+          <a:lstStyle/>
+          <a:p>
+            <a:r>
+              <a:rPr lang="de-DE" dirty="0"/>
+              <a:t>Mal vorausdenken:</a:t>
+            </a:r>
+            <a:br>
+              <a:rPr lang="de-DE" dirty="0"/>
+            </a:br>
+            <a:r>
+              <a:rPr lang="de-DE" dirty="0"/>
+              <a:t>Wie sieht die Funktion </a:t>
+            </a:r>
+            <a:r>
+              <a:rPr lang="de-DE" dirty="0">
+                <a:solidFill>
+                  <a:schemeClr val="accent6"/>
+                </a:solidFill>
+              </a:rPr>
+              <a:t>preis() </a:t>
+            </a:r>
+            <a:r>
+              <a:rPr lang="de-DE" dirty="0"/>
+              <a:t>in 3 Jahren aus?</a:t>
+            </a:r>
+          </a:p>
+          <a:p>
+            <a:endParaRPr lang="de-DE" dirty="0"/>
+          </a:p>
+          <a:p>
+            <a:endParaRPr lang="de-DE" dirty="0"/>
+          </a:p>
+          <a:p>
+            <a:endParaRPr lang="de-DE" dirty="0"/>
+          </a:p>
+          <a:p>
+            <a:endParaRPr lang="de-DE" dirty="0"/>
+          </a:p>
+          <a:p>
+            <a:pPr marL="0" indent="0">
+              <a:buNone/>
+            </a:pPr>
+            <a:endParaRPr lang="de-DE" dirty="0"/>
+          </a:p>
+        </p:txBody>
+      </p:sp>
+      <p:sp>
+        <p:nvSpPr>
+          <p:cNvPr id="4" name="Datumsplatzhalter 3">
+            <a:extLst>
+              <a:ext uri="{FF2B5EF4-FFF2-40B4-BE49-F238E27FC236}">
+                <a16:creationId xmlns:a16="http://schemas.microsoft.com/office/drawing/2014/main" id="{E0707311-720B-4B2C-8CB8-513010B34927}"/>
+              </a:ext>
+            </a:extLst>
+          </p:cNvPr>
+          <p:cNvSpPr>
+            <a:spLocks noGrp="1"/>
+          </p:cNvSpPr>
+          <p:nvPr>
+            <p:ph type="dt" sz="half" idx="10"/>
+          </p:nvPr>
+        </p:nvSpPr>
+        <p:spPr/>
+        <p:txBody>
+          <a:bodyPr/>
+          <a:lstStyle/>
+          <a:p>
+            <a:fld id="{0B399FA5-2F01-416C-865E-705C1E0C03C8}" type="datetime1">
+              <a:rPr lang="de-DE" smtClean="0"/>
+              <a:t>17.02.2023</a:t>
+            </a:fld>
+            <a:endParaRPr lang="de-DE"/>
+          </a:p>
+        </p:txBody>
+      </p:sp>
+      <p:sp>
+        <p:nvSpPr>
+          <p:cNvPr id="5" name="Fußzeilenplatzhalter 4">
+            <a:extLst>
+              <a:ext uri="{FF2B5EF4-FFF2-40B4-BE49-F238E27FC236}">
+                <a16:creationId xmlns:a16="http://schemas.microsoft.com/office/drawing/2014/main" id="{493DBB45-5A4F-4E00-936C-7F2EC56CBDC4}"/>
+              </a:ext>
+            </a:extLst>
+          </p:cNvPr>
+          <p:cNvSpPr>
+            <a:spLocks noGrp="1"/>
+          </p:cNvSpPr>
+          <p:nvPr>
+            <p:ph type="ftr" sz="quarter" idx="11"/>
+          </p:nvPr>
+        </p:nvSpPr>
+        <p:spPr/>
+        <p:txBody>
+          <a:bodyPr/>
+          <a:lstStyle/>
+          <a:p>
+            <a:r>
+              <a:rPr lang="de-DE"/>
+              <a:t>Dart - Programmiersprache für Smartphones</a:t>
+            </a:r>
+          </a:p>
+        </p:txBody>
+      </p:sp>
+      <p:sp>
+        <p:nvSpPr>
+          <p:cNvPr id="6" name="Foliennummernplatzhalter 5">
+            <a:extLst>
+              <a:ext uri="{FF2B5EF4-FFF2-40B4-BE49-F238E27FC236}">
+                <a16:creationId xmlns:a16="http://schemas.microsoft.com/office/drawing/2014/main" id="{C184620B-C66B-4AFB-896F-8ED5115E85FC}"/>
+              </a:ext>
+            </a:extLst>
+          </p:cNvPr>
+          <p:cNvSpPr>
+            <a:spLocks noGrp="1"/>
+          </p:cNvSpPr>
+          <p:nvPr>
+            <p:ph type="sldNum" sz="quarter" idx="12"/>
+          </p:nvPr>
+        </p:nvSpPr>
+        <p:spPr/>
+        <p:txBody>
+          <a:bodyPr/>
+          <a:lstStyle/>
+          <a:p>
+            <a:fld id="{3A1F27E2-D58A-4028-9FF2-B12D897F257E}" type="slidenum">
+              <a:rPr lang="de-DE" smtClean="0"/>
+              <a:t>55</a:t>
+            </a:fld>
+            <a:endParaRPr lang="de-DE"/>
+          </a:p>
+        </p:txBody>
+      </p:sp>
+      <p:pic>
+        <p:nvPicPr>
+          <p:cNvPr id="9" name="Grafik 8">
+            <a:extLst>
+              <a:ext uri="{FF2B5EF4-FFF2-40B4-BE49-F238E27FC236}">
+                <a16:creationId xmlns:a16="http://schemas.microsoft.com/office/drawing/2014/main" id="{A83F4D6D-180D-4693-B52F-CC3735829070}"/>
+              </a:ext>
+            </a:extLst>
+          </p:cNvPr>
+          <p:cNvPicPr>
+            <a:picLocks noChangeAspect="1"/>
+          </p:cNvPicPr>
+          <p:nvPr/>
+        </p:nvPicPr>
+        <p:blipFill>
+          <a:blip r:embed="rId3"/>
+          <a:stretch>
+            <a:fillRect/>
+          </a:stretch>
+        </p:blipFill>
+        <p:spPr>
+          <a:xfrm>
+            <a:off x="1196916" y="2499852"/>
+            <a:ext cx="9434052" cy="991037"/>
+          </a:xfrm>
+          <a:prstGeom prst="rect">
+            <a:avLst/>
+          </a:prstGeom>
+        </p:spPr>
+      </p:pic>
+      <p:pic>
+        <p:nvPicPr>
+          <p:cNvPr id="10" name="Grafik 9">
+            <a:extLst>
+              <a:ext uri="{FF2B5EF4-FFF2-40B4-BE49-F238E27FC236}">
+                <a16:creationId xmlns:a16="http://schemas.microsoft.com/office/drawing/2014/main" id="{7C273BC9-A250-46ED-B633-C386CE35B24C}"/>
+              </a:ext>
+            </a:extLst>
+          </p:cNvPr>
+          <p:cNvPicPr>
+            <a:picLocks noChangeAspect="1"/>
+          </p:cNvPicPr>
+          <p:nvPr/>
+        </p:nvPicPr>
+        <p:blipFill>
+          <a:blip r:embed="rId4"/>
+          <a:stretch>
+            <a:fillRect/>
+          </a:stretch>
+        </p:blipFill>
+        <p:spPr>
+          <a:xfrm>
+            <a:off x="1196916" y="3554990"/>
+            <a:ext cx="4215742" cy="2744210"/>
+          </a:xfrm>
+          <a:prstGeom prst="rect">
+            <a:avLst/>
+          </a:prstGeom>
+        </p:spPr>
+      </p:pic>
+      <p:cxnSp>
+        <p:nvCxnSpPr>
+          <p:cNvPr id="12" name="Gerader Verbinder 11">
+            <a:extLst>
+              <a:ext uri="{FF2B5EF4-FFF2-40B4-BE49-F238E27FC236}">
+                <a16:creationId xmlns:a16="http://schemas.microsoft.com/office/drawing/2014/main" id="{7124054B-5319-4881-9699-891663C2953B}"/>
+              </a:ext>
+            </a:extLst>
+          </p:cNvPr>
+          <p:cNvCxnSpPr/>
+          <p:nvPr/>
+        </p:nvCxnSpPr>
+        <p:spPr>
+          <a:xfrm>
+            <a:off x="1836174" y="4874342"/>
+            <a:ext cx="0" cy="1157748"/>
+          </a:xfrm>
+          <a:prstGeom prst="line">
+            <a:avLst/>
+          </a:prstGeom>
+          <a:ln w="19050"/>
+        </p:spPr>
+        <p:style>
+          <a:lnRef idx="1">
+            <a:schemeClr val="accent1"/>
+          </a:lnRef>
+          <a:fillRef idx="0">
+            <a:schemeClr val="accent1"/>
+          </a:fillRef>
+          <a:effectRef idx="0">
+            <a:schemeClr val="accent1"/>
+          </a:effectRef>
+          <a:fontRef idx="minor">
+            <a:schemeClr val="tx1"/>
+          </a:fontRef>
+        </p:style>
+      </p:cxnSp>
+      <p:sp>
+        <p:nvSpPr>
+          <p:cNvPr id="13" name="Textfeld 12">
+            <a:extLst>
+              <a:ext uri="{FF2B5EF4-FFF2-40B4-BE49-F238E27FC236}">
+                <a16:creationId xmlns:a16="http://schemas.microsoft.com/office/drawing/2014/main" id="{136FC9D0-3D4F-456C-BD78-B269FDD77E3D}"/>
+              </a:ext>
+            </a:extLst>
+          </p:cNvPr>
+          <p:cNvSpPr txBox="1"/>
+          <p:nvPr/>
+        </p:nvSpPr>
+        <p:spPr>
+          <a:xfrm>
+            <a:off x="2330246" y="6045285"/>
+            <a:ext cx="343364" cy="369332"/>
+          </a:xfrm>
+          <a:prstGeom prst="rect">
+            <a:avLst/>
+          </a:prstGeom>
+          <a:noFill/>
+        </p:spPr>
+        <p:txBody>
+          <a:bodyPr wrap="none" rtlCol="0">
+            <a:spAutoFit/>
+          </a:bodyPr>
+          <a:lstStyle/>
+          <a:p>
+            <a:r>
+              <a:rPr lang="de-DE" dirty="0"/>
+              <a:t>…</a:t>
+            </a:r>
+          </a:p>
+        </p:txBody>
+      </p:sp>
+    </p:spTree>
+    <p:extLst>
+      <p:ext uri="{BB962C8B-B14F-4D97-AF65-F5344CB8AC3E}">
+        <p14:creationId xmlns:p14="http://schemas.microsoft.com/office/powerpoint/2010/main" val="2066155068"/>
+      </p:ext>
+    </p:extLst>
+  </p:cSld>
+  <p:clrMapOvr>
+    <a:masterClrMapping/>
+  </p:clrMapOvr>
+  <p:timing>
+    <p:tnLst>
+      <p:par>
+        <p:cTn id="1" dur="indefinite" restart="never" nodeType="tmRoot">
+          <p:childTnLst>
+            <p:seq concurrent="1" nextAc="seek">
+              <p:cTn id="2" dur="indefinite" nodeType="mainSeq">
+                <p:childTnLst>
+                  <p:par>
+                    <p:cTn id="3" fill="hold">
+                      <p:stCondLst>
+                        <p:cond delay="indefinite"/>
+                      </p:stCondLst>
+                      <p:childTnLst>
+                        <p:par>
+                          <p:cTn id="4" fill="hold">
+                            <p:stCondLst>
+                              <p:cond delay="0"/>
+                            </p:stCondLst>
+                            <p:childTnLst>
+                              <p:par>
+                                <p:cTn id="5" presetID="1" presetClass="entr" presetSubtype="0" fill="hold" nodeType="clickEffect">
+                                  <p:stCondLst>
+                                    <p:cond delay="0"/>
+                                  </p:stCondLst>
+                                  <p:childTnLst>
+                                    <p:set>
+                                      <p:cBhvr>
+                                        <p:cTn id="6" dur="1" fill="hold">
+                                          <p:stCondLst>
+                                            <p:cond delay="0"/>
+                                          </p:stCondLst>
+                                        </p:cTn>
+                                        <p:tgtEl>
+                                          <p:spTgt spid="10"/>
+                                        </p:tgtEl>
+                                        <p:attrNameLst>
+                                          <p:attrName>style.visibility</p:attrName>
+                                        </p:attrNameLst>
+                                      </p:cBhvr>
+                                      <p:to>
+                                        <p:strVal val="visible"/>
+                                      </p:to>
+                                    </p:set>
+                                  </p:childTnLst>
+                                </p:cTn>
+                              </p:par>
+                              <p:par>
+                                <p:cTn id="7" presetID="1" presetClass="entr" presetSubtype="0" fill="hold" grpId="0" nodeType="withEffect">
+                                  <p:stCondLst>
+                                    <p:cond delay="0"/>
+                                  </p:stCondLst>
+                                  <p:childTnLst>
+                                    <p:set>
+                                      <p:cBhvr>
+                                        <p:cTn id="8" dur="1" fill="hold">
+                                          <p:stCondLst>
+                                            <p:cond delay="0"/>
+                                          </p:stCondLst>
+                                        </p:cTn>
+                                        <p:tgtEl>
+                                          <p:spTgt spid="13"/>
+                                        </p:tgtEl>
+                                        <p:attrNameLst>
+                                          <p:attrName>style.visibility</p:attrName>
+                                        </p:attrNameLst>
+                                      </p:cBhvr>
+                                      <p:to>
+                                        <p:strVal val="visible"/>
+                                      </p:to>
+                                    </p:set>
+                                  </p:childTnLst>
+                                </p:cTn>
+                              </p:par>
+                              <p:par>
+                                <p:cTn id="9" presetID="1" presetClass="entr" presetSubtype="0" fill="hold" nodeType="withEffect">
+                                  <p:stCondLst>
+                                    <p:cond delay="0"/>
+                                  </p:stCondLst>
+                                  <p:childTnLst>
+                                    <p:set>
+                                      <p:cBhvr>
+                                        <p:cTn id="10" dur="1" fill="hold">
+                                          <p:stCondLst>
+                                            <p:cond delay="0"/>
+                                          </p:stCondLst>
+                                        </p:cTn>
+                                        <p:tgtEl>
+                                          <p:spTgt spid="12"/>
+                                        </p:tgtEl>
+                                        <p:attrNameLst>
+                                          <p:attrName>style.visibility</p:attrName>
+                                        </p:attrNameLst>
+                                      </p:cBhvr>
+                                      <p:to>
+                                        <p:strVal val="visible"/>
+                                      </p:to>
+                                    </p:set>
+                                  </p:childTnLst>
+                                </p:cTn>
+                              </p:par>
+                            </p:childTnLst>
+                          </p:cTn>
+                        </p:par>
+                      </p:childTnLst>
+                    </p:cTn>
+                  </p:par>
+                </p:childTnLst>
+              </p:cTn>
+              <p:prevCondLst>
+                <p:cond evt="onPrev" delay="0">
+                  <p:tgtEl>
+                    <p:sldTgt/>
+                  </p:tgtEl>
+                </p:cond>
+              </p:prevCondLst>
+              <p:nextCondLst>
+                <p:cond evt="onNext" delay="0">
+                  <p:tgtEl>
+                    <p:sldTgt/>
+                  </p:tgtEl>
+                </p:cond>
+              </p:nextCondLst>
+            </p:seq>
+          </p:childTnLst>
+        </p:cTn>
+      </p:par>
+    </p:tnLst>
+    <p:bldLst>
+      <p:bldP spid="13" grpId="0"/>
+    </p:bldLst>
+  </p:timing>
+</p:sld>
+</file>
+
+<file path=ppt/slides/slide56.xml><?xml version="1.0" encoding="utf-8"?>
+<p:sld xmlns:a="http://schemas.openxmlformats.org/drawingml/2006/main" xmlns:r="http://schemas.openxmlformats.org/officeDocument/2006/relationships" xmlns:p="http://schemas.openxmlformats.org/presentationml/2006/main">
+  <p:cSld>
+    <p:spTree>
+      <p:nvGrpSpPr>
+        <p:cNvPr id="1" name=""/>
+        <p:cNvGrpSpPr/>
+        <p:nvPr/>
+      </p:nvGrpSpPr>
+      <p:grpSpPr>
+        <a:xfrm>
+          <a:off x="0" y="0"/>
+          <a:ext cx="0" cy="0"/>
+          <a:chOff x="0" y="0"/>
+          <a:chExt cx="0" cy="0"/>
+        </a:xfrm>
+      </p:grpSpPr>
+      <p:pic>
+        <p:nvPicPr>
+          <p:cNvPr id="17" name="Grafik 16">
+            <a:extLst>
+              <a:ext uri="{FF2B5EF4-FFF2-40B4-BE49-F238E27FC236}">
+                <a16:creationId xmlns:a16="http://schemas.microsoft.com/office/drawing/2014/main" id="{E0C675F6-1EA4-4DEC-8EDC-18C7FF19B7C6}"/>
+              </a:ext>
+            </a:extLst>
+          </p:cNvPr>
+          <p:cNvPicPr>
+            <a:picLocks noChangeAspect="1"/>
+          </p:cNvPicPr>
+          <p:nvPr/>
+        </p:nvPicPr>
+        <p:blipFill>
+          <a:blip r:embed="rId3"/>
+          <a:stretch>
+            <a:fillRect/>
+          </a:stretch>
+        </p:blipFill>
+        <p:spPr>
+          <a:xfrm>
+            <a:off x="1218454" y="2420786"/>
+            <a:ext cx="5899937" cy="3745064"/>
+          </a:xfrm>
+          <a:prstGeom prst="rect">
+            <a:avLst/>
+          </a:prstGeom>
+        </p:spPr>
+      </p:pic>
+      <p:sp>
+        <p:nvSpPr>
+          <p:cNvPr id="2" name="Titel 1">
+            <a:extLst>
+              <a:ext uri="{FF2B5EF4-FFF2-40B4-BE49-F238E27FC236}">
+                <a16:creationId xmlns:a16="http://schemas.microsoft.com/office/drawing/2014/main" id="{B351ACE4-B970-4B4B-894B-5D28745C0D83}"/>
+              </a:ext>
+            </a:extLst>
+          </p:cNvPr>
+          <p:cNvSpPr>
+            <a:spLocks noGrp="1"/>
+          </p:cNvSpPr>
+          <p:nvPr>
+            <p:ph type="title"/>
+          </p:nvPr>
+        </p:nvSpPr>
+        <p:spPr/>
+        <p:txBody>
+          <a:bodyPr/>
+          <a:lstStyle/>
+          <a:p>
+            <a:r>
+              <a:rPr lang="de-DE" dirty="0"/>
+              <a:t>Dart - </a:t>
+            </a:r>
+            <a:r>
+              <a:rPr lang="de-DE" dirty="0" err="1"/>
+              <a:t>Callbacks</a:t>
+            </a:r>
+            <a:endParaRPr lang="de-DE" dirty="0"/>
+          </a:p>
+        </p:txBody>
+      </p:sp>
+      <p:sp>
+        <p:nvSpPr>
+          <p:cNvPr id="7" name="Inhaltsplatzhalter 6">
+            <a:extLst>
+              <a:ext uri="{FF2B5EF4-FFF2-40B4-BE49-F238E27FC236}">
+                <a16:creationId xmlns:a16="http://schemas.microsoft.com/office/drawing/2014/main" id="{35140AA2-5C30-4F61-AEA2-CE32383215C0}"/>
+              </a:ext>
+            </a:extLst>
+          </p:cNvPr>
+          <p:cNvSpPr>
+            <a:spLocks noGrp="1"/>
+          </p:cNvSpPr>
+          <p:nvPr>
+            <p:ph idx="1"/>
+          </p:nvPr>
+        </p:nvSpPr>
+        <p:spPr>
+          <a:xfrm>
+            <a:off x="838200" y="1520825"/>
+            <a:ext cx="10514013" cy="1022043"/>
+          </a:xfrm>
+        </p:spPr>
+        <p:txBody>
+          <a:bodyPr/>
+          <a:lstStyle/>
+          <a:p>
+            <a:r>
+              <a:rPr lang="de-DE" dirty="0"/>
+              <a:t>Lösung: Callback</a:t>
+            </a:r>
+            <a:br>
+              <a:rPr lang="de-DE" dirty="0"/>
+            </a:br>
+            <a:r>
+              <a:rPr lang="de-DE" dirty="0"/>
+              <a:t>"Ruf mich an, wenn Du wissen willst, wie die Konditionen sind."</a:t>
+            </a:r>
+          </a:p>
+        </p:txBody>
+      </p:sp>
+      <p:sp>
+        <p:nvSpPr>
+          <p:cNvPr id="4" name="Datumsplatzhalter 3">
+            <a:extLst>
+              <a:ext uri="{FF2B5EF4-FFF2-40B4-BE49-F238E27FC236}">
+                <a16:creationId xmlns:a16="http://schemas.microsoft.com/office/drawing/2014/main" id="{E0707311-720B-4B2C-8CB8-513010B34927}"/>
+              </a:ext>
+            </a:extLst>
+          </p:cNvPr>
+          <p:cNvSpPr>
+            <a:spLocks noGrp="1"/>
+          </p:cNvSpPr>
+          <p:nvPr>
+            <p:ph type="dt" sz="half" idx="10"/>
+          </p:nvPr>
+        </p:nvSpPr>
+        <p:spPr/>
+        <p:txBody>
+          <a:bodyPr/>
+          <a:lstStyle/>
+          <a:p>
+            <a:fld id="{D7CFAA5B-8ED2-4D87-B5CD-876772B506EB}" type="datetime1">
+              <a:rPr lang="de-DE" smtClean="0"/>
+              <a:t>17.02.2023</a:t>
+            </a:fld>
+            <a:endParaRPr lang="de-DE"/>
+          </a:p>
+        </p:txBody>
+      </p:sp>
+      <p:sp>
+        <p:nvSpPr>
+          <p:cNvPr id="5" name="Fußzeilenplatzhalter 4">
+            <a:extLst>
+              <a:ext uri="{FF2B5EF4-FFF2-40B4-BE49-F238E27FC236}">
+                <a16:creationId xmlns:a16="http://schemas.microsoft.com/office/drawing/2014/main" id="{493DBB45-5A4F-4E00-936C-7F2EC56CBDC4}"/>
+              </a:ext>
+            </a:extLst>
+          </p:cNvPr>
+          <p:cNvSpPr>
+            <a:spLocks noGrp="1"/>
+          </p:cNvSpPr>
+          <p:nvPr>
+            <p:ph type="ftr" sz="quarter" idx="11"/>
+          </p:nvPr>
+        </p:nvSpPr>
+        <p:spPr/>
+        <p:txBody>
+          <a:bodyPr/>
+          <a:lstStyle/>
+          <a:p>
+            <a:r>
+              <a:rPr lang="de-DE"/>
+              <a:t>Dart - Programmiersprache für Smartphones</a:t>
+            </a:r>
+          </a:p>
+        </p:txBody>
+      </p:sp>
+      <p:sp>
+        <p:nvSpPr>
+          <p:cNvPr id="6" name="Foliennummernplatzhalter 5">
+            <a:extLst>
+              <a:ext uri="{FF2B5EF4-FFF2-40B4-BE49-F238E27FC236}">
+                <a16:creationId xmlns:a16="http://schemas.microsoft.com/office/drawing/2014/main" id="{C184620B-C66B-4AFB-896F-8ED5115E85FC}"/>
+              </a:ext>
+            </a:extLst>
+          </p:cNvPr>
+          <p:cNvSpPr>
+            <a:spLocks noGrp="1"/>
+          </p:cNvSpPr>
+          <p:nvPr>
+            <p:ph type="sldNum" sz="quarter" idx="12"/>
+          </p:nvPr>
+        </p:nvSpPr>
+        <p:spPr/>
+        <p:txBody>
+          <a:bodyPr/>
+          <a:lstStyle/>
+          <a:p>
+            <a:fld id="{3A1F27E2-D58A-4028-9FF2-B12D897F257E}" type="slidenum">
+              <a:rPr lang="de-DE" smtClean="0"/>
+              <a:t>56</a:t>
+            </a:fld>
+            <a:endParaRPr lang="de-DE"/>
+          </a:p>
+        </p:txBody>
+      </p:sp>
+      <p:sp>
+        <p:nvSpPr>
+          <p:cNvPr id="14" name="Rechteck 13">
+            <a:extLst>
+              <a:ext uri="{FF2B5EF4-FFF2-40B4-BE49-F238E27FC236}">
+                <a16:creationId xmlns:a16="http://schemas.microsoft.com/office/drawing/2014/main" id="{CB4FD879-3A5F-4F80-9E0F-22434DC5EF7D}"/>
+              </a:ext>
+            </a:extLst>
+          </p:cNvPr>
+          <p:cNvSpPr/>
+          <p:nvPr/>
+        </p:nvSpPr>
+        <p:spPr>
+          <a:xfrm>
+            <a:off x="1681277" y="3232298"/>
+            <a:ext cx="2772733" cy="639154"/>
+          </a:xfrm>
+          <a:prstGeom prst="rect">
+            <a:avLst/>
+          </a:prstGeom>
+          <a:noFill/>
+          <a:ln w="28575">
+            <a:solidFill>
+              <a:schemeClr val="accent1"/>
+            </a:solidFill>
+          </a:ln>
+        </p:spPr>
+        <p:style>
+          <a:lnRef idx="2">
+            <a:schemeClr val="accent1">
+              <a:shade val="50000"/>
+            </a:schemeClr>
+          </a:lnRef>
+          <a:fillRef idx="1">
+            <a:schemeClr val="accent1"/>
+          </a:fillRef>
+          <a:effectRef idx="0">
+            <a:schemeClr val="accent1"/>
+          </a:effectRef>
+          <a:fontRef idx="minor">
+            <a:schemeClr val="lt1"/>
+          </a:fontRef>
+        </p:style>
+        <p:txBody>
+          <a:bodyPr rtlCol="0" anchor="ctr"/>
+          <a:lstStyle/>
+          <a:p>
+            <a:pPr algn="ctr"/>
+            <a:endParaRPr lang="de-DE"/>
+          </a:p>
+        </p:txBody>
+      </p:sp>
+      <p:cxnSp>
+        <p:nvCxnSpPr>
+          <p:cNvPr id="15" name="Gerade Verbindung mit Pfeil 14">
+            <a:extLst>
+              <a:ext uri="{FF2B5EF4-FFF2-40B4-BE49-F238E27FC236}">
+                <a16:creationId xmlns:a16="http://schemas.microsoft.com/office/drawing/2014/main" id="{48052912-581D-4F6B-A852-50CEB95D3336}"/>
+              </a:ext>
+            </a:extLst>
+          </p:cNvPr>
+          <p:cNvCxnSpPr>
+            <a:cxnSpLocks/>
+          </p:cNvCxnSpPr>
+          <p:nvPr/>
+        </p:nvCxnSpPr>
+        <p:spPr>
+          <a:xfrm flipH="1">
+            <a:off x="3959942" y="2809568"/>
+            <a:ext cx="1246239" cy="422730"/>
+          </a:xfrm>
+          <a:prstGeom prst="straightConnector1">
+            <a:avLst/>
+          </a:prstGeom>
+          <a:ln w="28575">
+            <a:tailEnd type="triangle"/>
+          </a:ln>
+        </p:spPr>
+        <p:style>
+          <a:lnRef idx="1">
+            <a:schemeClr val="accent1"/>
+          </a:lnRef>
+          <a:fillRef idx="0">
+            <a:schemeClr val="accent1"/>
+          </a:fillRef>
+          <a:effectRef idx="0">
+            <a:schemeClr val="accent1"/>
+          </a:effectRef>
+          <a:fontRef idx="minor">
+            <a:schemeClr val="tx1"/>
+          </a:fontRef>
+        </p:style>
+      </p:cxnSp>
+      <p:sp>
+        <p:nvSpPr>
+          <p:cNvPr id="19" name="Rechteck 18">
+            <a:extLst>
+              <a:ext uri="{FF2B5EF4-FFF2-40B4-BE49-F238E27FC236}">
+                <a16:creationId xmlns:a16="http://schemas.microsoft.com/office/drawing/2014/main" id="{67EAC06F-EC20-4641-92C4-27F995222663}"/>
+              </a:ext>
+            </a:extLst>
+          </p:cNvPr>
+          <p:cNvSpPr/>
+          <p:nvPr/>
+        </p:nvSpPr>
+        <p:spPr>
+          <a:xfrm>
+            <a:off x="2016807" y="4682963"/>
+            <a:ext cx="3270490" cy="256825"/>
+          </a:xfrm>
+          <a:prstGeom prst="rect">
+            <a:avLst/>
+          </a:prstGeom>
+          <a:noFill/>
+          <a:ln w="28575">
+            <a:solidFill>
+              <a:schemeClr val="accent1"/>
+            </a:solidFill>
+          </a:ln>
+        </p:spPr>
+        <p:style>
+          <a:lnRef idx="2">
+            <a:schemeClr val="accent1">
+              <a:shade val="50000"/>
+            </a:schemeClr>
+          </a:lnRef>
+          <a:fillRef idx="1">
+            <a:schemeClr val="accent1"/>
+          </a:fillRef>
+          <a:effectRef idx="0">
+            <a:schemeClr val="accent1"/>
+          </a:effectRef>
+          <a:fontRef idx="minor">
+            <a:schemeClr val="lt1"/>
+          </a:fontRef>
+        </p:style>
+        <p:txBody>
+          <a:bodyPr rtlCol="0" anchor="ctr"/>
+          <a:lstStyle/>
+          <a:p>
+            <a:pPr algn="ctr"/>
+            <a:endParaRPr lang="de-DE"/>
+          </a:p>
+        </p:txBody>
+      </p:sp>
+      <p:sp>
+        <p:nvSpPr>
+          <p:cNvPr id="20" name="Textfeld 19">
+            <a:extLst>
+              <a:ext uri="{FF2B5EF4-FFF2-40B4-BE49-F238E27FC236}">
+                <a16:creationId xmlns:a16="http://schemas.microsoft.com/office/drawing/2014/main" id="{BFA24FA9-9255-4BE8-9D5F-80170B1A08F8}"/>
+              </a:ext>
+            </a:extLst>
+          </p:cNvPr>
+          <p:cNvSpPr txBox="1"/>
+          <p:nvPr/>
+        </p:nvSpPr>
+        <p:spPr>
+          <a:xfrm>
+            <a:off x="5397910" y="4626709"/>
+            <a:ext cx="1121974" cy="369332"/>
+          </a:xfrm>
+          <a:prstGeom prst="rect">
+            <a:avLst/>
+          </a:prstGeom>
+          <a:noFill/>
+        </p:spPr>
+        <p:txBody>
+          <a:bodyPr wrap="none" rtlCol="0">
+            <a:spAutoFit/>
+          </a:bodyPr>
+          <a:lstStyle/>
+          <a:p>
+            <a:r>
+              <a:rPr lang="de-DE" dirty="0"/>
+              <a:t>Argument</a:t>
+            </a:r>
+          </a:p>
+        </p:txBody>
+      </p:sp>
+      <p:sp>
+        <p:nvSpPr>
+          <p:cNvPr id="21" name="Rechteck 20">
+            <a:extLst>
+              <a:ext uri="{FF2B5EF4-FFF2-40B4-BE49-F238E27FC236}">
+                <a16:creationId xmlns:a16="http://schemas.microsoft.com/office/drawing/2014/main" id="{E8F26613-F8FB-40A1-B962-343DCD63582B}"/>
+              </a:ext>
+            </a:extLst>
+          </p:cNvPr>
+          <p:cNvSpPr/>
+          <p:nvPr/>
+        </p:nvSpPr>
+        <p:spPr>
+          <a:xfrm>
+            <a:off x="3249394" y="5097074"/>
+            <a:ext cx="1278361" cy="256825"/>
+          </a:xfrm>
+          <a:prstGeom prst="rect">
+            <a:avLst/>
+          </a:prstGeom>
+          <a:noFill/>
+          <a:ln w="28575">
+            <a:solidFill>
+              <a:schemeClr val="accent1"/>
+            </a:solidFill>
+          </a:ln>
+        </p:spPr>
+        <p:style>
+          <a:lnRef idx="2">
+            <a:schemeClr val="accent1">
+              <a:shade val="50000"/>
+            </a:schemeClr>
+          </a:lnRef>
+          <a:fillRef idx="1">
+            <a:schemeClr val="accent1"/>
+          </a:fillRef>
+          <a:effectRef idx="0">
+            <a:schemeClr val="accent1"/>
+          </a:effectRef>
+          <a:fontRef idx="minor">
+            <a:schemeClr val="lt1"/>
+          </a:fontRef>
+        </p:style>
+        <p:txBody>
+          <a:bodyPr rtlCol="0" anchor="ctr"/>
+          <a:lstStyle/>
+          <a:p>
+            <a:pPr algn="ctr"/>
+            <a:endParaRPr lang="de-DE"/>
+          </a:p>
+        </p:txBody>
+      </p:sp>
+      <p:sp>
+        <p:nvSpPr>
+          <p:cNvPr id="22" name="Textfeld 21">
+            <a:extLst>
+              <a:ext uri="{FF2B5EF4-FFF2-40B4-BE49-F238E27FC236}">
+                <a16:creationId xmlns:a16="http://schemas.microsoft.com/office/drawing/2014/main" id="{A19BDB24-B80B-49AB-A33F-48CB7079E317}"/>
+              </a:ext>
+            </a:extLst>
+          </p:cNvPr>
+          <p:cNvSpPr txBox="1"/>
+          <p:nvPr/>
+        </p:nvSpPr>
+        <p:spPr>
+          <a:xfrm>
+            <a:off x="4583061" y="5040820"/>
+            <a:ext cx="5413149" cy="369332"/>
+          </a:xfrm>
+          <a:prstGeom prst="rect">
+            <a:avLst/>
+          </a:prstGeom>
+          <a:noFill/>
+        </p:spPr>
+        <p:txBody>
+          <a:bodyPr wrap="none" rtlCol="0">
+            <a:spAutoFit/>
+          </a:bodyPr>
+          <a:lstStyle/>
+          <a:p>
+            <a:r>
+              <a:rPr lang="de-DE" dirty="0"/>
+              <a:t>Aufruf der Callback-Funktion: wie sind die Konditionen?</a:t>
+            </a:r>
+          </a:p>
+        </p:txBody>
+      </p:sp>
+    </p:spTree>
+    <p:extLst>
+      <p:ext uri="{BB962C8B-B14F-4D97-AF65-F5344CB8AC3E}">
+        <p14:creationId xmlns:p14="http://schemas.microsoft.com/office/powerpoint/2010/main" val="983152067"/>
+      </p:ext>
+    </p:extLst>
+  </p:cSld>
+  <p:clrMapOvr>
+    <a:masterClrMapping/>
+  </p:clrMapOvr>
+</p:sld>
+</file>
+
+<file path=ppt/slides/slide57.xml><?xml version="1.0" encoding="utf-8"?>
+<p:sld xmlns:a="http://schemas.openxmlformats.org/drawingml/2006/main" xmlns:r="http://schemas.openxmlformats.org/officeDocument/2006/relationships" xmlns:p="http://schemas.openxmlformats.org/presentationml/2006/main">
+  <p:cSld>
+    <p:spTree>
+      <p:nvGrpSpPr>
+        <p:cNvPr id="1" name=""/>
+        <p:cNvGrpSpPr/>
+        <p:nvPr/>
+      </p:nvGrpSpPr>
+      <p:grpSpPr>
+        <a:xfrm>
+          <a:off x="0" y="0"/>
+          <a:ext cx="0" cy="0"/>
+          <a:chOff x="0" y="0"/>
+          <a:chExt cx="0" cy="0"/>
+        </a:xfrm>
+      </p:grpSpPr>
+      <p:pic>
+        <p:nvPicPr>
+          <p:cNvPr id="8" name="Grafik 7">
+            <a:extLst>
+              <a:ext uri="{FF2B5EF4-FFF2-40B4-BE49-F238E27FC236}">
+                <a16:creationId xmlns:a16="http://schemas.microsoft.com/office/drawing/2014/main" id="{D2AAF9F9-2EAF-4B0E-9601-16F42A35914A}"/>
+              </a:ext>
+            </a:extLst>
+          </p:cNvPr>
+          <p:cNvPicPr>
+            <a:picLocks noChangeAspect="1"/>
+          </p:cNvPicPr>
+          <p:nvPr/>
+        </p:nvPicPr>
+        <p:blipFill>
+          <a:blip r:embed="rId3"/>
+          <a:stretch>
+            <a:fillRect/>
+          </a:stretch>
+        </p:blipFill>
+        <p:spPr>
+          <a:xfrm>
+            <a:off x="1166835" y="2162688"/>
+            <a:ext cx="6186155" cy="3745065"/>
+          </a:xfrm>
+          <a:prstGeom prst="rect">
+            <a:avLst/>
+          </a:prstGeom>
+        </p:spPr>
+      </p:pic>
+      <p:sp>
+        <p:nvSpPr>
+          <p:cNvPr id="2" name="Titel 1">
+            <a:extLst>
+              <a:ext uri="{FF2B5EF4-FFF2-40B4-BE49-F238E27FC236}">
+                <a16:creationId xmlns:a16="http://schemas.microsoft.com/office/drawing/2014/main" id="{B351ACE4-B970-4B4B-894B-5D28745C0D83}"/>
+              </a:ext>
+            </a:extLst>
+          </p:cNvPr>
+          <p:cNvSpPr>
+            <a:spLocks noGrp="1"/>
+          </p:cNvSpPr>
+          <p:nvPr>
+            <p:ph type="title"/>
+          </p:nvPr>
+        </p:nvSpPr>
+        <p:spPr/>
+        <p:txBody>
+          <a:bodyPr/>
+          <a:lstStyle/>
+          <a:p>
+            <a:r>
+              <a:rPr lang="de-DE" dirty="0"/>
+              <a:t>Dart - </a:t>
+            </a:r>
+            <a:r>
+              <a:rPr lang="de-DE" dirty="0" err="1"/>
+              <a:t>Callbacks</a:t>
+            </a:r>
+            <a:endParaRPr lang="de-DE" dirty="0"/>
+          </a:p>
+        </p:txBody>
+      </p:sp>
+      <p:sp>
+        <p:nvSpPr>
+          <p:cNvPr id="7" name="Inhaltsplatzhalter 6">
+            <a:extLst>
+              <a:ext uri="{FF2B5EF4-FFF2-40B4-BE49-F238E27FC236}">
+                <a16:creationId xmlns:a16="http://schemas.microsoft.com/office/drawing/2014/main" id="{35140AA2-5C30-4F61-AEA2-CE32383215C0}"/>
+              </a:ext>
+            </a:extLst>
+          </p:cNvPr>
+          <p:cNvSpPr>
+            <a:spLocks noGrp="1"/>
+          </p:cNvSpPr>
+          <p:nvPr>
+            <p:ph idx="1"/>
+          </p:nvPr>
+        </p:nvSpPr>
+        <p:spPr/>
+        <p:txBody>
+          <a:bodyPr/>
+          <a:lstStyle/>
+          <a:p>
+            <a:r>
+              <a:rPr lang="de-DE" dirty="0"/>
+              <a:t>Programmiere zunächst nach:</a:t>
+            </a:r>
+          </a:p>
+        </p:txBody>
+      </p:sp>
+      <p:sp>
+        <p:nvSpPr>
+          <p:cNvPr id="4" name="Datumsplatzhalter 3">
+            <a:extLst>
+              <a:ext uri="{FF2B5EF4-FFF2-40B4-BE49-F238E27FC236}">
+                <a16:creationId xmlns:a16="http://schemas.microsoft.com/office/drawing/2014/main" id="{E0707311-720B-4B2C-8CB8-513010B34927}"/>
+              </a:ext>
+            </a:extLst>
+          </p:cNvPr>
+          <p:cNvSpPr>
+            <a:spLocks noGrp="1"/>
+          </p:cNvSpPr>
+          <p:nvPr>
+            <p:ph type="dt" sz="half" idx="10"/>
+          </p:nvPr>
+        </p:nvSpPr>
+        <p:spPr/>
+        <p:txBody>
+          <a:bodyPr/>
+          <a:lstStyle/>
+          <a:p>
+            <a:fld id="{706CFF74-9D82-4823-AFE2-CBE8D2D808FC}" type="datetime1">
+              <a:rPr lang="de-DE" smtClean="0"/>
+              <a:t>17.02.2023</a:t>
+            </a:fld>
+            <a:endParaRPr lang="de-DE"/>
+          </a:p>
+        </p:txBody>
+      </p:sp>
+      <p:sp>
+        <p:nvSpPr>
+          <p:cNvPr id="5" name="Fußzeilenplatzhalter 4">
+            <a:extLst>
+              <a:ext uri="{FF2B5EF4-FFF2-40B4-BE49-F238E27FC236}">
+                <a16:creationId xmlns:a16="http://schemas.microsoft.com/office/drawing/2014/main" id="{493DBB45-5A4F-4E00-936C-7F2EC56CBDC4}"/>
+              </a:ext>
+            </a:extLst>
+          </p:cNvPr>
+          <p:cNvSpPr>
+            <a:spLocks noGrp="1"/>
+          </p:cNvSpPr>
+          <p:nvPr>
+            <p:ph type="ftr" sz="quarter" idx="11"/>
+          </p:nvPr>
+        </p:nvSpPr>
+        <p:spPr/>
+        <p:txBody>
+          <a:bodyPr/>
+          <a:lstStyle/>
+          <a:p>
+            <a:r>
+              <a:rPr lang="de-DE"/>
+              <a:t>Dart - Programmiersprache für Smartphones</a:t>
+            </a:r>
+          </a:p>
+        </p:txBody>
+      </p:sp>
+      <p:sp>
+        <p:nvSpPr>
+          <p:cNvPr id="6" name="Foliennummernplatzhalter 5">
+            <a:extLst>
+              <a:ext uri="{FF2B5EF4-FFF2-40B4-BE49-F238E27FC236}">
+                <a16:creationId xmlns:a16="http://schemas.microsoft.com/office/drawing/2014/main" id="{C184620B-C66B-4AFB-896F-8ED5115E85FC}"/>
+              </a:ext>
+            </a:extLst>
+          </p:cNvPr>
+          <p:cNvSpPr>
+            <a:spLocks noGrp="1"/>
+          </p:cNvSpPr>
+          <p:nvPr>
+            <p:ph type="sldNum" sz="quarter" idx="12"/>
+          </p:nvPr>
+        </p:nvSpPr>
+        <p:spPr/>
+        <p:txBody>
+          <a:bodyPr/>
+          <a:lstStyle/>
+          <a:p>
+            <a:fld id="{3A1F27E2-D58A-4028-9FF2-B12D897F257E}" type="slidenum">
+              <a:rPr lang="de-DE" smtClean="0"/>
+              <a:t>57</a:t>
+            </a:fld>
+            <a:endParaRPr lang="de-DE"/>
+          </a:p>
+        </p:txBody>
+      </p:sp>
+    </p:spTree>
+    <p:extLst>
+      <p:ext uri="{BB962C8B-B14F-4D97-AF65-F5344CB8AC3E}">
+        <p14:creationId xmlns:p14="http://schemas.microsoft.com/office/powerpoint/2010/main" val="2175979752"/>
+      </p:ext>
+    </p:extLst>
+  </p:cSld>
+  <p:clrMapOvr>
+    <a:masterClrMapping/>
+  </p:clrMapOvr>
+</p:sld>
+</file>
+
+<file path=ppt/slides/slide58.xml><?xml version="1.0" encoding="utf-8"?>
+<p:sld xmlns:a="http://schemas.openxmlformats.org/drawingml/2006/main" xmlns:r="http://schemas.openxmlformats.org/officeDocument/2006/relationships" xmlns:p="http://schemas.openxmlformats.org/presentationml/2006/main">
+  <p:cSld>
+    <p:spTree>
+      <p:nvGrpSpPr>
+        <p:cNvPr id="1" name=""/>
+        <p:cNvGrpSpPr/>
+        <p:nvPr/>
+      </p:nvGrpSpPr>
+      <p:grpSpPr>
+        <a:xfrm>
+          <a:off x="0" y="0"/>
+          <a:ext cx="0" cy="0"/>
+          <a:chOff x="0" y="0"/>
+          <a:chExt cx="0" cy="0"/>
+        </a:xfrm>
+      </p:grpSpPr>
+      <p:sp>
+        <p:nvSpPr>
+          <p:cNvPr id="2" name="Titel 1">
+            <a:extLst>
+              <a:ext uri="{FF2B5EF4-FFF2-40B4-BE49-F238E27FC236}">
+                <a16:creationId xmlns:a16="http://schemas.microsoft.com/office/drawing/2014/main" id="{B351ACE4-B970-4B4B-894B-5D28745C0D83}"/>
+              </a:ext>
+            </a:extLst>
+          </p:cNvPr>
+          <p:cNvSpPr>
+            <a:spLocks noGrp="1"/>
+          </p:cNvSpPr>
+          <p:nvPr>
+            <p:ph type="title"/>
+          </p:nvPr>
+        </p:nvSpPr>
+        <p:spPr/>
+        <p:txBody>
+          <a:bodyPr/>
+          <a:lstStyle/>
+          <a:p>
+            <a:r>
+              <a:rPr lang="de-DE" dirty="0"/>
+              <a:t>Dart - </a:t>
+            </a:r>
+            <a:r>
+              <a:rPr lang="de-DE" dirty="0" err="1"/>
+              <a:t>Callbacks</a:t>
+            </a:r>
+            <a:endParaRPr lang="de-DE" dirty="0"/>
+          </a:p>
+        </p:txBody>
+      </p:sp>
+      <p:sp>
+        <p:nvSpPr>
+          <p:cNvPr id="7" name="Inhaltsplatzhalter 6">
+            <a:extLst>
+              <a:ext uri="{FF2B5EF4-FFF2-40B4-BE49-F238E27FC236}">
+                <a16:creationId xmlns:a16="http://schemas.microsoft.com/office/drawing/2014/main" id="{35140AA2-5C30-4F61-AEA2-CE32383215C0}"/>
+              </a:ext>
+            </a:extLst>
+          </p:cNvPr>
+          <p:cNvSpPr>
+            <a:spLocks noGrp="1"/>
+          </p:cNvSpPr>
+          <p:nvPr>
+            <p:ph idx="1"/>
+          </p:nvPr>
+        </p:nvSpPr>
+        <p:spPr/>
+        <p:txBody>
+          <a:bodyPr/>
+          <a:lstStyle/>
+          <a:p>
+            <a:r>
+              <a:rPr lang="de-DE" dirty="0"/>
+              <a:t>Erweitere:</a:t>
+            </a:r>
+          </a:p>
+          <a:p>
+            <a:pPr lvl="1"/>
+            <a:r>
+              <a:rPr lang="de-DE" dirty="0"/>
+              <a:t>Eine Funktion für 2% Skonto</a:t>
+            </a:r>
+          </a:p>
+          <a:p>
+            <a:pPr lvl="1"/>
+            <a:r>
+              <a:rPr lang="de-DE" dirty="0"/>
+              <a:t>Eine Rabattfunktion für VW</a:t>
+            </a:r>
+          </a:p>
+          <a:p>
+            <a:pPr lvl="2"/>
+            <a:r>
+              <a:rPr lang="de-DE" dirty="0"/>
+              <a:t>Grundsätzlich 4% Rabatt</a:t>
+            </a:r>
+          </a:p>
+          <a:p>
+            <a:pPr lvl="2"/>
+            <a:r>
+              <a:rPr lang="de-DE" dirty="0"/>
+              <a:t>Ab 10000 € 6% Rabatt</a:t>
+            </a:r>
+          </a:p>
+          <a:p>
+            <a:r>
+              <a:rPr lang="de-DE" dirty="0"/>
+              <a:t>Folgender Code sollte laufen:</a:t>
+            </a:r>
+          </a:p>
+        </p:txBody>
+      </p:sp>
+      <p:sp>
+        <p:nvSpPr>
+          <p:cNvPr id="4" name="Datumsplatzhalter 3">
+            <a:extLst>
+              <a:ext uri="{FF2B5EF4-FFF2-40B4-BE49-F238E27FC236}">
+                <a16:creationId xmlns:a16="http://schemas.microsoft.com/office/drawing/2014/main" id="{E0707311-720B-4B2C-8CB8-513010B34927}"/>
+              </a:ext>
+            </a:extLst>
+          </p:cNvPr>
+          <p:cNvSpPr>
+            <a:spLocks noGrp="1"/>
+          </p:cNvSpPr>
+          <p:nvPr>
+            <p:ph type="dt" sz="half" idx="10"/>
+          </p:nvPr>
+        </p:nvSpPr>
+        <p:spPr/>
+        <p:txBody>
+          <a:bodyPr/>
+          <a:lstStyle/>
+          <a:p>
+            <a:fld id="{DF7C2B1F-6E2C-496E-BFF9-7CD4B274FE9C}" type="datetime1">
+              <a:rPr lang="de-DE" smtClean="0"/>
+              <a:t>17.02.2023</a:t>
+            </a:fld>
+            <a:endParaRPr lang="de-DE"/>
+          </a:p>
+        </p:txBody>
+      </p:sp>
+      <p:sp>
+        <p:nvSpPr>
+          <p:cNvPr id="5" name="Fußzeilenplatzhalter 4">
+            <a:extLst>
+              <a:ext uri="{FF2B5EF4-FFF2-40B4-BE49-F238E27FC236}">
+                <a16:creationId xmlns:a16="http://schemas.microsoft.com/office/drawing/2014/main" id="{493DBB45-5A4F-4E00-936C-7F2EC56CBDC4}"/>
+              </a:ext>
+            </a:extLst>
+          </p:cNvPr>
+          <p:cNvSpPr>
+            <a:spLocks noGrp="1"/>
+          </p:cNvSpPr>
+          <p:nvPr>
+            <p:ph type="ftr" sz="quarter" idx="11"/>
+          </p:nvPr>
+        </p:nvSpPr>
+        <p:spPr/>
+        <p:txBody>
+          <a:bodyPr/>
+          <a:lstStyle/>
+          <a:p>
+            <a:r>
+              <a:rPr lang="de-DE" dirty="0"/>
+              <a:t>Dart - Programmiersprache für Smartphones</a:t>
+            </a:r>
+          </a:p>
+        </p:txBody>
+      </p:sp>
+      <p:sp>
+        <p:nvSpPr>
+          <p:cNvPr id="6" name="Foliennummernplatzhalter 5">
+            <a:extLst>
+              <a:ext uri="{FF2B5EF4-FFF2-40B4-BE49-F238E27FC236}">
+                <a16:creationId xmlns:a16="http://schemas.microsoft.com/office/drawing/2014/main" id="{C184620B-C66B-4AFB-896F-8ED5115E85FC}"/>
+              </a:ext>
+            </a:extLst>
+          </p:cNvPr>
+          <p:cNvSpPr>
+            <a:spLocks noGrp="1"/>
+          </p:cNvSpPr>
+          <p:nvPr>
+            <p:ph type="sldNum" sz="quarter" idx="12"/>
+          </p:nvPr>
+        </p:nvSpPr>
+        <p:spPr/>
+        <p:txBody>
+          <a:bodyPr/>
+          <a:lstStyle/>
+          <a:p>
+            <a:fld id="{3A1F27E2-D58A-4028-9FF2-B12D897F257E}" type="slidenum">
+              <a:rPr lang="de-DE" smtClean="0"/>
+              <a:t>58</a:t>
+            </a:fld>
+            <a:endParaRPr lang="de-DE"/>
+          </a:p>
+        </p:txBody>
+      </p:sp>
+      <p:pic>
+        <p:nvPicPr>
+          <p:cNvPr id="9" name="Grafik 8">
+            <a:extLst>
+              <a:ext uri="{FF2B5EF4-FFF2-40B4-BE49-F238E27FC236}">
+                <a16:creationId xmlns:a16="http://schemas.microsoft.com/office/drawing/2014/main" id="{38CDBE14-44D6-4594-868E-179523684A9A}"/>
+              </a:ext>
+            </a:extLst>
+          </p:cNvPr>
+          <p:cNvPicPr>
+            <a:picLocks noChangeAspect="1"/>
+          </p:cNvPicPr>
+          <p:nvPr/>
+        </p:nvPicPr>
+        <p:blipFill>
+          <a:blip r:embed="rId3"/>
+          <a:stretch>
+            <a:fillRect/>
+          </a:stretch>
+        </p:blipFill>
+        <p:spPr>
+          <a:xfrm>
+            <a:off x="838200" y="4055155"/>
+            <a:ext cx="9462150" cy="1496030"/>
+          </a:xfrm>
+          <a:prstGeom prst="rect">
+            <a:avLst/>
+          </a:prstGeom>
+        </p:spPr>
+      </p:pic>
+    </p:spTree>
+    <p:extLst>
+      <p:ext uri="{BB962C8B-B14F-4D97-AF65-F5344CB8AC3E}">
+        <p14:creationId xmlns:p14="http://schemas.microsoft.com/office/powerpoint/2010/main" val="959354680"/>
+      </p:ext>
+    </p:extLst>
+  </p:cSld>
+  <p:clrMapOvr>
+    <a:masterClrMapping/>
+  </p:clrMapOvr>
+</p:sld>
+</file>
+
 <file path=ppt/slides/slide6.xml><?xml version="1.0" encoding="utf-8"?>
 <p:sld xmlns:a="http://schemas.openxmlformats.org/drawingml/2006/main" xmlns:r="http://schemas.openxmlformats.org/officeDocument/2006/relationships" xmlns:p="http://schemas.openxmlformats.org/presentationml/2006/main">
   <p:cSld>
@@ -25906,7 +29048,7 @@
           <a:p>
             <a:fld id="{A952138C-0142-4C6B-A620-863AA96BBBE1}" type="datetime1">
               <a:rPr lang="de-DE" smtClean="0"/>
-              <a:t>06.02.2023</a:t>
+              <a:t>17.02.2023</a:t>
             </a:fld>
             <a:endParaRPr lang="de-DE"/>
           </a:p>
@@ -26142,7 +29284,7 @@
           <a:p>
             <a:fld id="{7127E464-1A99-4532-A297-E1D7378D9E61}" type="datetime1">
               <a:rPr lang="de-DE" smtClean="0"/>
-              <a:t>06.02.2023</a:t>
+              <a:t>17.02.2023</a:t>
             </a:fld>
             <a:endParaRPr lang="de-DE"/>
           </a:p>
@@ -26523,7 +29665,7 @@
           <a:p>
             <a:fld id="{77B5C711-A7A8-40A0-AEA6-3F77D4628817}" type="datetime1">
               <a:rPr lang="de-DE" smtClean="0"/>
-              <a:t>06.02.2023</a:t>
+              <a:t>17.02.2023</a:t>
             </a:fld>
             <a:endParaRPr lang="de-DE"/>
           </a:p>
@@ -26902,7 +30044,7 @@
           <a:p>
             <a:fld id="{27A2010A-1149-4F23-80A2-1B4570F18F3A}" type="datetime1">
               <a:rPr lang="de-DE" smtClean="0"/>
-              <a:t>06.02.2023</a:t>
+              <a:t>17.02.2023</a:t>
             </a:fld>
             <a:endParaRPr lang="de-DE"/>
           </a:p>

--- a/presentations/Dart.pptx
+++ b/presentations/Dart.pptx
@@ -6,10 +6,10 @@
     <p:sldMasterId id="2147483656" r:id="rId2"/>
   </p:sldMasterIdLst>
   <p:notesMasterIdLst>
-    <p:notesMasterId r:id="rId61"/>
+    <p:notesMasterId r:id="rId67"/>
   </p:notesMasterIdLst>
   <p:handoutMasterIdLst>
-    <p:handoutMasterId r:id="rId62"/>
+    <p:handoutMasterId r:id="rId68"/>
   </p:handoutMasterIdLst>
   <p:sldIdLst>
     <p:sldId id="256" r:id="rId3"/>
@@ -70,6 +70,12 @@
     <p:sldId id="322" r:id="rId58"/>
     <p:sldId id="323" r:id="rId59"/>
     <p:sldId id="324" r:id="rId60"/>
+    <p:sldId id="347" r:id="rId61"/>
+    <p:sldId id="352" r:id="rId62"/>
+    <p:sldId id="353" r:id="rId63"/>
+    <p:sldId id="354" r:id="rId64"/>
+    <p:sldId id="355" r:id="rId65"/>
+    <p:sldId id="356" r:id="rId66"/>
   </p:sldIdLst>
   <p:sldSz cx="12192000" cy="6858000"/>
   <p:notesSz cx="6858000" cy="9144000"/>
@@ -293,7 +299,14 @@
           </p14:sldIdLst>
         </p14:section>
         <p14:section name="Lambdas" id="{76D72FA9-169C-4513-9244-C6C9B595BF6E}">
-          <p14:sldIdLst/>
+          <p14:sldIdLst>
+            <p14:sldId id="347"/>
+            <p14:sldId id="352"/>
+            <p14:sldId id="353"/>
+            <p14:sldId id="354"/>
+            <p14:sldId id="355"/>
+            <p14:sldId id="356"/>
+          </p14:sldIdLst>
         </p14:section>
         <p14:section name="Async/Await" id="{F00BADB3-CEE5-4594-895D-E5F0B75FD60F}">
           <p14:sldIdLst/>
@@ -426,7 +439,7 @@
                   <a:schemeClr val="tx2"/>
                 </a:solidFill>
               </a:rPr>
-              <a:t>17.02.2023</a:t>
+              <a:t>24.03.2023</a:t>
             </a:fld>
             <a:endParaRPr lang="de-DE">
               <a:solidFill>
@@ -776,7 +789,7 @@
             <a:fld id="{B4113CCE-1A1A-46DB-884A-AE560F65C3AF}" type="datetimeFigureOut">
               <a:rPr lang="de-DE" smtClean="0"/>
               <a:pPr/>
-              <a:t>17.02.2023</a:t>
+              <a:t>24.03.2023</a:t>
             </a:fld>
             <a:endParaRPr lang="de-DE"/>
           </a:p>
@@ -5565,6 +5578,508 @@
 </p:notes>
 </file>
 
+<file path=ppt/notesSlides/notesSlide44.xml><?xml version="1.0" encoding="utf-8"?>
+<p:notes xmlns:a="http://schemas.openxmlformats.org/drawingml/2006/main" xmlns:r="http://schemas.openxmlformats.org/officeDocument/2006/relationships" xmlns:p="http://schemas.openxmlformats.org/presentationml/2006/main">
+  <p:cSld>
+    <p:spTree>
+      <p:nvGrpSpPr>
+        <p:cNvPr id="1" name=""/>
+        <p:cNvGrpSpPr/>
+        <p:nvPr/>
+      </p:nvGrpSpPr>
+      <p:grpSpPr>
+        <a:xfrm>
+          <a:off x="0" y="0"/>
+          <a:ext cx="0" cy="0"/>
+          <a:chOff x="0" y="0"/>
+          <a:chExt cx="0" cy="0"/>
+        </a:xfrm>
+      </p:grpSpPr>
+      <p:sp>
+        <p:nvSpPr>
+          <p:cNvPr id="2" name="Folienbildplatzhalter 1"/>
+          <p:cNvSpPr>
+            <a:spLocks noGrp="1" noRot="1" noChangeAspect="1"/>
+          </p:cNvSpPr>
+          <p:nvPr>
+            <p:ph type="sldImg"/>
+          </p:nvPr>
+        </p:nvSpPr>
+        <p:spPr>
+          <a:xfrm>
+            <a:off x="685800" y="1143000"/>
+            <a:ext cx="4270375" cy="2401888"/>
+          </a:xfrm>
+        </p:spPr>
+      </p:sp>
+      <p:sp>
+        <p:nvSpPr>
+          <p:cNvPr id="3" name="Notizenplatzhalter 2"/>
+          <p:cNvSpPr>
+            <a:spLocks noGrp="1"/>
+          </p:cNvSpPr>
+          <p:nvPr>
+            <p:ph type="body" idx="1"/>
+          </p:nvPr>
+        </p:nvSpPr>
+        <p:spPr/>
+        <p:txBody>
+          <a:bodyPr/>
+          <a:lstStyle/>
+          <a:p>
+            <a:r>
+              <a:rPr lang="de-DE" dirty="0"/>
+              <a:t>Frage an die Teilnehmer: was wäre eine Lösung?</a:t>
+            </a:r>
+          </a:p>
+        </p:txBody>
+      </p:sp>
+      <p:sp>
+        <p:nvSpPr>
+          <p:cNvPr id="4" name="Foliennummernplatzhalter 3"/>
+          <p:cNvSpPr>
+            <a:spLocks noGrp="1"/>
+          </p:cNvSpPr>
+          <p:nvPr>
+            <p:ph type="sldNum" sz="quarter" idx="5"/>
+          </p:nvPr>
+        </p:nvSpPr>
+        <p:spPr/>
+        <p:txBody>
+          <a:bodyPr/>
+          <a:lstStyle/>
+          <a:p>
+            <a:fld id="{927DBD90-B360-417B-B4B3-F05A4AFC1996}" type="slidenum">
+              <a:rPr lang="de-DE" smtClean="0"/>
+              <a:pPr/>
+              <a:t>59</a:t>
+            </a:fld>
+            <a:endParaRPr lang="de-DE"/>
+          </a:p>
+        </p:txBody>
+      </p:sp>
+    </p:spTree>
+    <p:extLst>
+      <p:ext uri="{BB962C8B-B14F-4D97-AF65-F5344CB8AC3E}">
+        <p14:creationId xmlns:p14="http://schemas.microsoft.com/office/powerpoint/2010/main" val="1775610637"/>
+      </p:ext>
+    </p:extLst>
+  </p:cSld>
+  <p:clrMapOvr>
+    <a:masterClrMapping/>
+  </p:clrMapOvr>
+</p:notes>
+</file>
+
+<file path=ppt/notesSlides/notesSlide45.xml><?xml version="1.0" encoding="utf-8"?>
+<p:notes xmlns:a="http://schemas.openxmlformats.org/drawingml/2006/main" xmlns:r="http://schemas.openxmlformats.org/officeDocument/2006/relationships" xmlns:p="http://schemas.openxmlformats.org/presentationml/2006/main">
+  <p:cSld>
+    <p:spTree>
+      <p:nvGrpSpPr>
+        <p:cNvPr id="1" name=""/>
+        <p:cNvGrpSpPr/>
+        <p:nvPr/>
+      </p:nvGrpSpPr>
+      <p:grpSpPr>
+        <a:xfrm>
+          <a:off x="0" y="0"/>
+          <a:ext cx="0" cy="0"/>
+          <a:chOff x="0" y="0"/>
+          <a:chExt cx="0" cy="0"/>
+        </a:xfrm>
+      </p:grpSpPr>
+      <p:sp>
+        <p:nvSpPr>
+          <p:cNvPr id="2" name="Folienbildplatzhalter 1"/>
+          <p:cNvSpPr>
+            <a:spLocks noGrp="1" noRot="1" noChangeAspect="1"/>
+          </p:cNvSpPr>
+          <p:nvPr>
+            <p:ph type="sldImg"/>
+          </p:nvPr>
+        </p:nvSpPr>
+        <p:spPr>
+          <a:xfrm>
+            <a:off x="685800" y="1143000"/>
+            <a:ext cx="4270375" cy="2401888"/>
+          </a:xfrm>
+        </p:spPr>
+      </p:sp>
+      <p:sp>
+        <p:nvSpPr>
+          <p:cNvPr id="3" name="Notizenplatzhalter 2"/>
+          <p:cNvSpPr>
+            <a:spLocks noGrp="1"/>
+          </p:cNvSpPr>
+          <p:nvPr>
+            <p:ph type="body" idx="1"/>
+          </p:nvPr>
+        </p:nvSpPr>
+        <p:spPr/>
+        <p:txBody>
+          <a:bodyPr/>
+          <a:lstStyle/>
+          <a:p>
+            <a:endParaRPr lang="de-DE" dirty="0"/>
+          </a:p>
+        </p:txBody>
+      </p:sp>
+      <p:sp>
+        <p:nvSpPr>
+          <p:cNvPr id="4" name="Foliennummernplatzhalter 3"/>
+          <p:cNvSpPr>
+            <a:spLocks noGrp="1"/>
+          </p:cNvSpPr>
+          <p:nvPr>
+            <p:ph type="sldNum" sz="quarter" idx="5"/>
+          </p:nvPr>
+        </p:nvSpPr>
+        <p:spPr/>
+        <p:txBody>
+          <a:bodyPr/>
+          <a:lstStyle/>
+          <a:p>
+            <a:fld id="{927DBD90-B360-417B-B4B3-F05A4AFC1996}" type="slidenum">
+              <a:rPr lang="de-DE" smtClean="0"/>
+              <a:pPr/>
+              <a:t>60</a:t>
+            </a:fld>
+            <a:endParaRPr lang="de-DE"/>
+          </a:p>
+        </p:txBody>
+      </p:sp>
+    </p:spTree>
+    <p:extLst>
+      <p:ext uri="{BB962C8B-B14F-4D97-AF65-F5344CB8AC3E}">
+        <p14:creationId xmlns:p14="http://schemas.microsoft.com/office/powerpoint/2010/main" val="748185437"/>
+      </p:ext>
+    </p:extLst>
+  </p:cSld>
+  <p:clrMapOvr>
+    <a:masterClrMapping/>
+  </p:clrMapOvr>
+</p:notes>
+</file>
+
+<file path=ppt/notesSlides/notesSlide46.xml><?xml version="1.0" encoding="utf-8"?>
+<p:notes xmlns:a="http://schemas.openxmlformats.org/drawingml/2006/main" xmlns:r="http://schemas.openxmlformats.org/officeDocument/2006/relationships" xmlns:p="http://schemas.openxmlformats.org/presentationml/2006/main">
+  <p:cSld>
+    <p:spTree>
+      <p:nvGrpSpPr>
+        <p:cNvPr id="1" name=""/>
+        <p:cNvGrpSpPr/>
+        <p:nvPr/>
+      </p:nvGrpSpPr>
+      <p:grpSpPr>
+        <a:xfrm>
+          <a:off x="0" y="0"/>
+          <a:ext cx="0" cy="0"/>
+          <a:chOff x="0" y="0"/>
+          <a:chExt cx="0" cy="0"/>
+        </a:xfrm>
+      </p:grpSpPr>
+      <p:sp>
+        <p:nvSpPr>
+          <p:cNvPr id="2" name="Folienbildplatzhalter 1"/>
+          <p:cNvSpPr>
+            <a:spLocks noGrp="1" noRot="1" noChangeAspect="1"/>
+          </p:cNvSpPr>
+          <p:nvPr>
+            <p:ph type="sldImg"/>
+          </p:nvPr>
+        </p:nvSpPr>
+        <p:spPr>
+          <a:xfrm>
+            <a:off x="685800" y="1143000"/>
+            <a:ext cx="4270375" cy="2401888"/>
+          </a:xfrm>
+        </p:spPr>
+      </p:sp>
+      <p:sp>
+        <p:nvSpPr>
+          <p:cNvPr id="3" name="Notizenplatzhalter 2"/>
+          <p:cNvSpPr>
+            <a:spLocks noGrp="1"/>
+          </p:cNvSpPr>
+          <p:nvPr>
+            <p:ph type="body" idx="1"/>
+          </p:nvPr>
+        </p:nvSpPr>
+        <p:spPr/>
+        <p:txBody>
+          <a:bodyPr/>
+          <a:lstStyle/>
+          <a:p>
+            <a:endParaRPr lang="de-DE" dirty="0"/>
+          </a:p>
+        </p:txBody>
+      </p:sp>
+      <p:sp>
+        <p:nvSpPr>
+          <p:cNvPr id="4" name="Foliennummernplatzhalter 3"/>
+          <p:cNvSpPr>
+            <a:spLocks noGrp="1"/>
+          </p:cNvSpPr>
+          <p:nvPr>
+            <p:ph type="sldNum" sz="quarter" idx="5"/>
+          </p:nvPr>
+        </p:nvSpPr>
+        <p:spPr/>
+        <p:txBody>
+          <a:bodyPr/>
+          <a:lstStyle/>
+          <a:p>
+            <a:fld id="{927DBD90-B360-417B-B4B3-F05A4AFC1996}" type="slidenum">
+              <a:rPr lang="de-DE" smtClean="0"/>
+              <a:pPr/>
+              <a:t>61</a:t>
+            </a:fld>
+            <a:endParaRPr lang="de-DE"/>
+          </a:p>
+        </p:txBody>
+      </p:sp>
+    </p:spTree>
+    <p:extLst>
+      <p:ext uri="{BB962C8B-B14F-4D97-AF65-F5344CB8AC3E}">
+        <p14:creationId xmlns:p14="http://schemas.microsoft.com/office/powerpoint/2010/main" val="1244336510"/>
+      </p:ext>
+    </p:extLst>
+  </p:cSld>
+  <p:clrMapOvr>
+    <a:masterClrMapping/>
+  </p:clrMapOvr>
+</p:notes>
+</file>
+
+<file path=ppt/notesSlides/notesSlide47.xml><?xml version="1.0" encoding="utf-8"?>
+<p:notes xmlns:a="http://schemas.openxmlformats.org/drawingml/2006/main" xmlns:r="http://schemas.openxmlformats.org/officeDocument/2006/relationships" xmlns:p="http://schemas.openxmlformats.org/presentationml/2006/main">
+  <p:cSld>
+    <p:spTree>
+      <p:nvGrpSpPr>
+        <p:cNvPr id="1" name=""/>
+        <p:cNvGrpSpPr/>
+        <p:nvPr/>
+      </p:nvGrpSpPr>
+      <p:grpSpPr>
+        <a:xfrm>
+          <a:off x="0" y="0"/>
+          <a:ext cx="0" cy="0"/>
+          <a:chOff x="0" y="0"/>
+          <a:chExt cx="0" cy="0"/>
+        </a:xfrm>
+      </p:grpSpPr>
+      <p:sp>
+        <p:nvSpPr>
+          <p:cNvPr id="2" name="Folienbildplatzhalter 1"/>
+          <p:cNvSpPr>
+            <a:spLocks noGrp="1" noRot="1" noChangeAspect="1"/>
+          </p:cNvSpPr>
+          <p:nvPr>
+            <p:ph type="sldImg"/>
+          </p:nvPr>
+        </p:nvSpPr>
+        <p:spPr>
+          <a:xfrm>
+            <a:off x="685800" y="1143000"/>
+            <a:ext cx="4270375" cy="2401888"/>
+          </a:xfrm>
+        </p:spPr>
+      </p:sp>
+      <p:sp>
+        <p:nvSpPr>
+          <p:cNvPr id="3" name="Notizenplatzhalter 2"/>
+          <p:cNvSpPr>
+            <a:spLocks noGrp="1"/>
+          </p:cNvSpPr>
+          <p:nvPr>
+            <p:ph type="body" idx="1"/>
+          </p:nvPr>
+        </p:nvSpPr>
+        <p:spPr/>
+        <p:txBody>
+          <a:bodyPr/>
+          <a:lstStyle/>
+          <a:p>
+            <a:r>
+              <a:rPr lang="de-DE" dirty="0"/>
+              <a:t>Bei der Funktion müssen wir den Rückgabewert angeben (hier: </a:t>
+            </a:r>
+            <a:r>
+              <a:rPr lang="de-DE" dirty="0" err="1"/>
+              <a:t>int</a:t>
+            </a:r>
+            <a:r>
+              <a:rPr lang="de-DE" dirty="0"/>
+              <a:t>), beim Lambda nicht (</a:t>
+            </a:r>
+            <a:r>
+              <a:rPr lang="de-DE" dirty="0" err="1"/>
+              <a:t>var</a:t>
+            </a:r>
+            <a:r>
+              <a:rPr lang="de-DE" dirty="0"/>
+              <a:t> ist der Typ der Variable, nicht der Rückgabetyp der Funktion).</a:t>
+            </a:r>
+          </a:p>
+          <a:p>
+            <a:r>
+              <a:rPr lang="de-DE" dirty="0"/>
+              <a:t>Beim Lambda brauchen wir einen Stichpunkt (grün), um die Zuweisung (auch grün) abzuschließen. Bei der Funktion brauchen wir keinen Strichpunkt am Ende. Das Ende der Funktion ist die geschweifte Klammer.</a:t>
+            </a:r>
+          </a:p>
+          <a:p>
+            <a:r>
+              <a:rPr lang="de-DE" dirty="0"/>
+              <a:t>Beim Verwenden des Lambdas setzen wir Klammern wie bei einem Funktionsaufruf (lila).</a:t>
+            </a:r>
+          </a:p>
+          <a:p>
+            <a:endParaRPr lang="de-DE" dirty="0"/>
+          </a:p>
+          <a:p>
+            <a:r>
+              <a:rPr lang="de-DE" dirty="0"/>
+              <a:t>Bis jetzt haben wir noch nichts gewonnen. Das Lambda verhält sich genau wie eine Funktion.</a:t>
+            </a:r>
+          </a:p>
+          <a:p>
+            <a:r>
+              <a:rPr lang="de-DE" dirty="0"/>
+              <a:t>Wir wollten ja ein Problem lösen, nämlich den Zugriff auf lokale Variablen.</a:t>
+            </a:r>
+          </a:p>
+        </p:txBody>
+      </p:sp>
+      <p:sp>
+        <p:nvSpPr>
+          <p:cNvPr id="4" name="Foliennummernplatzhalter 3"/>
+          <p:cNvSpPr>
+            <a:spLocks noGrp="1"/>
+          </p:cNvSpPr>
+          <p:nvPr>
+            <p:ph type="sldNum" sz="quarter" idx="5"/>
+          </p:nvPr>
+        </p:nvSpPr>
+        <p:spPr/>
+        <p:txBody>
+          <a:bodyPr/>
+          <a:lstStyle/>
+          <a:p>
+            <a:fld id="{927DBD90-B360-417B-B4B3-F05A4AFC1996}" type="slidenum">
+              <a:rPr lang="de-DE" smtClean="0"/>
+              <a:pPr/>
+              <a:t>62</a:t>
+            </a:fld>
+            <a:endParaRPr lang="de-DE"/>
+          </a:p>
+        </p:txBody>
+      </p:sp>
+    </p:spTree>
+    <p:extLst>
+      <p:ext uri="{BB962C8B-B14F-4D97-AF65-F5344CB8AC3E}">
+        <p14:creationId xmlns:p14="http://schemas.microsoft.com/office/powerpoint/2010/main" val="487843608"/>
+      </p:ext>
+    </p:extLst>
+  </p:cSld>
+  <p:clrMapOvr>
+    <a:masterClrMapping/>
+  </p:clrMapOvr>
+</p:notes>
+</file>
+
+<file path=ppt/notesSlides/notesSlide48.xml><?xml version="1.0" encoding="utf-8"?>
+<p:notes xmlns:a="http://schemas.openxmlformats.org/drawingml/2006/main" xmlns:r="http://schemas.openxmlformats.org/officeDocument/2006/relationships" xmlns:p="http://schemas.openxmlformats.org/presentationml/2006/main">
+  <p:cSld>
+    <p:spTree>
+      <p:nvGrpSpPr>
+        <p:cNvPr id="1" name=""/>
+        <p:cNvGrpSpPr/>
+        <p:nvPr/>
+      </p:nvGrpSpPr>
+      <p:grpSpPr>
+        <a:xfrm>
+          <a:off x="0" y="0"/>
+          <a:ext cx="0" cy="0"/>
+          <a:chOff x="0" y="0"/>
+          <a:chExt cx="0" cy="0"/>
+        </a:xfrm>
+      </p:grpSpPr>
+      <p:sp>
+        <p:nvSpPr>
+          <p:cNvPr id="2" name="Folienbildplatzhalter 1"/>
+          <p:cNvSpPr>
+            <a:spLocks noGrp="1" noRot="1" noChangeAspect="1"/>
+          </p:cNvSpPr>
+          <p:nvPr>
+            <p:ph type="sldImg"/>
+          </p:nvPr>
+        </p:nvSpPr>
+        <p:spPr>
+          <a:xfrm>
+            <a:off x="685800" y="1143000"/>
+            <a:ext cx="4270375" cy="2401888"/>
+          </a:xfrm>
+        </p:spPr>
+      </p:sp>
+      <p:sp>
+        <p:nvSpPr>
+          <p:cNvPr id="3" name="Notizenplatzhalter 2"/>
+          <p:cNvSpPr>
+            <a:spLocks noGrp="1"/>
+          </p:cNvSpPr>
+          <p:nvPr>
+            <p:ph type="body" idx="1"/>
+          </p:nvPr>
+        </p:nvSpPr>
+        <p:spPr/>
+        <p:txBody>
+          <a:bodyPr/>
+          <a:lstStyle/>
+          <a:p>
+            <a:r>
+              <a:rPr lang="de-DE" dirty="0"/>
+              <a:t>Das schöne ist nun, dass wir innerhalb des Lambdas auf lokale Variablen zugreifen können, die außerhalb der Funktion definiert sind.</a:t>
+            </a:r>
+          </a:p>
+        </p:txBody>
+      </p:sp>
+      <p:sp>
+        <p:nvSpPr>
+          <p:cNvPr id="4" name="Foliennummernplatzhalter 3"/>
+          <p:cNvSpPr>
+            <a:spLocks noGrp="1"/>
+          </p:cNvSpPr>
+          <p:nvPr>
+            <p:ph type="sldNum" sz="quarter" idx="5"/>
+          </p:nvPr>
+        </p:nvSpPr>
+        <p:spPr/>
+        <p:txBody>
+          <a:bodyPr/>
+          <a:lstStyle/>
+          <a:p>
+            <a:fld id="{927DBD90-B360-417B-B4B3-F05A4AFC1996}" type="slidenum">
+              <a:rPr lang="de-DE" smtClean="0"/>
+              <a:pPr/>
+              <a:t>63</a:t>
+            </a:fld>
+            <a:endParaRPr lang="de-DE"/>
+          </a:p>
+        </p:txBody>
+      </p:sp>
+    </p:spTree>
+    <p:extLst>
+      <p:ext uri="{BB962C8B-B14F-4D97-AF65-F5344CB8AC3E}">
+        <p14:creationId xmlns:p14="http://schemas.microsoft.com/office/powerpoint/2010/main" val="4179338695"/>
+      </p:ext>
+    </p:extLst>
+  </p:cSld>
+  <p:clrMapOvr>
+    <a:masterClrMapping/>
+  </p:clrMapOvr>
+</p:notes>
+</file>
+
 <file path=ppt/notesSlides/notesSlide5.xml><?xml version="1.0" encoding="utf-8"?>
 <p:notes xmlns:a="http://schemas.openxmlformats.org/drawingml/2006/main" xmlns:r="http://schemas.openxmlformats.org/officeDocument/2006/relationships" xmlns:p="http://schemas.openxmlformats.org/presentationml/2006/main">
   <p:cSld>
@@ -6180,7 +6695,7 @@
           <a:p>
             <a:fld id="{4E6DF7AA-8899-480A-AE8B-97B651237939}" type="datetime1">
               <a:rPr lang="de-DE" smtClean="0"/>
-              <a:t>17.02.2023</a:t>
+              <a:t>24.03.2023</a:t>
             </a:fld>
             <a:endParaRPr lang="de-DE"/>
           </a:p>
@@ -6385,7 +6900,7 @@
           <a:p>
             <a:fld id="{A1082C62-1968-4D03-BE49-CB116A4D6814}" type="datetime1">
               <a:rPr lang="de-DE" smtClean="0"/>
-              <a:t>17.02.2023</a:t>
+              <a:t>24.03.2023</a:t>
             </a:fld>
             <a:endParaRPr lang="de-DE"/>
           </a:p>
@@ -6539,7 +7054,7 @@
           <a:p>
             <a:fld id="{C0E04462-FF80-4281-98D0-2AB88E65DA84}" type="datetime1">
               <a:rPr lang="de-DE" smtClean="0"/>
-              <a:t>17.02.2023</a:t>
+              <a:t>24.03.2023</a:t>
             </a:fld>
             <a:endParaRPr lang="de-DE"/>
           </a:p>
@@ -6776,7 +7291,7 @@
           <a:p>
             <a:fld id="{1FAA5A7F-2A4E-40D6-9FFE-960B13817A2C}" type="datetime1">
               <a:rPr lang="de-DE" smtClean="0"/>
-              <a:t>17.02.2023</a:t>
+              <a:t>24.03.2023</a:t>
             </a:fld>
             <a:endParaRPr lang="de-DE"/>
           </a:p>
@@ -6952,7 +7467,7 @@
           <a:p>
             <a:fld id="{382DDC3E-10C9-4B92-B2FB-A8167FB6AB1D}" type="datetime1">
               <a:rPr lang="de-DE" smtClean="0"/>
-              <a:t>17.02.2023</a:t>
+              <a:t>24.03.2023</a:t>
             </a:fld>
             <a:endParaRPr lang="de-DE"/>
           </a:p>
@@ -7128,7 +7643,7 @@
           <a:p>
             <a:fld id="{8159FE7A-07D2-4D3F-9855-29B7F3DF1D43}" type="datetime1">
               <a:rPr lang="de-DE" smtClean="0"/>
-              <a:t>17.02.2023</a:t>
+              <a:t>24.03.2023</a:t>
             </a:fld>
             <a:endParaRPr lang="de-DE"/>
           </a:p>
@@ -7278,7 +7793,7 @@
           <a:p>
             <a:fld id="{7CF1A54B-9CB9-49D3-BA48-5A7ECDBA0943}" type="datetime1">
               <a:rPr lang="de-DE" smtClean="0"/>
-              <a:t>17.02.2023</a:t>
+              <a:t>24.03.2023</a:t>
             </a:fld>
             <a:endParaRPr lang="de-DE"/>
           </a:p>
@@ -7376,7 +7891,7 @@
           <a:p>
             <a:fld id="{5621DBFA-780B-465A-97B9-CC4792E01430}" type="datetime1">
               <a:rPr lang="de-DE" smtClean="0"/>
-              <a:t>17.02.2023</a:t>
+              <a:t>24.03.2023</a:t>
             </a:fld>
             <a:endParaRPr lang="de-DE"/>
           </a:p>
@@ -7500,7 +8015,7 @@
           <a:p>
             <a:fld id="{13ADA68E-BD65-4999-8C0B-CC0F110C2BD3}" type="datetime1">
               <a:rPr lang="de-DE" smtClean="0"/>
-              <a:t>17.02.2023</a:t>
+              <a:t>24.03.2023</a:t>
             </a:fld>
             <a:endParaRPr lang="de-DE"/>
           </a:p>
@@ -7684,7 +8199,7 @@
           <a:p>
             <a:fld id="{93B55C80-8AAA-4242-8442-4A53184707C3}" type="datetime1">
               <a:rPr lang="de-DE" smtClean="0"/>
-              <a:t>17.02.2023</a:t>
+              <a:t>24.03.2023</a:t>
             </a:fld>
             <a:endParaRPr lang="de-DE"/>
           </a:p>
@@ -7889,7 +8404,7 @@
           <a:p>
             <a:fld id="{4485BB24-7FA9-422A-BF70-F9FA49C1D9F8}" type="datetime1">
               <a:rPr lang="de-DE" smtClean="0"/>
-              <a:t>17.02.2023</a:t>
+              <a:t>24.03.2023</a:t>
             </a:fld>
             <a:endParaRPr lang="de-DE"/>
           </a:p>
@@ -8247,7 +8762,7 @@
           <a:p>
             <a:fld id="{3CD93E9C-CF59-4162-A977-F7642EDBB23A}" type="datetime1">
               <a:rPr lang="de-DE" smtClean="0"/>
-              <a:t>17.02.2023</a:t>
+              <a:t>24.03.2023</a:t>
             </a:fld>
             <a:endParaRPr lang="de-DE" dirty="0"/>
           </a:p>
@@ -8888,7 +9403,7 @@
           <a:p>
             <a:fld id="{6FE8A2CE-6D32-4716-A090-EDD7EE0B4140}" type="datetime1">
               <a:rPr lang="de-DE" smtClean="0"/>
-              <a:t>17.02.2023</a:t>
+              <a:t>24.03.2023</a:t>
             </a:fld>
             <a:endParaRPr lang="de-DE" dirty="0"/>
           </a:p>
@@ -9560,7 +10075,7 @@
           <a:p>
             <a:fld id="{603113A9-B1ED-4EC0-A094-9858FCF2D0C8}" type="datetime1">
               <a:rPr lang="de-DE" smtClean="0"/>
-              <a:t>17.02.2023</a:t>
+              <a:t>24.03.2023</a:t>
             </a:fld>
             <a:endParaRPr lang="de-DE"/>
           </a:p>
@@ -9770,7 +10285,7 @@
           <a:p>
             <a:fld id="{B70EBCA3-FB0B-48D9-A2E5-56DBD5624AFE}" type="datetime1">
               <a:rPr lang="de-DE" smtClean="0"/>
-              <a:t>17.02.2023</a:t>
+              <a:t>24.03.2023</a:t>
             </a:fld>
             <a:endParaRPr lang="de-DE"/>
           </a:p>
@@ -10079,7 +10594,7 @@
           <a:p>
             <a:fld id="{AAEBEB04-CBF0-4835-872C-2565D4E2EBF1}" type="datetime1">
               <a:rPr lang="de-DE" smtClean="0"/>
-              <a:t>17.02.2023</a:t>
+              <a:t>24.03.2023</a:t>
             </a:fld>
             <a:endParaRPr lang="de-DE"/>
           </a:p>
@@ -10347,7 +10862,7 @@
           <a:p>
             <a:fld id="{8F663D0B-A90A-4472-ADF1-2D4D5E0E002A}" type="datetime1">
               <a:rPr lang="de-DE" smtClean="0"/>
-              <a:t>17.02.2023</a:t>
+              <a:t>24.03.2023</a:t>
             </a:fld>
             <a:endParaRPr lang="de-DE"/>
           </a:p>
@@ -10646,7 +11161,7 @@
           <a:p>
             <a:fld id="{C81998FD-B568-4E47-AA9F-CE36B3FEB5BA}" type="datetime1">
               <a:rPr lang="de-DE" smtClean="0"/>
-              <a:t>17.02.2023</a:t>
+              <a:t>24.03.2023</a:t>
             </a:fld>
             <a:endParaRPr lang="de-DE"/>
           </a:p>
@@ -10997,7 +11512,7 @@
           <a:p>
             <a:fld id="{0A4F56F1-7827-4042-A276-DAF40AC0B000}" type="datetime1">
               <a:rPr lang="de-DE" smtClean="0"/>
-              <a:t>17.02.2023</a:t>
+              <a:t>24.03.2023</a:t>
             </a:fld>
             <a:endParaRPr lang="de-DE"/>
           </a:p>
@@ -11295,7 +11810,7 @@
           <a:p>
             <a:fld id="{DAB02174-66FA-41E9-A997-DF7D3619438B}" type="datetime1">
               <a:rPr lang="de-DE" smtClean="0"/>
-              <a:t>17.02.2023</a:t>
+              <a:t>24.03.2023</a:t>
             </a:fld>
             <a:endParaRPr lang="de-DE"/>
           </a:p>
@@ -11676,7 +12191,7 @@
           <a:p>
             <a:fld id="{BDFFDF87-2C7B-4FBB-B7F3-0EB8FC88FA6F}" type="datetime1">
               <a:rPr lang="de-DE" smtClean="0"/>
-              <a:t>17.02.2023</a:t>
+              <a:t>24.03.2023</a:t>
             </a:fld>
             <a:endParaRPr lang="de-DE"/>
           </a:p>
@@ -12009,7 +12524,7 @@
           <a:p>
             <a:fld id="{4AEAFF43-79D1-488F-88E5-AECF0C52E4F6}" type="datetime1">
               <a:rPr lang="de-DE" smtClean="0"/>
-              <a:t>17.02.2023</a:t>
+              <a:t>24.03.2023</a:t>
             </a:fld>
             <a:endParaRPr lang="de-DE"/>
           </a:p>
@@ -12287,7 +12802,7 @@
           <a:p>
             <a:fld id="{F3624D99-4580-4939-A184-6854C4D65CB3}" type="datetime1">
               <a:rPr lang="de-DE" smtClean="0"/>
-              <a:t>17.02.2023</a:t>
+              <a:t>24.03.2023</a:t>
             </a:fld>
             <a:endParaRPr lang="de-DE"/>
           </a:p>
@@ -12627,7 +13142,7 @@
           <a:p>
             <a:fld id="{F2FEDD9D-5594-473A-899D-C0AD9514F726}" type="datetime1">
               <a:rPr lang="de-DE" smtClean="0"/>
-              <a:t>17.02.2023</a:t>
+              <a:t>24.03.2023</a:t>
             </a:fld>
             <a:endParaRPr lang="de-DE"/>
           </a:p>
@@ -12889,7 +13404,7 @@
           <a:p>
             <a:fld id="{92A047F3-1820-4570-AC17-C8DA167C5F14}" type="datetime1">
               <a:rPr lang="de-DE" smtClean="0"/>
-              <a:t>17.02.2023</a:t>
+              <a:t>24.03.2023</a:t>
             </a:fld>
             <a:endParaRPr lang="de-DE"/>
           </a:p>
@@ -13387,7 +13902,7 @@
           <a:p>
             <a:fld id="{95C3B550-B314-4EBE-B643-25AC9427FA8B}" type="datetime1">
               <a:rPr lang="de-DE" smtClean="0"/>
-              <a:t>17.02.2023</a:t>
+              <a:t>24.03.2023</a:t>
             </a:fld>
             <a:endParaRPr lang="de-DE"/>
           </a:p>
@@ -13733,7 +14248,7 @@
           <a:p>
             <a:fld id="{767B626B-00B4-4CEC-8206-7F4851B03FEF}" type="datetime1">
               <a:rPr lang="de-DE" smtClean="0"/>
-              <a:t>17.02.2023</a:t>
+              <a:t>24.03.2023</a:t>
             </a:fld>
             <a:endParaRPr lang="de-DE"/>
           </a:p>
@@ -14045,7 +14560,7 @@
           <a:p>
             <a:fld id="{102EEC64-5E38-4CDE-986C-4F454B58738A}" type="datetime1">
               <a:rPr lang="de-DE" smtClean="0"/>
-              <a:t>17.02.2023</a:t>
+              <a:t>24.03.2023</a:t>
             </a:fld>
             <a:endParaRPr lang="de-DE"/>
           </a:p>
@@ -14278,7 +14793,7 @@
           <a:p>
             <a:fld id="{8B9E1184-3E8E-4927-B70E-FCD133F545CF}" type="datetime1">
               <a:rPr lang="de-DE" smtClean="0"/>
-              <a:t>17.02.2023</a:t>
+              <a:t>24.03.2023</a:t>
             </a:fld>
             <a:endParaRPr lang="de-DE"/>
           </a:p>
@@ -14706,7 +15221,7 @@
           <a:p>
             <a:fld id="{372285A9-CAD1-4F8C-A320-59D4C92876C5}" type="datetime1">
               <a:rPr lang="de-DE" smtClean="0"/>
-              <a:t>17.02.2023</a:t>
+              <a:t>24.03.2023</a:t>
             </a:fld>
             <a:endParaRPr lang="de-DE"/>
           </a:p>
@@ -14919,7 +15434,7 @@
           <a:p>
             <a:fld id="{2F8DC1E6-2D30-4DE7-9C9D-5217FE18022E}" type="datetime1">
               <a:rPr lang="de-DE" smtClean="0"/>
-              <a:t>17.02.2023</a:t>
+              <a:t>24.03.2023</a:t>
             </a:fld>
             <a:endParaRPr lang="de-DE"/>
           </a:p>
@@ -15096,7 +15611,7 @@
           <a:p>
             <a:fld id="{637BE197-E414-48F3-B656-784E07538695}" type="datetime1">
               <a:rPr lang="de-DE" smtClean="0"/>
-              <a:t>17.02.2023</a:t>
+              <a:t>24.03.2023</a:t>
             </a:fld>
             <a:endParaRPr lang="de-DE"/>
           </a:p>
@@ -15528,7 +16043,7 @@
           <a:p>
             <a:fld id="{BC048919-3C08-48F6-A0CD-915EC777362A}" type="datetime1">
               <a:rPr lang="de-DE" smtClean="0"/>
-              <a:t>17.02.2023</a:t>
+              <a:t>24.03.2023</a:t>
             </a:fld>
             <a:endParaRPr lang="de-DE"/>
           </a:p>
@@ -15781,7 +16296,7 @@
           <a:p>
             <a:fld id="{94C91350-6869-4C72-8675-ECEAAAF05F8D}" type="datetime1">
               <a:rPr lang="de-DE" smtClean="0"/>
-              <a:t>17.02.2023</a:t>
+              <a:t>24.03.2023</a:t>
             </a:fld>
             <a:endParaRPr lang="de-DE"/>
           </a:p>
@@ -16123,7 +16638,7 @@
           <a:p>
             <a:fld id="{ACA1733B-6687-4EEA-9A6B-2EF228C82457}" type="datetime1">
               <a:rPr lang="de-DE" smtClean="0"/>
-              <a:t>17.02.2023</a:t>
+              <a:t>24.03.2023</a:t>
             </a:fld>
             <a:endParaRPr lang="de-DE"/>
           </a:p>
@@ -16423,7 +16938,7 @@
           <a:p>
             <a:fld id="{5C03BAA7-20D5-4E1B-8CB5-A2ED8F9EFD7F}" type="datetime1">
               <a:rPr lang="de-DE" smtClean="0"/>
-              <a:t>17.02.2023</a:t>
+              <a:t>24.03.2023</a:t>
             </a:fld>
             <a:endParaRPr lang="de-DE"/>
           </a:p>
@@ -16715,7 +17230,7 @@
           <a:p>
             <a:fld id="{2BBD85E3-27A5-4125-9DB2-C537C85BBE8A}" type="datetime1">
               <a:rPr lang="de-DE" smtClean="0"/>
-              <a:t>17.02.2023</a:t>
+              <a:t>24.03.2023</a:t>
             </a:fld>
             <a:endParaRPr lang="de-DE"/>
           </a:p>
@@ -16946,7 +17461,7 @@
           <a:p>
             <a:fld id="{2BBD85E3-27A5-4125-9DB2-C537C85BBE8A}" type="datetime1">
               <a:rPr lang="de-DE" smtClean="0"/>
-              <a:t>17.02.2023</a:t>
+              <a:t>24.03.2023</a:t>
             </a:fld>
             <a:endParaRPr lang="de-DE"/>
           </a:p>
@@ -17177,7 +17692,7 @@
           <a:p>
             <a:fld id="{115AC75E-72B2-486D-BEF5-A13F9B218F2F}" type="datetime1">
               <a:rPr lang="de-DE" smtClean="0"/>
-              <a:t>17.02.2023</a:t>
+              <a:t>24.03.2023</a:t>
             </a:fld>
             <a:endParaRPr lang="de-DE"/>
           </a:p>
@@ -17577,7 +18092,7 @@
           <a:p>
             <a:fld id="{B8ECF4B1-F230-4767-9D40-08A350DFB7D7}" type="datetime1">
               <a:rPr lang="de-DE" smtClean="0"/>
-              <a:t>17.02.2023</a:t>
+              <a:t>24.03.2023</a:t>
             </a:fld>
             <a:endParaRPr lang="de-DE"/>
           </a:p>
@@ -17913,7 +18428,7 @@
           <a:p>
             <a:fld id="{DFEB386C-A89C-4E71-8C7A-EB57A1CCB74F}" type="datetime1">
               <a:rPr lang="de-DE" smtClean="0"/>
-              <a:t>17.02.2023</a:t>
+              <a:t>24.03.2023</a:t>
             </a:fld>
             <a:endParaRPr lang="de-DE"/>
           </a:p>
@@ -18258,7 +18773,7 @@
           <a:p>
             <a:fld id="{E3A6C6BD-3868-452A-A2BD-92328FD8B4E8}" type="datetime1">
               <a:rPr lang="de-DE" smtClean="0"/>
-              <a:t>17.02.2023</a:t>
+              <a:t>24.03.2023</a:t>
             </a:fld>
             <a:endParaRPr lang="de-DE"/>
           </a:p>
@@ -18477,7 +18992,7 @@
           <a:p>
             <a:fld id="{B60FD287-29C3-4567-A3C8-1214880B52D5}" type="datetime1">
               <a:rPr lang="de-DE" smtClean="0"/>
-              <a:t>17.02.2023</a:t>
+              <a:t>24.03.2023</a:t>
             </a:fld>
             <a:endParaRPr lang="de-DE"/>
           </a:p>
@@ -18872,7 +19387,7 @@
           <a:p>
             <a:fld id="{172E1AE1-643D-418C-ACE4-F2637FAE5286}" type="datetime1">
               <a:rPr lang="de-DE" smtClean="0"/>
-              <a:t>17.02.2023</a:t>
+              <a:t>24.03.2023</a:t>
             </a:fld>
             <a:endParaRPr lang="de-DE"/>
           </a:p>
@@ -19419,7 +19934,7 @@
           <a:p>
             <a:fld id="{0C2E1D0D-BBB0-4269-8DC7-C28B8DA8D26F}" type="datetime1">
               <a:rPr lang="de-DE" smtClean="0"/>
-              <a:t>17.02.2023</a:t>
+              <a:t>24.03.2023</a:t>
             </a:fld>
             <a:endParaRPr lang="de-DE"/>
           </a:p>
@@ -19727,7 +20242,7 @@
           <a:p>
             <a:fld id="{509B9FD4-6125-48DF-AAFB-8A90591F704C}" type="datetime1">
               <a:rPr lang="de-DE" smtClean="0"/>
-              <a:t>17.02.2023</a:t>
+              <a:t>24.03.2023</a:t>
             </a:fld>
             <a:endParaRPr lang="de-DE"/>
           </a:p>
@@ -20026,7 +20541,7 @@
           <a:p>
             <a:fld id="{DDF7F67B-F411-40A4-BFC4-67CF6BB150A8}" type="datetime1">
               <a:rPr lang="de-DE" smtClean="0"/>
-              <a:t>17.02.2023</a:t>
+              <a:t>24.03.2023</a:t>
             </a:fld>
             <a:endParaRPr lang="de-DE"/>
           </a:p>
@@ -20453,7 +20968,7 @@
           <a:p>
             <a:fld id="{5E005D36-C238-4437-9368-75EE1209248D}" type="datetime1">
               <a:rPr lang="de-DE" smtClean="0"/>
-              <a:t>17.02.2023</a:t>
+              <a:t>24.03.2023</a:t>
             </a:fld>
             <a:endParaRPr lang="de-DE"/>
           </a:p>
@@ -20633,7 +21148,7 @@
           <a:p>
             <a:fld id="{21A4D148-919D-4643-B21F-50F1B7EF8BA2}" type="datetime1">
               <a:rPr lang="de-DE" smtClean="0"/>
-              <a:t>17.02.2023</a:t>
+              <a:t>24.03.2023</a:t>
             </a:fld>
             <a:endParaRPr lang="de-DE"/>
           </a:p>
@@ -20953,7 +21468,7 @@
           <a:p>
             <a:fld id="{A3D84A41-9102-4FAF-BB9B-7AD126A78344}" type="datetime1">
               <a:rPr lang="de-DE" smtClean="0"/>
-              <a:t>17.02.2023</a:t>
+              <a:t>24.03.2023</a:t>
             </a:fld>
             <a:endParaRPr lang="de-DE"/>
           </a:p>
@@ -21563,7 +22078,7 @@
           <a:p>
             <a:fld id="{81CA66B2-419B-4A00-B550-DA1493185108}" type="datetime1">
               <a:rPr lang="de-DE" smtClean="0"/>
-              <a:t>17.02.2023</a:t>
+              <a:t>24.03.2023</a:t>
             </a:fld>
             <a:endParaRPr lang="de-DE"/>
           </a:p>
@@ -22392,7 +22907,7 @@
           <a:p>
             <a:fld id="{374AF400-B2B3-4498-869C-65158B84F62E}" type="datetime1">
               <a:rPr lang="de-DE" smtClean="0"/>
-              <a:t>17.02.2023</a:t>
+              <a:t>24.03.2023</a:t>
             </a:fld>
             <a:endParaRPr lang="de-DE"/>
           </a:p>
@@ -22602,7 +23117,7 @@
           <a:p>
             <a:fld id="{EECFBCB7-6E51-47D1-88C0-70C111ACD504}" type="datetime1">
               <a:rPr lang="de-DE" smtClean="0"/>
-              <a:t>17.02.2023</a:t>
+              <a:t>24.03.2023</a:t>
             </a:fld>
             <a:endParaRPr lang="de-DE"/>
           </a:p>
@@ -23040,7 +23555,7 @@
           <a:p>
             <a:fld id="{284F0D45-833B-4CA2-95DA-AFDB6EDAE49B}" type="datetime1">
               <a:rPr lang="de-DE" smtClean="0"/>
-              <a:t>17.02.2023</a:t>
+              <a:t>24.03.2023</a:t>
             </a:fld>
             <a:endParaRPr lang="de-DE"/>
           </a:p>
@@ -23290,7 +23805,7 @@
           <a:p>
             <a:fld id="{382DDC3E-10C9-4B92-B2FB-A8167FB6AB1D}" type="datetime1">
               <a:rPr lang="de-DE" smtClean="0"/>
-              <a:t>17.02.2023</a:t>
+              <a:t>24.03.2023</a:t>
             </a:fld>
             <a:endParaRPr lang="de-DE"/>
           </a:p>
@@ -23477,7 +23992,7 @@
           <a:p>
             <a:fld id="{8159FE7A-07D2-4D3F-9855-29B7F3DF1D43}" type="datetime1">
               <a:rPr lang="de-DE" smtClean="0"/>
-              <a:t>17.02.2023</a:t>
+              <a:t>24.03.2023</a:t>
             </a:fld>
             <a:endParaRPr lang="de-DE"/>
           </a:p>
@@ -24443,7 +24958,7 @@
           <a:p>
             <a:fld id="{8159FE7A-07D2-4D3F-9855-29B7F3DF1D43}" type="datetime1">
               <a:rPr lang="de-DE" smtClean="0"/>
-              <a:t>17.02.2023</a:t>
+              <a:t>24.03.2023</a:t>
             </a:fld>
             <a:endParaRPr lang="de-DE"/>
           </a:p>
@@ -25242,7 +25757,7 @@
           <a:p>
             <a:fld id="{96C0D114-F0DB-443F-9337-40D84E177FDC}" type="datetime1">
               <a:rPr lang="de-DE" smtClean="0"/>
-              <a:t>17.02.2023</a:t>
+              <a:t>24.03.2023</a:t>
             </a:fld>
             <a:endParaRPr lang="de-DE"/>
           </a:p>
@@ -25473,7 +25988,7 @@
           <a:p>
             <a:fld id="{8159FE7A-07D2-4D3F-9855-29B7F3DF1D43}" type="datetime1">
               <a:rPr lang="de-DE" smtClean="0"/>
-              <a:t>17.02.2023</a:t>
+              <a:t>24.03.2023</a:t>
             </a:fld>
             <a:endParaRPr lang="de-DE"/>
           </a:p>
@@ -26223,7 +26738,7 @@
           <a:p>
             <a:fld id="{8159FE7A-07D2-4D3F-9855-29B7F3DF1D43}" type="datetime1">
               <a:rPr lang="de-DE" smtClean="0"/>
-              <a:t>17.02.2023</a:t>
+              <a:t>24.03.2023</a:t>
             </a:fld>
             <a:endParaRPr lang="de-DE"/>
           </a:p>
@@ -26484,7 +26999,7 @@
           <a:p>
             <a:fld id="{BC1A8AC8-5070-4C02-8E82-DE4FD3F8497A}" type="datetime1">
               <a:rPr lang="de-DE" smtClean="0"/>
-              <a:t>17.02.2023</a:t>
+              <a:t>24.03.2023</a:t>
             </a:fld>
             <a:endParaRPr lang="de-DE"/>
           </a:p>
@@ -26712,7 +27227,7 @@
           <a:p>
             <a:fld id="{AF1CB7BF-E60D-47C9-99CD-43B03711F834}" type="datetime1">
               <a:rPr lang="de-DE" smtClean="0"/>
-              <a:t>17.02.2023</a:t>
+              <a:t>24.03.2023</a:t>
             </a:fld>
             <a:endParaRPr lang="de-DE"/>
           </a:p>
@@ -26921,7 +27436,7 @@
           <a:p>
             <a:fld id="{B9053FEB-F038-4EB7-B9DC-77977117EA33}" type="datetime1">
               <a:rPr lang="de-DE" smtClean="0"/>
-              <a:t>17.02.2023</a:t>
+              <a:t>24.03.2023</a:t>
             </a:fld>
             <a:endParaRPr lang="de-DE"/>
           </a:p>
@@ -27481,7 +27996,7 @@
           <a:p>
             <a:fld id="{0B399FA5-2F01-416C-865E-705C1E0C03C8}" type="datetime1">
               <a:rPr lang="de-DE" smtClean="0"/>
-              <a:t>17.02.2023</a:t>
+              <a:t>24.03.2023</a:t>
             </a:fld>
             <a:endParaRPr lang="de-DE"/>
           </a:p>
@@ -27964,7 +28479,7 @@
           <a:p>
             <a:fld id="{D7CFAA5B-8ED2-4D87-B5CD-876772B506EB}" type="datetime1">
               <a:rPr lang="de-DE" smtClean="0"/>
-              <a:t>17.02.2023</a:t>
+              <a:t>24.03.2023</a:t>
             </a:fld>
             <a:endParaRPr lang="de-DE"/>
           </a:p>
@@ -28438,7 +28953,7 @@
           <a:p>
             <a:fld id="{706CFF74-9D82-4823-AFE2-CBE8D2D808FC}" type="datetime1">
               <a:rPr lang="de-DE" smtClean="0"/>
-              <a:t>17.02.2023</a:t>
+              <a:t>24.03.2023</a:t>
             </a:fld>
             <a:endParaRPr lang="de-DE"/>
           </a:p>
@@ -28649,7 +29164,7 @@
           <a:p>
             <a:fld id="{DF7C2B1F-6E2C-496E-BFF9-7CD4B274FE9C}" type="datetime1">
               <a:rPr lang="de-DE" smtClean="0"/>
-              <a:t>17.02.2023</a:t>
+              <a:t>24.03.2023</a:t>
             </a:fld>
             <a:endParaRPr lang="de-DE"/>
           </a:p>
@@ -28755,6 +29270,398 @@
 </p:sld>
 </file>
 
+<file path=ppt/slides/slide59.xml><?xml version="1.0" encoding="utf-8"?>
+<p:sld xmlns:a="http://schemas.openxmlformats.org/drawingml/2006/main" xmlns:r="http://schemas.openxmlformats.org/officeDocument/2006/relationships" xmlns:p="http://schemas.openxmlformats.org/presentationml/2006/main">
+  <p:cSld>
+    <p:spTree>
+      <p:nvGrpSpPr>
+        <p:cNvPr id="1" name=""/>
+        <p:cNvGrpSpPr/>
+        <p:nvPr/>
+      </p:nvGrpSpPr>
+      <p:grpSpPr>
+        <a:xfrm>
+          <a:off x="0" y="0"/>
+          <a:ext cx="0" cy="0"/>
+          <a:chOff x="0" y="0"/>
+          <a:chExt cx="0" cy="0"/>
+        </a:xfrm>
+      </p:grpSpPr>
+      <p:pic>
+        <p:nvPicPr>
+          <p:cNvPr id="13" name="Grafik 12">
+            <a:extLst>
+              <a:ext uri="{FF2B5EF4-FFF2-40B4-BE49-F238E27FC236}">
+                <a16:creationId xmlns:a16="http://schemas.microsoft.com/office/drawing/2014/main" id="{7FCAFDC7-B029-4A9A-9758-09162716B8E3}"/>
+              </a:ext>
+            </a:extLst>
+          </p:cNvPr>
+          <p:cNvPicPr>
+            <a:picLocks noChangeAspect="1"/>
+          </p:cNvPicPr>
+          <p:nvPr/>
+        </p:nvPicPr>
+        <p:blipFill>
+          <a:blip r:embed="rId3"/>
+          <a:stretch>
+            <a:fillRect/>
+          </a:stretch>
+        </p:blipFill>
+        <p:spPr>
+          <a:xfrm>
+            <a:off x="838201" y="2045014"/>
+            <a:ext cx="7308822" cy="4068191"/>
+          </a:xfrm>
+          <a:prstGeom prst="rect">
+            <a:avLst/>
+          </a:prstGeom>
+        </p:spPr>
+      </p:pic>
+      <p:sp>
+        <p:nvSpPr>
+          <p:cNvPr id="2" name="Titel 1">
+            <a:extLst>
+              <a:ext uri="{FF2B5EF4-FFF2-40B4-BE49-F238E27FC236}">
+                <a16:creationId xmlns:a16="http://schemas.microsoft.com/office/drawing/2014/main" id="{2A32A1F9-7E4E-4044-9E9A-D86B60384C9E}"/>
+              </a:ext>
+            </a:extLst>
+          </p:cNvPr>
+          <p:cNvSpPr>
+            <a:spLocks noGrp="1"/>
+          </p:cNvSpPr>
+          <p:nvPr>
+            <p:ph type="title"/>
+          </p:nvPr>
+        </p:nvSpPr>
+        <p:spPr/>
+        <p:txBody>
+          <a:bodyPr/>
+          <a:lstStyle/>
+          <a:p>
+            <a:r>
+              <a:rPr lang="de-DE" dirty="0"/>
+              <a:t>Dart - Lambdas</a:t>
+            </a:r>
+          </a:p>
+        </p:txBody>
+      </p:sp>
+      <p:sp>
+        <p:nvSpPr>
+          <p:cNvPr id="3" name="Inhaltsplatzhalter 2">
+            <a:extLst>
+              <a:ext uri="{FF2B5EF4-FFF2-40B4-BE49-F238E27FC236}">
+                <a16:creationId xmlns:a16="http://schemas.microsoft.com/office/drawing/2014/main" id="{6A6039B6-1897-4596-83B7-0B42F485643C}"/>
+              </a:ext>
+            </a:extLst>
+          </p:cNvPr>
+          <p:cNvSpPr>
+            <a:spLocks noGrp="1"/>
+          </p:cNvSpPr>
+          <p:nvPr>
+            <p:ph idx="1"/>
+          </p:nvPr>
+        </p:nvSpPr>
+        <p:spPr/>
+        <p:txBody>
+          <a:bodyPr/>
+          <a:lstStyle/>
+          <a:p>
+            <a:r>
+              <a:rPr lang="de-DE" dirty="0"/>
+              <a:t>Ungeschickt bei </a:t>
+            </a:r>
+            <a:r>
+              <a:rPr lang="de-DE" dirty="0" err="1"/>
+              <a:t>Callbacks</a:t>
+            </a:r>
+            <a:r>
+              <a:rPr lang="de-DE" dirty="0"/>
+              <a:t>: kein Zugriff auf lokale Variablen</a:t>
+            </a:r>
+          </a:p>
+        </p:txBody>
+      </p:sp>
+      <p:sp>
+        <p:nvSpPr>
+          <p:cNvPr id="4" name="Datumsplatzhalter 3">
+            <a:extLst>
+              <a:ext uri="{FF2B5EF4-FFF2-40B4-BE49-F238E27FC236}">
+                <a16:creationId xmlns:a16="http://schemas.microsoft.com/office/drawing/2014/main" id="{53A7EC4B-AC09-42FE-961B-472A96A04FF0}"/>
+              </a:ext>
+            </a:extLst>
+          </p:cNvPr>
+          <p:cNvSpPr>
+            <a:spLocks noGrp="1"/>
+          </p:cNvSpPr>
+          <p:nvPr>
+            <p:ph type="dt" sz="half" idx="10"/>
+          </p:nvPr>
+        </p:nvSpPr>
+        <p:spPr/>
+        <p:txBody>
+          <a:bodyPr/>
+          <a:lstStyle/>
+          <a:p>
+            <a:fld id="{8159FE7A-07D2-4D3F-9855-29B7F3DF1D43}" type="datetime1">
+              <a:rPr lang="de-DE" smtClean="0"/>
+              <a:t>24.03.2023</a:t>
+            </a:fld>
+            <a:endParaRPr lang="de-DE"/>
+          </a:p>
+        </p:txBody>
+      </p:sp>
+      <p:sp>
+        <p:nvSpPr>
+          <p:cNvPr id="5" name="Fußzeilenplatzhalter 4">
+            <a:extLst>
+              <a:ext uri="{FF2B5EF4-FFF2-40B4-BE49-F238E27FC236}">
+                <a16:creationId xmlns:a16="http://schemas.microsoft.com/office/drawing/2014/main" id="{9F46E991-A732-426B-A07E-8DAB44654B2E}"/>
+              </a:ext>
+            </a:extLst>
+          </p:cNvPr>
+          <p:cNvSpPr>
+            <a:spLocks noGrp="1"/>
+          </p:cNvSpPr>
+          <p:nvPr>
+            <p:ph type="ftr" sz="quarter" idx="11"/>
+          </p:nvPr>
+        </p:nvSpPr>
+        <p:spPr/>
+        <p:txBody>
+          <a:bodyPr/>
+          <a:lstStyle/>
+          <a:p>
+            <a:r>
+              <a:rPr lang="de-DE"/>
+              <a:t>Dart - Programmiersprache für Smartphones</a:t>
+            </a:r>
+          </a:p>
+        </p:txBody>
+      </p:sp>
+      <p:sp>
+        <p:nvSpPr>
+          <p:cNvPr id="6" name="Foliennummernplatzhalter 5">
+            <a:extLst>
+              <a:ext uri="{FF2B5EF4-FFF2-40B4-BE49-F238E27FC236}">
+                <a16:creationId xmlns:a16="http://schemas.microsoft.com/office/drawing/2014/main" id="{BE238A0B-1E74-4745-A606-FE964B62FF45}"/>
+              </a:ext>
+            </a:extLst>
+          </p:cNvPr>
+          <p:cNvSpPr>
+            <a:spLocks noGrp="1"/>
+          </p:cNvSpPr>
+          <p:nvPr>
+            <p:ph type="sldNum" sz="quarter" idx="12"/>
+          </p:nvPr>
+        </p:nvSpPr>
+        <p:spPr/>
+        <p:txBody>
+          <a:bodyPr/>
+          <a:lstStyle/>
+          <a:p>
+            <a:fld id="{3A1F27E2-D58A-4028-9FF2-B12D897F257E}" type="slidenum">
+              <a:rPr lang="de-DE" smtClean="0"/>
+              <a:t>59</a:t>
+            </a:fld>
+            <a:endParaRPr lang="de-DE"/>
+          </a:p>
+        </p:txBody>
+      </p:sp>
+      <p:sp>
+        <p:nvSpPr>
+          <p:cNvPr id="9" name="Rechteck 8">
+            <a:extLst>
+              <a:ext uri="{FF2B5EF4-FFF2-40B4-BE49-F238E27FC236}">
+                <a16:creationId xmlns:a16="http://schemas.microsoft.com/office/drawing/2014/main" id="{CA513ECB-059A-4712-AA07-5563AA915ED8}"/>
+              </a:ext>
+            </a:extLst>
+          </p:cNvPr>
+          <p:cNvSpPr/>
+          <p:nvPr/>
+        </p:nvSpPr>
+        <p:spPr>
+          <a:xfrm>
+            <a:off x="1677594" y="2293724"/>
+            <a:ext cx="1699787" cy="256825"/>
+          </a:xfrm>
+          <a:prstGeom prst="rect">
+            <a:avLst/>
+          </a:prstGeom>
+          <a:noFill/>
+          <a:ln w="28575">
+            <a:solidFill>
+              <a:schemeClr val="accent1"/>
+            </a:solidFill>
+          </a:ln>
+        </p:spPr>
+        <p:style>
+          <a:lnRef idx="2">
+            <a:schemeClr val="accent1">
+              <a:shade val="50000"/>
+            </a:schemeClr>
+          </a:lnRef>
+          <a:fillRef idx="1">
+            <a:schemeClr val="accent1"/>
+          </a:fillRef>
+          <a:effectRef idx="0">
+            <a:schemeClr val="accent1"/>
+          </a:effectRef>
+          <a:fontRef idx="minor">
+            <a:schemeClr val="lt1"/>
+          </a:fontRef>
+        </p:style>
+        <p:txBody>
+          <a:bodyPr rtlCol="0" anchor="ctr"/>
+          <a:lstStyle/>
+          <a:p>
+            <a:pPr algn="ctr"/>
+            <a:endParaRPr lang="de-DE"/>
+          </a:p>
+        </p:txBody>
+      </p:sp>
+      <p:sp>
+        <p:nvSpPr>
+          <p:cNvPr id="10" name="Textfeld 9">
+            <a:extLst>
+              <a:ext uri="{FF2B5EF4-FFF2-40B4-BE49-F238E27FC236}">
+                <a16:creationId xmlns:a16="http://schemas.microsoft.com/office/drawing/2014/main" id="{6FC99006-2D87-4455-8174-52A75D4A2475}"/>
+              </a:ext>
+            </a:extLst>
+          </p:cNvPr>
+          <p:cNvSpPr txBox="1"/>
+          <p:nvPr/>
+        </p:nvSpPr>
+        <p:spPr>
+          <a:xfrm>
+            <a:off x="3377381" y="2181217"/>
+            <a:ext cx="6312241" cy="369332"/>
+          </a:xfrm>
+          <a:prstGeom prst="rect">
+            <a:avLst/>
+          </a:prstGeom>
+          <a:noFill/>
+        </p:spPr>
+        <p:txBody>
+          <a:bodyPr wrap="none" rtlCol="0">
+            <a:spAutoFit/>
+          </a:bodyPr>
+          <a:lstStyle/>
+          <a:p>
+            <a:r>
+              <a:rPr lang="de-DE" dirty="0">
+                <a:solidFill>
+                  <a:schemeClr val="accent1"/>
+                </a:solidFill>
+              </a:rPr>
+              <a:t>Hier will ich vielleicht festlegen, wie viel Skonto jemand bekommt</a:t>
+            </a:r>
+          </a:p>
+        </p:txBody>
+      </p:sp>
+      <p:sp>
+        <p:nvSpPr>
+          <p:cNvPr id="11" name="Rechteck 10">
+            <a:extLst>
+              <a:ext uri="{FF2B5EF4-FFF2-40B4-BE49-F238E27FC236}">
+                <a16:creationId xmlns:a16="http://schemas.microsoft.com/office/drawing/2014/main" id="{2184E5DB-3550-43CC-B8F7-8AFCC84D47EF}"/>
+              </a:ext>
+            </a:extLst>
+          </p:cNvPr>
+          <p:cNvSpPr/>
+          <p:nvPr/>
+        </p:nvSpPr>
+        <p:spPr>
+          <a:xfrm>
+            <a:off x="3511310" y="3576193"/>
+            <a:ext cx="868961" cy="256825"/>
+          </a:xfrm>
+          <a:prstGeom prst="rect">
+            <a:avLst/>
+          </a:prstGeom>
+          <a:noFill/>
+          <a:ln w="28575">
+            <a:solidFill>
+              <a:schemeClr val="accent1"/>
+            </a:solidFill>
+          </a:ln>
+        </p:spPr>
+        <p:style>
+          <a:lnRef idx="2">
+            <a:schemeClr val="accent1">
+              <a:shade val="50000"/>
+            </a:schemeClr>
+          </a:lnRef>
+          <a:fillRef idx="1">
+            <a:schemeClr val="accent1"/>
+          </a:fillRef>
+          <a:effectRef idx="0">
+            <a:schemeClr val="accent1"/>
+          </a:effectRef>
+          <a:fontRef idx="minor">
+            <a:schemeClr val="lt1"/>
+          </a:fontRef>
+        </p:style>
+        <p:txBody>
+          <a:bodyPr rtlCol="0" anchor="ctr"/>
+          <a:lstStyle/>
+          <a:p>
+            <a:pPr algn="ctr"/>
+            <a:endParaRPr lang="de-DE"/>
+          </a:p>
+        </p:txBody>
+      </p:sp>
+      <p:sp>
+        <p:nvSpPr>
+          <p:cNvPr id="14" name="Textfeld 13">
+            <a:extLst>
+              <a:ext uri="{FF2B5EF4-FFF2-40B4-BE49-F238E27FC236}">
+                <a16:creationId xmlns:a16="http://schemas.microsoft.com/office/drawing/2014/main" id="{C23EC763-131A-42CD-92EA-E5A7718F0519}"/>
+              </a:ext>
+            </a:extLst>
+          </p:cNvPr>
+          <p:cNvSpPr txBox="1"/>
+          <p:nvPr/>
+        </p:nvSpPr>
+        <p:spPr>
+          <a:xfrm>
+            <a:off x="3646344" y="3818619"/>
+            <a:ext cx="3025765" cy="369332"/>
+          </a:xfrm>
+          <a:prstGeom prst="rect">
+            <a:avLst/>
+          </a:prstGeom>
+          <a:noFill/>
+        </p:spPr>
+        <p:txBody>
+          <a:bodyPr wrap="none" rtlCol="0">
+            <a:spAutoFit/>
+          </a:bodyPr>
+          <a:lstStyle/>
+          <a:p>
+            <a:r>
+              <a:rPr lang="de-DE" dirty="0">
+                <a:solidFill>
+                  <a:schemeClr val="accent1"/>
+                </a:solidFill>
+              </a:rPr>
+              <a:t>Hier lebt die Variable gar nicht</a:t>
+            </a:r>
+          </a:p>
+        </p:txBody>
+      </p:sp>
+    </p:spTree>
+    <p:extLst>
+      <p:ext uri="{BB962C8B-B14F-4D97-AF65-F5344CB8AC3E}">
+        <p14:creationId xmlns:p14="http://schemas.microsoft.com/office/powerpoint/2010/main" val="495040579"/>
+      </p:ext>
+    </p:extLst>
+  </p:cSld>
+  <p:clrMapOvr>
+    <a:masterClrMapping/>
+  </p:clrMapOvr>
+</p:sld>
+</file>
+
 <file path=ppt/slides/slide6.xml><?xml version="1.0" encoding="utf-8"?>
 <p:sld xmlns:a="http://schemas.openxmlformats.org/drawingml/2006/main" xmlns:r="http://schemas.openxmlformats.org/officeDocument/2006/relationships" xmlns:p="http://schemas.openxmlformats.org/presentationml/2006/main">
   <p:cSld>
@@ -29048,7 +29955,7 @@
           <a:p>
             <a:fld id="{A952138C-0142-4C6B-A620-863AA96BBBE1}" type="datetime1">
               <a:rPr lang="de-DE" smtClean="0"/>
-              <a:t>17.02.2023</a:t>
+              <a:t>24.03.2023</a:t>
             </a:fld>
             <a:endParaRPr lang="de-DE"/>
           </a:p>
@@ -29115,6 +30022,2458 @@
     <p:extLst>
       <p:ext uri="{BB962C8B-B14F-4D97-AF65-F5344CB8AC3E}">
         <p14:creationId xmlns:p14="http://schemas.microsoft.com/office/powerpoint/2010/main" val="87743950"/>
+      </p:ext>
+    </p:extLst>
+  </p:cSld>
+  <p:clrMapOvr>
+    <a:masterClrMapping/>
+  </p:clrMapOvr>
+</p:sld>
+</file>
+
+<file path=ppt/slides/slide60.xml><?xml version="1.0" encoding="utf-8"?>
+<p:sld xmlns:a="http://schemas.openxmlformats.org/drawingml/2006/main" xmlns:r="http://schemas.openxmlformats.org/officeDocument/2006/relationships" xmlns:p="http://schemas.openxmlformats.org/presentationml/2006/main">
+  <p:cSld>
+    <p:spTree>
+      <p:nvGrpSpPr>
+        <p:cNvPr id="1" name=""/>
+        <p:cNvGrpSpPr/>
+        <p:nvPr/>
+      </p:nvGrpSpPr>
+      <p:grpSpPr>
+        <a:xfrm>
+          <a:off x="0" y="0"/>
+          <a:ext cx="0" cy="0"/>
+          <a:chOff x="0" y="0"/>
+          <a:chExt cx="0" cy="0"/>
+        </a:xfrm>
+      </p:grpSpPr>
+      <p:pic>
+        <p:nvPicPr>
+          <p:cNvPr id="15" name="Grafik 14">
+            <a:extLst>
+              <a:ext uri="{FF2B5EF4-FFF2-40B4-BE49-F238E27FC236}">
+                <a16:creationId xmlns:a16="http://schemas.microsoft.com/office/drawing/2014/main" id="{2387DD2E-D1EA-4568-9FB2-2CC52BFA91D3}"/>
+              </a:ext>
+            </a:extLst>
+          </p:cNvPr>
+          <p:cNvPicPr>
+            <a:picLocks noChangeAspect="1"/>
+          </p:cNvPicPr>
+          <p:nvPr/>
+        </p:nvPicPr>
+        <p:blipFill>
+          <a:blip r:embed="rId3"/>
+          <a:stretch>
+            <a:fillRect/>
+          </a:stretch>
+        </p:blipFill>
+        <p:spPr>
+          <a:xfrm>
+            <a:off x="838198" y="1992369"/>
+            <a:ext cx="7062184" cy="4120836"/>
+          </a:xfrm>
+          <a:prstGeom prst="rect">
+            <a:avLst/>
+          </a:prstGeom>
+        </p:spPr>
+      </p:pic>
+      <p:sp>
+        <p:nvSpPr>
+          <p:cNvPr id="2" name="Titel 1">
+            <a:extLst>
+              <a:ext uri="{FF2B5EF4-FFF2-40B4-BE49-F238E27FC236}">
+                <a16:creationId xmlns:a16="http://schemas.microsoft.com/office/drawing/2014/main" id="{2A32A1F9-7E4E-4044-9E9A-D86B60384C9E}"/>
+              </a:ext>
+            </a:extLst>
+          </p:cNvPr>
+          <p:cNvSpPr>
+            <a:spLocks noGrp="1"/>
+          </p:cNvSpPr>
+          <p:nvPr>
+            <p:ph type="title"/>
+          </p:nvPr>
+        </p:nvSpPr>
+        <p:spPr/>
+        <p:txBody>
+          <a:bodyPr/>
+          <a:lstStyle/>
+          <a:p>
+            <a:r>
+              <a:rPr lang="de-DE" dirty="0"/>
+              <a:t>Dart - Lambdas</a:t>
+            </a:r>
+          </a:p>
+        </p:txBody>
+      </p:sp>
+      <p:sp>
+        <p:nvSpPr>
+          <p:cNvPr id="3" name="Inhaltsplatzhalter 2">
+            <a:extLst>
+              <a:ext uri="{FF2B5EF4-FFF2-40B4-BE49-F238E27FC236}">
+                <a16:creationId xmlns:a16="http://schemas.microsoft.com/office/drawing/2014/main" id="{6A6039B6-1897-4596-83B7-0B42F485643C}"/>
+              </a:ext>
+            </a:extLst>
+          </p:cNvPr>
+          <p:cNvSpPr>
+            <a:spLocks noGrp="1"/>
+          </p:cNvSpPr>
+          <p:nvPr>
+            <p:ph idx="1"/>
+          </p:nvPr>
+        </p:nvSpPr>
+        <p:spPr/>
+        <p:txBody>
+          <a:bodyPr/>
+          <a:lstStyle/>
+          <a:p>
+            <a:r>
+              <a:rPr lang="de-DE" dirty="0"/>
+              <a:t>Lösung über </a:t>
+            </a:r>
+            <a:r>
+              <a:rPr lang="de-DE" dirty="0" err="1"/>
+              <a:t>Scope</a:t>
+            </a:r>
+            <a:endParaRPr lang="de-DE" dirty="0"/>
+          </a:p>
+        </p:txBody>
+      </p:sp>
+      <p:sp>
+        <p:nvSpPr>
+          <p:cNvPr id="4" name="Datumsplatzhalter 3">
+            <a:extLst>
+              <a:ext uri="{FF2B5EF4-FFF2-40B4-BE49-F238E27FC236}">
+                <a16:creationId xmlns:a16="http://schemas.microsoft.com/office/drawing/2014/main" id="{53A7EC4B-AC09-42FE-961B-472A96A04FF0}"/>
+              </a:ext>
+            </a:extLst>
+          </p:cNvPr>
+          <p:cNvSpPr>
+            <a:spLocks noGrp="1"/>
+          </p:cNvSpPr>
+          <p:nvPr>
+            <p:ph type="dt" sz="half" idx="10"/>
+          </p:nvPr>
+        </p:nvSpPr>
+        <p:spPr/>
+        <p:txBody>
+          <a:bodyPr/>
+          <a:lstStyle/>
+          <a:p>
+            <a:fld id="{8159FE7A-07D2-4D3F-9855-29B7F3DF1D43}" type="datetime1">
+              <a:rPr lang="de-DE" smtClean="0"/>
+              <a:t>24.03.2023</a:t>
+            </a:fld>
+            <a:endParaRPr lang="de-DE"/>
+          </a:p>
+        </p:txBody>
+      </p:sp>
+      <p:sp>
+        <p:nvSpPr>
+          <p:cNvPr id="5" name="Fußzeilenplatzhalter 4">
+            <a:extLst>
+              <a:ext uri="{FF2B5EF4-FFF2-40B4-BE49-F238E27FC236}">
+                <a16:creationId xmlns:a16="http://schemas.microsoft.com/office/drawing/2014/main" id="{9F46E991-A732-426B-A07E-8DAB44654B2E}"/>
+              </a:ext>
+            </a:extLst>
+          </p:cNvPr>
+          <p:cNvSpPr>
+            <a:spLocks noGrp="1"/>
+          </p:cNvSpPr>
+          <p:nvPr>
+            <p:ph type="ftr" sz="quarter" idx="11"/>
+          </p:nvPr>
+        </p:nvSpPr>
+        <p:spPr/>
+        <p:txBody>
+          <a:bodyPr/>
+          <a:lstStyle/>
+          <a:p>
+            <a:r>
+              <a:rPr lang="de-DE"/>
+              <a:t>Dart - Programmiersprache für Smartphones</a:t>
+            </a:r>
+          </a:p>
+        </p:txBody>
+      </p:sp>
+      <p:sp>
+        <p:nvSpPr>
+          <p:cNvPr id="6" name="Foliennummernplatzhalter 5">
+            <a:extLst>
+              <a:ext uri="{FF2B5EF4-FFF2-40B4-BE49-F238E27FC236}">
+                <a16:creationId xmlns:a16="http://schemas.microsoft.com/office/drawing/2014/main" id="{BE238A0B-1E74-4745-A606-FE964B62FF45}"/>
+              </a:ext>
+            </a:extLst>
+          </p:cNvPr>
+          <p:cNvSpPr>
+            <a:spLocks noGrp="1"/>
+          </p:cNvSpPr>
+          <p:nvPr>
+            <p:ph type="sldNum" sz="quarter" idx="12"/>
+          </p:nvPr>
+        </p:nvSpPr>
+        <p:spPr/>
+        <p:txBody>
+          <a:bodyPr/>
+          <a:lstStyle/>
+          <a:p>
+            <a:fld id="{3A1F27E2-D58A-4028-9FF2-B12D897F257E}" type="slidenum">
+              <a:rPr lang="de-DE" smtClean="0"/>
+              <a:t>60</a:t>
+            </a:fld>
+            <a:endParaRPr lang="de-DE"/>
+          </a:p>
+        </p:txBody>
+      </p:sp>
+      <p:sp>
+        <p:nvSpPr>
+          <p:cNvPr id="9" name="Rechteck 8">
+            <a:extLst>
+              <a:ext uri="{FF2B5EF4-FFF2-40B4-BE49-F238E27FC236}">
+                <a16:creationId xmlns:a16="http://schemas.microsoft.com/office/drawing/2014/main" id="{CA513ECB-059A-4712-AA07-5563AA915ED8}"/>
+              </a:ext>
+            </a:extLst>
+          </p:cNvPr>
+          <p:cNvSpPr/>
+          <p:nvPr/>
+        </p:nvSpPr>
+        <p:spPr>
+          <a:xfrm>
+            <a:off x="1448993" y="1992369"/>
+            <a:ext cx="1353201" cy="256825"/>
+          </a:xfrm>
+          <a:prstGeom prst="rect">
+            <a:avLst/>
+          </a:prstGeom>
+          <a:noFill/>
+          <a:ln w="28575">
+            <a:solidFill>
+              <a:schemeClr val="accent1"/>
+            </a:solidFill>
+          </a:ln>
+        </p:spPr>
+        <p:style>
+          <a:lnRef idx="2">
+            <a:schemeClr val="accent1">
+              <a:shade val="50000"/>
+            </a:schemeClr>
+          </a:lnRef>
+          <a:fillRef idx="1">
+            <a:schemeClr val="accent1"/>
+          </a:fillRef>
+          <a:effectRef idx="0">
+            <a:schemeClr val="accent1"/>
+          </a:effectRef>
+          <a:fontRef idx="minor">
+            <a:schemeClr val="lt1"/>
+          </a:fontRef>
+        </p:style>
+        <p:txBody>
+          <a:bodyPr rtlCol="0" anchor="ctr"/>
+          <a:lstStyle/>
+          <a:p>
+            <a:pPr algn="ctr"/>
+            <a:endParaRPr lang="de-DE"/>
+          </a:p>
+        </p:txBody>
+      </p:sp>
+      <p:sp>
+        <p:nvSpPr>
+          <p:cNvPr id="10" name="Textfeld 9">
+            <a:extLst>
+              <a:ext uri="{FF2B5EF4-FFF2-40B4-BE49-F238E27FC236}">
+                <a16:creationId xmlns:a16="http://schemas.microsoft.com/office/drawing/2014/main" id="{6FC99006-2D87-4455-8174-52A75D4A2475}"/>
+              </a:ext>
+            </a:extLst>
+          </p:cNvPr>
+          <p:cNvSpPr txBox="1"/>
+          <p:nvPr/>
+        </p:nvSpPr>
+        <p:spPr>
+          <a:xfrm>
+            <a:off x="2802194" y="1936115"/>
+            <a:ext cx="1673407" cy="369332"/>
+          </a:xfrm>
+          <a:prstGeom prst="rect">
+            <a:avLst/>
+          </a:prstGeom>
+          <a:noFill/>
+        </p:spPr>
+        <p:txBody>
+          <a:bodyPr wrap="none" rtlCol="0">
+            <a:spAutoFit/>
+          </a:bodyPr>
+          <a:lstStyle/>
+          <a:p>
+            <a:r>
+              <a:rPr lang="de-DE" dirty="0" err="1">
+                <a:solidFill>
+                  <a:schemeClr val="accent1"/>
+                </a:solidFill>
+              </a:rPr>
+              <a:t>Scope</a:t>
+            </a:r>
+            <a:r>
+              <a:rPr lang="de-DE" dirty="0">
+                <a:solidFill>
+                  <a:schemeClr val="accent1"/>
+                </a:solidFill>
+              </a:rPr>
+              <a:t> erweitert</a:t>
+            </a:r>
+          </a:p>
+        </p:txBody>
+      </p:sp>
+      <p:sp>
+        <p:nvSpPr>
+          <p:cNvPr id="11" name="Rechteck 10">
+            <a:extLst>
+              <a:ext uri="{FF2B5EF4-FFF2-40B4-BE49-F238E27FC236}">
+                <a16:creationId xmlns:a16="http://schemas.microsoft.com/office/drawing/2014/main" id="{2184E5DB-3550-43CC-B8F7-8AFCC84D47EF}"/>
+              </a:ext>
+            </a:extLst>
+          </p:cNvPr>
+          <p:cNvSpPr/>
+          <p:nvPr/>
+        </p:nvSpPr>
+        <p:spPr>
+          <a:xfrm>
+            <a:off x="3400698" y="3690206"/>
+            <a:ext cx="868961" cy="256825"/>
+          </a:xfrm>
+          <a:prstGeom prst="rect">
+            <a:avLst/>
+          </a:prstGeom>
+          <a:noFill/>
+          <a:ln w="28575">
+            <a:solidFill>
+              <a:schemeClr val="accent1"/>
+            </a:solidFill>
+          </a:ln>
+        </p:spPr>
+        <p:style>
+          <a:lnRef idx="2">
+            <a:schemeClr val="accent1">
+              <a:shade val="50000"/>
+            </a:schemeClr>
+          </a:lnRef>
+          <a:fillRef idx="1">
+            <a:schemeClr val="accent1"/>
+          </a:fillRef>
+          <a:effectRef idx="0">
+            <a:schemeClr val="accent1"/>
+          </a:effectRef>
+          <a:fontRef idx="minor">
+            <a:schemeClr val="lt1"/>
+          </a:fontRef>
+        </p:style>
+        <p:txBody>
+          <a:bodyPr rtlCol="0" anchor="ctr"/>
+          <a:lstStyle/>
+          <a:p>
+            <a:pPr algn="ctr"/>
+            <a:endParaRPr lang="de-DE"/>
+          </a:p>
+        </p:txBody>
+      </p:sp>
+      <p:sp>
+        <p:nvSpPr>
+          <p:cNvPr id="14" name="Textfeld 13">
+            <a:extLst>
+              <a:ext uri="{FF2B5EF4-FFF2-40B4-BE49-F238E27FC236}">
+                <a16:creationId xmlns:a16="http://schemas.microsoft.com/office/drawing/2014/main" id="{C23EC763-131A-42CD-92EA-E5A7718F0519}"/>
+              </a:ext>
+            </a:extLst>
+          </p:cNvPr>
+          <p:cNvSpPr txBox="1"/>
+          <p:nvPr/>
+        </p:nvSpPr>
+        <p:spPr>
+          <a:xfrm>
+            <a:off x="3400698" y="3922038"/>
+            <a:ext cx="1833515" cy="369332"/>
+          </a:xfrm>
+          <a:prstGeom prst="rect">
+            <a:avLst/>
+          </a:prstGeom>
+          <a:noFill/>
+        </p:spPr>
+        <p:txBody>
+          <a:bodyPr wrap="none" rtlCol="0">
+            <a:spAutoFit/>
+          </a:bodyPr>
+          <a:lstStyle/>
+          <a:p>
+            <a:r>
+              <a:rPr lang="de-DE" dirty="0">
+                <a:solidFill>
+                  <a:schemeClr val="accent1"/>
+                </a:solidFill>
+              </a:rPr>
+              <a:t>Variable lebt jetzt</a:t>
+            </a:r>
+          </a:p>
+        </p:txBody>
+      </p:sp>
+    </p:spTree>
+    <p:extLst>
+      <p:ext uri="{BB962C8B-B14F-4D97-AF65-F5344CB8AC3E}">
+        <p14:creationId xmlns:p14="http://schemas.microsoft.com/office/powerpoint/2010/main" val="1565534018"/>
+      </p:ext>
+    </p:extLst>
+  </p:cSld>
+  <p:clrMapOvr>
+    <a:masterClrMapping/>
+  </p:clrMapOvr>
+</p:sld>
+</file>
+
+<file path=ppt/slides/slide61.xml><?xml version="1.0" encoding="utf-8"?>
+<p:sld xmlns:a="http://schemas.openxmlformats.org/drawingml/2006/main" xmlns:r="http://schemas.openxmlformats.org/officeDocument/2006/relationships" xmlns:p="http://schemas.openxmlformats.org/presentationml/2006/main">
+  <p:cSld>
+    <p:spTree>
+      <p:nvGrpSpPr>
+        <p:cNvPr id="1" name=""/>
+        <p:cNvGrpSpPr/>
+        <p:nvPr/>
+      </p:nvGrpSpPr>
+      <p:grpSpPr>
+        <a:xfrm>
+          <a:off x="0" y="0"/>
+          <a:ext cx="0" cy="0"/>
+          <a:chOff x="0" y="0"/>
+          <a:chExt cx="0" cy="0"/>
+        </a:xfrm>
+      </p:grpSpPr>
+      <p:pic>
+        <p:nvPicPr>
+          <p:cNvPr id="8" name="Grafik 7">
+            <a:extLst>
+              <a:ext uri="{FF2B5EF4-FFF2-40B4-BE49-F238E27FC236}">
+                <a16:creationId xmlns:a16="http://schemas.microsoft.com/office/drawing/2014/main" id="{50537923-0EF0-4506-8DA0-AC6DB66B679D}"/>
+              </a:ext>
+            </a:extLst>
+          </p:cNvPr>
+          <p:cNvPicPr>
+            <a:picLocks noChangeAspect="1"/>
+          </p:cNvPicPr>
+          <p:nvPr/>
+        </p:nvPicPr>
+        <p:blipFill rotWithShape="1">
+          <a:blip r:embed="rId3"/>
+          <a:srcRect t="-1" b="-1277"/>
+          <a:stretch/>
+        </p:blipFill>
+        <p:spPr>
+          <a:xfrm>
+            <a:off x="841273" y="1992368"/>
+            <a:ext cx="5471650" cy="4173482"/>
+          </a:xfrm>
+          <a:prstGeom prst="rect">
+            <a:avLst/>
+          </a:prstGeom>
+        </p:spPr>
+      </p:pic>
+      <p:sp>
+        <p:nvSpPr>
+          <p:cNvPr id="2" name="Titel 1">
+            <a:extLst>
+              <a:ext uri="{FF2B5EF4-FFF2-40B4-BE49-F238E27FC236}">
+                <a16:creationId xmlns:a16="http://schemas.microsoft.com/office/drawing/2014/main" id="{2A32A1F9-7E4E-4044-9E9A-D86B60384C9E}"/>
+              </a:ext>
+            </a:extLst>
+          </p:cNvPr>
+          <p:cNvSpPr>
+            <a:spLocks noGrp="1"/>
+          </p:cNvSpPr>
+          <p:nvPr>
+            <p:ph type="title"/>
+          </p:nvPr>
+        </p:nvSpPr>
+        <p:spPr/>
+        <p:txBody>
+          <a:bodyPr/>
+          <a:lstStyle/>
+          <a:p>
+            <a:r>
+              <a:rPr lang="de-DE" dirty="0"/>
+              <a:t>Dart - Lambdas</a:t>
+            </a:r>
+          </a:p>
+        </p:txBody>
+      </p:sp>
+      <p:sp>
+        <p:nvSpPr>
+          <p:cNvPr id="3" name="Inhaltsplatzhalter 2">
+            <a:extLst>
+              <a:ext uri="{FF2B5EF4-FFF2-40B4-BE49-F238E27FC236}">
+                <a16:creationId xmlns:a16="http://schemas.microsoft.com/office/drawing/2014/main" id="{6A6039B6-1897-4596-83B7-0B42F485643C}"/>
+              </a:ext>
+            </a:extLst>
+          </p:cNvPr>
+          <p:cNvSpPr>
+            <a:spLocks noGrp="1"/>
+          </p:cNvSpPr>
+          <p:nvPr>
+            <p:ph idx="1"/>
+          </p:nvPr>
+        </p:nvSpPr>
+        <p:spPr/>
+        <p:txBody>
+          <a:bodyPr/>
+          <a:lstStyle/>
+          <a:p>
+            <a:r>
+              <a:rPr lang="de-DE" dirty="0"/>
+              <a:t>Neues Problem: parallele Ausführung</a:t>
+            </a:r>
+          </a:p>
+        </p:txBody>
+      </p:sp>
+      <p:sp>
+        <p:nvSpPr>
+          <p:cNvPr id="4" name="Datumsplatzhalter 3">
+            <a:extLst>
+              <a:ext uri="{FF2B5EF4-FFF2-40B4-BE49-F238E27FC236}">
+                <a16:creationId xmlns:a16="http://schemas.microsoft.com/office/drawing/2014/main" id="{53A7EC4B-AC09-42FE-961B-472A96A04FF0}"/>
+              </a:ext>
+            </a:extLst>
+          </p:cNvPr>
+          <p:cNvSpPr>
+            <a:spLocks noGrp="1"/>
+          </p:cNvSpPr>
+          <p:nvPr>
+            <p:ph type="dt" sz="half" idx="10"/>
+          </p:nvPr>
+        </p:nvSpPr>
+        <p:spPr/>
+        <p:txBody>
+          <a:bodyPr/>
+          <a:lstStyle/>
+          <a:p>
+            <a:fld id="{8159FE7A-07D2-4D3F-9855-29B7F3DF1D43}" type="datetime1">
+              <a:rPr lang="de-DE" smtClean="0"/>
+              <a:t>24.03.2023</a:t>
+            </a:fld>
+            <a:endParaRPr lang="de-DE"/>
+          </a:p>
+        </p:txBody>
+      </p:sp>
+      <p:sp>
+        <p:nvSpPr>
+          <p:cNvPr id="5" name="Fußzeilenplatzhalter 4">
+            <a:extLst>
+              <a:ext uri="{FF2B5EF4-FFF2-40B4-BE49-F238E27FC236}">
+                <a16:creationId xmlns:a16="http://schemas.microsoft.com/office/drawing/2014/main" id="{9F46E991-A732-426B-A07E-8DAB44654B2E}"/>
+              </a:ext>
+            </a:extLst>
+          </p:cNvPr>
+          <p:cNvSpPr>
+            <a:spLocks noGrp="1"/>
+          </p:cNvSpPr>
+          <p:nvPr>
+            <p:ph type="ftr" sz="quarter" idx="11"/>
+          </p:nvPr>
+        </p:nvSpPr>
+        <p:spPr/>
+        <p:txBody>
+          <a:bodyPr/>
+          <a:lstStyle/>
+          <a:p>
+            <a:r>
+              <a:rPr lang="de-DE"/>
+              <a:t>Dart - Programmiersprache für Smartphones</a:t>
+            </a:r>
+          </a:p>
+        </p:txBody>
+      </p:sp>
+      <p:sp>
+        <p:nvSpPr>
+          <p:cNvPr id="6" name="Foliennummernplatzhalter 5">
+            <a:extLst>
+              <a:ext uri="{FF2B5EF4-FFF2-40B4-BE49-F238E27FC236}">
+                <a16:creationId xmlns:a16="http://schemas.microsoft.com/office/drawing/2014/main" id="{BE238A0B-1E74-4745-A606-FE964B62FF45}"/>
+              </a:ext>
+            </a:extLst>
+          </p:cNvPr>
+          <p:cNvSpPr>
+            <a:spLocks noGrp="1"/>
+          </p:cNvSpPr>
+          <p:nvPr>
+            <p:ph type="sldNum" sz="quarter" idx="12"/>
+          </p:nvPr>
+        </p:nvSpPr>
+        <p:spPr/>
+        <p:txBody>
+          <a:bodyPr/>
+          <a:lstStyle/>
+          <a:p>
+            <a:fld id="{3A1F27E2-D58A-4028-9FF2-B12D897F257E}" type="slidenum">
+              <a:rPr lang="de-DE" smtClean="0"/>
+              <a:t>61</a:t>
+            </a:fld>
+            <a:endParaRPr lang="de-DE"/>
+          </a:p>
+        </p:txBody>
+      </p:sp>
+      <p:sp>
+        <p:nvSpPr>
+          <p:cNvPr id="9" name="Rechteck 8">
+            <a:extLst>
+              <a:ext uri="{FF2B5EF4-FFF2-40B4-BE49-F238E27FC236}">
+                <a16:creationId xmlns:a16="http://schemas.microsoft.com/office/drawing/2014/main" id="{CA513ECB-059A-4712-AA07-5563AA915ED8}"/>
+              </a:ext>
+            </a:extLst>
+          </p:cNvPr>
+          <p:cNvSpPr/>
+          <p:nvPr/>
+        </p:nvSpPr>
+        <p:spPr>
+          <a:xfrm>
+            <a:off x="1448994" y="2322696"/>
+            <a:ext cx="1043484" cy="256825"/>
+          </a:xfrm>
+          <a:prstGeom prst="rect">
+            <a:avLst/>
+          </a:prstGeom>
+          <a:noFill/>
+          <a:ln w="28575">
+            <a:solidFill>
+              <a:schemeClr val="accent1"/>
+            </a:solidFill>
+          </a:ln>
+        </p:spPr>
+        <p:style>
+          <a:lnRef idx="2">
+            <a:schemeClr val="accent1">
+              <a:shade val="50000"/>
+            </a:schemeClr>
+          </a:lnRef>
+          <a:fillRef idx="1">
+            <a:schemeClr val="accent1"/>
+          </a:fillRef>
+          <a:effectRef idx="0">
+            <a:schemeClr val="accent1"/>
+          </a:effectRef>
+          <a:fontRef idx="minor">
+            <a:schemeClr val="lt1"/>
+          </a:fontRef>
+        </p:style>
+        <p:txBody>
+          <a:bodyPr rtlCol="0" anchor="ctr"/>
+          <a:lstStyle/>
+          <a:p>
+            <a:pPr algn="ctr"/>
+            <a:endParaRPr lang="de-DE"/>
+          </a:p>
+        </p:txBody>
+      </p:sp>
+      <p:sp>
+        <p:nvSpPr>
+          <p:cNvPr id="11" name="Rechteck 10">
+            <a:extLst>
+              <a:ext uri="{FF2B5EF4-FFF2-40B4-BE49-F238E27FC236}">
+                <a16:creationId xmlns:a16="http://schemas.microsoft.com/office/drawing/2014/main" id="{2184E5DB-3550-43CC-B8F7-8AFCC84D47EF}"/>
+              </a:ext>
+            </a:extLst>
+          </p:cNvPr>
+          <p:cNvSpPr/>
+          <p:nvPr/>
+        </p:nvSpPr>
+        <p:spPr>
+          <a:xfrm>
+            <a:off x="2802195" y="4219209"/>
+            <a:ext cx="648928" cy="256825"/>
+          </a:xfrm>
+          <a:prstGeom prst="rect">
+            <a:avLst/>
+          </a:prstGeom>
+          <a:noFill/>
+          <a:ln w="28575">
+            <a:solidFill>
+              <a:schemeClr val="accent1"/>
+            </a:solidFill>
+          </a:ln>
+        </p:spPr>
+        <p:style>
+          <a:lnRef idx="2">
+            <a:schemeClr val="accent1">
+              <a:shade val="50000"/>
+            </a:schemeClr>
+          </a:lnRef>
+          <a:fillRef idx="1">
+            <a:schemeClr val="accent1"/>
+          </a:fillRef>
+          <a:effectRef idx="0">
+            <a:schemeClr val="accent1"/>
+          </a:effectRef>
+          <a:fontRef idx="minor">
+            <a:schemeClr val="lt1"/>
+          </a:fontRef>
+        </p:style>
+        <p:txBody>
+          <a:bodyPr rtlCol="0" anchor="ctr"/>
+          <a:lstStyle/>
+          <a:p>
+            <a:pPr algn="ctr"/>
+            <a:endParaRPr lang="de-DE"/>
+          </a:p>
+        </p:txBody>
+      </p:sp>
+      <p:sp>
+        <p:nvSpPr>
+          <p:cNvPr id="14" name="Textfeld 13">
+            <a:extLst>
+              <a:ext uri="{FF2B5EF4-FFF2-40B4-BE49-F238E27FC236}">
+                <a16:creationId xmlns:a16="http://schemas.microsoft.com/office/drawing/2014/main" id="{C23EC763-131A-42CD-92EA-E5A7718F0519}"/>
+              </a:ext>
+            </a:extLst>
+          </p:cNvPr>
+          <p:cNvSpPr txBox="1"/>
+          <p:nvPr/>
+        </p:nvSpPr>
+        <p:spPr>
+          <a:xfrm>
+            <a:off x="2736119" y="4424718"/>
+            <a:ext cx="3515129" cy="369332"/>
+          </a:xfrm>
+          <a:prstGeom prst="rect">
+            <a:avLst/>
+          </a:prstGeom>
+          <a:noFill/>
+        </p:spPr>
+        <p:txBody>
+          <a:bodyPr wrap="none" rtlCol="0">
+            <a:spAutoFit/>
+          </a:bodyPr>
+          <a:lstStyle/>
+          <a:p>
+            <a:r>
+              <a:rPr lang="de-DE" dirty="0">
+                <a:solidFill>
+                  <a:schemeClr val="accent1"/>
+                </a:solidFill>
+              </a:rPr>
+              <a:t>Mit welchem Wert wird gerechnet?</a:t>
+            </a:r>
+          </a:p>
+        </p:txBody>
+      </p:sp>
+      <p:sp>
+        <p:nvSpPr>
+          <p:cNvPr id="16" name="Rechteck 15">
+            <a:extLst>
+              <a:ext uri="{FF2B5EF4-FFF2-40B4-BE49-F238E27FC236}">
+                <a16:creationId xmlns:a16="http://schemas.microsoft.com/office/drawing/2014/main" id="{670DB967-24B7-4FC4-9478-346292A4390E}"/>
+              </a:ext>
+            </a:extLst>
+          </p:cNvPr>
+          <p:cNvSpPr/>
+          <p:nvPr/>
+        </p:nvSpPr>
+        <p:spPr>
+          <a:xfrm>
+            <a:off x="1448994" y="3278465"/>
+            <a:ext cx="1043484" cy="256825"/>
+          </a:xfrm>
+          <a:prstGeom prst="rect">
+            <a:avLst/>
+          </a:prstGeom>
+          <a:noFill/>
+          <a:ln w="28575">
+            <a:solidFill>
+              <a:schemeClr val="accent1"/>
+            </a:solidFill>
+          </a:ln>
+        </p:spPr>
+        <p:style>
+          <a:lnRef idx="2">
+            <a:schemeClr val="accent1">
+              <a:shade val="50000"/>
+            </a:schemeClr>
+          </a:lnRef>
+          <a:fillRef idx="1">
+            <a:schemeClr val="accent1"/>
+          </a:fillRef>
+          <a:effectRef idx="0">
+            <a:schemeClr val="accent1"/>
+          </a:effectRef>
+          <a:fontRef idx="minor">
+            <a:schemeClr val="lt1"/>
+          </a:fontRef>
+        </p:style>
+        <p:txBody>
+          <a:bodyPr rtlCol="0" anchor="ctr"/>
+          <a:lstStyle/>
+          <a:p>
+            <a:pPr algn="ctr"/>
+            <a:endParaRPr lang="de-DE"/>
+          </a:p>
+        </p:txBody>
+      </p:sp>
+      <p:sp>
+        <p:nvSpPr>
+          <p:cNvPr id="17" name="Textfeld 16">
+            <a:extLst>
+              <a:ext uri="{FF2B5EF4-FFF2-40B4-BE49-F238E27FC236}">
+                <a16:creationId xmlns:a16="http://schemas.microsoft.com/office/drawing/2014/main" id="{CA17B334-ADE0-45AF-9A64-306AA57E82E9}"/>
+              </a:ext>
+            </a:extLst>
+          </p:cNvPr>
+          <p:cNvSpPr txBox="1"/>
+          <p:nvPr/>
+        </p:nvSpPr>
+        <p:spPr>
+          <a:xfrm>
+            <a:off x="1694151" y="2917006"/>
+            <a:ext cx="2865015" cy="276999"/>
+          </a:xfrm>
+          <a:prstGeom prst="rect">
+            <a:avLst/>
+          </a:prstGeom>
+          <a:noFill/>
+        </p:spPr>
+        <p:txBody>
+          <a:bodyPr wrap="none" rtlCol="0">
+            <a:spAutoFit/>
+          </a:bodyPr>
+          <a:lstStyle/>
+          <a:p>
+            <a:r>
+              <a:rPr lang="de-DE" sz="1200" dirty="0">
+                <a:solidFill>
+                  <a:schemeClr val="accent1"/>
+                </a:solidFill>
+              </a:rPr>
+              <a:t>Annahme: main2() wird parallel ausgeführt</a:t>
+            </a:r>
+          </a:p>
+        </p:txBody>
+      </p:sp>
+    </p:spTree>
+    <p:extLst>
+      <p:ext uri="{BB962C8B-B14F-4D97-AF65-F5344CB8AC3E}">
+        <p14:creationId xmlns:p14="http://schemas.microsoft.com/office/powerpoint/2010/main" val="1927333959"/>
+      </p:ext>
+    </p:extLst>
+  </p:cSld>
+  <p:clrMapOvr>
+    <a:masterClrMapping/>
+  </p:clrMapOvr>
+</p:sld>
+</file>
+
+<file path=ppt/slides/slide62.xml><?xml version="1.0" encoding="utf-8"?>
+<p:sld xmlns:a="http://schemas.openxmlformats.org/drawingml/2006/main" xmlns:r="http://schemas.openxmlformats.org/officeDocument/2006/relationships" xmlns:p="http://schemas.openxmlformats.org/presentationml/2006/main">
+  <p:cSld>
+    <p:spTree>
+      <p:nvGrpSpPr>
+        <p:cNvPr id="1" name=""/>
+        <p:cNvGrpSpPr/>
+        <p:nvPr/>
+      </p:nvGrpSpPr>
+      <p:grpSpPr>
+        <a:xfrm>
+          <a:off x="0" y="0"/>
+          <a:ext cx="0" cy="0"/>
+          <a:chOff x="0" y="0"/>
+          <a:chExt cx="0" cy="0"/>
+        </a:xfrm>
+      </p:grpSpPr>
+      <p:sp>
+        <p:nvSpPr>
+          <p:cNvPr id="2" name="Titel 1">
+            <a:extLst>
+              <a:ext uri="{FF2B5EF4-FFF2-40B4-BE49-F238E27FC236}">
+                <a16:creationId xmlns:a16="http://schemas.microsoft.com/office/drawing/2014/main" id="{2A32A1F9-7E4E-4044-9E9A-D86B60384C9E}"/>
+              </a:ext>
+            </a:extLst>
+          </p:cNvPr>
+          <p:cNvSpPr>
+            <a:spLocks noGrp="1"/>
+          </p:cNvSpPr>
+          <p:nvPr>
+            <p:ph type="title"/>
+          </p:nvPr>
+        </p:nvSpPr>
+        <p:spPr/>
+        <p:txBody>
+          <a:bodyPr/>
+          <a:lstStyle/>
+          <a:p>
+            <a:r>
+              <a:rPr lang="de-DE" dirty="0"/>
+              <a:t>Dart - Lambdas</a:t>
+            </a:r>
+          </a:p>
+        </p:txBody>
+      </p:sp>
+      <p:sp>
+        <p:nvSpPr>
+          <p:cNvPr id="3" name="Inhaltsplatzhalter 2">
+            <a:extLst>
+              <a:ext uri="{FF2B5EF4-FFF2-40B4-BE49-F238E27FC236}">
+                <a16:creationId xmlns:a16="http://schemas.microsoft.com/office/drawing/2014/main" id="{6A6039B6-1897-4596-83B7-0B42F485643C}"/>
+              </a:ext>
+            </a:extLst>
+          </p:cNvPr>
+          <p:cNvSpPr>
+            <a:spLocks noGrp="1"/>
+          </p:cNvSpPr>
+          <p:nvPr>
+            <p:ph idx="1"/>
+          </p:nvPr>
+        </p:nvSpPr>
+        <p:spPr/>
+        <p:txBody>
+          <a:bodyPr/>
+          <a:lstStyle/>
+          <a:p>
+            <a:r>
+              <a:rPr lang="de-DE" dirty="0"/>
+              <a:t>Lösung: Lambda-Ausdrücke (kurz: Lambdas)</a:t>
+            </a:r>
+          </a:p>
+          <a:p>
+            <a:r>
+              <a:rPr lang="de-DE" dirty="0"/>
+              <a:t>Lambda = Funktion als Variable = anonyme Funktion</a:t>
+            </a:r>
+          </a:p>
+          <a:p>
+            <a:pPr marL="0" indent="0">
+              <a:buNone/>
+            </a:pPr>
+            <a:endParaRPr lang="de-DE" dirty="0"/>
+          </a:p>
+        </p:txBody>
+      </p:sp>
+      <p:sp>
+        <p:nvSpPr>
+          <p:cNvPr id="4" name="Datumsplatzhalter 3">
+            <a:extLst>
+              <a:ext uri="{FF2B5EF4-FFF2-40B4-BE49-F238E27FC236}">
+                <a16:creationId xmlns:a16="http://schemas.microsoft.com/office/drawing/2014/main" id="{53A7EC4B-AC09-42FE-961B-472A96A04FF0}"/>
+              </a:ext>
+            </a:extLst>
+          </p:cNvPr>
+          <p:cNvSpPr>
+            <a:spLocks noGrp="1"/>
+          </p:cNvSpPr>
+          <p:nvPr>
+            <p:ph type="dt" sz="half" idx="10"/>
+          </p:nvPr>
+        </p:nvSpPr>
+        <p:spPr/>
+        <p:txBody>
+          <a:bodyPr/>
+          <a:lstStyle/>
+          <a:p>
+            <a:fld id="{8159FE7A-07D2-4D3F-9855-29B7F3DF1D43}" type="datetime1">
+              <a:rPr lang="de-DE" smtClean="0"/>
+              <a:t>24.03.2023</a:t>
+            </a:fld>
+            <a:endParaRPr lang="de-DE"/>
+          </a:p>
+        </p:txBody>
+      </p:sp>
+      <p:sp>
+        <p:nvSpPr>
+          <p:cNvPr id="5" name="Fußzeilenplatzhalter 4">
+            <a:extLst>
+              <a:ext uri="{FF2B5EF4-FFF2-40B4-BE49-F238E27FC236}">
+                <a16:creationId xmlns:a16="http://schemas.microsoft.com/office/drawing/2014/main" id="{9F46E991-A732-426B-A07E-8DAB44654B2E}"/>
+              </a:ext>
+            </a:extLst>
+          </p:cNvPr>
+          <p:cNvSpPr>
+            <a:spLocks noGrp="1"/>
+          </p:cNvSpPr>
+          <p:nvPr>
+            <p:ph type="ftr" sz="quarter" idx="11"/>
+          </p:nvPr>
+        </p:nvSpPr>
+        <p:spPr/>
+        <p:txBody>
+          <a:bodyPr/>
+          <a:lstStyle/>
+          <a:p>
+            <a:r>
+              <a:rPr lang="de-DE"/>
+              <a:t>Dart - Programmiersprache für Smartphones</a:t>
+            </a:r>
+          </a:p>
+        </p:txBody>
+      </p:sp>
+      <p:sp>
+        <p:nvSpPr>
+          <p:cNvPr id="6" name="Foliennummernplatzhalter 5">
+            <a:extLst>
+              <a:ext uri="{FF2B5EF4-FFF2-40B4-BE49-F238E27FC236}">
+                <a16:creationId xmlns:a16="http://schemas.microsoft.com/office/drawing/2014/main" id="{BE238A0B-1E74-4745-A606-FE964B62FF45}"/>
+              </a:ext>
+            </a:extLst>
+          </p:cNvPr>
+          <p:cNvSpPr>
+            <a:spLocks noGrp="1"/>
+          </p:cNvSpPr>
+          <p:nvPr>
+            <p:ph type="sldNum" sz="quarter" idx="12"/>
+          </p:nvPr>
+        </p:nvSpPr>
+        <p:spPr/>
+        <p:txBody>
+          <a:bodyPr/>
+          <a:lstStyle/>
+          <a:p>
+            <a:fld id="{3A1F27E2-D58A-4028-9FF2-B12D897F257E}" type="slidenum">
+              <a:rPr lang="de-DE" smtClean="0"/>
+              <a:t>62</a:t>
+            </a:fld>
+            <a:endParaRPr lang="de-DE"/>
+          </a:p>
+        </p:txBody>
+      </p:sp>
+      <p:pic>
+        <p:nvPicPr>
+          <p:cNvPr id="13" name="Grafik 12">
+            <a:extLst>
+              <a:ext uri="{FF2B5EF4-FFF2-40B4-BE49-F238E27FC236}">
+                <a16:creationId xmlns:a16="http://schemas.microsoft.com/office/drawing/2014/main" id="{D8FBCAF4-0FE8-4B94-A458-87A4989BDC03}"/>
+              </a:ext>
+            </a:extLst>
+          </p:cNvPr>
+          <p:cNvPicPr>
+            <a:picLocks noChangeAspect="1"/>
+          </p:cNvPicPr>
+          <p:nvPr/>
+        </p:nvPicPr>
+        <p:blipFill>
+          <a:blip r:embed="rId3"/>
+          <a:stretch>
+            <a:fillRect/>
+          </a:stretch>
+        </p:blipFill>
+        <p:spPr>
+          <a:xfrm>
+            <a:off x="838200" y="2786348"/>
+            <a:ext cx="3344814" cy="3106749"/>
+          </a:xfrm>
+          <a:prstGeom prst="rect">
+            <a:avLst/>
+          </a:prstGeom>
+        </p:spPr>
+      </p:pic>
+      <p:sp>
+        <p:nvSpPr>
+          <p:cNvPr id="15" name="Textfeld 14">
+            <a:extLst>
+              <a:ext uri="{FF2B5EF4-FFF2-40B4-BE49-F238E27FC236}">
+                <a16:creationId xmlns:a16="http://schemas.microsoft.com/office/drawing/2014/main" id="{5BE01268-44FC-465E-9A78-23325CCAA2CB}"/>
+              </a:ext>
+            </a:extLst>
+          </p:cNvPr>
+          <p:cNvSpPr txBox="1"/>
+          <p:nvPr/>
+        </p:nvSpPr>
+        <p:spPr>
+          <a:xfrm>
+            <a:off x="5167423" y="3634073"/>
+            <a:ext cx="606256" cy="1107996"/>
+          </a:xfrm>
+          <a:prstGeom prst="rect">
+            <a:avLst/>
+          </a:prstGeom>
+          <a:noFill/>
+        </p:spPr>
+        <p:txBody>
+          <a:bodyPr wrap="none" rtlCol="0">
+            <a:spAutoFit/>
+          </a:bodyPr>
+          <a:lstStyle/>
+          <a:p>
+            <a:r>
+              <a:rPr lang="de-DE" sz="6600" dirty="0"/>
+              <a:t>=</a:t>
+            </a:r>
+          </a:p>
+        </p:txBody>
+      </p:sp>
+      <p:pic>
+        <p:nvPicPr>
+          <p:cNvPr id="19" name="Grafik 18">
+            <a:extLst>
+              <a:ext uri="{FF2B5EF4-FFF2-40B4-BE49-F238E27FC236}">
+                <a16:creationId xmlns:a16="http://schemas.microsoft.com/office/drawing/2014/main" id="{1C9FA99D-B033-490F-AB79-63079C57E371}"/>
+              </a:ext>
+            </a:extLst>
+          </p:cNvPr>
+          <p:cNvPicPr>
+            <a:picLocks noChangeAspect="1"/>
+          </p:cNvPicPr>
+          <p:nvPr/>
+        </p:nvPicPr>
+        <p:blipFill>
+          <a:blip r:embed="rId4"/>
+          <a:stretch>
+            <a:fillRect/>
+          </a:stretch>
+        </p:blipFill>
+        <p:spPr>
+          <a:xfrm>
+            <a:off x="6095206" y="2786348"/>
+            <a:ext cx="3697380" cy="2644257"/>
+          </a:xfrm>
+          <a:prstGeom prst="rect">
+            <a:avLst/>
+          </a:prstGeom>
+        </p:spPr>
+      </p:pic>
+      <p:sp>
+        <p:nvSpPr>
+          <p:cNvPr id="29" name="Freihandform: Form 28">
+            <a:extLst>
+              <a:ext uri="{FF2B5EF4-FFF2-40B4-BE49-F238E27FC236}">
+                <a16:creationId xmlns:a16="http://schemas.microsoft.com/office/drawing/2014/main" id="{5549DC0F-E845-4310-8633-F1BB44AAC8EE}"/>
+              </a:ext>
+            </a:extLst>
+          </p:cNvPr>
+          <p:cNvSpPr/>
+          <p:nvPr/>
+        </p:nvSpPr>
+        <p:spPr>
+          <a:xfrm>
+            <a:off x="6528391" y="3166241"/>
+            <a:ext cx="3189767" cy="1049237"/>
+          </a:xfrm>
+          <a:custGeom>
+            <a:avLst/>
+            <a:gdLst>
+              <a:gd name="connsiteX0" fmla="*/ 1860697 w 3189767"/>
+              <a:gd name="connsiteY0" fmla="*/ 0 h 1049237"/>
+              <a:gd name="connsiteX1" fmla="*/ 3189767 w 3189767"/>
+              <a:gd name="connsiteY1" fmla="*/ 0 h 1049237"/>
+              <a:gd name="connsiteX2" fmla="*/ 3189767 w 3189767"/>
+              <a:gd name="connsiteY2" fmla="*/ 345225 h 1049237"/>
+              <a:gd name="connsiteX3" fmla="*/ 3189767 w 3189767"/>
+              <a:gd name="connsiteY3" fmla="*/ 409687 h 1049237"/>
+              <a:gd name="connsiteX4" fmla="*/ 3189767 w 3189767"/>
+              <a:gd name="connsiteY4" fmla="*/ 754912 h 1049237"/>
+              <a:gd name="connsiteX5" fmla="*/ 229697 w 3189767"/>
+              <a:gd name="connsiteY5" fmla="*/ 754912 h 1049237"/>
+              <a:gd name="connsiteX6" fmla="*/ 229697 w 3189767"/>
+              <a:gd name="connsiteY6" fmla="*/ 1049237 h 1049237"/>
+              <a:gd name="connsiteX7" fmla="*/ 0 w 3189767"/>
+              <a:gd name="connsiteY7" fmla="*/ 1049237 h 1049237"/>
+              <a:gd name="connsiteX8" fmla="*/ 0 w 3189767"/>
+              <a:gd name="connsiteY8" fmla="*/ 754912 h 1049237"/>
+              <a:gd name="connsiteX9" fmla="*/ 0 w 3189767"/>
+              <a:gd name="connsiteY9" fmla="*/ 708995 h 1049237"/>
+              <a:gd name="connsiteX10" fmla="*/ 0 w 3189767"/>
+              <a:gd name="connsiteY10" fmla="*/ 345225 h 1049237"/>
+              <a:gd name="connsiteX11" fmla="*/ 1860697 w 3189767"/>
+              <a:gd name="connsiteY11" fmla="*/ 345225 h 1049237"/>
+            </a:gdLst>
+            <a:ahLst/>
+            <a:cxnLst>
+              <a:cxn ang="0">
+                <a:pos x="connsiteX0" y="connsiteY0"/>
+              </a:cxn>
+              <a:cxn ang="0">
+                <a:pos x="connsiteX1" y="connsiteY1"/>
+              </a:cxn>
+              <a:cxn ang="0">
+                <a:pos x="connsiteX2" y="connsiteY2"/>
+              </a:cxn>
+              <a:cxn ang="0">
+                <a:pos x="connsiteX3" y="connsiteY3"/>
+              </a:cxn>
+              <a:cxn ang="0">
+                <a:pos x="connsiteX4" y="connsiteY4"/>
+              </a:cxn>
+              <a:cxn ang="0">
+                <a:pos x="connsiteX5" y="connsiteY5"/>
+              </a:cxn>
+              <a:cxn ang="0">
+                <a:pos x="connsiteX6" y="connsiteY6"/>
+              </a:cxn>
+              <a:cxn ang="0">
+                <a:pos x="connsiteX7" y="connsiteY7"/>
+              </a:cxn>
+              <a:cxn ang="0">
+                <a:pos x="connsiteX8" y="connsiteY8"/>
+              </a:cxn>
+              <a:cxn ang="0">
+                <a:pos x="connsiteX9" y="connsiteY9"/>
+              </a:cxn>
+              <a:cxn ang="0">
+                <a:pos x="connsiteX10" y="connsiteY10"/>
+              </a:cxn>
+              <a:cxn ang="0">
+                <a:pos x="connsiteX11" y="connsiteY11"/>
+              </a:cxn>
+            </a:cxnLst>
+            <a:rect l="l" t="t" r="r" b="b"/>
+            <a:pathLst>
+              <a:path w="3189767" h="1049237">
+                <a:moveTo>
+                  <a:pt x="1860697" y="0"/>
+                </a:moveTo>
+                <a:lnTo>
+                  <a:pt x="3189767" y="0"/>
+                </a:lnTo>
+                <a:lnTo>
+                  <a:pt x="3189767" y="345225"/>
+                </a:lnTo>
+                <a:lnTo>
+                  <a:pt x="3189767" y="409687"/>
+                </a:lnTo>
+                <a:lnTo>
+                  <a:pt x="3189767" y="754912"/>
+                </a:lnTo>
+                <a:lnTo>
+                  <a:pt x="229697" y="754912"/>
+                </a:lnTo>
+                <a:lnTo>
+                  <a:pt x="229697" y="1049237"/>
+                </a:lnTo>
+                <a:lnTo>
+                  <a:pt x="0" y="1049237"/>
+                </a:lnTo>
+                <a:lnTo>
+                  <a:pt x="0" y="754912"/>
+                </a:lnTo>
+                <a:lnTo>
+                  <a:pt x="0" y="708995"/>
+                </a:lnTo>
+                <a:lnTo>
+                  <a:pt x="0" y="345225"/>
+                </a:lnTo>
+                <a:lnTo>
+                  <a:pt x="1860697" y="345225"/>
+                </a:lnTo>
+                <a:close/>
+              </a:path>
+            </a:pathLst>
+          </a:custGeom>
+          <a:solidFill>
+            <a:srgbClr val="F47836">
+              <a:alpha val="30196"/>
+            </a:srgbClr>
+          </a:solidFill>
+          <a:ln>
+            <a:noFill/>
+          </a:ln>
+        </p:spPr>
+        <p:style>
+          <a:lnRef idx="2">
+            <a:schemeClr val="accent1">
+              <a:shade val="50000"/>
+            </a:schemeClr>
+          </a:lnRef>
+          <a:fillRef idx="1">
+            <a:schemeClr val="accent1"/>
+          </a:fillRef>
+          <a:effectRef idx="0">
+            <a:schemeClr val="accent1"/>
+          </a:effectRef>
+          <a:fontRef idx="minor">
+            <a:schemeClr val="lt1"/>
+          </a:fontRef>
+        </p:style>
+        <p:txBody>
+          <a:bodyPr wrap="square" rtlCol="0" anchor="ctr">
+            <a:noAutofit/>
+          </a:bodyPr>
+          <a:lstStyle/>
+          <a:p>
+            <a:pPr algn="ctr"/>
+            <a:endParaRPr lang="de-DE"/>
+          </a:p>
+        </p:txBody>
+      </p:sp>
+      <p:sp>
+        <p:nvSpPr>
+          <p:cNvPr id="30" name="Freihandform: Form 29">
+            <a:extLst>
+              <a:ext uri="{FF2B5EF4-FFF2-40B4-BE49-F238E27FC236}">
+                <a16:creationId xmlns:a16="http://schemas.microsoft.com/office/drawing/2014/main" id="{6E86AAFC-4CCC-48E0-897F-CC2D16928D68}"/>
+              </a:ext>
+            </a:extLst>
+          </p:cNvPr>
+          <p:cNvSpPr/>
+          <p:nvPr/>
+        </p:nvSpPr>
+        <p:spPr>
+          <a:xfrm>
+            <a:off x="918816" y="4770024"/>
+            <a:ext cx="3189767" cy="1049237"/>
+          </a:xfrm>
+          <a:custGeom>
+            <a:avLst/>
+            <a:gdLst>
+              <a:gd name="connsiteX0" fmla="*/ 1860697 w 3189767"/>
+              <a:gd name="connsiteY0" fmla="*/ 0 h 1049237"/>
+              <a:gd name="connsiteX1" fmla="*/ 3189767 w 3189767"/>
+              <a:gd name="connsiteY1" fmla="*/ 0 h 1049237"/>
+              <a:gd name="connsiteX2" fmla="*/ 3189767 w 3189767"/>
+              <a:gd name="connsiteY2" fmla="*/ 345225 h 1049237"/>
+              <a:gd name="connsiteX3" fmla="*/ 3189767 w 3189767"/>
+              <a:gd name="connsiteY3" fmla="*/ 409687 h 1049237"/>
+              <a:gd name="connsiteX4" fmla="*/ 3189767 w 3189767"/>
+              <a:gd name="connsiteY4" fmla="*/ 754912 h 1049237"/>
+              <a:gd name="connsiteX5" fmla="*/ 229697 w 3189767"/>
+              <a:gd name="connsiteY5" fmla="*/ 754912 h 1049237"/>
+              <a:gd name="connsiteX6" fmla="*/ 229697 w 3189767"/>
+              <a:gd name="connsiteY6" fmla="*/ 1049237 h 1049237"/>
+              <a:gd name="connsiteX7" fmla="*/ 0 w 3189767"/>
+              <a:gd name="connsiteY7" fmla="*/ 1049237 h 1049237"/>
+              <a:gd name="connsiteX8" fmla="*/ 0 w 3189767"/>
+              <a:gd name="connsiteY8" fmla="*/ 754912 h 1049237"/>
+              <a:gd name="connsiteX9" fmla="*/ 0 w 3189767"/>
+              <a:gd name="connsiteY9" fmla="*/ 708995 h 1049237"/>
+              <a:gd name="connsiteX10" fmla="*/ 0 w 3189767"/>
+              <a:gd name="connsiteY10" fmla="*/ 345225 h 1049237"/>
+              <a:gd name="connsiteX11" fmla="*/ 1860697 w 3189767"/>
+              <a:gd name="connsiteY11" fmla="*/ 345225 h 1049237"/>
+            </a:gdLst>
+            <a:ahLst/>
+            <a:cxnLst>
+              <a:cxn ang="0">
+                <a:pos x="connsiteX0" y="connsiteY0"/>
+              </a:cxn>
+              <a:cxn ang="0">
+                <a:pos x="connsiteX1" y="connsiteY1"/>
+              </a:cxn>
+              <a:cxn ang="0">
+                <a:pos x="connsiteX2" y="connsiteY2"/>
+              </a:cxn>
+              <a:cxn ang="0">
+                <a:pos x="connsiteX3" y="connsiteY3"/>
+              </a:cxn>
+              <a:cxn ang="0">
+                <a:pos x="connsiteX4" y="connsiteY4"/>
+              </a:cxn>
+              <a:cxn ang="0">
+                <a:pos x="connsiteX5" y="connsiteY5"/>
+              </a:cxn>
+              <a:cxn ang="0">
+                <a:pos x="connsiteX6" y="connsiteY6"/>
+              </a:cxn>
+              <a:cxn ang="0">
+                <a:pos x="connsiteX7" y="connsiteY7"/>
+              </a:cxn>
+              <a:cxn ang="0">
+                <a:pos x="connsiteX8" y="connsiteY8"/>
+              </a:cxn>
+              <a:cxn ang="0">
+                <a:pos x="connsiteX9" y="connsiteY9"/>
+              </a:cxn>
+              <a:cxn ang="0">
+                <a:pos x="connsiteX10" y="connsiteY10"/>
+              </a:cxn>
+              <a:cxn ang="0">
+                <a:pos x="connsiteX11" y="connsiteY11"/>
+              </a:cxn>
+            </a:cxnLst>
+            <a:rect l="l" t="t" r="r" b="b"/>
+            <a:pathLst>
+              <a:path w="3189767" h="1049237">
+                <a:moveTo>
+                  <a:pt x="1860697" y="0"/>
+                </a:moveTo>
+                <a:lnTo>
+                  <a:pt x="3189767" y="0"/>
+                </a:lnTo>
+                <a:lnTo>
+                  <a:pt x="3189767" y="345225"/>
+                </a:lnTo>
+                <a:lnTo>
+                  <a:pt x="3189767" y="409687"/>
+                </a:lnTo>
+                <a:lnTo>
+                  <a:pt x="3189767" y="754912"/>
+                </a:lnTo>
+                <a:lnTo>
+                  <a:pt x="229697" y="754912"/>
+                </a:lnTo>
+                <a:lnTo>
+                  <a:pt x="229697" y="1049237"/>
+                </a:lnTo>
+                <a:lnTo>
+                  <a:pt x="0" y="1049237"/>
+                </a:lnTo>
+                <a:lnTo>
+                  <a:pt x="0" y="754912"/>
+                </a:lnTo>
+                <a:lnTo>
+                  <a:pt x="0" y="708995"/>
+                </a:lnTo>
+                <a:lnTo>
+                  <a:pt x="0" y="345225"/>
+                </a:lnTo>
+                <a:lnTo>
+                  <a:pt x="1860697" y="345225"/>
+                </a:lnTo>
+                <a:close/>
+              </a:path>
+            </a:pathLst>
+          </a:custGeom>
+          <a:solidFill>
+            <a:srgbClr val="F47836">
+              <a:alpha val="30196"/>
+            </a:srgbClr>
+          </a:solidFill>
+          <a:ln>
+            <a:noFill/>
+          </a:ln>
+        </p:spPr>
+        <p:style>
+          <a:lnRef idx="2">
+            <a:schemeClr val="accent1">
+              <a:shade val="50000"/>
+            </a:schemeClr>
+          </a:lnRef>
+          <a:fillRef idx="1">
+            <a:schemeClr val="accent1"/>
+          </a:fillRef>
+          <a:effectRef idx="0">
+            <a:schemeClr val="accent1"/>
+          </a:effectRef>
+          <a:fontRef idx="minor">
+            <a:schemeClr val="lt1"/>
+          </a:fontRef>
+        </p:style>
+        <p:txBody>
+          <a:bodyPr wrap="square" rtlCol="0" anchor="ctr">
+            <a:noAutofit/>
+          </a:bodyPr>
+          <a:lstStyle/>
+          <a:p>
+            <a:pPr algn="ctr"/>
+            <a:endParaRPr lang="de-DE"/>
+          </a:p>
+        </p:txBody>
+      </p:sp>
+      <p:sp>
+        <p:nvSpPr>
+          <p:cNvPr id="31" name="Rechteck 30">
+            <a:extLst>
+              <a:ext uri="{FF2B5EF4-FFF2-40B4-BE49-F238E27FC236}">
+                <a16:creationId xmlns:a16="http://schemas.microsoft.com/office/drawing/2014/main" id="{39D99A01-F515-44BE-AD1A-CD04130933B6}"/>
+              </a:ext>
+            </a:extLst>
+          </p:cNvPr>
+          <p:cNvSpPr/>
+          <p:nvPr/>
+        </p:nvSpPr>
+        <p:spPr>
+          <a:xfrm>
+            <a:off x="1552353" y="4770024"/>
+            <a:ext cx="1201479" cy="333604"/>
+          </a:xfrm>
+          <a:prstGeom prst="rect">
+            <a:avLst/>
+          </a:prstGeom>
+          <a:solidFill>
+            <a:srgbClr val="004990">
+              <a:alpha val="30196"/>
+            </a:srgbClr>
+          </a:solidFill>
+          <a:ln>
+            <a:noFill/>
+          </a:ln>
+        </p:spPr>
+        <p:style>
+          <a:lnRef idx="2">
+            <a:schemeClr val="accent1">
+              <a:shade val="50000"/>
+            </a:schemeClr>
+          </a:lnRef>
+          <a:fillRef idx="1">
+            <a:schemeClr val="accent1"/>
+          </a:fillRef>
+          <a:effectRef idx="0">
+            <a:schemeClr val="accent1"/>
+          </a:effectRef>
+          <a:fontRef idx="minor">
+            <a:schemeClr val="lt1"/>
+          </a:fontRef>
+        </p:style>
+        <p:txBody>
+          <a:bodyPr rtlCol="0" anchor="ctr"/>
+          <a:lstStyle/>
+          <a:p>
+            <a:pPr algn="ctr"/>
+            <a:endParaRPr lang="de-DE"/>
+          </a:p>
+        </p:txBody>
+      </p:sp>
+      <p:sp>
+        <p:nvSpPr>
+          <p:cNvPr id="32" name="Rechteck 31">
+            <a:extLst>
+              <a:ext uri="{FF2B5EF4-FFF2-40B4-BE49-F238E27FC236}">
+                <a16:creationId xmlns:a16="http://schemas.microsoft.com/office/drawing/2014/main" id="{C9DFEEE8-DAC4-48FA-A4B6-EC1B34F73772}"/>
+              </a:ext>
+            </a:extLst>
+          </p:cNvPr>
+          <p:cNvSpPr/>
+          <p:nvPr/>
+        </p:nvSpPr>
+        <p:spPr>
+          <a:xfrm>
+            <a:off x="7137413" y="3166241"/>
+            <a:ext cx="958837" cy="333604"/>
+          </a:xfrm>
+          <a:prstGeom prst="rect">
+            <a:avLst/>
+          </a:prstGeom>
+          <a:solidFill>
+            <a:srgbClr val="004990">
+              <a:alpha val="30196"/>
+            </a:srgbClr>
+          </a:solidFill>
+          <a:ln>
+            <a:noFill/>
+          </a:ln>
+        </p:spPr>
+        <p:style>
+          <a:lnRef idx="2">
+            <a:schemeClr val="accent1">
+              <a:shade val="50000"/>
+            </a:schemeClr>
+          </a:lnRef>
+          <a:fillRef idx="1">
+            <a:schemeClr val="accent1"/>
+          </a:fillRef>
+          <a:effectRef idx="0">
+            <a:schemeClr val="accent1"/>
+          </a:effectRef>
+          <a:fontRef idx="minor">
+            <a:schemeClr val="lt1"/>
+          </a:fontRef>
+        </p:style>
+        <p:txBody>
+          <a:bodyPr rtlCol="0" anchor="ctr"/>
+          <a:lstStyle/>
+          <a:p>
+            <a:pPr algn="ctr"/>
+            <a:endParaRPr lang="de-DE"/>
+          </a:p>
+        </p:txBody>
+      </p:sp>
+      <p:sp>
+        <p:nvSpPr>
+          <p:cNvPr id="33" name="Textfeld 32">
+            <a:extLst>
+              <a:ext uri="{FF2B5EF4-FFF2-40B4-BE49-F238E27FC236}">
+                <a16:creationId xmlns:a16="http://schemas.microsoft.com/office/drawing/2014/main" id="{3D44B594-762D-498A-A65F-CB5255EC47D3}"/>
+              </a:ext>
+            </a:extLst>
+          </p:cNvPr>
+          <p:cNvSpPr txBox="1"/>
+          <p:nvPr/>
+        </p:nvSpPr>
+        <p:spPr>
+          <a:xfrm>
+            <a:off x="2146431" y="5672695"/>
+            <a:ext cx="2036583" cy="369332"/>
+          </a:xfrm>
+          <a:prstGeom prst="rect">
+            <a:avLst/>
+          </a:prstGeom>
+          <a:noFill/>
+        </p:spPr>
+        <p:txBody>
+          <a:bodyPr wrap="none" rtlCol="0">
+            <a:spAutoFit/>
+          </a:bodyPr>
+          <a:lstStyle/>
+          <a:p>
+            <a:r>
+              <a:rPr lang="de-DE" dirty="0"/>
+              <a:t>"normale" Funktion</a:t>
+            </a:r>
+          </a:p>
+        </p:txBody>
+      </p:sp>
+      <p:sp>
+        <p:nvSpPr>
+          <p:cNvPr id="34" name="Textfeld 33">
+            <a:extLst>
+              <a:ext uri="{FF2B5EF4-FFF2-40B4-BE49-F238E27FC236}">
+                <a16:creationId xmlns:a16="http://schemas.microsoft.com/office/drawing/2014/main" id="{84A2F6A4-EBA3-4992-A2EB-DE0AC1DAD0BE}"/>
+              </a:ext>
+            </a:extLst>
+          </p:cNvPr>
+          <p:cNvSpPr txBox="1"/>
+          <p:nvPr/>
+        </p:nvSpPr>
+        <p:spPr>
+          <a:xfrm>
+            <a:off x="6343384" y="5539177"/>
+            <a:ext cx="4164923" cy="369332"/>
+          </a:xfrm>
+          <a:prstGeom prst="rect">
+            <a:avLst/>
+          </a:prstGeom>
+          <a:noFill/>
+        </p:spPr>
+        <p:txBody>
+          <a:bodyPr wrap="none" rtlCol="0">
+            <a:spAutoFit/>
+          </a:bodyPr>
+          <a:lstStyle/>
+          <a:p>
+            <a:r>
+              <a:rPr lang="de-DE" dirty="0"/>
+              <a:t>Zuweisung einer Funktion an eine Variable</a:t>
+            </a:r>
+          </a:p>
+        </p:txBody>
+      </p:sp>
+      <p:sp>
+        <p:nvSpPr>
+          <p:cNvPr id="35" name="Rechteck 34">
+            <a:extLst>
+              <a:ext uri="{FF2B5EF4-FFF2-40B4-BE49-F238E27FC236}">
+                <a16:creationId xmlns:a16="http://schemas.microsoft.com/office/drawing/2014/main" id="{09E4B30E-8D94-4236-8F6F-DBEBDAB4D35A}"/>
+              </a:ext>
+            </a:extLst>
+          </p:cNvPr>
+          <p:cNvSpPr/>
+          <p:nvPr/>
+        </p:nvSpPr>
+        <p:spPr>
+          <a:xfrm>
+            <a:off x="8115300" y="3166241"/>
+            <a:ext cx="257175" cy="333604"/>
+          </a:xfrm>
+          <a:prstGeom prst="rect">
+            <a:avLst/>
+          </a:prstGeom>
+          <a:solidFill>
+            <a:schemeClr val="accent3">
+              <a:alpha val="30196"/>
+            </a:schemeClr>
+          </a:solidFill>
+          <a:ln>
+            <a:noFill/>
+          </a:ln>
+        </p:spPr>
+        <p:style>
+          <a:lnRef idx="2">
+            <a:schemeClr val="accent1">
+              <a:shade val="50000"/>
+            </a:schemeClr>
+          </a:lnRef>
+          <a:fillRef idx="1">
+            <a:schemeClr val="accent1"/>
+          </a:fillRef>
+          <a:effectRef idx="0">
+            <a:schemeClr val="accent1"/>
+          </a:effectRef>
+          <a:fontRef idx="minor">
+            <a:schemeClr val="lt1"/>
+          </a:fontRef>
+        </p:style>
+        <p:txBody>
+          <a:bodyPr rtlCol="0" anchor="ctr"/>
+          <a:lstStyle/>
+          <a:p>
+            <a:pPr algn="ctr"/>
+            <a:endParaRPr lang="de-DE"/>
+          </a:p>
+        </p:txBody>
+      </p:sp>
+      <p:sp>
+        <p:nvSpPr>
+          <p:cNvPr id="36" name="Rechteck 35">
+            <a:extLst>
+              <a:ext uri="{FF2B5EF4-FFF2-40B4-BE49-F238E27FC236}">
+                <a16:creationId xmlns:a16="http://schemas.microsoft.com/office/drawing/2014/main" id="{684146F0-7051-47A7-97C5-DCB4A48A8A99}"/>
+              </a:ext>
+            </a:extLst>
+          </p:cNvPr>
+          <p:cNvSpPr/>
+          <p:nvPr/>
+        </p:nvSpPr>
+        <p:spPr>
+          <a:xfrm>
+            <a:off x="6769088" y="3937766"/>
+            <a:ext cx="174638" cy="277712"/>
+          </a:xfrm>
+          <a:prstGeom prst="rect">
+            <a:avLst/>
+          </a:prstGeom>
+          <a:solidFill>
+            <a:schemeClr val="accent3">
+              <a:alpha val="30196"/>
+            </a:schemeClr>
+          </a:solidFill>
+          <a:ln>
+            <a:noFill/>
+          </a:ln>
+        </p:spPr>
+        <p:style>
+          <a:lnRef idx="2">
+            <a:schemeClr val="accent1">
+              <a:shade val="50000"/>
+            </a:schemeClr>
+          </a:lnRef>
+          <a:fillRef idx="1">
+            <a:schemeClr val="accent1"/>
+          </a:fillRef>
+          <a:effectRef idx="0">
+            <a:schemeClr val="accent1"/>
+          </a:effectRef>
+          <a:fontRef idx="minor">
+            <a:schemeClr val="lt1"/>
+          </a:fontRef>
+        </p:style>
+        <p:txBody>
+          <a:bodyPr rtlCol="0" anchor="ctr"/>
+          <a:lstStyle/>
+          <a:p>
+            <a:pPr algn="ctr"/>
+            <a:endParaRPr lang="de-DE"/>
+          </a:p>
+        </p:txBody>
+      </p:sp>
+      <p:sp>
+        <p:nvSpPr>
+          <p:cNvPr id="37" name="Rechteck 36">
+            <a:extLst>
+              <a:ext uri="{FF2B5EF4-FFF2-40B4-BE49-F238E27FC236}">
+                <a16:creationId xmlns:a16="http://schemas.microsoft.com/office/drawing/2014/main" id="{11F4094A-AFF5-4CDB-9B06-2D0C2FA80997}"/>
+              </a:ext>
+            </a:extLst>
+          </p:cNvPr>
+          <p:cNvSpPr/>
+          <p:nvPr/>
+        </p:nvSpPr>
+        <p:spPr>
+          <a:xfrm>
+            <a:off x="8562976" y="4280666"/>
+            <a:ext cx="133350" cy="333604"/>
+          </a:xfrm>
+          <a:prstGeom prst="rect">
+            <a:avLst/>
+          </a:prstGeom>
+          <a:solidFill>
+            <a:schemeClr val="accent5">
+              <a:alpha val="30196"/>
+            </a:schemeClr>
+          </a:solidFill>
+          <a:ln>
+            <a:noFill/>
+          </a:ln>
+        </p:spPr>
+        <p:style>
+          <a:lnRef idx="2">
+            <a:schemeClr val="accent1">
+              <a:shade val="50000"/>
+            </a:schemeClr>
+          </a:lnRef>
+          <a:fillRef idx="1">
+            <a:schemeClr val="accent1"/>
+          </a:fillRef>
+          <a:effectRef idx="0">
+            <a:schemeClr val="accent1"/>
+          </a:effectRef>
+          <a:fontRef idx="minor">
+            <a:schemeClr val="lt1"/>
+          </a:fontRef>
+        </p:style>
+        <p:txBody>
+          <a:bodyPr rtlCol="0" anchor="ctr"/>
+          <a:lstStyle/>
+          <a:p>
+            <a:pPr algn="ctr"/>
+            <a:endParaRPr lang="de-DE"/>
+          </a:p>
+        </p:txBody>
+      </p:sp>
+      <p:sp>
+        <p:nvSpPr>
+          <p:cNvPr id="38" name="Rechteck 37">
+            <a:extLst>
+              <a:ext uri="{FF2B5EF4-FFF2-40B4-BE49-F238E27FC236}">
+                <a16:creationId xmlns:a16="http://schemas.microsoft.com/office/drawing/2014/main" id="{700DD6FC-BE91-495E-8CAA-9FB34169BAFB}"/>
+              </a:ext>
+            </a:extLst>
+          </p:cNvPr>
+          <p:cNvSpPr/>
+          <p:nvPr/>
+        </p:nvSpPr>
+        <p:spPr>
+          <a:xfrm>
+            <a:off x="8820151" y="4271141"/>
+            <a:ext cx="133350" cy="333604"/>
+          </a:xfrm>
+          <a:prstGeom prst="rect">
+            <a:avLst/>
+          </a:prstGeom>
+          <a:solidFill>
+            <a:schemeClr val="accent5">
+              <a:alpha val="30196"/>
+            </a:schemeClr>
+          </a:solidFill>
+          <a:ln>
+            <a:noFill/>
+          </a:ln>
+        </p:spPr>
+        <p:style>
+          <a:lnRef idx="2">
+            <a:schemeClr val="accent1">
+              <a:shade val="50000"/>
+            </a:schemeClr>
+          </a:lnRef>
+          <a:fillRef idx="1">
+            <a:schemeClr val="accent1"/>
+          </a:fillRef>
+          <a:effectRef idx="0">
+            <a:schemeClr val="accent1"/>
+          </a:effectRef>
+          <a:fontRef idx="minor">
+            <a:schemeClr val="lt1"/>
+          </a:fontRef>
+        </p:style>
+        <p:txBody>
+          <a:bodyPr rtlCol="0" anchor="ctr"/>
+          <a:lstStyle/>
+          <a:p>
+            <a:pPr algn="ctr"/>
+            <a:endParaRPr lang="de-DE"/>
+          </a:p>
+        </p:txBody>
+      </p:sp>
+    </p:spTree>
+    <p:extLst>
+      <p:ext uri="{BB962C8B-B14F-4D97-AF65-F5344CB8AC3E}">
+        <p14:creationId xmlns:p14="http://schemas.microsoft.com/office/powerpoint/2010/main" val="3494289134"/>
+      </p:ext>
+    </p:extLst>
+  </p:cSld>
+  <p:clrMapOvr>
+    <a:masterClrMapping/>
+  </p:clrMapOvr>
+</p:sld>
+</file>
+
+<file path=ppt/slides/slide63.xml><?xml version="1.0" encoding="utf-8"?>
+<p:sld xmlns:a="http://schemas.openxmlformats.org/drawingml/2006/main" xmlns:r="http://schemas.openxmlformats.org/officeDocument/2006/relationships" xmlns:p="http://schemas.openxmlformats.org/presentationml/2006/main">
+  <p:cSld>
+    <p:spTree>
+      <p:nvGrpSpPr>
+        <p:cNvPr id="1" name=""/>
+        <p:cNvGrpSpPr/>
+        <p:nvPr/>
+      </p:nvGrpSpPr>
+      <p:grpSpPr>
+        <a:xfrm>
+          <a:off x="0" y="0"/>
+          <a:ext cx="0" cy="0"/>
+          <a:chOff x="0" y="0"/>
+          <a:chExt cx="0" cy="0"/>
+        </a:xfrm>
+      </p:grpSpPr>
+      <p:sp>
+        <p:nvSpPr>
+          <p:cNvPr id="2" name="Titel 1">
+            <a:extLst>
+              <a:ext uri="{FF2B5EF4-FFF2-40B4-BE49-F238E27FC236}">
+                <a16:creationId xmlns:a16="http://schemas.microsoft.com/office/drawing/2014/main" id="{FACFBA44-F278-4A4B-B66C-29A9C0A45E9F}"/>
+              </a:ext>
+            </a:extLst>
+          </p:cNvPr>
+          <p:cNvSpPr>
+            <a:spLocks noGrp="1"/>
+          </p:cNvSpPr>
+          <p:nvPr>
+            <p:ph type="title"/>
+          </p:nvPr>
+        </p:nvSpPr>
+        <p:spPr/>
+        <p:txBody>
+          <a:bodyPr/>
+          <a:lstStyle/>
+          <a:p>
+            <a:r>
+              <a:rPr lang="de-DE" dirty="0"/>
+              <a:t>Dart - Lambdas</a:t>
+            </a:r>
+          </a:p>
+        </p:txBody>
+      </p:sp>
+      <p:sp>
+        <p:nvSpPr>
+          <p:cNvPr id="3" name="Content Placeholder 2">
+            <a:extLst>
+              <a:ext uri="{FF2B5EF4-FFF2-40B4-BE49-F238E27FC236}">
+                <a16:creationId xmlns:a16="http://schemas.microsoft.com/office/drawing/2014/main" id="{59266691-6F20-41DD-14AA-B34569312EF0}"/>
+              </a:ext>
+            </a:extLst>
+          </p:cNvPr>
+          <p:cNvSpPr>
+            <a:spLocks noGrp="1"/>
+          </p:cNvSpPr>
+          <p:nvPr>
+            <p:ph idx="1"/>
+          </p:nvPr>
+        </p:nvSpPr>
+        <p:spPr/>
+        <p:txBody>
+          <a:bodyPr/>
+          <a:lstStyle/>
+          <a:p>
+            <a:endParaRPr lang="de-DE"/>
+          </a:p>
+        </p:txBody>
+      </p:sp>
+      <p:sp>
+        <p:nvSpPr>
+          <p:cNvPr id="4" name="Datumsplatzhalter 3">
+            <a:extLst>
+              <a:ext uri="{FF2B5EF4-FFF2-40B4-BE49-F238E27FC236}">
+                <a16:creationId xmlns:a16="http://schemas.microsoft.com/office/drawing/2014/main" id="{02CC89AB-3905-4A5B-88C4-4FD333ECD4B8}"/>
+              </a:ext>
+            </a:extLst>
+          </p:cNvPr>
+          <p:cNvSpPr>
+            <a:spLocks noGrp="1"/>
+          </p:cNvSpPr>
+          <p:nvPr>
+            <p:ph type="dt" sz="half" idx="10"/>
+          </p:nvPr>
+        </p:nvSpPr>
+        <p:spPr/>
+        <p:txBody>
+          <a:bodyPr/>
+          <a:lstStyle/>
+          <a:p>
+            <a:fld id="{8159FE7A-07D2-4D3F-9855-29B7F3DF1D43}" type="datetime1">
+              <a:rPr lang="de-DE" smtClean="0"/>
+              <a:t>24.03.2023</a:t>
+            </a:fld>
+            <a:endParaRPr lang="de-DE"/>
+          </a:p>
+        </p:txBody>
+      </p:sp>
+      <p:sp>
+        <p:nvSpPr>
+          <p:cNvPr id="5" name="Fußzeilenplatzhalter 4">
+            <a:extLst>
+              <a:ext uri="{FF2B5EF4-FFF2-40B4-BE49-F238E27FC236}">
+                <a16:creationId xmlns:a16="http://schemas.microsoft.com/office/drawing/2014/main" id="{7173D78B-6B80-4206-8EF9-36054C301E49}"/>
+              </a:ext>
+            </a:extLst>
+          </p:cNvPr>
+          <p:cNvSpPr>
+            <a:spLocks noGrp="1"/>
+          </p:cNvSpPr>
+          <p:nvPr>
+            <p:ph type="ftr" sz="quarter" idx="11"/>
+          </p:nvPr>
+        </p:nvSpPr>
+        <p:spPr/>
+        <p:txBody>
+          <a:bodyPr/>
+          <a:lstStyle/>
+          <a:p>
+            <a:r>
+              <a:rPr lang="de-DE"/>
+              <a:t>Dart - Programmiersprache für Smartphones</a:t>
+            </a:r>
+          </a:p>
+        </p:txBody>
+      </p:sp>
+      <p:sp>
+        <p:nvSpPr>
+          <p:cNvPr id="6" name="Foliennummernplatzhalter 5">
+            <a:extLst>
+              <a:ext uri="{FF2B5EF4-FFF2-40B4-BE49-F238E27FC236}">
+                <a16:creationId xmlns:a16="http://schemas.microsoft.com/office/drawing/2014/main" id="{1AD4BF87-D581-44DD-9F82-CA60B5DA5A5D}"/>
+              </a:ext>
+            </a:extLst>
+          </p:cNvPr>
+          <p:cNvSpPr>
+            <a:spLocks noGrp="1"/>
+          </p:cNvSpPr>
+          <p:nvPr>
+            <p:ph type="sldNum" sz="quarter" idx="12"/>
+          </p:nvPr>
+        </p:nvSpPr>
+        <p:spPr/>
+        <p:txBody>
+          <a:bodyPr/>
+          <a:lstStyle/>
+          <a:p>
+            <a:fld id="{3A1F27E2-D58A-4028-9FF2-B12D897F257E}" type="slidenum">
+              <a:rPr lang="de-DE" smtClean="0"/>
+              <a:t>63</a:t>
+            </a:fld>
+            <a:endParaRPr lang="de-DE"/>
+          </a:p>
+        </p:txBody>
+      </p:sp>
+      <p:pic>
+        <p:nvPicPr>
+          <p:cNvPr id="8" name="Grafik 7">
+            <a:extLst>
+              <a:ext uri="{FF2B5EF4-FFF2-40B4-BE49-F238E27FC236}">
+                <a16:creationId xmlns:a16="http://schemas.microsoft.com/office/drawing/2014/main" id="{B9ABE3A9-F358-4FAF-85C3-37806DCF66CF}"/>
+              </a:ext>
+            </a:extLst>
+          </p:cNvPr>
+          <p:cNvPicPr>
+            <a:picLocks noChangeAspect="1"/>
+          </p:cNvPicPr>
+          <p:nvPr/>
+        </p:nvPicPr>
+        <p:blipFill>
+          <a:blip r:embed="rId3"/>
+          <a:stretch>
+            <a:fillRect/>
+          </a:stretch>
+        </p:blipFill>
+        <p:spPr>
+          <a:xfrm>
+            <a:off x="838200" y="2190249"/>
+            <a:ext cx="5374056" cy="3610476"/>
+          </a:xfrm>
+          <a:prstGeom prst="rect">
+            <a:avLst/>
+          </a:prstGeom>
+        </p:spPr>
+      </p:pic>
+      <p:sp>
+        <p:nvSpPr>
+          <p:cNvPr id="9" name="Rechteck 8">
+            <a:extLst>
+              <a:ext uri="{FF2B5EF4-FFF2-40B4-BE49-F238E27FC236}">
+                <a16:creationId xmlns:a16="http://schemas.microsoft.com/office/drawing/2014/main" id="{70434E77-E12D-4764-9501-009481836046}"/>
+              </a:ext>
+            </a:extLst>
+          </p:cNvPr>
+          <p:cNvSpPr/>
+          <p:nvPr/>
+        </p:nvSpPr>
+        <p:spPr>
+          <a:xfrm>
+            <a:off x="2969609" y="2670941"/>
+            <a:ext cx="958837" cy="333604"/>
+          </a:xfrm>
+          <a:prstGeom prst="rect">
+            <a:avLst/>
+          </a:prstGeom>
+          <a:solidFill>
+            <a:srgbClr val="004990">
+              <a:alpha val="30196"/>
+            </a:srgbClr>
+          </a:solidFill>
+          <a:ln>
+            <a:noFill/>
+          </a:ln>
+        </p:spPr>
+        <p:style>
+          <a:lnRef idx="2">
+            <a:schemeClr val="accent1">
+              <a:shade val="50000"/>
+            </a:schemeClr>
+          </a:lnRef>
+          <a:fillRef idx="1">
+            <a:schemeClr val="accent1"/>
+          </a:fillRef>
+          <a:effectRef idx="0">
+            <a:schemeClr val="accent1"/>
+          </a:effectRef>
+          <a:fontRef idx="minor">
+            <a:schemeClr val="lt1"/>
+          </a:fontRef>
+        </p:style>
+        <p:txBody>
+          <a:bodyPr rtlCol="0" anchor="ctr"/>
+          <a:lstStyle/>
+          <a:p>
+            <a:pPr algn="ctr"/>
+            <a:endParaRPr lang="de-DE"/>
+          </a:p>
+        </p:txBody>
+      </p:sp>
+      <p:sp>
+        <p:nvSpPr>
+          <p:cNvPr id="10" name="Rechteck 9">
+            <a:extLst>
+              <a:ext uri="{FF2B5EF4-FFF2-40B4-BE49-F238E27FC236}">
+                <a16:creationId xmlns:a16="http://schemas.microsoft.com/office/drawing/2014/main" id="{BEBFE1F3-3752-49B9-BA5F-27F2029D2303}"/>
+              </a:ext>
+            </a:extLst>
+          </p:cNvPr>
+          <p:cNvSpPr/>
+          <p:nvPr/>
+        </p:nvSpPr>
+        <p:spPr>
+          <a:xfrm>
+            <a:off x="3760184" y="3585341"/>
+            <a:ext cx="958837" cy="333604"/>
+          </a:xfrm>
+          <a:prstGeom prst="rect">
+            <a:avLst/>
+          </a:prstGeom>
+          <a:solidFill>
+            <a:srgbClr val="004990">
+              <a:alpha val="30196"/>
+            </a:srgbClr>
+          </a:solidFill>
+          <a:ln>
+            <a:noFill/>
+          </a:ln>
+        </p:spPr>
+        <p:style>
+          <a:lnRef idx="2">
+            <a:schemeClr val="accent1">
+              <a:shade val="50000"/>
+            </a:schemeClr>
+          </a:lnRef>
+          <a:fillRef idx="1">
+            <a:schemeClr val="accent1"/>
+          </a:fillRef>
+          <a:effectRef idx="0">
+            <a:schemeClr val="accent1"/>
+          </a:effectRef>
+          <a:fontRef idx="minor">
+            <a:schemeClr val="lt1"/>
+          </a:fontRef>
+        </p:style>
+        <p:txBody>
+          <a:bodyPr rtlCol="0" anchor="ctr"/>
+          <a:lstStyle/>
+          <a:p>
+            <a:pPr algn="ctr"/>
+            <a:endParaRPr lang="de-DE"/>
+          </a:p>
+        </p:txBody>
+      </p:sp>
+    </p:spTree>
+    <p:extLst>
+      <p:ext uri="{BB962C8B-B14F-4D97-AF65-F5344CB8AC3E}">
+        <p14:creationId xmlns:p14="http://schemas.microsoft.com/office/powerpoint/2010/main" val="2062522188"/>
+      </p:ext>
+    </p:extLst>
+  </p:cSld>
+  <p:clrMapOvr>
+    <a:masterClrMapping/>
+  </p:clrMapOvr>
+</p:sld>
+</file>
+
+<file path=ppt/slides/slide64.xml><?xml version="1.0" encoding="utf-8"?>
+<p:sld xmlns:a="http://schemas.openxmlformats.org/drawingml/2006/main" xmlns:r="http://schemas.openxmlformats.org/officeDocument/2006/relationships" xmlns:p="http://schemas.openxmlformats.org/presentationml/2006/main">
+  <p:cSld>
+    <p:spTree>
+      <p:nvGrpSpPr>
+        <p:cNvPr id="1" name=""/>
+        <p:cNvGrpSpPr/>
+        <p:nvPr/>
+      </p:nvGrpSpPr>
+      <p:grpSpPr>
+        <a:xfrm>
+          <a:off x="0" y="0"/>
+          <a:ext cx="0" cy="0"/>
+          <a:chOff x="0" y="0"/>
+          <a:chExt cx="0" cy="0"/>
+        </a:xfrm>
+      </p:grpSpPr>
+      <p:sp>
+        <p:nvSpPr>
+          <p:cNvPr id="2" name="Titel 1">
+            <a:extLst>
+              <a:ext uri="{FF2B5EF4-FFF2-40B4-BE49-F238E27FC236}">
+                <a16:creationId xmlns:a16="http://schemas.microsoft.com/office/drawing/2014/main" id="{819C97C1-91C9-4C6D-98AB-2DDA99ECD871}"/>
+              </a:ext>
+            </a:extLst>
+          </p:cNvPr>
+          <p:cNvSpPr>
+            <a:spLocks noGrp="1"/>
+          </p:cNvSpPr>
+          <p:nvPr>
+            <p:ph type="title"/>
+          </p:nvPr>
+        </p:nvSpPr>
+        <p:spPr/>
+        <p:txBody>
+          <a:bodyPr/>
+          <a:lstStyle/>
+          <a:p>
+            <a:r>
+              <a:rPr lang="de-DE" dirty="0"/>
+              <a:t>Dart - Lambdas</a:t>
+            </a:r>
+          </a:p>
+        </p:txBody>
+      </p:sp>
+      <p:sp>
+        <p:nvSpPr>
+          <p:cNvPr id="11" name="Inhaltsplatzhalter 10">
+            <a:extLst>
+              <a:ext uri="{FF2B5EF4-FFF2-40B4-BE49-F238E27FC236}">
+                <a16:creationId xmlns:a16="http://schemas.microsoft.com/office/drawing/2014/main" id="{991E0FBB-A601-4147-AE59-FD4F72726DD7}"/>
+              </a:ext>
+            </a:extLst>
+          </p:cNvPr>
+          <p:cNvSpPr>
+            <a:spLocks noGrp="1"/>
+          </p:cNvSpPr>
+          <p:nvPr>
+            <p:ph idx="1"/>
+          </p:nvPr>
+        </p:nvSpPr>
+        <p:spPr/>
+        <p:txBody>
+          <a:bodyPr/>
+          <a:lstStyle/>
+          <a:p>
+            <a:r>
+              <a:rPr lang="de-DE" dirty="0" err="1"/>
+              <a:t>Finally</a:t>
+            </a:r>
+            <a:r>
+              <a:rPr lang="de-DE" dirty="0"/>
+              <a:t>…</a:t>
+            </a:r>
+          </a:p>
+        </p:txBody>
+      </p:sp>
+      <p:sp>
+        <p:nvSpPr>
+          <p:cNvPr id="4" name="Datumsplatzhalter 3">
+            <a:extLst>
+              <a:ext uri="{FF2B5EF4-FFF2-40B4-BE49-F238E27FC236}">
+                <a16:creationId xmlns:a16="http://schemas.microsoft.com/office/drawing/2014/main" id="{9CA3E089-985D-482B-91AE-5E838935A374}"/>
+              </a:ext>
+            </a:extLst>
+          </p:cNvPr>
+          <p:cNvSpPr>
+            <a:spLocks noGrp="1"/>
+          </p:cNvSpPr>
+          <p:nvPr>
+            <p:ph type="dt" sz="half" idx="10"/>
+          </p:nvPr>
+        </p:nvSpPr>
+        <p:spPr/>
+        <p:txBody>
+          <a:bodyPr/>
+          <a:lstStyle/>
+          <a:p>
+            <a:fld id="{8159FE7A-07D2-4D3F-9855-29B7F3DF1D43}" type="datetime1">
+              <a:rPr lang="de-DE" smtClean="0"/>
+              <a:t>24.03.2023</a:t>
+            </a:fld>
+            <a:endParaRPr lang="de-DE"/>
+          </a:p>
+        </p:txBody>
+      </p:sp>
+      <p:sp>
+        <p:nvSpPr>
+          <p:cNvPr id="5" name="Fußzeilenplatzhalter 4">
+            <a:extLst>
+              <a:ext uri="{FF2B5EF4-FFF2-40B4-BE49-F238E27FC236}">
+                <a16:creationId xmlns:a16="http://schemas.microsoft.com/office/drawing/2014/main" id="{6C699D81-2E59-437E-B020-F725F5447A64}"/>
+              </a:ext>
+            </a:extLst>
+          </p:cNvPr>
+          <p:cNvSpPr>
+            <a:spLocks noGrp="1"/>
+          </p:cNvSpPr>
+          <p:nvPr>
+            <p:ph type="ftr" sz="quarter" idx="11"/>
+          </p:nvPr>
+        </p:nvSpPr>
+        <p:spPr/>
+        <p:txBody>
+          <a:bodyPr/>
+          <a:lstStyle/>
+          <a:p>
+            <a:r>
+              <a:rPr lang="de-DE"/>
+              <a:t>Dart - Programmiersprache für Smartphones</a:t>
+            </a:r>
+          </a:p>
+        </p:txBody>
+      </p:sp>
+      <p:sp>
+        <p:nvSpPr>
+          <p:cNvPr id="6" name="Foliennummernplatzhalter 5">
+            <a:extLst>
+              <a:ext uri="{FF2B5EF4-FFF2-40B4-BE49-F238E27FC236}">
+                <a16:creationId xmlns:a16="http://schemas.microsoft.com/office/drawing/2014/main" id="{613A4E99-866C-4160-9AA5-F42C4E2DBFDC}"/>
+              </a:ext>
+            </a:extLst>
+          </p:cNvPr>
+          <p:cNvSpPr>
+            <a:spLocks noGrp="1"/>
+          </p:cNvSpPr>
+          <p:nvPr>
+            <p:ph type="sldNum" sz="quarter" idx="12"/>
+          </p:nvPr>
+        </p:nvSpPr>
+        <p:spPr/>
+        <p:txBody>
+          <a:bodyPr/>
+          <a:lstStyle/>
+          <a:p>
+            <a:fld id="{3A1F27E2-D58A-4028-9FF2-B12D897F257E}" type="slidenum">
+              <a:rPr lang="de-DE" smtClean="0"/>
+              <a:t>64</a:t>
+            </a:fld>
+            <a:endParaRPr lang="de-DE"/>
+          </a:p>
+        </p:txBody>
+      </p:sp>
+      <p:pic>
+        <p:nvPicPr>
+          <p:cNvPr id="8" name="Grafik 7">
+            <a:extLst>
+              <a:ext uri="{FF2B5EF4-FFF2-40B4-BE49-F238E27FC236}">
+                <a16:creationId xmlns:a16="http://schemas.microsoft.com/office/drawing/2014/main" id="{EE17C094-0EE6-4ED0-BC9E-6C452073F63A}"/>
+              </a:ext>
+            </a:extLst>
+          </p:cNvPr>
+          <p:cNvPicPr>
+            <a:picLocks noChangeAspect="1"/>
+          </p:cNvPicPr>
+          <p:nvPr/>
+        </p:nvPicPr>
+        <p:blipFill>
+          <a:blip r:embed="rId2"/>
+          <a:stretch>
+            <a:fillRect/>
+          </a:stretch>
+        </p:blipFill>
+        <p:spPr>
+          <a:xfrm>
+            <a:off x="838200" y="2138354"/>
+            <a:ext cx="7562850" cy="3913196"/>
+          </a:xfrm>
+          <a:prstGeom prst="rect">
+            <a:avLst/>
+          </a:prstGeom>
+        </p:spPr>
+      </p:pic>
+      <p:sp>
+        <p:nvSpPr>
+          <p:cNvPr id="9" name="Rechteck 8">
+            <a:extLst>
+              <a:ext uri="{FF2B5EF4-FFF2-40B4-BE49-F238E27FC236}">
+                <a16:creationId xmlns:a16="http://schemas.microsoft.com/office/drawing/2014/main" id="{552FDEA9-7C50-41BD-9DDE-CA92ABEAD73E}"/>
+              </a:ext>
+            </a:extLst>
+          </p:cNvPr>
+          <p:cNvSpPr/>
+          <p:nvPr/>
+        </p:nvSpPr>
+        <p:spPr>
+          <a:xfrm>
+            <a:off x="2083784" y="2362199"/>
+            <a:ext cx="859441" cy="280395"/>
+          </a:xfrm>
+          <a:prstGeom prst="rect">
+            <a:avLst/>
+          </a:prstGeom>
+          <a:solidFill>
+            <a:srgbClr val="004990">
+              <a:alpha val="30196"/>
+            </a:srgbClr>
+          </a:solidFill>
+          <a:ln>
+            <a:noFill/>
+          </a:ln>
+        </p:spPr>
+        <p:style>
+          <a:lnRef idx="2">
+            <a:schemeClr val="accent1">
+              <a:shade val="50000"/>
+            </a:schemeClr>
+          </a:lnRef>
+          <a:fillRef idx="1">
+            <a:schemeClr val="accent1"/>
+          </a:fillRef>
+          <a:effectRef idx="0">
+            <a:schemeClr val="accent1"/>
+          </a:effectRef>
+          <a:fontRef idx="minor">
+            <a:schemeClr val="lt1"/>
+          </a:fontRef>
+        </p:style>
+        <p:txBody>
+          <a:bodyPr rtlCol="0" anchor="ctr"/>
+          <a:lstStyle/>
+          <a:p>
+            <a:pPr algn="ctr"/>
+            <a:endParaRPr lang="de-DE"/>
+          </a:p>
+        </p:txBody>
+      </p:sp>
+      <p:sp>
+        <p:nvSpPr>
+          <p:cNvPr id="10" name="Rechteck 9">
+            <a:extLst>
+              <a:ext uri="{FF2B5EF4-FFF2-40B4-BE49-F238E27FC236}">
+                <a16:creationId xmlns:a16="http://schemas.microsoft.com/office/drawing/2014/main" id="{34DF6FF1-9F9F-4C5C-BB2F-1D8350BCDE0A}"/>
+              </a:ext>
+            </a:extLst>
+          </p:cNvPr>
+          <p:cNvSpPr/>
+          <p:nvPr/>
+        </p:nvSpPr>
+        <p:spPr>
+          <a:xfrm>
+            <a:off x="3807809" y="2876549"/>
+            <a:ext cx="859441" cy="280395"/>
+          </a:xfrm>
+          <a:prstGeom prst="rect">
+            <a:avLst/>
+          </a:prstGeom>
+          <a:solidFill>
+            <a:srgbClr val="004990">
+              <a:alpha val="30196"/>
+            </a:srgbClr>
+          </a:solidFill>
+          <a:ln>
+            <a:noFill/>
+          </a:ln>
+        </p:spPr>
+        <p:style>
+          <a:lnRef idx="2">
+            <a:schemeClr val="accent1">
+              <a:shade val="50000"/>
+            </a:schemeClr>
+          </a:lnRef>
+          <a:fillRef idx="1">
+            <a:schemeClr val="accent1"/>
+          </a:fillRef>
+          <a:effectRef idx="0">
+            <a:schemeClr val="accent1"/>
+          </a:effectRef>
+          <a:fontRef idx="minor">
+            <a:schemeClr val="lt1"/>
+          </a:fontRef>
+        </p:style>
+        <p:txBody>
+          <a:bodyPr rtlCol="0" anchor="ctr"/>
+          <a:lstStyle/>
+          <a:p>
+            <a:pPr algn="ctr"/>
+            <a:endParaRPr lang="de-DE"/>
+          </a:p>
+        </p:txBody>
+      </p:sp>
+    </p:spTree>
+    <p:extLst>
+      <p:ext uri="{BB962C8B-B14F-4D97-AF65-F5344CB8AC3E}">
+        <p14:creationId xmlns:p14="http://schemas.microsoft.com/office/powerpoint/2010/main" val="1170326698"/>
       </p:ext>
     </p:extLst>
   </p:cSld>
@@ -29284,7 +32643,7 @@
           <a:p>
             <a:fld id="{7127E464-1A99-4532-A297-E1D7378D9E61}" type="datetime1">
               <a:rPr lang="de-DE" smtClean="0"/>
-              <a:t>17.02.2023</a:t>
+              <a:t>24.03.2023</a:t>
             </a:fld>
             <a:endParaRPr lang="de-DE"/>
           </a:p>
@@ -29665,7 +33024,7 @@
           <a:p>
             <a:fld id="{77B5C711-A7A8-40A0-AEA6-3F77D4628817}" type="datetime1">
               <a:rPr lang="de-DE" smtClean="0"/>
-              <a:t>17.02.2023</a:t>
+              <a:t>24.03.2023</a:t>
             </a:fld>
             <a:endParaRPr lang="de-DE"/>
           </a:p>
@@ -30044,7 +33403,7 @@
           <a:p>
             <a:fld id="{27A2010A-1149-4F23-80A2-1B4570F18F3A}" type="datetime1">
               <a:rPr lang="de-DE" smtClean="0"/>
-              <a:t>17.02.2023</a:t>
+              <a:t>24.03.2023</a:t>
             </a:fld>
             <a:endParaRPr lang="de-DE"/>
           </a:p>

--- a/presentations/Dart.pptx
+++ b/presentations/Dart.pptx
@@ -6,10 +6,10 @@
     <p:sldMasterId id="2147483656" r:id="rId2"/>
   </p:sldMasterIdLst>
   <p:notesMasterIdLst>
-    <p:notesMasterId r:id="rId67"/>
+    <p:notesMasterId r:id="rId70"/>
   </p:notesMasterIdLst>
   <p:handoutMasterIdLst>
-    <p:handoutMasterId r:id="rId68"/>
+    <p:handoutMasterId r:id="rId71"/>
   </p:handoutMasterIdLst>
   <p:sldIdLst>
     <p:sldId id="256" r:id="rId3"/>
@@ -76,6 +76,9 @@
     <p:sldId id="354" r:id="rId64"/>
     <p:sldId id="355" r:id="rId65"/>
     <p:sldId id="356" r:id="rId66"/>
+    <p:sldId id="326" r:id="rId67"/>
+    <p:sldId id="327" r:id="rId68"/>
+    <p:sldId id="328" r:id="rId69"/>
   </p:sldIdLst>
   <p:sldSz cx="12192000" cy="6858000"/>
   <p:notesSz cx="6858000" cy="9144000"/>
@@ -309,7 +312,11 @@
           </p14:sldIdLst>
         </p14:section>
         <p14:section name="Async/Await" id="{F00BADB3-CEE5-4594-895D-E5F0B75FD60F}">
-          <p14:sldIdLst/>
+          <p14:sldIdLst>
+            <p14:sldId id="326"/>
+            <p14:sldId id="327"/>
+            <p14:sldId id="328"/>
+          </p14:sldIdLst>
         </p14:section>
         <p14:section name="Objekte" id="{16F5A491-3E83-4F2C-958E-5EB88EFC1324}">
           <p14:sldIdLst/>
@@ -439,7 +446,7 @@
                   <a:schemeClr val="tx2"/>
                 </a:solidFill>
               </a:rPr>
-              <a:t>24.03.2023</a:t>
+              <a:t>12.04.2023</a:t>
             </a:fld>
             <a:endParaRPr lang="de-DE">
               <a:solidFill>
@@ -789,7 +796,7 @@
             <a:fld id="{B4113CCE-1A1A-46DB-884A-AE560F65C3AF}" type="datetimeFigureOut">
               <a:rPr lang="de-DE" smtClean="0"/>
               <a:pPr/>
-              <a:t>24.03.2023</a:t>
+              <a:t>12.04.2023</a:t>
             </a:fld>
             <a:endParaRPr lang="de-DE"/>
           </a:p>
@@ -6080,6 +6087,132 @@
 </p:notes>
 </file>
 
+<file path=ppt/notesSlides/notesSlide49.xml><?xml version="1.0" encoding="utf-8"?>
+<p:notes xmlns:a="http://schemas.openxmlformats.org/drawingml/2006/main" xmlns:r="http://schemas.openxmlformats.org/officeDocument/2006/relationships" xmlns:p="http://schemas.openxmlformats.org/presentationml/2006/main">
+  <p:cSld>
+    <p:spTree>
+      <p:nvGrpSpPr>
+        <p:cNvPr id="1" name=""/>
+        <p:cNvGrpSpPr/>
+        <p:nvPr/>
+      </p:nvGrpSpPr>
+      <p:grpSpPr>
+        <a:xfrm>
+          <a:off x="0" y="0"/>
+          <a:ext cx="0" cy="0"/>
+          <a:chOff x="0" y="0"/>
+          <a:chExt cx="0" cy="0"/>
+        </a:xfrm>
+      </p:grpSpPr>
+      <p:sp>
+        <p:nvSpPr>
+          <p:cNvPr id="2" name="Folienbildplatzhalter 1"/>
+          <p:cNvSpPr>
+            <a:spLocks noGrp="1" noRot="1" noChangeAspect="1"/>
+          </p:cNvSpPr>
+          <p:nvPr>
+            <p:ph type="sldImg"/>
+          </p:nvPr>
+        </p:nvSpPr>
+        <p:spPr>
+          <a:xfrm>
+            <a:off x="685800" y="1143000"/>
+            <a:ext cx="4270375" cy="2401888"/>
+          </a:xfrm>
+        </p:spPr>
+      </p:sp>
+      <p:sp>
+        <p:nvSpPr>
+          <p:cNvPr id="3" name="Notizenplatzhalter 2"/>
+          <p:cNvSpPr>
+            <a:spLocks noGrp="1"/>
+          </p:cNvSpPr>
+          <p:nvPr>
+            <p:ph type="body" idx="1"/>
+          </p:nvPr>
+        </p:nvSpPr>
+        <p:spPr/>
+        <p:txBody>
+          <a:bodyPr/>
+          <a:lstStyle/>
+          <a:p>
+            <a:r>
+              <a:rPr lang="de-DE" dirty="0"/>
+              <a:t>Wir werden beim Programmieren unserer Flutter App über ein weiteres Konzept stolpern, um das wir nicht herumkommen.</a:t>
+            </a:r>
+          </a:p>
+          <a:p>
+            <a:r>
+              <a:rPr lang="de-DE" dirty="0"/>
+              <a:t>Es handelt sich hierbei um ein sehr fortgeschrittenes Konzept, das einiges an Überlegung erfordert.</a:t>
+            </a:r>
+          </a:p>
+          <a:p>
+            <a:r>
+              <a:rPr lang="de-DE" dirty="0"/>
+              <a:t>Wir werden es nicht ausführlich behandeln und die stattdessen die Wartezeiten in Kauf nehmen.</a:t>
+            </a:r>
+          </a:p>
+          <a:p>
+            <a:endParaRPr lang="de-DE" dirty="0"/>
+          </a:p>
+          <a:p>
+            <a:r>
+              <a:rPr lang="de-DE" dirty="0"/>
+              <a:t>Aufgaben, bei denen es eine längere Wartezeit gibt, können im Hintergrund ausgeführt werden. </a:t>
+            </a:r>
+          </a:p>
+          <a:p>
+            <a:r>
+              <a:rPr lang="de-DE" dirty="0"/>
+              <a:t>Das hat den Vorteil, dass während der Wartezeit noch etwas anderes berechnet werden kann.</a:t>
+            </a:r>
+          </a:p>
+          <a:p>
+            <a:r>
+              <a:rPr lang="de-DE" dirty="0"/>
+              <a:t>Insgesamt kann das die Ausführungszeit deutlich beschleunigen, wie im Bild zu sehen.</a:t>
+            </a:r>
+          </a:p>
+        </p:txBody>
+      </p:sp>
+      <p:sp>
+        <p:nvSpPr>
+          <p:cNvPr id="4" name="Foliennummernplatzhalter 3"/>
+          <p:cNvSpPr>
+            <a:spLocks noGrp="1"/>
+          </p:cNvSpPr>
+          <p:nvPr>
+            <p:ph type="sldNum" sz="quarter" idx="5"/>
+          </p:nvPr>
+        </p:nvSpPr>
+        <p:spPr/>
+        <p:txBody>
+          <a:bodyPr/>
+          <a:lstStyle/>
+          <a:p>
+            <a:fld id="{927DBD90-B360-417B-B4B3-F05A4AFC1996}" type="slidenum">
+              <a:rPr lang="de-DE" smtClean="0"/>
+              <a:pPr/>
+              <a:t>65</a:t>
+            </a:fld>
+            <a:endParaRPr lang="de-DE"/>
+          </a:p>
+        </p:txBody>
+      </p:sp>
+    </p:spTree>
+    <p:extLst>
+      <p:ext uri="{BB962C8B-B14F-4D97-AF65-F5344CB8AC3E}">
+        <p14:creationId xmlns:p14="http://schemas.microsoft.com/office/powerpoint/2010/main" val="1689404465"/>
+      </p:ext>
+    </p:extLst>
+  </p:cSld>
+  <p:clrMapOvr>
+    <a:masterClrMapping/>
+  </p:clrMapOvr>
+</p:notes>
+</file>
+
 <file path=ppt/notesSlides/notesSlide5.xml><?xml version="1.0" encoding="utf-8"?>
 <p:notes xmlns:a="http://schemas.openxmlformats.org/drawingml/2006/main" xmlns:r="http://schemas.openxmlformats.org/officeDocument/2006/relationships" xmlns:p="http://schemas.openxmlformats.org/presentationml/2006/main">
   <p:cSld>
@@ -6172,6 +6305,205 @@
     <p:extLst>
       <p:ext uri="{BB962C8B-B14F-4D97-AF65-F5344CB8AC3E}">
         <p14:creationId xmlns:p14="http://schemas.microsoft.com/office/powerpoint/2010/main" val="3513273198"/>
+      </p:ext>
+    </p:extLst>
+  </p:cSld>
+  <p:clrMapOvr>
+    <a:masterClrMapping/>
+  </p:clrMapOvr>
+</p:notes>
+</file>
+
+<file path=ppt/notesSlides/notesSlide50.xml><?xml version="1.0" encoding="utf-8"?>
+<p:notes xmlns:a="http://schemas.openxmlformats.org/drawingml/2006/main" xmlns:r="http://schemas.openxmlformats.org/officeDocument/2006/relationships" xmlns:p="http://schemas.openxmlformats.org/presentationml/2006/main">
+  <p:cSld>
+    <p:spTree>
+      <p:nvGrpSpPr>
+        <p:cNvPr id="1" name=""/>
+        <p:cNvGrpSpPr/>
+        <p:nvPr/>
+      </p:nvGrpSpPr>
+      <p:grpSpPr>
+        <a:xfrm>
+          <a:off x="0" y="0"/>
+          <a:ext cx="0" cy="0"/>
+          <a:chOff x="0" y="0"/>
+          <a:chExt cx="0" cy="0"/>
+        </a:xfrm>
+      </p:grpSpPr>
+      <p:sp>
+        <p:nvSpPr>
+          <p:cNvPr id="2" name="Folienbildplatzhalter 1"/>
+          <p:cNvSpPr>
+            <a:spLocks noGrp="1" noRot="1" noChangeAspect="1"/>
+          </p:cNvSpPr>
+          <p:nvPr>
+            <p:ph type="sldImg"/>
+          </p:nvPr>
+        </p:nvSpPr>
+        <p:spPr>
+          <a:xfrm>
+            <a:off x="685800" y="1143000"/>
+            <a:ext cx="4270375" cy="2401888"/>
+          </a:xfrm>
+        </p:spPr>
+      </p:sp>
+      <p:sp>
+        <p:nvSpPr>
+          <p:cNvPr id="3" name="Notizenplatzhalter 2"/>
+          <p:cNvSpPr>
+            <a:spLocks noGrp="1"/>
+          </p:cNvSpPr>
+          <p:nvPr>
+            <p:ph type="body" idx="1"/>
+          </p:nvPr>
+        </p:nvSpPr>
+        <p:spPr/>
+        <p:txBody>
+          <a:bodyPr/>
+          <a:lstStyle/>
+          <a:p>
+            <a:endParaRPr lang="de-DE" dirty="0"/>
+          </a:p>
+        </p:txBody>
+      </p:sp>
+      <p:sp>
+        <p:nvSpPr>
+          <p:cNvPr id="4" name="Foliennummernplatzhalter 3"/>
+          <p:cNvSpPr>
+            <a:spLocks noGrp="1"/>
+          </p:cNvSpPr>
+          <p:nvPr>
+            <p:ph type="sldNum" sz="quarter" idx="5"/>
+          </p:nvPr>
+        </p:nvSpPr>
+        <p:spPr/>
+        <p:txBody>
+          <a:bodyPr/>
+          <a:lstStyle/>
+          <a:p>
+            <a:fld id="{927DBD90-B360-417B-B4B3-F05A4AFC1996}" type="slidenum">
+              <a:rPr lang="de-DE" smtClean="0"/>
+              <a:pPr/>
+              <a:t>66</a:t>
+            </a:fld>
+            <a:endParaRPr lang="de-DE"/>
+          </a:p>
+        </p:txBody>
+      </p:sp>
+    </p:spTree>
+    <p:extLst>
+      <p:ext uri="{BB962C8B-B14F-4D97-AF65-F5344CB8AC3E}">
+        <p14:creationId xmlns:p14="http://schemas.microsoft.com/office/powerpoint/2010/main" val="3329960688"/>
+      </p:ext>
+    </p:extLst>
+  </p:cSld>
+  <p:clrMapOvr>
+    <a:masterClrMapping/>
+  </p:clrMapOvr>
+</p:notes>
+</file>
+
+<file path=ppt/notesSlides/notesSlide51.xml><?xml version="1.0" encoding="utf-8"?>
+<p:notes xmlns:a="http://schemas.openxmlformats.org/drawingml/2006/main" xmlns:r="http://schemas.openxmlformats.org/officeDocument/2006/relationships" xmlns:p="http://schemas.openxmlformats.org/presentationml/2006/main">
+  <p:cSld>
+    <p:spTree>
+      <p:nvGrpSpPr>
+        <p:cNvPr id="1" name=""/>
+        <p:cNvGrpSpPr/>
+        <p:nvPr/>
+      </p:nvGrpSpPr>
+      <p:grpSpPr>
+        <a:xfrm>
+          <a:off x="0" y="0"/>
+          <a:ext cx="0" cy="0"/>
+          <a:chOff x="0" y="0"/>
+          <a:chExt cx="0" cy="0"/>
+        </a:xfrm>
+      </p:grpSpPr>
+      <p:sp>
+        <p:nvSpPr>
+          <p:cNvPr id="2" name="Folienbildplatzhalter 1"/>
+          <p:cNvSpPr>
+            <a:spLocks noGrp="1" noRot="1" noChangeAspect="1"/>
+          </p:cNvSpPr>
+          <p:nvPr>
+            <p:ph type="sldImg"/>
+          </p:nvPr>
+        </p:nvSpPr>
+        <p:spPr>
+          <a:xfrm>
+            <a:off x="685800" y="1143000"/>
+            <a:ext cx="4270375" cy="2401888"/>
+          </a:xfrm>
+        </p:spPr>
+      </p:sp>
+      <p:sp>
+        <p:nvSpPr>
+          <p:cNvPr id="3" name="Notizenplatzhalter 2"/>
+          <p:cNvSpPr>
+            <a:spLocks noGrp="1"/>
+          </p:cNvSpPr>
+          <p:nvPr>
+            <p:ph type="body" idx="1"/>
+          </p:nvPr>
+        </p:nvSpPr>
+        <p:spPr/>
+        <p:txBody>
+          <a:bodyPr/>
+          <a:lstStyle/>
+          <a:p>
+            <a:r>
+              <a:rPr lang="de-DE" dirty="0"/>
+              <a:t>Fazit: Wundert Euch nicht, wenn ab und zu </a:t>
+            </a:r>
+            <a:r>
+              <a:rPr lang="de-DE" dirty="0" err="1"/>
+              <a:t>async</a:t>
+            </a:r>
+            <a:r>
+              <a:rPr lang="de-DE" dirty="0"/>
+              <a:t> oder </a:t>
+            </a:r>
+            <a:r>
+              <a:rPr lang="de-DE" dirty="0" err="1"/>
+              <a:t>await</a:t>
+            </a:r>
+            <a:r>
+              <a:rPr lang="de-DE" dirty="0"/>
+              <a:t> steht oder es benötigt wird. Es hat mit Optimierungen zu tun, die uns im BOGY noch nicht interessieren. Das ist definitiv etwas, was man im Studium lernen kann.</a:t>
+            </a:r>
+          </a:p>
+        </p:txBody>
+      </p:sp>
+      <p:sp>
+        <p:nvSpPr>
+          <p:cNvPr id="4" name="Foliennummernplatzhalter 3"/>
+          <p:cNvSpPr>
+            <a:spLocks noGrp="1"/>
+          </p:cNvSpPr>
+          <p:nvPr>
+            <p:ph type="sldNum" sz="quarter" idx="5"/>
+          </p:nvPr>
+        </p:nvSpPr>
+        <p:spPr/>
+        <p:txBody>
+          <a:bodyPr/>
+          <a:lstStyle/>
+          <a:p>
+            <a:fld id="{927DBD90-B360-417B-B4B3-F05A4AFC1996}" type="slidenum">
+              <a:rPr lang="de-DE" smtClean="0"/>
+              <a:pPr/>
+              <a:t>67</a:t>
+            </a:fld>
+            <a:endParaRPr lang="de-DE"/>
+          </a:p>
+        </p:txBody>
+      </p:sp>
+    </p:spTree>
+    <p:extLst>
+      <p:ext uri="{BB962C8B-B14F-4D97-AF65-F5344CB8AC3E}">
+        <p14:creationId xmlns:p14="http://schemas.microsoft.com/office/powerpoint/2010/main" val="2655934023"/>
       </p:ext>
     </p:extLst>
   </p:cSld>
@@ -6695,7 +7027,7 @@
           <a:p>
             <a:fld id="{4E6DF7AA-8899-480A-AE8B-97B651237939}" type="datetime1">
               <a:rPr lang="de-DE" smtClean="0"/>
-              <a:t>24.03.2023</a:t>
+              <a:t>12.04.2023</a:t>
             </a:fld>
             <a:endParaRPr lang="de-DE"/>
           </a:p>
@@ -6900,7 +7232,7 @@
           <a:p>
             <a:fld id="{A1082C62-1968-4D03-BE49-CB116A4D6814}" type="datetime1">
               <a:rPr lang="de-DE" smtClean="0"/>
-              <a:t>24.03.2023</a:t>
+              <a:t>12.04.2023</a:t>
             </a:fld>
             <a:endParaRPr lang="de-DE"/>
           </a:p>
@@ -7054,7 +7386,7 @@
           <a:p>
             <a:fld id="{C0E04462-FF80-4281-98D0-2AB88E65DA84}" type="datetime1">
               <a:rPr lang="de-DE" smtClean="0"/>
-              <a:t>24.03.2023</a:t>
+              <a:t>12.04.2023</a:t>
             </a:fld>
             <a:endParaRPr lang="de-DE"/>
           </a:p>
@@ -7291,7 +7623,7 @@
           <a:p>
             <a:fld id="{1FAA5A7F-2A4E-40D6-9FFE-960B13817A2C}" type="datetime1">
               <a:rPr lang="de-DE" smtClean="0"/>
-              <a:t>24.03.2023</a:t>
+              <a:t>12.04.2023</a:t>
             </a:fld>
             <a:endParaRPr lang="de-DE"/>
           </a:p>
@@ -7467,7 +7799,7 @@
           <a:p>
             <a:fld id="{382DDC3E-10C9-4B92-B2FB-A8167FB6AB1D}" type="datetime1">
               <a:rPr lang="de-DE" smtClean="0"/>
-              <a:t>24.03.2023</a:t>
+              <a:t>12.04.2023</a:t>
             </a:fld>
             <a:endParaRPr lang="de-DE"/>
           </a:p>
@@ -7643,7 +7975,7 @@
           <a:p>
             <a:fld id="{8159FE7A-07D2-4D3F-9855-29B7F3DF1D43}" type="datetime1">
               <a:rPr lang="de-DE" smtClean="0"/>
-              <a:t>24.03.2023</a:t>
+              <a:t>12.04.2023</a:t>
             </a:fld>
             <a:endParaRPr lang="de-DE"/>
           </a:p>
@@ -7793,7 +8125,7 @@
           <a:p>
             <a:fld id="{7CF1A54B-9CB9-49D3-BA48-5A7ECDBA0943}" type="datetime1">
               <a:rPr lang="de-DE" smtClean="0"/>
-              <a:t>24.03.2023</a:t>
+              <a:t>12.04.2023</a:t>
             </a:fld>
             <a:endParaRPr lang="de-DE"/>
           </a:p>
@@ -7891,7 +8223,7 @@
           <a:p>
             <a:fld id="{5621DBFA-780B-465A-97B9-CC4792E01430}" type="datetime1">
               <a:rPr lang="de-DE" smtClean="0"/>
-              <a:t>24.03.2023</a:t>
+              <a:t>12.04.2023</a:t>
             </a:fld>
             <a:endParaRPr lang="de-DE"/>
           </a:p>
@@ -8015,7 +8347,7 @@
           <a:p>
             <a:fld id="{13ADA68E-BD65-4999-8C0B-CC0F110C2BD3}" type="datetime1">
               <a:rPr lang="de-DE" smtClean="0"/>
-              <a:t>24.03.2023</a:t>
+              <a:t>12.04.2023</a:t>
             </a:fld>
             <a:endParaRPr lang="de-DE"/>
           </a:p>
@@ -8199,7 +8531,7 @@
           <a:p>
             <a:fld id="{93B55C80-8AAA-4242-8442-4A53184707C3}" type="datetime1">
               <a:rPr lang="de-DE" smtClean="0"/>
-              <a:t>24.03.2023</a:t>
+              <a:t>12.04.2023</a:t>
             </a:fld>
             <a:endParaRPr lang="de-DE"/>
           </a:p>
@@ -8404,7 +8736,7 @@
           <a:p>
             <a:fld id="{4485BB24-7FA9-422A-BF70-F9FA49C1D9F8}" type="datetime1">
               <a:rPr lang="de-DE" smtClean="0"/>
-              <a:t>24.03.2023</a:t>
+              <a:t>12.04.2023</a:t>
             </a:fld>
             <a:endParaRPr lang="de-DE"/>
           </a:p>
@@ -8762,7 +9094,7 @@
           <a:p>
             <a:fld id="{3CD93E9C-CF59-4162-A977-F7642EDBB23A}" type="datetime1">
               <a:rPr lang="de-DE" smtClean="0"/>
-              <a:t>24.03.2023</a:t>
+              <a:t>12.04.2023</a:t>
             </a:fld>
             <a:endParaRPr lang="de-DE" dirty="0"/>
           </a:p>
@@ -9403,7 +9735,7 @@
           <a:p>
             <a:fld id="{6FE8A2CE-6D32-4716-A090-EDD7EE0B4140}" type="datetime1">
               <a:rPr lang="de-DE" smtClean="0"/>
-              <a:t>24.03.2023</a:t>
+              <a:t>12.04.2023</a:t>
             </a:fld>
             <a:endParaRPr lang="de-DE" dirty="0"/>
           </a:p>
@@ -10075,7 +10407,7 @@
           <a:p>
             <a:fld id="{603113A9-B1ED-4EC0-A094-9858FCF2D0C8}" type="datetime1">
               <a:rPr lang="de-DE" smtClean="0"/>
-              <a:t>24.03.2023</a:t>
+              <a:t>12.04.2023</a:t>
             </a:fld>
             <a:endParaRPr lang="de-DE"/>
           </a:p>
@@ -10285,7 +10617,7 @@
           <a:p>
             <a:fld id="{B70EBCA3-FB0B-48D9-A2E5-56DBD5624AFE}" type="datetime1">
               <a:rPr lang="de-DE" smtClean="0"/>
-              <a:t>24.03.2023</a:t>
+              <a:t>12.04.2023</a:t>
             </a:fld>
             <a:endParaRPr lang="de-DE"/>
           </a:p>
@@ -10594,7 +10926,7 @@
           <a:p>
             <a:fld id="{AAEBEB04-CBF0-4835-872C-2565D4E2EBF1}" type="datetime1">
               <a:rPr lang="de-DE" smtClean="0"/>
-              <a:t>24.03.2023</a:t>
+              <a:t>12.04.2023</a:t>
             </a:fld>
             <a:endParaRPr lang="de-DE"/>
           </a:p>
@@ -10862,7 +11194,7 @@
           <a:p>
             <a:fld id="{8F663D0B-A90A-4472-ADF1-2D4D5E0E002A}" type="datetime1">
               <a:rPr lang="de-DE" smtClean="0"/>
-              <a:t>24.03.2023</a:t>
+              <a:t>12.04.2023</a:t>
             </a:fld>
             <a:endParaRPr lang="de-DE"/>
           </a:p>
@@ -11161,7 +11493,7 @@
           <a:p>
             <a:fld id="{C81998FD-B568-4E47-AA9F-CE36B3FEB5BA}" type="datetime1">
               <a:rPr lang="de-DE" smtClean="0"/>
-              <a:t>24.03.2023</a:t>
+              <a:t>12.04.2023</a:t>
             </a:fld>
             <a:endParaRPr lang="de-DE"/>
           </a:p>
@@ -11512,7 +11844,7 @@
           <a:p>
             <a:fld id="{0A4F56F1-7827-4042-A276-DAF40AC0B000}" type="datetime1">
               <a:rPr lang="de-DE" smtClean="0"/>
-              <a:t>24.03.2023</a:t>
+              <a:t>12.04.2023</a:t>
             </a:fld>
             <a:endParaRPr lang="de-DE"/>
           </a:p>
@@ -11810,7 +12142,7 @@
           <a:p>
             <a:fld id="{DAB02174-66FA-41E9-A997-DF7D3619438B}" type="datetime1">
               <a:rPr lang="de-DE" smtClean="0"/>
-              <a:t>24.03.2023</a:t>
+              <a:t>12.04.2023</a:t>
             </a:fld>
             <a:endParaRPr lang="de-DE"/>
           </a:p>
@@ -12191,7 +12523,7 @@
           <a:p>
             <a:fld id="{BDFFDF87-2C7B-4FBB-B7F3-0EB8FC88FA6F}" type="datetime1">
               <a:rPr lang="de-DE" smtClean="0"/>
-              <a:t>24.03.2023</a:t>
+              <a:t>12.04.2023</a:t>
             </a:fld>
             <a:endParaRPr lang="de-DE"/>
           </a:p>
@@ -12524,7 +12856,7 @@
           <a:p>
             <a:fld id="{4AEAFF43-79D1-488F-88E5-AECF0C52E4F6}" type="datetime1">
               <a:rPr lang="de-DE" smtClean="0"/>
-              <a:t>24.03.2023</a:t>
+              <a:t>12.04.2023</a:t>
             </a:fld>
             <a:endParaRPr lang="de-DE"/>
           </a:p>
@@ -12802,7 +13134,7 @@
           <a:p>
             <a:fld id="{F3624D99-4580-4939-A184-6854C4D65CB3}" type="datetime1">
               <a:rPr lang="de-DE" smtClean="0"/>
-              <a:t>24.03.2023</a:t>
+              <a:t>12.04.2023</a:t>
             </a:fld>
             <a:endParaRPr lang="de-DE"/>
           </a:p>
@@ -13142,7 +13474,7 @@
           <a:p>
             <a:fld id="{F2FEDD9D-5594-473A-899D-C0AD9514F726}" type="datetime1">
               <a:rPr lang="de-DE" smtClean="0"/>
-              <a:t>24.03.2023</a:t>
+              <a:t>12.04.2023</a:t>
             </a:fld>
             <a:endParaRPr lang="de-DE"/>
           </a:p>
@@ -13404,7 +13736,7 @@
           <a:p>
             <a:fld id="{92A047F3-1820-4570-AC17-C8DA167C5F14}" type="datetime1">
               <a:rPr lang="de-DE" smtClean="0"/>
-              <a:t>24.03.2023</a:t>
+              <a:t>12.04.2023</a:t>
             </a:fld>
             <a:endParaRPr lang="de-DE"/>
           </a:p>
@@ -13902,7 +14234,7 @@
           <a:p>
             <a:fld id="{95C3B550-B314-4EBE-B643-25AC9427FA8B}" type="datetime1">
               <a:rPr lang="de-DE" smtClean="0"/>
-              <a:t>24.03.2023</a:t>
+              <a:t>12.04.2023</a:t>
             </a:fld>
             <a:endParaRPr lang="de-DE"/>
           </a:p>
@@ -14248,7 +14580,7 @@
           <a:p>
             <a:fld id="{767B626B-00B4-4CEC-8206-7F4851B03FEF}" type="datetime1">
               <a:rPr lang="de-DE" smtClean="0"/>
-              <a:t>24.03.2023</a:t>
+              <a:t>12.04.2023</a:t>
             </a:fld>
             <a:endParaRPr lang="de-DE"/>
           </a:p>
@@ -14560,7 +14892,7 @@
           <a:p>
             <a:fld id="{102EEC64-5E38-4CDE-986C-4F454B58738A}" type="datetime1">
               <a:rPr lang="de-DE" smtClean="0"/>
-              <a:t>24.03.2023</a:t>
+              <a:t>12.04.2023</a:t>
             </a:fld>
             <a:endParaRPr lang="de-DE"/>
           </a:p>
@@ -14793,7 +15125,7 @@
           <a:p>
             <a:fld id="{8B9E1184-3E8E-4927-B70E-FCD133F545CF}" type="datetime1">
               <a:rPr lang="de-DE" smtClean="0"/>
-              <a:t>24.03.2023</a:t>
+              <a:t>12.04.2023</a:t>
             </a:fld>
             <a:endParaRPr lang="de-DE"/>
           </a:p>
@@ -15221,7 +15553,7 @@
           <a:p>
             <a:fld id="{372285A9-CAD1-4F8C-A320-59D4C92876C5}" type="datetime1">
               <a:rPr lang="de-DE" smtClean="0"/>
-              <a:t>24.03.2023</a:t>
+              <a:t>12.04.2023</a:t>
             </a:fld>
             <a:endParaRPr lang="de-DE"/>
           </a:p>
@@ -15434,7 +15766,7 @@
           <a:p>
             <a:fld id="{2F8DC1E6-2D30-4DE7-9C9D-5217FE18022E}" type="datetime1">
               <a:rPr lang="de-DE" smtClean="0"/>
-              <a:t>24.03.2023</a:t>
+              <a:t>12.04.2023</a:t>
             </a:fld>
             <a:endParaRPr lang="de-DE"/>
           </a:p>
@@ -15611,7 +15943,7 @@
           <a:p>
             <a:fld id="{637BE197-E414-48F3-B656-784E07538695}" type="datetime1">
               <a:rPr lang="de-DE" smtClean="0"/>
-              <a:t>24.03.2023</a:t>
+              <a:t>12.04.2023</a:t>
             </a:fld>
             <a:endParaRPr lang="de-DE"/>
           </a:p>
@@ -16043,7 +16375,7 @@
           <a:p>
             <a:fld id="{BC048919-3C08-48F6-A0CD-915EC777362A}" type="datetime1">
               <a:rPr lang="de-DE" smtClean="0"/>
-              <a:t>24.03.2023</a:t>
+              <a:t>12.04.2023</a:t>
             </a:fld>
             <a:endParaRPr lang="de-DE"/>
           </a:p>
@@ -16296,7 +16628,7 @@
           <a:p>
             <a:fld id="{94C91350-6869-4C72-8675-ECEAAAF05F8D}" type="datetime1">
               <a:rPr lang="de-DE" smtClean="0"/>
-              <a:t>24.03.2023</a:t>
+              <a:t>12.04.2023</a:t>
             </a:fld>
             <a:endParaRPr lang="de-DE"/>
           </a:p>
@@ -16638,7 +16970,7 @@
           <a:p>
             <a:fld id="{ACA1733B-6687-4EEA-9A6B-2EF228C82457}" type="datetime1">
               <a:rPr lang="de-DE" smtClean="0"/>
-              <a:t>24.03.2023</a:t>
+              <a:t>12.04.2023</a:t>
             </a:fld>
             <a:endParaRPr lang="de-DE"/>
           </a:p>
@@ -16938,7 +17270,7 @@
           <a:p>
             <a:fld id="{5C03BAA7-20D5-4E1B-8CB5-A2ED8F9EFD7F}" type="datetime1">
               <a:rPr lang="de-DE" smtClean="0"/>
-              <a:t>24.03.2023</a:t>
+              <a:t>12.04.2023</a:t>
             </a:fld>
             <a:endParaRPr lang="de-DE"/>
           </a:p>
@@ -17230,7 +17562,7 @@
           <a:p>
             <a:fld id="{2BBD85E3-27A5-4125-9DB2-C537C85BBE8A}" type="datetime1">
               <a:rPr lang="de-DE" smtClean="0"/>
-              <a:t>24.03.2023</a:t>
+              <a:t>12.04.2023</a:t>
             </a:fld>
             <a:endParaRPr lang="de-DE"/>
           </a:p>
@@ -17461,7 +17793,7 @@
           <a:p>
             <a:fld id="{2BBD85E3-27A5-4125-9DB2-C537C85BBE8A}" type="datetime1">
               <a:rPr lang="de-DE" smtClean="0"/>
-              <a:t>24.03.2023</a:t>
+              <a:t>12.04.2023</a:t>
             </a:fld>
             <a:endParaRPr lang="de-DE"/>
           </a:p>
@@ -17692,7 +18024,7 @@
           <a:p>
             <a:fld id="{115AC75E-72B2-486D-BEF5-A13F9B218F2F}" type="datetime1">
               <a:rPr lang="de-DE" smtClean="0"/>
-              <a:t>24.03.2023</a:t>
+              <a:t>12.04.2023</a:t>
             </a:fld>
             <a:endParaRPr lang="de-DE"/>
           </a:p>
@@ -18092,7 +18424,7 @@
           <a:p>
             <a:fld id="{B8ECF4B1-F230-4767-9D40-08A350DFB7D7}" type="datetime1">
               <a:rPr lang="de-DE" smtClean="0"/>
-              <a:t>24.03.2023</a:t>
+              <a:t>12.04.2023</a:t>
             </a:fld>
             <a:endParaRPr lang="de-DE"/>
           </a:p>
@@ -18428,7 +18760,7 @@
           <a:p>
             <a:fld id="{DFEB386C-A89C-4E71-8C7A-EB57A1CCB74F}" type="datetime1">
               <a:rPr lang="de-DE" smtClean="0"/>
-              <a:t>24.03.2023</a:t>
+              <a:t>12.04.2023</a:t>
             </a:fld>
             <a:endParaRPr lang="de-DE"/>
           </a:p>
@@ -18773,7 +19105,7 @@
           <a:p>
             <a:fld id="{E3A6C6BD-3868-452A-A2BD-92328FD8B4E8}" type="datetime1">
               <a:rPr lang="de-DE" smtClean="0"/>
-              <a:t>24.03.2023</a:t>
+              <a:t>12.04.2023</a:t>
             </a:fld>
             <a:endParaRPr lang="de-DE"/>
           </a:p>
@@ -18992,7 +19324,7 @@
           <a:p>
             <a:fld id="{B60FD287-29C3-4567-A3C8-1214880B52D5}" type="datetime1">
               <a:rPr lang="de-DE" smtClean="0"/>
-              <a:t>24.03.2023</a:t>
+              <a:t>12.04.2023</a:t>
             </a:fld>
             <a:endParaRPr lang="de-DE"/>
           </a:p>
@@ -19387,7 +19719,7 @@
           <a:p>
             <a:fld id="{172E1AE1-643D-418C-ACE4-F2637FAE5286}" type="datetime1">
               <a:rPr lang="de-DE" smtClean="0"/>
-              <a:t>24.03.2023</a:t>
+              <a:t>12.04.2023</a:t>
             </a:fld>
             <a:endParaRPr lang="de-DE"/>
           </a:p>
@@ -19934,7 +20266,7 @@
           <a:p>
             <a:fld id="{0C2E1D0D-BBB0-4269-8DC7-C28B8DA8D26F}" type="datetime1">
               <a:rPr lang="de-DE" smtClean="0"/>
-              <a:t>24.03.2023</a:t>
+              <a:t>12.04.2023</a:t>
             </a:fld>
             <a:endParaRPr lang="de-DE"/>
           </a:p>
@@ -20242,7 +20574,7 @@
           <a:p>
             <a:fld id="{509B9FD4-6125-48DF-AAFB-8A90591F704C}" type="datetime1">
               <a:rPr lang="de-DE" smtClean="0"/>
-              <a:t>24.03.2023</a:t>
+              <a:t>12.04.2023</a:t>
             </a:fld>
             <a:endParaRPr lang="de-DE"/>
           </a:p>
@@ -20541,7 +20873,7 @@
           <a:p>
             <a:fld id="{DDF7F67B-F411-40A4-BFC4-67CF6BB150A8}" type="datetime1">
               <a:rPr lang="de-DE" smtClean="0"/>
-              <a:t>24.03.2023</a:t>
+              <a:t>12.04.2023</a:t>
             </a:fld>
             <a:endParaRPr lang="de-DE"/>
           </a:p>
@@ -20968,7 +21300,7 @@
           <a:p>
             <a:fld id="{5E005D36-C238-4437-9368-75EE1209248D}" type="datetime1">
               <a:rPr lang="de-DE" smtClean="0"/>
-              <a:t>24.03.2023</a:t>
+              <a:t>12.04.2023</a:t>
             </a:fld>
             <a:endParaRPr lang="de-DE"/>
           </a:p>
@@ -21148,7 +21480,7 @@
           <a:p>
             <a:fld id="{21A4D148-919D-4643-B21F-50F1B7EF8BA2}" type="datetime1">
               <a:rPr lang="de-DE" smtClean="0"/>
-              <a:t>24.03.2023</a:t>
+              <a:t>12.04.2023</a:t>
             </a:fld>
             <a:endParaRPr lang="de-DE"/>
           </a:p>
@@ -21468,7 +21800,7 @@
           <a:p>
             <a:fld id="{A3D84A41-9102-4FAF-BB9B-7AD126A78344}" type="datetime1">
               <a:rPr lang="de-DE" smtClean="0"/>
-              <a:t>24.03.2023</a:t>
+              <a:t>12.04.2023</a:t>
             </a:fld>
             <a:endParaRPr lang="de-DE"/>
           </a:p>
@@ -22078,7 +22410,7 @@
           <a:p>
             <a:fld id="{81CA66B2-419B-4A00-B550-DA1493185108}" type="datetime1">
               <a:rPr lang="de-DE" smtClean="0"/>
-              <a:t>24.03.2023</a:t>
+              <a:t>12.04.2023</a:t>
             </a:fld>
             <a:endParaRPr lang="de-DE"/>
           </a:p>
@@ -22907,7 +23239,7 @@
           <a:p>
             <a:fld id="{374AF400-B2B3-4498-869C-65158B84F62E}" type="datetime1">
               <a:rPr lang="de-DE" smtClean="0"/>
-              <a:t>24.03.2023</a:t>
+              <a:t>12.04.2023</a:t>
             </a:fld>
             <a:endParaRPr lang="de-DE"/>
           </a:p>
@@ -23117,7 +23449,7 @@
           <a:p>
             <a:fld id="{EECFBCB7-6E51-47D1-88C0-70C111ACD504}" type="datetime1">
               <a:rPr lang="de-DE" smtClean="0"/>
-              <a:t>24.03.2023</a:t>
+              <a:t>12.04.2023</a:t>
             </a:fld>
             <a:endParaRPr lang="de-DE"/>
           </a:p>
@@ -23555,7 +23887,7 @@
           <a:p>
             <a:fld id="{284F0D45-833B-4CA2-95DA-AFDB6EDAE49B}" type="datetime1">
               <a:rPr lang="de-DE" smtClean="0"/>
-              <a:t>24.03.2023</a:t>
+              <a:t>12.04.2023</a:t>
             </a:fld>
             <a:endParaRPr lang="de-DE"/>
           </a:p>
@@ -23805,7 +24137,7 @@
           <a:p>
             <a:fld id="{382DDC3E-10C9-4B92-B2FB-A8167FB6AB1D}" type="datetime1">
               <a:rPr lang="de-DE" smtClean="0"/>
-              <a:t>24.03.2023</a:t>
+              <a:t>12.04.2023</a:t>
             </a:fld>
             <a:endParaRPr lang="de-DE"/>
           </a:p>
@@ -23992,7 +24324,7 @@
           <a:p>
             <a:fld id="{8159FE7A-07D2-4D3F-9855-29B7F3DF1D43}" type="datetime1">
               <a:rPr lang="de-DE" smtClean="0"/>
-              <a:t>24.03.2023</a:t>
+              <a:t>12.04.2023</a:t>
             </a:fld>
             <a:endParaRPr lang="de-DE"/>
           </a:p>
@@ -24958,7 +25290,7 @@
           <a:p>
             <a:fld id="{8159FE7A-07D2-4D3F-9855-29B7F3DF1D43}" type="datetime1">
               <a:rPr lang="de-DE" smtClean="0"/>
-              <a:t>24.03.2023</a:t>
+              <a:t>12.04.2023</a:t>
             </a:fld>
             <a:endParaRPr lang="de-DE"/>
           </a:p>
@@ -25757,7 +26089,7 @@
           <a:p>
             <a:fld id="{96C0D114-F0DB-443F-9337-40D84E177FDC}" type="datetime1">
               <a:rPr lang="de-DE" smtClean="0"/>
-              <a:t>24.03.2023</a:t>
+              <a:t>12.04.2023</a:t>
             </a:fld>
             <a:endParaRPr lang="de-DE"/>
           </a:p>
@@ -25988,7 +26320,7 @@
           <a:p>
             <a:fld id="{8159FE7A-07D2-4D3F-9855-29B7F3DF1D43}" type="datetime1">
               <a:rPr lang="de-DE" smtClean="0"/>
-              <a:t>24.03.2023</a:t>
+              <a:t>12.04.2023</a:t>
             </a:fld>
             <a:endParaRPr lang="de-DE"/>
           </a:p>
@@ -26738,7 +27070,7 @@
           <a:p>
             <a:fld id="{8159FE7A-07D2-4D3F-9855-29B7F3DF1D43}" type="datetime1">
               <a:rPr lang="de-DE" smtClean="0"/>
-              <a:t>24.03.2023</a:t>
+              <a:t>12.04.2023</a:t>
             </a:fld>
             <a:endParaRPr lang="de-DE"/>
           </a:p>
@@ -26999,7 +27331,7 @@
           <a:p>
             <a:fld id="{BC1A8AC8-5070-4C02-8E82-DE4FD3F8497A}" type="datetime1">
               <a:rPr lang="de-DE" smtClean="0"/>
-              <a:t>24.03.2023</a:t>
+              <a:t>12.04.2023</a:t>
             </a:fld>
             <a:endParaRPr lang="de-DE"/>
           </a:p>
@@ -27227,7 +27559,7 @@
           <a:p>
             <a:fld id="{AF1CB7BF-E60D-47C9-99CD-43B03711F834}" type="datetime1">
               <a:rPr lang="de-DE" smtClean="0"/>
-              <a:t>24.03.2023</a:t>
+              <a:t>12.04.2023</a:t>
             </a:fld>
             <a:endParaRPr lang="de-DE"/>
           </a:p>
@@ -27436,7 +27768,7 @@
           <a:p>
             <a:fld id="{B9053FEB-F038-4EB7-B9DC-77977117EA33}" type="datetime1">
               <a:rPr lang="de-DE" smtClean="0"/>
-              <a:t>24.03.2023</a:t>
+              <a:t>12.04.2023</a:t>
             </a:fld>
             <a:endParaRPr lang="de-DE"/>
           </a:p>
@@ -27996,7 +28328,7 @@
           <a:p>
             <a:fld id="{0B399FA5-2F01-416C-865E-705C1E0C03C8}" type="datetime1">
               <a:rPr lang="de-DE" smtClean="0"/>
-              <a:t>24.03.2023</a:t>
+              <a:t>12.04.2023</a:t>
             </a:fld>
             <a:endParaRPr lang="de-DE"/>
           </a:p>
@@ -28479,7 +28811,7 @@
           <a:p>
             <a:fld id="{D7CFAA5B-8ED2-4D87-B5CD-876772B506EB}" type="datetime1">
               <a:rPr lang="de-DE" smtClean="0"/>
-              <a:t>24.03.2023</a:t>
+              <a:t>12.04.2023</a:t>
             </a:fld>
             <a:endParaRPr lang="de-DE"/>
           </a:p>
@@ -28953,7 +29285,7 @@
           <a:p>
             <a:fld id="{706CFF74-9D82-4823-AFE2-CBE8D2D808FC}" type="datetime1">
               <a:rPr lang="de-DE" smtClean="0"/>
-              <a:t>24.03.2023</a:t>
+              <a:t>12.04.2023</a:t>
             </a:fld>
             <a:endParaRPr lang="de-DE"/>
           </a:p>
@@ -29164,7 +29496,7 @@
           <a:p>
             <a:fld id="{DF7C2B1F-6E2C-496E-BFF9-7CD4B274FE9C}" type="datetime1">
               <a:rPr lang="de-DE" smtClean="0"/>
-              <a:t>24.03.2023</a:t>
+              <a:t>12.04.2023</a:t>
             </a:fld>
             <a:endParaRPr lang="de-DE"/>
           </a:p>
@@ -29404,7 +29736,7 @@
           <a:p>
             <a:fld id="{8159FE7A-07D2-4D3F-9855-29B7F3DF1D43}" type="datetime1">
               <a:rPr lang="de-DE" smtClean="0"/>
-              <a:t>24.03.2023</a:t>
+              <a:t>12.04.2023</a:t>
             </a:fld>
             <a:endParaRPr lang="de-DE"/>
           </a:p>
@@ -29955,7 +30287,7 @@
           <a:p>
             <a:fld id="{A952138C-0142-4C6B-A620-863AA96BBBE1}" type="datetime1">
               <a:rPr lang="de-DE" smtClean="0"/>
-              <a:t>24.03.2023</a:t>
+              <a:t>12.04.2023</a:t>
             </a:fld>
             <a:endParaRPr lang="de-DE"/>
           </a:p>
@@ -30162,7 +30494,7 @@
           <a:p>
             <a:fld id="{8159FE7A-07D2-4D3F-9855-29B7F3DF1D43}" type="datetime1">
               <a:rPr lang="de-DE" smtClean="0"/>
-              <a:t>24.03.2023</a:t>
+              <a:t>12.04.2023</a:t>
             </a:fld>
             <a:endParaRPr lang="de-DE"/>
           </a:p>
@@ -30553,7 +30885,7 @@
           <a:p>
             <a:fld id="{8159FE7A-07D2-4D3F-9855-29B7F3DF1D43}" type="datetime1">
               <a:rPr lang="de-DE" smtClean="0"/>
-              <a:t>24.03.2023</a:t>
+              <a:t>12.04.2023</a:t>
             </a:fld>
             <a:endParaRPr lang="de-DE"/>
           </a:p>
@@ -30971,7 +31303,7 @@
           <a:p>
             <a:fld id="{8159FE7A-07D2-4D3F-9855-29B7F3DF1D43}" type="datetime1">
               <a:rPr lang="de-DE" smtClean="0"/>
-              <a:t>24.03.2023</a:t>
+              <a:t>12.04.2023</a:t>
             </a:fld>
             <a:endParaRPr lang="de-DE"/>
           </a:p>
@@ -31955,7 +32287,7 @@
           <a:p>
             <a:fld id="{8159FE7A-07D2-4D3F-9855-29B7F3DF1D43}" type="datetime1">
               <a:rPr lang="de-DE" smtClean="0"/>
-              <a:t>24.03.2023</a:t>
+              <a:t>12.04.2023</a:t>
             </a:fld>
             <a:endParaRPr lang="de-DE"/>
           </a:p>
@@ -32269,7 +32601,7 @@
           <a:p>
             <a:fld id="{8159FE7A-07D2-4D3F-9855-29B7F3DF1D43}" type="datetime1">
               <a:rPr lang="de-DE" smtClean="0"/>
-              <a:t>24.03.2023</a:t>
+              <a:t>12.04.2023</a:t>
             </a:fld>
             <a:endParaRPr lang="de-DE"/>
           </a:p>
@@ -32483,6 +32815,1182 @@
 </p:sld>
 </file>
 
+<file path=ppt/slides/slide65.xml><?xml version="1.0" encoding="utf-8"?>
+<p:sld xmlns:a="http://schemas.openxmlformats.org/drawingml/2006/main" xmlns:r="http://schemas.openxmlformats.org/officeDocument/2006/relationships" xmlns:p="http://schemas.openxmlformats.org/presentationml/2006/main">
+  <p:cSld>
+    <p:spTree>
+      <p:nvGrpSpPr>
+        <p:cNvPr id="1" name=""/>
+        <p:cNvGrpSpPr/>
+        <p:nvPr/>
+      </p:nvGrpSpPr>
+      <p:grpSpPr>
+        <a:xfrm>
+          <a:off x="0" y="0"/>
+          <a:ext cx="0" cy="0"/>
+          <a:chOff x="0" y="0"/>
+          <a:chExt cx="0" cy="0"/>
+        </a:xfrm>
+      </p:grpSpPr>
+      <p:sp>
+        <p:nvSpPr>
+          <p:cNvPr id="2" name="Titel 1">
+            <a:extLst>
+              <a:ext uri="{FF2B5EF4-FFF2-40B4-BE49-F238E27FC236}">
+                <a16:creationId xmlns:a16="http://schemas.microsoft.com/office/drawing/2014/main" id="{9B031CD1-14CB-47BF-92F5-F3E4BD50A5EF}"/>
+              </a:ext>
+            </a:extLst>
+          </p:cNvPr>
+          <p:cNvSpPr>
+            <a:spLocks noGrp="1"/>
+          </p:cNvSpPr>
+          <p:nvPr>
+            <p:ph type="title"/>
+          </p:nvPr>
+        </p:nvSpPr>
+        <p:spPr/>
+        <p:txBody>
+          <a:bodyPr/>
+          <a:lstStyle/>
+          <a:p>
+            <a:r>
+              <a:rPr lang="de-DE" dirty="0" err="1"/>
+              <a:t>Async</a:t>
+            </a:r>
+            <a:r>
+              <a:rPr lang="de-DE" dirty="0"/>
+              <a:t>/</a:t>
+            </a:r>
+            <a:r>
+              <a:rPr lang="de-DE" dirty="0" err="1"/>
+              <a:t>await</a:t>
+            </a:r>
+            <a:endParaRPr lang="de-DE" dirty="0"/>
+          </a:p>
+        </p:txBody>
+      </p:sp>
+      <p:sp>
+        <p:nvSpPr>
+          <p:cNvPr id="3" name="Inhaltsplatzhalter 2">
+            <a:extLst>
+              <a:ext uri="{FF2B5EF4-FFF2-40B4-BE49-F238E27FC236}">
+                <a16:creationId xmlns:a16="http://schemas.microsoft.com/office/drawing/2014/main" id="{B5B3897D-7F02-4BC9-A440-8619F225F598}"/>
+              </a:ext>
+            </a:extLst>
+          </p:cNvPr>
+          <p:cNvSpPr>
+            <a:spLocks noGrp="1"/>
+          </p:cNvSpPr>
+          <p:nvPr>
+            <p:ph idx="1"/>
+          </p:nvPr>
+        </p:nvSpPr>
+        <p:spPr/>
+        <p:txBody>
+          <a:bodyPr/>
+          <a:lstStyle/>
+          <a:p>
+            <a:r>
+              <a:rPr lang="de-DE" dirty="0"/>
+              <a:t>Aufgaben im Hintergrund parallel erledigen lassen</a:t>
+            </a:r>
+          </a:p>
+        </p:txBody>
+      </p:sp>
+      <p:sp>
+        <p:nvSpPr>
+          <p:cNvPr id="4" name="Datumsplatzhalter 3">
+            <a:extLst>
+              <a:ext uri="{FF2B5EF4-FFF2-40B4-BE49-F238E27FC236}">
+                <a16:creationId xmlns:a16="http://schemas.microsoft.com/office/drawing/2014/main" id="{4693A968-0D25-4B10-85E4-0D3AAE89FB29}"/>
+              </a:ext>
+            </a:extLst>
+          </p:cNvPr>
+          <p:cNvSpPr>
+            <a:spLocks noGrp="1"/>
+          </p:cNvSpPr>
+          <p:nvPr>
+            <p:ph type="dt" sz="half" idx="10"/>
+          </p:nvPr>
+        </p:nvSpPr>
+        <p:spPr/>
+        <p:txBody>
+          <a:bodyPr/>
+          <a:lstStyle/>
+          <a:p>
+            <a:fld id="{B1DC90A9-3629-4532-90FF-C4E33F6085C7}" type="datetime1">
+              <a:rPr lang="de-DE" smtClean="0"/>
+              <a:t>12.04.2023</a:t>
+            </a:fld>
+            <a:endParaRPr lang="de-DE"/>
+          </a:p>
+        </p:txBody>
+      </p:sp>
+      <p:sp>
+        <p:nvSpPr>
+          <p:cNvPr id="5" name="Fußzeilenplatzhalter 4">
+            <a:extLst>
+              <a:ext uri="{FF2B5EF4-FFF2-40B4-BE49-F238E27FC236}">
+                <a16:creationId xmlns:a16="http://schemas.microsoft.com/office/drawing/2014/main" id="{504FD0F8-8019-41C1-9845-187D32895B64}"/>
+              </a:ext>
+            </a:extLst>
+          </p:cNvPr>
+          <p:cNvSpPr>
+            <a:spLocks noGrp="1"/>
+          </p:cNvSpPr>
+          <p:nvPr>
+            <p:ph type="ftr" sz="quarter" idx="11"/>
+          </p:nvPr>
+        </p:nvSpPr>
+        <p:spPr/>
+        <p:txBody>
+          <a:bodyPr/>
+          <a:lstStyle/>
+          <a:p>
+            <a:r>
+              <a:rPr lang="de-DE"/>
+              <a:t>Dart - Programmiersprache für Smartphones</a:t>
+            </a:r>
+          </a:p>
+        </p:txBody>
+      </p:sp>
+      <p:sp>
+        <p:nvSpPr>
+          <p:cNvPr id="6" name="Foliennummernplatzhalter 5">
+            <a:extLst>
+              <a:ext uri="{FF2B5EF4-FFF2-40B4-BE49-F238E27FC236}">
+                <a16:creationId xmlns:a16="http://schemas.microsoft.com/office/drawing/2014/main" id="{9AFE2190-C2BD-4BED-B296-12901558E044}"/>
+              </a:ext>
+            </a:extLst>
+          </p:cNvPr>
+          <p:cNvSpPr>
+            <a:spLocks noGrp="1"/>
+          </p:cNvSpPr>
+          <p:nvPr>
+            <p:ph type="sldNum" sz="quarter" idx="12"/>
+          </p:nvPr>
+        </p:nvSpPr>
+        <p:spPr/>
+        <p:txBody>
+          <a:bodyPr/>
+          <a:lstStyle/>
+          <a:p>
+            <a:fld id="{3A1F27E2-D58A-4028-9FF2-B12D897F257E}" type="slidenum">
+              <a:rPr lang="de-DE" smtClean="0"/>
+              <a:t>65</a:t>
+            </a:fld>
+            <a:endParaRPr lang="de-DE"/>
+          </a:p>
+        </p:txBody>
+      </p:sp>
+      <p:sp>
+        <p:nvSpPr>
+          <p:cNvPr id="11" name="Textfeld 10">
+            <a:extLst>
+              <a:ext uri="{FF2B5EF4-FFF2-40B4-BE49-F238E27FC236}">
+                <a16:creationId xmlns:a16="http://schemas.microsoft.com/office/drawing/2014/main" id="{4EBB7491-F7D4-4620-ACD9-D7B6A795B399}"/>
+              </a:ext>
+            </a:extLst>
+          </p:cNvPr>
+          <p:cNvSpPr txBox="1"/>
+          <p:nvPr/>
+        </p:nvSpPr>
+        <p:spPr>
+          <a:xfrm>
+            <a:off x="1613748" y="5981184"/>
+            <a:ext cx="806118" cy="369332"/>
+          </a:xfrm>
+          <a:prstGeom prst="rect">
+            <a:avLst/>
+          </a:prstGeom>
+          <a:noFill/>
+        </p:spPr>
+        <p:txBody>
+          <a:bodyPr wrap="none" rtlCol="0">
+            <a:spAutoFit/>
+          </a:bodyPr>
+          <a:lstStyle/>
+          <a:p>
+            <a:r>
+              <a:rPr lang="de-DE" dirty="0"/>
+              <a:t>vorher</a:t>
+            </a:r>
+          </a:p>
+        </p:txBody>
+      </p:sp>
+      <p:sp>
+        <p:nvSpPr>
+          <p:cNvPr id="12" name="Textfeld 11">
+            <a:extLst>
+              <a:ext uri="{FF2B5EF4-FFF2-40B4-BE49-F238E27FC236}">
+                <a16:creationId xmlns:a16="http://schemas.microsoft.com/office/drawing/2014/main" id="{25D56BCD-2EC9-4C0F-A277-FAA0EE54C580}"/>
+              </a:ext>
+            </a:extLst>
+          </p:cNvPr>
+          <p:cNvSpPr txBox="1"/>
+          <p:nvPr/>
+        </p:nvSpPr>
+        <p:spPr>
+          <a:xfrm>
+            <a:off x="4574350" y="5981184"/>
+            <a:ext cx="954107" cy="369332"/>
+          </a:xfrm>
+          <a:prstGeom prst="rect">
+            <a:avLst/>
+          </a:prstGeom>
+          <a:noFill/>
+        </p:spPr>
+        <p:txBody>
+          <a:bodyPr wrap="none" rtlCol="0">
+            <a:spAutoFit/>
+          </a:bodyPr>
+          <a:lstStyle/>
+          <a:p>
+            <a:r>
+              <a:rPr lang="de-DE" dirty="0"/>
+              <a:t>nachher</a:t>
+            </a:r>
+          </a:p>
+        </p:txBody>
+      </p:sp>
+      <p:pic>
+        <p:nvPicPr>
+          <p:cNvPr id="14" name="Grafik 13">
+            <a:extLst>
+              <a:ext uri="{FF2B5EF4-FFF2-40B4-BE49-F238E27FC236}">
+                <a16:creationId xmlns:a16="http://schemas.microsoft.com/office/drawing/2014/main" id="{CE43E59F-C973-48B4-B21B-53C197D8CF86}"/>
+              </a:ext>
+            </a:extLst>
+          </p:cNvPr>
+          <p:cNvPicPr>
+            <a:picLocks noChangeAspect="1"/>
+          </p:cNvPicPr>
+          <p:nvPr/>
+        </p:nvPicPr>
+        <p:blipFill>
+          <a:blip r:embed="rId3">
+            <a:extLst>
+              <a:ext uri="{96DAC541-7B7A-43D3-8B79-37D633B846F1}">
+                <asvg:svgBlip xmlns:asvg="http://schemas.microsoft.com/office/drawing/2016/SVG/main" r:embed="rId4"/>
+              </a:ext>
+            </a:extLst>
+          </a:blip>
+          <a:stretch>
+            <a:fillRect/>
+          </a:stretch>
+        </p:blipFill>
+        <p:spPr>
+          <a:xfrm>
+            <a:off x="4281224" y="2254102"/>
+            <a:ext cx="1540358" cy="2626096"/>
+          </a:xfrm>
+          <a:prstGeom prst="rect">
+            <a:avLst/>
+          </a:prstGeom>
+        </p:spPr>
+      </p:pic>
+      <p:pic>
+        <p:nvPicPr>
+          <p:cNvPr id="16" name="Grafik 15">
+            <a:extLst>
+              <a:ext uri="{FF2B5EF4-FFF2-40B4-BE49-F238E27FC236}">
+                <a16:creationId xmlns:a16="http://schemas.microsoft.com/office/drawing/2014/main" id="{9E96570D-5971-4E8E-BF0C-87D9A8233F53}"/>
+              </a:ext>
+            </a:extLst>
+          </p:cNvPr>
+          <p:cNvPicPr>
+            <a:picLocks noChangeAspect="1"/>
+          </p:cNvPicPr>
+          <p:nvPr/>
+        </p:nvPicPr>
+        <p:blipFill>
+          <a:blip r:embed="rId5">
+            <a:extLst>
+              <a:ext uri="{96DAC541-7B7A-43D3-8B79-37D633B846F1}">
+                <asvg:svgBlip xmlns:asvg="http://schemas.microsoft.com/office/drawing/2016/SVG/main" r:embed="rId6"/>
+              </a:ext>
+            </a:extLst>
+          </a:blip>
+          <a:stretch>
+            <a:fillRect/>
+          </a:stretch>
+        </p:blipFill>
+        <p:spPr>
+          <a:xfrm>
+            <a:off x="1541593" y="2254102"/>
+            <a:ext cx="950428" cy="3645048"/>
+          </a:xfrm>
+          <a:prstGeom prst="rect">
+            <a:avLst/>
+          </a:prstGeom>
+        </p:spPr>
+      </p:pic>
+      <p:sp>
+        <p:nvSpPr>
+          <p:cNvPr id="17" name="Geschweifte Klammer rechts 16">
+            <a:extLst>
+              <a:ext uri="{FF2B5EF4-FFF2-40B4-BE49-F238E27FC236}">
+                <a16:creationId xmlns:a16="http://schemas.microsoft.com/office/drawing/2014/main" id="{51E54860-886F-418A-9FD5-778ACDDC9369}"/>
+              </a:ext>
+            </a:extLst>
+          </p:cNvPr>
+          <p:cNvSpPr/>
+          <p:nvPr/>
+        </p:nvSpPr>
+        <p:spPr>
+          <a:xfrm>
+            <a:off x="5821582" y="4976037"/>
+            <a:ext cx="119308" cy="923113"/>
+          </a:xfrm>
+          <a:prstGeom prst="rightBrace">
+            <a:avLst/>
+          </a:prstGeom>
+        </p:spPr>
+        <p:style>
+          <a:lnRef idx="1">
+            <a:schemeClr val="accent1"/>
+          </a:lnRef>
+          <a:fillRef idx="0">
+            <a:schemeClr val="accent1"/>
+          </a:fillRef>
+          <a:effectRef idx="0">
+            <a:schemeClr val="accent1"/>
+          </a:effectRef>
+          <a:fontRef idx="minor">
+            <a:schemeClr val="tx1"/>
+          </a:fontRef>
+        </p:style>
+        <p:txBody>
+          <a:bodyPr rtlCol="0" anchor="ctr"/>
+          <a:lstStyle/>
+          <a:p>
+            <a:pPr algn="ctr"/>
+            <a:endParaRPr lang="de-DE"/>
+          </a:p>
+        </p:txBody>
+      </p:sp>
+      <p:sp>
+        <p:nvSpPr>
+          <p:cNvPr id="18" name="Textfeld 17">
+            <a:extLst>
+              <a:ext uri="{FF2B5EF4-FFF2-40B4-BE49-F238E27FC236}">
+                <a16:creationId xmlns:a16="http://schemas.microsoft.com/office/drawing/2014/main" id="{40DFF340-AD5F-46A9-AA6A-2D7A60E6518C}"/>
+              </a:ext>
+            </a:extLst>
+          </p:cNvPr>
+          <p:cNvSpPr txBox="1"/>
+          <p:nvPr/>
+        </p:nvSpPr>
+        <p:spPr>
+          <a:xfrm>
+            <a:off x="6113935" y="5252927"/>
+            <a:ext cx="1691617" cy="369332"/>
+          </a:xfrm>
+          <a:prstGeom prst="rect">
+            <a:avLst/>
+          </a:prstGeom>
+          <a:noFill/>
+        </p:spPr>
+        <p:txBody>
+          <a:bodyPr wrap="none" rtlCol="0">
+            <a:spAutoFit/>
+          </a:bodyPr>
+          <a:lstStyle/>
+          <a:p>
+            <a:r>
+              <a:rPr lang="de-DE" dirty="0"/>
+              <a:t>eingesparte Zeit</a:t>
+            </a:r>
+          </a:p>
+        </p:txBody>
+      </p:sp>
+    </p:spTree>
+    <p:extLst>
+      <p:ext uri="{BB962C8B-B14F-4D97-AF65-F5344CB8AC3E}">
+        <p14:creationId xmlns:p14="http://schemas.microsoft.com/office/powerpoint/2010/main" val="4146490385"/>
+      </p:ext>
+    </p:extLst>
+  </p:cSld>
+  <p:clrMapOvr>
+    <a:masterClrMapping/>
+  </p:clrMapOvr>
+</p:sld>
+</file>
+
+<file path=ppt/slides/slide66.xml><?xml version="1.0" encoding="utf-8"?>
+<p:sld xmlns:a="http://schemas.openxmlformats.org/drawingml/2006/main" xmlns:r="http://schemas.openxmlformats.org/officeDocument/2006/relationships" xmlns:p="http://schemas.openxmlformats.org/presentationml/2006/main">
+  <p:cSld>
+    <p:spTree>
+      <p:nvGrpSpPr>
+        <p:cNvPr id="1" name=""/>
+        <p:cNvGrpSpPr/>
+        <p:nvPr/>
+      </p:nvGrpSpPr>
+      <p:grpSpPr>
+        <a:xfrm>
+          <a:off x="0" y="0"/>
+          <a:ext cx="0" cy="0"/>
+          <a:chOff x="0" y="0"/>
+          <a:chExt cx="0" cy="0"/>
+        </a:xfrm>
+      </p:grpSpPr>
+      <p:sp>
+        <p:nvSpPr>
+          <p:cNvPr id="2" name="Titel 1">
+            <a:extLst>
+              <a:ext uri="{FF2B5EF4-FFF2-40B4-BE49-F238E27FC236}">
+                <a16:creationId xmlns:a16="http://schemas.microsoft.com/office/drawing/2014/main" id="{9B031CD1-14CB-47BF-92F5-F3E4BD50A5EF}"/>
+              </a:ext>
+            </a:extLst>
+          </p:cNvPr>
+          <p:cNvSpPr>
+            <a:spLocks noGrp="1"/>
+          </p:cNvSpPr>
+          <p:nvPr>
+            <p:ph type="title"/>
+          </p:nvPr>
+        </p:nvSpPr>
+        <p:spPr/>
+        <p:txBody>
+          <a:bodyPr/>
+          <a:lstStyle/>
+          <a:p>
+            <a:r>
+              <a:rPr lang="de-DE" dirty="0" err="1"/>
+              <a:t>Async</a:t>
+            </a:r>
+            <a:r>
+              <a:rPr lang="de-DE" dirty="0"/>
+              <a:t>/</a:t>
+            </a:r>
+            <a:r>
+              <a:rPr lang="de-DE" dirty="0" err="1"/>
+              <a:t>await</a:t>
+            </a:r>
+            <a:endParaRPr lang="de-DE" dirty="0"/>
+          </a:p>
+        </p:txBody>
+      </p:sp>
+      <p:sp>
+        <p:nvSpPr>
+          <p:cNvPr id="3" name="Inhaltsplatzhalter 2">
+            <a:extLst>
+              <a:ext uri="{FF2B5EF4-FFF2-40B4-BE49-F238E27FC236}">
+                <a16:creationId xmlns:a16="http://schemas.microsoft.com/office/drawing/2014/main" id="{B5B3897D-7F02-4BC9-A440-8619F225F598}"/>
+              </a:ext>
+            </a:extLst>
+          </p:cNvPr>
+          <p:cNvSpPr>
+            <a:spLocks noGrp="1"/>
+          </p:cNvSpPr>
+          <p:nvPr>
+            <p:ph idx="1"/>
+          </p:nvPr>
+        </p:nvSpPr>
+        <p:spPr/>
+        <p:txBody>
+          <a:bodyPr/>
+          <a:lstStyle/>
+          <a:p>
+            <a:r>
+              <a:rPr lang="de-DE" dirty="0"/>
+              <a:t>Eine Funktion, die mit Pausen im Hintergrund ausgeführt werden kann, ist mit </a:t>
+            </a:r>
+            <a:r>
+              <a:rPr lang="de-DE" sz="2400" b="1" dirty="0" err="1">
+                <a:solidFill>
+                  <a:schemeClr val="accent1">
+                    <a:lumMod val="75000"/>
+                  </a:schemeClr>
+                </a:solidFill>
+              </a:rPr>
+              <a:t>async</a:t>
+            </a:r>
+            <a:r>
+              <a:rPr lang="de-DE" dirty="0"/>
+              <a:t> versehen.</a:t>
+            </a:r>
+          </a:p>
+          <a:p>
+            <a:r>
+              <a:rPr lang="de-DE" dirty="0"/>
+              <a:t>Um von einer </a:t>
+            </a:r>
+            <a:r>
+              <a:rPr lang="de-DE" sz="2400" b="1" dirty="0" err="1">
+                <a:solidFill>
+                  <a:schemeClr val="accent1">
+                    <a:lumMod val="75000"/>
+                  </a:schemeClr>
+                </a:solidFill>
+              </a:rPr>
+              <a:t>async</a:t>
+            </a:r>
+            <a:r>
+              <a:rPr lang="de-DE" dirty="0"/>
+              <a:t> Funktion ein Ergebnis zu bekommen, muss auf das Ergebnis mit </a:t>
+            </a:r>
+            <a:r>
+              <a:rPr lang="de-DE" sz="2400" b="1" dirty="0" err="1">
+                <a:solidFill>
+                  <a:schemeClr val="accent1">
+                    <a:lumMod val="75000"/>
+                  </a:schemeClr>
+                </a:solidFill>
+              </a:rPr>
+              <a:t>await</a:t>
+            </a:r>
+            <a:r>
+              <a:rPr lang="de-DE" dirty="0"/>
+              <a:t> gewartet werden.</a:t>
+            </a:r>
+          </a:p>
+          <a:p>
+            <a:endParaRPr lang="de-DE" dirty="0"/>
+          </a:p>
+          <a:p>
+            <a:r>
+              <a:rPr lang="de-DE" dirty="0"/>
+              <a:t>"Normale" Funktionen: </a:t>
+            </a:r>
+            <a:r>
+              <a:rPr lang="de-DE" sz="2400" b="1" dirty="0" err="1">
+                <a:solidFill>
+                  <a:schemeClr val="accent1">
+                    <a:lumMod val="75000"/>
+                  </a:schemeClr>
+                </a:solidFill>
+              </a:rPr>
+              <a:t>var</a:t>
+            </a:r>
+            <a:r>
+              <a:rPr lang="de-DE" dirty="0"/>
+              <a:t> </a:t>
+            </a:r>
+            <a:r>
+              <a:rPr lang="de-DE" sz="2400" b="1" i="1" dirty="0" err="1">
+                <a:solidFill>
+                  <a:schemeClr val="tx2"/>
+                </a:solidFill>
+              </a:rPr>
+              <a:t>ergebnis</a:t>
+            </a:r>
+            <a:r>
+              <a:rPr lang="de-DE" dirty="0"/>
+              <a:t> </a:t>
+            </a:r>
+            <a:r>
+              <a:rPr lang="de-DE" sz="2400" b="1" dirty="0">
+                <a:solidFill>
+                  <a:schemeClr val="accent1">
+                    <a:lumMod val="75000"/>
+                  </a:schemeClr>
+                </a:solidFill>
+              </a:rPr>
+              <a:t>=</a:t>
+            </a:r>
+            <a:r>
+              <a:rPr lang="de-DE" dirty="0"/>
+              <a:t> </a:t>
+            </a:r>
+            <a:r>
+              <a:rPr lang="de-DE" sz="2400" b="1" i="1" dirty="0" err="1">
+                <a:solidFill>
+                  <a:schemeClr val="tx2"/>
+                </a:solidFill>
+              </a:rPr>
+              <a:t>funktion</a:t>
+            </a:r>
+            <a:r>
+              <a:rPr lang="de-DE" sz="2400" b="1" dirty="0">
+                <a:solidFill>
+                  <a:schemeClr val="accent1">
+                    <a:lumMod val="75000"/>
+                  </a:schemeClr>
+                </a:solidFill>
+              </a:rPr>
+              <a:t>();</a:t>
+            </a:r>
+          </a:p>
+          <a:p>
+            <a:r>
+              <a:rPr lang="de-DE" dirty="0"/>
+              <a:t>Hintergrund-Funktionen:  </a:t>
+            </a:r>
+            <a:r>
+              <a:rPr lang="de-DE" sz="2400" b="1" dirty="0" err="1">
+                <a:solidFill>
+                  <a:schemeClr val="accent1">
+                    <a:lumMod val="75000"/>
+                  </a:schemeClr>
+                </a:solidFill>
+              </a:rPr>
+              <a:t>var</a:t>
+            </a:r>
+            <a:r>
+              <a:rPr lang="de-DE" sz="2400" dirty="0"/>
+              <a:t> </a:t>
+            </a:r>
+            <a:r>
+              <a:rPr lang="de-DE" sz="2400" b="1" i="1" dirty="0" err="1">
+                <a:solidFill>
+                  <a:schemeClr val="tx2"/>
+                </a:solidFill>
+              </a:rPr>
+              <a:t>ergebnis</a:t>
+            </a:r>
+            <a:r>
+              <a:rPr lang="de-DE" sz="2400" dirty="0"/>
+              <a:t> </a:t>
+            </a:r>
+            <a:r>
+              <a:rPr lang="de-DE" sz="2400" b="1" dirty="0">
+                <a:solidFill>
+                  <a:schemeClr val="accent1">
+                    <a:lumMod val="75000"/>
+                  </a:schemeClr>
+                </a:solidFill>
+              </a:rPr>
+              <a:t>= </a:t>
+            </a:r>
+            <a:r>
+              <a:rPr lang="de-DE" sz="2400" b="1" dirty="0" err="1">
+                <a:solidFill>
+                  <a:schemeClr val="accent1">
+                    <a:lumMod val="75000"/>
+                  </a:schemeClr>
+                </a:solidFill>
+              </a:rPr>
+              <a:t>await</a:t>
+            </a:r>
+            <a:r>
+              <a:rPr lang="de-DE" sz="2400" dirty="0"/>
+              <a:t> </a:t>
+            </a:r>
+            <a:r>
+              <a:rPr lang="de-DE" sz="2400" b="1" i="1" dirty="0" err="1">
+                <a:solidFill>
+                  <a:schemeClr val="tx2"/>
+                </a:solidFill>
+              </a:rPr>
+              <a:t>funktion</a:t>
+            </a:r>
+            <a:r>
+              <a:rPr lang="de-DE" sz="2400" b="1" dirty="0">
+                <a:solidFill>
+                  <a:schemeClr val="accent1">
+                    <a:lumMod val="75000"/>
+                  </a:schemeClr>
+                </a:solidFill>
+              </a:rPr>
+              <a:t>();</a:t>
+            </a:r>
+          </a:p>
+          <a:p>
+            <a:endParaRPr lang="de-DE" sz="2400" b="1" dirty="0">
+              <a:solidFill>
+                <a:schemeClr val="accent1">
+                  <a:lumMod val="75000"/>
+                </a:schemeClr>
+              </a:solidFill>
+            </a:endParaRPr>
+          </a:p>
+        </p:txBody>
+      </p:sp>
+      <p:sp>
+        <p:nvSpPr>
+          <p:cNvPr id="4" name="Datumsplatzhalter 3">
+            <a:extLst>
+              <a:ext uri="{FF2B5EF4-FFF2-40B4-BE49-F238E27FC236}">
+                <a16:creationId xmlns:a16="http://schemas.microsoft.com/office/drawing/2014/main" id="{4693A968-0D25-4B10-85E4-0D3AAE89FB29}"/>
+              </a:ext>
+            </a:extLst>
+          </p:cNvPr>
+          <p:cNvSpPr>
+            <a:spLocks noGrp="1"/>
+          </p:cNvSpPr>
+          <p:nvPr>
+            <p:ph type="dt" sz="half" idx="10"/>
+          </p:nvPr>
+        </p:nvSpPr>
+        <p:spPr/>
+        <p:txBody>
+          <a:bodyPr/>
+          <a:lstStyle/>
+          <a:p>
+            <a:fld id="{23613DF9-A7E5-45FC-950B-BCC0B949EAE8}" type="datetime1">
+              <a:rPr lang="de-DE" smtClean="0"/>
+              <a:t>12.04.2023</a:t>
+            </a:fld>
+            <a:endParaRPr lang="de-DE"/>
+          </a:p>
+        </p:txBody>
+      </p:sp>
+      <p:sp>
+        <p:nvSpPr>
+          <p:cNvPr id="5" name="Fußzeilenplatzhalter 4">
+            <a:extLst>
+              <a:ext uri="{FF2B5EF4-FFF2-40B4-BE49-F238E27FC236}">
+                <a16:creationId xmlns:a16="http://schemas.microsoft.com/office/drawing/2014/main" id="{504FD0F8-8019-41C1-9845-187D32895B64}"/>
+              </a:ext>
+            </a:extLst>
+          </p:cNvPr>
+          <p:cNvSpPr>
+            <a:spLocks noGrp="1"/>
+          </p:cNvSpPr>
+          <p:nvPr>
+            <p:ph type="ftr" sz="quarter" idx="11"/>
+          </p:nvPr>
+        </p:nvSpPr>
+        <p:spPr/>
+        <p:txBody>
+          <a:bodyPr/>
+          <a:lstStyle/>
+          <a:p>
+            <a:r>
+              <a:rPr lang="de-DE"/>
+              <a:t>Dart - Programmiersprache für Smartphones</a:t>
+            </a:r>
+          </a:p>
+        </p:txBody>
+      </p:sp>
+      <p:sp>
+        <p:nvSpPr>
+          <p:cNvPr id="6" name="Foliennummernplatzhalter 5">
+            <a:extLst>
+              <a:ext uri="{FF2B5EF4-FFF2-40B4-BE49-F238E27FC236}">
+                <a16:creationId xmlns:a16="http://schemas.microsoft.com/office/drawing/2014/main" id="{9AFE2190-C2BD-4BED-B296-12901558E044}"/>
+              </a:ext>
+            </a:extLst>
+          </p:cNvPr>
+          <p:cNvSpPr>
+            <a:spLocks noGrp="1"/>
+          </p:cNvSpPr>
+          <p:nvPr>
+            <p:ph type="sldNum" sz="quarter" idx="12"/>
+          </p:nvPr>
+        </p:nvSpPr>
+        <p:spPr/>
+        <p:txBody>
+          <a:bodyPr/>
+          <a:lstStyle/>
+          <a:p>
+            <a:fld id="{3A1F27E2-D58A-4028-9FF2-B12D897F257E}" type="slidenum">
+              <a:rPr lang="de-DE" smtClean="0"/>
+              <a:t>66</a:t>
+            </a:fld>
+            <a:endParaRPr lang="de-DE"/>
+          </a:p>
+        </p:txBody>
+      </p:sp>
+    </p:spTree>
+    <p:extLst>
+      <p:ext uri="{BB962C8B-B14F-4D97-AF65-F5344CB8AC3E}">
+        <p14:creationId xmlns:p14="http://schemas.microsoft.com/office/powerpoint/2010/main" val="3066716367"/>
+      </p:ext>
+    </p:extLst>
+  </p:cSld>
+  <p:clrMapOvr>
+    <a:masterClrMapping/>
+  </p:clrMapOvr>
+</p:sld>
+</file>
+
+<file path=ppt/slides/slide67.xml><?xml version="1.0" encoding="utf-8"?>
+<p:sld xmlns:a="http://schemas.openxmlformats.org/drawingml/2006/main" xmlns:r="http://schemas.openxmlformats.org/officeDocument/2006/relationships" xmlns:p="http://schemas.openxmlformats.org/presentationml/2006/main">
+  <p:cSld>
+    <p:spTree>
+      <p:nvGrpSpPr>
+        <p:cNvPr id="1" name=""/>
+        <p:cNvGrpSpPr/>
+        <p:nvPr/>
+      </p:nvGrpSpPr>
+      <p:grpSpPr>
+        <a:xfrm>
+          <a:off x="0" y="0"/>
+          <a:ext cx="0" cy="0"/>
+          <a:chOff x="0" y="0"/>
+          <a:chExt cx="0" cy="0"/>
+        </a:xfrm>
+      </p:grpSpPr>
+      <p:pic>
+        <p:nvPicPr>
+          <p:cNvPr id="14" name="Grafik 13">
+            <a:extLst>
+              <a:ext uri="{FF2B5EF4-FFF2-40B4-BE49-F238E27FC236}">
+                <a16:creationId xmlns:a16="http://schemas.microsoft.com/office/drawing/2014/main" id="{A7E7F732-9760-44D7-B5FD-A51930B8E130}"/>
+              </a:ext>
+            </a:extLst>
+          </p:cNvPr>
+          <p:cNvPicPr>
+            <a:picLocks noChangeAspect="1"/>
+          </p:cNvPicPr>
+          <p:nvPr/>
+        </p:nvPicPr>
+        <p:blipFill>
+          <a:blip r:embed="rId3"/>
+          <a:stretch>
+            <a:fillRect/>
+          </a:stretch>
+        </p:blipFill>
+        <p:spPr>
+          <a:xfrm>
+            <a:off x="838200" y="1520825"/>
+            <a:ext cx="7927917" cy="4645025"/>
+          </a:xfrm>
+          <a:prstGeom prst="rect">
+            <a:avLst/>
+          </a:prstGeom>
+        </p:spPr>
+      </p:pic>
+      <p:sp>
+        <p:nvSpPr>
+          <p:cNvPr id="2" name="Titel 1">
+            <a:extLst>
+              <a:ext uri="{FF2B5EF4-FFF2-40B4-BE49-F238E27FC236}">
+                <a16:creationId xmlns:a16="http://schemas.microsoft.com/office/drawing/2014/main" id="{9B031CD1-14CB-47BF-92F5-F3E4BD50A5EF}"/>
+              </a:ext>
+            </a:extLst>
+          </p:cNvPr>
+          <p:cNvSpPr>
+            <a:spLocks noGrp="1"/>
+          </p:cNvSpPr>
+          <p:nvPr>
+            <p:ph type="title"/>
+          </p:nvPr>
+        </p:nvSpPr>
+        <p:spPr/>
+        <p:txBody>
+          <a:bodyPr/>
+          <a:lstStyle/>
+          <a:p>
+            <a:r>
+              <a:rPr lang="de-DE" dirty="0" err="1"/>
+              <a:t>Async</a:t>
+            </a:r>
+            <a:r>
+              <a:rPr lang="de-DE" dirty="0"/>
+              <a:t>/</a:t>
+            </a:r>
+            <a:r>
+              <a:rPr lang="de-DE" dirty="0" err="1"/>
+              <a:t>await</a:t>
+            </a:r>
+            <a:endParaRPr lang="de-DE" dirty="0"/>
+          </a:p>
+        </p:txBody>
+      </p:sp>
+      <p:sp>
+        <p:nvSpPr>
+          <p:cNvPr id="4" name="Datumsplatzhalter 3">
+            <a:extLst>
+              <a:ext uri="{FF2B5EF4-FFF2-40B4-BE49-F238E27FC236}">
+                <a16:creationId xmlns:a16="http://schemas.microsoft.com/office/drawing/2014/main" id="{4693A968-0D25-4B10-85E4-0D3AAE89FB29}"/>
+              </a:ext>
+            </a:extLst>
+          </p:cNvPr>
+          <p:cNvSpPr>
+            <a:spLocks noGrp="1"/>
+          </p:cNvSpPr>
+          <p:nvPr>
+            <p:ph type="dt" sz="half" idx="10"/>
+          </p:nvPr>
+        </p:nvSpPr>
+        <p:spPr/>
+        <p:txBody>
+          <a:bodyPr/>
+          <a:lstStyle/>
+          <a:p>
+            <a:fld id="{52EDD6C4-E3A8-4042-BB5D-CDA1A571A185}" type="datetime1">
+              <a:rPr lang="de-DE" smtClean="0"/>
+              <a:t>12.04.2023</a:t>
+            </a:fld>
+            <a:endParaRPr lang="de-DE"/>
+          </a:p>
+        </p:txBody>
+      </p:sp>
+      <p:sp>
+        <p:nvSpPr>
+          <p:cNvPr id="5" name="Fußzeilenplatzhalter 4">
+            <a:extLst>
+              <a:ext uri="{FF2B5EF4-FFF2-40B4-BE49-F238E27FC236}">
+                <a16:creationId xmlns:a16="http://schemas.microsoft.com/office/drawing/2014/main" id="{504FD0F8-8019-41C1-9845-187D32895B64}"/>
+              </a:ext>
+            </a:extLst>
+          </p:cNvPr>
+          <p:cNvSpPr>
+            <a:spLocks noGrp="1"/>
+          </p:cNvSpPr>
+          <p:nvPr>
+            <p:ph type="ftr" sz="quarter" idx="11"/>
+          </p:nvPr>
+        </p:nvSpPr>
+        <p:spPr/>
+        <p:txBody>
+          <a:bodyPr/>
+          <a:lstStyle/>
+          <a:p>
+            <a:r>
+              <a:rPr lang="de-DE"/>
+              <a:t>Dart - Programmiersprache für Smartphones</a:t>
+            </a:r>
+          </a:p>
+        </p:txBody>
+      </p:sp>
+      <p:sp>
+        <p:nvSpPr>
+          <p:cNvPr id="6" name="Foliennummernplatzhalter 5">
+            <a:extLst>
+              <a:ext uri="{FF2B5EF4-FFF2-40B4-BE49-F238E27FC236}">
+                <a16:creationId xmlns:a16="http://schemas.microsoft.com/office/drawing/2014/main" id="{9AFE2190-C2BD-4BED-B296-12901558E044}"/>
+              </a:ext>
+            </a:extLst>
+          </p:cNvPr>
+          <p:cNvSpPr>
+            <a:spLocks noGrp="1"/>
+          </p:cNvSpPr>
+          <p:nvPr>
+            <p:ph type="sldNum" sz="quarter" idx="12"/>
+          </p:nvPr>
+        </p:nvSpPr>
+        <p:spPr/>
+        <p:txBody>
+          <a:bodyPr/>
+          <a:lstStyle/>
+          <a:p>
+            <a:fld id="{3A1F27E2-D58A-4028-9FF2-B12D897F257E}" type="slidenum">
+              <a:rPr lang="de-DE" smtClean="0"/>
+              <a:t>67</a:t>
+            </a:fld>
+            <a:endParaRPr lang="de-DE"/>
+          </a:p>
+        </p:txBody>
+      </p:sp>
+      <p:sp>
+        <p:nvSpPr>
+          <p:cNvPr id="8" name="Geschweifte Klammer rechts 7">
+            <a:extLst>
+              <a:ext uri="{FF2B5EF4-FFF2-40B4-BE49-F238E27FC236}">
+                <a16:creationId xmlns:a16="http://schemas.microsoft.com/office/drawing/2014/main" id="{7F789E79-0918-445A-89B2-E262E94A3154}"/>
+              </a:ext>
+            </a:extLst>
+          </p:cNvPr>
+          <p:cNvSpPr/>
+          <p:nvPr/>
+        </p:nvSpPr>
+        <p:spPr>
+          <a:xfrm>
+            <a:off x="4899693" y="1532347"/>
+            <a:ext cx="276447" cy="871501"/>
+          </a:xfrm>
+          <a:prstGeom prst="rightBrace">
+            <a:avLst/>
+          </a:prstGeom>
+          <a:ln w="28575"/>
+        </p:spPr>
+        <p:style>
+          <a:lnRef idx="1">
+            <a:schemeClr val="accent1"/>
+          </a:lnRef>
+          <a:fillRef idx="0">
+            <a:schemeClr val="accent1"/>
+          </a:fillRef>
+          <a:effectRef idx="0">
+            <a:schemeClr val="accent1"/>
+          </a:effectRef>
+          <a:fontRef idx="minor">
+            <a:schemeClr val="tx1"/>
+          </a:fontRef>
+        </p:style>
+        <p:txBody>
+          <a:bodyPr rtlCol="0" anchor="ctr"/>
+          <a:lstStyle/>
+          <a:p>
+            <a:pPr algn="ctr"/>
+            <a:endParaRPr lang="de-DE"/>
+          </a:p>
+        </p:txBody>
+      </p:sp>
+      <p:sp>
+        <p:nvSpPr>
+          <p:cNvPr id="9" name="Textfeld 8">
+            <a:extLst>
+              <a:ext uri="{FF2B5EF4-FFF2-40B4-BE49-F238E27FC236}">
+                <a16:creationId xmlns:a16="http://schemas.microsoft.com/office/drawing/2014/main" id="{6FDBEC44-77E0-4590-A68A-767B033C420A}"/>
+              </a:ext>
+            </a:extLst>
+          </p:cNvPr>
+          <p:cNvSpPr txBox="1"/>
+          <p:nvPr/>
+        </p:nvSpPr>
+        <p:spPr>
+          <a:xfrm>
+            <a:off x="5271832" y="1828804"/>
+            <a:ext cx="1648336" cy="369332"/>
+          </a:xfrm>
+          <a:prstGeom prst="rect">
+            <a:avLst/>
+          </a:prstGeom>
+          <a:noFill/>
+        </p:spPr>
+        <p:txBody>
+          <a:bodyPr wrap="none" rtlCol="0">
+            <a:spAutoFit/>
+          </a:bodyPr>
+          <a:lstStyle/>
+          <a:p>
+            <a:r>
+              <a:rPr lang="de-DE" dirty="0"/>
+              <a:t>Kennt ihr schon</a:t>
+            </a:r>
+          </a:p>
+        </p:txBody>
+      </p:sp>
+      <p:sp>
+        <p:nvSpPr>
+          <p:cNvPr id="10" name="Geschweifte Klammer rechts 9">
+            <a:extLst>
+              <a:ext uri="{FF2B5EF4-FFF2-40B4-BE49-F238E27FC236}">
+                <a16:creationId xmlns:a16="http://schemas.microsoft.com/office/drawing/2014/main" id="{19163675-78DE-4AC1-ADCE-BA4EE3E88531}"/>
+              </a:ext>
+            </a:extLst>
+          </p:cNvPr>
+          <p:cNvSpPr/>
+          <p:nvPr/>
+        </p:nvSpPr>
+        <p:spPr>
+          <a:xfrm>
+            <a:off x="7432447" y="2611169"/>
+            <a:ext cx="276447" cy="1738239"/>
+          </a:xfrm>
+          <a:prstGeom prst="rightBrace">
+            <a:avLst/>
+          </a:prstGeom>
+          <a:ln w="28575"/>
+        </p:spPr>
+        <p:style>
+          <a:lnRef idx="1">
+            <a:schemeClr val="accent1"/>
+          </a:lnRef>
+          <a:fillRef idx="0">
+            <a:schemeClr val="accent1"/>
+          </a:fillRef>
+          <a:effectRef idx="0">
+            <a:schemeClr val="accent1"/>
+          </a:effectRef>
+          <a:fontRef idx="minor">
+            <a:schemeClr val="tx1"/>
+          </a:fontRef>
+        </p:style>
+        <p:txBody>
+          <a:bodyPr rtlCol="0" anchor="ctr"/>
+          <a:lstStyle/>
+          <a:p>
+            <a:pPr algn="ctr"/>
+            <a:endParaRPr lang="de-DE"/>
+          </a:p>
+        </p:txBody>
+      </p:sp>
+      <p:sp>
+        <p:nvSpPr>
+          <p:cNvPr id="11" name="Textfeld 10">
+            <a:extLst>
+              <a:ext uri="{FF2B5EF4-FFF2-40B4-BE49-F238E27FC236}">
+                <a16:creationId xmlns:a16="http://schemas.microsoft.com/office/drawing/2014/main" id="{05422856-4C8D-407D-B4D8-BA8E7A749F0E}"/>
+              </a:ext>
+            </a:extLst>
+          </p:cNvPr>
+          <p:cNvSpPr txBox="1"/>
+          <p:nvPr/>
+        </p:nvSpPr>
+        <p:spPr>
+          <a:xfrm>
+            <a:off x="7708894" y="3295622"/>
+            <a:ext cx="2778453" cy="369332"/>
+          </a:xfrm>
+          <a:prstGeom prst="rect">
+            <a:avLst/>
+          </a:prstGeom>
+          <a:noFill/>
+        </p:spPr>
+        <p:txBody>
+          <a:bodyPr wrap="none" rtlCol="0">
+            <a:spAutoFit/>
+          </a:bodyPr>
+          <a:lstStyle/>
+          <a:p>
+            <a:r>
+              <a:rPr lang="de-DE" dirty="0"/>
+              <a:t>Kommt aus einer Bibliothek</a:t>
+            </a:r>
+          </a:p>
+        </p:txBody>
+      </p:sp>
+      <p:sp>
+        <p:nvSpPr>
+          <p:cNvPr id="12" name="Rechteck 11">
+            <a:extLst>
+              <a:ext uri="{FF2B5EF4-FFF2-40B4-BE49-F238E27FC236}">
+                <a16:creationId xmlns:a16="http://schemas.microsoft.com/office/drawing/2014/main" id="{19DCDAD3-BF78-43E2-8231-06ED59F6CB3D}"/>
+              </a:ext>
+            </a:extLst>
+          </p:cNvPr>
+          <p:cNvSpPr/>
+          <p:nvPr/>
+        </p:nvSpPr>
+        <p:spPr>
+          <a:xfrm>
+            <a:off x="2349796" y="5167053"/>
+            <a:ext cx="1935125" cy="297712"/>
+          </a:xfrm>
+          <a:prstGeom prst="rect">
+            <a:avLst/>
+          </a:prstGeom>
+          <a:noFill/>
+          <a:ln w="28575">
+            <a:solidFill>
+              <a:schemeClr val="accent1"/>
+            </a:solidFill>
+          </a:ln>
+        </p:spPr>
+        <p:style>
+          <a:lnRef idx="2">
+            <a:schemeClr val="accent1">
+              <a:shade val="50000"/>
+            </a:schemeClr>
+          </a:lnRef>
+          <a:fillRef idx="1">
+            <a:schemeClr val="accent1"/>
+          </a:fillRef>
+          <a:effectRef idx="0">
+            <a:schemeClr val="accent1"/>
+          </a:effectRef>
+          <a:fontRef idx="minor">
+            <a:schemeClr val="lt1"/>
+          </a:fontRef>
+        </p:style>
+        <p:txBody>
+          <a:bodyPr rtlCol="0" anchor="ctr"/>
+          <a:lstStyle/>
+          <a:p>
+            <a:pPr algn="ctr"/>
+            <a:endParaRPr lang="de-DE"/>
+          </a:p>
+        </p:txBody>
+      </p:sp>
+    </p:spTree>
+    <p:extLst>
+      <p:ext uri="{BB962C8B-B14F-4D97-AF65-F5344CB8AC3E}">
+        <p14:creationId xmlns:p14="http://schemas.microsoft.com/office/powerpoint/2010/main" val="1383890414"/>
+      </p:ext>
+    </p:extLst>
+  </p:cSld>
+  <p:clrMapOvr>
+    <a:masterClrMapping/>
+  </p:clrMapOvr>
+</p:sld>
+</file>
+
 <file path=ppt/slides/slide7.xml><?xml version="1.0" encoding="utf-8"?>
 <p:sld xmlns:a="http://schemas.openxmlformats.org/drawingml/2006/main" xmlns:r="http://schemas.openxmlformats.org/officeDocument/2006/relationships" xmlns:p="http://schemas.openxmlformats.org/presentationml/2006/main">
   <p:cSld>
@@ -32643,7 +34151,7 @@
           <a:p>
             <a:fld id="{7127E464-1A99-4532-A297-E1D7378D9E61}" type="datetime1">
               <a:rPr lang="de-DE" smtClean="0"/>
-              <a:t>24.03.2023</a:t>
+              <a:t>12.04.2023</a:t>
             </a:fld>
             <a:endParaRPr lang="de-DE"/>
           </a:p>
@@ -33024,7 +34532,7 @@
           <a:p>
             <a:fld id="{77B5C711-A7A8-40A0-AEA6-3F77D4628817}" type="datetime1">
               <a:rPr lang="de-DE" smtClean="0"/>
-              <a:t>24.03.2023</a:t>
+              <a:t>12.04.2023</a:t>
             </a:fld>
             <a:endParaRPr lang="de-DE"/>
           </a:p>
@@ -33403,7 +34911,7 @@
           <a:p>
             <a:fld id="{27A2010A-1149-4F23-80A2-1B4570F18F3A}" type="datetime1">
               <a:rPr lang="de-DE" smtClean="0"/>
-              <a:t>24.03.2023</a:t>
+              <a:t>12.04.2023</a:t>
             </a:fld>
             <a:endParaRPr lang="de-DE"/>
           </a:p>
